--- a/presentation/Xilinx IP cores for Digital Signal Processing.pptx
+++ b/presentation/Xilinx IP cores for Digital Signal Processing.pptx
@@ -3109,6 +3109,1500 @@
 </file>
 
 <file path=ppt/diagrams/colors5.xml><?xml version="1.0" encoding="utf-8"?>
+<dgm:colorsDef xmlns:dgm="http://schemas.openxmlformats.org/drawingml/2006/diagram" xmlns:a="http://schemas.openxmlformats.org/drawingml/2006/main" uniqueId="urn:microsoft.com/office/officeart/2005/8/colors/accent1_2">
+  <dgm:title val=""/>
+  <dgm:desc val=""/>
+  <dgm:catLst>
+    <dgm:cat type="accent1" pri="11200"/>
+  </dgm:catLst>
+  <dgm:styleLbl name="node0">
+    <dgm:fillClrLst meth="repeat">
+      <a:schemeClr val="accent1"/>
+    </dgm:fillClrLst>
+    <dgm:linClrLst meth="repeat">
+      <a:schemeClr val="lt1"/>
+    </dgm:linClrLst>
+    <dgm:effectClrLst/>
+    <dgm:txLinClrLst/>
+    <dgm:txFillClrLst/>
+    <dgm:txEffectClrLst/>
+  </dgm:styleLbl>
+  <dgm:styleLbl name="alignNode1">
+    <dgm:fillClrLst meth="repeat">
+      <a:schemeClr val="accent1"/>
+    </dgm:fillClrLst>
+    <dgm:linClrLst meth="repeat">
+      <a:schemeClr val="accent1"/>
+    </dgm:linClrLst>
+    <dgm:effectClrLst/>
+    <dgm:txLinClrLst/>
+    <dgm:txFillClrLst/>
+    <dgm:txEffectClrLst/>
+  </dgm:styleLbl>
+  <dgm:styleLbl name="node1">
+    <dgm:fillClrLst meth="repeat">
+      <a:schemeClr val="accent1"/>
+    </dgm:fillClrLst>
+    <dgm:linClrLst meth="repeat">
+      <a:schemeClr val="lt1"/>
+    </dgm:linClrLst>
+    <dgm:effectClrLst/>
+    <dgm:txLinClrLst/>
+    <dgm:txFillClrLst/>
+    <dgm:txEffectClrLst/>
+  </dgm:styleLbl>
+  <dgm:styleLbl name="lnNode1">
+    <dgm:fillClrLst meth="repeat">
+      <a:schemeClr val="accent1"/>
+    </dgm:fillClrLst>
+    <dgm:linClrLst meth="repeat">
+      <a:schemeClr val="lt1"/>
+    </dgm:linClrLst>
+    <dgm:effectClrLst/>
+    <dgm:txLinClrLst/>
+    <dgm:txFillClrLst/>
+    <dgm:txEffectClrLst/>
+  </dgm:styleLbl>
+  <dgm:styleLbl name="vennNode1">
+    <dgm:fillClrLst meth="repeat">
+      <a:schemeClr val="accent1">
+        <a:alpha val="50000"/>
+      </a:schemeClr>
+    </dgm:fillClrLst>
+    <dgm:linClrLst meth="repeat">
+      <a:schemeClr val="lt1"/>
+    </dgm:linClrLst>
+    <dgm:effectClrLst/>
+    <dgm:txLinClrLst/>
+    <dgm:txFillClrLst/>
+    <dgm:txEffectClrLst/>
+  </dgm:styleLbl>
+  <dgm:styleLbl name="node2">
+    <dgm:fillClrLst meth="repeat">
+      <a:schemeClr val="accent1"/>
+    </dgm:fillClrLst>
+    <dgm:linClrLst meth="repeat">
+      <a:schemeClr val="lt1"/>
+    </dgm:linClrLst>
+    <dgm:effectClrLst/>
+    <dgm:txLinClrLst/>
+    <dgm:txFillClrLst/>
+    <dgm:txEffectClrLst/>
+  </dgm:styleLbl>
+  <dgm:styleLbl name="node3">
+    <dgm:fillClrLst meth="repeat">
+      <a:schemeClr val="accent1"/>
+    </dgm:fillClrLst>
+    <dgm:linClrLst meth="repeat">
+      <a:schemeClr val="lt1"/>
+    </dgm:linClrLst>
+    <dgm:effectClrLst/>
+    <dgm:txLinClrLst/>
+    <dgm:txFillClrLst/>
+    <dgm:txEffectClrLst/>
+  </dgm:styleLbl>
+  <dgm:styleLbl name="node4">
+    <dgm:fillClrLst meth="repeat">
+      <a:schemeClr val="accent1"/>
+    </dgm:fillClrLst>
+    <dgm:linClrLst meth="repeat">
+      <a:schemeClr val="lt1"/>
+    </dgm:linClrLst>
+    <dgm:effectClrLst/>
+    <dgm:txLinClrLst/>
+    <dgm:txFillClrLst/>
+    <dgm:txEffectClrLst/>
+  </dgm:styleLbl>
+  <dgm:styleLbl name="fgImgPlace1">
+    <dgm:fillClrLst meth="repeat">
+      <a:schemeClr val="accent1">
+        <a:tint val="50000"/>
+      </a:schemeClr>
+    </dgm:fillClrLst>
+    <dgm:linClrLst meth="repeat">
+      <a:schemeClr val="lt1"/>
+    </dgm:linClrLst>
+    <dgm:effectClrLst/>
+    <dgm:txLinClrLst/>
+    <dgm:txFillClrLst meth="repeat">
+      <a:schemeClr val="lt1"/>
+    </dgm:txFillClrLst>
+    <dgm:txEffectClrLst/>
+  </dgm:styleLbl>
+  <dgm:styleLbl name="alignImgPlace1">
+    <dgm:fillClrLst meth="repeat">
+      <a:schemeClr val="accent1">
+        <a:tint val="50000"/>
+      </a:schemeClr>
+    </dgm:fillClrLst>
+    <dgm:linClrLst meth="repeat">
+      <a:schemeClr val="lt1"/>
+    </dgm:linClrLst>
+    <dgm:effectClrLst/>
+    <dgm:txLinClrLst/>
+    <dgm:txFillClrLst meth="repeat">
+      <a:schemeClr val="lt1"/>
+    </dgm:txFillClrLst>
+    <dgm:txEffectClrLst/>
+  </dgm:styleLbl>
+  <dgm:styleLbl name="bgImgPlace1">
+    <dgm:fillClrLst meth="repeat">
+      <a:schemeClr val="accent1">
+        <a:tint val="50000"/>
+      </a:schemeClr>
+    </dgm:fillClrLst>
+    <dgm:linClrLst meth="repeat">
+      <a:schemeClr val="lt1"/>
+    </dgm:linClrLst>
+    <dgm:effectClrLst/>
+    <dgm:txLinClrLst/>
+    <dgm:txFillClrLst meth="repeat">
+      <a:schemeClr val="lt1"/>
+    </dgm:txFillClrLst>
+    <dgm:txEffectClrLst/>
+  </dgm:styleLbl>
+  <dgm:styleLbl name="sibTrans2D1">
+    <dgm:fillClrLst meth="repeat">
+      <a:schemeClr val="accent1">
+        <a:tint val="60000"/>
+      </a:schemeClr>
+    </dgm:fillClrLst>
+    <dgm:linClrLst meth="repeat">
+      <a:schemeClr val="accent1">
+        <a:tint val="60000"/>
+      </a:schemeClr>
+    </dgm:linClrLst>
+    <dgm:effectClrLst/>
+    <dgm:txLinClrLst/>
+    <dgm:txFillClrLst/>
+    <dgm:txEffectClrLst/>
+  </dgm:styleLbl>
+  <dgm:styleLbl name="fgSibTrans2D1">
+    <dgm:fillClrLst meth="repeat">
+      <a:schemeClr val="accent1">
+        <a:tint val="60000"/>
+      </a:schemeClr>
+    </dgm:fillClrLst>
+    <dgm:linClrLst meth="repeat">
+      <a:schemeClr val="accent1">
+        <a:tint val="60000"/>
+      </a:schemeClr>
+    </dgm:linClrLst>
+    <dgm:effectClrLst/>
+    <dgm:txLinClrLst/>
+    <dgm:txFillClrLst/>
+    <dgm:txEffectClrLst/>
+  </dgm:styleLbl>
+  <dgm:styleLbl name="bgSibTrans2D1">
+    <dgm:fillClrLst meth="repeat">
+      <a:schemeClr val="accent1">
+        <a:tint val="60000"/>
+      </a:schemeClr>
+    </dgm:fillClrLst>
+    <dgm:linClrLst meth="repeat">
+      <a:schemeClr val="accent1">
+        <a:tint val="60000"/>
+      </a:schemeClr>
+    </dgm:linClrLst>
+    <dgm:effectClrLst/>
+    <dgm:txLinClrLst/>
+    <dgm:txFillClrLst/>
+    <dgm:txEffectClrLst/>
+  </dgm:styleLbl>
+  <dgm:styleLbl name="sibTrans1D1">
+    <dgm:fillClrLst meth="repeat">
+      <a:schemeClr val="accent1"/>
+    </dgm:fillClrLst>
+    <dgm:linClrLst meth="repeat">
+      <a:schemeClr val="accent1"/>
+    </dgm:linClrLst>
+    <dgm:effectClrLst/>
+    <dgm:txLinClrLst/>
+    <dgm:txFillClrLst meth="repeat">
+      <a:schemeClr val="tx1"/>
+    </dgm:txFillClrLst>
+    <dgm:txEffectClrLst/>
+  </dgm:styleLbl>
+  <dgm:styleLbl name="callout">
+    <dgm:fillClrLst meth="repeat">
+      <a:schemeClr val="accent1"/>
+    </dgm:fillClrLst>
+    <dgm:linClrLst meth="repeat">
+      <a:schemeClr val="accent1">
+        <a:tint val="50000"/>
+      </a:schemeClr>
+    </dgm:linClrLst>
+    <dgm:effectClrLst/>
+    <dgm:txLinClrLst/>
+    <dgm:txFillClrLst meth="repeat">
+      <a:schemeClr val="tx1"/>
+    </dgm:txFillClrLst>
+    <dgm:txEffectClrLst/>
+  </dgm:styleLbl>
+  <dgm:styleLbl name="asst0">
+    <dgm:fillClrLst meth="repeat">
+      <a:schemeClr val="accent1"/>
+    </dgm:fillClrLst>
+    <dgm:linClrLst meth="repeat">
+      <a:schemeClr val="lt1"/>
+    </dgm:linClrLst>
+    <dgm:effectClrLst/>
+    <dgm:txLinClrLst/>
+    <dgm:txFillClrLst/>
+    <dgm:txEffectClrLst/>
+  </dgm:styleLbl>
+  <dgm:styleLbl name="asst1">
+    <dgm:fillClrLst meth="repeat">
+      <a:schemeClr val="accent1"/>
+    </dgm:fillClrLst>
+    <dgm:linClrLst meth="repeat">
+      <a:schemeClr val="lt1"/>
+    </dgm:linClrLst>
+    <dgm:effectClrLst/>
+    <dgm:txLinClrLst/>
+    <dgm:txFillClrLst/>
+    <dgm:txEffectClrLst/>
+  </dgm:styleLbl>
+  <dgm:styleLbl name="asst2">
+    <dgm:fillClrLst meth="repeat">
+      <a:schemeClr val="accent1"/>
+    </dgm:fillClrLst>
+    <dgm:linClrLst meth="repeat">
+      <a:schemeClr val="lt1"/>
+    </dgm:linClrLst>
+    <dgm:effectClrLst/>
+    <dgm:txLinClrLst/>
+    <dgm:txFillClrLst/>
+    <dgm:txEffectClrLst/>
+  </dgm:styleLbl>
+  <dgm:styleLbl name="asst3">
+    <dgm:fillClrLst meth="repeat">
+      <a:schemeClr val="accent1"/>
+    </dgm:fillClrLst>
+    <dgm:linClrLst meth="repeat">
+      <a:schemeClr val="lt1"/>
+    </dgm:linClrLst>
+    <dgm:effectClrLst/>
+    <dgm:txLinClrLst/>
+    <dgm:txFillClrLst/>
+    <dgm:txEffectClrLst/>
+  </dgm:styleLbl>
+  <dgm:styleLbl name="asst4">
+    <dgm:fillClrLst meth="repeat">
+      <a:schemeClr val="accent1"/>
+    </dgm:fillClrLst>
+    <dgm:linClrLst meth="repeat">
+      <a:schemeClr val="lt1"/>
+    </dgm:linClrLst>
+    <dgm:effectClrLst/>
+    <dgm:txLinClrLst/>
+    <dgm:txFillClrLst/>
+    <dgm:txEffectClrLst/>
+  </dgm:styleLbl>
+  <dgm:styleLbl name="parChTrans2D1">
+    <dgm:fillClrLst meth="repeat">
+      <a:schemeClr val="accent1">
+        <a:tint val="60000"/>
+      </a:schemeClr>
+    </dgm:fillClrLst>
+    <dgm:linClrLst meth="repeat">
+      <a:schemeClr val="accent1">
+        <a:tint val="60000"/>
+      </a:schemeClr>
+    </dgm:linClrLst>
+    <dgm:effectClrLst/>
+    <dgm:txLinClrLst/>
+    <dgm:txFillClrLst meth="repeat">
+      <a:schemeClr val="lt1"/>
+    </dgm:txFillClrLst>
+    <dgm:txEffectClrLst/>
+  </dgm:styleLbl>
+  <dgm:styleLbl name="parChTrans2D2">
+    <dgm:fillClrLst meth="repeat">
+      <a:schemeClr val="accent1"/>
+    </dgm:fillClrLst>
+    <dgm:linClrLst meth="repeat">
+      <a:schemeClr val="accent1"/>
+    </dgm:linClrLst>
+    <dgm:effectClrLst/>
+    <dgm:txLinClrLst/>
+    <dgm:txFillClrLst meth="repeat">
+      <a:schemeClr val="lt1"/>
+    </dgm:txFillClrLst>
+    <dgm:txEffectClrLst/>
+  </dgm:styleLbl>
+  <dgm:styleLbl name="parChTrans2D3">
+    <dgm:fillClrLst meth="repeat">
+      <a:schemeClr val="accent1"/>
+    </dgm:fillClrLst>
+    <dgm:linClrLst meth="repeat">
+      <a:schemeClr val="accent1"/>
+    </dgm:linClrLst>
+    <dgm:effectClrLst/>
+    <dgm:txLinClrLst/>
+    <dgm:txFillClrLst meth="repeat">
+      <a:schemeClr val="lt1"/>
+    </dgm:txFillClrLst>
+    <dgm:txEffectClrLst/>
+  </dgm:styleLbl>
+  <dgm:styleLbl name="parChTrans2D4">
+    <dgm:fillClrLst meth="repeat">
+      <a:schemeClr val="accent1"/>
+    </dgm:fillClrLst>
+    <dgm:linClrLst meth="repeat">
+      <a:schemeClr val="accent1"/>
+    </dgm:linClrLst>
+    <dgm:effectClrLst/>
+    <dgm:txLinClrLst/>
+    <dgm:txFillClrLst meth="repeat">
+      <a:schemeClr val="lt1"/>
+    </dgm:txFillClrLst>
+    <dgm:txEffectClrLst/>
+  </dgm:styleLbl>
+  <dgm:styleLbl name="parChTrans1D1">
+    <dgm:fillClrLst meth="repeat">
+      <a:schemeClr val="accent1"/>
+    </dgm:fillClrLst>
+    <dgm:linClrLst meth="repeat">
+      <a:schemeClr val="accent1">
+        <a:shade val="60000"/>
+      </a:schemeClr>
+    </dgm:linClrLst>
+    <dgm:effectClrLst/>
+    <dgm:txLinClrLst/>
+    <dgm:txFillClrLst meth="repeat">
+      <a:schemeClr val="tx1"/>
+    </dgm:txFillClrLst>
+    <dgm:txEffectClrLst/>
+  </dgm:styleLbl>
+  <dgm:styleLbl name="parChTrans1D2">
+    <dgm:fillClrLst meth="repeat">
+      <a:schemeClr val="accent1"/>
+    </dgm:fillClrLst>
+    <dgm:linClrLst meth="repeat">
+      <a:schemeClr val="accent1">
+        <a:shade val="60000"/>
+      </a:schemeClr>
+    </dgm:linClrLst>
+    <dgm:effectClrLst/>
+    <dgm:txLinClrLst/>
+    <dgm:txFillClrLst meth="repeat">
+      <a:schemeClr val="tx1"/>
+    </dgm:txFillClrLst>
+    <dgm:txEffectClrLst/>
+  </dgm:styleLbl>
+  <dgm:styleLbl name="parChTrans1D3">
+    <dgm:fillClrLst meth="repeat">
+      <a:schemeClr val="accent1"/>
+    </dgm:fillClrLst>
+    <dgm:linClrLst meth="repeat">
+      <a:schemeClr val="accent1">
+        <a:shade val="80000"/>
+      </a:schemeClr>
+    </dgm:linClrLst>
+    <dgm:effectClrLst/>
+    <dgm:txLinClrLst/>
+    <dgm:txFillClrLst meth="repeat">
+      <a:schemeClr val="tx1"/>
+    </dgm:txFillClrLst>
+    <dgm:txEffectClrLst/>
+  </dgm:styleLbl>
+  <dgm:styleLbl name="parChTrans1D4">
+    <dgm:fillClrLst meth="repeat">
+      <a:schemeClr val="accent1"/>
+    </dgm:fillClrLst>
+    <dgm:linClrLst meth="repeat">
+      <a:schemeClr val="accent1">
+        <a:shade val="80000"/>
+      </a:schemeClr>
+    </dgm:linClrLst>
+    <dgm:effectClrLst/>
+    <dgm:txLinClrLst/>
+    <dgm:txFillClrLst meth="repeat">
+      <a:schemeClr val="tx1"/>
+    </dgm:txFillClrLst>
+    <dgm:txEffectClrLst/>
+  </dgm:styleLbl>
+  <dgm:styleLbl name="fgAcc1">
+    <dgm:fillClrLst meth="repeat">
+      <a:schemeClr val="lt1">
+        <a:alpha val="90000"/>
+      </a:schemeClr>
+    </dgm:fillClrLst>
+    <dgm:linClrLst meth="repeat">
+      <a:schemeClr val="accent1"/>
+    </dgm:linClrLst>
+    <dgm:effectClrLst/>
+    <dgm:txLinClrLst/>
+    <dgm:txFillClrLst meth="repeat">
+      <a:schemeClr val="dk1"/>
+    </dgm:txFillClrLst>
+    <dgm:txEffectClrLst/>
+  </dgm:styleLbl>
+  <dgm:styleLbl name="conFgAcc1">
+    <dgm:fillClrLst meth="repeat">
+      <a:schemeClr val="lt1">
+        <a:alpha val="90000"/>
+      </a:schemeClr>
+    </dgm:fillClrLst>
+    <dgm:linClrLst meth="repeat">
+      <a:schemeClr val="accent1"/>
+    </dgm:linClrLst>
+    <dgm:effectClrLst/>
+    <dgm:txLinClrLst/>
+    <dgm:txFillClrLst meth="repeat">
+      <a:schemeClr val="dk1"/>
+    </dgm:txFillClrLst>
+    <dgm:txEffectClrLst/>
+  </dgm:styleLbl>
+  <dgm:styleLbl name="alignAcc1">
+    <dgm:fillClrLst meth="repeat">
+      <a:schemeClr val="lt1">
+        <a:alpha val="90000"/>
+      </a:schemeClr>
+    </dgm:fillClrLst>
+    <dgm:linClrLst meth="repeat">
+      <a:schemeClr val="accent1"/>
+    </dgm:linClrLst>
+    <dgm:effectClrLst/>
+    <dgm:txLinClrLst/>
+    <dgm:txFillClrLst meth="repeat">
+      <a:schemeClr val="dk1"/>
+    </dgm:txFillClrLst>
+    <dgm:txEffectClrLst/>
+  </dgm:styleLbl>
+  <dgm:styleLbl name="trAlignAcc1">
+    <dgm:fillClrLst meth="repeat">
+      <a:schemeClr val="lt1">
+        <a:alpha val="40000"/>
+      </a:schemeClr>
+    </dgm:fillClrLst>
+    <dgm:linClrLst meth="repeat">
+      <a:schemeClr val="accent1"/>
+    </dgm:linClrLst>
+    <dgm:effectClrLst/>
+    <dgm:txLinClrLst/>
+    <dgm:txFillClrLst meth="repeat">
+      <a:schemeClr val="dk1"/>
+    </dgm:txFillClrLst>
+    <dgm:txEffectClrLst/>
+  </dgm:styleLbl>
+  <dgm:styleLbl name="bgAcc1">
+    <dgm:fillClrLst meth="repeat">
+      <a:schemeClr val="lt1">
+        <a:alpha val="90000"/>
+      </a:schemeClr>
+    </dgm:fillClrLst>
+    <dgm:linClrLst meth="repeat">
+      <a:schemeClr val="accent1"/>
+    </dgm:linClrLst>
+    <dgm:effectClrLst/>
+    <dgm:txLinClrLst/>
+    <dgm:txFillClrLst meth="repeat">
+      <a:schemeClr val="dk1"/>
+    </dgm:txFillClrLst>
+    <dgm:txEffectClrLst/>
+  </dgm:styleLbl>
+  <dgm:styleLbl name="solidFgAcc1">
+    <dgm:fillClrLst meth="repeat">
+      <a:schemeClr val="lt1"/>
+    </dgm:fillClrLst>
+    <dgm:linClrLst meth="repeat">
+      <a:schemeClr val="accent1"/>
+    </dgm:linClrLst>
+    <dgm:effectClrLst/>
+    <dgm:txLinClrLst/>
+    <dgm:txFillClrLst meth="repeat">
+      <a:schemeClr val="dk1"/>
+    </dgm:txFillClrLst>
+    <dgm:txEffectClrLst/>
+  </dgm:styleLbl>
+  <dgm:styleLbl name="solidAlignAcc1">
+    <dgm:fillClrLst meth="repeat">
+      <a:schemeClr val="lt1"/>
+    </dgm:fillClrLst>
+    <dgm:linClrLst meth="repeat">
+      <a:schemeClr val="accent1"/>
+    </dgm:linClrLst>
+    <dgm:effectClrLst/>
+    <dgm:txLinClrLst/>
+    <dgm:txFillClrLst meth="repeat">
+      <a:schemeClr val="dk1"/>
+    </dgm:txFillClrLst>
+    <dgm:txEffectClrLst/>
+  </dgm:styleLbl>
+  <dgm:styleLbl name="solidBgAcc1">
+    <dgm:fillClrLst meth="repeat">
+      <a:schemeClr val="lt1"/>
+    </dgm:fillClrLst>
+    <dgm:linClrLst meth="repeat">
+      <a:schemeClr val="accent1"/>
+    </dgm:linClrLst>
+    <dgm:effectClrLst/>
+    <dgm:txLinClrLst/>
+    <dgm:txFillClrLst meth="repeat">
+      <a:schemeClr val="dk1"/>
+    </dgm:txFillClrLst>
+    <dgm:txEffectClrLst/>
+  </dgm:styleLbl>
+  <dgm:styleLbl name="fgAccFollowNode1">
+    <dgm:fillClrLst meth="repeat">
+      <a:schemeClr val="accent1">
+        <a:alpha val="90000"/>
+        <a:tint val="40000"/>
+      </a:schemeClr>
+    </dgm:fillClrLst>
+    <dgm:linClrLst meth="repeat">
+      <a:schemeClr val="accent1">
+        <a:alpha val="90000"/>
+        <a:tint val="40000"/>
+      </a:schemeClr>
+    </dgm:linClrLst>
+    <dgm:effectClrLst/>
+    <dgm:txLinClrLst/>
+    <dgm:txFillClrLst meth="repeat">
+      <a:schemeClr val="dk1"/>
+    </dgm:txFillClrLst>
+    <dgm:txEffectClrLst/>
+  </dgm:styleLbl>
+  <dgm:styleLbl name="alignAccFollowNode1">
+    <dgm:fillClrLst meth="repeat">
+      <a:schemeClr val="accent1">
+        <a:alpha val="90000"/>
+        <a:tint val="40000"/>
+      </a:schemeClr>
+    </dgm:fillClrLst>
+    <dgm:linClrLst meth="repeat">
+      <a:schemeClr val="accent1">
+        <a:alpha val="90000"/>
+        <a:tint val="40000"/>
+      </a:schemeClr>
+    </dgm:linClrLst>
+    <dgm:effectClrLst/>
+    <dgm:txLinClrLst/>
+    <dgm:txFillClrLst meth="repeat">
+      <a:schemeClr val="dk1"/>
+    </dgm:txFillClrLst>
+    <dgm:txEffectClrLst/>
+  </dgm:styleLbl>
+  <dgm:styleLbl name="bgAccFollowNode1">
+    <dgm:fillClrLst meth="repeat">
+      <a:schemeClr val="accent1">
+        <a:alpha val="90000"/>
+        <a:tint val="40000"/>
+      </a:schemeClr>
+    </dgm:fillClrLst>
+    <dgm:linClrLst meth="repeat">
+      <a:schemeClr val="accent1">
+        <a:alpha val="90000"/>
+        <a:tint val="40000"/>
+      </a:schemeClr>
+    </dgm:linClrLst>
+    <dgm:effectClrLst/>
+    <dgm:txLinClrLst/>
+    <dgm:txFillClrLst meth="repeat">
+      <a:schemeClr val="dk1"/>
+    </dgm:txFillClrLst>
+    <dgm:txEffectClrLst/>
+  </dgm:styleLbl>
+  <dgm:styleLbl name="fgAcc0">
+    <dgm:fillClrLst meth="repeat">
+      <a:schemeClr val="lt1">
+        <a:alpha val="90000"/>
+      </a:schemeClr>
+    </dgm:fillClrLst>
+    <dgm:linClrLst meth="repeat">
+      <a:schemeClr val="accent1"/>
+    </dgm:linClrLst>
+    <dgm:effectClrLst/>
+    <dgm:txLinClrLst/>
+    <dgm:txFillClrLst meth="repeat">
+      <a:schemeClr val="dk1"/>
+    </dgm:txFillClrLst>
+    <dgm:txEffectClrLst/>
+  </dgm:styleLbl>
+  <dgm:styleLbl name="fgAcc2">
+    <dgm:fillClrLst meth="repeat">
+      <a:schemeClr val="lt1">
+        <a:alpha val="90000"/>
+      </a:schemeClr>
+    </dgm:fillClrLst>
+    <dgm:linClrLst meth="repeat">
+      <a:schemeClr val="accent1"/>
+    </dgm:linClrLst>
+    <dgm:effectClrLst/>
+    <dgm:txLinClrLst/>
+    <dgm:txFillClrLst meth="repeat">
+      <a:schemeClr val="dk1"/>
+    </dgm:txFillClrLst>
+    <dgm:txEffectClrLst/>
+  </dgm:styleLbl>
+  <dgm:styleLbl name="fgAcc3">
+    <dgm:fillClrLst meth="repeat">
+      <a:schemeClr val="lt1">
+        <a:alpha val="90000"/>
+      </a:schemeClr>
+    </dgm:fillClrLst>
+    <dgm:linClrLst meth="repeat">
+      <a:schemeClr val="accent1"/>
+    </dgm:linClrLst>
+    <dgm:effectClrLst/>
+    <dgm:txLinClrLst/>
+    <dgm:txFillClrLst meth="repeat">
+      <a:schemeClr val="dk1"/>
+    </dgm:txFillClrLst>
+    <dgm:txEffectClrLst/>
+  </dgm:styleLbl>
+  <dgm:styleLbl name="fgAcc4">
+    <dgm:fillClrLst meth="repeat">
+      <a:schemeClr val="lt1">
+        <a:alpha val="90000"/>
+      </a:schemeClr>
+    </dgm:fillClrLst>
+    <dgm:linClrLst meth="repeat">
+      <a:schemeClr val="accent1"/>
+    </dgm:linClrLst>
+    <dgm:effectClrLst/>
+    <dgm:txLinClrLst/>
+    <dgm:txFillClrLst meth="repeat">
+      <a:schemeClr val="dk1"/>
+    </dgm:txFillClrLst>
+    <dgm:txEffectClrLst/>
+  </dgm:styleLbl>
+  <dgm:styleLbl name="bgShp">
+    <dgm:fillClrLst meth="repeat">
+      <a:schemeClr val="accent1">
+        <a:tint val="40000"/>
+      </a:schemeClr>
+    </dgm:fillClrLst>
+    <dgm:linClrLst meth="repeat">
+      <a:schemeClr val="accent1"/>
+    </dgm:linClrLst>
+    <dgm:effectClrLst/>
+    <dgm:txLinClrLst/>
+    <dgm:txFillClrLst meth="repeat">
+      <a:schemeClr val="dk1"/>
+    </dgm:txFillClrLst>
+    <dgm:txEffectClrLst/>
+  </dgm:styleLbl>
+  <dgm:styleLbl name="dkBgShp">
+    <dgm:fillClrLst meth="repeat">
+      <a:schemeClr val="accent1">
+        <a:shade val="80000"/>
+      </a:schemeClr>
+    </dgm:fillClrLst>
+    <dgm:linClrLst meth="repeat">
+      <a:schemeClr val="accent1"/>
+    </dgm:linClrLst>
+    <dgm:effectClrLst/>
+    <dgm:txLinClrLst/>
+    <dgm:txFillClrLst meth="repeat">
+      <a:schemeClr val="lt1"/>
+    </dgm:txFillClrLst>
+    <dgm:txEffectClrLst/>
+  </dgm:styleLbl>
+  <dgm:styleLbl name="trBgShp">
+    <dgm:fillClrLst meth="repeat">
+      <a:schemeClr val="accent1">
+        <a:tint val="50000"/>
+        <a:alpha val="40000"/>
+      </a:schemeClr>
+    </dgm:fillClrLst>
+    <dgm:linClrLst meth="repeat">
+      <a:schemeClr val="accent1"/>
+    </dgm:linClrLst>
+    <dgm:effectClrLst/>
+    <dgm:txLinClrLst/>
+    <dgm:txFillClrLst meth="repeat">
+      <a:schemeClr val="lt1"/>
+    </dgm:txFillClrLst>
+    <dgm:txEffectClrLst/>
+  </dgm:styleLbl>
+  <dgm:styleLbl name="fgShp">
+    <dgm:fillClrLst meth="repeat">
+      <a:schemeClr val="accent1">
+        <a:tint val="60000"/>
+      </a:schemeClr>
+    </dgm:fillClrLst>
+    <dgm:linClrLst meth="repeat">
+      <a:schemeClr val="lt1"/>
+    </dgm:linClrLst>
+    <dgm:effectClrLst/>
+    <dgm:txLinClrLst/>
+    <dgm:txFillClrLst meth="repeat">
+      <a:schemeClr val="dk1"/>
+    </dgm:txFillClrLst>
+    <dgm:txEffectClrLst/>
+  </dgm:styleLbl>
+  <dgm:styleLbl name="revTx">
+    <dgm:fillClrLst meth="repeat">
+      <a:schemeClr val="lt1">
+        <a:alpha val="0"/>
+      </a:schemeClr>
+    </dgm:fillClrLst>
+    <dgm:linClrLst meth="repeat">
+      <a:schemeClr val="dk1">
+        <a:alpha val="0"/>
+      </a:schemeClr>
+    </dgm:linClrLst>
+    <dgm:effectClrLst/>
+    <dgm:txLinClrLst/>
+    <dgm:txFillClrLst meth="repeat">
+      <a:schemeClr val="tx1"/>
+    </dgm:txFillClrLst>
+    <dgm:txEffectClrLst/>
+  </dgm:styleLbl>
+</dgm:colorsDef>
+</file>
+
+<file path=ppt/diagrams/colors6.xml><?xml version="1.0" encoding="utf-8"?>
+<dgm:colorsDef xmlns:dgm="http://schemas.openxmlformats.org/drawingml/2006/diagram" xmlns:a="http://schemas.openxmlformats.org/drawingml/2006/main" uniqueId="urn:microsoft.com/office/officeart/2005/8/colors/accent1_2">
+  <dgm:title val=""/>
+  <dgm:desc val=""/>
+  <dgm:catLst>
+    <dgm:cat type="accent1" pri="11200"/>
+  </dgm:catLst>
+  <dgm:styleLbl name="node0">
+    <dgm:fillClrLst meth="repeat">
+      <a:schemeClr val="accent1"/>
+    </dgm:fillClrLst>
+    <dgm:linClrLst meth="repeat">
+      <a:schemeClr val="lt1"/>
+    </dgm:linClrLst>
+    <dgm:effectClrLst/>
+    <dgm:txLinClrLst/>
+    <dgm:txFillClrLst/>
+    <dgm:txEffectClrLst/>
+  </dgm:styleLbl>
+  <dgm:styleLbl name="alignNode1">
+    <dgm:fillClrLst meth="repeat">
+      <a:schemeClr val="accent1"/>
+    </dgm:fillClrLst>
+    <dgm:linClrLst meth="repeat">
+      <a:schemeClr val="accent1"/>
+    </dgm:linClrLst>
+    <dgm:effectClrLst/>
+    <dgm:txLinClrLst/>
+    <dgm:txFillClrLst/>
+    <dgm:txEffectClrLst/>
+  </dgm:styleLbl>
+  <dgm:styleLbl name="node1">
+    <dgm:fillClrLst meth="repeat">
+      <a:schemeClr val="accent1"/>
+    </dgm:fillClrLst>
+    <dgm:linClrLst meth="repeat">
+      <a:schemeClr val="lt1"/>
+    </dgm:linClrLst>
+    <dgm:effectClrLst/>
+    <dgm:txLinClrLst/>
+    <dgm:txFillClrLst/>
+    <dgm:txEffectClrLst/>
+  </dgm:styleLbl>
+  <dgm:styleLbl name="lnNode1">
+    <dgm:fillClrLst meth="repeat">
+      <a:schemeClr val="accent1"/>
+    </dgm:fillClrLst>
+    <dgm:linClrLst meth="repeat">
+      <a:schemeClr val="lt1"/>
+    </dgm:linClrLst>
+    <dgm:effectClrLst/>
+    <dgm:txLinClrLst/>
+    <dgm:txFillClrLst/>
+    <dgm:txEffectClrLst/>
+  </dgm:styleLbl>
+  <dgm:styleLbl name="vennNode1">
+    <dgm:fillClrLst meth="repeat">
+      <a:schemeClr val="accent1">
+        <a:alpha val="50000"/>
+      </a:schemeClr>
+    </dgm:fillClrLst>
+    <dgm:linClrLst meth="repeat">
+      <a:schemeClr val="lt1"/>
+    </dgm:linClrLst>
+    <dgm:effectClrLst/>
+    <dgm:txLinClrLst/>
+    <dgm:txFillClrLst/>
+    <dgm:txEffectClrLst/>
+  </dgm:styleLbl>
+  <dgm:styleLbl name="node2">
+    <dgm:fillClrLst meth="repeat">
+      <a:schemeClr val="accent1"/>
+    </dgm:fillClrLst>
+    <dgm:linClrLst meth="repeat">
+      <a:schemeClr val="lt1"/>
+    </dgm:linClrLst>
+    <dgm:effectClrLst/>
+    <dgm:txLinClrLst/>
+    <dgm:txFillClrLst/>
+    <dgm:txEffectClrLst/>
+  </dgm:styleLbl>
+  <dgm:styleLbl name="node3">
+    <dgm:fillClrLst meth="repeat">
+      <a:schemeClr val="accent1"/>
+    </dgm:fillClrLst>
+    <dgm:linClrLst meth="repeat">
+      <a:schemeClr val="lt1"/>
+    </dgm:linClrLst>
+    <dgm:effectClrLst/>
+    <dgm:txLinClrLst/>
+    <dgm:txFillClrLst/>
+    <dgm:txEffectClrLst/>
+  </dgm:styleLbl>
+  <dgm:styleLbl name="node4">
+    <dgm:fillClrLst meth="repeat">
+      <a:schemeClr val="accent1"/>
+    </dgm:fillClrLst>
+    <dgm:linClrLst meth="repeat">
+      <a:schemeClr val="lt1"/>
+    </dgm:linClrLst>
+    <dgm:effectClrLst/>
+    <dgm:txLinClrLst/>
+    <dgm:txFillClrLst/>
+    <dgm:txEffectClrLst/>
+  </dgm:styleLbl>
+  <dgm:styleLbl name="fgImgPlace1">
+    <dgm:fillClrLst meth="repeat">
+      <a:schemeClr val="accent1">
+        <a:tint val="50000"/>
+      </a:schemeClr>
+    </dgm:fillClrLst>
+    <dgm:linClrLst meth="repeat">
+      <a:schemeClr val="lt1"/>
+    </dgm:linClrLst>
+    <dgm:effectClrLst/>
+    <dgm:txLinClrLst/>
+    <dgm:txFillClrLst meth="repeat">
+      <a:schemeClr val="lt1"/>
+    </dgm:txFillClrLst>
+    <dgm:txEffectClrLst/>
+  </dgm:styleLbl>
+  <dgm:styleLbl name="alignImgPlace1">
+    <dgm:fillClrLst meth="repeat">
+      <a:schemeClr val="accent1">
+        <a:tint val="50000"/>
+      </a:schemeClr>
+    </dgm:fillClrLst>
+    <dgm:linClrLst meth="repeat">
+      <a:schemeClr val="lt1"/>
+    </dgm:linClrLst>
+    <dgm:effectClrLst/>
+    <dgm:txLinClrLst/>
+    <dgm:txFillClrLst meth="repeat">
+      <a:schemeClr val="lt1"/>
+    </dgm:txFillClrLst>
+    <dgm:txEffectClrLst/>
+  </dgm:styleLbl>
+  <dgm:styleLbl name="bgImgPlace1">
+    <dgm:fillClrLst meth="repeat">
+      <a:schemeClr val="accent1">
+        <a:tint val="50000"/>
+      </a:schemeClr>
+    </dgm:fillClrLst>
+    <dgm:linClrLst meth="repeat">
+      <a:schemeClr val="lt1"/>
+    </dgm:linClrLst>
+    <dgm:effectClrLst/>
+    <dgm:txLinClrLst/>
+    <dgm:txFillClrLst meth="repeat">
+      <a:schemeClr val="lt1"/>
+    </dgm:txFillClrLst>
+    <dgm:txEffectClrLst/>
+  </dgm:styleLbl>
+  <dgm:styleLbl name="sibTrans2D1">
+    <dgm:fillClrLst meth="repeat">
+      <a:schemeClr val="accent1">
+        <a:tint val="60000"/>
+      </a:schemeClr>
+    </dgm:fillClrLst>
+    <dgm:linClrLst meth="repeat">
+      <a:schemeClr val="accent1">
+        <a:tint val="60000"/>
+      </a:schemeClr>
+    </dgm:linClrLst>
+    <dgm:effectClrLst/>
+    <dgm:txLinClrLst/>
+    <dgm:txFillClrLst/>
+    <dgm:txEffectClrLst/>
+  </dgm:styleLbl>
+  <dgm:styleLbl name="fgSibTrans2D1">
+    <dgm:fillClrLst meth="repeat">
+      <a:schemeClr val="accent1">
+        <a:tint val="60000"/>
+      </a:schemeClr>
+    </dgm:fillClrLst>
+    <dgm:linClrLst meth="repeat">
+      <a:schemeClr val="accent1">
+        <a:tint val="60000"/>
+      </a:schemeClr>
+    </dgm:linClrLst>
+    <dgm:effectClrLst/>
+    <dgm:txLinClrLst/>
+    <dgm:txFillClrLst/>
+    <dgm:txEffectClrLst/>
+  </dgm:styleLbl>
+  <dgm:styleLbl name="bgSibTrans2D1">
+    <dgm:fillClrLst meth="repeat">
+      <a:schemeClr val="accent1">
+        <a:tint val="60000"/>
+      </a:schemeClr>
+    </dgm:fillClrLst>
+    <dgm:linClrLst meth="repeat">
+      <a:schemeClr val="accent1">
+        <a:tint val="60000"/>
+      </a:schemeClr>
+    </dgm:linClrLst>
+    <dgm:effectClrLst/>
+    <dgm:txLinClrLst/>
+    <dgm:txFillClrLst/>
+    <dgm:txEffectClrLst/>
+  </dgm:styleLbl>
+  <dgm:styleLbl name="sibTrans1D1">
+    <dgm:fillClrLst meth="repeat">
+      <a:schemeClr val="accent1"/>
+    </dgm:fillClrLst>
+    <dgm:linClrLst meth="repeat">
+      <a:schemeClr val="accent1"/>
+    </dgm:linClrLst>
+    <dgm:effectClrLst/>
+    <dgm:txLinClrLst/>
+    <dgm:txFillClrLst meth="repeat">
+      <a:schemeClr val="tx1"/>
+    </dgm:txFillClrLst>
+    <dgm:txEffectClrLst/>
+  </dgm:styleLbl>
+  <dgm:styleLbl name="callout">
+    <dgm:fillClrLst meth="repeat">
+      <a:schemeClr val="accent1"/>
+    </dgm:fillClrLst>
+    <dgm:linClrLst meth="repeat">
+      <a:schemeClr val="accent1">
+        <a:tint val="50000"/>
+      </a:schemeClr>
+    </dgm:linClrLst>
+    <dgm:effectClrLst/>
+    <dgm:txLinClrLst/>
+    <dgm:txFillClrLst meth="repeat">
+      <a:schemeClr val="tx1"/>
+    </dgm:txFillClrLst>
+    <dgm:txEffectClrLst/>
+  </dgm:styleLbl>
+  <dgm:styleLbl name="asst0">
+    <dgm:fillClrLst meth="repeat">
+      <a:schemeClr val="accent1"/>
+    </dgm:fillClrLst>
+    <dgm:linClrLst meth="repeat">
+      <a:schemeClr val="lt1"/>
+    </dgm:linClrLst>
+    <dgm:effectClrLst/>
+    <dgm:txLinClrLst/>
+    <dgm:txFillClrLst/>
+    <dgm:txEffectClrLst/>
+  </dgm:styleLbl>
+  <dgm:styleLbl name="asst1">
+    <dgm:fillClrLst meth="repeat">
+      <a:schemeClr val="accent1"/>
+    </dgm:fillClrLst>
+    <dgm:linClrLst meth="repeat">
+      <a:schemeClr val="lt1"/>
+    </dgm:linClrLst>
+    <dgm:effectClrLst/>
+    <dgm:txLinClrLst/>
+    <dgm:txFillClrLst/>
+    <dgm:txEffectClrLst/>
+  </dgm:styleLbl>
+  <dgm:styleLbl name="asst2">
+    <dgm:fillClrLst meth="repeat">
+      <a:schemeClr val="accent1"/>
+    </dgm:fillClrLst>
+    <dgm:linClrLst meth="repeat">
+      <a:schemeClr val="lt1"/>
+    </dgm:linClrLst>
+    <dgm:effectClrLst/>
+    <dgm:txLinClrLst/>
+    <dgm:txFillClrLst/>
+    <dgm:txEffectClrLst/>
+  </dgm:styleLbl>
+  <dgm:styleLbl name="asst3">
+    <dgm:fillClrLst meth="repeat">
+      <a:schemeClr val="accent1"/>
+    </dgm:fillClrLst>
+    <dgm:linClrLst meth="repeat">
+      <a:schemeClr val="lt1"/>
+    </dgm:linClrLst>
+    <dgm:effectClrLst/>
+    <dgm:txLinClrLst/>
+    <dgm:txFillClrLst/>
+    <dgm:txEffectClrLst/>
+  </dgm:styleLbl>
+  <dgm:styleLbl name="asst4">
+    <dgm:fillClrLst meth="repeat">
+      <a:schemeClr val="accent1"/>
+    </dgm:fillClrLst>
+    <dgm:linClrLst meth="repeat">
+      <a:schemeClr val="lt1"/>
+    </dgm:linClrLst>
+    <dgm:effectClrLst/>
+    <dgm:txLinClrLst/>
+    <dgm:txFillClrLst/>
+    <dgm:txEffectClrLst/>
+  </dgm:styleLbl>
+  <dgm:styleLbl name="parChTrans2D1">
+    <dgm:fillClrLst meth="repeat">
+      <a:schemeClr val="accent1">
+        <a:tint val="60000"/>
+      </a:schemeClr>
+    </dgm:fillClrLst>
+    <dgm:linClrLst meth="repeat">
+      <a:schemeClr val="accent1">
+        <a:tint val="60000"/>
+      </a:schemeClr>
+    </dgm:linClrLst>
+    <dgm:effectClrLst/>
+    <dgm:txLinClrLst/>
+    <dgm:txFillClrLst meth="repeat">
+      <a:schemeClr val="lt1"/>
+    </dgm:txFillClrLst>
+    <dgm:txEffectClrLst/>
+  </dgm:styleLbl>
+  <dgm:styleLbl name="parChTrans2D2">
+    <dgm:fillClrLst meth="repeat">
+      <a:schemeClr val="accent1"/>
+    </dgm:fillClrLst>
+    <dgm:linClrLst meth="repeat">
+      <a:schemeClr val="accent1"/>
+    </dgm:linClrLst>
+    <dgm:effectClrLst/>
+    <dgm:txLinClrLst/>
+    <dgm:txFillClrLst meth="repeat">
+      <a:schemeClr val="lt1"/>
+    </dgm:txFillClrLst>
+    <dgm:txEffectClrLst/>
+  </dgm:styleLbl>
+  <dgm:styleLbl name="parChTrans2D3">
+    <dgm:fillClrLst meth="repeat">
+      <a:schemeClr val="accent1"/>
+    </dgm:fillClrLst>
+    <dgm:linClrLst meth="repeat">
+      <a:schemeClr val="accent1"/>
+    </dgm:linClrLst>
+    <dgm:effectClrLst/>
+    <dgm:txLinClrLst/>
+    <dgm:txFillClrLst meth="repeat">
+      <a:schemeClr val="lt1"/>
+    </dgm:txFillClrLst>
+    <dgm:txEffectClrLst/>
+  </dgm:styleLbl>
+  <dgm:styleLbl name="parChTrans2D4">
+    <dgm:fillClrLst meth="repeat">
+      <a:schemeClr val="accent1"/>
+    </dgm:fillClrLst>
+    <dgm:linClrLst meth="repeat">
+      <a:schemeClr val="accent1"/>
+    </dgm:linClrLst>
+    <dgm:effectClrLst/>
+    <dgm:txLinClrLst/>
+    <dgm:txFillClrLst meth="repeat">
+      <a:schemeClr val="lt1"/>
+    </dgm:txFillClrLst>
+    <dgm:txEffectClrLst/>
+  </dgm:styleLbl>
+  <dgm:styleLbl name="parChTrans1D1">
+    <dgm:fillClrLst meth="repeat">
+      <a:schemeClr val="accent1"/>
+    </dgm:fillClrLst>
+    <dgm:linClrLst meth="repeat">
+      <a:schemeClr val="accent1">
+        <a:shade val="60000"/>
+      </a:schemeClr>
+    </dgm:linClrLst>
+    <dgm:effectClrLst/>
+    <dgm:txLinClrLst/>
+    <dgm:txFillClrLst meth="repeat">
+      <a:schemeClr val="tx1"/>
+    </dgm:txFillClrLst>
+    <dgm:txEffectClrLst/>
+  </dgm:styleLbl>
+  <dgm:styleLbl name="parChTrans1D2">
+    <dgm:fillClrLst meth="repeat">
+      <a:schemeClr val="accent1"/>
+    </dgm:fillClrLst>
+    <dgm:linClrLst meth="repeat">
+      <a:schemeClr val="accent1">
+        <a:shade val="60000"/>
+      </a:schemeClr>
+    </dgm:linClrLst>
+    <dgm:effectClrLst/>
+    <dgm:txLinClrLst/>
+    <dgm:txFillClrLst meth="repeat">
+      <a:schemeClr val="tx1"/>
+    </dgm:txFillClrLst>
+    <dgm:txEffectClrLst/>
+  </dgm:styleLbl>
+  <dgm:styleLbl name="parChTrans1D3">
+    <dgm:fillClrLst meth="repeat">
+      <a:schemeClr val="accent1"/>
+    </dgm:fillClrLst>
+    <dgm:linClrLst meth="repeat">
+      <a:schemeClr val="accent1">
+        <a:shade val="80000"/>
+      </a:schemeClr>
+    </dgm:linClrLst>
+    <dgm:effectClrLst/>
+    <dgm:txLinClrLst/>
+    <dgm:txFillClrLst meth="repeat">
+      <a:schemeClr val="tx1"/>
+    </dgm:txFillClrLst>
+    <dgm:txEffectClrLst/>
+  </dgm:styleLbl>
+  <dgm:styleLbl name="parChTrans1D4">
+    <dgm:fillClrLst meth="repeat">
+      <a:schemeClr val="accent1"/>
+    </dgm:fillClrLst>
+    <dgm:linClrLst meth="repeat">
+      <a:schemeClr val="accent1">
+        <a:shade val="80000"/>
+      </a:schemeClr>
+    </dgm:linClrLst>
+    <dgm:effectClrLst/>
+    <dgm:txLinClrLst/>
+    <dgm:txFillClrLst meth="repeat">
+      <a:schemeClr val="tx1"/>
+    </dgm:txFillClrLst>
+    <dgm:txEffectClrLst/>
+  </dgm:styleLbl>
+  <dgm:styleLbl name="fgAcc1">
+    <dgm:fillClrLst meth="repeat">
+      <a:schemeClr val="lt1">
+        <a:alpha val="90000"/>
+      </a:schemeClr>
+    </dgm:fillClrLst>
+    <dgm:linClrLst meth="repeat">
+      <a:schemeClr val="accent1"/>
+    </dgm:linClrLst>
+    <dgm:effectClrLst/>
+    <dgm:txLinClrLst/>
+    <dgm:txFillClrLst meth="repeat">
+      <a:schemeClr val="dk1"/>
+    </dgm:txFillClrLst>
+    <dgm:txEffectClrLst/>
+  </dgm:styleLbl>
+  <dgm:styleLbl name="conFgAcc1">
+    <dgm:fillClrLst meth="repeat">
+      <a:schemeClr val="lt1">
+        <a:alpha val="90000"/>
+      </a:schemeClr>
+    </dgm:fillClrLst>
+    <dgm:linClrLst meth="repeat">
+      <a:schemeClr val="accent1"/>
+    </dgm:linClrLst>
+    <dgm:effectClrLst/>
+    <dgm:txLinClrLst/>
+    <dgm:txFillClrLst meth="repeat">
+      <a:schemeClr val="dk1"/>
+    </dgm:txFillClrLst>
+    <dgm:txEffectClrLst/>
+  </dgm:styleLbl>
+  <dgm:styleLbl name="alignAcc1">
+    <dgm:fillClrLst meth="repeat">
+      <a:schemeClr val="lt1">
+        <a:alpha val="90000"/>
+      </a:schemeClr>
+    </dgm:fillClrLst>
+    <dgm:linClrLst meth="repeat">
+      <a:schemeClr val="accent1"/>
+    </dgm:linClrLst>
+    <dgm:effectClrLst/>
+    <dgm:txLinClrLst/>
+    <dgm:txFillClrLst meth="repeat">
+      <a:schemeClr val="dk1"/>
+    </dgm:txFillClrLst>
+    <dgm:txEffectClrLst/>
+  </dgm:styleLbl>
+  <dgm:styleLbl name="trAlignAcc1">
+    <dgm:fillClrLst meth="repeat">
+      <a:schemeClr val="lt1">
+        <a:alpha val="40000"/>
+      </a:schemeClr>
+    </dgm:fillClrLst>
+    <dgm:linClrLst meth="repeat">
+      <a:schemeClr val="accent1"/>
+    </dgm:linClrLst>
+    <dgm:effectClrLst/>
+    <dgm:txLinClrLst/>
+    <dgm:txFillClrLst meth="repeat">
+      <a:schemeClr val="dk1"/>
+    </dgm:txFillClrLst>
+    <dgm:txEffectClrLst/>
+  </dgm:styleLbl>
+  <dgm:styleLbl name="bgAcc1">
+    <dgm:fillClrLst meth="repeat">
+      <a:schemeClr val="lt1">
+        <a:alpha val="90000"/>
+      </a:schemeClr>
+    </dgm:fillClrLst>
+    <dgm:linClrLst meth="repeat">
+      <a:schemeClr val="accent1"/>
+    </dgm:linClrLst>
+    <dgm:effectClrLst/>
+    <dgm:txLinClrLst/>
+    <dgm:txFillClrLst meth="repeat">
+      <a:schemeClr val="dk1"/>
+    </dgm:txFillClrLst>
+    <dgm:txEffectClrLst/>
+  </dgm:styleLbl>
+  <dgm:styleLbl name="solidFgAcc1">
+    <dgm:fillClrLst meth="repeat">
+      <a:schemeClr val="lt1"/>
+    </dgm:fillClrLst>
+    <dgm:linClrLst meth="repeat">
+      <a:schemeClr val="accent1"/>
+    </dgm:linClrLst>
+    <dgm:effectClrLst/>
+    <dgm:txLinClrLst/>
+    <dgm:txFillClrLst meth="repeat">
+      <a:schemeClr val="dk1"/>
+    </dgm:txFillClrLst>
+    <dgm:txEffectClrLst/>
+  </dgm:styleLbl>
+  <dgm:styleLbl name="solidAlignAcc1">
+    <dgm:fillClrLst meth="repeat">
+      <a:schemeClr val="lt1"/>
+    </dgm:fillClrLst>
+    <dgm:linClrLst meth="repeat">
+      <a:schemeClr val="accent1"/>
+    </dgm:linClrLst>
+    <dgm:effectClrLst/>
+    <dgm:txLinClrLst/>
+    <dgm:txFillClrLst meth="repeat">
+      <a:schemeClr val="dk1"/>
+    </dgm:txFillClrLst>
+    <dgm:txEffectClrLst/>
+  </dgm:styleLbl>
+  <dgm:styleLbl name="solidBgAcc1">
+    <dgm:fillClrLst meth="repeat">
+      <a:schemeClr val="lt1"/>
+    </dgm:fillClrLst>
+    <dgm:linClrLst meth="repeat">
+      <a:schemeClr val="accent1"/>
+    </dgm:linClrLst>
+    <dgm:effectClrLst/>
+    <dgm:txLinClrLst/>
+    <dgm:txFillClrLst meth="repeat">
+      <a:schemeClr val="dk1"/>
+    </dgm:txFillClrLst>
+    <dgm:txEffectClrLst/>
+  </dgm:styleLbl>
+  <dgm:styleLbl name="fgAccFollowNode1">
+    <dgm:fillClrLst meth="repeat">
+      <a:schemeClr val="accent1">
+        <a:alpha val="90000"/>
+        <a:tint val="40000"/>
+      </a:schemeClr>
+    </dgm:fillClrLst>
+    <dgm:linClrLst meth="repeat">
+      <a:schemeClr val="accent1">
+        <a:alpha val="90000"/>
+        <a:tint val="40000"/>
+      </a:schemeClr>
+    </dgm:linClrLst>
+    <dgm:effectClrLst/>
+    <dgm:txLinClrLst/>
+    <dgm:txFillClrLst meth="repeat">
+      <a:schemeClr val="dk1"/>
+    </dgm:txFillClrLst>
+    <dgm:txEffectClrLst/>
+  </dgm:styleLbl>
+  <dgm:styleLbl name="alignAccFollowNode1">
+    <dgm:fillClrLst meth="repeat">
+      <a:schemeClr val="accent1">
+        <a:alpha val="90000"/>
+        <a:tint val="40000"/>
+      </a:schemeClr>
+    </dgm:fillClrLst>
+    <dgm:linClrLst meth="repeat">
+      <a:schemeClr val="accent1">
+        <a:alpha val="90000"/>
+        <a:tint val="40000"/>
+      </a:schemeClr>
+    </dgm:linClrLst>
+    <dgm:effectClrLst/>
+    <dgm:txLinClrLst/>
+    <dgm:txFillClrLst meth="repeat">
+      <a:schemeClr val="dk1"/>
+    </dgm:txFillClrLst>
+    <dgm:txEffectClrLst/>
+  </dgm:styleLbl>
+  <dgm:styleLbl name="bgAccFollowNode1">
+    <dgm:fillClrLst meth="repeat">
+      <a:schemeClr val="accent1">
+        <a:alpha val="90000"/>
+        <a:tint val="40000"/>
+      </a:schemeClr>
+    </dgm:fillClrLst>
+    <dgm:linClrLst meth="repeat">
+      <a:schemeClr val="accent1">
+        <a:alpha val="90000"/>
+        <a:tint val="40000"/>
+      </a:schemeClr>
+    </dgm:linClrLst>
+    <dgm:effectClrLst/>
+    <dgm:txLinClrLst/>
+    <dgm:txFillClrLst meth="repeat">
+      <a:schemeClr val="dk1"/>
+    </dgm:txFillClrLst>
+    <dgm:txEffectClrLst/>
+  </dgm:styleLbl>
+  <dgm:styleLbl name="fgAcc0">
+    <dgm:fillClrLst meth="repeat">
+      <a:schemeClr val="lt1">
+        <a:alpha val="90000"/>
+      </a:schemeClr>
+    </dgm:fillClrLst>
+    <dgm:linClrLst meth="repeat">
+      <a:schemeClr val="accent1"/>
+    </dgm:linClrLst>
+    <dgm:effectClrLst/>
+    <dgm:txLinClrLst/>
+    <dgm:txFillClrLst meth="repeat">
+      <a:schemeClr val="dk1"/>
+    </dgm:txFillClrLst>
+    <dgm:txEffectClrLst/>
+  </dgm:styleLbl>
+  <dgm:styleLbl name="fgAcc2">
+    <dgm:fillClrLst meth="repeat">
+      <a:schemeClr val="lt1">
+        <a:alpha val="90000"/>
+      </a:schemeClr>
+    </dgm:fillClrLst>
+    <dgm:linClrLst meth="repeat">
+      <a:schemeClr val="accent1"/>
+    </dgm:linClrLst>
+    <dgm:effectClrLst/>
+    <dgm:txLinClrLst/>
+    <dgm:txFillClrLst meth="repeat">
+      <a:schemeClr val="dk1"/>
+    </dgm:txFillClrLst>
+    <dgm:txEffectClrLst/>
+  </dgm:styleLbl>
+  <dgm:styleLbl name="fgAcc3">
+    <dgm:fillClrLst meth="repeat">
+      <a:schemeClr val="lt1">
+        <a:alpha val="90000"/>
+      </a:schemeClr>
+    </dgm:fillClrLst>
+    <dgm:linClrLst meth="repeat">
+      <a:schemeClr val="accent1"/>
+    </dgm:linClrLst>
+    <dgm:effectClrLst/>
+    <dgm:txLinClrLst/>
+    <dgm:txFillClrLst meth="repeat">
+      <a:schemeClr val="dk1"/>
+    </dgm:txFillClrLst>
+    <dgm:txEffectClrLst/>
+  </dgm:styleLbl>
+  <dgm:styleLbl name="fgAcc4">
+    <dgm:fillClrLst meth="repeat">
+      <a:schemeClr val="lt1">
+        <a:alpha val="90000"/>
+      </a:schemeClr>
+    </dgm:fillClrLst>
+    <dgm:linClrLst meth="repeat">
+      <a:schemeClr val="accent1"/>
+    </dgm:linClrLst>
+    <dgm:effectClrLst/>
+    <dgm:txLinClrLst/>
+    <dgm:txFillClrLst meth="repeat">
+      <a:schemeClr val="dk1"/>
+    </dgm:txFillClrLst>
+    <dgm:txEffectClrLst/>
+  </dgm:styleLbl>
+  <dgm:styleLbl name="bgShp">
+    <dgm:fillClrLst meth="repeat">
+      <a:schemeClr val="accent1">
+        <a:tint val="40000"/>
+      </a:schemeClr>
+    </dgm:fillClrLst>
+    <dgm:linClrLst meth="repeat">
+      <a:schemeClr val="accent1"/>
+    </dgm:linClrLst>
+    <dgm:effectClrLst/>
+    <dgm:txLinClrLst/>
+    <dgm:txFillClrLst meth="repeat">
+      <a:schemeClr val="dk1"/>
+    </dgm:txFillClrLst>
+    <dgm:txEffectClrLst/>
+  </dgm:styleLbl>
+  <dgm:styleLbl name="dkBgShp">
+    <dgm:fillClrLst meth="repeat">
+      <a:schemeClr val="accent1">
+        <a:shade val="80000"/>
+      </a:schemeClr>
+    </dgm:fillClrLst>
+    <dgm:linClrLst meth="repeat">
+      <a:schemeClr val="accent1"/>
+    </dgm:linClrLst>
+    <dgm:effectClrLst/>
+    <dgm:txLinClrLst/>
+    <dgm:txFillClrLst meth="repeat">
+      <a:schemeClr val="lt1"/>
+    </dgm:txFillClrLst>
+    <dgm:txEffectClrLst/>
+  </dgm:styleLbl>
+  <dgm:styleLbl name="trBgShp">
+    <dgm:fillClrLst meth="repeat">
+      <a:schemeClr val="accent1">
+        <a:tint val="50000"/>
+        <a:alpha val="40000"/>
+      </a:schemeClr>
+    </dgm:fillClrLst>
+    <dgm:linClrLst meth="repeat">
+      <a:schemeClr val="accent1"/>
+    </dgm:linClrLst>
+    <dgm:effectClrLst/>
+    <dgm:txLinClrLst/>
+    <dgm:txFillClrLst meth="repeat">
+      <a:schemeClr val="lt1"/>
+    </dgm:txFillClrLst>
+    <dgm:txEffectClrLst/>
+  </dgm:styleLbl>
+  <dgm:styleLbl name="fgShp">
+    <dgm:fillClrLst meth="repeat">
+      <a:schemeClr val="accent1">
+        <a:tint val="60000"/>
+      </a:schemeClr>
+    </dgm:fillClrLst>
+    <dgm:linClrLst meth="repeat">
+      <a:schemeClr val="lt1"/>
+    </dgm:linClrLst>
+    <dgm:effectClrLst/>
+    <dgm:txLinClrLst/>
+    <dgm:txFillClrLst meth="repeat">
+      <a:schemeClr val="dk1"/>
+    </dgm:txFillClrLst>
+    <dgm:txEffectClrLst/>
+  </dgm:styleLbl>
+  <dgm:styleLbl name="revTx">
+    <dgm:fillClrLst meth="repeat">
+      <a:schemeClr val="lt1">
+        <a:alpha val="0"/>
+      </a:schemeClr>
+    </dgm:fillClrLst>
+    <dgm:linClrLst meth="repeat">
+      <a:schemeClr val="dk1">
+        <a:alpha val="0"/>
+      </a:schemeClr>
+    </dgm:linClrLst>
+    <dgm:effectClrLst/>
+    <dgm:txLinClrLst/>
+    <dgm:txFillClrLst meth="repeat">
+      <a:schemeClr val="tx1"/>
+    </dgm:txFillClrLst>
+    <dgm:txEffectClrLst/>
+  </dgm:styleLbl>
+</dgm:colorsDef>
+</file>
+
+<file path=ppt/diagrams/colors7.xml><?xml version="1.0" encoding="utf-8"?>
 <dgm:colorsDef xmlns:dgm="http://schemas.openxmlformats.org/drawingml/2006/diagram" xmlns:a="http://schemas.openxmlformats.org/drawingml/2006/main" uniqueId="urn:microsoft.com/office/officeart/2005/8/colors/accent1_2">
   <dgm:title val=""/>
   <dgm:desc val=""/>
@@ -4324,6 +5818,13 @@
         </dgm:presLayoutVars>
       </dgm:prSet>
       <dgm:spPr/>
+      <dgm:t>
+        <a:bodyPr/>
+        <a:lstStyle/>
+        <a:p>
+          <a:endParaRPr lang="ru-RU"/>
+        </a:p>
+      </dgm:t>
     </dgm:pt>
     <dgm:pt modelId="{B30BC115-8F5D-4D6E-B5BE-EEA36503F306}" type="pres">
       <dgm:prSet presAssocID="{40D702D5-D0F4-43F2-8043-80B78343A53C}" presName="hierRoot1" presStyleCnt="0"/>
@@ -4344,6 +5845,13 @@
         </dgm:presLayoutVars>
       </dgm:prSet>
       <dgm:spPr/>
+      <dgm:t>
+        <a:bodyPr/>
+        <a:lstStyle/>
+        <a:p>
+          <a:endParaRPr lang="ru-RU"/>
+        </a:p>
+      </dgm:t>
     </dgm:pt>
     <dgm:pt modelId="{C4CFF90F-AF7D-45AB-8CDC-4E94CA89B00C}" type="pres">
       <dgm:prSet presAssocID="{40D702D5-D0F4-43F2-8043-80B78343A53C}" presName="hierChild2" presStyleCnt="0"/>
@@ -4352,6 +5860,13 @@
     <dgm:pt modelId="{900FA433-ECC1-4E9A-BF56-84CB77CC048B}" type="pres">
       <dgm:prSet presAssocID="{BE766B58-BC36-431E-A4E8-06418D71F53B}" presName="Name10" presStyleLbl="parChTrans1D2" presStyleIdx="0" presStyleCnt="4"/>
       <dgm:spPr/>
+      <dgm:t>
+        <a:bodyPr/>
+        <a:lstStyle/>
+        <a:p>
+          <a:endParaRPr lang="ru-RU"/>
+        </a:p>
+      </dgm:t>
     </dgm:pt>
     <dgm:pt modelId="{C6A48367-6483-4688-8ECB-C43AF89DCB12}" type="pres">
       <dgm:prSet presAssocID="{28DA4115-D6DB-460C-BFAA-D1BFA40D5B8F}" presName="hierRoot2" presStyleCnt="0"/>
@@ -4372,6 +5887,13 @@
         </dgm:presLayoutVars>
       </dgm:prSet>
       <dgm:spPr/>
+      <dgm:t>
+        <a:bodyPr/>
+        <a:lstStyle/>
+        <a:p>
+          <a:endParaRPr lang="ru-RU"/>
+        </a:p>
+      </dgm:t>
     </dgm:pt>
     <dgm:pt modelId="{3F056BCF-64B2-4F0C-B40E-B0E77C532A88}" type="pres">
       <dgm:prSet presAssocID="{28DA4115-D6DB-460C-BFAA-D1BFA40D5B8F}" presName="hierChild3" presStyleCnt="0"/>
@@ -4380,6 +5902,13 @@
     <dgm:pt modelId="{EB40645B-735E-455C-9BD8-9DFC9C4B1A2F}" type="pres">
       <dgm:prSet presAssocID="{FDE27FE6-6138-4640-A6A7-0A7615A289D9}" presName="Name17" presStyleLbl="parChTrans1D3" presStyleIdx="0" presStyleCnt="7"/>
       <dgm:spPr/>
+      <dgm:t>
+        <a:bodyPr/>
+        <a:lstStyle/>
+        <a:p>
+          <a:endParaRPr lang="ru-RU"/>
+        </a:p>
+      </dgm:t>
     </dgm:pt>
     <dgm:pt modelId="{7A994F67-F366-46D5-82E7-4668A37D302B}" type="pres">
       <dgm:prSet presAssocID="{1FCA6BF0-65CA-47F0-9E8C-1428DD0775AF}" presName="hierRoot3" presStyleCnt="0"/>
@@ -4400,6 +5929,13 @@
         </dgm:presLayoutVars>
       </dgm:prSet>
       <dgm:spPr/>
+      <dgm:t>
+        <a:bodyPr/>
+        <a:lstStyle/>
+        <a:p>
+          <a:endParaRPr lang="ru-RU"/>
+        </a:p>
+      </dgm:t>
     </dgm:pt>
     <dgm:pt modelId="{B1DED85A-3643-4384-8096-866C0641E114}" type="pres">
       <dgm:prSet presAssocID="{1FCA6BF0-65CA-47F0-9E8C-1428DD0775AF}" presName="hierChild4" presStyleCnt="0"/>
@@ -4408,6 +5944,13 @@
     <dgm:pt modelId="{1BCC3015-A0F1-455F-B481-D5EFFFEEBC2C}" type="pres">
       <dgm:prSet presAssocID="{5BBCE575-397C-4821-855D-12D52D3E6645}" presName="Name10" presStyleLbl="parChTrans1D2" presStyleIdx="1" presStyleCnt="4"/>
       <dgm:spPr/>
+      <dgm:t>
+        <a:bodyPr/>
+        <a:lstStyle/>
+        <a:p>
+          <a:endParaRPr lang="ru-RU"/>
+        </a:p>
+      </dgm:t>
     </dgm:pt>
     <dgm:pt modelId="{A3190F7D-329E-4F53-86AE-5A8337A4BF73}" type="pres">
       <dgm:prSet presAssocID="{657C9227-BD7C-4BBF-91D6-5D16F7FF30F3}" presName="hierRoot2" presStyleCnt="0"/>
@@ -4443,6 +5986,13 @@
     <dgm:pt modelId="{47ACBE3E-BB9F-4D97-8520-920A07C9D427}" type="pres">
       <dgm:prSet presAssocID="{B2B74336-B663-41B1-A14A-69BC7D436D92}" presName="Name17" presStyleLbl="parChTrans1D3" presStyleIdx="1" presStyleCnt="7"/>
       <dgm:spPr/>
+      <dgm:t>
+        <a:bodyPr/>
+        <a:lstStyle/>
+        <a:p>
+          <a:endParaRPr lang="ru-RU"/>
+        </a:p>
+      </dgm:t>
     </dgm:pt>
     <dgm:pt modelId="{25D3BD80-F06E-4E75-920E-4FE2921A5805}" type="pres">
       <dgm:prSet presAssocID="{BA8007C6-E317-4DF6-BDB9-DEE98EFDA17B}" presName="hierRoot3" presStyleCnt="0"/>
@@ -4478,6 +6028,13 @@
     <dgm:pt modelId="{D05F55D9-E139-4280-ADB2-1389C5197E79}" type="pres">
       <dgm:prSet presAssocID="{E831C6A6-4986-4ADC-800F-7305862A6769}" presName="Name17" presStyleLbl="parChTrans1D3" presStyleIdx="2" presStyleCnt="7"/>
       <dgm:spPr/>
+      <dgm:t>
+        <a:bodyPr/>
+        <a:lstStyle/>
+        <a:p>
+          <a:endParaRPr lang="ru-RU"/>
+        </a:p>
+      </dgm:t>
     </dgm:pt>
     <dgm:pt modelId="{63459131-8F6C-48C0-AB9A-1ABC3B863FD9}" type="pres">
       <dgm:prSet presAssocID="{EA9E4F78-B170-4850-AEC7-9A34135203A5}" presName="hierRoot3" presStyleCnt="0"/>
@@ -4513,6 +6070,13 @@
     <dgm:pt modelId="{089EBD12-564E-44BD-B9AB-10ADDB335005}" type="pres">
       <dgm:prSet presAssocID="{73BA936E-62E6-473C-A8F0-E9AFD71C2186}" presName="Name17" presStyleLbl="parChTrans1D3" presStyleIdx="3" presStyleCnt="7"/>
       <dgm:spPr/>
+      <dgm:t>
+        <a:bodyPr/>
+        <a:lstStyle/>
+        <a:p>
+          <a:endParaRPr lang="ru-RU"/>
+        </a:p>
+      </dgm:t>
     </dgm:pt>
     <dgm:pt modelId="{4427A4BA-43E9-4467-B22A-0DCE2367E6C5}" type="pres">
       <dgm:prSet presAssocID="{8AB3BD97-0F57-4592-B196-020561BCFFA8}" presName="hierRoot3" presStyleCnt="0"/>
@@ -4533,6 +6097,13 @@
         </dgm:presLayoutVars>
       </dgm:prSet>
       <dgm:spPr/>
+      <dgm:t>
+        <a:bodyPr/>
+        <a:lstStyle/>
+        <a:p>
+          <a:endParaRPr lang="ru-RU"/>
+        </a:p>
+      </dgm:t>
     </dgm:pt>
     <dgm:pt modelId="{8614DD06-EE73-4CBF-BF77-C65ABA5EEA53}" type="pres">
       <dgm:prSet presAssocID="{8AB3BD97-0F57-4592-B196-020561BCFFA8}" presName="hierChild4" presStyleCnt="0"/>
@@ -4541,6 +6112,13 @@
     <dgm:pt modelId="{40137BE7-FBB9-45F8-A766-025A1BED4FFB}" type="pres">
       <dgm:prSet presAssocID="{62D0F4C8-50BC-45DC-B0CF-F36A50BB9C00}" presName="Name10" presStyleLbl="parChTrans1D2" presStyleIdx="2" presStyleCnt="4"/>
       <dgm:spPr/>
+      <dgm:t>
+        <a:bodyPr/>
+        <a:lstStyle/>
+        <a:p>
+          <a:endParaRPr lang="ru-RU"/>
+        </a:p>
+      </dgm:t>
     </dgm:pt>
     <dgm:pt modelId="{F6051059-BA58-453D-8E27-FDB64FA7D024}" type="pres">
       <dgm:prSet presAssocID="{6CDE6D80-CBDC-485F-A75D-E0DE5293B712}" presName="hierRoot2" presStyleCnt="0"/>
@@ -4576,6 +6154,13 @@
     <dgm:pt modelId="{32CB9347-5B4B-4D22-81C2-A298DDA014C5}" type="pres">
       <dgm:prSet presAssocID="{21BBCBE1-39DF-4E3A-8DC1-56B63B94401A}" presName="Name17" presStyleLbl="parChTrans1D3" presStyleIdx="4" presStyleCnt="7"/>
       <dgm:spPr/>
+      <dgm:t>
+        <a:bodyPr/>
+        <a:lstStyle/>
+        <a:p>
+          <a:endParaRPr lang="ru-RU"/>
+        </a:p>
+      </dgm:t>
     </dgm:pt>
     <dgm:pt modelId="{93E8CA91-D1FE-43FD-AC13-10ADE33EC5B0}" type="pres">
       <dgm:prSet presAssocID="{DE1190F3-0524-4FCD-A46B-A2D7452EA512}" presName="hierRoot3" presStyleCnt="0"/>
@@ -4596,6 +6181,13 @@
         </dgm:presLayoutVars>
       </dgm:prSet>
       <dgm:spPr/>
+      <dgm:t>
+        <a:bodyPr/>
+        <a:lstStyle/>
+        <a:p>
+          <a:endParaRPr lang="ru-RU"/>
+        </a:p>
+      </dgm:t>
     </dgm:pt>
     <dgm:pt modelId="{A29F0E72-29B1-4B5E-B65B-B48C23847FB0}" type="pres">
       <dgm:prSet presAssocID="{DE1190F3-0524-4FCD-A46B-A2D7452EA512}" presName="hierChild4" presStyleCnt="0"/>
@@ -4604,6 +6196,13 @@
     <dgm:pt modelId="{863849EF-D900-419D-8C18-C43BB63D4CF0}" type="pres">
       <dgm:prSet presAssocID="{C41706A0-9E0E-452C-9450-982CB1551B15}" presName="Name17" presStyleLbl="parChTrans1D3" presStyleIdx="5" presStyleCnt="7"/>
       <dgm:spPr/>
+      <dgm:t>
+        <a:bodyPr/>
+        <a:lstStyle/>
+        <a:p>
+          <a:endParaRPr lang="ru-RU"/>
+        </a:p>
+      </dgm:t>
     </dgm:pt>
     <dgm:pt modelId="{54C4B005-01EB-4DD5-972C-2F01F944DF23}" type="pres">
       <dgm:prSet presAssocID="{E09B34C8-1FE5-4EE2-B662-F3A80ACCA96B}" presName="hierRoot3" presStyleCnt="0"/>
@@ -4624,6 +6223,13 @@
         </dgm:presLayoutVars>
       </dgm:prSet>
       <dgm:spPr/>
+      <dgm:t>
+        <a:bodyPr/>
+        <a:lstStyle/>
+        <a:p>
+          <a:endParaRPr lang="ru-RU"/>
+        </a:p>
+      </dgm:t>
     </dgm:pt>
     <dgm:pt modelId="{72288770-F795-4C13-BCF2-23BBE16269E3}" type="pres">
       <dgm:prSet presAssocID="{E09B34C8-1FE5-4EE2-B662-F3A80ACCA96B}" presName="hierChild4" presStyleCnt="0"/>
@@ -4632,6 +6238,13 @@
     <dgm:pt modelId="{0C0ED207-B512-49E2-A73F-CAB683B01EBB}" type="pres">
       <dgm:prSet presAssocID="{00EF14F9-F61A-4D9B-B8C1-DADD254BDD3C}" presName="Name10" presStyleLbl="parChTrans1D2" presStyleIdx="3" presStyleCnt="4"/>
       <dgm:spPr/>
+      <dgm:t>
+        <a:bodyPr/>
+        <a:lstStyle/>
+        <a:p>
+          <a:endParaRPr lang="ru-RU"/>
+        </a:p>
+      </dgm:t>
     </dgm:pt>
     <dgm:pt modelId="{40706D41-B71E-4E91-A618-687697B9D637}" type="pres">
       <dgm:prSet presAssocID="{3F9E0D20-D804-41DD-96BA-F9A83B4A4C7A}" presName="hierRoot2" presStyleCnt="0"/>
@@ -4652,6 +6265,13 @@
         </dgm:presLayoutVars>
       </dgm:prSet>
       <dgm:spPr/>
+      <dgm:t>
+        <a:bodyPr/>
+        <a:lstStyle/>
+        <a:p>
+          <a:endParaRPr lang="ru-RU"/>
+        </a:p>
+      </dgm:t>
     </dgm:pt>
     <dgm:pt modelId="{5A1B1D85-C30D-4182-856E-D6C380A5FC9E}" type="pres">
       <dgm:prSet presAssocID="{3F9E0D20-D804-41DD-96BA-F9A83B4A4C7A}" presName="hierChild3" presStyleCnt="0"/>
@@ -4660,6 +6280,13 @@
     <dgm:pt modelId="{9BA39B37-54E1-43E7-A5B2-988F86F0BA77}" type="pres">
       <dgm:prSet presAssocID="{D7445BC3-109B-4078-968E-9B4F4D2F8725}" presName="Name17" presStyleLbl="parChTrans1D3" presStyleIdx="6" presStyleCnt="7"/>
       <dgm:spPr/>
+      <dgm:t>
+        <a:bodyPr/>
+        <a:lstStyle/>
+        <a:p>
+          <a:endParaRPr lang="ru-RU"/>
+        </a:p>
+      </dgm:t>
     </dgm:pt>
     <dgm:pt modelId="{5A4BEAD1-B76B-4551-B179-FCD362DF9AEF}" type="pres">
       <dgm:prSet presAssocID="{0BE651B8-5EE9-4418-A0AB-8507E161BF18}" presName="hierRoot3" presStyleCnt="0"/>
@@ -4680,6 +6307,13 @@
         </dgm:presLayoutVars>
       </dgm:prSet>
       <dgm:spPr/>
+      <dgm:t>
+        <a:bodyPr/>
+        <a:lstStyle/>
+        <a:p>
+          <a:endParaRPr lang="ru-RU"/>
+        </a:p>
+      </dgm:t>
     </dgm:pt>
     <dgm:pt modelId="{BB9788F7-7F13-43B5-8EC3-D2BB0469104D}" type="pres">
       <dgm:prSet presAssocID="{0BE651B8-5EE9-4418-A0AB-8507E161BF18}" presName="hierChild4" presStyleCnt="0"/>
@@ -4687,42 +6321,42 @@
     </dgm:pt>
   </dgm:ptLst>
   <dgm:cxnLst>
+    <dgm:cxn modelId="{0ADC7C00-F2CB-4906-9276-967799A5A4BE}" srcId="{40D702D5-D0F4-43F2-8043-80B78343A53C}" destId="{6CDE6D80-CBDC-485F-A75D-E0DE5293B712}" srcOrd="2" destOrd="0" parTransId="{62D0F4C8-50BC-45DC-B0CF-F36A50BB9C00}" sibTransId="{3A93CF01-04EE-4DC6-9A34-AF9044241C28}"/>
+    <dgm:cxn modelId="{D1C690FF-8E8D-418D-BF5A-995F58DC157B}" type="presOf" srcId="{00EF14F9-F61A-4D9B-B8C1-DADD254BDD3C}" destId="{0C0ED207-B512-49E2-A73F-CAB683B01EBB}" srcOrd="0" destOrd="0" presId="urn:microsoft.com/office/officeart/2005/8/layout/hierarchy1"/>
+    <dgm:cxn modelId="{E954E996-74DE-4904-AA37-DF898CDB2425}" type="presOf" srcId="{28DA4115-D6DB-460C-BFAA-D1BFA40D5B8F}" destId="{5CE81FF3-45D8-456D-9062-2231DAD81E7D}" srcOrd="0" destOrd="0" presId="urn:microsoft.com/office/officeart/2005/8/layout/hierarchy1"/>
+    <dgm:cxn modelId="{5E593EB7-1ED5-4ED4-AFD2-F32F7C106AA5}" type="presOf" srcId="{1FCA6BF0-65CA-47F0-9E8C-1428DD0775AF}" destId="{C1884A41-55AA-494F-B549-CDD19F4A0F11}" srcOrd="0" destOrd="0" presId="urn:microsoft.com/office/officeart/2005/8/layout/hierarchy1"/>
+    <dgm:cxn modelId="{7416287E-FBE4-4F10-A3E7-021EA3F4C153}" srcId="{40D702D5-D0F4-43F2-8043-80B78343A53C}" destId="{657C9227-BD7C-4BBF-91D6-5D16F7FF30F3}" srcOrd="1" destOrd="0" parTransId="{5BBCE575-397C-4821-855D-12D52D3E6645}" sibTransId="{76BC1419-58A9-4730-B2C5-0A1E74CD9938}"/>
+    <dgm:cxn modelId="{16CF0387-11FE-4505-BBBD-4987796F0574}" type="presOf" srcId="{3F9E0D20-D804-41DD-96BA-F9A83B4A4C7A}" destId="{E830DA49-39A5-4746-B172-BBC8237BBFD1}" srcOrd="0" destOrd="0" presId="urn:microsoft.com/office/officeart/2005/8/layout/hierarchy1"/>
+    <dgm:cxn modelId="{8C76D58E-DA16-46E1-9FB9-D573DBEFA3E0}" type="presOf" srcId="{657C9227-BD7C-4BBF-91D6-5D16F7FF30F3}" destId="{87A60E27-4ACC-48DD-BCBC-99AF48D03AB5}" srcOrd="0" destOrd="0" presId="urn:microsoft.com/office/officeart/2005/8/layout/hierarchy1"/>
+    <dgm:cxn modelId="{EC1C5BDD-F9FA-482C-8206-67CE1DF83598}" type="presOf" srcId="{D7445BC3-109B-4078-968E-9B4F4D2F8725}" destId="{9BA39B37-54E1-43E7-A5B2-988F86F0BA77}" srcOrd="0" destOrd="0" presId="urn:microsoft.com/office/officeart/2005/8/layout/hierarchy1"/>
     <dgm:cxn modelId="{1C179E21-A33F-4081-A227-5916C05B377C}" type="presOf" srcId="{6CDE6D80-CBDC-485F-A75D-E0DE5293B712}" destId="{3E8F6C9E-162A-4819-8F1F-C89050444CD1}" srcOrd="0" destOrd="0" presId="urn:microsoft.com/office/officeart/2005/8/layout/hierarchy1"/>
+    <dgm:cxn modelId="{65F20192-892C-412B-8EF6-C1FBC257296E}" type="presOf" srcId="{FDE27FE6-6138-4640-A6A7-0A7615A289D9}" destId="{EB40645B-735E-455C-9BD8-9DFC9C4B1A2F}" srcOrd="0" destOrd="0" presId="urn:microsoft.com/office/officeart/2005/8/layout/hierarchy1"/>
+    <dgm:cxn modelId="{C499753B-5A55-4FA8-BCD4-F76A7B4A3E88}" type="presOf" srcId="{5BBCE575-397C-4821-855D-12D52D3E6645}" destId="{1BCC3015-A0F1-455F-B481-D5EFFFEEBC2C}" srcOrd="0" destOrd="0" presId="urn:microsoft.com/office/officeart/2005/8/layout/hierarchy1"/>
+    <dgm:cxn modelId="{1B3C8972-0F34-498C-907B-2E8F70607B84}" type="presOf" srcId="{E831C6A6-4986-4ADC-800F-7305862A6769}" destId="{D05F55D9-E139-4280-ADB2-1389C5197E79}" srcOrd="0" destOrd="0" presId="urn:microsoft.com/office/officeart/2005/8/layout/hierarchy1"/>
+    <dgm:cxn modelId="{13A17A96-E64C-40A0-A325-9F5E690C74C9}" srcId="{657C9227-BD7C-4BBF-91D6-5D16F7FF30F3}" destId="{EA9E4F78-B170-4850-AEC7-9A34135203A5}" srcOrd="1" destOrd="0" parTransId="{E831C6A6-4986-4ADC-800F-7305862A6769}" sibTransId="{2C692A48-EEEF-4A16-9CDD-ED6F63193E75}"/>
+    <dgm:cxn modelId="{684A9A6A-17D7-43C2-A37A-A7E28DC16D1A}" srcId="{F914A3B4-B6B5-4C3D-AD0B-F9E7BD21E0B4}" destId="{40D702D5-D0F4-43F2-8043-80B78343A53C}" srcOrd="0" destOrd="0" parTransId="{05B7FAA1-3280-432B-B9C6-E25E0EF7EBED}" sibTransId="{8EDD1223-13D3-439F-9AC1-1A8E5390F1F6}"/>
+    <dgm:cxn modelId="{3FF9F100-D70F-4248-8A4F-F904D7975A62}" type="presOf" srcId="{8AB3BD97-0F57-4592-B196-020561BCFFA8}" destId="{8648DEC6-14B4-477B-9FB0-88EAD31E46B5}" srcOrd="0" destOrd="0" presId="urn:microsoft.com/office/officeart/2005/8/layout/hierarchy1"/>
+    <dgm:cxn modelId="{85C36D1A-5CEF-496F-86D8-FF465465147B}" type="presOf" srcId="{40D702D5-D0F4-43F2-8043-80B78343A53C}" destId="{41246981-BBA5-4E34-BCA5-C9966C295E79}" srcOrd="0" destOrd="0" presId="urn:microsoft.com/office/officeart/2005/8/layout/hierarchy1"/>
+    <dgm:cxn modelId="{7731173C-5237-465A-832B-1F621F2837EC}" type="presOf" srcId="{C41706A0-9E0E-452C-9450-982CB1551B15}" destId="{863849EF-D900-419D-8C18-C43BB63D4CF0}" srcOrd="0" destOrd="0" presId="urn:microsoft.com/office/officeart/2005/8/layout/hierarchy1"/>
+    <dgm:cxn modelId="{050FF7F7-FA82-40E6-8356-F3E2CB8D469E}" srcId="{657C9227-BD7C-4BBF-91D6-5D16F7FF30F3}" destId="{8AB3BD97-0F57-4592-B196-020561BCFFA8}" srcOrd="2" destOrd="0" parTransId="{73BA936E-62E6-473C-A8F0-E9AFD71C2186}" sibTransId="{DAA06963-8925-4E6D-881B-796C55858CCE}"/>
+    <dgm:cxn modelId="{DF55A007-E914-4FEB-9046-90EEEEEC4A95}" type="presOf" srcId="{F914A3B4-B6B5-4C3D-AD0B-F9E7BD21E0B4}" destId="{156EC687-33BE-4226-8197-748AB3208E6C}" srcOrd="0" destOrd="0" presId="urn:microsoft.com/office/officeart/2005/8/layout/hierarchy1"/>
+    <dgm:cxn modelId="{41DF340B-5330-4E1A-BEC7-4D32B3EFABA6}" type="presOf" srcId="{EA9E4F78-B170-4850-AEC7-9A34135203A5}" destId="{AA873D2D-E97E-4E1F-91CA-C229312C0408}" srcOrd="0" destOrd="0" presId="urn:microsoft.com/office/officeart/2005/8/layout/hierarchy1"/>
+    <dgm:cxn modelId="{AC363D2B-2B4D-43C1-BE1A-33A9FD924A1F}" type="presOf" srcId="{B2B74336-B663-41B1-A14A-69BC7D436D92}" destId="{47ACBE3E-BB9F-4D97-8520-920A07C9D427}" srcOrd="0" destOrd="0" presId="urn:microsoft.com/office/officeart/2005/8/layout/hierarchy1"/>
     <dgm:cxn modelId="{5C34111B-65A4-4273-91E6-E45726069059}" srcId="{657C9227-BD7C-4BBF-91D6-5D16F7FF30F3}" destId="{BA8007C6-E317-4DF6-BDB9-DEE98EFDA17B}" srcOrd="0" destOrd="0" parTransId="{B2B74336-B663-41B1-A14A-69BC7D436D92}" sibTransId="{819641D1-3D38-4909-8E4B-8F2FEEA0BE6D}"/>
-    <dgm:cxn modelId="{D1C690FF-8E8D-418D-BF5A-995F58DC157B}" type="presOf" srcId="{00EF14F9-F61A-4D9B-B8C1-DADD254BDD3C}" destId="{0C0ED207-B512-49E2-A73F-CAB683B01EBB}" srcOrd="0" destOrd="0" presId="urn:microsoft.com/office/officeart/2005/8/layout/hierarchy1"/>
+    <dgm:cxn modelId="{D0A3E59F-A9D7-42A6-AABA-D6082FD90EA8}" srcId="{6CDE6D80-CBDC-485F-A75D-E0DE5293B712}" destId="{DE1190F3-0524-4FCD-A46B-A2D7452EA512}" srcOrd="0" destOrd="0" parTransId="{21BBCBE1-39DF-4E3A-8DC1-56B63B94401A}" sibTransId="{EB2A4978-DAE7-4798-8BCE-7F318AD8ACCA}"/>
+    <dgm:cxn modelId="{EFCD5426-1275-4D5B-B70B-4AB3DBC8B8FB}" type="presOf" srcId="{DE1190F3-0524-4FCD-A46B-A2D7452EA512}" destId="{BC882765-EE65-4D23-8494-BFD08C770C20}" srcOrd="0" destOrd="0" presId="urn:microsoft.com/office/officeart/2005/8/layout/hierarchy1"/>
+    <dgm:cxn modelId="{48419FB7-F2BF-41CF-B10C-C6F82C3BBA04}" srcId="{40D702D5-D0F4-43F2-8043-80B78343A53C}" destId="{3F9E0D20-D804-41DD-96BA-F9A83B4A4C7A}" srcOrd="3" destOrd="0" parTransId="{00EF14F9-F61A-4D9B-B8C1-DADD254BDD3C}" sibTransId="{1156EF57-CFAE-4E8C-BE53-6D00C548B16C}"/>
+    <dgm:cxn modelId="{188DCE2C-113A-4BA6-8D1D-E48A6FA9373C}" srcId="{40D702D5-D0F4-43F2-8043-80B78343A53C}" destId="{28DA4115-D6DB-460C-BFAA-D1BFA40D5B8F}" srcOrd="0" destOrd="0" parTransId="{BE766B58-BC36-431E-A4E8-06418D71F53B}" sibTransId="{BAAC8672-FC05-428E-B787-242E30B05197}"/>
+    <dgm:cxn modelId="{2174A1D4-E4F4-4799-BBBF-21E22D9A3FC7}" srcId="{3F9E0D20-D804-41DD-96BA-F9A83B4A4C7A}" destId="{0BE651B8-5EE9-4418-A0AB-8507E161BF18}" srcOrd="0" destOrd="0" parTransId="{D7445BC3-109B-4078-968E-9B4F4D2F8725}" sibTransId="{638FBB46-CE62-48CF-891D-4BC9E724FE40}"/>
+    <dgm:cxn modelId="{DBF47303-BD7D-47DD-8AFB-78FC67257438}" type="presOf" srcId="{73BA936E-62E6-473C-A8F0-E9AFD71C2186}" destId="{089EBD12-564E-44BD-B9AB-10ADDB335005}" srcOrd="0" destOrd="0" presId="urn:microsoft.com/office/officeart/2005/8/layout/hierarchy1"/>
+    <dgm:cxn modelId="{D16EB1F1-B632-45FA-8720-55A5631970E2}" srcId="{28DA4115-D6DB-460C-BFAA-D1BFA40D5B8F}" destId="{1FCA6BF0-65CA-47F0-9E8C-1428DD0775AF}" srcOrd="0" destOrd="0" parTransId="{FDE27FE6-6138-4640-A6A7-0A7615A289D9}" sibTransId="{A7200CD2-9700-4A69-B76D-879B019863B6}"/>
+    <dgm:cxn modelId="{8BC5A357-91C6-4592-9980-5FF2CD5E4D1B}" type="presOf" srcId="{21BBCBE1-39DF-4E3A-8DC1-56B63B94401A}" destId="{32CB9347-5B4B-4D22-81C2-A298DDA014C5}" srcOrd="0" destOrd="0" presId="urn:microsoft.com/office/officeart/2005/8/layout/hierarchy1"/>
     <dgm:cxn modelId="{90DBB741-2245-44B8-B96C-3D08276DBC19}" type="presOf" srcId="{0BE651B8-5EE9-4418-A0AB-8507E161BF18}" destId="{A904A5A5-1666-4E2C-90A7-1F2320AA38F6}" srcOrd="0" destOrd="0" presId="urn:microsoft.com/office/officeart/2005/8/layout/hierarchy1"/>
-    <dgm:cxn modelId="{16CF0387-11FE-4505-BBBD-4987796F0574}" type="presOf" srcId="{3F9E0D20-D804-41DD-96BA-F9A83B4A4C7A}" destId="{E830DA49-39A5-4746-B172-BBC8237BBFD1}" srcOrd="0" destOrd="0" presId="urn:microsoft.com/office/officeart/2005/8/layout/hierarchy1"/>
-    <dgm:cxn modelId="{1B3C8972-0F34-498C-907B-2E8F70607B84}" type="presOf" srcId="{E831C6A6-4986-4ADC-800F-7305862A6769}" destId="{D05F55D9-E139-4280-ADB2-1389C5197E79}" srcOrd="0" destOrd="0" presId="urn:microsoft.com/office/officeart/2005/8/layout/hierarchy1"/>
-    <dgm:cxn modelId="{D0A3E59F-A9D7-42A6-AABA-D6082FD90EA8}" srcId="{6CDE6D80-CBDC-485F-A75D-E0DE5293B712}" destId="{DE1190F3-0524-4FCD-A46B-A2D7452EA512}" srcOrd="0" destOrd="0" parTransId="{21BBCBE1-39DF-4E3A-8DC1-56B63B94401A}" sibTransId="{EB2A4978-DAE7-4798-8BCE-7F318AD8ACCA}"/>
-    <dgm:cxn modelId="{2174A1D4-E4F4-4799-BBBF-21E22D9A3FC7}" srcId="{3F9E0D20-D804-41DD-96BA-F9A83B4A4C7A}" destId="{0BE651B8-5EE9-4418-A0AB-8507E161BF18}" srcOrd="0" destOrd="0" parTransId="{D7445BC3-109B-4078-968E-9B4F4D2F8725}" sibTransId="{638FBB46-CE62-48CF-891D-4BC9E724FE40}"/>
-    <dgm:cxn modelId="{D16EB1F1-B632-45FA-8720-55A5631970E2}" srcId="{28DA4115-D6DB-460C-BFAA-D1BFA40D5B8F}" destId="{1FCA6BF0-65CA-47F0-9E8C-1428DD0775AF}" srcOrd="0" destOrd="0" parTransId="{FDE27FE6-6138-4640-A6A7-0A7615A289D9}" sibTransId="{A7200CD2-9700-4A69-B76D-879B019863B6}"/>
     <dgm:cxn modelId="{45FD5D8C-1B7D-4A05-9FA3-93011227E9B7}" type="presOf" srcId="{BA8007C6-E317-4DF6-BDB9-DEE98EFDA17B}" destId="{4373679F-62B0-491E-B912-632CAEC5FD5B}" srcOrd="0" destOrd="0" presId="urn:microsoft.com/office/officeart/2005/8/layout/hierarchy1"/>
-    <dgm:cxn modelId="{684A9A6A-17D7-43C2-A37A-A7E28DC16D1A}" srcId="{F914A3B4-B6B5-4C3D-AD0B-F9E7BD21E0B4}" destId="{40D702D5-D0F4-43F2-8043-80B78343A53C}" srcOrd="0" destOrd="0" parTransId="{05B7FAA1-3280-432B-B9C6-E25E0EF7EBED}" sibTransId="{8EDD1223-13D3-439F-9AC1-1A8E5390F1F6}"/>
-    <dgm:cxn modelId="{EFCD5426-1275-4D5B-B70B-4AB3DBC8B8FB}" type="presOf" srcId="{DE1190F3-0524-4FCD-A46B-A2D7452EA512}" destId="{BC882765-EE65-4D23-8494-BFD08C770C20}" srcOrd="0" destOrd="0" presId="urn:microsoft.com/office/officeart/2005/8/layout/hierarchy1"/>
-    <dgm:cxn modelId="{7416287E-FBE4-4F10-A3E7-021EA3F4C153}" srcId="{40D702D5-D0F4-43F2-8043-80B78343A53C}" destId="{657C9227-BD7C-4BBF-91D6-5D16F7FF30F3}" srcOrd="1" destOrd="0" parTransId="{5BBCE575-397C-4821-855D-12D52D3E6645}" sibTransId="{76BC1419-58A9-4730-B2C5-0A1E74CD9938}"/>
-    <dgm:cxn modelId="{AC363D2B-2B4D-43C1-BE1A-33A9FD924A1F}" type="presOf" srcId="{B2B74336-B663-41B1-A14A-69BC7D436D92}" destId="{47ACBE3E-BB9F-4D97-8520-920A07C9D427}" srcOrd="0" destOrd="0" presId="urn:microsoft.com/office/officeart/2005/8/layout/hierarchy1"/>
-    <dgm:cxn modelId="{48419FB7-F2BF-41CF-B10C-C6F82C3BBA04}" srcId="{40D702D5-D0F4-43F2-8043-80B78343A53C}" destId="{3F9E0D20-D804-41DD-96BA-F9A83B4A4C7A}" srcOrd="3" destOrd="0" parTransId="{00EF14F9-F61A-4D9B-B8C1-DADD254BDD3C}" sibTransId="{1156EF57-CFAE-4E8C-BE53-6D00C548B16C}"/>
-    <dgm:cxn modelId="{7731173C-5237-465A-832B-1F621F2837EC}" type="presOf" srcId="{C41706A0-9E0E-452C-9450-982CB1551B15}" destId="{863849EF-D900-419D-8C18-C43BB63D4CF0}" srcOrd="0" destOrd="0" presId="urn:microsoft.com/office/officeart/2005/8/layout/hierarchy1"/>
-    <dgm:cxn modelId="{13A17A96-E64C-40A0-A325-9F5E690C74C9}" srcId="{657C9227-BD7C-4BBF-91D6-5D16F7FF30F3}" destId="{EA9E4F78-B170-4850-AEC7-9A34135203A5}" srcOrd="1" destOrd="0" parTransId="{E831C6A6-4986-4ADC-800F-7305862A6769}" sibTransId="{2C692A48-EEEF-4A16-9CDD-ED6F63193E75}"/>
     <dgm:cxn modelId="{A53C9636-713D-49B2-A9E0-E13AD99A932C}" type="presOf" srcId="{62D0F4C8-50BC-45DC-B0CF-F36A50BB9C00}" destId="{40137BE7-FBB9-45F8-A766-025A1BED4FFB}" srcOrd="0" destOrd="0" presId="urn:microsoft.com/office/officeart/2005/8/layout/hierarchy1"/>
-    <dgm:cxn modelId="{C499753B-5A55-4FA8-BCD4-F76A7B4A3E88}" type="presOf" srcId="{5BBCE575-397C-4821-855D-12D52D3E6645}" destId="{1BCC3015-A0F1-455F-B481-D5EFFFEEBC2C}" srcOrd="0" destOrd="0" presId="urn:microsoft.com/office/officeart/2005/8/layout/hierarchy1"/>
-    <dgm:cxn modelId="{EC1C5BDD-F9FA-482C-8206-67CE1DF83598}" type="presOf" srcId="{D7445BC3-109B-4078-968E-9B4F4D2F8725}" destId="{9BA39B37-54E1-43E7-A5B2-988F86F0BA77}" srcOrd="0" destOrd="0" presId="urn:microsoft.com/office/officeart/2005/8/layout/hierarchy1"/>
-    <dgm:cxn modelId="{85C36D1A-5CEF-496F-86D8-FF465465147B}" type="presOf" srcId="{40D702D5-D0F4-43F2-8043-80B78343A53C}" destId="{41246981-BBA5-4E34-BCA5-C9966C295E79}" srcOrd="0" destOrd="0" presId="urn:microsoft.com/office/officeart/2005/8/layout/hierarchy1"/>
     <dgm:cxn modelId="{F52E06DA-FE46-4DF7-8BEF-D0B307A845E6}" type="presOf" srcId="{E09B34C8-1FE5-4EE2-B662-F3A80ACCA96B}" destId="{5E65F60A-55D8-4148-A646-C06DAA0B6A61}" srcOrd="0" destOrd="0" presId="urn:microsoft.com/office/officeart/2005/8/layout/hierarchy1"/>
-    <dgm:cxn modelId="{E954E996-74DE-4904-AA37-DF898CDB2425}" type="presOf" srcId="{28DA4115-D6DB-460C-BFAA-D1BFA40D5B8F}" destId="{5CE81FF3-45D8-456D-9062-2231DAD81E7D}" srcOrd="0" destOrd="0" presId="urn:microsoft.com/office/officeart/2005/8/layout/hierarchy1"/>
-    <dgm:cxn modelId="{3FF9F100-D70F-4248-8A4F-F904D7975A62}" type="presOf" srcId="{8AB3BD97-0F57-4592-B196-020561BCFFA8}" destId="{8648DEC6-14B4-477B-9FB0-88EAD31E46B5}" srcOrd="0" destOrd="0" presId="urn:microsoft.com/office/officeart/2005/8/layout/hierarchy1"/>
+    <dgm:cxn modelId="{9CB0D7B4-22ED-4E53-AD75-CAD25ED5272C}" type="presOf" srcId="{BE766B58-BC36-431E-A4E8-06418D71F53B}" destId="{900FA433-ECC1-4E9A-BF56-84CB77CC048B}" srcOrd="0" destOrd="0" presId="urn:microsoft.com/office/officeart/2005/8/layout/hierarchy1"/>
     <dgm:cxn modelId="{C9CFD97C-F5C5-49A8-875D-F60F60C88C3D}" srcId="{6CDE6D80-CBDC-485F-A75D-E0DE5293B712}" destId="{E09B34C8-1FE5-4EE2-B662-F3A80ACCA96B}" srcOrd="1" destOrd="0" parTransId="{C41706A0-9E0E-452C-9450-982CB1551B15}" sibTransId="{70CB8112-9BAB-4064-BBFE-617295C2D671}"/>
-    <dgm:cxn modelId="{050FF7F7-FA82-40E6-8356-F3E2CB8D469E}" srcId="{657C9227-BD7C-4BBF-91D6-5D16F7FF30F3}" destId="{8AB3BD97-0F57-4592-B196-020561BCFFA8}" srcOrd="2" destOrd="0" parTransId="{73BA936E-62E6-473C-A8F0-E9AFD71C2186}" sibTransId="{DAA06963-8925-4E6D-881B-796C55858CCE}"/>
-    <dgm:cxn modelId="{41DF340B-5330-4E1A-BEC7-4D32B3EFABA6}" type="presOf" srcId="{EA9E4F78-B170-4850-AEC7-9A34135203A5}" destId="{AA873D2D-E97E-4E1F-91CA-C229312C0408}" srcOrd="0" destOrd="0" presId="urn:microsoft.com/office/officeart/2005/8/layout/hierarchy1"/>
-    <dgm:cxn modelId="{188DCE2C-113A-4BA6-8D1D-E48A6FA9373C}" srcId="{40D702D5-D0F4-43F2-8043-80B78343A53C}" destId="{28DA4115-D6DB-460C-BFAA-D1BFA40D5B8F}" srcOrd="0" destOrd="0" parTransId="{BE766B58-BC36-431E-A4E8-06418D71F53B}" sibTransId="{BAAC8672-FC05-428E-B787-242E30B05197}"/>
-    <dgm:cxn modelId="{8BC5A357-91C6-4592-9980-5FF2CD5E4D1B}" type="presOf" srcId="{21BBCBE1-39DF-4E3A-8DC1-56B63B94401A}" destId="{32CB9347-5B4B-4D22-81C2-A298DDA014C5}" srcOrd="0" destOrd="0" presId="urn:microsoft.com/office/officeart/2005/8/layout/hierarchy1"/>
-    <dgm:cxn modelId="{0ADC7C00-F2CB-4906-9276-967799A5A4BE}" srcId="{40D702D5-D0F4-43F2-8043-80B78343A53C}" destId="{6CDE6D80-CBDC-485F-A75D-E0DE5293B712}" srcOrd="2" destOrd="0" parTransId="{62D0F4C8-50BC-45DC-B0CF-F36A50BB9C00}" sibTransId="{3A93CF01-04EE-4DC6-9A34-AF9044241C28}"/>
-    <dgm:cxn modelId="{9CB0D7B4-22ED-4E53-AD75-CAD25ED5272C}" type="presOf" srcId="{BE766B58-BC36-431E-A4E8-06418D71F53B}" destId="{900FA433-ECC1-4E9A-BF56-84CB77CC048B}" srcOrd="0" destOrd="0" presId="urn:microsoft.com/office/officeart/2005/8/layout/hierarchy1"/>
-    <dgm:cxn modelId="{DBF47303-BD7D-47DD-8AFB-78FC67257438}" type="presOf" srcId="{73BA936E-62E6-473C-A8F0-E9AFD71C2186}" destId="{089EBD12-564E-44BD-B9AB-10ADDB335005}" srcOrd="0" destOrd="0" presId="urn:microsoft.com/office/officeart/2005/8/layout/hierarchy1"/>
-    <dgm:cxn modelId="{8C76D58E-DA16-46E1-9FB9-D573DBEFA3E0}" type="presOf" srcId="{657C9227-BD7C-4BBF-91D6-5D16F7FF30F3}" destId="{87A60E27-4ACC-48DD-BCBC-99AF48D03AB5}" srcOrd="0" destOrd="0" presId="urn:microsoft.com/office/officeart/2005/8/layout/hierarchy1"/>
-    <dgm:cxn modelId="{DF55A007-E914-4FEB-9046-90EEEEEC4A95}" type="presOf" srcId="{F914A3B4-B6B5-4C3D-AD0B-F9E7BD21E0B4}" destId="{156EC687-33BE-4226-8197-748AB3208E6C}" srcOrd="0" destOrd="0" presId="urn:microsoft.com/office/officeart/2005/8/layout/hierarchy1"/>
-    <dgm:cxn modelId="{65F20192-892C-412B-8EF6-C1FBC257296E}" type="presOf" srcId="{FDE27FE6-6138-4640-A6A7-0A7615A289D9}" destId="{EB40645B-735E-455C-9BD8-9DFC9C4B1A2F}" srcOrd="0" destOrd="0" presId="urn:microsoft.com/office/officeart/2005/8/layout/hierarchy1"/>
-    <dgm:cxn modelId="{5E593EB7-1ED5-4ED4-AFD2-F32F7C106AA5}" type="presOf" srcId="{1FCA6BF0-65CA-47F0-9E8C-1428DD0775AF}" destId="{C1884A41-55AA-494F-B549-CDD19F4A0F11}" srcOrd="0" destOrd="0" presId="urn:microsoft.com/office/officeart/2005/8/layout/hierarchy1"/>
     <dgm:cxn modelId="{78AF644A-02DA-406A-A732-DE01160B4F5B}" type="presParOf" srcId="{156EC687-33BE-4226-8197-748AB3208E6C}" destId="{B30BC115-8F5D-4D6E-B5BE-EEA36503F306}" srcOrd="0" destOrd="0" presId="urn:microsoft.com/office/officeart/2005/8/layout/hierarchy1"/>
     <dgm:cxn modelId="{E444F4C4-B352-4012-BEEF-A39B349BE8C5}" type="presParOf" srcId="{B30BC115-8F5D-4D6E-B5BE-EEA36503F306}" destId="{E2972A87-8268-4794-B1CC-213762367316}" srcOrd="0" destOrd="0" presId="urn:microsoft.com/office/officeart/2005/8/layout/hierarchy1"/>
     <dgm:cxn modelId="{371B31B5-76AF-454A-B3FE-B8C6AD6D3509}" type="presParOf" srcId="{E2972A87-8268-4794-B1CC-213762367316}" destId="{5BDD172A-4557-42C7-9FF6-D1514C0453B5}" srcOrd="0" destOrd="0" presId="urn:microsoft.com/office/officeart/2005/8/layout/hierarchy1"/>
@@ -4978,6 +6612,13 @@
         </dgm:presLayoutVars>
       </dgm:prSet>
       <dgm:spPr/>
+      <dgm:t>
+        <a:bodyPr/>
+        <a:lstStyle/>
+        <a:p>
+          <a:endParaRPr lang="ru-RU"/>
+        </a:p>
+      </dgm:t>
     </dgm:pt>
     <dgm:pt modelId="{8084A19A-296A-4C6C-88AC-0BC88B67859A}" type="pres">
       <dgm:prSet presAssocID="{A377C66F-1F79-4096-9119-6D02237D5405}" presName="hierRoot1" presStyleCnt="0"/>
@@ -4998,6 +6639,13 @@
         </dgm:presLayoutVars>
       </dgm:prSet>
       <dgm:spPr/>
+      <dgm:t>
+        <a:bodyPr/>
+        <a:lstStyle/>
+        <a:p>
+          <a:endParaRPr lang="ru-RU"/>
+        </a:p>
+      </dgm:t>
     </dgm:pt>
     <dgm:pt modelId="{464625D3-C8BC-4ABE-BCB8-C03076BAD296}" type="pres">
       <dgm:prSet presAssocID="{A377C66F-1F79-4096-9119-6D02237D5405}" presName="hierChild2" presStyleCnt="0"/>
@@ -5006,6 +6654,13 @@
     <dgm:pt modelId="{6AF48802-0429-4F18-9317-03C8ACA00F95}" type="pres">
       <dgm:prSet presAssocID="{1821CBE3-AFAF-43AD-AD97-728FDB3292EE}" presName="Name10" presStyleLbl="parChTrans1D2" presStyleIdx="0" presStyleCnt="3"/>
       <dgm:spPr/>
+      <dgm:t>
+        <a:bodyPr/>
+        <a:lstStyle/>
+        <a:p>
+          <a:endParaRPr lang="ru-RU"/>
+        </a:p>
+      </dgm:t>
     </dgm:pt>
     <dgm:pt modelId="{2FA8E34C-0F12-4ADE-BFC0-C20A4B17B22D}" type="pres">
       <dgm:prSet presAssocID="{BF5B2BCB-9FE1-4FDF-88A4-09C11C4ED9CE}" presName="hierRoot2" presStyleCnt="0"/>
@@ -5041,6 +6696,13 @@
     <dgm:pt modelId="{941D3478-A507-4D3C-B49A-4D20D39C91B7}" type="pres">
       <dgm:prSet presAssocID="{59498242-4DC0-4F8A-96E6-37BFDC5DDBB4}" presName="Name10" presStyleLbl="parChTrans1D2" presStyleIdx="1" presStyleCnt="3"/>
       <dgm:spPr/>
+      <dgm:t>
+        <a:bodyPr/>
+        <a:lstStyle/>
+        <a:p>
+          <a:endParaRPr lang="ru-RU"/>
+        </a:p>
+      </dgm:t>
     </dgm:pt>
     <dgm:pt modelId="{38FF29EB-9025-4520-9A7B-1B9B255AFD10}" type="pres">
       <dgm:prSet presAssocID="{17291349-8220-4125-A16F-A996D8B3C9C9}" presName="hierRoot2" presStyleCnt="0"/>
@@ -5061,6 +6723,13 @@
         </dgm:presLayoutVars>
       </dgm:prSet>
       <dgm:spPr/>
+      <dgm:t>
+        <a:bodyPr/>
+        <a:lstStyle/>
+        <a:p>
+          <a:endParaRPr lang="ru-RU"/>
+        </a:p>
+      </dgm:t>
     </dgm:pt>
     <dgm:pt modelId="{0BB03E99-1059-4710-9FA0-6E2DAD8619C8}" type="pres">
       <dgm:prSet presAssocID="{17291349-8220-4125-A16F-A996D8B3C9C9}" presName="hierChild3" presStyleCnt="0"/>
@@ -5069,6 +6738,13 @@
     <dgm:pt modelId="{B99C0FDD-FF73-42AF-B68B-C1B79E8DD3A0}" type="pres">
       <dgm:prSet presAssocID="{857804E2-F557-4AEA-967D-4F5670AFD917}" presName="Name10" presStyleLbl="parChTrans1D2" presStyleIdx="2" presStyleCnt="3"/>
       <dgm:spPr/>
+      <dgm:t>
+        <a:bodyPr/>
+        <a:lstStyle/>
+        <a:p>
+          <a:endParaRPr lang="ru-RU"/>
+        </a:p>
+      </dgm:t>
     </dgm:pt>
     <dgm:pt modelId="{1BAC20D5-70BA-49B5-8470-03A00E3B115D}" type="pres">
       <dgm:prSet presAssocID="{B80F5334-D30C-48A3-A06B-81F3060411A5}" presName="hierRoot2" presStyleCnt="0"/>
@@ -5089,6 +6765,13 @@
         </dgm:presLayoutVars>
       </dgm:prSet>
       <dgm:spPr/>
+      <dgm:t>
+        <a:bodyPr/>
+        <a:lstStyle/>
+        <a:p>
+          <a:endParaRPr lang="ru-RU"/>
+        </a:p>
+      </dgm:t>
     </dgm:pt>
     <dgm:pt modelId="{117B0575-9CC3-4193-9EFF-912B6CAF7714}" type="pres">
       <dgm:prSet presAssocID="{B80F5334-D30C-48A3-A06B-81F3060411A5}" presName="hierChild3" presStyleCnt="0"/>
@@ -5096,18 +6779,18 @@
     </dgm:pt>
   </dgm:ptLst>
   <dgm:cxnLst>
+    <dgm:cxn modelId="{CA69F536-887B-4C8B-AA59-65B991212039}" srcId="{CEEBBE5A-843E-4A72-9ADA-ACE22D3D1846}" destId="{A377C66F-1F79-4096-9119-6D02237D5405}" srcOrd="0" destOrd="0" parTransId="{18163287-B6C7-4912-BFAF-2328EE775DCD}" sibTransId="{3E4BAAA2-CD7D-4E55-9323-939F6186B42B}"/>
+    <dgm:cxn modelId="{5A44C900-D643-4C05-8343-75EF9FA0A7C3}" type="presOf" srcId="{B80F5334-D30C-48A3-A06B-81F3060411A5}" destId="{67BA1BD9-7B69-48DE-AE8D-F7BA27D9F539}" srcOrd="0" destOrd="0" presId="urn:microsoft.com/office/officeart/2005/8/layout/hierarchy1"/>
+    <dgm:cxn modelId="{48270EF4-8CD0-4FD1-8085-14BA2CE77B44}" type="presOf" srcId="{59498242-4DC0-4F8A-96E6-37BFDC5DDBB4}" destId="{941D3478-A507-4D3C-B49A-4D20D39C91B7}" srcOrd="0" destOrd="0" presId="urn:microsoft.com/office/officeart/2005/8/layout/hierarchy1"/>
+    <dgm:cxn modelId="{93AF387E-B531-46C0-8AA9-2921009FFEF1}" srcId="{A377C66F-1F79-4096-9119-6D02237D5405}" destId="{17291349-8220-4125-A16F-A996D8B3C9C9}" srcOrd="1" destOrd="0" parTransId="{59498242-4DC0-4F8A-96E6-37BFDC5DDBB4}" sibTransId="{95DCF87E-64C8-461C-9CB3-529E08E1AC54}"/>
+    <dgm:cxn modelId="{BAE96E64-2D8E-4779-86FC-F9463CFCD1FB}" type="presOf" srcId="{17291349-8220-4125-A16F-A996D8B3C9C9}" destId="{705E94F3-3903-40A8-B00A-BB21F0688122}" srcOrd="0" destOrd="0" presId="urn:microsoft.com/office/officeart/2005/8/layout/hierarchy1"/>
+    <dgm:cxn modelId="{FDF0F467-6853-4471-8415-DEC04B93C371}" type="presOf" srcId="{CEEBBE5A-843E-4A72-9ADA-ACE22D3D1846}" destId="{3457B534-9A65-498C-B6D3-20FA1D09D271}" srcOrd="0" destOrd="0" presId="urn:microsoft.com/office/officeart/2005/8/layout/hierarchy1"/>
+    <dgm:cxn modelId="{82C5C133-B9D7-45BF-8F70-D05D3D36AC90}" srcId="{A377C66F-1F79-4096-9119-6D02237D5405}" destId="{BF5B2BCB-9FE1-4FDF-88A4-09C11C4ED9CE}" srcOrd="0" destOrd="0" parTransId="{1821CBE3-AFAF-43AD-AD97-728FDB3292EE}" sibTransId="{E29023F2-D19F-457F-9C57-13ED3F698321}"/>
     <dgm:cxn modelId="{731F697A-A159-4607-8BBB-830089944D72}" type="presOf" srcId="{1821CBE3-AFAF-43AD-AD97-728FDB3292EE}" destId="{6AF48802-0429-4F18-9317-03C8ACA00F95}" srcOrd="0" destOrd="0" presId="urn:microsoft.com/office/officeart/2005/8/layout/hierarchy1"/>
-    <dgm:cxn modelId="{82C5C133-B9D7-45BF-8F70-D05D3D36AC90}" srcId="{A377C66F-1F79-4096-9119-6D02237D5405}" destId="{BF5B2BCB-9FE1-4FDF-88A4-09C11C4ED9CE}" srcOrd="0" destOrd="0" parTransId="{1821CBE3-AFAF-43AD-AD97-728FDB3292EE}" sibTransId="{E29023F2-D19F-457F-9C57-13ED3F698321}"/>
-    <dgm:cxn modelId="{FDF0F467-6853-4471-8415-DEC04B93C371}" type="presOf" srcId="{CEEBBE5A-843E-4A72-9ADA-ACE22D3D1846}" destId="{3457B534-9A65-498C-B6D3-20FA1D09D271}" srcOrd="0" destOrd="0" presId="urn:microsoft.com/office/officeart/2005/8/layout/hierarchy1"/>
-    <dgm:cxn modelId="{93AF387E-B531-46C0-8AA9-2921009FFEF1}" srcId="{A377C66F-1F79-4096-9119-6D02237D5405}" destId="{17291349-8220-4125-A16F-A996D8B3C9C9}" srcOrd="1" destOrd="0" parTransId="{59498242-4DC0-4F8A-96E6-37BFDC5DDBB4}" sibTransId="{95DCF87E-64C8-461C-9CB3-529E08E1AC54}"/>
-    <dgm:cxn modelId="{CA69F536-887B-4C8B-AA59-65B991212039}" srcId="{CEEBBE5A-843E-4A72-9ADA-ACE22D3D1846}" destId="{A377C66F-1F79-4096-9119-6D02237D5405}" srcOrd="0" destOrd="0" parTransId="{18163287-B6C7-4912-BFAF-2328EE775DCD}" sibTransId="{3E4BAAA2-CD7D-4E55-9323-939F6186B42B}"/>
-    <dgm:cxn modelId="{48270EF4-8CD0-4FD1-8085-14BA2CE77B44}" type="presOf" srcId="{59498242-4DC0-4F8A-96E6-37BFDC5DDBB4}" destId="{941D3478-A507-4D3C-B49A-4D20D39C91B7}" srcOrd="0" destOrd="0" presId="urn:microsoft.com/office/officeart/2005/8/layout/hierarchy1"/>
+    <dgm:cxn modelId="{19F5AA3E-45D1-4BF3-94FC-BACCFB528EFB}" type="presOf" srcId="{857804E2-F557-4AEA-967D-4F5670AFD917}" destId="{B99C0FDD-FF73-42AF-B68B-C1B79E8DD3A0}" srcOrd="0" destOrd="0" presId="urn:microsoft.com/office/officeart/2005/8/layout/hierarchy1"/>
+    <dgm:cxn modelId="{7615A1E3-7E17-41D1-A2AB-580BB80FE643}" type="presOf" srcId="{BF5B2BCB-9FE1-4FDF-88A4-09C11C4ED9CE}" destId="{8AAA92A0-C599-414C-809F-801C0751DBFB}" srcOrd="0" destOrd="0" presId="urn:microsoft.com/office/officeart/2005/8/layout/hierarchy1"/>
+    <dgm:cxn modelId="{B6DF87E2-F9E8-4C37-84D9-D2613CF957AE}" type="presOf" srcId="{A377C66F-1F79-4096-9119-6D02237D5405}" destId="{B9909738-0564-469F-8142-A6CCE83C4258}" srcOrd="0" destOrd="0" presId="urn:microsoft.com/office/officeart/2005/8/layout/hierarchy1"/>
     <dgm:cxn modelId="{6FBABBFE-3519-437F-93F6-B15D00221CB2}" srcId="{A377C66F-1F79-4096-9119-6D02237D5405}" destId="{B80F5334-D30C-48A3-A06B-81F3060411A5}" srcOrd="2" destOrd="0" parTransId="{857804E2-F557-4AEA-967D-4F5670AFD917}" sibTransId="{0E8AEE9F-C538-4CBD-AB5F-4D1F56C849F9}"/>
-    <dgm:cxn modelId="{B6DF87E2-F9E8-4C37-84D9-D2613CF957AE}" type="presOf" srcId="{A377C66F-1F79-4096-9119-6D02237D5405}" destId="{B9909738-0564-469F-8142-A6CCE83C4258}" srcOrd="0" destOrd="0" presId="urn:microsoft.com/office/officeart/2005/8/layout/hierarchy1"/>
-    <dgm:cxn modelId="{19F5AA3E-45D1-4BF3-94FC-BACCFB528EFB}" type="presOf" srcId="{857804E2-F557-4AEA-967D-4F5670AFD917}" destId="{B99C0FDD-FF73-42AF-B68B-C1B79E8DD3A0}" srcOrd="0" destOrd="0" presId="urn:microsoft.com/office/officeart/2005/8/layout/hierarchy1"/>
-    <dgm:cxn modelId="{5A44C900-D643-4C05-8343-75EF9FA0A7C3}" type="presOf" srcId="{B80F5334-D30C-48A3-A06B-81F3060411A5}" destId="{67BA1BD9-7B69-48DE-AE8D-F7BA27D9F539}" srcOrd="0" destOrd="0" presId="urn:microsoft.com/office/officeart/2005/8/layout/hierarchy1"/>
-    <dgm:cxn modelId="{BAE96E64-2D8E-4779-86FC-F9463CFCD1FB}" type="presOf" srcId="{17291349-8220-4125-A16F-A996D8B3C9C9}" destId="{705E94F3-3903-40A8-B00A-BB21F0688122}" srcOrd="0" destOrd="0" presId="urn:microsoft.com/office/officeart/2005/8/layout/hierarchy1"/>
-    <dgm:cxn modelId="{7615A1E3-7E17-41D1-A2AB-580BB80FE643}" type="presOf" srcId="{BF5B2BCB-9FE1-4FDF-88A4-09C11C4ED9CE}" destId="{8AAA92A0-C599-414C-809F-801C0751DBFB}" srcOrd="0" destOrd="0" presId="urn:microsoft.com/office/officeart/2005/8/layout/hierarchy1"/>
     <dgm:cxn modelId="{3E021360-EC02-44BB-A8C8-211EB0FA5776}" type="presParOf" srcId="{3457B534-9A65-498C-B6D3-20FA1D09D271}" destId="{8084A19A-296A-4C6C-88AC-0BC88B67859A}" srcOrd="0" destOrd="0" presId="urn:microsoft.com/office/officeart/2005/8/layout/hierarchy1"/>
     <dgm:cxn modelId="{E3BADB65-A7B1-4018-966A-77015BCC2B2C}" type="presParOf" srcId="{8084A19A-296A-4C6C-88AC-0BC88B67859A}" destId="{9507175D-E6EC-4972-B4BE-442ED6F120BC}" srcOrd="0" destOrd="0" presId="urn:microsoft.com/office/officeart/2005/8/layout/hierarchy1"/>
     <dgm:cxn modelId="{99870326-9D59-4BAB-A9B8-EB93400853A7}" type="presParOf" srcId="{9507175D-E6EC-4972-B4BE-442ED6F120BC}" destId="{A5C2B293-1D80-4BDF-A80B-E89F9EAB9362}" srcOrd="0" destOrd="0" presId="urn:microsoft.com/office/officeart/2005/8/layout/hierarchy1"/>
@@ -5353,6 +7036,13 @@
         </dgm:presLayoutVars>
       </dgm:prSet>
       <dgm:spPr/>
+      <dgm:t>
+        <a:bodyPr/>
+        <a:lstStyle/>
+        <a:p>
+          <a:endParaRPr lang="ru-RU"/>
+        </a:p>
+      </dgm:t>
     </dgm:pt>
     <dgm:pt modelId="{1957A5EE-5F78-4EA0-8357-F1C4327F3A10}" type="pres">
       <dgm:prSet presAssocID="{BACBE0B8-D927-4ED6-873F-E2818792F1F7}" presName="hierRoot1" presStyleCnt="0">
@@ -5384,6 +7074,13 @@
     <dgm:pt modelId="{4AD37573-5478-4DAD-BA59-8592BE869F4B}" type="pres">
       <dgm:prSet presAssocID="{BACBE0B8-D927-4ED6-873F-E2818792F1F7}" presName="rootConnector1" presStyleLbl="node1" presStyleIdx="0" presStyleCnt="0"/>
       <dgm:spPr/>
+      <dgm:t>
+        <a:bodyPr/>
+        <a:lstStyle/>
+        <a:p>
+          <a:endParaRPr lang="ru-RU"/>
+        </a:p>
+      </dgm:t>
     </dgm:pt>
     <dgm:pt modelId="{63CD79ED-28FC-4C40-BDCF-8BFD1D2596ED}" type="pres">
       <dgm:prSet presAssocID="{BACBE0B8-D927-4ED6-873F-E2818792F1F7}" presName="hierChild2" presStyleCnt="0"/>
@@ -5392,6 +7089,13 @@
     <dgm:pt modelId="{A477661D-32F8-4EBE-9FC5-7D1E3E4FEF8D}" type="pres">
       <dgm:prSet presAssocID="{E40B7DE8-8199-4E2A-8E0D-8ACC1EC17599}" presName="Name37" presStyleLbl="parChTrans1D2" presStyleIdx="0" presStyleCnt="4"/>
       <dgm:spPr/>
+      <dgm:t>
+        <a:bodyPr/>
+        <a:lstStyle/>
+        <a:p>
+          <a:endParaRPr lang="ru-RU"/>
+        </a:p>
+      </dgm:t>
     </dgm:pt>
     <dgm:pt modelId="{7002E4F9-2F85-46AF-B9C1-80F2D1EB1A19}" type="pres">
       <dgm:prSet presAssocID="{4F7AC5D6-617F-41C8-8AE1-278AE53AD61E}" presName="hierRoot2" presStyleCnt="0">
@@ -5412,10 +7116,24 @@
         </dgm:presLayoutVars>
       </dgm:prSet>
       <dgm:spPr/>
+      <dgm:t>
+        <a:bodyPr/>
+        <a:lstStyle/>
+        <a:p>
+          <a:endParaRPr lang="ru-RU"/>
+        </a:p>
+      </dgm:t>
     </dgm:pt>
     <dgm:pt modelId="{9C2FFF84-5011-44B6-9C30-A252B40D8D97}" type="pres">
       <dgm:prSet presAssocID="{4F7AC5D6-617F-41C8-8AE1-278AE53AD61E}" presName="rootConnector" presStyleLbl="node2" presStyleIdx="0" presStyleCnt="4"/>
       <dgm:spPr/>
+      <dgm:t>
+        <a:bodyPr/>
+        <a:lstStyle/>
+        <a:p>
+          <a:endParaRPr lang="ru-RU"/>
+        </a:p>
+      </dgm:t>
     </dgm:pt>
     <dgm:pt modelId="{9546F4C3-86E4-497E-8A61-EAB89E1B3DEF}" type="pres">
       <dgm:prSet presAssocID="{4F7AC5D6-617F-41C8-8AE1-278AE53AD61E}" presName="hierChild4" presStyleCnt="0"/>
@@ -5428,6 +7146,13 @@
     <dgm:pt modelId="{B4F17E52-F0B4-46EF-9C82-2961656E13D5}" type="pres">
       <dgm:prSet presAssocID="{87579D51-676A-4517-ADBD-C47137349CD7}" presName="Name37" presStyleLbl="parChTrans1D2" presStyleIdx="1" presStyleCnt="4"/>
       <dgm:spPr/>
+      <dgm:t>
+        <a:bodyPr/>
+        <a:lstStyle/>
+        <a:p>
+          <a:endParaRPr lang="ru-RU"/>
+        </a:p>
+      </dgm:t>
     </dgm:pt>
     <dgm:pt modelId="{087C183C-5782-4E63-982E-CCC6CCCA1ED4}" type="pres">
       <dgm:prSet presAssocID="{6FDD31C3-7F82-4F76-8156-C317487187AA}" presName="hierRoot2" presStyleCnt="0">
@@ -5459,6 +7184,13 @@
     <dgm:pt modelId="{E98B8E49-B021-4EDF-8A70-DD8199E51C5A}" type="pres">
       <dgm:prSet presAssocID="{6FDD31C3-7F82-4F76-8156-C317487187AA}" presName="rootConnector" presStyleLbl="node2" presStyleIdx="1" presStyleCnt="4"/>
       <dgm:spPr/>
+      <dgm:t>
+        <a:bodyPr/>
+        <a:lstStyle/>
+        <a:p>
+          <a:endParaRPr lang="ru-RU"/>
+        </a:p>
+      </dgm:t>
     </dgm:pt>
     <dgm:pt modelId="{5D4DCA37-F5E7-43E2-9597-90A6599A2D81}" type="pres">
       <dgm:prSet presAssocID="{6FDD31C3-7F82-4F76-8156-C317487187AA}" presName="hierChild4" presStyleCnt="0"/>
@@ -5471,6 +7203,13 @@
     <dgm:pt modelId="{F321BEEA-541A-46CB-9C85-F01F76C5E8B1}" type="pres">
       <dgm:prSet presAssocID="{0865D89F-2E20-483F-815A-71D1FC90307E}" presName="Name37" presStyleLbl="parChTrans1D2" presStyleIdx="2" presStyleCnt="4"/>
       <dgm:spPr/>
+      <dgm:t>
+        <a:bodyPr/>
+        <a:lstStyle/>
+        <a:p>
+          <a:endParaRPr lang="ru-RU"/>
+        </a:p>
+      </dgm:t>
     </dgm:pt>
     <dgm:pt modelId="{3B851802-66C1-4A6A-8214-05CD8A4EE586}" type="pres">
       <dgm:prSet presAssocID="{4E501B0D-272D-4D09-B4FC-9036631496F3}" presName="hierRoot2" presStyleCnt="0">
@@ -5502,6 +7241,13 @@
     <dgm:pt modelId="{8BA677D7-97B1-463B-98C8-4030075E1267}" type="pres">
       <dgm:prSet presAssocID="{4E501B0D-272D-4D09-B4FC-9036631496F3}" presName="rootConnector" presStyleLbl="node2" presStyleIdx="2" presStyleCnt="4"/>
       <dgm:spPr/>
+      <dgm:t>
+        <a:bodyPr/>
+        <a:lstStyle/>
+        <a:p>
+          <a:endParaRPr lang="ru-RU"/>
+        </a:p>
+      </dgm:t>
     </dgm:pt>
     <dgm:pt modelId="{1BBB0967-0A2B-41ED-9F55-218D709A8ED9}" type="pres">
       <dgm:prSet presAssocID="{4E501B0D-272D-4D09-B4FC-9036631496F3}" presName="hierChild4" presStyleCnt="0"/>
@@ -5514,6 +7260,13 @@
     <dgm:pt modelId="{CC319B6E-438C-42B5-84E0-FA3F480937D7}" type="pres">
       <dgm:prSet presAssocID="{EB181E60-E5C3-4031-BA63-2D4A4E09D5E5}" presName="Name37" presStyleLbl="parChTrans1D2" presStyleIdx="3" presStyleCnt="4"/>
       <dgm:spPr/>
+      <dgm:t>
+        <a:bodyPr/>
+        <a:lstStyle/>
+        <a:p>
+          <a:endParaRPr lang="ru-RU"/>
+        </a:p>
+      </dgm:t>
     </dgm:pt>
     <dgm:pt modelId="{D7CF6831-DAD7-4C38-9A4C-3BCF8AC77EFF}" type="pres">
       <dgm:prSet presAssocID="{66FD4EBE-FA6F-43AD-AA5C-AB4613DB037E}" presName="hierRoot2" presStyleCnt="0">
@@ -5545,6 +7298,13 @@
     <dgm:pt modelId="{A1D720B8-10D4-45C2-AD35-64741DA97D48}" type="pres">
       <dgm:prSet presAssocID="{66FD4EBE-FA6F-43AD-AA5C-AB4613DB037E}" presName="rootConnector" presStyleLbl="node2" presStyleIdx="3" presStyleCnt="4"/>
       <dgm:spPr/>
+      <dgm:t>
+        <a:bodyPr/>
+        <a:lstStyle/>
+        <a:p>
+          <a:endParaRPr lang="ru-RU"/>
+        </a:p>
+      </dgm:t>
     </dgm:pt>
     <dgm:pt modelId="{247EB259-2B6B-4855-9A27-BAAFF99C272E}" type="pres">
       <dgm:prSet presAssocID="{66FD4EBE-FA6F-43AD-AA5C-AB4613DB037E}" presName="hierChild4" presStyleCnt="0"/>
@@ -5560,26 +7320,26 @@
     </dgm:pt>
   </dgm:ptLst>
   <dgm:cxnLst>
+    <dgm:cxn modelId="{68D84807-EE3B-40BC-8462-4FF5FFCAFE02}" type="presOf" srcId="{6FDD31C3-7F82-4F76-8156-C317487187AA}" destId="{FB5C8E47-C1C6-4822-AD98-9E1C8783B127}" srcOrd="0" destOrd="0" presId="urn:microsoft.com/office/officeart/2005/8/layout/orgChart1"/>
+    <dgm:cxn modelId="{0C003F03-9402-406F-AC74-DEA313DD7D16}" type="presOf" srcId="{12BFEB49-97C5-446D-AF9C-6634B6315F76}" destId="{D5F6B982-630E-41D0-AD66-DC93D2E6F1C9}" srcOrd="0" destOrd="0" presId="urn:microsoft.com/office/officeart/2005/8/layout/orgChart1"/>
+    <dgm:cxn modelId="{004B5237-7D91-4C3B-9706-ECFDA8363D20}" srcId="{BACBE0B8-D927-4ED6-873F-E2818792F1F7}" destId="{4F7AC5D6-617F-41C8-8AE1-278AE53AD61E}" srcOrd="0" destOrd="0" parTransId="{E40B7DE8-8199-4E2A-8E0D-8ACC1EC17599}" sibTransId="{1382CBDA-A565-4D84-95FF-20F11F3E9607}"/>
+    <dgm:cxn modelId="{5C0C16BE-5909-4A91-A2FB-613D2327B941}" type="presOf" srcId="{BACBE0B8-D927-4ED6-873F-E2818792F1F7}" destId="{23318439-BEF3-4F36-A8C0-6A2F4B36D00F}" srcOrd="0" destOrd="0" presId="urn:microsoft.com/office/officeart/2005/8/layout/orgChart1"/>
+    <dgm:cxn modelId="{455FB27D-EA2A-472B-B306-F67B5FC45287}" type="presOf" srcId="{EB181E60-E5C3-4031-BA63-2D4A4E09D5E5}" destId="{CC319B6E-438C-42B5-84E0-FA3F480937D7}" srcOrd="0" destOrd="0" presId="urn:microsoft.com/office/officeart/2005/8/layout/orgChart1"/>
+    <dgm:cxn modelId="{3F4E77C1-FB2D-457C-B18C-469933CEB26D}" srcId="{BACBE0B8-D927-4ED6-873F-E2818792F1F7}" destId="{6FDD31C3-7F82-4F76-8156-C317487187AA}" srcOrd="1" destOrd="0" parTransId="{87579D51-676A-4517-ADBD-C47137349CD7}" sibTransId="{8689C7CF-8473-4F3F-8D2B-EF84A823D11A}"/>
+    <dgm:cxn modelId="{4CCCC7DC-1B85-4E9E-AFEA-10ED2142124D}" type="presOf" srcId="{66FD4EBE-FA6F-43AD-AA5C-AB4613DB037E}" destId="{A1D720B8-10D4-45C2-AD35-64741DA97D48}" srcOrd="1" destOrd="0" presId="urn:microsoft.com/office/officeart/2005/8/layout/orgChart1"/>
+    <dgm:cxn modelId="{3DB425DB-E13B-40E7-BA22-14FCCA2EDBA6}" type="presOf" srcId="{4F7AC5D6-617F-41C8-8AE1-278AE53AD61E}" destId="{9C2FFF84-5011-44B6-9C30-A252B40D8D97}" srcOrd="1" destOrd="0" presId="urn:microsoft.com/office/officeart/2005/8/layout/orgChart1"/>
+    <dgm:cxn modelId="{43A777D4-91D1-46D2-AE3F-E44C6747BCE5}" type="presOf" srcId="{6FDD31C3-7F82-4F76-8156-C317487187AA}" destId="{E98B8E49-B021-4EDF-8A70-DD8199E51C5A}" srcOrd="1" destOrd="0" presId="urn:microsoft.com/office/officeart/2005/8/layout/orgChart1"/>
+    <dgm:cxn modelId="{8688F05A-236A-4D30-974B-100BE44965CA}" type="presOf" srcId="{4F7AC5D6-617F-41C8-8AE1-278AE53AD61E}" destId="{58BFF039-2AC8-45D5-BF9E-293E9C20F367}" srcOrd="0" destOrd="0" presId="urn:microsoft.com/office/officeart/2005/8/layout/orgChart1"/>
     <dgm:cxn modelId="{D85A2E7A-9389-4829-BC2F-5BCE641006A4}" type="presOf" srcId="{87579D51-676A-4517-ADBD-C47137349CD7}" destId="{B4F17E52-F0B4-46EF-9C82-2961656E13D5}" srcOrd="0" destOrd="0" presId="urn:microsoft.com/office/officeart/2005/8/layout/orgChart1"/>
-    <dgm:cxn modelId="{3F4E77C1-FB2D-457C-B18C-469933CEB26D}" srcId="{BACBE0B8-D927-4ED6-873F-E2818792F1F7}" destId="{6FDD31C3-7F82-4F76-8156-C317487187AA}" srcOrd="1" destOrd="0" parTransId="{87579D51-676A-4517-ADBD-C47137349CD7}" sibTransId="{8689C7CF-8473-4F3F-8D2B-EF84A823D11A}"/>
-    <dgm:cxn modelId="{B0C85AC2-0F6E-4674-A041-4FBD71ED52C5}" srcId="{BACBE0B8-D927-4ED6-873F-E2818792F1F7}" destId="{4E501B0D-272D-4D09-B4FC-9036631496F3}" srcOrd="2" destOrd="0" parTransId="{0865D89F-2E20-483F-815A-71D1FC90307E}" sibTransId="{2175DF88-CF68-472B-B7C8-51744148EEAB}"/>
-    <dgm:cxn modelId="{455FB27D-EA2A-472B-B306-F67B5FC45287}" type="presOf" srcId="{EB181E60-E5C3-4031-BA63-2D4A4E09D5E5}" destId="{CC319B6E-438C-42B5-84E0-FA3F480937D7}" srcOrd="0" destOrd="0" presId="urn:microsoft.com/office/officeart/2005/8/layout/orgChart1"/>
+    <dgm:cxn modelId="{F6A1D0C2-A92B-49A4-8A17-39E48387AB95}" type="presOf" srcId="{66FD4EBE-FA6F-43AD-AA5C-AB4613DB037E}" destId="{890F75A7-928C-46C6-AA90-E32DA91B7E07}" srcOrd="0" destOrd="0" presId="urn:microsoft.com/office/officeart/2005/8/layout/orgChart1"/>
+    <dgm:cxn modelId="{96D8C40A-D88C-4EA8-ADB3-595B5310F249}" type="presOf" srcId="{BACBE0B8-D927-4ED6-873F-E2818792F1F7}" destId="{4AD37573-5478-4DAD-BA59-8592BE869F4B}" srcOrd="1" destOrd="0" presId="urn:microsoft.com/office/officeart/2005/8/layout/orgChart1"/>
     <dgm:cxn modelId="{42C86E04-95B9-4D66-8ED6-27FE36A44F6F}" type="presOf" srcId="{4E501B0D-272D-4D09-B4FC-9036631496F3}" destId="{6D9AE006-B2C8-41FA-87B9-E8757329BD94}" srcOrd="0" destOrd="0" presId="urn:microsoft.com/office/officeart/2005/8/layout/orgChart1"/>
     <dgm:cxn modelId="{D16433CC-9460-40F6-960F-AA5699D2F6CD}" srcId="{BACBE0B8-D927-4ED6-873F-E2818792F1F7}" destId="{66FD4EBE-FA6F-43AD-AA5C-AB4613DB037E}" srcOrd="3" destOrd="0" parTransId="{EB181E60-E5C3-4031-BA63-2D4A4E09D5E5}" sibTransId="{E9087BBC-79F5-4EB9-9D6D-C43FC83E8A4D}"/>
-    <dgm:cxn modelId="{0C003F03-9402-406F-AC74-DEA313DD7D16}" type="presOf" srcId="{12BFEB49-97C5-446D-AF9C-6634B6315F76}" destId="{D5F6B982-630E-41D0-AD66-DC93D2E6F1C9}" srcOrd="0" destOrd="0" presId="urn:microsoft.com/office/officeart/2005/8/layout/orgChart1"/>
+    <dgm:cxn modelId="{B0C85AC2-0F6E-4674-A041-4FBD71ED52C5}" srcId="{BACBE0B8-D927-4ED6-873F-E2818792F1F7}" destId="{4E501B0D-272D-4D09-B4FC-9036631496F3}" srcOrd="2" destOrd="0" parTransId="{0865D89F-2E20-483F-815A-71D1FC90307E}" sibTransId="{2175DF88-CF68-472B-B7C8-51744148EEAB}"/>
+    <dgm:cxn modelId="{A3821BFF-9FCF-4F9A-A9F1-A0A5D5FB8271}" type="presOf" srcId="{0865D89F-2E20-483F-815A-71D1FC90307E}" destId="{F321BEEA-541A-46CB-9C85-F01F76C5E8B1}" srcOrd="0" destOrd="0" presId="urn:microsoft.com/office/officeart/2005/8/layout/orgChart1"/>
     <dgm:cxn modelId="{79510BCA-2030-4948-B559-B39E46A4DFDE}" type="presOf" srcId="{E40B7DE8-8199-4E2A-8E0D-8ACC1EC17599}" destId="{A477661D-32F8-4EBE-9FC5-7D1E3E4FEF8D}" srcOrd="0" destOrd="0" presId="urn:microsoft.com/office/officeart/2005/8/layout/orgChart1"/>
-    <dgm:cxn modelId="{43A777D4-91D1-46D2-AE3F-E44C6747BCE5}" type="presOf" srcId="{6FDD31C3-7F82-4F76-8156-C317487187AA}" destId="{E98B8E49-B021-4EDF-8A70-DD8199E51C5A}" srcOrd="1" destOrd="0" presId="urn:microsoft.com/office/officeart/2005/8/layout/orgChart1"/>
-    <dgm:cxn modelId="{68D84807-EE3B-40BC-8462-4FF5FFCAFE02}" type="presOf" srcId="{6FDD31C3-7F82-4F76-8156-C317487187AA}" destId="{FB5C8E47-C1C6-4822-AD98-9E1C8783B127}" srcOrd="0" destOrd="0" presId="urn:microsoft.com/office/officeart/2005/8/layout/orgChart1"/>
-    <dgm:cxn modelId="{8688F05A-236A-4D30-974B-100BE44965CA}" type="presOf" srcId="{4F7AC5D6-617F-41C8-8AE1-278AE53AD61E}" destId="{58BFF039-2AC8-45D5-BF9E-293E9C20F367}" srcOrd="0" destOrd="0" presId="urn:microsoft.com/office/officeart/2005/8/layout/orgChart1"/>
+    <dgm:cxn modelId="{6E3B2D4E-BE3D-4871-9E0C-05C0055B920D}" srcId="{12BFEB49-97C5-446D-AF9C-6634B6315F76}" destId="{BACBE0B8-D927-4ED6-873F-E2818792F1F7}" srcOrd="0" destOrd="0" parTransId="{F13A1AA6-BB0C-4938-B22C-14F8724EF9C2}" sibTransId="{7F2E71B1-0FAD-4641-8B70-5A799EE34717}"/>
     <dgm:cxn modelId="{3F388828-9ACC-48B9-AF53-A988096B8301}" type="presOf" srcId="{4E501B0D-272D-4D09-B4FC-9036631496F3}" destId="{8BA677D7-97B1-463B-98C8-4030075E1267}" srcOrd="1" destOrd="0" presId="urn:microsoft.com/office/officeart/2005/8/layout/orgChart1"/>
-    <dgm:cxn modelId="{F6A1D0C2-A92B-49A4-8A17-39E48387AB95}" type="presOf" srcId="{66FD4EBE-FA6F-43AD-AA5C-AB4613DB037E}" destId="{890F75A7-928C-46C6-AA90-E32DA91B7E07}" srcOrd="0" destOrd="0" presId="urn:microsoft.com/office/officeart/2005/8/layout/orgChart1"/>
-    <dgm:cxn modelId="{004B5237-7D91-4C3B-9706-ECFDA8363D20}" srcId="{BACBE0B8-D927-4ED6-873F-E2818792F1F7}" destId="{4F7AC5D6-617F-41C8-8AE1-278AE53AD61E}" srcOrd="0" destOrd="0" parTransId="{E40B7DE8-8199-4E2A-8E0D-8ACC1EC17599}" sibTransId="{1382CBDA-A565-4D84-95FF-20F11F3E9607}"/>
-    <dgm:cxn modelId="{5C0C16BE-5909-4A91-A2FB-613D2327B941}" type="presOf" srcId="{BACBE0B8-D927-4ED6-873F-E2818792F1F7}" destId="{23318439-BEF3-4F36-A8C0-6A2F4B36D00F}" srcOrd="0" destOrd="0" presId="urn:microsoft.com/office/officeart/2005/8/layout/orgChart1"/>
-    <dgm:cxn modelId="{4CCCC7DC-1B85-4E9E-AFEA-10ED2142124D}" type="presOf" srcId="{66FD4EBE-FA6F-43AD-AA5C-AB4613DB037E}" destId="{A1D720B8-10D4-45C2-AD35-64741DA97D48}" srcOrd="1" destOrd="0" presId="urn:microsoft.com/office/officeart/2005/8/layout/orgChart1"/>
-    <dgm:cxn modelId="{96D8C40A-D88C-4EA8-ADB3-595B5310F249}" type="presOf" srcId="{BACBE0B8-D927-4ED6-873F-E2818792F1F7}" destId="{4AD37573-5478-4DAD-BA59-8592BE869F4B}" srcOrd="1" destOrd="0" presId="urn:microsoft.com/office/officeart/2005/8/layout/orgChart1"/>
-    <dgm:cxn modelId="{A3821BFF-9FCF-4F9A-A9F1-A0A5D5FB8271}" type="presOf" srcId="{0865D89F-2E20-483F-815A-71D1FC90307E}" destId="{F321BEEA-541A-46CB-9C85-F01F76C5E8B1}" srcOrd="0" destOrd="0" presId="urn:microsoft.com/office/officeart/2005/8/layout/orgChart1"/>
-    <dgm:cxn modelId="{3DB425DB-E13B-40E7-BA22-14FCCA2EDBA6}" type="presOf" srcId="{4F7AC5D6-617F-41C8-8AE1-278AE53AD61E}" destId="{9C2FFF84-5011-44B6-9C30-A252B40D8D97}" srcOrd="1" destOrd="0" presId="urn:microsoft.com/office/officeart/2005/8/layout/orgChart1"/>
-    <dgm:cxn modelId="{6E3B2D4E-BE3D-4871-9E0C-05C0055B920D}" srcId="{12BFEB49-97C5-446D-AF9C-6634B6315F76}" destId="{BACBE0B8-D927-4ED6-873F-E2818792F1F7}" srcOrd="0" destOrd="0" parTransId="{F13A1AA6-BB0C-4938-B22C-14F8724EF9C2}" sibTransId="{7F2E71B1-0FAD-4641-8B70-5A799EE34717}"/>
     <dgm:cxn modelId="{0DAE8148-D151-4E88-872A-3A0C6B71FB83}" type="presParOf" srcId="{D5F6B982-630E-41D0-AD66-DC93D2E6F1C9}" destId="{1957A5EE-5F78-4EA0-8357-F1C4327F3A10}" srcOrd="0" destOrd="0" presId="urn:microsoft.com/office/officeart/2005/8/layout/orgChart1"/>
     <dgm:cxn modelId="{9604F83A-259C-4AF9-9E4E-374F19152F9F}" type="presParOf" srcId="{1957A5EE-5F78-4EA0-8357-F1C4327F3A10}" destId="{C95C1E97-9DD5-4130-9E8F-E7811E0FFF15}" srcOrd="0" destOrd="0" presId="urn:microsoft.com/office/officeart/2005/8/layout/orgChart1"/>
     <dgm:cxn modelId="{A1E43005-2F0C-4A51-8190-750F45A7660F}" type="presParOf" srcId="{C95C1E97-9DD5-4130-9E8F-E7811E0FFF15}" destId="{23318439-BEF3-4F36-A8C0-6A2F4B36D00F}" srcOrd="0" destOrd="0" presId="urn:microsoft.com/office/officeart/2005/8/layout/orgChart1"/>
@@ -5798,6 +7558,13 @@
         </dgm:presLayoutVars>
       </dgm:prSet>
       <dgm:spPr/>
+      <dgm:t>
+        <a:bodyPr/>
+        <a:lstStyle/>
+        <a:p>
+          <a:endParaRPr lang="ru-RU"/>
+        </a:p>
+      </dgm:t>
     </dgm:pt>
     <dgm:pt modelId="{8084A19A-296A-4C6C-88AC-0BC88B67859A}" type="pres">
       <dgm:prSet presAssocID="{A377C66F-1F79-4096-9119-6D02237D5405}" presName="hierRoot1" presStyleCnt="0"/>
@@ -5818,6 +7585,13 @@
         </dgm:presLayoutVars>
       </dgm:prSet>
       <dgm:spPr/>
+      <dgm:t>
+        <a:bodyPr/>
+        <a:lstStyle/>
+        <a:p>
+          <a:endParaRPr lang="ru-RU"/>
+        </a:p>
+      </dgm:t>
     </dgm:pt>
     <dgm:pt modelId="{464625D3-C8BC-4ABE-BCB8-C03076BAD296}" type="pres">
       <dgm:prSet presAssocID="{A377C66F-1F79-4096-9119-6D02237D5405}" presName="hierChild2" presStyleCnt="0"/>
@@ -5826,6 +7600,13 @@
     <dgm:pt modelId="{6AF48802-0429-4F18-9317-03C8ACA00F95}" type="pres">
       <dgm:prSet presAssocID="{1821CBE3-AFAF-43AD-AD97-728FDB3292EE}" presName="Name10" presStyleLbl="parChTrans1D2" presStyleIdx="0" presStyleCnt="3"/>
       <dgm:spPr/>
+      <dgm:t>
+        <a:bodyPr/>
+        <a:lstStyle/>
+        <a:p>
+          <a:endParaRPr lang="ru-RU"/>
+        </a:p>
+      </dgm:t>
     </dgm:pt>
     <dgm:pt modelId="{2FA8E34C-0F12-4ADE-BFC0-C20A4B17B22D}" type="pres">
       <dgm:prSet presAssocID="{BF5B2BCB-9FE1-4FDF-88A4-09C11C4ED9CE}" presName="hierRoot2" presStyleCnt="0"/>
@@ -5861,6 +7642,13 @@
     <dgm:pt modelId="{941D3478-A507-4D3C-B49A-4D20D39C91B7}" type="pres">
       <dgm:prSet presAssocID="{59498242-4DC0-4F8A-96E6-37BFDC5DDBB4}" presName="Name10" presStyleLbl="parChTrans1D2" presStyleIdx="1" presStyleCnt="3"/>
       <dgm:spPr/>
+      <dgm:t>
+        <a:bodyPr/>
+        <a:lstStyle/>
+        <a:p>
+          <a:endParaRPr lang="ru-RU"/>
+        </a:p>
+      </dgm:t>
     </dgm:pt>
     <dgm:pt modelId="{38FF29EB-9025-4520-9A7B-1B9B255AFD10}" type="pres">
       <dgm:prSet presAssocID="{17291349-8220-4125-A16F-A996D8B3C9C9}" presName="hierRoot2" presStyleCnt="0"/>
@@ -5881,6 +7669,13 @@
         </dgm:presLayoutVars>
       </dgm:prSet>
       <dgm:spPr/>
+      <dgm:t>
+        <a:bodyPr/>
+        <a:lstStyle/>
+        <a:p>
+          <a:endParaRPr lang="ru-RU"/>
+        </a:p>
+      </dgm:t>
     </dgm:pt>
     <dgm:pt modelId="{0BB03E99-1059-4710-9FA0-6E2DAD8619C8}" type="pres">
       <dgm:prSet presAssocID="{17291349-8220-4125-A16F-A996D8B3C9C9}" presName="hierChild3" presStyleCnt="0"/>
@@ -5889,6 +7684,13 @@
     <dgm:pt modelId="{B99C0FDD-FF73-42AF-B68B-C1B79E8DD3A0}" type="pres">
       <dgm:prSet presAssocID="{857804E2-F557-4AEA-967D-4F5670AFD917}" presName="Name10" presStyleLbl="parChTrans1D2" presStyleIdx="2" presStyleCnt="3"/>
       <dgm:spPr/>
+      <dgm:t>
+        <a:bodyPr/>
+        <a:lstStyle/>
+        <a:p>
+          <a:endParaRPr lang="ru-RU"/>
+        </a:p>
+      </dgm:t>
     </dgm:pt>
     <dgm:pt modelId="{1BAC20D5-70BA-49B5-8470-03A00E3B115D}" type="pres">
       <dgm:prSet presAssocID="{B80F5334-D30C-48A3-A06B-81F3060411A5}" presName="hierRoot2" presStyleCnt="0"/>
@@ -5923,18 +7725,18 @@
     </dgm:pt>
   </dgm:ptLst>
   <dgm:cxnLst>
+    <dgm:cxn modelId="{CA69F536-887B-4C8B-AA59-65B991212039}" srcId="{CEEBBE5A-843E-4A72-9ADA-ACE22D3D1846}" destId="{A377C66F-1F79-4096-9119-6D02237D5405}" srcOrd="0" destOrd="0" parTransId="{18163287-B6C7-4912-BFAF-2328EE775DCD}" sibTransId="{3E4BAAA2-CD7D-4E55-9323-939F6186B42B}"/>
+    <dgm:cxn modelId="{5A44C900-D643-4C05-8343-75EF9FA0A7C3}" type="presOf" srcId="{B80F5334-D30C-48A3-A06B-81F3060411A5}" destId="{67BA1BD9-7B69-48DE-AE8D-F7BA27D9F539}" srcOrd="0" destOrd="0" presId="urn:microsoft.com/office/officeart/2005/8/layout/hierarchy1"/>
+    <dgm:cxn modelId="{48270EF4-8CD0-4FD1-8085-14BA2CE77B44}" type="presOf" srcId="{59498242-4DC0-4F8A-96E6-37BFDC5DDBB4}" destId="{941D3478-A507-4D3C-B49A-4D20D39C91B7}" srcOrd="0" destOrd="0" presId="urn:microsoft.com/office/officeart/2005/8/layout/hierarchy1"/>
+    <dgm:cxn modelId="{93AF387E-B531-46C0-8AA9-2921009FFEF1}" srcId="{A377C66F-1F79-4096-9119-6D02237D5405}" destId="{17291349-8220-4125-A16F-A996D8B3C9C9}" srcOrd="1" destOrd="0" parTransId="{59498242-4DC0-4F8A-96E6-37BFDC5DDBB4}" sibTransId="{95DCF87E-64C8-461C-9CB3-529E08E1AC54}"/>
+    <dgm:cxn modelId="{BAE96E64-2D8E-4779-86FC-F9463CFCD1FB}" type="presOf" srcId="{17291349-8220-4125-A16F-A996D8B3C9C9}" destId="{705E94F3-3903-40A8-B00A-BB21F0688122}" srcOrd="0" destOrd="0" presId="urn:microsoft.com/office/officeart/2005/8/layout/hierarchy1"/>
+    <dgm:cxn modelId="{FDF0F467-6853-4471-8415-DEC04B93C371}" type="presOf" srcId="{CEEBBE5A-843E-4A72-9ADA-ACE22D3D1846}" destId="{3457B534-9A65-498C-B6D3-20FA1D09D271}" srcOrd="0" destOrd="0" presId="urn:microsoft.com/office/officeart/2005/8/layout/hierarchy1"/>
+    <dgm:cxn modelId="{82C5C133-B9D7-45BF-8F70-D05D3D36AC90}" srcId="{A377C66F-1F79-4096-9119-6D02237D5405}" destId="{BF5B2BCB-9FE1-4FDF-88A4-09C11C4ED9CE}" srcOrd="0" destOrd="0" parTransId="{1821CBE3-AFAF-43AD-AD97-728FDB3292EE}" sibTransId="{E29023F2-D19F-457F-9C57-13ED3F698321}"/>
     <dgm:cxn modelId="{731F697A-A159-4607-8BBB-830089944D72}" type="presOf" srcId="{1821CBE3-AFAF-43AD-AD97-728FDB3292EE}" destId="{6AF48802-0429-4F18-9317-03C8ACA00F95}" srcOrd="0" destOrd="0" presId="urn:microsoft.com/office/officeart/2005/8/layout/hierarchy1"/>
+    <dgm:cxn modelId="{19F5AA3E-45D1-4BF3-94FC-BACCFB528EFB}" type="presOf" srcId="{857804E2-F557-4AEA-967D-4F5670AFD917}" destId="{B99C0FDD-FF73-42AF-B68B-C1B79E8DD3A0}" srcOrd="0" destOrd="0" presId="urn:microsoft.com/office/officeart/2005/8/layout/hierarchy1"/>
+    <dgm:cxn modelId="{7615A1E3-7E17-41D1-A2AB-580BB80FE643}" type="presOf" srcId="{BF5B2BCB-9FE1-4FDF-88A4-09C11C4ED9CE}" destId="{8AAA92A0-C599-414C-809F-801C0751DBFB}" srcOrd="0" destOrd="0" presId="urn:microsoft.com/office/officeart/2005/8/layout/hierarchy1"/>
     <dgm:cxn modelId="{B6DF87E2-F9E8-4C37-84D9-D2613CF957AE}" type="presOf" srcId="{A377C66F-1F79-4096-9119-6D02237D5405}" destId="{B9909738-0564-469F-8142-A6CCE83C4258}" srcOrd="0" destOrd="0" presId="urn:microsoft.com/office/officeart/2005/8/layout/hierarchy1"/>
-    <dgm:cxn modelId="{5A44C900-D643-4C05-8343-75EF9FA0A7C3}" type="presOf" srcId="{B80F5334-D30C-48A3-A06B-81F3060411A5}" destId="{67BA1BD9-7B69-48DE-AE8D-F7BA27D9F539}" srcOrd="0" destOrd="0" presId="urn:microsoft.com/office/officeart/2005/8/layout/hierarchy1"/>
-    <dgm:cxn modelId="{82C5C133-B9D7-45BF-8F70-D05D3D36AC90}" srcId="{A377C66F-1F79-4096-9119-6D02237D5405}" destId="{BF5B2BCB-9FE1-4FDF-88A4-09C11C4ED9CE}" srcOrd="0" destOrd="0" parTransId="{1821CBE3-AFAF-43AD-AD97-728FDB3292EE}" sibTransId="{E29023F2-D19F-457F-9C57-13ED3F698321}"/>
     <dgm:cxn modelId="{6FBABBFE-3519-437F-93F6-B15D00221CB2}" srcId="{A377C66F-1F79-4096-9119-6D02237D5405}" destId="{B80F5334-D30C-48A3-A06B-81F3060411A5}" srcOrd="2" destOrd="0" parTransId="{857804E2-F557-4AEA-967D-4F5670AFD917}" sibTransId="{0E8AEE9F-C538-4CBD-AB5F-4D1F56C849F9}"/>
-    <dgm:cxn modelId="{BAE96E64-2D8E-4779-86FC-F9463CFCD1FB}" type="presOf" srcId="{17291349-8220-4125-A16F-A996D8B3C9C9}" destId="{705E94F3-3903-40A8-B00A-BB21F0688122}" srcOrd="0" destOrd="0" presId="urn:microsoft.com/office/officeart/2005/8/layout/hierarchy1"/>
-    <dgm:cxn modelId="{CA69F536-887B-4C8B-AA59-65B991212039}" srcId="{CEEBBE5A-843E-4A72-9ADA-ACE22D3D1846}" destId="{A377C66F-1F79-4096-9119-6D02237D5405}" srcOrd="0" destOrd="0" parTransId="{18163287-B6C7-4912-BFAF-2328EE775DCD}" sibTransId="{3E4BAAA2-CD7D-4E55-9323-939F6186B42B}"/>
-    <dgm:cxn modelId="{7615A1E3-7E17-41D1-A2AB-580BB80FE643}" type="presOf" srcId="{BF5B2BCB-9FE1-4FDF-88A4-09C11C4ED9CE}" destId="{8AAA92A0-C599-414C-809F-801C0751DBFB}" srcOrd="0" destOrd="0" presId="urn:microsoft.com/office/officeart/2005/8/layout/hierarchy1"/>
-    <dgm:cxn modelId="{93AF387E-B531-46C0-8AA9-2921009FFEF1}" srcId="{A377C66F-1F79-4096-9119-6D02237D5405}" destId="{17291349-8220-4125-A16F-A996D8B3C9C9}" srcOrd="1" destOrd="0" parTransId="{59498242-4DC0-4F8A-96E6-37BFDC5DDBB4}" sibTransId="{95DCF87E-64C8-461C-9CB3-529E08E1AC54}"/>
-    <dgm:cxn modelId="{19F5AA3E-45D1-4BF3-94FC-BACCFB528EFB}" type="presOf" srcId="{857804E2-F557-4AEA-967D-4F5670AFD917}" destId="{B99C0FDD-FF73-42AF-B68B-C1B79E8DD3A0}" srcOrd="0" destOrd="0" presId="urn:microsoft.com/office/officeart/2005/8/layout/hierarchy1"/>
-    <dgm:cxn modelId="{FDF0F467-6853-4471-8415-DEC04B93C371}" type="presOf" srcId="{CEEBBE5A-843E-4A72-9ADA-ACE22D3D1846}" destId="{3457B534-9A65-498C-B6D3-20FA1D09D271}" srcOrd="0" destOrd="0" presId="urn:microsoft.com/office/officeart/2005/8/layout/hierarchy1"/>
-    <dgm:cxn modelId="{48270EF4-8CD0-4FD1-8085-14BA2CE77B44}" type="presOf" srcId="{59498242-4DC0-4F8A-96E6-37BFDC5DDBB4}" destId="{941D3478-A507-4D3C-B49A-4D20D39C91B7}" srcOrd="0" destOrd="0" presId="urn:microsoft.com/office/officeart/2005/8/layout/hierarchy1"/>
     <dgm:cxn modelId="{3E021360-EC02-44BB-A8C8-211EB0FA5776}" type="presParOf" srcId="{3457B534-9A65-498C-B6D3-20FA1D09D271}" destId="{8084A19A-296A-4C6C-88AC-0BC88B67859A}" srcOrd="0" destOrd="0" presId="urn:microsoft.com/office/officeart/2005/8/layout/hierarchy1"/>
     <dgm:cxn modelId="{E3BADB65-A7B1-4018-966A-77015BCC2B2C}" type="presParOf" srcId="{8084A19A-296A-4C6C-88AC-0BC88B67859A}" destId="{9507175D-E6EC-4972-B4BE-442ED6F120BC}" srcOrd="0" destOrd="0" presId="urn:microsoft.com/office/officeart/2005/8/layout/hierarchy1"/>
     <dgm:cxn modelId="{99870326-9D59-4BAB-A9B8-EB93400853A7}" type="presParOf" srcId="{9507175D-E6EC-4972-B4BE-442ED6F120BC}" destId="{A5C2B293-1D80-4BDF-A80B-E89F9EAB9362}" srcOrd="0" destOrd="0" presId="urn:microsoft.com/office/officeart/2005/8/layout/hierarchy1"/>
@@ -6151,6 +7953,13 @@
         </dgm:presLayoutVars>
       </dgm:prSet>
       <dgm:spPr/>
+      <dgm:t>
+        <a:bodyPr/>
+        <a:lstStyle/>
+        <a:p>
+          <a:endParaRPr lang="ru-RU"/>
+        </a:p>
+      </dgm:t>
     </dgm:pt>
     <dgm:pt modelId="{1957A5EE-5F78-4EA0-8357-F1C4327F3A10}" type="pres">
       <dgm:prSet presAssocID="{BACBE0B8-D927-4ED6-873F-E2818792F1F7}" presName="hierRoot1" presStyleCnt="0">
@@ -6182,6 +7991,13 @@
     <dgm:pt modelId="{4AD37573-5478-4DAD-BA59-8592BE869F4B}" type="pres">
       <dgm:prSet presAssocID="{BACBE0B8-D927-4ED6-873F-E2818792F1F7}" presName="rootConnector1" presStyleLbl="node1" presStyleIdx="0" presStyleCnt="0"/>
       <dgm:spPr/>
+      <dgm:t>
+        <a:bodyPr/>
+        <a:lstStyle/>
+        <a:p>
+          <a:endParaRPr lang="ru-RU"/>
+        </a:p>
+      </dgm:t>
     </dgm:pt>
     <dgm:pt modelId="{63CD79ED-28FC-4C40-BDCF-8BFD1D2596ED}" type="pres">
       <dgm:prSet presAssocID="{BACBE0B8-D927-4ED6-873F-E2818792F1F7}" presName="hierChild2" presStyleCnt="0"/>
@@ -6190,6 +8006,13 @@
     <dgm:pt modelId="{A477661D-32F8-4EBE-9FC5-7D1E3E4FEF8D}" type="pres">
       <dgm:prSet presAssocID="{E40B7DE8-8199-4E2A-8E0D-8ACC1EC17599}" presName="Name37" presStyleLbl="parChTrans1D2" presStyleIdx="0" presStyleCnt="3"/>
       <dgm:spPr/>
+      <dgm:t>
+        <a:bodyPr/>
+        <a:lstStyle/>
+        <a:p>
+          <a:endParaRPr lang="ru-RU"/>
+        </a:p>
+      </dgm:t>
     </dgm:pt>
     <dgm:pt modelId="{7002E4F9-2F85-46AF-B9C1-80F2D1EB1A19}" type="pres">
       <dgm:prSet presAssocID="{4F7AC5D6-617F-41C8-8AE1-278AE53AD61E}" presName="hierRoot2" presStyleCnt="0">
@@ -6210,10 +8033,24 @@
         </dgm:presLayoutVars>
       </dgm:prSet>
       <dgm:spPr/>
+      <dgm:t>
+        <a:bodyPr/>
+        <a:lstStyle/>
+        <a:p>
+          <a:endParaRPr lang="ru-RU"/>
+        </a:p>
+      </dgm:t>
     </dgm:pt>
     <dgm:pt modelId="{9C2FFF84-5011-44B6-9C30-A252B40D8D97}" type="pres">
       <dgm:prSet presAssocID="{4F7AC5D6-617F-41C8-8AE1-278AE53AD61E}" presName="rootConnector" presStyleLbl="node2" presStyleIdx="0" presStyleCnt="3"/>
       <dgm:spPr/>
+      <dgm:t>
+        <a:bodyPr/>
+        <a:lstStyle/>
+        <a:p>
+          <a:endParaRPr lang="ru-RU"/>
+        </a:p>
+      </dgm:t>
     </dgm:pt>
     <dgm:pt modelId="{9546F4C3-86E4-497E-8A61-EAB89E1B3DEF}" type="pres">
       <dgm:prSet presAssocID="{4F7AC5D6-617F-41C8-8AE1-278AE53AD61E}" presName="hierChild4" presStyleCnt="0"/>
@@ -6226,6 +8063,13 @@
     <dgm:pt modelId="{B4F17E52-F0B4-46EF-9C82-2961656E13D5}" type="pres">
       <dgm:prSet presAssocID="{87579D51-676A-4517-ADBD-C47137349CD7}" presName="Name37" presStyleLbl="parChTrans1D2" presStyleIdx="1" presStyleCnt="3"/>
       <dgm:spPr/>
+      <dgm:t>
+        <a:bodyPr/>
+        <a:lstStyle/>
+        <a:p>
+          <a:endParaRPr lang="ru-RU"/>
+        </a:p>
+      </dgm:t>
     </dgm:pt>
     <dgm:pt modelId="{087C183C-5782-4E63-982E-CCC6CCCA1ED4}" type="pres">
       <dgm:prSet presAssocID="{6FDD31C3-7F82-4F76-8156-C317487187AA}" presName="hierRoot2" presStyleCnt="0">
@@ -6257,6 +8101,13 @@
     <dgm:pt modelId="{E98B8E49-B021-4EDF-8A70-DD8199E51C5A}" type="pres">
       <dgm:prSet presAssocID="{6FDD31C3-7F82-4F76-8156-C317487187AA}" presName="rootConnector" presStyleLbl="node2" presStyleIdx="1" presStyleCnt="3"/>
       <dgm:spPr/>
+      <dgm:t>
+        <a:bodyPr/>
+        <a:lstStyle/>
+        <a:p>
+          <a:endParaRPr lang="ru-RU"/>
+        </a:p>
+      </dgm:t>
     </dgm:pt>
     <dgm:pt modelId="{5D4DCA37-F5E7-43E2-9597-90A6599A2D81}" type="pres">
       <dgm:prSet presAssocID="{6FDD31C3-7F82-4F76-8156-C317487187AA}" presName="hierChild4" presStyleCnt="0"/>
@@ -6269,6 +8120,13 @@
     <dgm:pt modelId="{F321BEEA-541A-46CB-9C85-F01F76C5E8B1}" type="pres">
       <dgm:prSet presAssocID="{0865D89F-2E20-483F-815A-71D1FC90307E}" presName="Name37" presStyleLbl="parChTrans1D2" presStyleIdx="2" presStyleCnt="3"/>
       <dgm:spPr/>
+      <dgm:t>
+        <a:bodyPr/>
+        <a:lstStyle/>
+        <a:p>
+          <a:endParaRPr lang="ru-RU"/>
+        </a:p>
+      </dgm:t>
     </dgm:pt>
     <dgm:pt modelId="{3B851802-66C1-4A6A-8214-05CD8A4EE586}" type="pres">
       <dgm:prSet presAssocID="{4E501B0D-272D-4D09-B4FC-9036631496F3}" presName="hierRoot2" presStyleCnt="0">
@@ -6300,6 +8158,13 @@
     <dgm:pt modelId="{8BA677D7-97B1-463B-98C8-4030075E1267}" type="pres">
       <dgm:prSet presAssocID="{4E501B0D-272D-4D09-B4FC-9036631496F3}" presName="rootConnector" presStyleLbl="node2" presStyleIdx="2" presStyleCnt="3"/>
       <dgm:spPr/>
+      <dgm:t>
+        <a:bodyPr/>
+        <a:lstStyle/>
+        <a:p>
+          <a:endParaRPr lang="ru-RU"/>
+        </a:p>
+      </dgm:t>
     </dgm:pt>
     <dgm:pt modelId="{1BBB0967-0A2B-41ED-9F55-218D709A8ED9}" type="pres">
       <dgm:prSet presAssocID="{4E501B0D-272D-4D09-B4FC-9036631496F3}" presName="hierChild4" presStyleCnt="0"/>
@@ -6315,22 +8180,22 @@
     </dgm:pt>
   </dgm:ptLst>
   <dgm:cxnLst>
-    <dgm:cxn modelId="{D85A2E7A-9389-4829-BC2F-5BCE641006A4}" type="presOf" srcId="{87579D51-676A-4517-ADBD-C47137349CD7}" destId="{B4F17E52-F0B4-46EF-9C82-2961656E13D5}" srcOrd="0" destOrd="0" presId="urn:microsoft.com/office/officeart/2005/8/layout/orgChart1"/>
+    <dgm:cxn modelId="{3F388828-9ACC-48B9-AF53-A988096B8301}" type="presOf" srcId="{4E501B0D-272D-4D09-B4FC-9036631496F3}" destId="{8BA677D7-97B1-463B-98C8-4030075E1267}" srcOrd="1" destOrd="0" presId="urn:microsoft.com/office/officeart/2005/8/layout/orgChart1"/>
+    <dgm:cxn modelId="{B0C85AC2-0F6E-4674-A041-4FBD71ED52C5}" srcId="{BACBE0B8-D927-4ED6-873F-E2818792F1F7}" destId="{4E501B0D-272D-4D09-B4FC-9036631496F3}" srcOrd="2" destOrd="0" parTransId="{0865D89F-2E20-483F-815A-71D1FC90307E}" sibTransId="{2175DF88-CF68-472B-B7C8-51744148EEAB}"/>
+    <dgm:cxn modelId="{79510BCA-2030-4948-B559-B39E46A4DFDE}" type="presOf" srcId="{E40B7DE8-8199-4E2A-8E0D-8ACC1EC17599}" destId="{A477661D-32F8-4EBE-9FC5-7D1E3E4FEF8D}" srcOrd="0" destOrd="0" presId="urn:microsoft.com/office/officeart/2005/8/layout/orgChart1"/>
+    <dgm:cxn modelId="{42C86E04-95B9-4D66-8ED6-27FE36A44F6F}" type="presOf" srcId="{4E501B0D-272D-4D09-B4FC-9036631496F3}" destId="{6D9AE006-B2C8-41FA-87B9-E8757329BD94}" srcOrd="0" destOrd="0" presId="urn:microsoft.com/office/officeart/2005/8/layout/orgChart1"/>
+    <dgm:cxn modelId="{96D8C40A-D88C-4EA8-ADB3-595B5310F249}" type="presOf" srcId="{BACBE0B8-D927-4ED6-873F-E2818792F1F7}" destId="{4AD37573-5478-4DAD-BA59-8592BE869F4B}" srcOrd="1" destOrd="0" presId="urn:microsoft.com/office/officeart/2005/8/layout/orgChart1"/>
+    <dgm:cxn modelId="{5C0C16BE-5909-4A91-A2FB-613D2327B941}" type="presOf" srcId="{BACBE0B8-D927-4ED6-873F-E2818792F1F7}" destId="{23318439-BEF3-4F36-A8C0-6A2F4B36D00F}" srcOrd="0" destOrd="0" presId="urn:microsoft.com/office/officeart/2005/8/layout/orgChart1"/>
+    <dgm:cxn modelId="{004B5237-7D91-4C3B-9706-ECFDA8363D20}" srcId="{BACBE0B8-D927-4ED6-873F-E2818792F1F7}" destId="{4F7AC5D6-617F-41C8-8AE1-278AE53AD61E}" srcOrd="0" destOrd="0" parTransId="{E40B7DE8-8199-4E2A-8E0D-8ACC1EC17599}" sibTransId="{1382CBDA-A565-4D84-95FF-20F11F3E9607}"/>
+    <dgm:cxn modelId="{A3821BFF-9FCF-4F9A-A9F1-A0A5D5FB8271}" type="presOf" srcId="{0865D89F-2E20-483F-815A-71D1FC90307E}" destId="{F321BEEA-541A-46CB-9C85-F01F76C5E8B1}" srcOrd="0" destOrd="0" presId="urn:microsoft.com/office/officeart/2005/8/layout/orgChart1"/>
+    <dgm:cxn modelId="{43A777D4-91D1-46D2-AE3F-E44C6747BCE5}" type="presOf" srcId="{6FDD31C3-7F82-4F76-8156-C317487187AA}" destId="{E98B8E49-B021-4EDF-8A70-DD8199E51C5A}" srcOrd="1" destOrd="0" presId="urn:microsoft.com/office/officeart/2005/8/layout/orgChart1"/>
     <dgm:cxn modelId="{3F4E77C1-FB2D-457C-B18C-469933CEB26D}" srcId="{BACBE0B8-D927-4ED6-873F-E2818792F1F7}" destId="{6FDD31C3-7F82-4F76-8156-C317487187AA}" srcOrd="1" destOrd="0" parTransId="{87579D51-676A-4517-ADBD-C47137349CD7}" sibTransId="{8689C7CF-8473-4F3F-8D2B-EF84A823D11A}"/>
-    <dgm:cxn modelId="{B0C85AC2-0F6E-4674-A041-4FBD71ED52C5}" srcId="{BACBE0B8-D927-4ED6-873F-E2818792F1F7}" destId="{4E501B0D-272D-4D09-B4FC-9036631496F3}" srcOrd="2" destOrd="0" parTransId="{0865D89F-2E20-483F-815A-71D1FC90307E}" sibTransId="{2175DF88-CF68-472B-B7C8-51744148EEAB}"/>
-    <dgm:cxn modelId="{42C86E04-95B9-4D66-8ED6-27FE36A44F6F}" type="presOf" srcId="{4E501B0D-272D-4D09-B4FC-9036631496F3}" destId="{6D9AE006-B2C8-41FA-87B9-E8757329BD94}" srcOrd="0" destOrd="0" presId="urn:microsoft.com/office/officeart/2005/8/layout/orgChart1"/>
-    <dgm:cxn modelId="{0C003F03-9402-406F-AC74-DEA313DD7D16}" type="presOf" srcId="{12BFEB49-97C5-446D-AF9C-6634B6315F76}" destId="{D5F6B982-630E-41D0-AD66-DC93D2E6F1C9}" srcOrd="0" destOrd="0" presId="urn:microsoft.com/office/officeart/2005/8/layout/orgChart1"/>
-    <dgm:cxn modelId="{79510BCA-2030-4948-B559-B39E46A4DFDE}" type="presOf" srcId="{E40B7DE8-8199-4E2A-8E0D-8ACC1EC17599}" destId="{A477661D-32F8-4EBE-9FC5-7D1E3E4FEF8D}" srcOrd="0" destOrd="0" presId="urn:microsoft.com/office/officeart/2005/8/layout/orgChart1"/>
-    <dgm:cxn modelId="{43A777D4-91D1-46D2-AE3F-E44C6747BCE5}" type="presOf" srcId="{6FDD31C3-7F82-4F76-8156-C317487187AA}" destId="{E98B8E49-B021-4EDF-8A70-DD8199E51C5A}" srcOrd="1" destOrd="0" presId="urn:microsoft.com/office/officeart/2005/8/layout/orgChart1"/>
     <dgm:cxn modelId="{68D84807-EE3B-40BC-8462-4FF5FFCAFE02}" type="presOf" srcId="{6FDD31C3-7F82-4F76-8156-C317487187AA}" destId="{FB5C8E47-C1C6-4822-AD98-9E1C8783B127}" srcOrd="0" destOrd="0" presId="urn:microsoft.com/office/officeart/2005/8/layout/orgChart1"/>
     <dgm:cxn modelId="{8688F05A-236A-4D30-974B-100BE44965CA}" type="presOf" srcId="{4F7AC5D6-617F-41C8-8AE1-278AE53AD61E}" destId="{58BFF039-2AC8-45D5-BF9E-293E9C20F367}" srcOrd="0" destOrd="0" presId="urn:microsoft.com/office/officeart/2005/8/layout/orgChart1"/>
-    <dgm:cxn modelId="{3F388828-9ACC-48B9-AF53-A988096B8301}" type="presOf" srcId="{4E501B0D-272D-4D09-B4FC-9036631496F3}" destId="{8BA677D7-97B1-463B-98C8-4030075E1267}" srcOrd="1" destOrd="0" presId="urn:microsoft.com/office/officeart/2005/8/layout/orgChart1"/>
-    <dgm:cxn modelId="{004B5237-7D91-4C3B-9706-ECFDA8363D20}" srcId="{BACBE0B8-D927-4ED6-873F-E2818792F1F7}" destId="{4F7AC5D6-617F-41C8-8AE1-278AE53AD61E}" srcOrd="0" destOrd="0" parTransId="{E40B7DE8-8199-4E2A-8E0D-8ACC1EC17599}" sibTransId="{1382CBDA-A565-4D84-95FF-20F11F3E9607}"/>
-    <dgm:cxn modelId="{5C0C16BE-5909-4A91-A2FB-613D2327B941}" type="presOf" srcId="{BACBE0B8-D927-4ED6-873F-E2818792F1F7}" destId="{23318439-BEF3-4F36-A8C0-6A2F4B36D00F}" srcOrd="0" destOrd="0" presId="urn:microsoft.com/office/officeart/2005/8/layout/orgChart1"/>
-    <dgm:cxn modelId="{96D8C40A-D88C-4EA8-ADB3-595B5310F249}" type="presOf" srcId="{BACBE0B8-D927-4ED6-873F-E2818792F1F7}" destId="{4AD37573-5478-4DAD-BA59-8592BE869F4B}" srcOrd="1" destOrd="0" presId="urn:microsoft.com/office/officeart/2005/8/layout/orgChart1"/>
-    <dgm:cxn modelId="{A3821BFF-9FCF-4F9A-A9F1-A0A5D5FB8271}" type="presOf" srcId="{0865D89F-2E20-483F-815A-71D1FC90307E}" destId="{F321BEEA-541A-46CB-9C85-F01F76C5E8B1}" srcOrd="0" destOrd="0" presId="urn:microsoft.com/office/officeart/2005/8/layout/orgChart1"/>
+    <dgm:cxn modelId="{6E3B2D4E-BE3D-4871-9E0C-05C0055B920D}" srcId="{12BFEB49-97C5-446D-AF9C-6634B6315F76}" destId="{BACBE0B8-D927-4ED6-873F-E2818792F1F7}" srcOrd="0" destOrd="0" parTransId="{F13A1AA6-BB0C-4938-B22C-14F8724EF9C2}" sibTransId="{7F2E71B1-0FAD-4641-8B70-5A799EE34717}"/>
     <dgm:cxn modelId="{3DB425DB-E13B-40E7-BA22-14FCCA2EDBA6}" type="presOf" srcId="{4F7AC5D6-617F-41C8-8AE1-278AE53AD61E}" destId="{9C2FFF84-5011-44B6-9C30-A252B40D8D97}" srcOrd="1" destOrd="0" presId="urn:microsoft.com/office/officeart/2005/8/layout/orgChart1"/>
-    <dgm:cxn modelId="{6E3B2D4E-BE3D-4871-9E0C-05C0055B920D}" srcId="{12BFEB49-97C5-446D-AF9C-6634B6315F76}" destId="{BACBE0B8-D927-4ED6-873F-E2818792F1F7}" srcOrd="0" destOrd="0" parTransId="{F13A1AA6-BB0C-4938-B22C-14F8724EF9C2}" sibTransId="{7F2E71B1-0FAD-4641-8B70-5A799EE34717}"/>
+    <dgm:cxn modelId="{D85A2E7A-9389-4829-BC2F-5BCE641006A4}" type="presOf" srcId="{87579D51-676A-4517-ADBD-C47137349CD7}" destId="{B4F17E52-F0B4-46EF-9C82-2961656E13D5}" srcOrd="0" destOrd="0" presId="urn:microsoft.com/office/officeart/2005/8/layout/orgChart1"/>
+    <dgm:cxn modelId="{0C003F03-9402-406F-AC74-DEA313DD7D16}" type="presOf" srcId="{12BFEB49-97C5-446D-AF9C-6634B6315F76}" destId="{D5F6B982-630E-41D0-AD66-DC93D2E6F1C9}" srcOrd="0" destOrd="0" presId="urn:microsoft.com/office/officeart/2005/8/layout/orgChart1"/>
     <dgm:cxn modelId="{0DAE8148-D151-4E88-872A-3A0C6B71FB83}" type="presParOf" srcId="{D5F6B982-630E-41D0-AD66-DC93D2E6F1C9}" destId="{1957A5EE-5F78-4EA0-8357-F1C4327F3A10}" srcOrd="0" destOrd="0" presId="urn:microsoft.com/office/officeart/2005/8/layout/orgChart1"/>
     <dgm:cxn modelId="{9604F83A-259C-4AF9-9E4E-374F19152F9F}" type="presParOf" srcId="{1957A5EE-5F78-4EA0-8357-F1C4327F3A10}" destId="{C95C1E97-9DD5-4130-9E8F-E7811E0FFF15}" srcOrd="0" destOrd="0" presId="urn:microsoft.com/office/officeart/2005/8/layout/orgChart1"/>
     <dgm:cxn modelId="{A1E43005-2F0C-4A51-8190-750F45A7660F}" type="presParOf" srcId="{C95C1E97-9DD5-4130-9E8F-E7811E0FFF15}" destId="{23318439-BEF3-4F36-A8C0-6A2F4B36D00F}" srcOrd="0" destOrd="0" presId="urn:microsoft.com/office/officeart/2005/8/layout/orgChart1"/>
@@ -6364,6 +8229,738 @@
   <dgm:extLst>
     <a:ext uri="http://schemas.microsoft.com/office/drawing/2008/diagram">
       <dsp:dataModelExt xmlns:dsp="http://schemas.microsoft.com/office/drawing/2008/diagram" relId="rId12" minVer="http://schemas.openxmlformats.org/drawingml/2006/diagram"/>
+    </a:ext>
+  </dgm:extLst>
+</dgm:dataModel>
+</file>
+
+<file path=ppt/diagrams/data6.xml><?xml version="1.0" encoding="utf-8"?>
+<dgm:dataModel xmlns:dgm="http://schemas.openxmlformats.org/drawingml/2006/diagram" xmlns:a="http://schemas.openxmlformats.org/drawingml/2006/main">
+  <dgm:ptLst>
+    <dgm:pt modelId="{12BFEB49-97C5-446D-AF9C-6634B6315F76}" type="doc">
+      <dgm:prSet loTypeId="urn:microsoft.com/office/officeart/2005/8/layout/orgChart1" loCatId="hierarchy" qsTypeId="urn:microsoft.com/office/officeart/2005/8/quickstyle/3d1" qsCatId="3D" csTypeId="urn:microsoft.com/office/officeart/2005/8/colors/accent1_2" csCatId="accent1" phldr="1"/>
+      <dgm:spPr/>
+      <dgm:t>
+        <a:bodyPr/>
+        <a:lstStyle/>
+        <a:p>
+          <a:endParaRPr lang="ru-RU"/>
+        </a:p>
+      </dgm:t>
+    </dgm:pt>
+    <dgm:pt modelId="{BACBE0B8-D927-4ED6-873F-E2818792F1F7}">
+      <dgm:prSet phldrT="[Текст]"/>
+      <dgm:spPr/>
+      <dgm:t>
+        <a:bodyPr/>
+        <a:lstStyle/>
+        <a:p>
+          <a:r>
+            <a:rPr lang="en-US" dirty="0" smtClean="0"/>
+            <a:t>RTL Testbench </a:t>
+          </a:r>
+          <a:r>
+            <a:rPr lang="en-US" dirty="0" smtClean="0"/>
+            <a:t>(</a:t>
+          </a:r>
+          <a:r>
+            <a:rPr lang="de-DE" dirty="0" err="1" smtClean="0"/>
+            <a:t>fir_DecInt_tb</a:t>
+          </a:r>
+          <a:r>
+            <a:rPr lang="en-US" dirty="0" smtClean="0"/>
+            <a:t>.v</a:t>
+          </a:r>
+          <a:r>
+            <a:rPr lang="en-US" dirty="0" smtClean="0"/>
+            <a:t>)</a:t>
+          </a:r>
+          <a:endParaRPr lang="ru-RU" dirty="0"/>
+        </a:p>
+      </dgm:t>
+    </dgm:pt>
+    <dgm:pt modelId="{F13A1AA6-BB0C-4938-B22C-14F8724EF9C2}" type="parTrans" cxnId="{6E3B2D4E-BE3D-4871-9E0C-05C0055B920D}">
+      <dgm:prSet/>
+      <dgm:spPr/>
+      <dgm:t>
+        <a:bodyPr/>
+        <a:lstStyle/>
+        <a:p>
+          <a:endParaRPr lang="ru-RU"/>
+        </a:p>
+      </dgm:t>
+    </dgm:pt>
+    <dgm:pt modelId="{7F2E71B1-0FAD-4641-8B70-5A799EE34717}" type="sibTrans" cxnId="{6E3B2D4E-BE3D-4871-9E0C-05C0055B920D}">
+      <dgm:prSet/>
+      <dgm:spPr/>
+      <dgm:t>
+        <a:bodyPr/>
+        <a:lstStyle/>
+        <a:p>
+          <a:endParaRPr lang="ru-RU"/>
+        </a:p>
+      </dgm:t>
+    </dgm:pt>
+    <dgm:pt modelId="{6FDD31C3-7F82-4F76-8156-C317487187AA}">
+      <dgm:prSet phldrT="[Текст]"/>
+      <dgm:spPr/>
+      <dgm:t>
+        <a:bodyPr/>
+        <a:lstStyle/>
+        <a:p>
+          <a:r>
+            <a:rPr lang="en-US" dirty="0" smtClean="0"/>
+            <a:t>Interpolation</a:t>
+          </a:r>
+          <a:endParaRPr lang="ru-RU" dirty="0"/>
+        </a:p>
+      </dgm:t>
+    </dgm:pt>
+    <dgm:pt modelId="{87579D51-676A-4517-ADBD-C47137349CD7}" type="parTrans" cxnId="{3F4E77C1-FB2D-457C-B18C-469933CEB26D}">
+      <dgm:prSet/>
+      <dgm:spPr/>
+      <dgm:t>
+        <a:bodyPr/>
+        <a:lstStyle/>
+        <a:p>
+          <a:endParaRPr lang="ru-RU"/>
+        </a:p>
+      </dgm:t>
+    </dgm:pt>
+    <dgm:pt modelId="{8689C7CF-8473-4F3F-8D2B-EF84A823D11A}" type="sibTrans" cxnId="{3F4E77C1-FB2D-457C-B18C-469933CEB26D}">
+      <dgm:prSet/>
+      <dgm:spPr/>
+      <dgm:t>
+        <a:bodyPr/>
+        <a:lstStyle/>
+        <a:p>
+          <a:endParaRPr lang="ru-RU"/>
+        </a:p>
+      </dgm:t>
+    </dgm:pt>
+    <dgm:pt modelId="{4F7AC5D6-617F-41C8-8AE1-278AE53AD61E}">
+      <dgm:prSet phldrT="[Текст]"/>
+      <dgm:spPr/>
+      <dgm:t>
+        <a:bodyPr/>
+        <a:lstStyle/>
+        <a:p>
+          <a:r>
+            <a:rPr lang="en-US" dirty="0" smtClean="0"/>
+            <a:t>Decimation</a:t>
+          </a:r>
+          <a:endParaRPr lang="ru-RU" dirty="0"/>
+        </a:p>
+      </dgm:t>
+    </dgm:pt>
+    <dgm:pt modelId="{E40B7DE8-8199-4E2A-8E0D-8ACC1EC17599}" type="parTrans" cxnId="{004B5237-7D91-4C3B-9706-ECFDA8363D20}">
+      <dgm:prSet/>
+      <dgm:spPr/>
+      <dgm:t>
+        <a:bodyPr/>
+        <a:lstStyle/>
+        <a:p>
+          <a:endParaRPr lang="ru-RU"/>
+        </a:p>
+      </dgm:t>
+    </dgm:pt>
+    <dgm:pt modelId="{1382CBDA-A565-4D84-95FF-20F11F3E9607}" type="sibTrans" cxnId="{004B5237-7D91-4C3B-9706-ECFDA8363D20}">
+      <dgm:prSet/>
+      <dgm:spPr/>
+      <dgm:t>
+        <a:bodyPr/>
+        <a:lstStyle/>
+        <a:p>
+          <a:endParaRPr lang="ru-RU"/>
+        </a:p>
+      </dgm:t>
+    </dgm:pt>
+    <dgm:pt modelId="{D5F6B982-630E-41D0-AD66-DC93D2E6F1C9}" type="pres">
+      <dgm:prSet presAssocID="{12BFEB49-97C5-446D-AF9C-6634B6315F76}" presName="hierChild1" presStyleCnt="0">
+        <dgm:presLayoutVars>
+          <dgm:orgChart val="1"/>
+          <dgm:chPref val="1"/>
+          <dgm:dir/>
+          <dgm:animOne val="branch"/>
+          <dgm:animLvl val="lvl"/>
+          <dgm:resizeHandles/>
+        </dgm:presLayoutVars>
+      </dgm:prSet>
+      <dgm:spPr/>
+      <dgm:t>
+        <a:bodyPr/>
+        <a:lstStyle/>
+        <a:p>
+          <a:endParaRPr lang="ru-RU"/>
+        </a:p>
+      </dgm:t>
+    </dgm:pt>
+    <dgm:pt modelId="{1957A5EE-5F78-4EA0-8357-F1C4327F3A10}" type="pres">
+      <dgm:prSet presAssocID="{BACBE0B8-D927-4ED6-873F-E2818792F1F7}" presName="hierRoot1" presStyleCnt="0">
+        <dgm:presLayoutVars>
+          <dgm:hierBranch val="init"/>
+        </dgm:presLayoutVars>
+      </dgm:prSet>
+      <dgm:spPr/>
+    </dgm:pt>
+    <dgm:pt modelId="{C95C1E97-9DD5-4130-9E8F-E7811E0FFF15}" type="pres">
+      <dgm:prSet presAssocID="{BACBE0B8-D927-4ED6-873F-E2818792F1F7}" presName="rootComposite1" presStyleCnt="0"/>
+      <dgm:spPr/>
+    </dgm:pt>
+    <dgm:pt modelId="{23318439-BEF3-4F36-A8C0-6A2F4B36D00F}" type="pres">
+      <dgm:prSet presAssocID="{BACBE0B8-D927-4ED6-873F-E2818792F1F7}" presName="rootText1" presStyleLbl="node0" presStyleIdx="0" presStyleCnt="1">
+        <dgm:presLayoutVars>
+          <dgm:chPref val="3"/>
+        </dgm:presLayoutVars>
+      </dgm:prSet>
+      <dgm:spPr/>
+      <dgm:t>
+        <a:bodyPr/>
+        <a:lstStyle/>
+        <a:p>
+          <a:endParaRPr lang="ru-RU"/>
+        </a:p>
+      </dgm:t>
+    </dgm:pt>
+    <dgm:pt modelId="{4AD37573-5478-4DAD-BA59-8592BE869F4B}" type="pres">
+      <dgm:prSet presAssocID="{BACBE0B8-D927-4ED6-873F-E2818792F1F7}" presName="rootConnector1" presStyleLbl="node1" presStyleIdx="0" presStyleCnt="0"/>
+      <dgm:spPr/>
+      <dgm:t>
+        <a:bodyPr/>
+        <a:lstStyle/>
+        <a:p>
+          <a:endParaRPr lang="ru-RU"/>
+        </a:p>
+      </dgm:t>
+    </dgm:pt>
+    <dgm:pt modelId="{63CD79ED-28FC-4C40-BDCF-8BFD1D2596ED}" type="pres">
+      <dgm:prSet presAssocID="{BACBE0B8-D927-4ED6-873F-E2818792F1F7}" presName="hierChild2" presStyleCnt="0"/>
+      <dgm:spPr/>
+    </dgm:pt>
+    <dgm:pt modelId="{A477661D-32F8-4EBE-9FC5-7D1E3E4FEF8D}" type="pres">
+      <dgm:prSet presAssocID="{E40B7DE8-8199-4E2A-8E0D-8ACC1EC17599}" presName="Name37" presStyleLbl="parChTrans1D2" presStyleIdx="0" presStyleCnt="2"/>
+      <dgm:spPr/>
+      <dgm:t>
+        <a:bodyPr/>
+        <a:lstStyle/>
+        <a:p>
+          <a:endParaRPr lang="ru-RU"/>
+        </a:p>
+      </dgm:t>
+    </dgm:pt>
+    <dgm:pt modelId="{7002E4F9-2F85-46AF-B9C1-80F2D1EB1A19}" type="pres">
+      <dgm:prSet presAssocID="{4F7AC5D6-617F-41C8-8AE1-278AE53AD61E}" presName="hierRoot2" presStyleCnt="0">
+        <dgm:presLayoutVars>
+          <dgm:hierBranch val="init"/>
+        </dgm:presLayoutVars>
+      </dgm:prSet>
+      <dgm:spPr/>
+    </dgm:pt>
+    <dgm:pt modelId="{004F6350-11A5-479D-B70D-50D9B71A8AD0}" type="pres">
+      <dgm:prSet presAssocID="{4F7AC5D6-617F-41C8-8AE1-278AE53AD61E}" presName="rootComposite" presStyleCnt="0"/>
+      <dgm:spPr/>
+    </dgm:pt>
+    <dgm:pt modelId="{58BFF039-2AC8-45D5-BF9E-293E9C20F367}" type="pres">
+      <dgm:prSet presAssocID="{4F7AC5D6-617F-41C8-8AE1-278AE53AD61E}" presName="rootText" presStyleLbl="node2" presStyleIdx="0" presStyleCnt="2">
+        <dgm:presLayoutVars>
+          <dgm:chPref val="3"/>
+        </dgm:presLayoutVars>
+      </dgm:prSet>
+      <dgm:spPr/>
+      <dgm:t>
+        <a:bodyPr/>
+        <a:lstStyle/>
+        <a:p>
+          <a:endParaRPr lang="ru-RU"/>
+        </a:p>
+      </dgm:t>
+    </dgm:pt>
+    <dgm:pt modelId="{9C2FFF84-5011-44B6-9C30-A252B40D8D97}" type="pres">
+      <dgm:prSet presAssocID="{4F7AC5D6-617F-41C8-8AE1-278AE53AD61E}" presName="rootConnector" presStyleLbl="node2" presStyleIdx="0" presStyleCnt="2"/>
+      <dgm:spPr/>
+      <dgm:t>
+        <a:bodyPr/>
+        <a:lstStyle/>
+        <a:p>
+          <a:endParaRPr lang="ru-RU"/>
+        </a:p>
+      </dgm:t>
+    </dgm:pt>
+    <dgm:pt modelId="{9546F4C3-86E4-497E-8A61-EAB89E1B3DEF}" type="pres">
+      <dgm:prSet presAssocID="{4F7AC5D6-617F-41C8-8AE1-278AE53AD61E}" presName="hierChild4" presStyleCnt="0"/>
+      <dgm:spPr/>
+    </dgm:pt>
+    <dgm:pt modelId="{0932EC7F-BE8E-41ED-9C94-67F3D3A2950D}" type="pres">
+      <dgm:prSet presAssocID="{4F7AC5D6-617F-41C8-8AE1-278AE53AD61E}" presName="hierChild5" presStyleCnt="0"/>
+      <dgm:spPr/>
+    </dgm:pt>
+    <dgm:pt modelId="{B4F17E52-F0B4-46EF-9C82-2961656E13D5}" type="pres">
+      <dgm:prSet presAssocID="{87579D51-676A-4517-ADBD-C47137349CD7}" presName="Name37" presStyleLbl="parChTrans1D2" presStyleIdx="1" presStyleCnt="2"/>
+      <dgm:spPr/>
+      <dgm:t>
+        <a:bodyPr/>
+        <a:lstStyle/>
+        <a:p>
+          <a:endParaRPr lang="ru-RU"/>
+        </a:p>
+      </dgm:t>
+    </dgm:pt>
+    <dgm:pt modelId="{087C183C-5782-4E63-982E-CCC6CCCA1ED4}" type="pres">
+      <dgm:prSet presAssocID="{6FDD31C3-7F82-4F76-8156-C317487187AA}" presName="hierRoot2" presStyleCnt="0">
+        <dgm:presLayoutVars>
+          <dgm:hierBranch val="init"/>
+        </dgm:presLayoutVars>
+      </dgm:prSet>
+      <dgm:spPr/>
+    </dgm:pt>
+    <dgm:pt modelId="{8F92E72E-D5D9-456E-97A6-803B919DC9A1}" type="pres">
+      <dgm:prSet presAssocID="{6FDD31C3-7F82-4F76-8156-C317487187AA}" presName="rootComposite" presStyleCnt="0"/>
+      <dgm:spPr/>
+    </dgm:pt>
+    <dgm:pt modelId="{FB5C8E47-C1C6-4822-AD98-9E1C8783B127}" type="pres">
+      <dgm:prSet presAssocID="{6FDD31C3-7F82-4F76-8156-C317487187AA}" presName="rootText" presStyleLbl="node2" presStyleIdx="1" presStyleCnt="2">
+        <dgm:presLayoutVars>
+          <dgm:chPref val="3"/>
+        </dgm:presLayoutVars>
+      </dgm:prSet>
+      <dgm:spPr/>
+      <dgm:t>
+        <a:bodyPr/>
+        <a:lstStyle/>
+        <a:p>
+          <a:endParaRPr lang="ru-RU"/>
+        </a:p>
+      </dgm:t>
+    </dgm:pt>
+    <dgm:pt modelId="{E98B8E49-B021-4EDF-8A70-DD8199E51C5A}" type="pres">
+      <dgm:prSet presAssocID="{6FDD31C3-7F82-4F76-8156-C317487187AA}" presName="rootConnector" presStyleLbl="node2" presStyleIdx="1" presStyleCnt="2"/>
+      <dgm:spPr/>
+      <dgm:t>
+        <a:bodyPr/>
+        <a:lstStyle/>
+        <a:p>
+          <a:endParaRPr lang="ru-RU"/>
+        </a:p>
+      </dgm:t>
+    </dgm:pt>
+    <dgm:pt modelId="{5D4DCA37-F5E7-43E2-9597-90A6599A2D81}" type="pres">
+      <dgm:prSet presAssocID="{6FDD31C3-7F82-4F76-8156-C317487187AA}" presName="hierChild4" presStyleCnt="0"/>
+      <dgm:spPr/>
+    </dgm:pt>
+    <dgm:pt modelId="{0CAEAEAE-6493-4251-A0D6-C06CD9E0E6EA}" type="pres">
+      <dgm:prSet presAssocID="{6FDD31C3-7F82-4F76-8156-C317487187AA}" presName="hierChild5" presStyleCnt="0"/>
+      <dgm:spPr/>
+    </dgm:pt>
+    <dgm:pt modelId="{DA31BADE-2151-4B81-A193-EB1D066CE663}" type="pres">
+      <dgm:prSet presAssocID="{BACBE0B8-D927-4ED6-873F-E2818792F1F7}" presName="hierChild3" presStyleCnt="0"/>
+      <dgm:spPr/>
+    </dgm:pt>
+  </dgm:ptLst>
+  <dgm:cxnLst>
+    <dgm:cxn modelId="{79510BCA-2030-4948-B559-B39E46A4DFDE}" type="presOf" srcId="{E40B7DE8-8199-4E2A-8E0D-8ACC1EC17599}" destId="{A477661D-32F8-4EBE-9FC5-7D1E3E4FEF8D}" srcOrd="0" destOrd="0" presId="urn:microsoft.com/office/officeart/2005/8/layout/orgChart1"/>
+    <dgm:cxn modelId="{96D8C40A-D88C-4EA8-ADB3-595B5310F249}" type="presOf" srcId="{BACBE0B8-D927-4ED6-873F-E2818792F1F7}" destId="{4AD37573-5478-4DAD-BA59-8592BE869F4B}" srcOrd="1" destOrd="0" presId="urn:microsoft.com/office/officeart/2005/8/layout/orgChart1"/>
+    <dgm:cxn modelId="{5C0C16BE-5909-4A91-A2FB-613D2327B941}" type="presOf" srcId="{BACBE0B8-D927-4ED6-873F-E2818792F1F7}" destId="{23318439-BEF3-4F36-A8C0-6A2F4B36D00F}" srcOrd="0" destOrd="0" presId="urn:microsoft.com/office/officeart/2005/8/layout/orgChart1"/>
+    <dgm:cxn modelId="{004B5237-7D91-4C3B-9706-ECFDA8363D20}" srcId="{BACBE0B8-D927-4ED6-873F-E2818792F1F7}" destId="{4F7AC5D6-617F-41C8-8AE1-278AE53AD61E}" srcOrd="0" destOrd="0" parTransId="{E40B7DE8-8199-4E2A-8E0D-8ACC1EC17599}" sibTransId="{1382CBDA-A565-4D84-95FF-20F11F3E9607}"/>
+    <dgm:cxn modelId="{43A777D4-91D1-46D2-AE3F-E44C6747BCE5}" type="presOf" srcId="{6FDD31C3-7F82-4F76-8156-C317487187AA}" destId="{E98B8E49-B021-4EDF-8A70-DD8199E51C5A}" srcOrd="1" destOrd="0" presId="urn:microsoft.com/office/officeart/2005/8/layout/orgChart1"/>
+    <dgm:cxn modelId="{3F4E77C1-FB2D-457C-B18C-469933CEB26D}" srcId="{BACBE0B8-D927-4ED6-873F-E2818792F1F7}" destId="{6FDD31C3-7F82-4F76-8156-C317487187AA}" srcOrd="1" destOrd="0" parTransId="{87579D51-676A-4517-ADBD-C47137349CD7}" sibTransId="{8689C7CF-8473-4F3F-8D2B-EF84A823D11A}"/>
+    <dgm:cxn modelId="{68D84807-EE3B-40BC-8462-4FF5FFCAFE02}" type="presOf" srcId="{6FDD31C3-7F82-4F76-8156-C317487187AA}" destId="{FB5C8E47-C1C6-4822-AD98-9E1C8783B127}" srcOrd="0" destOrd="0" presId="urn:microsoft.com/office/officeart/2005/8/layout/orgChart1"/>
+    <dgm:cxn modelId="{8688F05A-236A-4D30-974B-100BE44965CA}" type="presOf" srcId="{4F7AC5D6-617F-41C8-8AE1-278AE53AD61E}" destId="{58BFF039-2AC8-45D5-BF9E-293E9C20F367}" srcOrd="0" destOrd="0" presId="urn:microsoft.com/office/officeart/2005/8/layout/orgChart1"/>
+    <dgm:cxn modelId="{6E3B2D4E-BE3D-4871-9E0C-05C0055B920D}" srcId="{12BFEB49-97C5-446D-AF9C-6634B6315F76}" destId="{BACBE0B8-D927-4ED6-873F-E2818792F1F7}" srcOrd="0" destOrd="0" parTransId="{F13A1AA6-BB0C-4938-B22C-14F8724EF9C2}" sibTransId="{7F2E71B1-0FAD-4641-8B70-5A799EE34717}"/>
+    <dgm:cxn modelId="{3DB425DB-E13B-40E7-BA22-14FCCA2EDBA6}" type="presOf" srcId="{4F7AC5D6-617F-41C8-8AE1-278AE53AD61E}" destId="{9C2FFF84-5011-44B6-9C30-A252B40D8D97}" srcOrd="1" destOrd="0" presId="urn:microsoft.com/office/officeart/2005/8/layout/orgChart1"/>
+    <dgm:cxn modelId="{D85A2E7A-9389-4829-BC2F-5BCE641006A4}" type="presOf" srcId="{87579D51-676A-4517-ADBD-C47137349CD7}" destId="{B4F17E52-F0B4-46EF-9C82-2961656E13D5}" srcOrd="0" destOrd="0" presId="urn:microsoft.com/office/officeart/2005/8/layout/orgChart1"/>
+    <dgm:cxn modelId="{0C003F03-9402-406F-AC74-DEA313DD7D16}" type="presOf" srcId="{12BFEB49-97C5-446D-AF9C-6634B6315F76}" destId="{D5F6B982-630E-41D0-AD66-DC93D2E6F1C9}" srcOrd="0" destOrd="0" presId="urn:microsoft.com/office/officeart/2005/8/layout/orgChart1"/>
+    <dgm:cxn modelId="{0DAE8148-D151-4E88-872A-3A0C6B71FB83}" type="presParOf" srcId="{D5F6B982-630E-41D0-AD66-DC93D2E6F1C9}" destId="{1957A5EE-5F78-4EA0-8357-F1C4327F3A10}" srcOrd="0" destOrd="0" presId="urn:microsoft.com/office/officeart/2005/8/layout/orgChart1"/>
+    <dgm:cxn modelId="{9604F83A-259C-4AF9-9E4E-374F19152F9F}" type="presParOf" srcId="{1957A5EE-5F78-4EA0-8357-F1C4327F3A10}" destId="{C95C1E97-9DD5-4130-9E8F-E7811E0FFF15}" srcOrd="0" destOrd="0" presId="urn:microsoft.com/office/officeart/2005/8/layout/orgChart1"/>
+    <dgm:cxn modelId="{A1E43005-2F0C-4A51-8190-750F45A7660F}" type="presParOf" srcId="{C95C1E97-9DD5-4130-9E8F-E7811E0FFF15}" destId="{23318439-BEF3-4F36-A8C0-6A2F4B36D00F}" srcOrd="0" destOrd="0" presId="urn:microsoft.com/office/officeart/2005/8/layout/orgChart1"/>
+    <dgm:cxn modelId="{95D0737A-CFFB-42D7-9FA5-53684F14D46E}" type="presParOf" srcId="{C95C1E97-9DD5-4130-9E8F-E7811E0FFF15}" destId="{4AD37573-5478-4DAD-BA59-8592BE869F4B}" srcOrd="1" destOrd="0" presId="urn:microsoft.com/office/officeart/2005/8/layout/orgChart1"/>
+    <dgm:cxn modelId="{8C1158F6-2732-45C7-84EB-248A1C77B26C}" type="presParOf" srcId="{1957A5EE-5F78-4EA0-8357-F1C4327F3A10}" destId="{63CD79ED-28FC-4C40-BDCF-8BFD1D2596ED}" srcOrd="1" destOrd="0" presId="urn:microsoft.com/office/officeart/2005/8/layout/orgChart1"/>
+    <dgm:cxn modelId="{87120D6F-F9D4-42C5-8040-937E827ADCD5}" type="presParOf" srcId="{63CD79ED-28FC-4C40-BDCF-8BFD1D2596ED}" destId="{A477661D-32F8-4EBE-9FC5-7D1E3E4FEF8D}" srcOrd="0" destOrd="0" presId="urn:microsoft.com/office/officeart/2005/8/layout/orgChart1"/>
+    <dgm:cxn modelId="{62E59947-0233-4A72-AA3B-8B9477C06F6B}" type="presParOf" srcId="{63CD79ED-28FC-4C40-BDCF-8BFD1D2596ED}" destId="{7002E4F9-2F85-46AF-B9C1-80F2D1EB1A19}" srcOrd="1" destOrd="0" presId="urn:microsoft.com/office/officeart/2005/8/layout/orgChart1"/>
+    <dgm:cxn modelId="{24644D86-5CCE-4679-8A4E-9E9C4815C4D0}" type="presParOf" srcId="{7002E4F9-2F85-46AF-B9C1-80F2D1EB1A19}" destId="{004F6350-11A5-479D-B70D-50D9B71A8AD0}" srcOrd="0" destOrd="0" presId="urn:microsoft.com/office/officeart/2005/8/layout/orgChart1"/>
+    <dgm:cxn modelId="{7E1AD421-9537-4AE5-869F-0420BBD12788}" type="presParOf" srcId="{004F6350-11A5-479D-B70D-50D9B71A8AD0}" destId="{58BFF039-2AC8-45D5-BF9E-293E9C20F367}" srcOrd="0" destOrd="0" presId="urn:microsoft.com/office/officeart/2005/8/layout/orgChart1"/>
+    <dgm:cxn modelId="{6CAE95C5-9D5E-4C9E-A8EC-609D43AD7515}" type="presParOf" srcId="{004F6350-11A5-479D-B70D-50D9B71A8AD0}" destId="{9C2FFF84-5011-44B6-9C30-A252B40D8D97}" srcOrd="1" destOrd="0" presId="urn:microsoft.com/office/officeart/2005/8/layout/orgChart1"/>
+    <dgm:cxn modelId="{F97B9487-EA1D-498F-A816-F4F4F05CF160}" type="presParOf" srcId="{7002E4F9-2F85-46AF-B9C1-80F2D1EB1A19}" destId="{9546F4C3-86E4-497E-8A61-EAB89E1B3DEF}" srcOrd="1" destOrd="0" presId="urn:microsoft.com/office/officeart/2005/8/layout/orgChart1"/>
+    <dgm:cxn modelId="{6FD3535E-9D15-49A9-931D-415163BC147E}" type="presParOf" srcId="{7002E4F9-2F85-46AF-B9C1-80F2D1EB1A19}" destId="{0932EC7F-BE8E-41ED-9C94-67F3D3A2950D}" srcOrd="2" destOrd="0" presId="urn:microsoft.com/office/officeart/2005/8/layout/orgChart1"/>
+    <dgm:cxn modelId="{0041E32C-C870-401C-8A2B-A4E813C0260B}" type="presParOf" srcId="{63CD79ED-28FC-4C40-BDCF-8BFD1D2596ED}" destId="{B4F17E52-F0B4-46EF-9C82-2961656E13D5}" srcOrd="2" destOrd="0" presId="urn:microsoft.com/office/officeart/2005/8/layout/orgChart1"/>
+    <dgm:cxn modelId="{094D170C-F35E-4292-B2EC-54C8BCE98E40}" type="presParOf" srcId="{63CD79ED-28FC-4C40-BDCF-8BFD1D2596ED}" destId="{087C183C-5782-4E63-982E-CCC6CCCA1ED4}" srcOrd="3" destOrd="0" presId="urn:microsoft.com/office/officeart/2005/8/layout/orgChart1"/>
+    <dgm:cxn modelId="{F576CAAD-965E-4971-A6E7-A47713740544}" type="presParOf" srcId="{087C183C-5782-4E63-982E-CCC6CCCA1ED4}" destId="{8F92E72E-D5D9-456E-97A6-803B919DC9A1}" srcOrd="0" destOrd="0" presId="urn:microsoft.com/office/officeart/2005/8/layout/orgChart1"/>
+    <dgm:cxn modelId="{B084B9B9-058E-4468-803C-A6974793F205}" type="presParOf" srcId="{8F92E72E-D5D9-456E-97A6-803B919DC9A1}" destId="{FB5C8E47-C1C6-4822-AD98-9E1C8783B127}" srcOrd="0" destOrd="0" presId="urn:microsoft.com/office/officeart/2005/8/layout/orgChart1"/>
+    <dgm:cxn modelId="{236DDE3B-2367-445B-90E7-C2D6316A1FA5}" type="presParOf" srcId="{8F92E72E-D5D9-456E-97A6-803B919DC9A1}" destId="{E98B8E49-B021-4EDF-8A70-DD8199E51C5A}" srcOrd="1" destOrd="0" presId="urn:microsoft.com/office/officeart/2005/8/layout/orgChart1"/>
+    <dgm:cxn modelId="{504842EE-FE06-44C1-986A-82083B4440AF}" type="presParOf" srcId="{087C183C-5782-4E63-982E-CCC6CCCA1ED4}" destId="{5D4DCA37-F5E7-43E2-9597-90A6599A2D81}" srcOrd="1" destOrd="0" presId="urn:microsoft.com/office/officeart/2005/8/layout/orgChart1"/>
+    <dgm:cxn modelId="{796BA9D8-D42B-4C3F-8039-FEA8277FFFCE}" type="presParOf" srcId="{087C183C-5782-4E63-982E-CCC6CCCA1ED4}" destId="{0CAEAEAE-6493-4251-A0D6-C06CD9E0E6EA}" srcOrd="2" destOrd="0" presId="urn:microsoft.com/office/officeart/2005/8/layout/orgChart1"/>
+    <dgm:cxn modelId="{A7BF0FB5-E704-458C-991E-D9B27473960D}" type="presParOf" srcId="{1957A5EE-5F78-4EA0-8357-F1C4327F3A10}" destId="{DA31BADE-2151-4B81-A193-EB1D066CE663}" srcOrd="2" destOrd="0" presId="urn:microsoft.com/office/officeart/2005/8/layout/orgChart1"/>
+  </dgm:cxnLst>
+  <dgm:bg/>
+  <dgm:whole/>
+  <dgm:extLst>
+    <a:ext uri="http://schemas.microsoft.com/office/drawing/2008/diagram">
+      <dsp:dataModelExt xmlns:dsp="http://schemas.microsoft.com/office/drawing/2008/diagram" relId="rId6" minVer="http://schemas.openxmlformats.org/drawingml/2006/diagram"/>
+    </a:ext>
+  </dgm:extLst>
+</dgm:dataModel>
+</file>
+
+<file path=ppt/diagrams/data7.xml><?xml version="1.0" encoding="utf-8"?>
+<dgm:dataModel xmlns:dgm="http://schemas.openxmlformats.org/drawingml/2006/diagram" xmlns:a="http://schemas.openxmlformats.org/drawingml/2006/main">
+  <dgm:ptLst>
+    <dgm:pt modelId="{12BFEB49-97C5-446D-AF9C-6634B6315F76}" type="doc">
+      <dgm:prSet loTypeId="urn:microsoft.com/office/officeart/2005/8/layout/orgChart1" loCatId="hierarchy" qsTypeId="urn:microsoft.com/office/officeart/2005/8/quickstyle/3d1" qsCatId="3D" csTypeId="urn:microsoft.com/office/officeart/2005/8/colors/accent1_2" csCatId="accent1" phldr="1"/>
+      <dgm:spPr/>
+      <dgm:t>
+        <a:bodyPr/>
+        <a:lstStyle/>
+        <a:p>
+          <a:endParaRPr lang="ru-RU"/>
+        </a:p>
+      </dgm:t>
+    </dgm:pt>
+    <dgm:pt modelId="{BACBE0B8-D927-4ED6-873F-E2818792F1F7}">
+      <dgm:prSet phldrT="[Текст]"/>
+      <dgm:spPr/>
+      <dgm:t>
+        <a:bodyPr/>
+        <a:lstStyle/>
+        <a:p>
+          <a:r>
+            <a:rPr lang="en-US" dirty="0" smtClean="0"/>
+            <a:t>RTL Testbench </a:t>
+          </a:r>
+          <a:r>
+            <a:rPr lang="en-US" dirty="0" smtClean="0"/>
+            <a:t>(</a:t>
+          </a:r>
+          <a:r>
+            <a:rPr lang="de-DE" dirty="0" err="1" smtClean="0"/>
+            <a:t>cic_DecInt_tb</a:t>
+          </a:r>
+          <a:r>
+            <a:rPr lang="en-US" dirty="0" smtClean="0"/>
+            <a:t>.v</a:t>
+          </a:r>
+          <a:r>
+            <a:rPr lang="en-US" dirty="0" smtClean="0"/>
+            <a:t>)</a:t>
+          </a:r>
+          <a:endParaRPr lang="ru-RU" dirty="0"/>
+        </a:p>
+      </dgm:t>
+    </dgm:pt>
+    <dgm:pt modelId="{F13A1AA6-BB0C-4938-B22C-14F8724EF9C2}" type="parTrans" cxnId="{6E3B2D4E-BE3D-4871-9E0C-05C0055B920D}">
+      <dgm:prSet/>
+      <dgm:spPr/>
+      <dgm:t>
+        <a:bodyPr/>
+        <a:lstStyle/>
+        <a:p>
+          <a:endParaRPr lang="ru-RU"/>
+        </a:p>
+      </dgm:t>
+    </dgm:pt>
+    <dgm:pt modelId="{7F2E71B1-0FAD-4641-8B70-5A799EE34717}" type="sibTrans" cxnId="{6E3B2D4E-BE3D-4871-9E0C-05C0055B920D}">
+      <dgm:prSet/>
+      <dgm:spPr/>
+      <dgm:t>
+        <a:bodyPr/>
+        <a:lstStyle/>
+        <a:p>
+          <a:endParaRPr lang="ru-RU"/>
+        </a:p>
+      </dgm:t>
+    </dgm:pt>
+    <dgm:pt modelId="{6FDD31C3-7F82-4F76-8156-C317487187AA}">
+      <dgm:prSet phldrT="[Текст]"/>
+      <dgm:spPr/>
+      <dgm:t>
+        <a:bodyPr/>
+        <a:lstStyle/>
+        <a:p>
+          <a:r>
+            <a:rPr lang="en-US" dirty="0" smtClean="0"/>
+            <a:t>Interpolation</a:t>
+          </a:r>
+          <a:endParaRPr lang="ru-RU" dirty="0"/>
+        </a:p>
+      </dgm:t>
+    </dgm:pt>
+    <dgm:pt modelId="{87579D51-676A-4517-ADBD-C47137349CD7}" type="parTrans" cxnId="{3F4E77C1-FB2D-457C-B18C-469933CEB26D}">
+      <dgm:prSet/>
+      <dgm:spPr/>
+      <dgm:t>
+        <a:bodyPr/>
+        <a:lstStyle/>
+        <a:p>
+          <a:endParaRPr lang="ru-RU"/>
+        </a:p>
+      </dgm:t>
+    </dgm:pt>
+    <dgm:pt modelId="{8689C7CF-8473-4F3F-8D2B-EF84A823D11A}" type="sibTrans" cxnId="{3F4E77C1-FB2D-457C-B18C-469933CEB26D}">
+      <dgm:prSet/>
+      <dgm:spPr/>
+      <dgm:t>
+        <a:bodyPr/>
+        <a:lstStyle/>
+        <a:p>
+          <a:endParaRPr lang="ru-RU"/>
+        </a:p>
+      </dgm:t>
+    </dgm:pt>
+    <dgm:pt modelId="{4F7AC5D6-617F-41C8-8AE1-278AE53AD61E}">
+      <dgm:prSet phldrT="[Текст]"/>
+      <dgm:spPr/>
+      <dgm:t>
+        <a:bodyPr/>
+        <a:lstStyle/>
+        <a:p>
+          <a:r>
+            <a:rPr lang="en-US" dirty="0" smtClean="0"/>
+            <a:t>Decimation</a:t>
+          </a:r>
+          <a:endParaRPr lang="ru-RU" dirty="0"/>
+        </a:p>
+      </dgm:t>
+    </dgm:pt>
+    <dgm:pt modelId="{E40B7DE8-8199-4E2A-8E0D-8ACC1EC17599}" type="parTrans" cxnId="{004B5237-7D91-4C3B-9706-ECFDA8363D20}">
+      <dgm:prSet/>
+      <dgm:spPr/>
+      <dgm:t>
+        <a:bodyPr/>
+        <a:lstStyle/>
+        <a:p>
+          <a:endParaRPr lang="ru-RU"/>
+        </a:p>
+      </dgm:t>
+    </dgm:pt>
+    <dgm:pt modelId="{1382CBDA-A565-4D84-95FF-20F11F3E9607}" type="sibTrans" cxnId="{004B5237-7D91-4C3B-9706-ECFDA8363D20}">
+      <dgm:prSet/>
+      <dgm:spPr/>
+      <dgm:t>
+        <a:bodyPr/>
+        <a:lstStyle/>
+        <a:p>
+          <a:endParaRPr lang="ru-RU"/>
+        </a:p>
+      </dgm:t>
+    </dgm:pt>
+    <dgm:pt modelId="{D5F6B982-630E-41D0-AD66-DC93D2E6F1C9}" type="pres">
+      <dgm:prSet presAssocID="{12BFEB49-97C5-446D-AF9C-6634B6315F76}" presName="hierChild1" presStyleCnt="0">
+        <dgm:presLayoutVars>
+          <dgm:orgChart val="1"/>
+          <dgm:chPref val="1"/>
+          <dgm:dir/>
+          <dgm:animOne val="branch"/>
+          <dgm:animLvl val="lvl"/>
+          <dgm:resizeHandles/>
+        </dgm:presLayoutVars>
+      </dgm:prSet>
+      <dgm:spPr/>
+      <dgm:t>
+        <a:bodyPr/>
+        <a:lstStyle/>
+        <a:p>
+          <a:endParaRPr lang="ru-RU"/>
+        </a:p>
+      </dgm:t>
+    </dgm:pt>
+    <dgm:pt modelId="{1957A5EE-5F78-4EA0-8357-F1C4327F3A10}" type="pres">
+      <dgm:prSet presAssocID="{BACBE0B8-D927-4ED6-873F-E2818792F1F7}" presName="hierRoot1" presStyleCnt="0">
+        <dgm:presLayoutVars>
+          <dgm:hierBranch val="init"/>
+        </dgm:presLayoutVars>
+      </dgm:prSet>
+      <dgm:spPr/>
+    </dgm:pt>
+    <dgm:pt modelId="{C95C1E97-9DD5-4130-9E8F-E7811E0FFF15}" type="pres">
+      <dgm:prSet presAssocID="{BACBE0B8-D927-4ED6-873F-E2818792F1F7}" presName="rootComposite1" presStyleCnt="0"/>
+      <dgm:spPr/>
+    </dgm:pt>
+    <dgm:pt modelId="{23318439-BEF3-4F36-A8C0-6A2F4B36D00F}" type="pres">
+      <dgm:prSet presAssocID="{BACBE0B8-D927-4ED6-873F-E2818792F1F7}" presName="rootText1" presStyleLbl="node0" presStyleIdx="0" presStyleCnt="1">
+        <dgm:presLayoutVars>
+          <dgm:chPref val="3"/>
+        </dgm:presLayoutVars>
+      </dgm:prSet>
+      <dgm:spPr/>
+      <dgm:t>
+        <a:bodyPr/>
+        <a:lstStyle/>
+        <a:p>
+          <a:endParaRPr lang="ru-RU"/>
+        </a:p>
+      </dgm:t>
+    </dgm:pt>
+    <dgm:pt modelId="{4AD37573-5478-4DAD-BA59-8592BE869F4B}" type="pres">
+      <dgm:prSet presAssocID="{BACBE0B8-D927-4ED6-873F-E2818792F1F7}" presName="rootConnector1" presStyleLbl="node1" presStyleIdx="0" presStyleCnt="0"/>
+      <dgm:spPr/>
+      <dgm:t>
+        <a:bodyPr/>
+        <a:lstStyle/>
+        <a:p>
+          <a:endParaRPr lang="ru-RU"/>
+        </a:p>
+      </dgm:t>
+    </dgm:pt>
+    <dgm:pt modelId="{63CD79ED-28FC-4C40-BDCF-8BFD1D2596ED}" type="pres">
+      <dgm:prSet presAssocID="{BACBE0B8-D927-4ED6-873F-E2818792F1F7}" presName="hierChild2" presStyleCnt="0"/>
+      <dgm:spPr/>
+    </dgm:pt>
+    <dgm:pt modelId="{A477661D-32F8-4EBE-9FC5-7D1E3E4FEF8D}" type="pres">
+      <dgm:prSet presAssocID="{E40B7DE8-8199-4E2A-8E0D-8ACC1EC17599}" presName="Name37" presStyleLbl="parChTrans1D2" presStyleIdx="0" presStyleCnt="2"/>
+      <dgm:spPr/>
+      <dgm:t>
+        <a:bodyPr/>
+        <a:lstStyle/>
+        <a:p>
+          <a:endParaRPr lang="ru-RU"/>
+        </a:p>
+      </dgm:t>
+    </dgm:pt>
+    <dgm:pt modelId="{7002E4F9-2F85-46AF-B9C1-80F2D1EB1A19}" type="pres">
+      <dgm:prSet presAssocID="{4F7AC5D6-617F-41C8-8AE1-278AE53AD61E}" presName="hierRoot2" presStyleCnt="0">
+        <dgm:presLayoutVars>
+          <dgm:hierBranch val="init"/>
+        </dgm:presLayoutVars>
+      </dgm:prSet>
+      <dgm:spPr/>
+    </dgm:pt>
+    <dgm:pt modelId="{004F6350-11A5-479D-B70D-50D9B71A8AD0}" type="pres">
+      <dgm:prSet presAssocID="{4F7AC5D6-617F-41C8-8AE1-278AE53AD61E}" presName="rootComposite" presStyleCnt="0"/>
+      <dgm:spPr/>
+    </dgm:pt>
+    <dgm:pt modelId="{58BFF039-2AC8-45D5-BF9E-293E9C20F367}" type="pres">
+      <dgm:prSet presAssocID="{4F7AC5D6-617F-41C8-8AE1-278AE53AD61E}" presName="rootText" presStyleLbl="node2" presStyleIdx="0" presStyleCnt="2">
+        <dgm:presLayoutVars>
+          <dgm:chPref val="3"/>
+        </dgm:presLayoutVars>
+      </dgm:prSet>
+      <dgm:spPr/>
+      <dgm:t>
+        <a:bodyPr/>
+        <a:lstStyle/>
+        <a:p>
+          <a:endParaRPr lang="ru-RU"/>
+        </a:p>
+      </dgm:t>
+    </dgm:pt>
+    <dgm:pt modelId="{9C2FFF84-5011-44B6-9C30-A252B40D8D97}" type="pres">
+      <dgm:prSet presAssocID="{4F7AC5D6-617F-41C8-8AE1-278AE53AD61E}" presName="rootConnector" presStyleLbl="node2" presStyleIdx="0" presStyleCnt="2"/>
+      <dgm:spPr/>
+      <dgm:t>
+        <a:bodyPr/>
+        <a:lstStyle/>
+        <a:p>
+          <a:endParaRPr lang="ru-RU"/>
+        </a:p>
+      </dgm:t>
+    </dgm:pt>
+    <dgm:pt modelId="{9546F4C3-86E4-497E-8A61-EAB89E1B3DEF}" type="pres">
+      <dgm:prSet presAssocID="{4F7AC5D6-617F-41C8-8AE1-278AE53AD61E}" presName="hierChild4" presStyleCnt="0"/>
+      <dgm:spPr/>
+    </dgm:pt>
+    <dgm:pt modelId="{0932EC7F-BE8E-41ED-9C94-67F3D3A2950D}" type="pres">
+      <dgm:prSet presAssocID="{4F7AC5D6-617F-41C8-8AE1-278AE53AD61E}" presName="hierChild5" presStyleCnt="0"/>
+      <dgm:spPr/>
+    </dgm:pt>
+    <dgm:pt modelId="{B4F17E52-F0B4-46EF-9C82-2961656E13D5}" type="pres">
+      <dgm:prSet presAssocID="{87579D51-676A-4517-ADBD-C47137349CD7}" presName="Name37" presStyleLbl="parChTrans1D2" presStyleIdx="1" presStyleCnt="2"/>
+      <dgm:spPr/>
+      <dgm:t>
+        <a:bodyPr/>
+        <a:lstStyle/>
+        <a:p>
+          <a:endParaRPr lang="ru-RU"/>
+        </a:p>
+      </dgm:t>
+    </dgm:pt>
+    <dgm:pt modelId="{087C183C-5782-4E63-982E-CCC6CCCA1ED4}" type="pres">
+      <dgm:prSet presAssocID="{6FDD31C3-7F82-4F76-8156-C317487187AA}" presName="hierRoot2" presStyleCnt="0">
+        <dgm:presLayoutVars>
+          <dgm:hierBranch val="init"/>
+        </dgm:presLayoutVars>
+      </dgm:prSet>
+      <dgm:spPr/>
+    </dgm:pt>
+    <dgm:pt modelId="{8F92E72E-D5D9-456E-97A6-803B919DC9A1}" type="pres">
+      <dgm:prSet presAssocID="{6FDD31C3-7F82-4F76-8156-C317487187AA}" presName="rootComposite" presStyleCnt="0"/>
+      <dgm:spPr/>
+    </dgm:pt>
+    <dgm:pt modelId="{FB5C8E47-C1C6-4822-AD98-9E1C8783B127}" type="pres">
+      <dgm:prSet presAssocID="{6FDD31C3-7F82-4F76-8156-C317487187AA}" presName="rootText" presStyleLbl="node2" presStyleIdx="1" presStyleCnt="2">
+        <dgm:presLayoutVars>
+          <dgm:chPref val="3"/>
+        </dgm:presLayoutVars>
+      </dgm:prSet>
+      <dgm:spPr/>
+      <dgm:t>
+        <a:bodyPr/>
+        <a:lstStyle/>
+        <a:p>
+          <a:endParaRPr lang="ru-RU"/>
+        </a:p>
+      </dgm:t>
+    </dgm:pt>
+    <dgm:pt modelId="{E98B8E49-B021-4EDF-8A70-DD8199E51C5A}" type="pres">
+      <dgm:prSet presAssocID="{6FDD31C3-7F82-4F76-8156-C317487187AA}" presName="rootConnector" presStyleLbl="node2" presStyleIdx="1" presStyleCnt="2"/>
+      <dgm:spPr/>
+      <dgm:t>
+        <a:bodyPr/>
+        <a:lstStyle/>
+        <a:p>
+          <a:endParaRPr lang="ru-RU"/>
+        </a:p>
+      </dgm:t>
+    </dgm:pt>
+    <dgm:pt modelId="{5D4DCA37-F5E7-43E2-9597-90A6599A2D81}" type="pres">
+      <dgm:prSet presAssocID="{6FDD31C3-7F82-4F76-8156-C317487187AA}" presName="hierChild4" presStyleCnt="0"/>
+      <dgm:spPr/>
+    </dgm:pt>
+    <dgm:pt modelId="{0CAEAEAE-6493-4251-A0D6-C06CD9E0E6EA}" type="pres">
+      <dgm:prSet presAssocID="{6FDD31C3-7F82-4F76-8156-C317487187AA}" presName="hierChild5" presStyleCnt="0"/>
+      <dgm:spPr/>
+    </dgm:pt>
+    <dgm:pt modelId="{DA31BADE-2151-4B81-A193-EB1D066CE663}" type="pres">
+      <dgm:prSet presAssocID="{BACBE0B8-D927-4ED6-873F-E2818792F1F7}" presName="hierChild3" presStyleCnt="0"/>
+      <dgm:spPr/>
+    </dgm:pt>
+  </dgm:ptLst>
+  <dgm:cxnLst>
+    <dgm:cxn modelId="{79510BCA-2030-4948-B559-B39E46A4DFDE}" type="presOf" srcId="{E40B7DE8-8199-4E2A-8E0D-8ACC1EC17599}" destId="{A477661D-32F8-4EBE-9FC5-7D1E3E4FEF8D}" srcOrd="0" destOrd="0" presId="urn:microsoft.com/office/officeart/2005/8/layout/orgChart1"/>
+    <dgm:cxn modelId="{96D8C40A-D88C-4EA8-ADB3-595B5310F249}" type="presOf" srcId="{BACBE0B8-D927-4ED6-873F-E2818792F1F7}" destId="{4AD37573-5478-4DAD-BA59-8592BE869F4B}" srcOrd="1" destOrd="0" presId="urn:microsoft.com/office/officeart/2005/8/layout/orgChart1"/>
+    <dgm:cxn modelId="{5C0C16BE-5909-4A91-A2FB-613D2327B941}" type="presOf" srcId="{BACBE0B8-D927-4ED6-873F-E2818792F1F7}" destId="{23318439-BEF3-4F36-A8C0-6A2F4B36D00F}" srcOrd="0" destOrd="0" presId="urn:microsoft.com/office/officeart/2005/8/layout/orgChart1"/>
+    <dgm:cxn modelId="{004B5237-7D91-4C3B-9706-ECFDA8363D20}" srcId="{BACBE0B8-D927-4ED6-873F-E2818792F1F7}" destId="{4F7AC5D6-617F-41C8-8AE1-278AE53AD61E}" srcOrd="0" destOrd="0" parTransId="{E40B7DE8-8199-4E2A-8E0D-8ACC1EC17599}" sibTransId="{1382CBDA-A565-4D84-95FF-20F11F3E9607}"/>
+    <dgm:cxn modelId="{43A777D4-91D1-46D2-AE3F-E44C6747BCE5}" type="presOf" srcId="{6FDD31C3-7F82-4F76-8156-C317487187AA}" destId="{E98B8E49-B021-4EDF-8A70-DD8199E51C5A}" srcOrd="1" destOrd="0" presId="urn:microsoft.com/office/officeart/2005/8/layout/orgChart1"/>
+    <dgm:cxn modelId="{3F4E77C1-FB2D-457C-B18C-469933CEB26D}" srcId="{BACBE0B8-D927-4ED6-873F-E2818792F1F7}" destId="{6FDD31C3-7F82-4F76-8156-C317487187AA}" srcOrd="1" destOrd="0" parTransId="{87579D51-676A-4517-ADBD-C47137349CD7}" sibTransId="{8689C7CF-8473-4F3F-8D2B-EF84A823D11A}"/>
+    <dgm:cxn modelId="{68D84807-EE3B-40BC-8462-4FF5FFCAFE02}" type="presOf" srcId="{6FDD31C3-7F82-4F76-8156-C317487187AA}" destId="{FB5C8E47-C1C6-4822-AD98-9E1C8783B127}" srcOrd="0" destOrd="0" presId="urn:microsoft.com/office/officeart/2005/8/layout/orgChart1"/>
+    <dgm:cxn modelId="{8688F05A-236A-4D30-974B-100BE44965CA}" type="presOf" srcId="{4F7AC5D6-617F-41C8-8AE1-278AE53AD61E}" destId="{58BFF039-2AC8-45D5-BF9E-293E9C20F367}" srcOrd="0" destOrd="0" presId="urn:microsoft.com/office/officeart/2005/8/layout/orgChart1"/>
+    <dgm:cxn modelId="{6E3B2D4E-BE3D-4871-9E0C-05C0055B920D}" srcId="{12BFEB49-97C5-446D-AF9C-6634B6315F76}" destId="{BACBE0B8-D927-4ED6-873F-E2818792F1F7}" srcOrd="0" destOrd="0" parTransId="{F13A1AA6-BB0C-4938-B22C-14F8724EF9C2}" sibTransId="{7F2E71B1-0FAD-4641-8B70-5A799EE34717}"/>
+    <dgm:cxn modelId="{3DB425DB-E13B-40E7-BA22-14FCCA2EDBA6}" type="presOf" srcId="{4F7AC5D6-617F-41C8-8AE1-278AE53AD61E}" destId="{9C2FFF84-5011-44B6-9C30-A252B40D8D97}" srcOrd="1" destOrd="0" presId="urn:microsoft.com/office/officeart/2005/8/layout/orgChart1"/>
+    <dgm:cxn modelId="{D85A2E7A-9389-4829-BC2F-5BCE641006A4}" type="presOf" srcId="{87579D51-676A-4517-ADBD-C47137349CD7}" destId="{B4F17E52-F0B4-46EF-9C82-2961656E13D5}" srcOrd="0" destOrd="0" presId="urn:microsoft.com/office/officeart/2005/8/layout/orgChart1"/>
+    <dgm:cxn modelId="{0C003F03-9402-406F-AC74-DEA313DD7D16}" type="presOf" srcId="{12BFEB49-97C5-446D-AF9C-6634B6315F76}" destId="{D5F6B982-630E-41D0-AD66-DC93D2E6F1C9}" srcOrd="0" destOrd="0" presId="urn:microsoft.com/office/officeart/2005/8/layout/orgChart1"/>
+    <dgm:cxn modelId="{0DAE8148-D151-4E88-872A-3A0C6B71FB83}" type="presParOf" srcId="{D5F6B982-630E-41D0-AD66-DC93D2E6F1C9}" destId="{1957A5EE-5F78-4EA0-8357-F1C4327F3A10}" srcOrd="0" destOrd="0" presId="urn:microsoft.com/office/officeart/2005/8/layout/orgChart1"/>
+    <dgm:cxn modelId="{9604F83A-259C-4AF9-9E4E-374F19152F9F}" type="presParOf" srcId="{1957A5EE-5F78-4EA0-8357-F1C4327F3A10}" destId="{C95C1E97-9DD5-4130-9E8F-E7811E0FFF15}" srcOrd="0" destOrd="0" presId="urn:microsoft.com/office/officeart/2005/8/layout/orgChart1"/>
+    <dgm:cxn modelId="{A1E43005-2F0C-4A51-8190-750F45A7660F}" type="presParOf" srcId="{C95C1E97-9DD5-4130-9E8F-E7811E0FFF15}" destId="{23318439-BEF3-4F36-A8C0-6A2F4B36D00F}" srcOrd="0" destOrd="0" presId="urn:microsoft.com/office/officeart/2005/8/layout/orgChart1"/>
+    <dgm:cxn modelId="{95D0737A-CFFB-42D7-9FA5-53684F14D46E}" type="presParOf" srcId="{C95C1E97-9DD5-4130-9E8F-E7811E0FFF15}" destId="{4AD37573-5478-4DAD-BA59-8592BE869F4B}" srcOrd="1" destOrd="0" presId="urn:microsoft.com/office/officeart/2005/8/layout/orgChart1"/>
+    <dgm:cxn modelId="{8C1158F6-2732-45C7-84EB-248A1C77B26C}" type="presParOf" srcId="{1957A5EE-5F78-4EA0-8357-F1C4327F3A10}" destId="{63CD79ED-28FC-4C40-BDCF-8BFD1D2596ED}" srcOrd="1" destOrd="0" presId="urn:microsoft.com/office/officeart/2005/8/layout/orgChart1"/>
+    <dgm:cxn modelId="{87120D6F-F9D4-42C5-8040-937E827ADCD5}" type="presParOf" srcId="{63CD79ED-28FC-4C40-BDCF-8BFD1D2596ED}" destId="{A477661D-32F8-4EBE-9FC5-7D1E3E4FEF8D}" srcOrd="0" destOrd="0" presId="urn:microsoft.com/office/officeart/2005/8/layout/orgChart1"/>
+    <dgm:cxn modelId="{62E59947-0233-4A72-AA3B-8B9477C06F6B}" type="presParOf" srcId="{63CD79ED-28FC-4C40-BDCF-8BFD1D2596ED}" destId="{7002E4F9-2F85-46AF-B9C1-80F2D1EB1A19}" srcOrd="1" destOrd="0" presId="urn:microsoft.com/office/officeart/2005/8/layout/orgChart1"/>
+    <dgm:cxn modelId="{24644D86-5CCE-4679-8A4E-9E9C4815C4D0}" type="presParOf" srcId="{7002E4F9-2F85-46AF-B9C1-80F2D1EB1A19}" destId="{004F6350-11A5-479D-B70D-50D9B71A8AD0}" srcOrd="0" destOrd="0" presId="urn:microsoft.com/office/officeart/2005/8/layout/orgChart1"/>
+    <dgm:cxn modelId="{7E1AD421-9537-4AE5-869F-0420BBD12788}" type="presParOf" srcId="{004F6350-11A5-479D-B70D-50D9B71A8AD0}" destId="{58BFF039-2AC8-45D5-BF9E-293E9C20F367}" srcOrd="0" destOrd="0" presId="urn:microsoft.com/office/officeart/2005/8/layout/orgChart1"/>
+    <dgm:cxn modelId="{6CAE95C5-9D5E-4C9E-A8EC-609D43AD7515}" type="presParOf" srcId="{004F6350-11A5-479D-B70D-50D9B71A8AD0}" destId="{9C2FFF84-5011-44B6-9C30-A252B40D8D97}" srcOrd="1" destOrd="0" presId="urn:microsoft.com/office/officeart/2005/8/layout/orgChart1"/>
+    <dgm:cxn modelId="{F97B9487-EA1D-498F-A816-F4F4F05CF160}" type="presParOf" srcId="{7002E4F9-2F85-46AF-B9C1-80F2D1EB1A19}" destId="{9546F4C3-86E4-497E-8A61-EAB89E1B3DEF}" srcOrd="1" destOrd="0" presId="urn:microsoft.com/office/officeart/2005/8/layout/orgChart1"/>
+    <dgm:cxn modelId="{6FD3535E-9D15-49A9-931D-415163BC147E}" type="presParOf" srcId="{7002E4F9-2F85-46AF-B9C1-80F2D1EB1A19}" destId="{0932EC7F-BE8E-41ED-9C94-67F3D3A2950D}" srcOrd="2" destOrd="0" presId="urn:microsoft.com/office/officeart/2005/8/layout/orgChart1"/>
+    <dgm:cxn modelId="{0041E32C-C870-401C-8A2B-A4E813C0260B}" type="presParOf" srcId="{63CD79ED-28FC-4C40-BDCF-8BFD1D2596ED}" destId="{B4F17E52-F0B4-46EF-9C82-2961656E13D5}" srcOrd="2" destOrd="0" presId="urn:microsoft.com/office/officeart/2005/8/layout/orgChart1"/>
+    <dgm:cxn modelId="{094D170C-F35E-4292-B2EC-54C8BCE98E40}" type="presParOf" srcId="{63CD79ED-28FC-4C40-BDCF-8BFD1D2596ED}" destId="{087C183C-5782-4E63-982E-CCC6CCCA1ED4}" srcOrd="3" destOrd="0" presId="urn:microsoft.com/office/officeart/2005/8/layout/orgChart1"/>
+    <dgm:cxn modelId="{F576CAAD-965E-4971-A6E7-A47713740544}" type="presParOf" srcId="{087C183C-5782-4E63-982E-CCC6CCCA1ED4}" destId="{8F92E72E-D5D9-456E-97A6-803B919DC9A1}" srcOrd="0" destOrd="0" presId="urn:microsoft.com/office/officeart/2005/8/layout/orgChart1"/>
+    <dgm:cxn modelId="{B084B9B9-058E-4468-803C-A6974793F205}" type="presParOf" srcId="{8F92E72E-D5D9-456E-97A6-803B919DC9A1}" destId="{FB5C8E47-C1C6-4822-AD98-9E1C8783B127}" srcOrd="0" destOrd="0" presId="urn:microsoft.com/office/officeart/2005/8/layout/orgChart1"/>
+    <dgm:cxn modelId="{236DDE3B-2367-445B-90E7-C2D6316A1FA5}" type="presParOf" srcId="{8F92E72E-D5D9-456E-97A6-803B919DC9A1}" destId="{E98B8E49-B021-4EDF-8A70-DD8199E51C5A}" srcOrd="1" destOrd="0" presId="urn:microsoft.com/office/officeart/2005/8/layout/orgChart1"/>
+    <dgm:cxn modelId="{504842EE-FE06-44C1-986A-82083B4440AF}" type="presParOf" srcId="{087C183C-5782-4E63-982E-CCC6CCCA1ED4}" destId="{5D4DCA37-F5E7-43E2-9597-90A6599A2D81}" srcOrd="1" destOrd="0" presId="urn:microsoft.com/office/officeart/2005/8/layout/orgChart1"/>
+    <dgm:cxn modelId="{796BA9D8-D42B-4C3F-8039-FEA8277FFFCE}" type="presParOf" srcId="{087C183C-5782-4E63-982E-CCC6CCCA1ED4}" destId="{0CAEAEAE-6493-4251-A0D6-C06CD9E0E6EA}" srcOrd="2" destOrd="0" presId="urn:microsoft.com/office/officeart/2005/8/layout/orgChart1"/>
+    <dgm:cxn modelId="{A7BF0FB5-E704-458C-991E-D9B27473960D}" type="presParOf" srcId="{1957A5EE-5F78-4EA0-8357-F1C4327F3A10}" destId="{DA31BADE-2151-4B81-A193-EB1D066CE663}" srcOrd="2" destOrd="0" presId="urn:microsoft.com/office/officeart/2005/8/layout/orgChart1"/>
+  </dgm:cxnLst>
+  <dgm:bg/>
+  <dgm:whole/>
+  <dgm:extLst>
+    <a:ext uri="http://schemas.microsoft.com/office/drawing/2008/diagram">
+      <dsp:dataModelExt xmlns:dsp="http://schemas.microsoft.com/office/drawing/2008/diagram" relId="rId6" minVer="http://schemas.openxmlformats.org/drawingml/2006/diagram"/>
     </a:ext>
   </dgm:extLst>
 </dgm:dataModel>
@@ -12088,6 +14685,972 @@
 </dsp:drawing>
 </file>
 
+<file path=ppt/diagrams/drawing6.xml><?xml version="1.0" encoding="utf-8"?>
+<dsp:drawing xmlns:dgm="http://schemas.openxmlformats.org/drawingml/2006/diagram" xmlns:dsp="http://schemas.microsoft.com/office/drawing/2008/diagram" xmlns:a="http://schemas.openxmlformats.org/drawingml/2006/main">
+  <dsp:spTree>
+    <dsp:nvGrpSpPr>
+      <dsp:cNvPr id="0" name=""/>
+      <dsp:cNvGrpSpPr/>
+    </dsp:nvGrpSpPr>
+    <dsp:grpSpPr/>
+    <dsp:sp modelId="{B4F17E52-F0B4-46EF-9C82-2961656E13D5}">
+      <dsp:nvSpPr>
+        <dsp:cNvPr id="0" name=""/>
+        <dsp:cNvSpPr/>
+      </dsp:nvSpPr>
+      <dsp:spPr>
+        <a:xfrm>
+          <a:off x="1902474" y="491873"/>
+          <a:ext cx="595028" cy="206538"/>
+        </a:xfrm>
+        <a:custGeom>
+          <a:avLst/>
+          <a:gdLst/>
+          <a:ahLst/>
+          <a:cxnLst/>
+          <a:rect l="0" t="0" r="0" b="0"/>
+          <a:pathLst>
+            <a:path>
+              <a:moveTo>
+                <a:pt x="0" y="0"/>
+              </a:moveTo>
+              <a:lnTo>
+                <a:pt x="0" y="103269"/>
+              </a:lnTo>
+              <a:lnTo>
+                <a:pt x="595028" y="103269"/>
+              </a:lnTo>
+              <a:lnTo>
+                <a:pt x="595028" y="206538"/>
+              </a:lnTo>
+            </a:path>
+          </a:pathLst>
+        </a:custGeom>
+        <a:noFill/>
+        <a:ln w="12700" cap="flat" cmpd="sng" algn="ctr">
+          <a:solidFill>
+            <a:schemeClr val="accent1">
+              <a:shade val="60000"/>
+              <a:hueOff val="0"/>
+              <a:satOff val="0"/>
+              <a:lumOff val="0"/>
+              <a:alphaOff val="0"/>
+            </a:schemeClr>
+          </a:solidFill>
+          <a:prstDash val="solid"/>
+          <a:miter lim="800000"/>
+        </a:ln>
+        <a:effectLst/>
+        <a:scene3d>
+          <a:camera prst="orthographicFront"/>
+          <a:lightRig rig="flat" dir="t"/>
+        </a:scene3d>
+        <a:sp3d prstMaterial="matte"/>
+      </dsp:spPr>
+      <dsp:style>
+        <a:lnRef idx="2">
+          <a:scrgbClr r="0" g="0" b="0"/>
+        </a:lnRef>
+        <a:fillRef idx="0">
+          <a:scrgbClr r="0" g="0" b="0"/>
+        </a:fillRef>
+        <a:effectRef idx="0">
+          <a:scrgbClr r="0" g="0" b="0"/>
+        </a:effectRef>
+        <a:fontRef idx="minor"/>
+      </dsp:style>
+    </dsp:sp>
+    <dsp:sp modelId="{A477661D-32F8-4EBE-9FC5-7D1E3E4FEF8D}">
+      <dsp:nvSpPr>
+        <dsp:cNvPr id="0" name=""/>
+        <dsp:cNvSpPr/>
+      </dsp:nvSpPr>
+      <dsp:spPr>
+        <a:xfrm>
+          <a:off x="1307445" y="491873"/>
+          <a:ext cx="595028" cy="206538"/>
+        </a:xfrm>
+        <a:custGeom>
+          <a:avLst/>
+          <a:gdLst/>
+          <a:ahLst/>
+          <a:cxnLst/>
+          <a:rect l="0" t="0" r="0" b="0"/>
+          <a:pathLst>
+            <a:path>
+              <a:moveTo>
+                <a:pt x="595028" y="0"/>
+              </a:moveTo>
+              <a:lnTo>
+                <a:pt x="595028" y="103269"/>
+              </a:lnTo>
+              <a:lnTo>
+                <a:pt x="0" y="103269"/>
+              </a:lnTo>
+              <a:lnTo>
+                <a:pt x="0" y="206538"/>
+              </a:lnTo>
+            </a:path>
+          </a:pathLst>
+        </a:custGeom>
+        <a:noFill/>
+        <a:ln w="12700" cap="flat" cmpd="sng" algn="ctr">
+          <a:solidFill>
+            <a:schemeClr val="accent1">
+              <a:shade val="60000"/>
+              <a:hueOff val="0"/>
+              <a:satOff val="0"/>
+              <a:lumOff val="0"/>
+              <a:alphaOff val="0"/>
+            </a:schemeClr>
+          </a:solidFill>
+          <a:prstDash val="solid"/>
+          <a:miter lim="800000"/>
+        </a:ln>
+        <a:effectLst/>
+        <a:scene3d>
+          <a:camera prst="orthographicFront"/>
+          <a:lightRig rig="flat" dir="t"/>
+        </a:scene3d>
+        <a:sp3d prstMaterial="matte"/>
+      </dsp:spPr>
+      <dsp:style>
+        <a:lnRef idx="2">
+          <a:scrgbClr r="0" g="0" b="0"/>
+        </a:lnRef>
+        <a:fillRef idx="0">
+          <a:scrgbClr r="0" g="0" b="0"/>
+        </a:fillRef>
+        <a:effectRef idx="0">
+          <a:scrgbClr r="0" g="0" b="0"/>
+        </a:effectRef>
+        <a:fontRef idx="minor"/>
+      </dsp:style>
+    </dsp:sp>
+    <dsp:sp modelId="{23318439-BEF3-4F36-A8C0-6A2F4B36D00F}">
+      <dsp:nvSpPr>
+        <dsp:cNvPr id="0" name=""/>
+        <dsp:cNvSpPr/>
+      </dsp:nvSpPr>
+      <dsp:spPr>
+        <a:xfrm>
+          <a:off x="1410715" y="114"/>
+          <a:ext cx="983517" cy="491758"/>
+        </a:xfrm>
+        <a:prstGeom prst="rect">
+          <a:avLst/>
+        </a:prstGeom>
+        <a:gradFill rotWithShape="0">
+          <a:gsLst>
+            <a:gs pos="0">
+              <a:schemeClr val="accent1">
+                <a:hueOff val="0"/>
+                <a:satOff val="0"/>
+                <a:lumOff val="0"/>
+                <a:alphaOff val="0"/>
+                <a:satMod val="103000"/>
+                <a:lumMod val="102000"/>
+                <a:tint val="94000"/>
+              </a:schemeClr>
+            </a:gs>
+            <a:gs pos="50000">
+              <a:schemeClr val="accent1">
+                <a:hueOff val="0"/>
+                <a:satOff val="0"/>
+                <a:lumOff val="0"/>
+                <a:alphaOff val="0"/>
+                <a:satMod val="110000"/>
+                <a:lumMod val="100000"/>
+                <a:shade val="100000"/>
+              </a:schemeClr>
+            </a:gs>
+            <a:gs pos="100000">
+              <a:schemeClr val="accent1">
+                <a:hueOff val="0"/>
+                <a:satOff val="0"/>
+                <a:lumOff val="0"/>
+                <a:alphaOff val="0"/>
+                <a:lumMod val="99000"/>
+                <a:satMod val="120000"/>
+                <a:shade val="78000"/>
+              </a:schemeClr>
+            </a:gs>
+          </a:gsLst>
+          <a:lin ang="5400000" scaled="0"/>
+        </a:gradFill>
+        <a:ln>
+          <a:noFill/>
+        </a:ln>
+        <a:effectLst/>
+        <a:scene3d>
+          <a:camera prst="orthographicFront"/>
+          <a:lightRig rig="flat" dir="t"/>
+        </a:scene3d>
+        <a:sp3d prstMaterial="plastic">
+          <a:bevelT w="120900" h="88900"/>
+          <a:bevelB w="88900" h="31750" prst="angle"/>
+        </a:sp3d>
+      </dsp:spPr>
+      <dsp:style>
+        <a:lnRef idx="0">
+          <a:scrgbClr r="0" g="0" b="0"/>
+        </a:lnRef>
+        <a:fillRef idx="3">
+          <a:scrgbClr r="0" g="0" b="0"/>
+        </a:fillRef>
+        <a:effectRef idx="2">
+          <a:scrgbClr r="0" g="0" b="0"/>
+        </a:effectRef>
+        <a:fontRef idx="minor">
+          <a:schemeClr val="lt1"/>
+        </a:fontRef>
+      </dsp:style>
+      <dsp:txBody>
+        <a:bodyPr spcFirstLastPara="0" vert="horz" wrap="square" lIns="6985" tIns="6985" rIns="6985" bIns="6985" numCol="1" spcCol="1270" anchor="ctr" anchorCtr="0">
+          <a:noAutofit/>
+        </a:bodyPr>
+        <a:lstStyle/>
+        <a:p>
+          <a:pPr lvl="0" algn="ctr" defTabSz="488950">
+            <a:lnSpc>
+              <a:spcPct val="90000"/>
+            </a:lnSpc>
+            <a:spcBef>
+              <a:spcPct val="0"/>
+            </a:spcBef>
+            <a:spcAft>
+              <a:spcPct val="35000"/>
+            </a:spcAft>
+          </a:pPr>
+          <a:r>
+            <a:rPr lang="en-US" sz="1100" kern="1200" dirty="0" smtClean="0"/>
+            <a:t>RTL Testbench </a:t>
+          </a:r>
+          <a:r>
+            <a:rPr lang="en-US" sz="1100" kern="1200" dirty="0" smtClean="0"/>
+            <a:t>(</a:t>
+          </a:r>
+          <a:r>
+            <a:rPr lang="de-DE" sz="1100" kern="1200" dirty="0" err="1" smtClean="0"/>
+            <a:t>fir_DecInt_tb</a:t>
+          </a:r>
+          <a:r>
+            <a:rPr lang="en-US" sz="1100" kern="1200" dirty="0" smtClean="0"/>
+            <a:t>.v</a:t>
+          </a:r>
+          <a:r>
+            <a:rPr lang="en-US" sz="1100" kern="1200" dirty="0" smtClean="0"/>
+            <a:t>)</a:t>
+          </a:r>
+          <a:endParaRPr lang="ru-RU" sz="1100" kern="1200" dirty="0"/>
+        </a:p>
+      </dsp:txBody>
+      <dsp:txXfrm>
+        <a:off x="1410715" y="114"/>
+        <a:ext cx="983517" cy="491758"/>
+      </dsp:txXfrm>
+    </dsp:sp>
+    <dsp:sp modelId="{58BFF039-2AC8-45D5-BF9E-293E9C20F367}">
+      <dsp:nvSpPr>
+        <dsp:cNvPr id="0" name=""/>
+        <dsp:cNvSpPr/>
+      </dsp:nvSpPr>
+      <dsp:spPr>
+        <a:xfrm>
+          <a:off x="815686" y="698412"/>
+          <a:ext cx="983517" cy="491758"/>
+        </a:xfrm>
+        <a:prstGeom prst="rect">
+          <a:avLst/>
+        </a:prstGeom>
+        <a:gradFill rotWithShape="0">
+          <a:gsLst>
+            <a:gs pos="0">
+              <a:schemeClr val="accent1">
+                <a:hueOff val="0"/>
+                <a:satOff val="0"/>
+                <a:lumOff val="0"/>
+                <a:alphaOff val="0"/>
+                <a:satMod val="103000"/>
+                <a:lumMod val="102000"/>
+                <a:tint val="94000"/>
+              </a:schemeClr>
+            </a:gs>
+            <a:gs pos="50000">
+              <a:schemeClr val="accent1">
+                <a:hueOff val="0"/>
+                <a:satOff val="0"/>
+                <a:lumOff val="0"/>
+                <a:alphaOff val="0"/>
+                <a:satMod val="110000"/>
+                <a:lumMod val="100000"/>
+                <a:shade val="100000"/>
+              </a:schemeClr>
+            </a:gs>
+            <a:gs pos="100000">
+              <a:schemeClr val="accent1">
+                <a:hueOff val="0"/>
+                <a:satOff val="0"/>
+                <a:lumOff val="0"/>
+                <a:alphaOff val="0"/>
+                <a:lumMod val="99000"/>
+                <a:satMod val="120000"/>
+                <a:shade val="78000"/>
+              </a:schemeClr>
+            </a:gs>
+          </a:gsLst>
+          <a:lin ang="5400000" scaled="0"/>
+        </a:gradFill>
+        <a:ln>
+          <a:noFill/>
+        </a:ln>
+        <a:effectLst/>
+        <a:scene3d>
+          <a:camera prst="orthographicFront"/>
+          <a:lightRig rig="flat" dir="t"/>
+        </a:scene3d>
+        <a:sp3d prstMaterial="plastic">
+          <a:bevelT w="120900" h="88900"/>
+          <a:bevelB w="88900" h="31750" prst="angle"/>
+        </a:sp3d>
+      </dsp:spPr>
+      <dsp:style>
+        <a:lnRef idx="0">
+          <a:scrgbClr r="0" g="0" b="0"/>
+        </a:lnRef>
+        <a:fillRef idx="3">
+          <a:scrgbClr r="0" g="0" b="0"/>
+        </a:fillRef>
+        <a:effectRef idx="1">
+          <a:scrgbClr r="0" g="0" b="0"/>
+        </a:effectRef>
+        <a:fontRef idx="minor">
+          <a:schemeClr val="lt1"/>
+        </a:fontRef>
+      </dsp:style>
+      <dsp:txBody>
+        <a:bodyPr spcFirstLastPara="0" vert="horz" wrap="square" lIns="6985" tIns="6985" rIns="6985" bIns="6985" numCol="1" spcCol="1270" anchor="ctr" anchorCtr="0">
+          <a:noAutofit/>
+        </a:bodyPr>
+        <a:lstStyle/>
+        <a:p>
+          <a:pPr lvl="0" algn="ctr" defTabSz="488950">
+            <a:lnSpc>
+              <a:spcPct val="90000"/>
+            </a:lnSpc>
+            <a:spcBef>
+              <a:spcPct val="0"/>
+            </a:spcBef>
+            <a:spcAft>
+              <a:spcPct val="35000"/>
+            </a:spcAft>
+          </a:pPr>
+          <a:r>
+            <a:rPr lang="en-US" sz="1100" kern="1200" dirty="0" smtClean="0"/>
+            <a:t>Decimation</a:t>
+          </a:r>
+          <a:endParaRPr lang="ru-RU" sz="1100" kern="1200" dirty="0"/>
+        </a:p>
+      </dsp:txBody>
+      <dsp:txXfrm>
+        <a:off x="815686" y="698412"/>
+        <a:ext cx="983517" cy="491758"/>
+      </dsp:txXfrm>
+    </dsp:sp>
+    <dsp:sp modelId="{FB5C8E47-C1C6-4822-AD98-9E1C8783B127}">
+      <dsp:nvSpPr>
+        <dsp:cNvPr id="0" name=""/>
+        <dsp:cNvSpPr/>
+      </dsp:nvSpPr>
+      <dsp:spPr>
+        <a:xfrm>
+          <a:off x="2005743" y="698412"/>
+          <a:ext cx="983517" cy="491758"/>
+        </a:xfrm>
+        <a:prstGeom prst="rect">
+          <a:avLst/>
+        </a:prstGeom>
+        <a:gradFill rotWithShape="0">
+          <a:gsLst>
+            <a:gs pos="0">
+              <a:schemeClr val="accent1">
+                <a:hueOff val="0"/>
+                <a:satOff val="0"/>
+                <a:lumOff val="0"/>
+                <a:alphaOff val="0"/>
+                <a:satMod val="103000"/>
+                <a:lumMod val="102000"/>
+                <a:tint val="94000"/>
+              </a:schemeClr>
+            </a:gs>
+            <a:gs pos="50000">
+              <a:schemeClr val="accent1">
+                <a:hueOff val="0"/>
+                <a:satOff val="0"/>
+                <a:lumOff val="0"/>
+                <a:alphaOff val="0"/>
+                <a:satMod val="110000"/>
+                <a:lumMod val="100000"/>
+                <a:shade val="100000"/>
+              </a:schemeClr>
+            </a:gs>
+            <a:gs pos="100000">
+              <a:schemeClr val="accent1">
+                <a:hueOff val="0"/>
+                <a:satOff val="0"/>
+                <a:lumOff val="0"/>
+                <a:alphaOff val="0"/>
+                <a:lumMod val="99000"/>
+                <a:satMod val="120000"/>
+                <a:shade val="78000"/>
+              </a:schemeClr>
+            </a:gs>
+          </a:gsLst>
+          <a:lin ang="5400000" scaled="0"/>
+        </a:gradFill>
+        <a:ln>
+          <a:noFill/>
+        </a:ln>
+        <a:effectLst/>
+        <a:scene3d>
+          <a:camera prst="orthographicFront"/>
+          <a:lightRig rig="flat" dir="t"/>
+        </a:scene3d>
+        <a:sp3d prstMaterial="plastic">
+          <a:bevelT w="120900" h="88900"/>
+          <a:bevelB w="88900" h="31750" prst="angle"/>
+        </a:sp3d>
+      </dsp:spPr>
+      <dsp:style>
+        <a:lnRef idx="0">
+          <a:scrgbClr r="0" g="0" b="0"/>
+        </a:lnRef>
+        <a:fillRef idx="3">
+          <a:scrgbClr r="0" g="0" b="0"/>
+        </a:fillRef>
+        <a:effectRef idx="1">
+          <a:scrgbClr r="0" g="0" b="0"/>
+        </a:effectRef>
+        <a:fontRef idx="minor">
+          <a:schemeClr val="lt1"/>
+        </a:fontRef>
+      </dsp:style>
+      <dsp:txBody>
+        <a:bodyPr spcFirstLastPara="0" vert="horz" wrap="square" lIns="6985" tIns="6985" rIns="6985" bIns="6985" numCol="1" spcCol="1270" anchor="ctr" anchorCtr="0">
+          <a:noAutofit/>
+        </a:bodyPr>
+        <a:lstStyle/>
+        <a:p>
+          <a:pPr lvl="0" algn="ctr" defTabSz="488950">
+            <a:lnSpc>
+              <a:spcPct val="90000"/>
+            </a:lnSpc>
+            <a:spcBef>
+              <a:spcPct val="0"/>
+            </a:spcBef>
+            <a:spcAft>
+              <a:spcPct val="35000"/>
+            </a:spcAft>
+          </a:pPr>
+          <a:r>
+            <a:rPr lang="en-US" sz="1100" kern="1200" dirty="0" smtClean="0"/>
+            <a:t>Interpolation</a:t>
+          </a:r>
+          <a:endParaRPr lang="ru-RU" sz="1100" kern="1200" dirty="0"/>
+        </a:p>
+      </dsp:txBody>
+      <dsp:txXfrm>
+        <a:off x="2005743" y="698412"/>
+        <a:ext cx="983517" cy="491758"/>
+      </dsp:txXfrm>
+    </dsp:sp>
+  </dsp:spTree>
+</dsp:drawing>
+</file>
+
+<file path=ppt/diagrams/drawing7.xml><?xml version="1.0" encoding="utf-8"?>
+<dsp:drawing xmlns:dgm="http://schemas.openxmlformats.org/drawingml/2006/diagram" xmlns:dsp="http://schemas.microsoft.com/office/drawing/2008/diagram" xmlns:a="http://schemas.openxmlformats.org/drawingml/2006/main">
+  <dsp:spTree>
+    <dsp:nvGrpSpPr>
+      <dsp:cNvPr id="0" name=""/>
+      <dsp:cNvGrpSpPr/>
+    </dsp:nvGrpSpPr>
+    <dsp:grpSpPr/>
+    <dsp:sp modelId="{B4F17E52-F0B4-46EF-9C82-2961656E13D5}">
+      <dsp:nvSpPr>
+        <dsp:cNvPr id="0" name=""/>
+        <dsp:cNvSpPr/>
+      </dsp:nvSpPr>
+      <dsp:spPr>
+        <a:xfrm>
+          <a:off x="1902474" y="491873"/>
+          <a:ext cx="595028" cy="206538"/>
+        </a:xfrm>
+        <a:custGeom>
+          <a:avLst/>
+          <a:gdLst/>
+          <a:ahLst/>
+          <a:cxnLst/>
+          <a:rect l="0" t="0" r="0" b="0"/>
+          <a:pathLst>
+            <a:path>
+              <a:moveTo>
+                <a:pt x="0" y="0"/>
+              </a:moveTo>
+              <a:lnTo>
+                <a:pt x="0" y="103269"/>
+              </a:lnTo>
+              <a:lnTo>
+                <a:pt x="595028" y="103269"/>
+              </a:lnTo>
+              <a:lnTo>
+                <a:pt x="595028" y="206538"/>
+              </a:lnTo>
+            </a:path>
+          </a:pathLst>
+        </a:custGeom>
+        <a:noFill/>
+        <a:ln w="12700" cap="flat" cmpd="sng" algn="ctr">
+          <a:solidFill>
+            <a:schemeClr val="accent1">
+              <a:shade val="60000"/>
+              <a:hueOff val="0"/>
+              <a:satOff val="0"/>
+              <a:lumOff val="0"/>
+              <a:alphaOff val="0"/>
+            </a:schemeClr>
+          </a:solidFill>
+          <a:prstDash val="solid"/>
+          <a:miter lim="800000"/>
+        </a:ln>
+        <a:effectLst/>
+        <a:scene3d>
+          <a:camera prst="orthographicFront"/>
+          <a:lightRig rig="flat" dir="t"/>
+        </a:scene3d>
+        <a:sp3d prstMaterial="matte"/>
+      </dsp:spPr>
+      <dsp:style>
+        <a:lnRef idx="2">
+          <a:scrgbClr r="0" g="0" b="0"/>
+        </a:lnRef>
+        <a:fillRef idx="0">
+          <a:scrgbClr r="0" g="0" b="0"/>
+        </a:fillRef>
+        <a:effectRef idx="0">
+          <a:scrgbClr r="0" g="0" b="0"/>
+        </a:effectRef>
+        <a:fontRef idx="minor"/>
+      </dsp:style>
+    </dsp:sp>
+    <dsp:sp modelId="{A477661D-32F8-4EBE-9FC5-7D1E3E4FEF8D}">
+      <dsp:nvSpPr>
+        <dsp:cNvPr id="0" name=""/>
+        <dsp:cNvSpPr/>
+      </dsp:nvSpPr>
+      <dsp:spPr>
+        <a:xfrm>
+          <a:off x="1307445" y="491873"/>
+          <a:ext cx="595028" cy="206538"/>
+        </a:xfrm>
+        <a:custGeom>
+          <a:avLst/>
+          <a:gdLst/>
+          <a:ahLst/>
+          <a:cxnLst/>
+          <a:rect l="0" t="0" r="0" b="0"/>
+          <a:pathLst>
+            <a:path>
+              <a:moveTo>
+                <a:pt x="595028" y="0"/>
+              </a:moveTo>
+              <a:lnTo>
+                <a:pt x="595028" y="103269"/>
+              </a:lnTo>
+              <a:lnTo>
+                <a:pt x="0" y="103269"/>
+              </a:lnTo>
+              <a:lnTo>
+                <a:pt x="0" y="206538"/>
+              </a:lnTo>
+            </a:path>
+          </a:pathLst>
+        </a:custGeom>
+        <a:noFill/>
+        <a:ln w="12700" cap="flat" cmpd="sng" algn="ctr">
+          <a:solidFill>
+            <a:schemeClr val="accent1">
+              <a:shade val="60000"/>
+              <a:hueOff val="0"/>
+              <a:satOff val="0"/>
+              <a:lumOff val="0"/>
+              <a:alphaOff val="0"/>
+            </a:schemeClr>
+          </a:solidFill>
+          <a:prstDash val="solid"/>
+          <a:miter lim="800000"/>
+        </a:ln>
+        <a:effectLst/>
+        <a:scene3d>
+          <a:camera prst="orthographicFront"/>
+          <a:lightRig rig="flat" dir="t"/>
+        </a:scene3d>
+        <a:sp3d prstMaterial="matte"/>
+      </dsp:spPr>
+      <dsp:style>
+        <a:lnRef idx="2">
+          <a:scrgbClr r="0" g="0" b="0"/>
+        </a:lnRef>
+        <a:fillRef idx="0">
+          <a:scrgbClr r="0" g="0" b="0"/>
+        </a:fillRef>
+        <a:effectRef idx="0">
+          <a:scrgbClr r="0" g="0" b="0"/>
+        </a:effectRef>
+        <a:fontRef idx="minor"/>
+      </dsp:style>
+    </dsp:sp>
+    <dsp:sp modelId="{23318439-BEF3-4F36-A8C0-6A2F4B36D00F}">
+      <dsp:nvSpPr>
+        <dsp:cNvPr id="0" name=""/>
+        <dsp:cNvSpPr/>
+      </dsp:nvSpPr>
+      <dsp:spPr>
+        <a:xfrm>
+          <a:off x="1410715" y="114"/>
+          <a:ext cx="983517" cy="491758"/>
+        </a:xfrm>
+        <a:prstGeom prst="rect">
+          <a:avLst/>
+        </a:prstGeom>
+        <a:gradFill rotWithShape="0">
+          <a:gsLst>
+            <a:gs pos="0">
+              <a:schemeClr val="accent1">
+                <a:hueOff val="0"/>
+                <a:satOff val="0"/>
+                <a:lumOff val="0"/>
+                <a:alphaOff val="0"/>
+                <a:satMod val="103000"/>
+                <a:lumMod val="102000"/>
+                <a:tint val="94000"/>
+              </a:schemeClr>
+            </a:gs>
+            <a:gs pos="50000">
+              <a:schemeClr val="accent1">
+                <a:hueOff val="0"/>
+                <a:satOff val="0"/>
+                <a:lumOff val="0"/>
+                <a:alphaOff val="0"/>
+                <a:satMod val="110000"/>
+                <a:lumMod val="100000"/>
+                <a:shade val="100000"/>
+              </a:schemeClr>
+            </a:gs>
+            <a:gs pos="100000">
+              <a:schemeClr val="accent1">
+                <a:hueOff val="0"/>
+                <a:satOff val="0"/>
+                <a:lumOff val="0"/>
+                <a:alphaOff val="0"/>
+                <a:lumMod val="99000"/>
+                <a:satMod val="120000"/>
+                <a:shade val="78000"/>
+              </a:schemeClr>
+            </a:gs>
+          </a:gsLst>
+          <a:lin ang="5400000" scaled="0"/>
+        </a:gradFill>
+        <a:ln>
+          <a:noFill/>
+        </a:ln>
+        <a:effectLst/>
+        <a:scene3d>
+          <a:camera prst="orthographicFront"/>
+          <a:lightRig rig="flat" dir="t"/>
+        </a:scene3d>
+        <a:sp3d prstMaterial="plastic">
+          <a:bevelT w="120900" h="88900"/>
+          <a:bevelB w="88900" h="31750" prst="angle"/>
+        </a:sp3d>
+      </dsp:spPr>
+      <dsp:style>
+        <a:lnRef idx="0">
+          <a:scrgbClr r="0" g="0" b="0"/>
+        </a:lnRef>
+        <a:fillRef idx="3">
+          <a:scrgbClr r="0" g="0" b="0"/>
+        </a:fillRef>
+        <a:effectRef idx="2">
+          <a:scrgbClr r="0" g="0" b="0"/>
+        </a:effectRef>
+        <a:fontRef idx="minor">
+          <a:schemeClr val="lt1"/>
+        </a:fontRef>
+      </dsp:style>
+      <dsp:txBody>
+        <a:bodyPr spcFirstLastPara="0" vert="horz" wrap="square" lIns="6985" tIns="6985" rIns="6985" bIns="6985" numCol="1" spcCol="1270" anchor="ctr" anchorCtr="0">
+          <a:noAutofit/>
+        </a:bodyPr>
+        <a:lstStyle/>
+        <a:p>
+          <a:pPr lvl="0" algn="ctr" defTabSz="488950">
+            <a:lnSpc>
+              <a:spcPct val="90000"/>
+            </a:lnSpc>
+            <a:spcBef>
+              <a:spcPct val="0"/>
+            </a:spcBef>
+            <a:spcAft>
+              <a:spcPct val="35000"/>
+            </a:spcAft>
+          </a:pPr>
+          <a:r>
+            <a:rPr lang="en-US" sz="1100" kern="1200" dirty="0" smtClean="0"/>
+            <a:t>RTL Testbench </a:t>
+          </a:r>
+          <a:r>
+            <a:rPr lang="en-US" sz="1100" kern="1200" dirty="0" smtClean="0"/>
+            <a:t>(</a:t>
+          </a:r>
+          <a:r>
+            <a:rPr lang="de-DE" sz="1100" kern="1200" dirty="0" err="1" smtClean="0"/>
+            <a:t>cic_DecInt_tb</a:t>
+          </a:r>
+          <a:r>
+            <a:rPr lang="en-US" sz="1100" kern="1200" dirty="0" smtClean="0"/>
+            <a:t>.v</a:t>
+          </a:r>
+          <a:r>
+            <a:rPr lang="en-US" sz="1100" kern="1200" dirty="0" smtClean="0"/>
+            <a:t>)</a:t>
+          </a:r>
+          <a:endParaRPr lang="ru-RU" sz="1100" kern="1200" dirty="0"/>
+        </a:p>
+      </dsp:txBody>
+      <dsp:txXfrm>
+        <a:off x="1410715" y="114"/>
+        <a:ext cx="983517" cy="491758"/>
+      </dsp:txXfrm>
+    </dsp:sp>
+    <dsp:sp modelId="{58BFF039-2AC8-45D5-BF9E-293E9C20F367}">
+      <dsp:nvSpPr>
+        <dsp:cNvPr id="0" name=""/>
+        <dsp:cNvSpPr/>
+      </dsp:nvSpPr>
+      <dsp:spPr>
+        <a:xfrm>
+          <a:off x="815686" y="698412"/>
+          <a:ext cx="983517" cy="491758"/>
+        </a:xfrm>
+        <a:prstGeom prst="rect">
+          <a:avLst/>
+        </a:prstGeom>
+        <a:gradFill rotWithShape="0">
+          <a:gsLst>
+            <a:gs pos="0">
+              <a:schemeClr val="accent1">
+                <a:hueOff val="0"/>
+                <a:satOff val="0"/>
+                <a:lumOff val="0"/>
+                <a:alphaOff val="0"/>
+                <a:satMod val="103000"/>
+                <a:lumMod val="102000"/>
+                <a:tint val="94000"/>
+              </a:schemeClr>
+            </a:gs>
+            <a:gs pos="50000">
+              <a:schemeClr val="accent1">
+                <a:hueOff val="0"/>
+                <a:satOff val="0"/>
+                <a:lumOff val="0"/>
+                <a:alphaOff val="0"/>
+                <a:satMod val="110000"/>
+                <a:lumMod val="100000"/>
+                <a:shade val="100000"/>
+              </a:schemeClr>
+            </a:gs>
+            <a:gs pos="100000">
+              <a:schemeClr val="accent1">
+                <a:hueOff val="0"/>
+                <a:satOff val="0"/>
+                <a:lumOff val="0"/>
+                <a:alphaOff val="0"/>
+                <a:lumMod val="99000"/>
+                <a:satMod val="120000"/>
+                <a:shade val="78000"/>
+              </a:schemeClr>
+            </a:gs>
+          </a:gsLst>
+          <a:lin ang="5400000" scaled="0"/>
+        </a:gradFill>
+        <a:ln>
+          <a:noFill/>
+        </a:ln>
+        <a:effectLst/>
+        <a:scene3d>
+          <a:camera prst="orthographicFront"/>
+          <a:lightRig rig="flat" dir="t"/>
+        </a:scene3d>
+        <a:sp3d prstMaterial="plastic">
+          <a:bevelT w="120900" h="88900"/>
+          <a:bevelB w="88900" h="31750" prst="angle"/>
+        </a:sp3d>
+      </dsp:spPr>
+      <dsp:style>
+        <a:lnRef idx="0">
+          <a:scrgbClr r="0" g="0" b="0"/>
+        </a:lnRef>
+        <a:fillRef idx="3">
+          <a:scrgbClr r="0" g="0" b="0"/>
+        </a:fillRef>
+        <a:effectRef idx="1">
+          <a:scrgbClr r="0" g="0" b="0"/>
+        </a:effectRef>
+        <a:fontRef idx="minor">
+          <a:schemeClr val="lt1"/>
+        </a:fontRef>
+      </dsp:style>
+      <dsp:txBody>
+        <a:bodyPr spcFirstLastPara="0" vert="horz" wrap="square" lIns="6985" tIns="6985" rIns="6985" bIns="6985" numCol="1" spcCol="1270" anchor="ctr" anchorCtr="0">
+          <a:noAutofit/>
+        </a:bodyPr>
+        <a:lstStyle/>
+        <a:p>
+          <a:pPr lvl="0" algn="ctr" defTabSz="488950">
+            <a:lnSpc>
+              <a:spcPct val="90000"/>
+            </a:lnSpc>
+            <a:spcBef>
+              <a:spcPct val="0"/>
+            </a:spcBef>
+            <a:spcAft>
+              <a:spcPct val="35000"/>
+            </a:spcAft>
+          </a:pPr>
+          <a:r>
+            <a:rPr lang="en-US" sz="1100" kern="1200" dirty="0" smtClean="0"/>
+            <a:t>Decimation</a:t>
+          </a:r>
+          <a:endParaRPr lang="ru-RU" sz="1100" kern="1200" dirty="0"/>
+        </a:p>
+      </dsp:txBody>
+      <dsp:txXfrm>
+        <a:off x="815686" y="698412"/>
+        <a:ext cx="983517" cy="491758"/>
+      </dsp:txXfrm>
+    </dsp:sp>
+    <dsp:sp modelId="{FB5C8E47-C1C6-4822-AD98-9E1C8783B127}">
+      <dsp:nvSpPr>
+        <dsp:cNvPr id="0" name=""/>
+        <dsp:cNvSpPr/>
+      </dsp:nvSpPr>
+      <dsp:spPr>
+        <a:xfrm>
+          <a:off x="2005743" y="698412"/>
+          <a:ext cx="983517" cy="491758"/>
+        </a:xfrm>
+        <a:prstGeom prst="rect">
+          <a:avLst/>
+        </a:prstGeom>
+        <a:gradFill rotWithShape="0">
+          <a:gsLst>
+            <a:gs pos="0">
+              <a:schemeClr val="accent1">
+                <a:hueOff val="0"/>
+                <a:satOff val="0"/>
+                <a:lumOff val="0"/>
+                <a:alphaOff val="0"/>
+                <a:satMod val="103000"/>
+                <a:lumMod val="102000"/>
+                <a:tint val="94000"/>
+              </a:schemeClr>
+            </a:gs>
+            <a:gs pos="50000">
+              <a:schemeClr val="accent1">
+                <a:hueOff val="0"/>
+                <a:satOff val="0"/>
+                <a:lumOff val="0"/>
+                <a:alphaOff val="0"/>
+                <a:satMod val="110000"/>
+                <a:lumMod val="100000"/>
+                <a:shade val="100000"/>
+              </a:schemeClr>
+            </a:gs>
+            <a:gs pos="100000">
+              <a:schemeClr val="accent1">
+                <a:hueOff val="0"/>
+                <a:satOff val="0"/>
+                <a:lumOff val="0"/>
+                <a:alphaOff val="0"/>
+                <a:lumMod val="99000"/>
+                <a:satMod val="120000"/>
+                <a:shade val="78000"/>
+              </a:schemeClr>
+            </a:gs>
+          </a:gsLst>
+          <a:lin ang="5400000" scaled="0"/>
+        </a:gradFill>
+        <a:ln>
+          <a:noFill/>
+        </a:ln>
+        <a:effectLst/>
+        <a:scene3d>
+          <a:camera prst="orthographicFront"/>
+          <a:lightRig rig="flat" dir="t"/>
+        </a:scene3d>
+        <a:sp3d prstMaterial="plastic">
+          <a:bevelT w="120900" h="88900"/>
+          <a:bevelB w="88900" h="31750" prst="angle"/>
+        </a:sp3d>
+      </dsp:spPr>
+      <dsp:style>
+        <a:lnRef idx="0">
+          <a:scrgbClr r="0" g="0" b="0"/>
+        </a:lnRef>
+        <a:fillRef idx="3">
+          <a:scrgbClr r="0" g="0" b="0"/>
+        </a:fillRef>
+        <a:effectRef idx="1">
+          <a:scrgbClr r="0" g="0" b="0"/>
+        </a:effectRef>
+        <a:fontRef idx="minor">
+          <a:schemeClr val="lt1"/>
+        </a:fontRef>
+      </dsp:style>
+      <dsp:txBody>
+        <a:bodyPr spcFirstLastPara="0" vert="horz" wrap="square" lIns="6985" tIns="6985" rIns="6985" bIns="6985" numCol="1" spcCol="1270" anchor="ctr" anchorCtr="0">
+          <a:noAutofit/>
+        </a:bodyPr>
+        <a:lstStyle/>
+        <a:p>
+          <a:pPr lvl="0" algn="ctr" defTabSz="488950">
+            <a:lnSpc>
+              <a:spcPct val="90000"/>
+            </a:lnSpc>
+            <a:spcBef>
+              <a:spcPct val="0"/>
+            </a:spcBef>
+            <a:spcAft>
+              <a:spcPct val="35000"/>
+            </a:spcAft>
+          </a:pPr>
+          <a:r>
+            <a:rPr lang="en-US" sz="1100" kern="1200" dirty="0" smtClean="0"/>
+            <a:t>Interpolation</a:t>
+          </a:r>
+          <a:endParaRPr lang="ru-RU" sz="1100" kern="1200" dirty="0"/>
+        </a:p>
+      </dsp:txBody>
+      <dsp:txXfrm>
+        <a:off x="2005743" y="698412"/>
+        <a:ext cx="983517" cy="491758"/>
+      </dsp:txXfrm>
+    </dsp:sp>
+  </dsp:spTree>
+</dsp:drawing>
+</file>
+
 <file path=ppt/diagrams/layout1.xml><?xml version="1.0" encoding="utf-8"?>
 <dgm:layoutDef xmlns:dgm="http://schemas.openxmlformats.org/drawingml/2006/diagram" xmlns:a="http://schemas.openxmlformats.org/drawingml/2006/main" uniqueId="urn:microsoft.com/office/officeart/2005/8/layout/hierarchy1">
   <dgm:title val=""/>
@@ -16069,6 +19632,2298 @@
 </dgm:layoutDef>
 </file>
 
+<file path=ppt/diagrams/layout6.xml><?xml version="1.0" encoding="utf-8"?>
+<dgm:layoutDef xmlns:dgm="http://schemas.openxmlformats.org/drawingml/2006/diagram" xmlns:a="http://schemas.openxmlformats.org/drawingml/2006/main" uniqueId="urn:microsoft.com/office/officeart/2005/8/layout/orgChart1">
+  <dgm:title val=""/>
+  <dgm:desc val=""/>
+  <dgm:catLst>
+    <dgm:cat type="hierarchy" pri="1000"/>
+    <dgm:cat type="convert" pri="6000"/>
+  </dgm:catLst>
+  <dgm:sampData>
+    <dgm:dataModel>
+      <dgm:ptLst>
+        <dgm:pt modelId="0" type="doc"/>
+        <dgm:pt modelId="1">
+          <dgm:prSet phldr="1"/>
+        </dgm:pt>
+        <dgm:pt modelId="2" type="asst">
+          <dgm:prSet phldr="1"/>
+        </dgm:pt>
+        <dgm:pt modelId="3">
+          <dgm:prSet phldr="1"/>
+        </dgm:pt>
+        <dgm:pt modelId="4">
+          <dgm:prSet phldr="1"/>
+        </dgm:pt>
+        <dgm:pt modelId="5">
+          <dgm:prSet phldr="1"/>
+        </dgm:pt>
+      </dgm:ptLst>
+      <dgm:cxnLst>
+        <dgm:cxn modelId="5" srcId="0" destId="1" srcOrd="0" destOrd="0"/>
+        <dgm:cxn modelId="6" srcId="1" destId="2" srcOrd="0" destOrd="0"/>
+        <dgm:cxn modelId="7" srcId="1" destId="3" srcOrd="1" destOrd="0"/>
+        <dgm:cxn modelId="8" srcId="1" destId="4" srcOrd="2" destOrd="0"/>
+        <dgm:cxn modelId="9" srcId="1" destId="5" srcOrd="3" destOrd="0"/>
+      </dgm:cxnLst>
+      <dgm:bg/>
+      <dgm:whole/>
+    </dgm:dataModel>
+  </dgm:sampData>
+  <dgm:styleData>
+    <dgm:dataModel>
+      <dgm:ptLst>
+        <dgm:pt modelId="0" type="doc"/>
+        <dgm:pt modelId="1"/>
+        <dgm:pt modelId="12"/>
+        <dgm:pt modelId="13"/>
+      </dgm:ptLst>
+      <dgm:cxnLst>
+        <dgm:cxn modelId="2" srcId="0" destId="1" srcOrd="0" destOrd="0"/>
+        <dgm:cxn modelId="16" srcId="1" destId="12" srcOrd="1" destOrd="0"/>
+        <dgm:cxn modelId="17" srcId="1" destId="13" srcOrd="2" destOrd="0"/>
+      </dgm:cxnLst>
+      <dgm:bg/>
+      <dgm:whole/>
+    </dgm:dataModel>
+  </dgm:styleData>
+  <dgm:clrData>
+    <dgm:dataModel>
+      <dgm:ptLst>
+        <dgm:pt modelId="0" type="doc"/>
+        <dgm:pt modelId="1"/>
+        <dgm:pt modelId="11" type="asst"/>
+        <dgm:pt modelId="12"/>
+        <dgm:pt modelId="13"/>
+        <dgm:pt modelId="14"/>
+      </dgm:ptLst>
+      <dgm:cxnLst>
+        <dgm:cxn modelId="2" srcId="0" destId="1" srcOrd="0" destOrd="0"/>
+        <dgm:cxn modelId="15" srcId="1" destId="11" srcOrd="0" destOrd="0"/>
+        <dgm:cxn modelId="16" srcId="1" destId="12" srcOrd="1" destOrd="0"/>
+        <dgm:cxn modelId="17" srcId="1" destId="13" srcOrd="2" destOrd="0"/>
+        <dgm:cxn modelId="18" srcId="1" destId="14" srcOrd="2" destOrd="0"/>
+      </dgm:cxnLst>
+      <dgm:bg/>
+      <dgm:whole/>
+    </dgm:dataModel>
+  </dgm:clrData>
+  <dgm:layoutNode name="hierChild1">
+    <dgm:varLst>
+      <dgm:orgChart val="1"/>
+      <dgm:chPref val="1"/>
+      <dgm:dir/>
+      <dgm:animOne val="branch"/>
+      <dgm:animLvl val="lvl"/>
+      <dgm:resizeHandles/>
+    </dgm:varLst>
+    <dgm:choose name="Name0">
+      <dgm:if name="Name1" func="var" arg="dir" op="equ" val="norm">
+        <dgm:alg type="hierChild">
+          <dgm:param type="linDir" val="fromL"/>
+        </dgm:alg>
+      </dgm:if>
+      <dgm:else name="Name2">
+        <dgm:alg type="hierChild">
+          <dgm:param type="linDir" val="fromR"/>
+        </dgm:alg>
+      </dgm:else>
+    </dgm:choose>
+    <dgm:shape xmlns:r="http://schemas.openxmlformats.org/officeDocument/2006/relationships" r:blip="">
+      <dgm:adjLst/>
+    </dgm:shape>
+    <dgm:presOf/>
+    <dgm:constrLst>
+      <dgm:constr type="w" for="des" forName="rootComposite1" refType="w" fact="10"/>
+      <dgm:constr type="h" for="des" forName="rootComposite1" refType="w" refFor="des" refForName="rootComposite1" fact="0.5"/>
+      <dgm:constr type="w" for="des" forName="rootComposite" refType="w" fact="10"/>
+      <dgm:constr type="h" for="des" forName="rootComposite" refType="w" refFor="des" refForName="rootComposite1" fact="0.5"/>
+      <dgm:constr type="w" for="des" forName="rootComposite3" refType="w" fact="10"/>
+      <dgm:constr type="h" for="des" forName="rootComposite3" refType="w" refFor="des" refForName="rootComposite1" fact="0.5"/>
+      <dgm:constr type="primFontSz" for="des" ptType="node" op="equ"/>
+      <dgm:constr type="sp" for="des" op="equ"/>
+      <dgm:constr type="sp" for="des" forName="hierRoot1" refType="w" refFor="des" refForName="rootComposite1" fact="0.21"/>
+      <dgm:constr type="sp" for="des" forName="hierRoot2" refType="sp" refFor="des" refForName="hierRoot1"/>
+      <dgm:constr type="sp" for="des" forName="hierRoot3" refType="sp" refFor="des" refForName="hierRoot1"/>
+      <dgm:constr type="sibSp" refType="w" refFor="des" refForName="rootComposite1" fact="0.21"/>
+      <dgm:constr type="sibSp" for="des" forName="hierChild2" refType="sibSp"/>
+      <dgm:constr type="sibSp" for="des" forName="hierChild3" refType="sibSp"/>
+      <dgm:constr type="sibSp" for="des" forName="hierChild4" refType="sibSp"/>
+      <dgm:constr type="sibSp" for="des" forName="hierChild5" refType="sibSp"/>
+      <dgm:constr type="sibSp" for="des" forName="hierChild6" refType="sibSp"/>
+      <dgm:constr type="sibSp" for="des" forName="hierChild7" refType="sibSp"/>
+      <dgm:constr type="secSibSp" refType="w" refFor="des" refForName="rootComposite1" fact="0.21"/>
+      <dgm:constr type="secSibSp" for="des" forName="hierChild2" refType="secSibSp"/>
+      <dgm:constr type="secSibSp" for="des" forName="hierChild3" refType="secSibSp"/>
+      <dgm:constr type="secSibSp" for="des" forName="hierChild4" refType="secSibSp"/>
+      <dgm:constr type="secSibSp" for="des" forName="hierChild5" refType="secSibSp"/>
+      <dgm:constr type="secSibSp" for="des" forName="hierChild6" refType="secSibSp"/>
+      <dgm:constr type="secSibSp" for="des" forName="hierChild7" refType="secSibSp"/>
+    </dgm:constrLst>
+    <dgm:ruleLst/>
+    <dgm:forEach name="Name3" axis="ch">
+      <dgm:forEach name="Name4" axis="self" ptType="node">
+        <dgm:layoutNode name="hierRoot1">
+          <dgm:varLst>
+            <dgm:hierBranch val="init"/>
+          </dgm:varLst>
+          <dgm:choose name="Name5">
+            <dgm:if name="Name6" func="var" arg="hierBranch" op="equ" val="l">
+              <dgm:choose name="Name7">
+                <dgm:if name="Name8" axis="ch" ptType="asst" func="cnt" op="gte" val="1">
+                  <dgm:alg type="hierRoot">
+                    <dgm:param type="hierAlign" val="tR"/>
+                  </dgm:alg>
+                  <dgm:constrLst>
+                    <dgm:constr type="alignOff" val="0.65"/>
+                  </dgm:constrLst>
+                </dgm:if>
+                <dgm:else name="Name9">
+                  <dgm:alg type="hierRoot">
+                    <dgm:param type="hierAlign" val="tR"/>
+                  </dgm:alg>
+                  <dgm:constrLst>
+                    <dgm:constr type="alignOff" val="0.25"/>
+                  </dgm:constrLst>
+                </dgm:else>
+              </dgm:choose>
+            </dgm:if>
+            <dgm:if name="Name10" func="var" arg="hierBranch" op="equ" val="r">
+              <dgm:choose name="Name11">
+                <dgm:if name="Name12" axis="ch" ptType="asst" func="cnt" op="gte" val="1">
+                  <dgm:alg type="hierRoot">
+                    <dgm:param type="hierAlign" val="tL"/>
+                  </dgm:alg>
+                  <dgm:constrLst>
+                    <dgm:constr type="alignOff" val="0.65"/>
+                  </dgm:constrLst>
+                </dgm:if>
+                <dgm:else name="Name13">
+                  <dgm:alg type="hierRoot">
+                    <dgm:param type="hierAlign" val="tL"/>
+                  </dgm:alg>
+                  <dgm:constrLst>
+                    <dgm:constr type="alignOff" val="0.25"/>
+                  </dgm:constrLst>
+                </dgm:else>
+              </dgm:choose>
+            </dgm:if>
+            <dgm:if name="Name14" func="var" arg="hierBranch" op="equ" val="hang">
+              <dgm:alg type="hierRoot"/>
+              <dgm:constrLst>
+                <dgm:constr type="alignOff" val="0.65"/>
+              </dgm:constrLst>
+            </dgm:if>
+            <dgm:else name="Name15">
+              <dgm:alg type="hierRoot"/>
+              <dgm:constrLst>
+                <dgm:constr type="alignOff"/>
+                <dgm:constr type="bendDist" for="des" ptType="parTrans" refType="sp" fact="0.5"/>
+              </dgm:constrLst>
+            </dgm:else>
+          </dgm:choose>
+          <dgm:shape xmlns:r="http://schemas.openxmlformats.org/officeDocument/2006/relationships" r:blip="">
+            <dgm:adjLst/>
+          </dgm:shape>
+          <dgm:presOf/>
+          <dgm:ruleLst/>
+          <dgm:layoutNode name="rootComposite1">
+            <dgm:alg type="composite"/>
+            <dgm:shape xmlns:r="http://schemas.openxmlformats.org/officeDocument/2006/relationships" r:blip="">
+              <dgm:adjLst/>
+            </dgm:shape>
+            <dgm:presOf axis="self" ptType="node" cnt="1"/>
+            <dgm:choose name="Name16">
+              <dgm:if name="Name17" func="var" arg="hierBranch" op="equ" val="init">
+                <dgm:constrLst>
+                  <dgm:constr type="l" for="ch" forName="rootText1"/>
+                  <dgm:constr type="t" for="ch" forName="rootText1"/>
+                  <dgm:constr type="w" for="ch" forName="rootText1" refType="w"/>
+                  <dgm:constr type="h" for="ch" forName="rootText1" refType="h"/>
+                  <dgm:constr type="l" for="ch" forName="rootConnector1"/>
+                  <dgm:constr type="t" for="ch" forName="rootConnector1"/>
+                  <dgm:constr type="w" for="ch" forName="rootConnector1" refType="w" refFor="ch" refForName="rootText1" fact="0.2"/>
+                  <dgm:constr type="h" for="ch" forName="rootConnector1" refType="h" refFor="ch" refForName="rootText1"/>
+                </dgm:constrLst>
+              </dgm:if>
+              <dgm:if name="Name18" func="var" arg="hierBranch" op="equ" val="l">
+                <dgm:constrLst>
+                  <dgm:constr type="l" for="ch" forName="rootText1"/>
+                  <dgm:constr type="t" for="ch" forName="rootText1"/>
+                  <dgm:constr type="w" for="ch" forName="rootText1" refType="w"/>
+                  <dgm:constr type="h" for="ch" forName="rootText1" refType="h"/>
+                  <dgm:constr type="r" for="ch" forName="rootConnector1" refType="w"/>
+                  <dgm:constr type="t" for="ch" forName="rootConnector1"/>
+                  <dgm:constr type="w" for="ch" forName="rootConnector1" refType="w" refFor="ch" refForName="rootText1" fact="0.2"/>
+                  <dgm:constr type="h" for="ch" forName="rootConnector1" refType="h" refFor="ch" refForName="rootText1"/>
+                </dgm:constrLst>
+              </dgm:if>
+              <dgm:if name="Name19" func="var" arg="hierBranch" op="equ" val="r">
+                <dgm:constrLst>
+                  <dgm:constr type="l" for="ch" forName="rootText1"/>
+                  <dgm:constr type="t" for="ch" forName="rootText1"/>
+                  <dgm:constr type="w" for="ch" forName="rootText1" refType="w"/>
+                  <dgm:constr type="h" for="ch" forName="rootText1" refType="h"/>
+                  <dgm:constr type="l" for="ch" forName="rootConnector1"/>
+                  <dgm:constr type="t" for="ch" forName="rootConnector1"/>
+                  <dgm:constr type="w" for="ch" forName="rootConnector1" refType="w" refFor="ch" refForName="rootText1" fact="0.2"/>
+                  <dgm:constr type="h" for="ch" forName="rootConnector1" refType="h" refFor="ch" refForName="rootText1"/>
+                </dgm:constrLst>
+              </dgm:if>
+              <dgm:else name="Name20">
+                <dgm:constrLst>
+                  <dgm:constr type="l" for="ch" forName="rootText1"/>
+                  <dgm:constr type="t" for="ch" forName="rootText1"/>
+                  <dgm:constr type="w" for="ch" forName="rootText1" refType="w"/>
+                  <dgm:constr type="h" for="ch" forName="rootText1" refType="h"/>
+                  <dgm:constr type="r" for="ch" forName="rootConnector1" refType="w"/>
+                  <dgm:constr type="t" for="ch" forName="rootConnector1"/>
+                  <dgm:constr type="w" for="ch" forName="rootConnector1" refType="w" refFor="ch" refForName="rootText1" fact="0.2"/>
+                  <dgm:constr type="h" for="ch" forName="rootConnector1" refType="h" refFor="ch" refForName="rootText1"/>
+                </dgm:constrLst>
+              </dgm:else>
+            </dgm:choose>
+            <dgm:ruleLst/>
+            <dgm:layoutNode name="rootText1" styleLbl="node0">
+              <dgm:varLst>
+                <dgm:chPref val="3"/>
+              </dgm:varLst>
+              <dgm:alg type="tx"/>
+              <dgm:shape xmlns:r="http://schemas.openxmlformats.org/officeDocument/2006/relationships" type="rect" r:blip="">
+                <dgm:adjLst/>
+              </dgm:shape>
+              <dgm:presOf axis="self" ptType="node" cnt="1"/>
+              <dgm:constrLst>
+                <dgm:constr type="primFontSz" val="65"/>
+                <dgm:constr type="lMarg" refType="primFontSz" fact="0.05"/>
+                <dgm:constr type="rMarg" refType="primFontSz" fact="0.05"/>
+                <dgm:constr type="tMarg" refType="primFontSz" fact="0.05"/>
+                <dgm:constr type="bMarg" refType="primFontSz" fact="0.05"/>
+              </dgm:constrLst>
+              <dgm:ruleLst>
+                <dgm:rule type="primFontSz" val="5" fact="NaN" max="NaN"/>
+              </dgm:ruleLst>
+            </dgm:layoutNode>
+            <dgm:layoutNode name="rootConnector1" moveWith="rootText1">
+              <dgm:alg type="sp"/>
+              <dgm:shape xmlns:r="http://schemas.openxmlformats.org/officeDocument/2006/relationships" type="rect" r:blip="" hideGeom="1">
+                <dgm:adjLst/>
+              </dgm:shape>
+              <dgm:presOf axis="self" ptType="node" cnt="1"/>
+              <dgm:constrLst/>
+              <dgm:ruleLst/>
+            </dgm:layoutNode>
+          </dgm:layoutNode>
+          <dgm:layoutNode name="hierChild2">
+            <dgm:choose name="Name21">
+              <dgm:if name="Name22" func="var" arg="hierBranch" op="equ" val="l">
+                <dgm:alg type="hierChild">
+                  <dgm:param type="chAlign" val="r"/>
+                  <dgm:param type="linDir" val="fromT"/>
+                </dgm:alg>
+              </dgm:if>
+              <dgm:if name="Name23" func="var" arg="hierBranch" op="equ" val="r">
+                <dgm:alg type="hierChild">
+                  <dgm:param type="chAlign" val="l"/>
+                  <dgm:param type="linDir" val="fromT"/>
+                </dgm:alg>
+              </dgm:if>
+              <dgm:if name="Name24" func="var" arg="hierBranch" op="equ" val="hang">
+                <dgm:choose name="Name25">
+                  <dgm:if name="Name26" func="var" arg="dir" op="equ" val="norm">
+                    <dgm:alg type="hierChild">
+                      <dgm:param type="chAlign" val="l"/>
+                      <dgm:param type="linDir" val="fromL"/>
+                      <dgm:param type="secChAlign" val="t"/>
+                      <dgm:param type="secLinDir" val="fromT"/>
+                    </dgm:alg>
+                  </dgm:if>
+                  <dgm:else name="Name27">
+                    <dgm:alg type="hierChild">
+                      <dgm:param type="chAlign" val="l"/>
+                      <dgm:param type="linDir" val="fromR"/>
+                      <dgm:param type="secChAlign" val="t"/>
+                      <dgm:param type="secLinDir" val="fromT"/>
+                    </dgm:alg>
+                  </dgm:else>
+                </dgm:choose>
+              </dgm:if>
+              <dgm:else name="Name28">
+                <dgm:choose name="Name29">
+                  <dgm:if name="Name30" func="var" arg="dir" op="equ" val="norm">
+                    <dgm:alg type="hierChild"/>
+                  </dgm:if>
+                  <dgm:else name="Name31">
+                    <dgm:alg type="hierChild">
+                      <dgm:param type="linDir" val="fromR"/>
+                    </dgm:alg>
+                  </dgm:else>
+                </dgm:choose>
+              </dgm:else>
+            </dgm:choose>
+            <dgm:shape xmlns:r="http://schemas.openxmlformats.org/officeDocument/2006/relationships" r:blip="">
+              <dgm:adjLst/>
+            </dgm:shape>
+            <dgm:presOf/>
+            <dgm:constrLst/>
+            <dgm:ruleLst/>
+            <dgm:forEach name="rep2a" axis="ch" ptType="nonAsst">
+              <dgm:forEach name="Name32" axis="precedSib" ptType="parTrans" st="-1" cnt="1">
+                <dgm:choose name="Name33">
+                  <dgm:if name="Name34" func="var" arg="hierBranch" op="equ" val="std">
+                    <dgm:layoutNode name="Name35">
+                      <dgm:alg type="conn">
+                        <dgm:param type="connRout" val="bend"/>
+                        <dgm:param type="dim" val="1D"/>
+                        <dgm:param type="endSty" val="noArr"/>
+                        <dgm:param type="begPts" val="bCtr"/>
+                        <dgm:param type="endPts" val="tCtr"/>
+                        <dgm:param type="bendPt" val="end"/>
+                      </dgm:alg>
+                      <dgm:shape xmlns:r="http://schemas.openxmlformats.org/officeDocument/2006/relationships" type="conn" r:blip="" zOrderOff="-99999">
+                        <dgm:adjLst/>
+                      </dgm:shape>
+                      <dgm:presOf axis="self"/>
+                      <dgm:constrLst>
+                        <dgm:constr type="begPad"/>
+                        <dgm:constr type="endPad"/>
+                      </dgm:constrLst>
+                      <dgm:ruleLst/>
+                    </dgm:layoutNode>
+                  </dgm:if>
+                  <dgm:if name="Name36" func="var" arg="hierBranch" op="equ" val="init">
+                    <dgm:layoutNode name="Name37">
+                      <dgm:choose name="Name38">
+                        <dgm:if name="Name39" axis="self" func="depth" op="lte" val="2">
+                          <dgm:alg type="conn">
+                            <dgm:param type="connRout" val="bend"/>
+                            <dgm:param type="dim" val="1D"/>
+                            <dgm:param type="endSty" val="noArr"/>
+                            <dgm:param type="begPts" val="bCtr"/>
+                            <dgm:param type="endPts" val="tCtr"/>
+                            <dgm:param type="bendPt" val="end"/>
+                          </dgm:alg>
+                        </dgm:if>
+                        <dgm:else name="Name40">
+                          <dgm:choose name="Name41">
+                            <dgm:if name="Name42" axis="par des" func="maxDepth" op="lte" val="1">
+                              <dgm:choose name="Name43">
+                                <dgm:if name="Name44" axis="par ch" ptType="node asst" func="cnt" op="gte" val="1">
+                                  <dgm:alg type="conn">
+                                    <dgm:param type="connRout" val="bend"/>
+                                    <dgm:param type="dim" val="1D"/>
+                                    <dgm:param type="endSty" val="noArr"/>
+                                    <dgm:param type="begPts" val="bCtr"/>
+                                    <dgm:param type="endPts" val="midL midR"/>
+                                  </dgm:alg>
+                                </dgm:if>
+                                <dgm:else name="Name45">
+                                  <dgm:alg type="conn">
+                                    <dgm:param type="connRout" val="bend"/>
+                                    <dgm:param type="dim" val="1D"/>
+                                    <dgm:param type="endSty" val="noArr"/>
+                                    <dgm:param type="begPts" val="bCtr"/>
+                                    <dgm:param type="endPts" val="midL midR"/>
+                                    <dgm:param type="srcNode" val="rootConnector"/>
+                                  </dgm:alg>
+                                </dgm:else>
+                              </dgm:choose>
+                            </dgm:if>
+                            <dgm:else name="Name46">
+                              <dgm:alg type="conn">
+                                <dgm:param type="connRout" val="bend"/>
+                                <dgm:param type="dim" val="1D"/>
+                                <dgm:param type="endSty" val="noArr"/>
+                                <dgm:param type="begPts" val="bCtr"/>
+                                <dgm:param type="endPts" val="tCtr"/>
+                                <dgm:param type="bendPt" val="end"/>
+                              </dgm:alg>
+                            </dgm:else>
+                          </dgm:choose>
+                        </dgm:else>
+                      </dgm:choose>
+                      <dgm:shape xmlns:r="http://schemas.openxmlformats.org/officeDocument/2006/relationships" type="conn" r:blip="" zOrderOff="-99999">
+                        <dgm:adjLst/>
+                      </dgm:shape>
+                      <dgm:presOf axis="self"/>
+                      <dgm:constrLst>
+                        <dgm:constr type="begPad"/>
+                        <dgm:constr type="endPad"/>
+                      </dgm:constrLst>
+                      <dgm:ruleLst/>
+                    </dgm:layoutNode>
+                  </dgm:if>
+                  <dgm:if name="Name47" func="var" arg="hierBranch" op="equ" val="hang">
+                    <dgm:layoutNode name="Name48">
+                      <dgm:alg type="conn">
+                        <dgm:param type="connRout" val="bend"/>
+                        <dgm:param type="dim" val="1D"/>
+                        <dgm:param type="endSty" val="noArr"/>
+                        <dgm:param type="begPts" val="bCtr"/>
+                        <dgm:param type="endPts" val="midL midR"/>
+                      </dgm:alg>
+                      <dgm:shape xmlns:r="http://schemas.openxmlformats.org/officeDocument/2006/relationships" type="conn" r:blip="" zOrderOff="-99999">
+                        <dgm:adjLst/>
+                      </dgm:shape>
+                      <dgm:presOf axis="self"/>
+                      <dgm:constrLst>
+                        <dgm:constr type="begPad"/>
+                        <dgm:constr type="endPad"/>
+                      </dgm:constrLst>
+                      <dgm:ruleLst/>
+                    </dgm:layoutNode>
+                  </dgm:if>
+                  <dgm:else name="Name49">
+                    <dgm:layoutNode name="Name50">
+                      <dgm:choose name="Name51">
+                        <dgm:if name="Name52" axis="self" func="depth" op="lte" val="2">
+                          <dgm:choose name="Name53">
+                            <dgm:if name="Name54" axis="par ch" ptType="node asst" func="cnt" op="gte" val="1">
+                              <dgm:alg type="conn">
+                                <dgm:param type="connRout" val="bend"/>
+                                <dgm:param type="dim" val="1D"/>
+                                <dgm:param type="endSty" val="noArr"/>
+                                <dgm:param type="begPts" val="bCtr"/>
+                                <dgm:param type="endPts" val="midL midR"/>
+                              </dgm:alg>
+                            </dgm:if>
+                            <dgm:else name="Name55">
+                              <dgm:alg type="conn">
+                                <dgm:param type="connRout" val="bend"/>
+                                <dgm:param type="dim" val="1D"/>
+                                <dgm:param type="endSty" val="noArr"/>
+                                <dgm:param type="begPts" val="bCtr"/>
+                                <dgm:param type="endPts" val="midL midR"/>
+                                <dgm:param type="srcNode" val="rootConnector1"/>
+                              </dgm:alg>
+                            </dgm:else>
+                          </dgm:choose>
+                        </dgm:if>
+                        <dgm:else name="Name56">
+                          <dgm:choose name="Name57">
+                            <dgm:if name="Name58" axis="par ch" ptType="node asst" func="cnt" op="gte" val="1">
+                              <dgm:alg type="conn">
+                                <dgm:param type="connRout" val="bend"/>
+                                <dgm:param type="dim" val="1D"/>
+                                <dgm:param type="endSty" val="noArr"/>
+                                <dgm:param type="begPts" val="bCtr"/>
+                                <dgm:param type="endPts" val="midL midR"/>
+                              </dgm:alg>
+                            </dgm:if>
+                            <dgm:else name="Name59">
+                              <dgm:alg type="conn">
+                                <dgm:param type="connRout" val="bend"/>
+                                <dgm:param type="dim" val="1D"/>
+                                <dgm:param type="endSty" val="noArr"/>
+                                <dgm:param type="begPts" val="bCtr"/>
+                                <dgm:param type="endPts" val="midL midR"/>
+                                <dgm:param type="srcNode" val="rootConnector"/>
+                              </dgm:alg>
+                            </dgm:else>
+                          </dgm:choose>
+                        </dgm:else>
+                      </dgm:choose>
+                      <dgm:shape xmlns:r="http://schemas.openxmlformats.org/officeDocument/2006/relationships" type="conn" r:blip="" zOrderOff="-99999">
+                        <dgm:adjLst/>
+                      </dgm:shape>
+                      <dgm:presOf axis="self"/>
+                      <dgm:constrLst>
+                        <dgm:constr type="begPad"/>
+                        <dgm:constr type="endPad"/>
+                      </dgm:constrLst>
+                      <dgm:ruleLst/>
+                    </dgm:layoutNode>
+                  </dgm:else>
+                </dgm:choose>
+              </dgm:forEach>
+              <dgm:layoutNode name="hierRoot2">
+                <dgm:varLst>
+                  <dgm:hierBranch val="init"/>
+                </dgm:varLst>
+                <dgm:choose name="Name60">
+                  <dgm:if name="Name61" func="var" arg="hierBranch" op="equ" val="l">
+                    <dgm:choose name="Name62">
+                      <dgm:if name="Name63" axis="ch" ptType="asst" func="cnt" op="gte" val="1">
+                        <dgm:alg type="hierRoot">
+                          <dgm:param type="hierAlign" val="tR"/>
+                        </dgm:alg>
+                        <dgm:shape xmlns:r="http://schemas.openxmlformats.org/officeDocument/2006/relationships" r:blip="">
+                          <dgm:adjLst/>
+                        </dgm:shape>
+                        <dgm:presOf/>
+                        <dgm:constrLst>
+                          <dgm:constr type="alignOff" val="0.65"/>
+                        </dgm:constrLst>
+                      </dgm:if>
+                      <dgm:else name="Name64">
+                        <dgm:alg type="hierRoot">
+                          <dgm:param type="hierAlign" val="tR"/>
+                        </dgm:alg>
+                        <dgm:shape xmlns:r="http://schemas.openxmlformats.org/officeDocument/2006/relationships" r:blip="">
+                          <dgm:adjLst/>
+                        </dgm:shape>
+                        <dgm:presOf/>
+                        <dgm:constrLst>
+                          <dgm:constr type="alignOff" val="0.25"/>
+                        </dgm:constrLst>
+                      </dgm:else>
+                    </dgm:choose>
+                  </dgm:if>
+                  <dgm:if name="Name65" func="var" arg="hierBranch" op="equ" val="r">
+                    <dgm:choose name="Name66">
+                      <dgm:if name="Name67" axis="ch" ptType="asst" func="cnt" op="gte" val="1">
+                        <dgm:alg type="hierRoot">
+                          <dgm:param type="hierAlign" val="tL"/>
+                        </dgm:alg>
+                        <dgm:shape xmlns:r="http://schemas.openxmlformats.org/officeDocument/2006/relationships" r:blip="">
+                          <dgm:adjLst/>
+                        </dgm:shape>
+                        <dgm:presOf/>
+                        <dgm:constrLst>
+                          <dgm:constr type="alignOff" val="0.65"/>
+                        </dgm:constrLst>
+                      </dgm:if>
+                      <dgm:else name="Name68">
+                        <dgm:alg type="hierRoot">
+                          <dgm:param type="hierAlign" val="tL"/>
+                        </dgm:alg>
+                        <dgm:shape xmlns:r="http://schemas.openxmlformats.org/officeDocument/2006/relationships" r:blip="">
+                          <dgm:adjLst/>
+                        </dgm:shape>
+                        <dgm:presOf/>
+                        <dgm:constrLst>
+                          <dgm:constr type="alignOff" val="0.25"/>
+                        </dgm:constrLst>
+                      </dgm:else>
+                    </dgm:choose>
+                  </dgm:if>
+                  <dgm:if name="Name69" func="var" arg="hierBranch" op="equ" val="std">
+                    <dgm:alg type="hierRoot"/>
+                    <dgm:shape xmlns:r="http://schemas.openxmlformats.org/officeDocument/2006/relationships" r:blip="">
+                      <dgm:adjLst/>
+                    </dgm:shape>
+                    <dgm:presOf/>
+                    <dgm:constrLst>
+                      <dgm:constr type="alignOff"/>
+                      <dgm:constr type="bendDist" for="des" ptType="parTrans" refType="sp" fact="0.5"/>
+                    </dgm:constrLst>
+                  </dgm:if>
+                  <dgm:if name="Name70" func="var" arg="hierBranch" op="equ" val="init">
+                    <dgm:choose name="Name71">
+                      <dgm:if name="Name72" axis="des" func="maxDepth" op="lte" val="1">
+                        <dgm:choose name="Name73">
+                          <dgm:if name="Name74" axis="ch" ptType="asst" func="cnt" op="gte" val="1">
+                            <dgm:alg type="hierRoot">
+                              <dgm:param type="hierAlign" val="tL"/>
+                            </dgm:alg>
+                            <dgm:shape xmlns:r="http://schemas.openxmlformats.org/officeDocument/2006/relationships" r:blip="">
+                              <dgm:adjLst/>
+                            </dgm:shape>
+                            <dgm:presOf/>
+                            <dgm:constrLst>
+                              <dgm:constr type="alignOff" val="0.65"/>
+                            </dgm:constrLst>
+                          </dgm:if>
+                          <dgm:else name="Name75">
+                            <dgm:alg type="hierRoot">
+                              <dgm:param type="hierAlign" val="tL"/>
+                            </dgm:alg>
+                            <dgm:shape xmlns:r="http://schemas.openxmlformats.org/officeDocument/2006/relationships" r:blip="">
+                              <dgm:adjLst/>
+                            </dgm:shape>
+                            <dgm:presOf/>
+                            <dgm:constrLst>
+                              <dgm:constr type="alignOff" val="0.25"/>
+                            </dgm:constrLst>
+                          </dgm:else>
+                        </dgm:choose>
+                      </dgm:if>
+                      <dgm:else name="Name76">
+                        <dgm:alg type="hierRoot"/>
+                        <dgm:shape xmlns:r="http://schemas.openxmlformats.org/officeDocument/2006/relationships" r:blip="">
+                          <dgm:adjLst/>
+                        </dgm:shape>
+                        <dgm:presOf/>
+                        <dgm:constrLst>
+                          <dgm:constr type="alignOff"/>
+                          <dgm:constr type="bendDist" for="des" ptType="parTrans" refType="sp" fact="0.5"/>
+                        </dgm:constrLst>
+                      </dgm:else>
+                    </dgm:choose>
+                  </dgm:if>
+                  <dgm:else name="Name77">
+                    <dgm:alg type="hierRoot"/>
+                    <dgm:shape xmlns:r="http://schemas.openxmlformats.org/officeDocument/2006/relationships" r:blip="">
+                      <dgm:adjLst/>
+                    </dgm:shape>
+                    <dgm:presOf/>
+                    <dgm:constrLst>
+                      <dgm:constr type="alignOff" val="0.65"/>
+                    </dgm:constrLst>
+                  </dgm:else>
+                </dgm:choose>
+                <dgm:ruleLst/>
+                <dgm:layoutNode name="rootComposite">
+                  <dgm:alg type="composite"/>
+                  <dgm:shape xmlns:r="http://schemas.openxmlformats.org/officeDocument/2006/relationships" r:blip="">
+                    <dgm:adjLst/>
+                  </dgm:shape>
+                  <dgm:presOf axis="self" ptType="node" cnt="1"/>
+                  <dgm:choose name="Name78">
+                    <dgm:if name="Name79" func="var" arg="hierBranch" op="equ" val="init">
+                      <dgm:constrLst>
+                        <dgm:constr type="l" for="ch" forName="rootText"/>
+                        <dgm:constr type="t" for="ch" forName="rootText"/>
+                        <dgm:constr type="w" for="ch" forName="rootText" refType="w"/>
+                        <dgm:constr type="h" for="ch" forName="rootText" refType="h"/>
+                        <dgm:constr type="l" for="ch" forName="rootConnector"/>
+                        <dgm:constr type="t" for="ch" forName="rootConnector"/>
+                        <dgm:constr type="w" for="ch" forName="rootConnector" refType="w" refFor="ch" refForName="rootText" fact="0.2"/>
+                        <dgm:constr type="h" for="ch" forName="rootConnector" refType="h" refFor="ch" refForName="rootText"/>
+                      </dgm:constrLst>
+                    </dgm:if>
+                    <dgm:if name="Name80" func="var" arg="hierBranch" op="equ" val="l">
+                      <dgm:constrLst>
+                        <dgm:constr type="l" for="ch" forName="rootText"/>
+                        <dgm:constr type="t" for="ch" forName="rootText"/>
+                        <dgm:constr type="w" for="ch" forName="rootText" refType="w"/>
+                        <dgm:constr type="h" for="ch" forName="rootText" refType="h"/>
+                        <dgm:constr type="r" for="ch" forName="rootConnector" refType="w"/>
+                        <dgm:constr type="t" for="ch" forName="rootConnector"/>
+                        <dgm:constr type="w" for="ch" forName="rootConnector" refType="w" refFor="ch" refForName="rootText" fact="0.2"/>
+                        <dgm:constr type="h" for="ch" forName="rootConnector" refType="h" refFor="ch" refForName="rootText"/>
+                      </dgm:constrLst>
+                    </dgm:if>
+                    <dgm:if name="Name81" func="var" arg="hierBranch" op="equ" val="r">
+                      <dgm:constrLst>
+                        <dgm:constr type="l" for="ch" forName="rootText"/>
+                        <dgm:constr type="t" for="ch" forName="rootText"/>
+                        <dgm:constr type="w" for="ch" forName="rootText" refType="w"/>
+                        <dgm:constr type="h" for="ch" forName="rootText" refType="h"/>
+                        <dgm:constr type="l" for="ch" forName="rootConnector"/>
+                        <dgm:constr type="t" for="ch" forName="rootConnector"/>
+                        <dgm:constr type="w" for="ch" forName="rootConnector" refType="w" refFor="ch" refForName="rootText" fact="0.2"/>
+                        <dgm:constr type="h" for="ch" forName="rootConnector" refType="h" refFor="ch" refForName="rootText"/>
+                      </dgm:constrLst>
+                    </dgm:if>
+                    <dgm:else name="Name82">
+                      <dgm:constrLst>
+                        <dgm:constr type="l" for="ch" forName="rootText"/>
+                        <dgm:constr type="t" for="ch" forName="rootText"/>
+                        <dgm:constr type="w" for="ch" forName="rootText" refType="w"/>
+                        <dgm:constr type="h" for="ch" forName="rootText" refType="h"/>
+                        <dgm:constr type="r" for="ch" forName="rootConnector" refType="w"/>
+                        <dgm:constr type="t" for="ch" forName="rootConnector"/>
+                        <dgm:constr type="w" for="ch" forName="rootConnector" refType="w" refFor="ch" refForName="rootText" fact="0.2"/>
+                        <dgm:constr type="h" for="ch" forName="rootConnector" refType="h" refFor="ch" refForName="rootText"/>
+                      </dgm:constrLst>
+                    </dgm:else>
+                  </dgm:choose>
+                  <dgm:ruleLst/>
+                  <dgm:layoutNode name="rootText">
+                    <dgm:varLst>
+                      <dgm:chPref val="3"/>
+                    </dgm:varLst>
+                    <dgm:alg type="tx"/>
+                    <dgm:shape xmlns:r="http://schemas.openxmlformats.org/officeDocument/2006/relationships" type="rect" r:blip="">
+                      <dgm:adjLst/>
+                    </dgm:shape>
+                    <dgm:presOf axis="self" ptType="node" cnt="1"/>
+                    <dgm:constrLst>
+                      <dgm:constr type="primFontSz" val="65"/>
+                      <dgm:constr type="lMarg" refType="primFontSz" fact="0.05"/>
+                      <dgm:constr type="rMarg" refType="primFontSz" fact="0.05"/>
+                      <dgm:constr type="tMarg" refType="primFontSz" fact="0.05"/>
+                      <dgm:constr type="bMarg" refType="primFontSz" fact="0.05"/>
+                    </dgm:constrLst>
+                    <dgm:ruleLst>
+                      <dgm:rule type="primFontSz" val="5" fact="NaN" max="NaN"/>
+                    </dgm:ruleLst>
+                  </dgm:layoutNode>
+                  <dgm:layoutNode name="rootConnector" moveWith="rootText">
+                    <dgm:alg type="sp"/>
+                    <dgm:shape xmlns:r="http://schemas.openxmlformats.org/officeDocument/2006/relationships" type="rect" r:blip="" hideGeom="1">
+                      <dgm:adjLst/>
+                    </dgm:shape>
+                    <dgm:presOf axis="self" ptType="node" cnt="1"/>
+                    <dgm:constrLst/>
+                    <dgm:ruleLst/>
+                  </dgm:layoutNode>
+                </dgm:layoutNode>
+                <dgm:layoutNode name="hierChild4">
+                  <dgm:choose name="Name83">
+                    <dgm:if name="Name84" func="var" arg="hierBranch" op="equ" val="l">
+                      <dgm:alg type="hierChild">
+                        <dgm:param type="chAlign" val="r"/>
+                        <dgm:param type="linDir" val="fromT"/>
+                      </dgm:alg>
+                    </dgm:if>
+                    <dgm:if name="Name85" func="var" arg="hierBranch" op="equ" val="r">
+                      <dgm:alg type="hierChild">
+                        <dgm:param type="chAlign" val="l"/>
+                        <dgm:param type="linDir" val="fromT"/>
+                      </dgm:alg>
+                    </dgm:if>
+                    <dgm:if name="Name86" func="var" arg="hierBranch" op="equ" val="hang">
+                      <dgm:choose name="Name87">
+                        <dgm:if name="Name88" func="var" arg="dir" op="equ" val="norm">
+                          <dgm:alg type="hierChild">
+                            <dgm:param type="chAlign" val="l"/>
+                            <dgm:param type="linDir" val="fromL"/>
+                            <dgm:param type="secChAlign" val="t"/>
+                            <dgm:param type="secLinDir" val="fromT"/>
+                          </dgm:alg>
+                        </dgm:if>
+                        <dgm:else name="Name89">
+                          <dgm:alg type="hierChild">
+                            <dgm:param type="chAlign" val="l"/>
+                            <dgm:param type="linDir" val="fromR"/>
+                            <dgm:param type="secChAlign" val="t"/>
+                            <dgm:param type="secLinDir" val="fromT"/>
+                          </dgm:alg>
+                        </dgm:else>
+                      </dgm:choose>
+                    </dgm:if>
+                    <dgm:if name="Name90" func="var" arg="hierBranch" op="equ" val="std">
+                      <dgm:choose name="Name91">
+                        <dgm:if name="Name92" func="var" arg="dir" op="equ" val="norm">
+                          <dgm:alg type="hierChild"/>
+                        </dgm:if>
+                        <dgm:else name="Name93">
+                          <dgm:alg type="hierChild">
+                            <dgm:param type="linDir" val="fromR"/>
+                          </dgm:alg>
+                        </dgm:else>
+                      </dgm:choose>
+                    </dgm:if>
+                    <dgm:if name="Name94" func="var" arg="hierBranch" op="equ" val="init">
+                      <dgm:choose name="Name95">
+                        <dgm:if name="Name96" axis="des" func="maxDepth" op="lte" val="1">
+                          <dgm:alg type="hierChild">
+                            <dgm:param type="chAlign" val="l"/>
+                            <dgm:param type="linDir" val="fromT"/>
+                          </dgm:alg>
+                        </dgm:if>
+                        <dgm:else name="Name97">
+                          <dgm:choose name="Name98">
+                            <dgm:if name="Name99" func="var" arg="dir" op="equ" val="norm">
+                              <dgm:alg type="hierChild"/>
+                            </dgm:if>
+                            <dgm:else name="Name100">
+                              <dgm:alg type="hierChild">
+                                <dgm:param type="linDir" val="fromR"/>
+                              </dgm:alg>
+                            </dgm:else>
+                          </dgm:choose>
+                        </dgm:else>
+                      </dgm:choose>
+                    </dgm:if>
+                    <dgm:else name="Name101"/>
+                  </dgm:choose>
+                  <dgm:shape xmlns:r="http://schemas.openxmlformats.org/officeDocument/2006/relationships" r:blip="">
+                    <dgm:adjLst/>
+                  </dgm:shape>
+                  <dgm:presOf/>
+                  <dgm:constrLst/>
+                  <dgm:ruleLst/>
+                  <dgm:forEach name="Name102" ref="rep2a"/>
+                </dgm:layoutNode>
+                <dgm:layoutNode name="hierChild5">
+                  <dgm:choose name="Name103">
+                    <dgm:if name="Name104" func="var" arg="dir" op="equ" val="norm">
+                      <dgm:alg type="hierChild">
+                        <dgm:param type="chAlign" val="l"/>
+                        <dgm:param type="linDir" val="fromL"/>
+                        <dgm:param type="secChAlign" val="t"/>
+                        <dgm:param type="secLinDir" val="fromT"/>
+                      </dgm:alg>
+                    </dgm:if>
+                    <dgm:else name="Name105">
+                      <dgm:alg type="hierChild">
+                        <dgm:param type="chAlign" val="l"/>
+                        <dgm:param type="linDir" val="fromR"/>
+                        <dgm:param type="secChAlign" val="t"/>
+                        <dgm:param type="secLinDir" val="fromT"/>
+                      </dgm:alg>
+                    </dgm:else>
+                  </dgm:choose>
+                  <dgm:shape xmlns:r="http://schemas.openxmlformats.org/officeDocument/2006/relationships" r:blip="">
+                    <dgm:adjLst/>
+                  </dgm:shape>
+                  <dgm:presOf/>
+                  <dgm:constrLst/>
+                  <dgm:ruleLst/>
+                  <dgm:forEach name="Name106" ref="rep2b"/>
+                </dgm:layoutNode>
+              </dgm:layoutNode>
+            </dgm:forEach>
+          </dgm:layoutNode>
+          <dgm:layoutNode name="hierChild3">
+            <dgm:choose name="Name107">
+              <dgm:if name="Name108" func="var" arg="dir" op="equ" val="norm">
+                <dgm:alg type="hierChild">
+                  <dgm:param type="chAlign" val="l"/>
+                  <dgm:param type="linDir" val="fromL"/>
+                  <dgm:param type="secChAlign" val="t"/>
+                  <dgm:param type="secLinDir" val="fromT"/>
+                </dgm:alg>
+              </dgm:if>
+              <dgm:else name="Name109">
+                <dgm:alg type="hierChild">
+                  <dgm:param type="chAlign" val="l"/>
+                  <dgm:param type="linDir" val="fromR"/>
+                  <dgm:param type="secChAlign" val="t"/>
+                  <dgm:param type="secLinDir" val="fromT"/>
+                </dgm:alg>
+              </dgm:else>
+            </dgm:choose>
+            <dgm:shape xmlns:r="http://schemas.openxmlformats.org/officeDocument/2006/relationships" r:blip="">
+              <dgm:adjLst/>
+            </dgm:shape>
+            <dgm:presOf/>
+            <dgm:constrLst/>
+            <dgm:ruleLst/>
+            <dgm:forEach name="rep2b" axis="ch" ptType="asst">
+              <dgm:forEach name="Name110" axis="precedSib" ptType="parTrans" st="-1" cnt="1">
+                <dgm:layoutNode name="Name111">
+                  <dgm:alg type="conn">
+                    <dgm:param type="connRout" val="bend"/>
+                    <dgm:param type="dim" val="1D"/>
+                    <dgm:param type="endSty" val="noArr"/>
+                    <dgm:param type="begPts" val="bCtr"/>
+                    <dgm:param type="endPts" val="midL midR"/>
+                  </dgm:alg>
+                  <dgm:shape xmlns:r="http://schemas.openxmlformats.org/officeDocument/2006/relationships" type="conn" r:blip="" zOrderOff="-99999">
+                    <dgm:adjLst/>
+                  </dgm:shape>
+                  <dgm:presOf axis="self"/>
+                  <dgm:constrLst>
+                    <dgm:constr type="begPad"/>
+                    <dgm:constr type="endPad"/>
+                  </dgm:constrLst>
+                  <dgm:ruleLst/>
+                </dgm:layoutNode>
+              </dgm:forEach>
+              <dgm:layoutNode name="hierRoot3">
+                <dgm:varLst>
+                  <dgm:hierBranch val="init"/>
+                </dgm:varLst>
+                <dgm:choose name="Name112">
+                  <dgm:if name="Name113" func="var" arg="hierBranch" op="equ" val="l">
+                    <dgm:alg type="hierRoot">
+                      <dgm:param type="hierAlign" val="tR"/>
+                    </dgm:alg>
+                    <dgm:shape xmlns:r="http://schemas.openxmlformats.org/officeDocument/2006/relationships" r:blip="">
+                      <dgm:adjLst/>
+                    </dgm:shape>
+                    <dgm:presOf/>
+                    <dgm:constrLst>
+                      <dgm:constr type="alignOff" val="0.65"/>
+                    </dgm:constrLst>
+                  </dgm:if>
+                  <dgm:if name="Name114" func="var" arg="hierBranch" op="equ" val="r">
+                    <dgm:alg type="hierRoot">
+                      <dgm:param type="hierAlign" val="tL"/>
+                    </dgm:alg>
+                    <dgm:shape xmlns:r="http://schemas.openxmlformats.org/officeDocument/2006/relationships" r:blip="">
+                      <dgm:adjLst/>
+                    </dgm:shape>
+                    <dgm:presOf/>
+                    <dgm:constrLst>
+                      <dgm:constr type="alignOff" val="0.65"/>
+                    </dgm:constrLst>
+                  </dgm:if>
+                  <dgm:if name="Name115" func="var" arg="hierBranch" op="equ" val="hang">
+                    <dgm:alg type="hierRoot"/>
+                    <dgm:shape xmlns:r="http://schemas.openxmlformats.org/officeDocument/2006/relationships" r:blip="">
+                      <dgm:adjLst/>
+                    </dgm:shape>
+                    <dgm:presOf/>
+                    <dgm:constrLst>
+                      <dgm:constr type="alignOff" val="0.65"/>
+                    </dgm:constrLst>
+                  </dgm:if>
+                  <dgm:if name="Name116" func="var" arg="hierBranch" op="equ" val="std">
+                    <dgm:alg type="hierRoot"/>
+                    <dgm:shape xmlns:r="http://schemas.openxmlformats.org/officeDocument/2006/relationships" r:blip="">
+                      <dgm:adjLst/>
+                    </dgm:shape>
+                    <dgm:presOf/>
+                    <dgm:constrLst>
+                      <dgm:constr type="alignOff"/>
+                      <dgm:constr type="bendDist" for="des" ptType="parTrans" refType="sp" fact="0.5"/>
+                    </dgm:constrLst>
+                  </dgm:if>
+                  <dgm:if name="Name117" func="var" arg="hierBranch" op="equ" val="init">
+                    <dgm:choose name="Name118">
+                      <dgm:if name="Name119" axis="des" func="maxDepth" op="lte" val="1">
+                        <dgm:alg type="hierRoot">
+                          <dgm:param type="hierAlign" val="tL"/>
+                        </dgm:alg>
+                        <dgm:shape xmlns:r="http://schemas.openxmlformats.org/officeDocument/2006/relationships" r:blip="">
+                          <dgm:adjLst/>
+                        </dgm:shape>
+                        <dgm:presOf/>
+                        <dgm:constrLst>
+                          <dgm:constr type="alignOff" val="0.65"/>
+                        </dgm:constrLst>
+                      </dgm:if>
+                      <dgm:else name="Name120">
+                        <dgm:alg type="hierRoot"/>
+                        <dgm:shape xmlns:r="http://schemas.openxmlformats.org/officeDocument/2006/relationships" r:blip="">
+                          <dgm:adjLst/>
+                        </dgm:shape>
+                        <dgm:presOf/>
+                        <dgm:constrLst>
+                          <dgm:constr type="alignOff"/>
+                          <dgm:constr type="bendDist" for="des" ptType="parTrans" refType="sp" fact="0.5"/>
+                        </dgm:constrLst>
+                      </dgm:else>
+                    </dgm:choose>
+                  </dgm:if>
+                  <dgm:else name="Name121"/>
+                </dgm:choose>
+                <dgm:ruleLst/>
+                <dgm:layoutNode name="rootComposite3">
+                  <dgm:alg type="composite"/>
+                  <dgm:shape xmlns:r="http://schemas.openxmlformats.org/officeDocument/2006/relationships" r:blip="">
+                    <dgm:adjLst/>
+                  </dgm:shape>
+                  <dgm:presOf axis="self" ptType="node" cnt="1"/>
+                  <dgm:choose name="Name122">
+                    <dgm:if name="Name123" func="var" arg="hierBranch" op="equ" val="init">
+                      <dgm:constrLst>
+                        <dgm:constr type="l" for="ch" forName="rootText3"/>
+                        <dgm:constr type="t" for="ch" forName="rootText3"/>
+                        <dgm:constr type="w" for="ch" forName="rootText3" refType="w"/>
+                        <dgm:constr type="h" for="ch" forName="rootText3" refType="h"/>
+                        <dgm:constr type="l" for="ch" forName="rootConnector3"/>
+                        <dgm:constr type="t" for="ch" forName="rootConnector3"/>
+                        <dgm:constr type="w" for="ch" forName="rootConnector3" refType="w" refFor="ch" refForName="rootText3" fact="0.2"/>
+                        <dgm:constr type="h" for="ch" forName="rootConnector3" refType="h" refFor="ch" refForName="rootText3"/>
+                      </dgm:constrLst>
+                    </dgm:if>
+                    <dgm:if name="Name124" func="var" arg="hierBranch" op="equ" val="l">
+                      <dgm:constrLst>
+                        <dgm:constr type="l" for="ch" forName="rootText3"/>
+                        <dgm:constr type="t" for="ch" forName="rootText3"/>
+                        <dgm:constr type="w" for="ch" forName="rootText3" refType="w"/>
+                        <dgm:constr type="h" for="ch" forName="rootText3" refType="h"/>
+                        <dgm:constr type="r" for="ch" forName="rootConnector3" refType="w"/>
+                        <dgm:constr type="t" for="ch" forName="rootConnector3"/>
+                        <dgm:constr type="w" for="ch" forName="rootConnector3" refType="w" refFor="ch" refForName="rootText3" fact="0.2"/>
+                        <dgm:constr type="h" for="ch" forName="rootConnector3" refType="h" refFor="ch" refForName="rootText3"/>
+                      </dgm:constrLst>
+                    </dgm:if>
+                    <dgm:if name="Name125" func="var" arg="hierBranch" op="equ" val="r">
+                      <dgm:constrLst>
+                        <dgm:constr type="l" for="ch" forName="rootText3"/>
+                        <dgm:constr type="t" for="ch" forName="rootText3"/>
+                        <dgm:constr type="w" for="ch" forName="rootText3" refType="w"/>
+                        <dgm:constr type="h" for="ch" forName="rootText3" refType="h"/>
+                        <dgm:constr type="l" for="ch" forName="rootConnector3"/>
+                        <dgm:constr type="t" for="ch" forName="rootConnector3"/>
+                        <dgm:constr type="w" for="ch" forName="rootConnector3" refType="w" refFor="ch" refForName="rootText3" fact="0.2"/>
+                        <dgm:constr type="h" for="ch" forName="rootConnector3" refType="h" refFor="ch" refForName="rootText3"/>
+                      </dgm:constrLst>
+                    </dgm:if>
+                    <dgm:else name="Name126">
+                      <dgm:constrLst>
+                        <dgm:constr type="l" for="ch" forName="rootText3"/>
+                        <dgm:constr type="t" for="ch" forName="rootText3"/>
+                        <dgm:constr type="w" for="ch" forName="rootText3" refType="w"/>
+                        <dgm:constr type="h" for="ch" forName="rootText3" refType="h"/>
+                        <dgm:constr type="r" for="ch" forName="rootConnector3" refType="w"/>
+                        <dgm:constr type="t" for="ch" forName="rootConnector3"/>
+                        <dgm:constr type="w" for="ch" forName="rootConnector3" refType="w" refFor="ch" refForName="rootText3" fact="0.2"/>
+                        <dgm:constr type="h" for="ch" forName="rootConnector3" refType="h" refFor="ch" refForName="rootText3"/>
+                      </dgm:constrLst>
+                    </dgm:else>
+                  </dgm:choose>
+                  <dgm:ruleLst/>
+                  <dgm:layoutNode name="rootText3">
+                    <dgm:varLst>
+                      <dgm:chPref val="3"/>
+                    </dgm:varLst>
+                    <dgm:alg type="tx"/>
+                    <dgm:shape xmlns:r="http://schemas.openxmlformats.org/officeDocument/2006/relationships" type="rect" r:blip="">
+                      <dgm:adjLst/>
+                    </dgm:shape>
+                    <dgm:presOf axis="self" ptType="node" cnt="1"/>
+                    <dgm:constrLst>
+                      <dgm:constr type="primFontSz" val="65"/>
+                      <dgm:constr type="lMarg" refType="primFontSz" fact="0.05"/>
+                      <dgm:constr type="rMarg" refType="primFontSz" fact="0.05"/>
+                      <dgm:constr type="tMarg" refType="primFontSz" fact="0.05"/>
+                      <dgm:constr type="bMarg" refType="primFontSz" fact="0.05"/>
+                    </dgm:constrLst>
+                    <dgm:ruleLst>
+                      <dgm:rule type="primFontSz" val="5" fact="NaN" max="NaN"/>
+                    </dgm:ruleLst>
+                  </dgm:layoutNode>
+                  <dgm:layoutNode name="rootConnector3" moveWith="rootText1">
+                    <dgm:alg type="sp"/>
+                    <dgm:shape xmlns:r="http://schemas.openxmlformats.org/officeDocument/2006/relationships" type="rect" r:blip="" hideGeom="1">
+                      <dgm:adjLst/>
+                    </dgm:shape>
+                    <dgm:presOf axis="self" ptType="node" cnt="1"/>
+                    <dgm:constrLst/>
+                    <dgm:ruleLst/>
+                  </dgm:layoutNode>
+                </dgm:layoutNode>
+                <dgm:layoutNode name="hierChild6">
+                  <dgm:choose name="Name127">
+                    <dgm:if name="Name128" func="var" arg="hierBranch" op="equ" val="l">
+                      <dgm:alg type="hierChild">
+                        <dgm:param type="chAlign" val="r"/>
+                        <dgm:param type="linDir" val="fromT"/>
+                      </dgm:alg>
+                    </dgm:if>
+                    <dgm:if name="Name129" func="var" arg="hierBranch" op="equ" val="r">
+                      <dgm:alg type="hierChild">
+                        <dgm:param type="chAlign" val="l"/>
+                        <dgm:param type="linDir" val="fromT"/>
+                      </dgm:alg>
+                    </dgm:if>
+                    <dgm:if name="Name130" func="var" arg="hierBranch" op="equ" val="hang">
+                      <dgm:choose name="Name131">
+                        <dgm:if name="Name132" func="var" arg="dir" op="equ" val="norm">
+                          <dgm:alg type="hierChild">
+                            <dgm:param type="chAlign" val="l"/>
+                            <dgm:param type="linDir" val="fromL"/>
+                            <dgm:param type="secChAlign" val="t"/>
+                            <dgm:param type="secLinDir" val="fromT"/>
+                          </dgm:alg>
+                        </dgm:if>
+                        <dgm:else name="Name133">
+                          <dgm:alg type="hierChild">
+                            <dgm:param type="chAlign" val="l"/>
+                            <dgm:param type="linDir" val="fromR"/>
+                            <dgm:param type="secChAlign" val="t"/>
+                            <dgm:param type="secLinDir" val="fromT"/>
+                          </dgm:alg>
+                        </dgm:else>
+                      </dgm:choose>
+                    </dgm:if>
+                    <dgm:if name="Name134" func="var" arg="hierBranch" op="equ" val="std">
+                      <dgm:choose name="Name135">
+                        <dgm:if name="Name136" func="var" arg="dir" op="equ" val="norm">
+                          <dgm:alg type="hierChild"/>
+                        </dgm:if>
+                        <dgm:else name="Name137">
+                          <dgm:alg type="hierChild">
+                            <dgm:param type="linDir" val="fromR"/>
+                          </dgm:alg>
+                        </dgm:else>
+                      </dgm:choose>
+                    </dgm:if>
+                    <dgm:if name="Name138" func="var" arg="hierBranch" op="equ" val="init">
+                      <dgm:choose name="Name139">
+                        <dgm:if name="Name140" axis="des" func="maxDepth" op="lte" val="1">
+                          <dgm:alg type="hierChild">
+                            <dgm:param type="chAlign" val="l"/>
+                            <dgm:param type="linDir" val="fromT"/>
+                          </dgm:alg>
+                        </dgm:if>
+                        <dgm:else name="Name141">
+                          <dgm:alg type="hierChild"/>
+                        </dgm:else>
+                      </dgm:choose>
+                    </dgm:if>
+                    <dgm:else name="Name142"/>
+                  </dgm:choose>
+                  <dgm:shape xmlns:r="http://schemas.openxmlformats.org/officeDocument/2006/relationships" r:blip="">
+                    <dgm:adjLst/>
+                  </dgm:shape>
+                  <dgm:presOf/>
+                  <dgm:constrLst/>
+                  <dgm:ruleLst/>
+                  <dgm:forEach name="Name143" ref="rep2a"/>
+                </dgm:layoutNode>
+                <dgm:layoutNode name="hierChild7">
+                  <dgm:choose name="Name144">
+                    <dgm:if name="Name145" func="var" arg="dir" op="equ" val="norm">
+                      <dgm:alg type="hierChild">
+                        <dgm:param type="chAlign" val="l"/>
+                        <dgm:param type="linDir" val="fromL"/>
+                        <dgm:param type="secChAlign" val="t"/>
+                        <dgm:param type="secLinDir" val="fromT"/>
+                      </dgm:alg>
+                    </dgm:if>
+                    <dgm:else name="Name146">
+                      <dgm:alg type="hierChild">
+                        <dgm:param type="chAlign" val="l"/>
+                        <dgm:param type="linDir" val="fromR"/>
+                        <dgm:param type="secChAlign" val="t"/>
+                        <dgm:param type="secLinDir" val="fromT"/>
+                      </dgm:alg>
+                    </dgm:else>
+                  </dgm:choose>
+                  <dgm:shape xmlns:r="http://schemas.openxmlformats.org/officeDocument/2006/relationships" r:blip="">
+                    <dgm:adjLst/>
+                  </dgm:shape>
+                  <dgm:presOf/>
+                  <dgm:constrLst/>
+                  <dgm:ruleLst/>
+                  <dgm:forEach name="Name147" ref="rep2b"/>
+                </dgm:layoutNode>
+              </dgm:layoutNode>
+            </dgm:forEach>
+          </dgm:layoutNode>
+        </dgm:layoutNode>
+      </dgm:forEach>
+    </dgm:forEach>
+  </dgm:layoutNode>
+</dgm:layoutDef>
+</file>
+
+<file path=ppt/diagrams/layout7.xml><?xml version="1.0" encoding="utf-8"?>
+<dgm:layoutDef xmlns:dgm="http://schemas.openxmlformats.org/drawingml/2006/diagram" xmlns:a="http://schemas.openxmlformats.org/drawingml/2006/main" uniqueId="urn:microsoft.com/office/officeart/2005/8/layout/orgChart1">
+  <dgm:title val=""/>
+  <dgm:desc val=""/>
+  <dgm:catLst>
+    <dgm:cat type="hierarchy" pri="1000"/>
+    <dgm:cat type="convert" pri="6000"/>
+  </dgm:catLst>
+  <dgm:sampData>
+    <dgm:dataModel>
+      <dgm:ptLst>
+        <dgm:pt modelId="0" type="doc"/>
+        <dgm:pt modelId="1">
+          <dgm:prSet phldr="1"/>
+        </dgm:pt>
+        <dgm:pt modelId="2" type="asst">
+          <dgm:prSet phldr="1"/>
+        </dgm:pt>
+        <dgm:pt modelId="3">
+          <dgm:prSet phldr="1"/>
+        </dgm:pt>
+        <dgm:pt modelId="4">
+          <dgm:prSet phldr="1"/>
+        </dgm:pt>
+        <dgm:pt modelId="5">
+          <dgm:prSet phldr="1"/>
+        </dgm:pt>
+      </dgm:ptLst>
+      <dgm:cxnLst>
+        <dgm:cxn modelId="5" srcId="0" destId="1" srcOrd="0" destOrd="0"/>
+        <dgm:cxn modelId="6" srcId="1" destId="2" srcOrd="0" destOrd="0"/>
+        <dgm:cxn modelId="7" srcId="1" destId="3" srcOrd="1" destOrd="0"/>
+        <dgm:cxn modelId="8" srcId="1" destId="4" srcOrd="2" destOrd="0"/>
+        <dgm:cxn modelId="9" srcId="1" destId="5" srcOrd="3" destOrd="0"/>
+      </dgm:cxnLst>
+      <dgm:bg/>
+      <dgm:whole/>
+    </dgm:dataModel>
+  </dgm:sampData>
+  <dgm:styleData>
+    <dgm:dataModel>
+      <dgm:ptLst>
+        <dgm:pt modelId="0" type="doc"/>
+        <dgm:pt modelId="1"/>
+        <dgm:pt modelId="12"/>
+        <dgm:pt modelId="13"/>
+      </dgm:ptLst>
+      <dgm:cxnLst>
+        <dgm:cxn modelId="2" srcId="0" destId="1" srcOrd="0" destOrd="0"/>
+        <dgm:cxn modelId="16" srcId="1" destId="12" srcOrd="1" destOrd="0"/>
+        <dgm:cxn modelId="17" srcId="1" destId="13" srcOrd="2" destOrd="0"/>
+      </dgm:cxnLst>
+      <dgm:bg/>
+      <dgm:whole/>
+    </dgm:dataModel>
+  </dgm:styleData>
+  <dgm:clrData>
+    <dgm:dataModel>
+      <dgm:ptLst>
+        <dgm:pt modelId="0" type="doc"/>
+        <dgm:pt modelId="1"/>
+        <dgm:pt modelId="11" type="asst"/>
+        <dgm:pt modelId="12"/>
+        <dgm:pt modelId="13"/>
+        <dgm:pt modelId="14"/>
+      </dgm:ptLst>
+      <dgm:cxnLst>
+        <dgm:cxn modelId="2" srcId="0" destId="1" srcOrd="0" destOrd="0"/>
+        <dgm:cxn modelId="15" srcId="1" destId="11" srcOrd="0" destOrd="0"/>
+        <dgm:cxn modelId="16" srcId="1" destId="12" srcOrd="1" destOrd="0"/>
+        <dgm:cxn modelId="17" srcId="1" destId="13" srcOrd="2" destOrd="0"/>
+        <dgm:cxn modelId="18" srcId="1" destId="14" srcOrd="2" destOrd="0"/>
+      </dgm:cxnLst>
+      <dgm:bg/>
+      <dgm:whole/>
+    </dgm:dataModel>
+  </dgm:clrData>
+  <dgm:layoutNode name="hierChild1">
+    <dgm:varLst>
+      <dgm:orgChart val="1"/>
+      <dgm:chPref val="1"/>
+      <dgm:dir/>
+      <dgm:animOne val="branch"/>
+      <dgm:animLvl val="lvl"/>
+      <dgm:resizeHandles/>
+    </dgm:varLst>
+    <dgm:choose name="Name0">
+      <dgm:if name="Name1" func="var" arg="dir" op="equ" val="norm">
+        <dgm:alg type="hierChild">
+          <dgm:param type="linDir" val="fromL"/>
+        </dgm:alg>
+      </dgm:if>
+      <dgm:else name="Name2">
+        <dgm:alg type="hierChild">
+          <dgm:param type="linDir" val="fromR"/>
+        </dgm:alg>
+      </dgm:else>
+    </dgm:choose>
+    <dgm:shape xmlns:r="http://schemas.openxmlformats.org/officeDocument/2006/relationships" r:blip="">
+      <dgm:adjLst/>
+    </dgm:shape>
+    <dgm:presOf/>
+    <dgm:constrLst>
+      <dgm:constr type="w" for="des" forName="rootComposite1" refType="w" fact="10"/>
+      <dgm:constr type="h" for="des" forName="rootComposite1" refType="w" refFor="des" refForName="rootComposite1" fact="0.5"/>
+      <dgm:constr type="w" for="des" forName="rootComposite" refType="w" fact="10"/>
+      <dgm:constr type="h" for="des" forName="rootComposite" refType="w" refFor="des" refForName="rootComposite1" fact="0.5"/>
+      <dgm:constr type="w" for="des" forName="rootComposite3" refType="w" fact="10"/>
+      <dgm:constr type="h" for="des" forName="rootComposite3" refType="w" refFor="des" refForName="rootComposite1" fact="0.5"/>
+      <dgm:constr type="primFontSz" for="des" ptType="node" op="equ"/>
+      <dgm:constr type="sp" for="des" op="equ"/>
+      <dgm:constr type="sp" for="des" forName="hierRoot1" refType="w" refFor="des" refForName="rootComposite1" fact="0.21"/>
+      <dgm:constr type="sp" for="des" forName="hierRoot2" refType="sp" refFor="des" refForName="hierRoot1"/>
+      <dgm:constr type="sp" for="des" forName="hierRoot3" refType="sp" refFor="des" refForName="hierRoot1"/>
+      <dgm:constr type="sibSp" refType="w" refFor="des" refForName="rootComposite1" fact="0.21"/>
+      <dgm:constr type="sibSp" for="des" forName="hierChild2" refType="sibSp"/>
+      <dgm:constr type="sibSp" for="des" forName="hierChild3" refType="sibSp"/>
+      <dgm:constr type="sibSp" for="des" forName="hierChild4" refType="sibSp"/>
+      <dgm:constr type="sibSp" for="des" forName="hierChild5" refType="sibSp"/>
+      <dgm:constr type="sibSp" for="des" forName="hierChild6" refType="sibSp"/>
+      <dgm:constr type="sibSp" for="des" forName="hierChild7" refType="sibSp"/>
+      <dgm:constr type="secSibSp" refType="w" refFor="des" refForName="rootComposite1" fact="0.21"/>
+      <dgm:constr type="secSibSp" for="des" forName="hierChild2" refType="secSibSp"/>
+      <dgm:constr type="secSibSp" for="des" forName="hierChild3" refType="secSibSp"/>
+      <dgm:constr type="secSibSp" for="des" forName="hierChild4" refType="secSibSp"/>
+      <dgm:constr type="secSibSp" for="des" forName="hierChild5" refType="secSibSp"/>
+      <dgm:constr type="secSibSp" for="des" forName="hierChild6" refType="secSibSp"/>
+      <dgm:constr type="secSibSp" for="des" forName="hierChild7" refType="secSibSp"/>
+    </dgm:constrLst>
+    <dgm:ruleLst/>
+    <dgm:forEach name="Name3" axis="ch">
+      <dgm:forEach name="Name4" axis="self" ptType="node">
+        <dgm:layoutNode name="hierRoot1">
+          <dgm:varLst>
+            <dgm:hierBranch val="init"/>
+          </dgm:varLst>
+          <dgm:choose name="Name5">
+            <dgm:if name="Name6" func="var" arg="hierBranch" op="equ" val="l">
+              <dgm:choose name="Name7">
+                <dgm:if name="Name8" axis="ch" ptType="asst" func="cnt" op="gte" val="1">
+                  <dgm:alg type="hierRoot">
+                    <dgm:param type="hierAlign" val="tR"/>
+                  </dgm:alg>
+                  <dgm:constrLst>
+                    <dgm:constr type="alignOff" val="0.65"/>
+                  </dgm:constrLst>
+                </dgm:if>
+                <dgm:else name="Name9">
+                  <dgm:alg type="hierRoot">
+                    <dgm:param type="hierAlign" val="tR"/>
+                  </dgm:alg>
+                  <dgm:constrLst>
+                    <dgm:constr type="alignOff" val="0.25"/>
+                  </dgm:constrLst>
+                </dgm:else>
+              </dgm:choose>
+            </dgm:if>
+            <dgm:if name="Name10" func="var" arg="hierBranch" op="equ" val="r">
+              <dgm:choose name="Name11">
+                <dgm:if name="Name12" axis="ch" ptType="asst" func="cnt" op="gte" val="1">
+                  <dgm:alg type="hierRoot">
+                    <dgm:param type="hierAlign" val="tL"/>
+                  </dgm:alg>
+                  <dgm:constrLst>
+                    <dgm:constr type="alignOff" val="0.65"/>
+                  </dgm:constrLst>
+                </dgm:if>
+                <dgm:else name="Name13">
+                  <dgm:alg type="hierRoot">
+                    <dgm:param type="hierAlign" val="tL"/>
+                  </dgm:alg>
+                  <dgm:constrLst>
+                    <dgm:constr type="alignOff" val="0.25"/>
+                  </dgm:constrLst>
+                </dgm:else>
+              </dgm:choose>
+            </dgm:if>
+            <dgm:if name="Name14" func="var" arg="hierBranch" op="equ" val="hang">
+              <dgm:alg type="hierRoot"/>
+              <dgm:constrLst>
+                <dgm:constr type="alignOff" val="0.65"/>
+              </dgm:constrLst>
+            </dgm:if>
+            <dgm:else name="Name15">
+              <dgm:alg type="hierRoot"/>
+              <dgm:constrLst>
+                <dgm:constr type="alignOff"/>
+                <dgm:constr type="bendDist" for="des" ptType="parTrans" refType="sp" fact="0.5"/>
+              </dgm:constrLst>
+            </dgm:else>
+          </dgm:choose>
+          <dgm:shape xmlns:r="http://schemas.openxmlformats.org/officeDocument/2006/relationships" r:blip="">
+            <dgm:adjLst/>
+          </dgm:shape>
+          <dgm:presOf/>
+          <dgm:ruleLst/>
+          <dgm:layoutNode name="rootComposite1">
+            <dgm:alg type="composite"/>
+            <dgm:shape xmlns:r="http://schemas.openxmlformats.org/officeDocument/2006/relationships" r:blip="">
+              <dgm:adjLst/>
+            </dgm:shape>
+            <dgm:presOf axis="self" ptType="node" cnt="1"/>
+            <dgm:choose name="Name16">
+              <dgm:if name="Name17" func="var" arg="hierBranch" op="equ" val="init">
+                <dgm:constrLst>
+                  <dgm:constr type="l" for="ch" forName="rootText1"/>
+                  <dgm:constr type="t" for="ch" forName="rootText1"/>
+                  <dgm:constr type="w" for="ch" forName="rootText1" refType="w"/>
+                  <dgm:constr type="h" for="ch" forName="rootText1" refType="h"/>
+                  <dgm:constr type="l" for="ch" forName="rootConnector1"/>
+                  <dgm:constr type="t" for="ch" forName="rootConnector1"/>
+                  <dgm:constr type="w" for="ch" forName="rootConnector1" refType="w" refFor="ch" refForName="rootText1" fact="0.2"/>
+                  <dgm:constr type="h" for="ch" forName="rootConnector1" refType="h" refFor="ch" refForName="rootText1"/>
+                </dgm:constrLst>
+              </dgm:if>
+              <dgm:if name="Name18" func="var" arg="hierBranch" op="equ" val="l">
+                <dgm:constrLst>
+                  <dgm:constr type="l" for="ch" forName="rootText1"/>
+                  <dgm:constr type="t" for="ch" forName="rootText1"/>
+                  <dgm:constr type="w" for="ch" forName="rootText1" refType="w"/>
+                  <dgm:constr type="h" for="ch" forName="rootText1" refType="h"/>
+                  <dgm:constr type="r" for="ch" forName="rootConnector1" refType="w"/>
+                  <dgm:constr type="t" for="ch" forName="rootConnector1"/>
+                  <dgm:constr type="w" for="ch" forName="rootConnector1" refType="w" refFor="ch" refForName="rootText1" fact="0.2"/>
+                  <dgm:constr type="h" for="ch" forName="rootConnector1" refType="h" refFor="ch" refForName="rootText1"/>
+                </dgm:constrLst>
+              </dgm:if>
+              <dgm:if name="Name19" func="var" arg="hierBranch" op="equ" val="r">
+                <dgm:constrLst>
+                  <dgm:constr type="l" for="ch" forName="rootText1"/>
+                  <dgm:constr type="t" for="ch" forName="rootText1"/>
+                  <dgm:constr type="w" for="ch" forName="rootText1" refType="w"/>
+                  <dgm:constr type="h" for="ch" forName="rootText1" refType="h"/>
+                  <dgm:constr type="l" for="ch" forName="rootConnector1"/>
+                  <dgm:constr type="t" for="ch" forName="rootConnector1"/>
+                  <dgm:constr type="w" for="ch" forName="rootConnector1" refType="w" refFor="ch" refForName="rootText1" fact="0.2"/>
+                  <dgm:constr type="h" for="ch" forName="rootConnector1" refType="h" refFor="ch" refForName="rootText1"/>
+                </dgm:constrLst>
+              </dgm:if>
+              <dgm:else name="Name20">
+                <dgm:constrLst>
+                  <dgm:constr type="l" for="ch" forName="rootText1"/>
+                  <dgm:constr type="t" for="ch" forName="rootText1"/>
+                  <dgm:constr type="w" for="ch" forName="rootText1" refType="w"/>
+                  <dgm:constr type="h" for="ch" forName="rootText1" refType="h"/>
+                  <dgm:constr type="r" for="ch" forName="rootConnector1" refType="w"/>
+                  <dgm:constr type="t" for="ch" forName="rootConnector1"/>
+                  <dgm:constr type="w" for="ch" forName="rootConnector1" refType="w" refFor="ch" refForName="rootText1" fact="0.2"/>
+                  <dgm:constr type="h" for="ch" forName="rootConnector1" refType="h" refFor="ch" refForName="rootText1"/>
+                </dgm:constrLst>
+              </dgm:else>
+            </dgm:choose>
+            <dgm:ruleLst/>
+            <dgm:layoutNode name="rootText1" styleLbl="node0">
+              <dgm:varLst>
+                <dgm:chPref val="3"/>
+              </dgm:varLst>
+              <dgm:alg type="tx"/>
+              <dgm:shape xmlns:r="http://schemas.openxmlformats.org/officeDocument/2006/relationships" type="rect" r:blip="">
+                <dgm:adjLst/>
+              </dgm:shape>
+              <dgm:presOf axis="self" ptType="node" cnt="1"/>
+              <dgm:constrLst>
+                <dgm:constr type="primFontSz" val="65"/>
+                <dgm:constr type="lMarg" refType="primFontSz" fact="0.05"/>
+                <dgm:constr type="rMarg" refType="primFontSz" fact="0.05"/>
+                <dgm:constr type="tMarg" refType="primFontSz" fact="0.05"/>
+                <dgm:constr type="bMarg" refType="primFontSz" fact="0.05"/>
+              </dgm:constrLst>
+              <dgm:ruleLst>
+                <dgm:rule type="primFontSz" val="5" fact="NaN" max="NaN"/>
+              </dgm:ruleLst>
+            </dgm:layoutNode>
+            <dgm:layoutNode name="rootConnector1" moveWith="rootText1">
+              <dgm:alg type="sp"/>
+              <dgm:shape xmlns:r="http://schemas.openxmlformats.org/officeDocument/2006/relationships" type="rect" r:blip="" hideGeom="1">
+                <dgm:adjLst/>
+              </dgm:shape>
+              <dgm:presOf axis="self" ptType="node" cnt="1"/>
+              <dgm:constrLst/>
+              <dgm:ruleLst/>
+            </dgm:layoutNode>
+          </dgm:layoutNode>
+          <dgm:layoutNode name="hierChild2">
+            <dgm:choose name="Name21">
+              <dgm:if name="Name22" func="var" arg="hierBranch" op="equ" val="l">
+                <dgm:alg type="hierChild">
+                  <dgm:param type="chAlign" val="r"/>
+                  <dgm:param type="linDir" val="fromT"/>
+                </dgm:alg>
+              </dgm:if>
+              <dgm:if name="Name23" func="var" arg="hierBranch" op="equ" val="r">
+                <dgm:alg type="hierChild">
+                  <dgm:param type="chAlign" val="l"/>
+                  <dgm:param type="linDir" val="fromT"/>
+                </dgm:alg>
+              </dgm:if>
+              <dgm:if name="Name24" func="var" arg="hierBranch" op="equ" val="hang">
+                <dgm:choose name="Name25">
+                  <dgm:if name="Name26" func="var" arg="dir" op="equ" val="norm">
+                    <dgm:alg type="hierChild">
+                      <dgm:param type="chAlign" val="l"/>
+                      <dgm:param type="linDir" val="fromL"/>
+                      <dgm:param type="secChAlign" val="t"/>
+                      <dgm:param type="secLinDir" val="fromT"/>
+                    </dgm:alg>
+                  </dgm:if>
+                  <dgm:else name="Name27">
+                    <dgm:alg type="hierChild">
+                      <dgm:param type="chAlign" val="l"/>
+                      <dgm:param type="linDir" val="fromR"/>
+                      <dgm:param type="secChAlign" val="t"/>
+                      <dgm:param type="secLinDir" val="fromT"/>
+                    </dgm:alg>
+                  </dgm:else>
+                </dgm:choose>
+              </dgm:if>
+              <dgm:else name="Name28">
+                <dgm:choose name="Name29">
+                  <dgm:if name="Name30" func="var" arg="dir" op="equ" val="norm">
+                    <dgm:alg type="hierChild"/>
+                  </dgm:if>
+                  <dgm:else name="Name31">
+                    <dgm:alg type="hierChild">
+                      <dgm:param type="linDir" val="fromR"/>
+                    </dgm:alg>
+                  </dgm:else>
+                </dgm:choose>
+              </dgm:else>
+            </dgm:choose>
+            <dgm:shape xmlns:r="http://schemas.openxmlformats.org/officeDocument/2006/relationships" r:blip="">
+              <dgm:adjLst/>
+            </dgm:shape>
+            <dgm:presOf/>
+            <dgm:constrLst/>
+            <dgm:ruleLst/>
+            <dgm:forEach name="rep2a" axis="ch" ptType="nonAsst">
+              <dgm:forEach name="Name32" axis="precedSib" ptType="parTrans" st="-1" cnt="1">
+                <dgm:choose name="Name33">
+                  <dgm:if name="Name34" func="var" arg="hierBranch" op="equ" val="std">
+                    <dgm:layoutNode name="Name35">
+                      <dgm:alg type="conn">
+                        <dgm:param type="connRout" val="bend"/>
+                        <dgm:param type="dim" val="1D"/>
+                        <dgm:param type="endSty" val="noArr"/>
+                        <dgm:param type="begPts" val="bCtr"/>
+                        <dgm:param type="endPts" val="tCtr"/>
+                        <dgm:param type="bendPt" val="end"/>
+                      </dgm:alg>
+                      <dgm:shape xmlns:r="http://schemas.openxmlformats.org/officeDocument/2006/relationships" type="conn" r:blip="" zOrderOff="-99999">
+                        <dgm:adjLst/>
+                      </dgm:shape>
+                      <dgm:presOf axis="self"/>
+                      <dgm:constrLst>
+                        <dgm:constr type="begPad"/>
+                        <dgm:constr type="endPad"/>
+                      </dgm:constrLst>
+                      <dgm:ruleLst/>
+                    </dgm:layoutNode>
+                  </dgm:if>
+                  <dgm:if name="Name36" func="var" arg="hierBranch" op="equ" val="init">
+                    <dgm:layoutNode name="Name37">
+                      <dgm:choose name="Name38">
+                        <dgm:if name="Name39" axis="self" func="depth" op="lte" val="2">
+                          <dgm:alg type="conn">
+                            <dgm:param type="connRout" val="bend"/>
+                            <dgm:param type="dim" val="1D"/>
+                            <dgm:param type="endSty" val="noArr"/>
+                            <dgm:param type="begPts" val="bCtr"/>
+                            <dgm:param type="endPts" val="tCtr"/>
+                            <dgm:param type="bendPt" val="end"/>
+                          </dgm:alg>
+                        </dgm:if>
+                        <dgm:else name="Name40">
+                          <dgm:choose name="Name41">
+                            <dgm:if name="Name42" axis="par des" func="maxDepth" op="lte" val="1">
+                              <dgm:choose name="Name43">
+                                <dgm:if name="Name44" axis="par ch" ptType="node asst" func="cnt" op="gte" val="1">
+                                  <dgm:alg type="conn">
+                                    <dgm:param type="connRout" val="bend"/>
+                                    <dgm:param type="dim" val="1D"/>
+                                    <dgm:param type="endSty" val="noArr"/>
+                                    <dgm:param type="begPts" val="bCtr"/>
+                                    <dgm:param type="endPts" val="midL midR"/>
+                                  </dgm:alg>
+                                </dgm:if>
+                                <dgm:else name="Name45">
+                                  <dgm:alg type="conn">
+                                    <dgm:param type="connRout" val="bend"/>
+                                    <dgm:param type="dim" val="1D"/>
+                                    <dgm:param type="endSty" val="noArr"/>
+                                    <dgm:param type="begPts" val="bCtr"/>
+                                    <dgm:param type="endPts" val="midL midR"/>
+                                    <dgm:param type="srcNode" val="rootConnector"/>
+                                  </dgm:alg>
+                                </dgm:else>
+                              </dgm:choose>
+                            </dgm:if>
+                            <dgm:else name="Name46">
+                              <dgm:alg type="conn">
+                                <dgm:param type="connRout" val="bend"/>
+                                <dgm:param type="dim" val="1D"/>
+                                <dgm:param type="endSty" val="noArr"/>
+                                <dgm:param type="begPts" val="bCtr"/>
+                                <dgm:param type="endPts" val="tCtr"/>
+                                <dgm:param type="bendPt" val="end"/>
+                              </dgm:alg>
+                            </dgm:else>
+                          </dgm:choose>
+                        </dgm:else>
+                      </dgm:choose>
+                      <dgm:shape xmlns:r="http://schemas.openxmlformats.org/officeDocument/2006/relationships" type="conn" r:blip="" zOrderOff="-99999">
+                        <dgm:adjLst/>
+                      </dgm:shape>
+                      <dgm:presOf axis="self"/>
+                      <dgm:constrLst>
+                        <dgm:constr type="begPad"/>
+                        <dgm:constr type="endPad"/>
+                      </dgm:constrLst>
+                      <dgm:ruleLst/>
+                    </dgm:layoutNode>
+                  </dgm:if>
+                  <dgm:if name="Name47" func="var" arg="hierBranch" op="equ" val="hang">
+                    <dgm:layoutNode name="Name48">
+                      <dgm:alg type="conn">
+                        <dgm:param type="connRout" val="bend"/>
+                        <dgm:param type="dim" val="1D"/>
+                        <dgm:param type="endSty" val="noArr"/>
+                        <dgm:param type="begPts" val="bCtr"/>
+                        <dgm:param type="endPts" val="midL midR"/>
+                      </dgm:alg>
+                      <dgm:shape xmlns:r="http://schemas.openxmlformats.org/officeDocument/2006/relationships" type="conn" r:blip="" zOrderOff="-99999">
+                        <dgm:adjLst/>
+                      </dgm:shape>
+                      <dgm:presOf axis="self"/>
+                      <dgm:constrLst>
+                        <dgm:constr type="begPad"/>
+                        <dgm:constr type="endPad"/>
+                      </dgm:constrLst>
+                      <dgm:ruleLst/>
+                    </dgm:layoutNode>
+                  </dgm:if>
+                  <dgm:else name="Name49">
+                    <dgm:layoutNode name="Name50">
+                      <dgm:choose name="Name51">
+                        <dgm:if name="Name52" axis="self" func="depth" op="lte" val="2">
+                          <dgm:choose name="Name53">
+                            <dgm:if name="Name54" axis="par ch" ptType="node asst" func="cnt" op="gte" val="1">
+                              <dgm:alg type="conn">
+                                <dgm:param type="connRout" val="bend"/>
+                                <dgm:param type="dim" val="1D"/>
+                                <dgm:param type="endSty" val="noArr"/>
+                                <dgm:param type="begPts" val="bCtr"/>
+                                <dgm:param type="endPts" val="midL midR"/>
+                              </dgm:alg>
+                            </dgm:if>
+                            <dgm:else name="Name55">
+                              <dgm:alg type="conn">
+                                <dgm:param type="connRout" val="bend"/>
+                                <dgm:param type="dim" val="1D"/>
+                                <dgm:param type="endSty" val="noArr"/>
+                                <dgm:param type="begPts" val="bCtr"/>
+                                <dgm:param type="endPts" val="midL midR"/>
+                                <dgm:param type="srcNode" val="rootConnector1"/>
+                              </dgm:alg>
+                            </dgm:else>
+                          </dgm:choose>
+                        </dgm:if>
+                        <dgm:else name="Name56">
+                          <dgm:choose name="Name57">
+                            <dgm:if name="Name58" axis="par ch" ptType="node asst" func="cnt" op="gte" val="1">
+                              <dgm:alg type="conn">
+                                <dgm:param type="connRout" val="bend"/>
+                                <dgm:param type="dim" val="1D"/>
+                                <dgm:param type="endSty" val="noArr"/>
+                                <dgm:param type="begPts" val="bCtr"/>
+                                <dgm:param type="endPts" val="midL midR"/>
+                              </dgm:alg>
+                            </dgm:if>
+                            <dgm:else name="Name59">
+                              <dgm:alg type="conn">
+                                <dgm:param type="connRout" val="bend"/>
+                                <dgm:param type="dim" val="1D"/>
+                                <dgm:param type="endSty" val="noArr"/>
+                                <dgm:param type="begPts" val="bCtr"/>
+                                <dgm:param type="endPts" val="midL midR"/>
+                                <dgm:param type="srcNode" val="rootConnector"/>
+                              </dgm:alg>
+                            </dgm:else>
+                          </dgm:choose>
+                        </dgm:else>
+                      </dgm:choose>
+                      <dgm:shape xmlns:r="http://schemas.openxmlformats.org/officeDocument/2006/relationships" type="conn" r:blip="" zOrderOff="-99999">
+                        <dgm:adjLst/>
+                      </dgm:shape>
+                      <dgm:presOf axis="self"/>
+                      <dgm:constrLst>
+                        <dgm:constr type="begPad"/>
+                        <dgm:constr type="endPad"/>
+                      </dgm:constrLst>
+                      <dgm:ruleLst/>
+                    </dgm:layoutNode>
+                  </dgm:else>
+                </dgm:choose>
+              </dgm:forEach>
+              <dgm:layoutNode name="hierRoot2">
+                <dgm:varLst>
+                  <dgm:hierBranch val="init"/>
+                </dgm:varLst>
+                <dgm:choose name="Name60">
+                  <dgm:if name="Name61" func="var" arg="hierBranch" op="equ" val="l">
+                    <dgm:choose name="Name62">
+                      <dgm:if name="Name63" axis="ch" ptType="asst" func="cnt" op="gte" val="1">
+                        <dgm:alg type="hierRoot">
+                          <dgm:param type="hierAlign" val="tR"/>
+                        </dgm:alg>
+                        <dgm:shape xmlns:r="http://schemas.openxmlformats.org/officeDocument/2006/relationships" r:blip="">
+                          <dgm:adjLst/>
+                        </dgm:shape>
+                        <dgm:presOf/>
+                        <dgm:constrLst>
+                          <dgm:constr type="alignOff" val="0.65"/>
+                        </dgm:constrLst>
+                      </dgm:if>
+                      <dgm:else name="Name64">
+                        <dgm:alg type="hierRoot">
+                          <dgm:param type="hierAlign" val="tR"/>
+                        </dgm:alg>
+                        <dgm:shape xmlns:r="http://schemas.openxmlformats.org/officeDocument/2006/relationships" r:blip="">
+                          <dgm:adjLst/>
+                        </dgm:shape>
+                        <dgm:presOf/>
+                        <dgm:constrLst>
+                          <dgm:constr type="alignOff" val="0.25"/>
+                        </dgm:constrLst>
+                      </dgm:else>
+                    </dgm:choose>
+                  </dgm:if>
+                  <dgm:if name="Name65" func="var" arg="hierBranch" op="equ" val="r">
+                    <dgm:choose name="Name66">
+                      <dgm:if name="Name67" axis="ch" ptType="asst" func="cnt" op="gte" val="1">
+                        <dgm:alg type="hierRoot">
+                          <dgm:param type="hierAlign" val="tL"/>
+                        </dgm:alg>
+                        <dgm:shape xmlns:r="http://schemas.openxmlformats.org/officeDocument/2006/relationships" r:blip="">
+                          <dgm:adjLst/>
+                        </dgm:shape>
+                        <dgm:presOf/>
+                        <dgm:constrLst>
+                          <dgm:constr type="alignOff" val="0.65"/>
+                        </dgm:constrLst>
+                      </dgm:if>
+                      <dgm:else name="Name68">
+                        <dgm:alg type="hierRoot">
+                          <dgm:param type="hierAlign" val="tL"/>
+                        </dgm:alg>
+                        <dgm:shape xmlns:r="http://schemas.openxmlformats.org/officeDocument/2006/relationships" r:blip="">
+                          <dgm:adjLst/>
+                        </dgm:shape>
+                        <dgm:presOf/>
+                        <dgm:constrLst>
+                          <dgm:constr type="alignOff" val="0.25"/>
+                        </dgm:constrLst>
+                      </dgm:else>
+                    </dgm:choose>
+                  </dgm:if>
+                  <dgm:if name="Name69" func="var" arg="hierBranch" op="equ" val="std">
+                    <dgm:alg type="hierRoot"/>
+                    <dgm:shape xmlns:r="http://schemas.openxmlformats.org/officeDocument/2006/relationships" r:blip="">
+                      <dgm:adjLst/>
+                    </dgm:shape>
+                    <dgm:presOf/>
+                    <dgm:constrLst>
+                      <dgm:constr type="alignOff"/>
+                      <dgm:constr type="bendDist" for="des" ptType="parTrans" refType="sp" fact="0.5"/>
+                    </dgm:constrLst>
+                  </dgm:if>
+                  <dgm:if name="Name70" func="var" arg="hierBranch" op="equ" val="init">
+                    <dgm:choose name="Name71">
+                      <dgm:if name="Name72" axis="des" func="maxDepth" op="lte" val="1">
+                        <dgm:choose name="Name73">
+                          <dgm:if name="Name74" axis="ch" ptType="asst" func="cnt" op="gte" val="1">
+                            <dgm:alg type="hierRoot">
+                              <dgm:param type="hierAlign" val="tL"/>
+                            </dgm:alg>
+                            <dgm:shape xmlns:r="http://schemas.openxmlformats.org/officeDocument/2006/relationships" r:blip="">
+                              <dgm:adjLst/>
+                            </dgm:shape>
+                            <dgm:presOf/>
+                            <dgm:constrLst>
+                              <dgm:constr type="alignOff" val="0.65"/>
+                            </dgm:constrLst>
+                          </dgm:if>
+                          <dgm:else name="Name75">
+                            <dgm:alg type="hierRoot">
+                              <dgm:param type="hierAlign" val="tL"/>
+                            </dgm:alg>
+                            <dgm:shape xmlns:r="http://schemas.openxmlformats.org/officeDocument/2006/relationships" r:blip="">
+                              <dgm:adjLst/>
+                            </dgm:shape>
+                            <dgm:presOf/>
+                            <dgm:constrLst>
+                              <dgm:constr type="alignOff" val="0.25"/>
+                            </dgm:constrLst>
+                          </dgm:else>
+                        </dgm:choose>
+                      </dgm:if>
+                      <dgm:else name="Name76">
+                        <dgm:alg type="hierRoot"/>
+                        <dgm:shape xmlns:r="http://schemas.openxmlformats.org/officeDocument/2006/relationships" r:blip="">
+                          <dgm:adjLst/>
+                        </dgm:shape>
+                        <dgm:presOf/>
+                        <dgm:constrLst>
+                          <dgm:constr type="alignOff"/>
+                          <dgm:constr type="bendDist" for="des" ptType="parTrans" refType="sp" fact="0.5"/>
+                        </dgm:constrLst>
+                      </dgm:else>
+                    </dgm:choose>
+                  </dgm:if>
+                  <dgm:else name="Name77">
+                    <dgm:alg type="hierRoot"/>
+                    <dgm:shape xmlns:r="http://schemas.openxmlformats.org/officeDocument/2006/relationships" r:blip="">
+                      <dgm:adjLst/>
+                    </dgm:shape>
+                    <dgm:presOf/>
+                    <dgm:constrLst>
+                      <dgm:constr type="alignOff" val="0.65"/>
+                    </dgm:constrLst>
+                  </dgm:else>
+                </dgm:choose>
+                <dgm:ruleLst/>
+                <dgm:layoutNode name="rootComposite">
+                  <dgm:alg type="composite"/>
+                  <dgm:shape xmlns:r="http://schemas.openxmlformats.org/officeDocument/2006/relationships" r:blip="">
+                    <dgm:adjLst/>
+                  </dgm:shape>
+                  <dgm:presOf axis="self" ptType="node" cnt="1"/>
+                  <dgm:choose name="Name78">
+                    <dgm:if name="Name79" func="var" arg="hierBranch" op="equ" val="init">
+                      <dgm:constrLst>
+                        <dgm:constr type="l" for="ch" forName="rootText"/>
+                        <dgm:constr type="t" for="ch" forName="rootText"/>
+                        <dgm:constr type="w" for="ch" forName="rootText" refType="w"/>
+                        <dgm:constr type="h" for="ch" forName="rootText" refType="h"/>
+                        <dgm:constr type="l" for="ch" forName="rootConnector"/>
+                        <dgm:constr type="t" for="ch" forName="rootConnector"/>
+                        <dgm:constr type="w" for="ch" forName="rootConnector" refType="w" refFor="ch" refForName="rootText" fact="0.2"/>
+                        <dgm:constr type="h" for="ch" forName="rootConnector" refType="h" refFor="ch" refForName="rootText"/>
+                      </dgm:constrLst>
+                    </dgm:if>
+                    <dgm:if name="Name80" func="var" arg="hierBranch" op="equ" val="l">
+                      <dgm:constrLst>
+                        <dgm:constr type="l" for="ch" forName="rootText"/>
+                        <dgm:constr type="t" for="ch" forName="rootText"/>
+                        <dgm:constr type="w" for="ch" forName="rootText" refType="w"/>
+                        <dgm:constr type="h" for="ch" forName="rootText" refType="h"/>
+                        <dgm:constr type="r" for="ch" forName="rootConnector" refType="w"/>
+                        <dgm:constr type="t" for="ch" forName="rootConnector"/>
+                        <dgm:constr type="w" for="ch" forName="rootConnector" refType="w" refFor="ch" refForName="rootText" fact="0.2"/>
+                        <dgm:constr type="h" for="ch" forName="rootConnector" refType="h" refFor="ch" refForName="rootText"/>
+                      </dgm:constrLst>
+                    </dgm:if>
+                    <dgm:if name="Name81" func="var" arg="hierBranch" op="equ" val="r">
+                      <dgm:constrLst>
+                        <dgm:constr type="l" for="ch" forName="rootText"/>
+                        <dgm:constr type="t" for="ch" forName="rootText"/>
+                        <dgm:constr type="w" for="ch" forName="rootText" refType="w"/>
+                        <dgm:constr type="h" for="ch" forName="rootText" refType="h"/>
+                        <dgm:constr type="l" for="ch" forName="rootConnector"/>
+                        <dgm:constr type="t" for="ch" forName="rootConnector"/>
+                        <dgm:constr type="w" for="ch" forName="rootConnector" refType="w" refFor="ch" refForName="rootText" fact="0.2"/>
+                        <dgm:constr type="h" for="ch" forName="rootConnector" refType="h" refFor="ch" refForName="rootText"/>
+                      </dgm:constrLst>
+                    </dgm:if>
+                    <dgm:else name="Name82">
+                      <dgm:constrLst>
+                        <dgm:constr type="l" for="ch" forName="rootText"/>
+                        <dgm:constr type="t" for="ch" forName="rootText"/>
+                        <dgm:constr type="w" for="ch" forName="rootText" refType="w"/>
+                        <dgm:constr type="h" for="ch" forName="rootText" refType="h"/>
+                        <dgm:constr type="r" for="ch" forName="rootConnector" refType="w"/>
+                        <dgm:constr type="t" for="ch" forName="rootConnector"/>
+                        <dgm:constr type="w" for="ch" forName="rootConnector" refType="w" refFor="ch" refForName="rootText" fact="0.2"/>
+                        <dgm:constr type="h" for="ch" forName="rootConnector" refType="h" refFor="ch" refForName="rootText"/>
+                      </dgm:constrLst>
+                    </dgm:else>
+                  </dgm:choose>
+                  <dgm:ruleLst/>
+                  <dgm:layoutNode name="rootText">
+                    <dgm:varLst>
+                      <dgm:chPref val="3"/>
+                    </dgm:varLst>
+                    <dgm:alg type="tx"/>
+                    <dgm:shape xmlns:r="http://schemas.openxmlformats.org/officeDocument/2006/relationships" type="rect" r:blip="">
+                      <dgm:adjLst/>
+                    </dgm:shape>
+                    <dgm:presOf axis="self" ptType="node" cnt="1"/>
+                    <dgm:constrLst>
+                      <dgm:constr type="primFontSz" val="65"/>
+                      <dgm:constr type="lMarg" refType="primFontSz" fact="0.05"/>
+                      <dgm:constr type="rMarg" refType="primFontSz" fact="0.05"/>
+                      <dgm:constr type="tMarg" refType="primFontSz" fact="0.05"/>
+                      <dgm:constr type="bMarg" refType="primFontSz" fact="0.05"/>
+                    </dgm:constrLst>
+                    <dgm:ruleLst>
+                      <dgm:rule type="primFontSz" val="5" fact="NaN" max="NaN"/>
+                    </dgm:ruleLst>
+                  </dgm:layoutNode>
+                  <dgm:layoutNode name="rootConnector" moveWith="rootText">
+                    <dgm:alg type="sp"/>
+                    <dgm:shape xmlns:r="http://schemas.openxmlformats.org/officeDocument/2006/relationships" type="rect" r:blip="" hideGeom="1">
+                      <dgm:adjLst/>
+                    </dgm:shape>
+                    <dgm:presOf axis="self" ptType="node" cnt="1"/>
+                    <dgm:constrLst/>
+                    <dgm:ruleLst/>
+                  </dgm:layoutNode>
+                </dgm:layoutNode>
+                <dgm:layoutNode name="hierChild4">
+                  <dgm:choose name="Name83">
+                    <dgm:if name="Name84" func="var" arg="hierBranch" op="equ" val="l">
+                      <dgm:alg type="hierChild">
+                        <dgm:param type="chAlign" val="r"/>
+                        <dgm:param type="linDir" val="fromT"/>
+                      </dgm:alg>
+                    </dgm:if>
+                    <dgm:if name="Name85" func="var" arg="hierBranch" op="equ" val="r">
+                      <dgm:alg type="hierChild">
+                        <dgm:param type="chAlign" val="l"/>
+                        <dgm:param type="linDir" val="fromT"/>
+                      </dgm:alg>
+                    </dgm:if>
+                    <dgm:if name="Name86" func="var" arg="hierBranch" op="equ" val="hang">
+                      <dgm:choose name="Name87">
+                        <dgm:if name="Name88" func="var" arg="dir" op="equ" val="norm">
+                          <dgm:alg type="hierChild">
+                            <dgm:param type="chAlign" val="l"/>
+                            <dgm:param type="linDir" val="fromL"/>
+                            <dgm:param type="secChAlign" val="t"/>
+                            <dgm:param type="secLinDir" val="fromT"/>
+                          </dgm:alg>
+                        </dgm:if>
+                        <dgm:else name="Name89">
+                          <dgm:alg type="hierChild">
+                            <dgm:param type="chAlign" val="l"/>
+                            <dgm:param type="linDir" val="fromR"/>
+                            <dgm:param type="secChAlign" val="t"/>
+                            <dgm:param type="secLinDir" val="fromT"/>
+                          </dgm:alg>
+                        </dgm:else>
+                      </dgm:choose>
+                    </dgm:if>
+                    <dgm:if name="Name90" func="var" arg="hierBranch" op="equ" val="std">
+                      <dgm:choose name="Name91">
+                        <dgm:if name="Name92" func="var" arg="dir" op="equ" val="norm">
+                          <dgm:alg type="hierChild"/>
+                        </dgm:if>
+                        <dgm:else name="Name93">
+                          <dgm:alg type="hierChild">
+                            <dgm:param type="linDir" val="fromR"/>
+                          </dgm:alg>
+                        </dgm:else>
+                      </dgm:choose>
+                    </dgm:if>
+                    <dgm:if name="Name94" func="var" arg="hierBranch" op="equ" val="init">
+                      <dgm:choose name="Name95">
+                        <dgm:if name="Name96" axis="des" func="maxDepth" op="lte" val="1">
+                          <dgm:alg type="hierChild">
+                            <dgm:param type="chAlign" val="l"/>
+                            <dgm:param type="linDir" val="fromT"/>
+                          </dgm:alg>
+                        </dgm:if>
+                        <dgm:else name="Name97">
+                          <dgm:choose name="Name98">
+                            <dgm:if name="Name99" func="var" arg="dir" op="equ" val="norm">
+                              <dgm:alg type="hierChild"/>
+                            </dgm:if>
+                            <dgm:else name="Name100">
+                              <dgm:alg type="hierChild">
+                                <dgm:param type="linDir" val="fromR"/>
+                              </dgm:alg>
+                            </dgm:else>
+                          </dgm:choose>
+                        </dgm:else>
+                      </dgm:choose>
+                    </dgm:if>
+                    <dgm:else name="Name101"/>
+                  </dgm:choose>
+                  <dgm:shape xmlns:r="http://schemas.openxmlformats.org/officeDocument/2006/relationships" r:blip="">
+                    <dgm:adjLst/>
+                  </dgm:shape>
+                  <dgm:presOf/>
+                  <dgm:constrLst/>
+                  <dgm:ruleLst/>
+                  <dgm:forEach name="Name102" ref="rep2a"/>
+                </dgm:layoutNode>
+                <dgm:layoutNode name="hierChild5">
+                  <dgm:choose name="Name103">
+                    <dgm:if name="Name104" func="var" arg="dir" op="equ" val="norm">
+                      <dgm:alg type="hierChild">
+                        <dgm:param type="chAlign" val="l"/>
+                        <dgm:param type="linDir" val="fromL"/>
+                        <dgm:param type="secChAlign" val="t"/>
+                        <dgm:param type="secLinDir" val="fromT"/>
+                      </dgm:alg>
+                    </dgm:if>
+                    <dgm:else name="Name105">
+                      <dgm:alg type="hierChild">
+                        <dgm:param type="chAlign" val="l"/>
+                        <dgm:param type="linDir" val="fromR"/>
+                        <dgm:param type="secChAlign" val="t"/>
+                        <dgm:param type="secLinDir" val="fromT"/>
+                      </dgm:alg>
+                    </dgm:else>
+                  </dgm:choose>
+                  <dgm:shape xmlns:r="http://schemas.openxmlformats.org/officeDocument/2006/relationships" r:blip="">
+                    <dgm:adjLst/>
+                  </dgm:shape>
+                  <dgm:presOf/>
+                  <dgm:constrLst/>
+                  <dgm:ruleLst/>
+                  <dgm:forEach name="Name106" ref="rep2b"/>
+                </dgm:layoutNode>
+              </dgm:layoutNode>
+            </dgm:forEach>
+          </dgm:layoutNode>
+          <dgm:layoutNode name="hierChild3">
+            <dgm:choose name="Name107">
+              <dgm:if name="Name108" func="var" arg="dir" op="equ" val="norm">
+                <dgm:alg type="hierChild">
+                  <dgm:param type="chAlign" val="l"/>
+                  <dgm:param type="linDir" val="fromL"/>
+                  <dgm:param type="secChAlign" val="t"/>
+                  <dgm:param type="secLinDir" val="fromT"/>
+                </dgm:alg>
+              </dgm:if>
+              <dgm:else name="Name109">
+                <dgm:alg type="hierChild">
+                  <dgm:param type="chAlign" val="l"/>
+                  <dgm:param type="linDir" val="fromR"/>
+                  <dgm:param type="secChAlign" val="t"/>
+                  <dgm:param type="secLinDir" val="fromT"/>
+                </dgm:alg>
+              </dgm:else>
+            </dgm:choose>
+            <dgm:shape xmlns:r="http://schemas.openxmlformats.org/officeDocument/2006/relationships" r:blip="">
+              <dgm:adjLst/>
+            </dgm:shape>
+            <dgm:presOf/>
+            <dgm:constrLst/>
+            <dgm:ruleLst/>
+            <dgm:forEach name="rep2b" axis="ch" ptType="asst">
+              <dgm:forEach name="Name110" axis="precedSib" ptType="parTrans" st="-1" cnt="1">
+                <dgm:layoutNode name="Name111">
+                  <dgm:alg type="conn">
+                    <dgm:param type="connRout" val="bend"/>
+                    <dgm:param type="dim" val="1D"/>
+                    <dgm:param type="endSty" val="noArr"/>
+                    <dgm:param type="begPts" val="bCtr"/>
+                    <dgm:param type="endPts" val="midL midR"/>
+                  </dgm:alg>
+                  <dgm:shape xmlns:r="http://schemas.openxmlformats.org/officeDocument/2006/relationships" type="conn" r:blip="" zOrderOff="-99999">
+                    <dgm:adjLst/>
+                  </dgm:shape>
+                  <dgm:presOf axis="self"/>
+                  <dgm:constrLst>
+                    <dgm:constr type="begPad"/>
+                    <dgm:constr type="endPad"/>
+                  </dgm:constrLst>
+                  <dgm:ruleLst/>
+                </dgm:layoutNode>
+              </dgm:forEach>
+              <dgm:layoutNode name="hierRoot3">
+                <dgm:varLst>
+                  <dgm:hierBranch val="init"/>
+                </dgm:varLst>
+                <dgm:choose name="Name112">
+                  <dgm:if name="Name113" func="var" arg="hierBranch" op="equ" val="l">
+                    <dgm:alg type="hierRoot">
+                      <dgm:param type="hierAlign" val="tR"/>
+                    </dgm:alg>
+                    <dgm:shape xmlns:r="http://schemas.openxmlformats.org/officeDocument/2006/relationships" r:blip="">
+                      <dgm:adjLst/>
+                    </dgm:shape>
+                    <dgm:presOf/>
+                    <dgm:constrLst>
+                      <dgm:constr type="alignOff" val="0.65"/>
+                    </dgm:constrLst>
+                  </dgm:if>
+                  <dgm:if name="Name114" func="var" arg="hierBranch" op="equ" val="r">
+                    <dgm:alg type="hierRoot">
+                      <dgm:param type="hierAlign" val="tL"/>
+                    </dgm:alg>
+                    <dgm:shape xmlns:r="http://schemas.openxmlformats.org/officeDocument/2006/relationships" r:blip="">
+                      <dgm:adjLst/>
+                    </dgm:shape>
+                    <dgm:presOf/>
+                    <dgm:constrLst>
+                      <dgm:constr type="alignOff" val="0.65"/>
+                    </dgm:constrLst>
+                  </dgm:if>
+                  <dgm:if name="Name115" func="var" arg="hierBranch" op="equ" val="hang">
+                    <dgm:alg type="hierRoot"/>
+                    <dgm:shape xmlns:r="http://schemas.openxmlformats.org/officeDocument/2006/relationships" r:blip="">
+                      <dgm:adjLst/>
+                    </dgm:shape>
+                    <dgm:presOf/>
+                    <dgm:constrLst>
+                      <dgm:constr type="alignOff" val="0.65"/>
+                    </dgm:constrLst>
+                  </dgm:if>
+                  <dgm:if name="Name116" func="var" arg="hierBranch" op="equ" val="std">
+                    <dgm:alg type="hierRoot"/>
+                    <dgm:shape xmlns:r="http://schemas.openxmlformats.org/officeDocument/2006/relationships" r:blip="">
+                      <dgm:adjLst/>
+                    </dgm:shape>
+                    <dgm:presOf/>
+                    <dgm:constrLst>
+                      <dgm:constr type="alignOff"/>
+                      <dgm:constr type="bendDist" for="des" ptType="parTrans" refType="sp" fact="0.5"/>
+                    </dgm:constrLst>
+                  </dgm:if>
+                  <dgm:if name="Name117" func="var" arg="hierBranch" op="equ" val="init">
+                    <dgm:choose name="Name118">
+                      <dgm:if name="Name119" axis="des" func="maxDepth" op="lte" val="1">
+                        <dgm:alg type="hierRoot">
+                          <dgm:param type="hierAlign" val="tL"/>
+                        </dgm:alg>
+                        <dgm:shape xmlns:r="http://schemas.openxmlformats.org/officeDocument/2006/relationships" r:blip="">
+                          <dgm:adjLst/>
+                        </dgm:shape>
+                        <dgm:presOf/>
+                        <dgm:constrLst>
+                          <dgm:constr type="alignOff" val="0.65"/>
+                        </dgm:constrLst>
+                      </dgm:if>
+                      <dgm:else name="Name120">
+                        <dgm:alg type="hierRoot"/>
+                        <dgm:shape xmlns:r="http://schemas.openxmlformats.org/officeDocument/2006/relationships" r:blip="">
+                          <dgm:adjLst/>
+                        </dgm:shape>
+                        <dgm:presOf/>
+                        <dgm:constrLst>
+                          <dgm:constr type="alignOff"/>
+                          <dgm:constr type="bendDist" for="des" ptType="parTrans" refType="sp" fact="0.5"/>
+                        </dgm:constrLst>
+                      </dgm:else>
+                    </dgm:choose>
+                  </dgm:if>
+                  <dgm:else name="Name121"/>
+                </dgm:choose>
+                <dgm:ruleLst/>
+                <dgm:layoutNode name="rootComposite3">
+                  <dgm:alg type="composite"/>
+                  <dgm:shape xmlns:r="http://schemas.openxmlformats.org/officeDocument/2006/relationships" r:blip="">
+                    <dgm:adjLst/>
+                  </dgm:shape>
+                  <dgm:presOf axis="self" ptType="node" cnt="1"/>
+                  <dgm:choose name="Name122">
+                    <dgm:if name="Name123" func="var" arg="hierBranch" op="equ" val="init">
+                      <dgm:constrLst>
+                        <dgm:constr type="l" for="ch" forName="rootText3"/>
+                        <dgm:constr type="t" for="ch" forName="rootText3"/>
+                        <dgm:constr type="w" for="ch" forName="rootText3" refType="w"/>
+                        <dgm:constr type="h" for="ch" forName="rootText3" refType="h"/>
+                        <dgm:constr type="l" for="ch" forName="rootConnector3"/>
+                        <dgm:constr type="t" for="ch" forName="rootConnector3"/>
+                        <dgm:constr type="w" for="ch" forName="rootConnector3" refType="w" refFor="ch" refForName="rootText3" fact="0.2"/>
+                        <dgm:constr type="h" for="ch" forName="rootConnector3" refType="h" refFor="ch" refForName="rootText3"/>
+                      </dgm:constrLst>
+                    </dgm:if>
+                    <dgm:if name="Name124" func="var" arg="hierBranch" op="equ" val="l">
+                      <dgm:constrLst>
+                        <dgm:constr type="l" for="ch" forName="rootText3"/>
+                        <dgm:constr type="t" for="ch" forName="rootText3"/>
+                        <dgm:constr type="w" for="ch" forName="rootText3" refType="w"/>
+                        <dgm:constr type="h" for="ch" forName="rootText3" refType="h"/>
+                        <dgm:constr type="r" for="ch" forName="rootConnector3" refType="w"/>
+                        <dgm:constr type="t" for="ch" forName="rootConnector3"/>
+                        <dgm:constr type="w" for="ch" forName="rootConnector3" refType="w" refFor="ch" refForName="rootText3" fact="0.2"/>
+                        <dgm:constr type="h" for="ch" forName="rootConnector3" refType="h" refFor="ch" refForName="rootText3"/>
+                      </dgm:constrLst>
+                    </dgm:if>
+                    <dgm:if name="Name125" func="var" arg="hierBranch" op="equ" val="r">
+                      <dgm:constrLst>
+                        <dgm:constr type="l" for="ch" forName="rootText3"/>
+                        <dgm:constr type="t" for="ch" forName="rootText3"/>
+                        <dgm:constr type="w" for="ch" forName="rootText3" refType="w"/>
+                        <dgm:constr type="h" for="ch" forName="rootText3" refType="h"/>
+                        <dgm:constr type="l" for="ch" forName="rootConnector3"/>
+                        <dgm:constr type="t" for="ch" forName="rootConnector3"/>
+                        <dgm:constr type="w" for="ch" forName="rootConnector3" refType="w" refFor="ch" refForName="rootText3" fact="0.2"/>
+                        <dgm:constr type="h" for="ch" forName="rootConnector3" refType="h" refFor="ch" refForName="rootText3"/>
+                      </dgm:constrLst>
+                    </dgm:if>
+                    <dgm:else name="Name126">
+                      <dgm:constrLst>
+                        <dgm:constr type="l" for="ch" forName="rootText3"/>
+                        <dgm:constr type="t" for="ch" forName="rootText3"/>
+                        <dgm:constr type="w" for="ch" forName="rootText3" refType="w"/>
+                        <dgm:constr type="h" for="ch" forName="rootText3" refType="h"/>
+                        <dgm:constr type="r" for="ch" forName="rootConnector3" refType="w"/>
+                        <dgm:constr type="t" for="ch" forName="rootConnector3"/>
+                        <dgm:constr type="w" for="ch" forName="rootConnector3" refType="w" refFor="ch" refForName="rootText3" fact="0.2"/>
+                        <dgm:constr type="h" for="ch" forName="rootConnector3" refType="h" refFor="ch" refForName="rootText3"/>
+                      </dgm:constrLst>
+                    </dgm:else>
+                  </dgm:choose>
+                  <dgm:ruleLst/>
+                  <dgm:layoutNode name="rootText3">
+                    <dgm:varLst>
+                      <dgm:chPref val="3"/>
+                    </dgm:varLst>
+                    <dgm:alg type="tx"/>
+                    <dgm:shape xmlns:r="http://schemas.openxmlformats.org/officeDocument/2006/relationships" type="rect" r:blip="">
+                      <dgm:adjLst/>
+                    </dgm:shape>
+                    <dgm:presOf axis="self" ptType="node" cnt="1"/>
+                    <dgm:constrLst>
+                      <dgm:constr type="primFontSz" val="65"/>
+                      <dgm:constr type="lMarg" refType="primFontSz" fact="0.05"/>
+                      <dgm:constr type="rMarg" refType="primFontSz" fact="0.05"/>
+                      <dgm:constr type="tMarg" refType="primFontSz" fact="0.05"/>
+                      <dgm:constr type="bMarg" refType="primFontSz" fact="0.05"/>
+                    </dgm:constrLst>
+                    <dgm:ruleLst>
+                      <dgm:rule type="primFontSz" val="5" fact="NaN" max="NaN"/>
+                    </dgm:ruleLst>
+                  </dgm:layoutNode>
+                  <dgm:layoutNode name="rootConnector3" moveWith="rootText1">
+                    <dgm:alg type="sp"/>
+                    <dgm:shape xmlns:r="http://schemas.openxmlformats.org/officeDocument/2006/relationships" type="rect" r:blip="" hideGeom="1">
+                      <dgm:adjLst/>
+                    </dgm:shape>
+                    <dgm:presOf axis="self" ptType="node" cnt="1"/>
+                    <dgm:constrLst/>
+                    <dgm:ruleLst/>
+                  </dgm:layoutNode>
+                </dgm:layoutNode>
+                <dgm:layoutNode name="hierChild6">
+                  <dgm:choose name="Name127">
+                    <dgm:if name="Name128" func="var" arg="hierBranch" op="equ" val="l">
+                      <dgm:alg type="hierChild">
+                        <dgm:param type="chAlign" val="r"/>
+                        <dgm:param type="linDir" val="fromT"/>
+                      </dgm:alg>
+                    </dgm:if>
+                    <dgm:if name="Name129" func="var" arg="hierBranch" op="equ" val="r">
+                      <dgm:alg type="hierChild">
+                        <dgm:param type="chAlign" val="l"/>
+                        <dgm:param type="linDir" val="fromT"/>
+                      </dgm:alg>
+                    </dgm:if>
+                    <dgm:if name="Name130" func="var" arg="hierBranch" op="equ" val="hang">
+                      <dgm:choose name="Name131">
+                        <dgm:if name="Name132" func="var" arg="dir" op="equ" val="norm">
+                          <dgm:alg type="hierChild">
+                            <dgm:param type="chAlign" val="l"/>
+                            <dgm:param type="linDir" val="fromL"/>
+                            <dgm:param type="secChAlign" val="t"/>
+                            <dgm:param type="secLinDir" val="fromT"/>
+                          </dgm:alg>
+                        </dgm:if>
+                        <dgm:else name="Name133">
+                          <dgm:alg type="hierChild">
+                            <dgm:param type="chAlign" val="l"/>
+                            <dgm:param type="linDir" val="fromR"/>
+                            <dgm:param type="secChAlign" val="t"/>
+                            <dgm:param type="secLinDir" val="fromT"/>
+                          </dgm:alg>
+                        </dgm:else>
+                      </dgm:choose>
+                    </dgm:if>
+                    <dgm:if name="Name134" func="var" arg="hierBranch" op="equ" val="std">
+                      <dgm:choose name="Name135">
+                        <dgm:if name="Name136" func="var" arg="dir" op="equ" val="norm">
+                          <dgm:alg type="hierChild"/>
+                        </dgm:if>
+                        <dgm:else name="Name137">
+                          <dgm:alg type="hierChild">
+                            <dgm:param type="linDir" val="fromR"/>
+                          </dgm:alg>
+                        </dgm:else>
+                      </dgm:choose>
+                    </dgm:if>
+                    <dgm:if name="Name138" func="var" arg="hierBranch" op="equ" val="init">
+                      <dgm:choose name="Name139">
+                        <dgm:if name="Name140" axis="des" func="maxDepth" op="lte" val="1">
+                          <dgm:alg type="hierChild">
+                            <dgm:param type="chAlign" val="l"/>
+                            <dgm:param type="linDir" val="fromT"/>
+                          </dgm:alg>
+                        </dgm:if>
+                        <dgm:else name="Name141">
+                          <dgm:alg type="hierChild"/>
+                        </dgm:else>
+                      </dgm:choose>
+                    </dgm:if>
+                    <dgm:else name="Name142"/>
+                  </dgm:choose>
+                  <dgm:shape xmlns:r="http://schemas.openxmlformats.org/officeDocument/2006/relationships" r:blip="">
+                    <dgm:adjLst/>
+                  </dgm:shape>
+                  <dgm:presOf/>
+                  <dgm:constrLst/>
+                  <dgm:ruleLst/>
+                  <dgm:forEach name="Name143" ref="rep2a"/>
+                </dgm:layoutNode>
+                <dgm:layoutNode name="hierChild7">
+                  <dgm:choose name="Name144">
+                    <dgm:if name="Name145" func="var" arg="dir" op="equ" val="norm">
+                      <dgm:alg type="hierChild">
+                        <dgm:param type="chAlign" val="l"/>
+                        <dgm:param type="linDir" val="fromL"/>
+                        <dgm:param type="secChAlign" val="t"/>
+                        <dgm:param type="secLinDir" val="fromT"/>
+                      </dgm:alg>
+                    </dgm:if>
+                    <dgm:else name="Name146">
+                      <dgm:alg type="hierChild">
+                        <dgm:param type="chAlign" val="l"/>
+                        <dgm:param type="linDir" val="fromR"/>
+                        <dgm:param type="secChAlign" val="t"/>
+                        <dgm:param type="secLinDir" val="fromT"/>
+                      </dgm:alg>
+                    </dgm:else>
+                  </dgm:choose>
+                  <dgm:shape xmlns:r="http://schemas.openxmlformats.org/officeDocument/2006/relationships" r:blip="">
+                    <dgm:adjLst/>
+                  </dgm:shape>
+                  <dgm:presOf/>
+                  <dgm:constrLst/>
+                  <dgm:ruleLst/>
+                  <dgm:forEach name="Name147" ref="rep2b"/>
+                </dgm:layoutNode>
+              </dgm:layoutNode>
+            </dgm:forEach>
+          </dgm:layoutNode>
+        </dgm:layoutNode>
+      </dgm:forEach>
+    </dgm:forEach>
+  </dgm:layoutNode>
+</dgm:layoutDef>
+</file>
+
 <file path=ppt/diagrams/quickStyle1.xml><?xml version="1.0" encoding="utf-8"?>
 <dgm:styleDef xmlns:dgm="http://schemas.openxmlformats.org/drawingml/2006/diagram" xmlns:a="http://schemas.openxmlformats.org/drawingml/2006/main" uniqueId="urn:microsoft.com/office/officeart/2005/8/quickstyle/3d2">
   <dgm:title val=""/>
@@ -20517,6 +26372,2240 @@
 </file>
 
 <file path=ppt/diagrams/quickStyle5.xml><?xml version="1.0" encoding="utf-8"?>
+<dgm:styleDef xmlns:dgm="http://schemas.openxmlformats.org/drawingml/2006/diagram" xmlns:a="http://schemas.openxmlformats.org/drawingml/2006/main" uniqueId="urn:microsoft.com/office/officeart/2005/8/quickstyle/3d1">
+  <dgm:title val=""/>
+  <dgm:desc val=""/>
+  <dgm:catLst>
+    <dgm:cat type="3D" pri="11100"/>
+  </dgm:catLst>
+  <dgm:scene3d>
+    <a:camera prst="orthographicFront"/>
+    <a:lightRig rig="threePt" dir="t"/>
+  </dgm:scene3d>
+  <dgm:styleLbl name="node0">
+    <dgm:scene3d>
+      <a:camera prst="orthographicFront"/>
+      <a:lightRig rig="flat" dir="t"/>
+    </dgm:scene3d>
+    <dgm:sp3d prstMaterial="plastic">
+      <a:bevelT w="120900" h="88900"/>
+      <a:bevelB w="88900" h="31750" prst="angle"/>
+    </dgm:sp3d>
+    <dgm:txPr/>
+    <dgm:style>
+      <a:lnRef idx="0">
+        <a:scrgbClr r="0" g="0" b="0"/>
+      </a:lnRef>
+      <a:fillRef idx="3">
+        <a:scrgbClr r="0" g="0" b="0"/>
+      </a:fillRef>
+      <a:effectRef idx="2">
+        <a:scrgbClr r="0" g="0" b="0"/>
+      </a:effectRef>
+      <a:fontRef idx="minor">
+        <a:schemeClr val="lt1"/>
+      </a:fontRef>
+    </dgm:style>
+  </dgm:styleLbl>
+  <dgm:styleLbl name="lnNode1">
+    <dgm:scene3d>
+      <a:camera prst="orthographicFront"/>
+      <a:lightRig rig="flat" dir="t"/>
+    </dgm:scene3d>
+    <dgm:sp3d prstMaterial="plastic">
+      <a:bevelT w="120900" h="88900"/>
+      <a:bevelB w="88900" h="31750" prst="angle"/>
+    </dgm:sp3d>
+    <dgm:txPr/>
+    <dgm:style>
+      <a:lnRef idx="0">
+        <a:scrgbClr r="0" g="0" b="0"/>
+      </a:lnRef>
+      <a:fillRef idx="3">
+        <a:scrgbClr r="0" g="0" b="0"/>
+      </a:fillRef>
+      <a:effectRef idx="1">
+        <a:scrgbClr r="0" g="0" b="0"/>
+      </a:effectRef>
+      <a:fontRef idx="minor">
+        <a:schemeClr val="lt1"/>
+      </a:fontRef>
+    </dgm:style>
+  </dgm:styleLbl>
+  <dgm:styleLbl name="vennNode1">
+    <dgm:scene3d>
+      <a:camera prst="orthographicFront"/>
+      <a:lightRig rig="flat" dir="t"/>
+    </dgm:scene3d>
+    <dgm:sp3d prstMaterial="plastic">
+      <a:bevelT w="120900" h="88900"/>
+      <a:bevelB w="88900" h="31750" prst="angle"/>
+    </dgm:sp3d>
+    <dgm:txPr/>
+    <dgm:style>
+      <a:lnRef idx="0">
+        <a:scrgbClr r="0" g="0" b="0"/>
+      </a:lnRef>
+      <a:fillRef idx="1">
+        <a:scrgbClr r="0" g="0" b="0"/>
+      </a:fillRef>
+      <a:effectRef idx="1">
+        <a:scrgbClr r="0" g="0" b="0"/>
+      </a:effectRef>
+      <a:fontRef idx="minor">
+        <a:schemeClr val="tx1"/>
+      </a:fontRef>
+    </dgm:style>
+  </dgm:styleLbl>
+  <dgm:styleLbl name="alignNode1">
+    <dgm:scene3d>
+      <a:camera prst="orthographicFront"/>
+      <a:lightRig rig="flat" dir="t"/>
+    </dgm:scene3d>
+    <dgm:sp3d prstMaterial="plastic">
+      <a:bevelT w="120900" h="88900"/>
+      <a:bevelB w="88900" h="31750" prst="angle"/>
+    </dgm:sp3d>
+    <dgm:txPr/>
+    <dgm:style>
+      <a:lnRef idx="1">
+        <a:scrgbClr r="0" g="0" b="0"/>
+      </a:lnRef>
+      <a:fillRef idx="3">
+        <a:scrgbClr r="0" g="0" b="0"/>
+      </a:fillRef>
+      <a:effectRef idx="2">
+        <a:scrgbClr r="0" g="0" b="0"/>
+      </a:effectRef>
+      <a:fontRef idx="minor">
+        <a:schemeClr val="lt1"/>
+      </a:fontRef>
+    </dgm:style>
+  </dgm:styleLbl>
+  <dgm:styleLbl name="node1">
+    <dgm:scene3d>
+      <a:camera prst="orthographicFront"/>
+      <a:lightRig rig="flat" dir="t"/>
+    </dgm:scene3d>
+    <dgm:sp3d prstMaterial="plastic">
+      <a:bevelT w="120900" h="88900"/>
+      <a:bevelB w="88900" h="31750" prst="angle"/>
+    </dgm:sp3d>
+    <dgm:txPr/>
+    <dgm:style>
+      <a:lnRef idx="0">
+        <a:scrgbClr r="0" g="0" b="0"/>
+      </a:lnRef>
+      <a:fillRef idx="3">
+        <a:scrgbClr r="0" g="0" b="0"/>
+      </a:fillRef>
+      <a:effectRef idx="2">
+        <a:scrgbClr r="0" g="0" b="0"/>
+      </a:effectRef>
+      <a:fontRef idx="minor">
+        <a:schemeClr val="lt1"/>
+      </a:fontRef>
+    </dgm:style>
+  </dgm:styleLbl>
+  <dgm:styleLbl name="node2">
+    <dgm:scene3d>
+      <a:camera prst="orthographicFront"/>
+      <a:lightRig rig="flat" dir="t"/>
+    </dgm:scene3d>
+    <dgm:sp3d prstMaterial="plastic">
+      <a:bevelT w="120900" h="88900"/>
+      <a:bevelB w="88900" h="31750" prst="angle"/>
+    </dgm:sp3d>
+    <dgm:txPr/>
+    <dgm:style>
+      <a:lnRef idx="0">
+        <a:scrgbClr r="0" g="0" b="0"/>
+      </a:lnRef>
+      <a:fillRef idx="3">
+        <a:scrgbClr r="0" g="0" b="0"/>
+      </a:fillRef>
+      <a:effectRef idx="1">
+        <a:scrgbClr r="0" g="0" b="0"/>
+      </a:effectRef>
+      <a:fontRef idx="minor">
+        <a:schemeClr val="lt1"/>
+      </a:fontRef>
+    </dgm:style>
+  </dgm:styleLbl>
+  <dgm:styleLbl name="node3">
+    <dgm:scene3d>
+      <a:camera prst="orthographicFront"/>
+      <a:lightRig rig="flat" dir="t"/>
+    </dgm:scene3d>
+    <dgm:sp3d prstMaterial="plastic">
+      <a:bevelT w="120900" h="88900"/>
+      <a:bevelB w="88900" h="31750" prst="angle"/>
+    </dgm:sp3d>
+    <dgm:txPr/>
+    <dgm:style>
+      <a:lnRef idx="0">
+        <a:scrgbClr r="0" g="0" b="0"/>
+      </a:lnRef>
+      <a:fillRef idx="3">
+        <a:scrgbClr r="0" g="0" b="0"/>
+      </a:fillRef>
+      <a:effectRef idx="1">
+        <a:scrgbClr r="0" g="0" b="0"/>
+      </a:effectRef>
+      <a:fontRef idx="minor">
+        <a:schemeClr val="lt1"/>
+      </a:fontRef>
+    </dgm:style>
+  </dgm:styleLbl>
+  <dgm:styleLbl name="node4">
+    <dgm:scene3d>
+      <a:camera prst="orthographicFront"/>
+      <a:lightRig rig="flat" dir="t"/>
+    </dgm:scene3d>
+    <dgm:sp3d prstMaterial="plastic">
+      <a:bevelT w="120900" h="88900"/>
+      <a:bevelB w="88900" h="31750" prst="angle"/>
+    </dgm:sp3d>
+    <dgm:txPr/>
+    <dgm:style>
+      <a:lnRef idx="0">
+        <a:scrgbClr r="0" g="0" b="0"/>
+      </a:lnRef>
+      <a:fillRef idx="3">
+        <a:scrgbClr r="0" g="0" b="0"/>
+      </a:fillRef>
+      <a:effectRef idx="1">
+        <a:scrgbClr r="0" g="0" b="0"/>
+      </a:effectRef>
+      <a:fontRef idx="minor">
+        <a:schemeClr val="lt1"/>
+      </a:fontRef>
+    </dgm:style>
+  </dgm:styleLbl>
+  <dgm:styleLbl name="fgImgPlace1">
+    <dgm:scene3d>
+      <a:camera prst="orthographicFront"/>
+      <a:lightRig rig="flat" dir="t"/>
+    </dgm:scene3d>
+    <dgm:sp3d z="127000" prstMaterial="plastic">
+      <a:bevelT w="88900" h="88900"/>
+      <a:bevelB w="88900" h="31750" prst="angle"/>
+    </dgm:sp3d>
+    <dgm:txPr/>
+    <dgm:style>
+      <a:lnRef idx="0">
+        <a:scrgbClr r="0" g="0" b="0"/>
+      </a:lnRef>
+      <a:fillRef idx="3">
+        <a:scrgbClr r="0" g="0" b="0"/>
+      </a:fillRef>
+      <a:effectRef idx="2">
+        <a:scrgbClr r="0" g="0" b="0"/>
+      </a:effectRef>
+      <a:fontRef idx="minor"/>
+    </dgm:style>
+  </dgm:styleLbl>
+  <dgm:styleLbl name="alignImgPlace1">
+    <dgm:scene3d>
+      <a:camera prst="orthographicFront"/>
+      <a:lightRig rig="flat" dir="t"/>
+    </dgm:scene3d>
+    <dgm:sp3d prstMaterial="plastic">
+      <a:bevelT w="88900" h="88900"/>
+      <a:bevelB w="88900" h="31750" prst="angle"/>
+    </dgm:sp3d>
+    <dgm:txPr/>
+    <dgm:style>
+      <a:lnRef idx="0">
+        <a:scrgbClr r="0" g="0" b="0"/>
+      </a:lnRef>
+      <a:fillRef idx="3">
+        <a:scrgbClr r="0" g="0" b="0"/>
+      </a:fillRef>
+      <a:effectRef idx="2">
+        <a:scrgbClr r="0" g="0" b="0"/>
+      </a:effectRef>
+      <a:fontRef idx="minor"/>
+    </dgm:style>
+  </dgm:styleLbl>
+  <dgm:styleLbl name="bgImgPlace1">
+    <dgm:scene3d>
+      <a:camera prst="orthographicFront"/>
+      <a:lightRig rig="flat" dir="t"/>
+    </dgm:scene3d>
+    <dgm:sp3d z="-190500" prstMaterial="plastic">
+      <a:bevelT w="88900" h="88900"/>
+      <a:bevelB w="88900" h="31750" prst="angle"/>
+    </dgm:sp3d>
+    <dgm:txPr/>
+    <dgm:style>
+      <a:lnRef idx="0">
+        <a:scrgbClr r="0" g="0" b="0"/>
+      </a:lnRef>
+      <a:fillRef idx="3">
+        <a:scrgbClr r="0" g="0" b="0"/>
+      </a:fillRef>
+      <a:effectRef idx="2">
+        <a:scrgbClr r="0" g="0" b="0"/>
+      </a:effectRef>
+      <a:fontRef idx="minor"/>
+    </dgm:style>
+  </dgm:styleLbl>
+  <dgm:styleLbl name="sibTrans2D1">
+    <dgm:scene3d>
+      <a:camera prst="orthographicFront"/>
+      <a:lightRig rig="flat" dir="t"/>
+    </dgm:scene3d>
+    <dgm:sp3d z="-80000" prstMaterial="plastic">
+      <a:bevelT w="50800" h="50800"/>
+      <a:bevelB w="25400" h="25400" prst="angle"/>
+    </dgm:sp3d>
+    <dgm:txPr/>
+    <dgm:style>
+      <a:lnRef idx="0">
+        <a:scrgbClr r="0" g="0" b="0"/>
+      </a:lnRef>
+      <a:fillRef idx="3">
+        <a:scrgbClr r="0" g="0" b="0"/>
+      </a:fillRef>
+      <a:effectRef idx="2">
+        <a:scrgbClr r="0" g="0" b="0"/>
+      </a:effectRef>
+      <a:fontRef idx="minor">
+        <a:schemeClr val="lt1"/>
+      </a:fontRef>
+    </dgm:style>
+  </dgm:styleLbl>
+  <dgm:styleLbl name="fgSibTrans2D1">
+    <dgm:scene3d>
+      <a:camera prst="orthographicFront"/>
+      <a:lightRig rig="flat" dir="t"/>
+    </dgm:scene3d>
+    <dgm:sp3d z="127000" prstMaterial="plastic">
+      <a:bevelT w="50800" h="50800"/>
+      <a:bevelB w="25400" h="25400" prst="angle"/>
+    </dgm:sp3d>
+    <dgm:txPr/>
+    <dgm:style>
+      <a:lnRef idx="0">
+        <a:scrgbClr r="0" g="0" b="0"/>
+      </a:lnRef>
+      <a:fillRef idx="3">
+        <a:scrgbClr r="0" g="0" b="0"/>
+      </a:fillRef>
+      <a:effectRef idx="2">
+        <a:scrgbClr r="0" g="0" b="0"/>
+      </a:effectRef>
+      <a:fontRef idx="minor">
+        <a:schemeClr val="lt1"/>
+      </a:fontRef>
+    </dgm:style>
+  </dgm:styleLbl>
+  <dgm:styleLbl name="bgSibTrans2D1">
+    <dgm:scene3d>
+      <a:camera prst="orthographicFront"/>
+      <a:lightRig rig="flat" dir="t"/>
+    </dgm:scene3d>
+    <dgm:sp3d z="-190500" prstMaterial="plastic">
+      <a:bevelT w="50800" h="50800"/>
+      <a:bevelB w="25400" h="25400" prst="angle"/>
+    </dgm:sp3d>
+    <dgm:txPr/>
+    <dgm:style>
+      <a:lnRef idx="0">
+        <a:scrgbClr r="0" g="0" b="0"/>
+      </a:lnRef>
+      <a:fillRef idx="3">
+        <a:scrgbClr r="0" g="0" b="0"/>
+      </a:fillRef>
+      <a:effectRef idx="2">
+        <a:scrgbClr r="0" g="0" b="0"/>
+      </a:effectRef>
+      <a:fontRef idx="minor">
+        <a:schemeClr val="lt1"/>
+      </a:fontRef>
+    </dgm:style>
+  </dgm:styleLbl>
+  <dgm:styleLbl name="sibTrans1D1">
+    <dgm:scene3d>
+      <a:camera prst="orthographicFront"/>
+      <a:lightRig rig="flat" dir="t"/>
+    </dgm:scene3d>
+    <dgm:sp3d z="-40000" prstMaterial="matte"/>
+    <dgm:txPr/>
+    <dgm:style>
+      <a:lnRef idx="1">
+        <a:scrgbClr r="0" g="0" b="0"/>
+      </a:lnRef>
+      <a:fillRef idx="0">
+        <a:scrgbClr r="0" g="0" b="0"/>
+      </a:fillRef>
+      <a:effectRef idx="0">
+        <a:scrgbClr r="0" g="0" b="0"/>
+      </a:effectRef>
+      <a:fontRef idx="minor"/>
+    </dgm:style>
+  </dgm:styleLbl>
+  <dgm:styleLbl name="callout">
+    <dgm:scene3d>
+      <a:camera prst="orthographicFront"/>
+      <a:lightRig rig="threePt" dir="t"/>
+    </dgm:scene3d>
+    <dgm:sp3d z="127000" prstMaterial="matte"/>
+    <dgm:txPr/>
+    <dgm:style>
+      <a:lnRef idx="2">
+        <a:scrgbClr r="0" g="0" b="0"/>
+      </a:lnRef>
+      <a:fillRef idx="1">
+        <a:scrgbClr r="0" g="0" b="0"/>
+      </a:fillRef>
+      <a:effectRef idx="0">
+        <a:scrgbClr r="0" g="0" b="0"/>
+      </a:effectRef>
+      <a:fontRef idx="minor"/>
+    </dgm:style>
+  </dgm:styleLbl>
+  <dgm:styleLbl name="asst0">
+    <dgm:scene3d>
+      <a:camera prst="orthographicFront"/>
+      <a:lightRig rig="flat" dir="t"/>
+    </dgm:scene3d>
+    <dgm:sp3d prstMaterial="plastic">
+      <a:bevelT w="120900" h="88900"/>
+      <a:bevelB w="88900" h="31750" prst="angle"/>
+    </dgm:sp3d>
+    <dgm:txPr/>
+    <dgm:style>
+      <a:lnRef idx="0">
+        <a:scrgbClr r="0" g="0" b="0"/>
+      </a:lnRef>
+      <a:fillRef idx="3">
+        <a:scrgbClr r="0" g="0" b="0"/>
+      </a:fillRef>
+      <a:effectRef idx="1">
+        <a:scrgbClr r="0" g="0" b="0"/>
+      </a:effectRef>
+      <a:fontRef idx="minor">
+        <a:schemeClr val="lt1"/>
+      </a:fontRef>
+    </dgm:style>
+  </dgm:styleLbl>
+  <dgm:styleLbl name="asst1">
+    <dgm:scene3d>
+      <a:camera prst="orthographicFront"/>
+      <a:lightRig rig="flat" dir="t"/>
+    </dgm:scene3d>
+    <dgm:sp3d prstMaterial="plastic">
+      <a:bevelT w="120900" h="88900"/>
+      <a:bevelB w="88900" h="31750" prst="angle"/>
+    </dgm:sp3d>
+    <dgm:txPr/>
+    <dgm:style>
+      <a:lnRef idx="0">
+        <a:scrgbClr r="0" g="0" b="0"/>
+      </a:lnRef>
+      <a:fillRef idx="3">
+        <a:scrgbClr r="0" g="0" b="0"/>
+      </a:fillRef>
+      <a:effectRef idx="1">
+        <a:scrgbClr r="0" g="0" b="0"/>
+      </a:effectRef>
+      <a:fontRef idx="minor">
+        <a:schemeClr val="lt1"/>
+      </a:fontRef>
+    </dgm:style>
+  </dgm:styleLbl>
+  <dgm:styleLbl name="asst2">
+    <dgm:scene3d>
+      <a:camera prst="orthographicFront"/>
+      <a:lightRig rig="flat" dir="t"/>
+    </dgm:scene3d>
+    <dgm:sp3d prstMaterial="plastic">
+      <a:bevelT w="120900" h="88900"/>
+      <a:bevelB w="88900" h="31750" prst="angle"/>
+    </dgm:sp3d>
+    <dgm:txPr/>
+    <dgm:style>
+      <a:lnRef idx="0">
+        <a:scrgbClr r="0" g="0" b="0"/>
+      </a:lnRef>
+      <a:fillRef idx="3">
+        <a:scrgbClr r="0" g="0" b="0"/>
+      </a:fillRef>
+      <a:effectRef idx="1">
+        <a:scrgbClr r="0" g="0" b="0"/>
+      </a:effectRef>
+      <a:fontRef idx="minor">
+        <a:schemeClr val="lt1"/>
+      </a:fontRef>
+    </dgm:style>
+  </dgm:styleLbl>
+  <dgm:styleLbl name="asst3">
+    <dgm:scene3d>
+      <a:camera prst="orthographicFront"/>
+      <a:lightRig rig="flat" dir="t"/>
+    </dgm:scene3d>
+    <dgm:sp3d prstMaterial="plastic">
+      <a:bevelT w="120900" h="88900"/>
+      <a:bevelB w="88900" h="31750" prst="angle"/>
+    </dgm:sp3d>
+    <dgm:txPr/>
+    <dgm:style>
+      <a:lnRef idx="0">
+        <a:scrgbClr r="0" g="0" b="0"/>
+      </a:lnRef>
+      <a:fillRef idx="3">
+        <a:scrgbClr r="0" g="0" b="0"/>
+      </a:fillRef>
+      <a:effectRef idx="1">
+        <a:scrgbClr r="0" g="0" b="0"/>
+      </a:effectRef>
+      <a:fontRef idx="minor">
+        <a:schemeClr val="lt1"/>
+      </a:fontRef>
+    </dgm:style>
+  </dgm:styleLbl>
+  <dgm:styleLbl name="parChTrans2D1">
+    <dgm:scene3d>
+      <a:camera prst="orthographicFront"/>
+      <a:lightRig rig="flat" dir="t"/>
+    </dgm:scene3d>
+    <dgm:sp3d z="-100000" prstMaterial="plastic">
+      <a:bevelT w="120900" h="88900"/>
+      <a:bevelB w="88900" h="31750" prst="angle"/>
+    </dgm:sp3d>
+    <dgm:txPr/>
+    <dgm:style>
+      <a:lnRef idx="0">
+        <a:scrgbClr r="0" g="0" b="0"/>
+      </a:lnRef>
+      <a:fillRef idx="3">
+        <a:scrgbClr r="0" g="0" b="0"/>
+      </a:fillRef>
+      <a:effectRef idx="1">
+        <a:scrgbClr r="0" g="0" b="0"/>
+      </a:effectRef>
+      <a:fontRef idx="minor">
+        <a:schemeClr val="lt1"/>
+      </a:fontRef>
+    </dgm:style>
+  </dgm:styleLbl>
+  <dgm:styleLbl name="parChTrans2D2">
+    <dgm:scene3d>
+      <a:camera prst="orthographicFront"/>
+      <a:lightRig rig="flat" dir="t"/>
+    </dgm:scene3d>
+    <dgm:sp3d z="-60000" prstMaterial="plastic">
+      <a:bevelT w="120900" h="88900"/>
+      <a:bevelB w="88900" h="31750" prst="angle"/>
+    </dgm:sp3d>
+    <dgm:txPr/>
+    <dgm:style>
+      <a:lnRef idx="0">
+        <a:scrgbClr r="0" g="0" b="0"/>
+      </a:lnRef>
+      <a:fillRef idx="3">
+        <a:scrgbClr r="0" g="0" b="0"/>
+      </a:fillRef>
+      <a:effectRef idx="1">
+        <a:scrgbClr r="0" g="0" b="0"/>
+      </a:effectRef>
+      <a:fontRef idx="minor">
+        <a:schemeClr val="lt1"/>
+      </a:fontRef>
+    </dgm:style>
+  </dgm:styleLbl>
+  <dgm:styleLbl name="parChTrans2D3">
+    <dgm:scene3d>
+      <a:camera prst="orthographicFront"/>
+      <a:lightRig rig="flat" dir="t"/>
+    </dgm:scene3d>
+    <dgm:sp3d z="-60000" prstMaterial="plastic">
+      <a:bevelT w="120900" h="88900"/>
+      <a:bevelB w="88900" h="31750" prst="angle"/>
+    </dgm:sp3d>
+    <dgm:txPr/>
+    <dgm:style>
+      <a:lnRef idx="0">
+        <a:scrgbClr r="0" g="0" b="0"/>
+      </a:lnRef>
+      <a:fillRef idx="3">
+        <a:scrgbClr r="0" g="0" b="0"/>
+      </a:fillRef>
+      <a:effectRef idx="1">
+        <a:scrgbClr r="0" g="0" b="0"/>
+      </a:effectRef>
+      <a:fontRef idx="minor">
+        <a:schemeClr val="lt1"/>
+      </a:fontRef>
+    </dgm:style>
+  </dgm:styleLbl>
+  <dgm:styleLbl name="parChTrans2D4">
+    <dgm:scene3d>
+      <a:camera prst="orthographicFront"/>
+      <a:lightRig rig="flat" dir="t"/>
+    </dgm:scene3d>
+    <dgm:sp3d z="-60000" prstMaterial="plastic">
+      <a:bevelT w="120900" h="88900"/>
+      <a:bevelB w="88900" h="31750" prst="angle"/>
+    </dgm:sp3d>
+    <dgm:txPr/>
+    <dgm:style>
+      <a:lnRef idx="0">
+        <a:scrgbClr r="0" g="0" b="0"/>
+      </a:lnRef>
+      <a:fillRef idx="3">
+        <a:scrgbClr r="0" g="0" b="0"/>
+      </a:fillRef>
+      <a:effectRef idx="1">
+        <a:scrgbClr r="0" g="0" b="0"/>
+      </a:effectRef>
+      <a:fontRef idx="minor">
+        <a:schemeClr val="lt1"/>
+      </a:fontRef>
+    </dgm:style>
+  </dgm:styleLbl>
+  <dgm:styleLbl name="parChTrans1D1">
+    <dgm:scene3d>
+      <a:camera prst="orthographicFront"/>
+      <a:lightRig rig="flat" dir="t"/>
+    </dgm:scene3d>
+    <dgm:sp3d prstMaterial="matte"/>
+    <dgm:txPr/>
+    <dgm:style>
+      <a:lnRef idx="2">
+        <a:scrgbClr r="0" g="0" b="0"/>
+      </a:lnRef>
+      <a:fillRef idx="0">
+        <a:scrgbClr r="0" g="0" b="0"/>
+      </a:fillRef>
+      <a:effectRef idx="0">
+        <a:scrgbClr r="0" g="0" b="0"/>
+      </a:effectRef>
+      <a:fontRef idx="minor"/>
+    </dgm:style>
+  </dgm:styleLbl>
+  <dgm:styleLbl name="parChTrans1D2">
+    <dgm:scene3d>
+      <a:camera prst="orthographicFront"/>
+      <a:lightRig rig="flat" dir="t"/>
+    </dgm:scene3d>
+    <dgm:sp3d prstMaterial="matte"/>
+    <dgm:txPr/>
+    <dgm:style>
+      <a:lnRef idx="2">
+        <a:scrgbClr r="0" g="0" b="0"/>
+      </a:lnRef>
+      <a:fillRef idx="0">
+        <a:scrgbClr r="0" g="0" b="0"/>
+      </a:fillRef>
+      <a:effectRef idx="0">
+        <a:scrgbClr r="0" g="0" b="0"/>
+      </a:effectRef>
+      <a:fontRef idx="minor"/>
+    </dgm:style>
+  </dgm:styleLbl>
+  <dgm:styleLbl name="parChTrans1D3">
+    <dgm:scene3d>
+      <a:camera prst="orthographicFront"/>
+      <a:lightRig rig="flat" dir="t"/>
+    </dgm:scene3d>
+    <dgm:sp3d prstMaterial="matte"/>
+    <dgm:txPr/>
+    <dgm:style>
+      <a:lnRef idx="2">
+        <a:scrgbClr r="0" g="0" b="0"/>
+      </a:lnRef>
+      <a:fillRef idx="0">
+        <a:scrgbClr r="0" g="0" b="0"/>
+      </a:fillRef>
+      <a:effectRef idx="0">
+        <a:scrgbClr r="0" g="0" b="0"/>
+      </a:effectRef>
+      <a:fontRef idx="minor"/>
+    </dgm:style>
+  </dgm:styleLbl>
+  <dgm:styleLbl name="parChTrans1D4">
+    <dgm:scene3d>
+      <a:camera prst="orthographicFront"/>
+      <a:lightRig rig="flat" dir="t"/>
+    </dgm:scene3d>
+    <dgm:sp3d prstMaterial="matte"/>
+    <dgm:txPr/>
+    <dgm:style>
+      <a:lnRef idx="2">
+        <a:scrgbClr r="0" g="0" b="0"/>
+      </a:lnRef>
+      <a:fillRef idx="0">
+        <a:scrgbClr r="0" g="0" b="0"/>
+      </a:fillRef>
+      <a:effectRef idx="0">
+        <a:scrgbClr r="0" g="0" b="0"/>
+      </a:effectRef>
+      <a:fontRef idx="minor"/>
+    </dgm:style>
+  </dgm:styleLbl>
+  <dgm:styleLbl name="fgAcc1">
+    <dgm:scene3d>
+      <a:camera prst="orthographicFront"/>
+      <a:lightRig rig="flat" dir="t"/>
+    </dgm:scene3d>
+    <dgm:sp3d z="190500" extrusionH="12700" prstMaterial="plastic">
+      <a:bevelT w="50800" h="50800"/>
+    </dgm:sp3d>
+    <dgm:txPr/>
+    <dgm:style>
+      <a:lnRef idx="1">
+        <a:scrgbClr r="0" g="0" b="0"/>
+      </a:lnRef>
+      <a:fillRef idx="1">
+        <a:scrgbClr r="0" g="0" b="0"/>
+      </a:fillRef>
+      <a:effectRef idx="2">
+        <a:scrgbClr r="0" g="0" b="0"/>
+      </a:effectRef>
+      <a:fontRef idx="minor"/>
+    </dgm:style>
+  </dgm:styleLbl>
+  <dgm:styleLbl name="conFgAcc1">
+    <dgm:scene3d>
+      <a:camera prst="orthographicFront"/>
+      <a:lightRig rig="flat" dir="t"/>
+    </dgm:scene3d>
+    <dgm:sp3d z="190500" extrusionH="12700" prstMaterial="plastic">
+      <a:bevelT w="50800" h="50800"/>
+    </dgm:sp3d>
+    <dgm:txPr/>
+    <dgm:style>
+      <a:lnRef idx="1">
+        <a:scrgbClr r="0" g="0" b="0"/>
+      </a:lnRef>
+      <a:fillRef idx="1">
+        <a:scrgbClr r="0" g="0" b="0"/>
+      </a:fillRef>
+      <a:effectRef idx="2">
+        <a:scrgbClr r="0" g="0" b="0"/>
+      </a:effectRef>
+      <a:fontRef idx="minor"/>
+    </dgm:style>
+  </dgm:styleLbl>
+  <dgm:styleLbl name="alignAcc1">
+    <dgm:scene3d>
+      <a:camera prst="orthographicFront"/>
+      <a:lightRig rig="flat" dir="t"/>
+    </dgm:scene3d>
+    <dgm:sp3d extrusionH="12700" prstMaterial="plastic">
+      <a:bevelT w="50800" h="50800"/>
+    </dgm:sp3d>
+    <dgm:txPr/>
+    <dgm:style>
+      <a:lnRef idx="1">
+        <a:scrgbClr r="0" g="0" b="0"/>
+      </a:lnRef>
+      <a:fillRef idx="1">
+        <a:scrgbClr r="0" g="0" b="0"/>
+      </a:fillRef>
+      <a:effectRef idx="2">
+        <a:scrgbClr r="0" g="0" b="0"/>
+      </a:effectRef>
+      <a:fontRef idx="minor"/>
+    </dgm:style>
+  </dgm:styleLbl>
+  <dgm:styleLbl name="trAlignAcc1">
+    <dgm:scene3d>
+      <a:camera prst="orthographicFront"/>
+      <a:lightRig rig="flat" dir="t"/>
+    </dgm:scene3d>
+    <dgm:sp3d extrusionH="12700" prstMaterial="plastic">
+      <a:bevelT w="50800" h="50800"/>
+    </dgm:sp3d>
+    <dgm:txPr/>
+    <dgm:style>
+      <a:lnRef idx="1">
+        <a:scrgbClr r="0" g="0" b="0"/>
+      </a:lnRef>
+      <a:fillRef idx="1">
+        <a:scrgbClr r="0" g="0" b="0"/>
+      </a:fillRef>
+      <a:effectRef idx="2">
+        <a:scrgbClr r="0" g="0" b="0"/>
+      </a:effectRef>
+      <a:fontRef idx="minor"/>
+    </dgm:style>
+  </dgm:styleLbl>
+  <dgm:styleLbl name="bgAcc1">
+    <dgm:scene3d>
+      <a:camera prst="orthographicFront"/>
+      <a:lightRig rig="flat" dir="t"/>
+    </dgm:scene3d>
+    <dgm:sp3d z="-190500" extrusionH="12700" prstMaterial="plastic">
+      <a:bevelT w="50800" h="50800"/>
+    </dgm:sp3d>
+    <dgm:txPr/>
+    <dgm:style>
+      <a:lnRef idx="1">
+        <a:scrgbClr r="0" g="0" b="0"/>
+      </a:lnRef>
+      <a:fillRef idx="1">
+        <a:scrgbClr r="0" g="0" b="0"/>
+      </a:fillRef>
+      <a:effectRef idx="2">
+        <a:scrgbClr r="0" g="0" b="0"/>
+      </a:effectRef>
+      <a:fontRef idx="minor"/>
+    </dgm:style>
+  </dgm:styleLbl>
+  <dgm:styleLbl name="solidFgAcc1">
+    <dgm:scene3d>
+      <a:camera prst="orthographicFront"/>
+      <a:lightRig rig="flat" dir="t"/>
+    </dgm:scene3d>
+    <dgm:sp3d z="190500" extrusionH="12700" prstMaterial="plastic">
+      <a:bevelT w="50800" h="50800"/>
+    </dgm:sp3d>
+    <dgm:txPr/>
+    <dgm:style>
+      <a:lnRef idx="1">
+        <a:scrgbClr r="0" g="0" b="0"/>
+      </a:lnRef>
+      <a:fillRef idx="1">
+        <a:scrgbClr r="0" g="0" b="0"/>
+      </a:fillRef>
+      <a:effectRef idx="2">
+        <a:scrgbClr r="0" g="0" b="0"/>
+      </a:effectRef>
+      <a:fontRef idx="minor"/>
+    </dgm:style>
+  </dgm:styleLbl>
+  <dgm:styleLbl name="solidAlignAcc1">
+    <dgm:scene3d>
+      <a:camera prst="orthographicFront"/>
+      <a:lightRig rig="flat" dir="t"/>
+    </dgm:scene3d>
+    <dgm:sp3d extrusionH="12700" prstMaterial="plastic">
+      <a:bevelT w="50800" h="50800"/>
+    </dgm:sp3d>
+    <dgm:txPr/>
+    <dgm:style>
+      <a:lnRef idx="1">
+        <a:scrgbClr r="0" g="0" b="0"/>
+      </a:lnRef>
+      <a:fillRef idx="1">
+        <a:scrgbClr r="0" g="0" b="0"/>
+      </a:fillRef>
+      <a:effectRef idx="2">
+        <a:scrgbClr r="0" g="0" b="0"/>
+      </a:effectRef>
+      <a:fontRef idx="minor"/>
+    </dgm:style>
+  </dgm:styleLbl>
+  <dgm:styleLbl name="solidBgAcc1">
+    <dgm:scene3d>
+      <a:camera prst="orthographicFront"/>
+      <a:lightRig rig="flat" dir="t"/>
+    </dgm:scene3d>
+    <dgm:sp3d z="-190500" extrusionH="12700" prstMaterial="plastic">
+      <a:bevelT w="50800" h="50800"/>
+    </dgm:sp3d>
+    <dgm:txPr/>
+    <dgm:style>
+      <a:lnRef idx="1">
+        <a:scrgbClr r="0" g="0" b="0"/>
+      </a:lnRef>
+      <a:fillRef idx="1">
+        <a:scrgbClr r="0" g="0" b="0"/>
+      </a:fillRef>
+      <a:effectRef idx="2">
+        <a:scrgbClr r="0" g="0" b="0"/>
+      </a:effectRef>
+      <a:fontRef idx="minor"/>
+    </dgm:style>
+  </dgm:styleLbl>
+  <dgm:styleLbl name="fgAccFollowNode1">
+    <dgm:scene3d>
+      <a:camera prst="orthographicFront"/>
+      <a:lightRig rig="flat" dir="t"/>
+    </dgm:scene3d>
+    <dgm:sp3d z="190500" extrusionH="12700" prstMaterial="plastic">
+      <a:bevelT w="50800" h="50800"/>
+    </dgm:sp3d>
+    <dgm:txPr/>
+    <dgm:style>
+      <a:lnRef idx="1">
+        <a:scrgbClr r="0" g="0" b="0"/>
+      </a:lnRef>
+      <a:fillRef idx="1">
+        <a:scrgbClr r="0" g="0" b="0"/>
+      </a:fillRef>
+      <a:effectRef idx="2">
+        <a:scrgbClr r="0" g="0" b="0"/>
+      </a:effectRef>
+      <a:fontRef idx="minor"/>
+    </dgm:style>
+  </dgm:styleLbl>
+  <dgm:styleLbl name="alignAccFollowNode1">
+    <dgm:scene3d>
+      <a:camera prst="orthographicFront"/>
+      <a:lightRig rig="flat" dir="t"/>
+    </dgm:scene3d>
+    <dgm:sp3d extrusionH="12700" prstMaterial="plastic">
+      <a:bevelT w="50800" h="50800"/>
+    </dgm:sp3d>
+    <dgm:txPr/>
+    <dgm:style>
+      <a:lnRef idx="1">
+        <a:scrgbClr r="0" g="0" b="0"/>
+      </a:lnRef>
+      <a:fillRef idx="1">
+        <a:scrgbClr r="0" g="0" b="0"/>
+      </a:fillRef>
+      <a:effectRef idx="2">
+        <a:scrgbClr r="0" g="0" b="0"/>
+      </a:effectRef>
+      <a:fontRef idx="minor"/>
+    </dgm:style>
+  </dgm:styleLbl>
+  <dgm:styleLbl name="bgAccFollowNode1">
+    <dgm:scene3d>
+      <a:camera prst="orthographicFront"/>
+      <a:lightRig rig="flat" dir="t"/>
+    </dgm:scene3d>
+    <dgm:sp3d z="-190500" extrusionH="12700" prstMaterial="plastic">
+      <a:bevelT w="50800" h="50800"/>
+    </dgm:sp3d>
+    <dgm:txPr/>
+    <dgm:style>
+      <a:lnRef idx="1">
+        <a:scrgbClr r="0" g="0" b="0"/>
+      </a:lnRef>
+      <a:fillRef idx="1">
+        <a:scrgbClr r="0" g="0" b="0"/>
+      </a:fillRef>
+      <a:effectRef idx="2">
+        <a:scrgbClr r="0" g="0" b="0"/>
+      </a:effectRef>
+      <a:fontRef idx="minor"/>
+    </dgm:style>
+  </dgm:styleLbl>
+  <dgm:styleLbl name="fgAcc0">
+    <dgm:scene3d>
+      <a:camera prst="orthographicFront"/>
+      <a:lightRig rig="flat" dir="t"/>
+    </dgm:scene3d>
+    <dgm:sp3d z="190500" extrusionH="12700" prstMaterial="plastic">
+      <a:bevelT w="50800" h="50800"/>
+    </dgm:sp3d>
+    <dgm:txPr/>
+    <dgm:style>
+      <a:lnRef idx="1">
+        <a:scrgbClr r="0" g="0" b="0"/>
+      </a:lnRef>
+      <a:fillRef idx="1">
+        <a:scrgbClr r="0" g="0" b="0"/>
+      </a:fillRef>
+      <a:effectRef idx="2">
+        <a:scrgbClr r="0" g="0" b="0"/>
+      </a:effectRef>
+      <a:fontRef idx="minor"/>
+    </dgm:style>
+  </dgm:styleLbl>
+  <dgm:styleLbl name="fgAcc2">
+    <dgm:scene3d>
+      <a:camera prst="orthographicFront"/>
+      <a:lightRig rig="flat" dir="t"/>
+    </dgm:scene3d>
+    <dgm:sp3d z="190500" extrusionH="12700" prstMaterial="plastic">
+      <a:bevelT w="50800" h="50800"/>
+    </dgm:sp3d>
+    <dgm:txPr/>
+    <dgm:style>
+      <a:lnRef idx="1">
+        <a:scrgbClr r="0" g="0" b="0"/>
+      </a:lnRef>
+      <a:fillRef idx="1">
+        <a:scrgbClr r="0" g="0" b="0"/>
+      </a:fillRef>
+      <a:effectRef idx="2">
+        <a:scrgbClr r="0" g="0" b="0"/>
+      </a:effectRef>
+      <a:fontRef idx="minor"/>
+    </dgm:style>
+  </dgm:styleLbl>
+  <dgm:styleLbl name="fgAcc3">
+    <dgm:scene3d>
+      <a:camera prst="orthographicFront"/>
+      <a:lightRig rig="flat" dir="t"/>
+    </dgm:scene3d>
+    <dgm:sp3d z="190500" extrusionH="12700" prstMaterial="plastic">
+      <a:bevelT w="50800" h="50800"/>
+    </dgm:sp3d>
+    <dgm:txPr/>
+    <dgm:style>
+      <a:lnRef idx="1">
+        <a:scrgbClr r="0" g="0" b="0"/>
+      </a:lnRef>
+      <a:fillRef idx="1">
+        <a:scrgbClr r="0" g="0" b="0"/>
+      </a:fillRef>
+      <a:effectRef idx="2">
+        <a:scrgbClr r="0" g="0" b="0"/>
+      </a:effectRef>
+      <a:fontRef idx="minor"/>
+    </dgm:style>
+  </dgm:styleLbl>
+  <dgm:styleLbl name="fgAcc4">
+    <dgm:scene3d>
+      <a:camera prst="orthographicFront"/>
+      <a:lightRig rig="flat" dir="t"/>
+    </dgm:scene3d>
+    <dgm:sp3d z="190500" extrusionH="12700" prstMaterial="plastic">
+      <a:bevelT w="50800" h="50800"/>
+    </dgm:sp3d>
+    <dgm:txPr/>
+    <dgm:style>
+      <a:lnRef idx="1">
+        <a:scrgbClr r="0" g="0" b="0"/>
+      </a:lnRef>
+      <a:fillRef idx="1">
+        <a:scrgbClr r="0" g="0" b="0"/>
+      </a:fillRef>
+      <a:effectRef idx="2">
+        <a:scrgbClr r="0" g="0" b="0"/>
+      </a:effectRef>
+      <a:fontRef idx="minor"/>
+    </dgm:style>
+  </dgm:styleLbl>
+  <dgm:styleLbl name="bgShp">
+    <dgm:scene3d>
+      <a:camera prst="orthographicFront"/>
+      <a:lightRig rig="flat" dir="t"/>
+    </dgm:scene3d>
+    <dgm:sp3d z="-190500" extrusionH="12700" prstMaterial="plastic">
+      <a:bevelT w="50800" h="50800"/>
+    </dgm:sp3d>
+    <dgm:txPr/>
+    <dgm:style>
+      <a:lnRef idx="0">
+        <a:scrgbClr r="0" g="0" b="0"/>
+      </a:lnRef>
+      <a:fillRef idx="3">
+        <a:scrgbClr r="0" g="0" b="0"/>
+      </a:fillRef>
+      <a:effectRef idx="0">
+        <a:scrgbClr r="0" g="0" b="0"/>
+      </a:effectRef>
+      <a:fontRef idx="minor"/>
+    </dgm:style>
+  </dgm:styleLbl>
+  <dgm:styleLbl name="dkBgShp">
+    <dgm:scene3d>
+      <a:camera prst="orthographicFront"/>
+      <a:lightRig rig="flat" dir="t"/>
+    </dgm:scene3d>
+    <dgm:sp3d z="-190500" extrusionH="12700" prstMaterial="plastic">
+      <a:bevelT w="50800" h="50800"/>
+    </dgm:sp3d>
+    <dgm:txPr/>
+    <dgm:style>
+      <a:lnRef idx="0">
+        <a:scrgbClr r="0" g="0" b="0"/>
+      </a:lnRef>
+      <a:fillRef idx="2">
+        <a:scrgbClr r="0" g="0" b="0"/>
+      </a:fillRef>
+      <a:effectRef idx="0">
+        <a:scrgbClr r="0" g="0" b="0"/>
+      </a:effectRef>
+      <a:fontRef idx="minor"/>
+    </dgm:style>
+  </dgm:styleLbl>
+  <dgm:styleLbl name="trBgShp">
+    <dgm:scene3d>
+      <a:camera prst="orthographicFront"/>
+      <a:lightRig rig="flat" dir="t"/>
+    </dgm:scene3d>
+    <dgm:sp3d z="-190500" extrusionH="12700" prstMaterial="matte"/>
+    <dgm:txPr/>
+    <dgm:style>
+      <a:lnRef idx="0">
+        <a:scrgbClr r="0" g="0" b="0"/>
+      </a:lnRef>
+      <a:fillRef idx="1">
+        <a:scrgbClr r="0" g="0" b="0"/>
+      </a:fillRef>
+      <a:effectRef idx="0">
+        <a:scrgbClr r="0" g="0" b="0"/>
+      </a:effectRef>
+      <a:fontRef idx="minor"/>
+    </dgm:style>
+  </dgm:styleLbl>
+  <dgm:styleLbl name="fgShp">
+    <dgm:scene3d>
+      <a:camera prst="orthographicFront"/>
+      <a:lightRig rig="flat" dir="t"/>
+    </dgm:scene3d>
+    <dgm:sp3d z="190500" prstMaterial="plastic">
+      <a:bevelT w="120900" h="88900"/>
+      <a:bevelB w="88900" h="31750" prst="angle"/>
+    </dgm:sp3d>
+    <dgm:txPr/>
+    <dgm:style>
+      <a:lnRef idx="0">
+        <a:scrgbClr r="0" g="0" b="0"/>
+      </a:lnRef>
+      <a:fillRef idx="1">
+        <a:scrgbClr r="0" g="0" b="0"/>
+      </a:fillRef>
+      <a:effectRef idx="3">
+        <a:scrgbClr r="0" g="0" b="0"/>
+      </a:effectRef>
+      <a:fontRef idx="minor">
+        <a:schemeClr val="lt1"/>
+      </a:fontRef>
+    </dgm:style>
+  </dgm:styleLbl>
+  <dgm:styleLbl name="revTx">
+    <dgm:scene3d>
+      <a:camera prst="orthographicFront"/>
+      <a:lightRig rig="threePt" dir="t"/>
+    </dgm:scene3d>
+    <dgm:sp3d/>
+    <dgm:txPr/>
+    <dgm:style>
+      <a:lnRef idx="0">
+        <a:scrgbClr r="0" g="0" b="0"/>
+      </a:lnRef>
+      <a:fillRef idx="0">
+        <a:scrgbClr r="0" g="0" b="0"/>
+      </a:fillRef>
+      <a:effectRef idx="0">
+        <a:scrgbClr r="0" g="0" b="0"/>
+      </a:effectRef>
+      <a:fontRef idx="minor"/>
+    </dgm:style>
+  </dgm:styleLbl>
+</dgm:styleDef>
+</file>
+
+<file path=ppt/diagrams/quickStyle6.xml><?xml version="1.0" encoding="utf-8"?>
+<dgm:styleDef xmlns:dgm="http://schemas.openxmlformats.org/drawingml/2006/diagram" xmlns:a="http://schemas.openxmlformats.org/drawingml/2006/main" uniqueId="urn:microsoft.com/office/officeart/2005/8/quickstyle/3d1">
+  <dgm:title val=""/>
+  <dgm:desc val=""/>
+  <dgm:catLst>
+    <dgm:cat type="3D" pri="11100"/>
+  </dgm:catLst>
+  <dgm:scene3d>
+    <a:camera prst="orthographicFront"/>
+    <a:lightRig rig="threePt" dir="t"/>
+  </dgm:scene3d>
+  <dgm:styleLbl name="node0">
+    <dgm:scene3d>
+      <a:camera prst="orthographicFront"/>
+      <a:lightRig rig="flat" dir="t"/>
+    </dgm:scene3d>
+    <dgm:sp3d prstMaterial="plastic">
+      <a:bevelT w="120900" h="88900"/>
+      <a:bevelB w="88900" h="31750" prst="angle"/>
+    </dgm:sp3d>
+    <dgm:txPr/>
+    <dgm:style>
+      <a:lnRef idx="0">
+        <a:scrgbClr r="0" g="0" b="0"/>
+      </a:lnRef>
+      <a:fillRef idx="3">
+        <a:scrgbClr r="0" g="0" b="0"/>
+      </a:fillRef>
+      <a:effectRef idx="2">
+        <a:scrgbClr r="0" g="0" b="0"/>
+      </a:effectRef>
+      <a:fontRef idx="minor">
+        <a:schemeClr val="lt1"/>
+      </a:fontRef>
+    </dgm:style>
+  </dgm:styleLbl>
+  <dgm:styleLbl name="lnNode1">
+    <dgm:scene3d>
+      <a:camera prst="orthographicFront"/>
+      <a:lightRig rig="flat" dir="t"/>
+    </dgm:scene3d>
+    <dgm:sp3d prstMaterial="plastic">
+      <a:bevelT w="120900" h="88900"/>
+      <a:bevelB w="88900" h="31750" prst="angle"/>
+    </dgm:sp3d>
+    <dgm:txPr/>
+    <dgm:style>
+      <a:lnRef idx="0">
+        <a:scrgbClr r="0" g="0" b="0"/>
+      </a:lnRef>
+      <a:fillRef idx="3">
+        <a:scrgbClr r="0" g="0" b="0"/>
+      </a:fillRef>
+      <a:effectRef idx="1">
+        <a:scrgbClr r="0" g="0" b="0"/>
+      </a:effectRef>
+      <a:fontRef idx="minor">
+        <a:schemeClr val="lt1"/>
+      </a:fontRef>
+    </dgm:style>
+  </dgm:styleLbl>
+  <dgm:styleLbl name="vennNode1">
+    <dgm:scene3d>
+      <a:camera prst="orthographicFront"/>
+      <a:lightRig rig="flat" dir="t"/>
+    </dgm:scene3d>
+    <dgm:sp3d prstMaterial="plastic">
+      <a:bevelT w="120900" h="88900"/>
+      <a:bevelB w="88900" h="31750" prst="angle"/>
+    </dgm:sp3d>
+    <dgm:txPr/>
+    <dgm:style>
+      <a:lnRef idx="0">
+        <a:scrgbClr r="0" g="0" b="0"/>
+      </a:lnRef>
+      <a:fillRef idx="1">
+        <a:scrgbClr r="0" g="0" b="0"/>
+      </a:fillRef>
+      <a:effectRef idx="1">
+        <a:scrgbClr r="0" g="0" b="0"/>
+      </a:effectRef>
+      <a:fontRef idx="minor">
+        <a:schemeClr val="tx1"/>
+      </a:fontRef>
+    </dgm:style>
+  </dgm:styleLbl>
+  <dgm:styleLbl name="alignNode1">
+    <dgm:scene3d>
+      <a:camera prst="orthographicFront"/>
+      <a:lightRig rig="flat" dir="t"/>
+    </dgm:scene3d>
+    <dgm:sp3d prstMaterial="plastic">
+      <a:bevelT w="120900" h="88900"/>
+      <a:bevelB w="88900" h="31750" prst="angle"/>
+    </dgm:sp3d>
+    <dgm:txPr/>
+    <dgm:style>
+      <a:lnRef idx="1">
+        <a:scrgbClr r="0" g="0" b="0"/>
+      </a:lnRef>
+      <a:fillRef idx="3">
+        <a:scrgbClr r="0" g="0" b="0"/>
+      </a:fillRef>
+      <a:effectRef idx="2">
+        <a:scrgbClr r="0" g="0" b="0"/>
+      </a:effectRef>
+      <a:fontRef idx="minor">
+        <a:schemeClr val="lt1"/>
+      </a:fontRef>
+    </dgm:style>
+  </dgm:styleLbl>
+  <dgm:styleLbl name="node1">
+    <dgm:scene3d>
+      <a:camera prst="orthographicFront"/>
+      <a:lightRig rig="flat" dir="t"/>
+    </dgm:scene3d>
+    <dgm:sp3d prstMaterial="plastic">
+      <a:bevelT w="120900" h="88900"/>
+      <a:bevelB w="88900" h="31750" prst="angle"/>
+    </dgm:sp3d>
+    <dgm:txPr/>
+    <dgm:style>
+      <a:lnRef idx="0">
+        <a:scrgbClr r="0" g="0" b="0"/>
+      </a:lnRef>
+      <a:fillRef idx="3">
+        <a:scrgbClr r="0" g="0" b="0"/>
+      </a:fillRef>
+      <a:effectRef idx="2">
+        <a:scrgbClr r="0" g="0" b="0"/>
+      </a:effectRef>
+      <a:fontRef idx="minor">
+        <a:schemeClr val="lt1"/>
+      </a:fontRef>
+    </dgm:style>
+  </dgm:styleLbl>
+  <dgm:styleLbl name="node2">
+    <dgm:scene3d>
+      <a:camera prst="orthographicFront"/>
+      <a:lightRig rig="flat" dir="t"/>
+    </dgm:scene3d>
+    <dgm:sp3d prstMaterial="plastic">
+      <a:bevelT w="120900" h="88900"/>
+      <a:bevelB w="88900" h="31750" prst="angle"/>
+    </dgm:sp3d>
+    <dgm:txPr/>
+    <dgm:style>
+      <a:lnRef idx="0">
+        <a:scrgbClr r="0" g="0" b="0"/>
+      </a:lnRef>
+      <a:fillRef idx="3">
+        <a:scrgbClr r="0" g="0" b="0"/>
+      </a:fillRef>
+      <a:effectRef idx="1">
+        <a:scrgbClr r="0" g="0" b="0"/>
+      </a:effectRef>
+      <a:fontRef idx="minor">
+        <a:schemeClr val="lt1"/>
+      </a:fontRef>
+    </dgm:style>
+  </dgm:styleLbl>
+  <dgm:styleLbl name="node3">
+    <dgm:scene3d>
+      <a:camera prst="orthographicFront"/>
+      <a:lightRig rig="flat" dir="t"/>
+    </dgm:scene3d>
+    <dgm:sp3d prstMaterial="plastic">
+      <a:bevelT w="120900" h="88900"/>
+      <a:bevelB w="88900" h="31750" prst="angle"/>
+    </dgm:sp3d>
+    <dgm:txPr/>
+    <dgm:style>
+      <a:lnRef idx="0">
+        <a:scrgbClr r="0" g="0" b="0"/>
+      </a:lnRef>
+      <a:fillRef idx="3">
+        <a:scrgbClr r="0" g="0" b="0"/>
+      </a:fillRef>
+      <a:effectRef idx="1">
+        <a:scrgbClr r="0" g="0" b="0"/>
+      </a:effectRef>
+      <a:fontRef idx="minor">
+        <a:schemeClr val="lt1"/>
+      </a:fontRef>
+    </dgm:style>
+  </dgm:styleLbl>
+  <dgm:styleLbl name="node4">
+    <dgm:scene3d>
+      <a:camera prst="orthographicFront"/>
+      <a:lightRig rig="flat" dir="t"/>
+    </dgm:scene3d>
+    <dgm:sp3d prstMaterial="plastic">
+      <a:bevelT w="120900" h="88900"/>
+      <a:bevelB w="88900" h="31750" prst="angle"/>
+    </dgm:sp3d>
+    <dgm:txPr/>
+    <dgm:style>
+      <a:lnRef idx="0">
+        <a:scrgbClr r="0" g="0" b="0"/>
+      </a:lnRef>
+      <a:fillRef idx="3">
+        <a:scrgbClr r="0" g="0" b="0"/>
+      </a:fillRef>
+      <a:effectRef idx="1">
+        <a:scrgbClr r="0" g="0" b="0"/>
+      </a:effectRef>
+      <a:fontRef idx="minor">
+        <a:schemeClr val="lt1"/>
+      </a:fontRef>
+    </dgm:style>
+  </dgm:styleLbl>
+  <dgm:styleLbl name="fgImgPlace1">
+    <dgm:scene3d>
+      <a:camera prst="orthographicFront"/>
+      <a:lightRig rig="flat" dir="t"/>
+    </dgm:scene3d>
+    <dgm:sp3d z="127000" prstMaterial="plastic">
+      <a:bevelT w="88900" h="88900"/>
+      <a:bevelB w="88900" h="31750" prst="angle"/>
+    </dgm:sp3d>
+    <dgm:txPr/>
+    <dgm:style>
+      <a:lnRef idx="0">
+        <a:scrgbClr r="0" g="0" b="0"/>
+      </a:lnRef>
+      <a:fillRef idx="3">
+        <a:scrgbClr r="0" g="0" b="0"/>
+      </a:fillRef>
+      <a:effectRef idx="2">
+        <a:scrgbClr r="0" g="0" b="0"/>
+      </a:effectRef>
+      <a:fontRef idx="minor"/>
+    </dgm:style>
+  </dgm:styleLbl>
+  <dgm:styleLbl name="alignImgPlace1">
+    <dgm:scene3d>
+      <a:camera prst="orthographicFront"/>
+      <a:lightRig rig="flat" dir="t"/>
+    </dgm:scene3d>
+    <dgm:sp3d prstMaterial="plastic">
+      <a:bevelT w="88900" h="88900"/>
+      <a:bevelB w="88900" h="31750" prst="angle"/>
+    </dgm:sp3d>
+    <dgm:txPr/>
+    <dgm:style>
+      <a:lnRef idx="0">
+        <a:scrgbClr r="0" g="0" b="0"/>
+      </a:lnRef>
+      <a:fillRef idx="3">
+        <a:scrgbClr r="0" g="0" b="0"/>
+      </a:fillRef>
+      <a:effectRef idx="2">
+        <a:scrgbClr r="0" g="0" b="0"/>
+      </a:effectRef>
+      <a:fontRef idx="minor"/>
+    </dgm:style>
+  </dgm:styleLbl>
+  <dgm:styleLbl name="bgImgPlace1">
+    <dgm:scene3d>
+      <a:camera prst="orthographicFront"/>
+      <a:lightRig rig="flat" dir="t"/>
+    </dgm:scene3d>
+    <dgm:sp3d z="-190500" prstMaterial="plastic">
+      <a:bevelT w="88900" h="88900"/>
+      <a:bevelB w="88900" h="31750" prst="angle"/>
+    </dgm:sp3d>
+    <dgm:txPr/>
+    <dgm:style>
+      <a:lnRef idx="0">
+        <a:scrgbClr r="0" g="0" b="0"/>
+      </a:lnRef>
+      <a:fillRef idx="3">
+        <a:scrgbClr r="0" g="0" b="0"/>
+      </a:fillRef>
+      <a:effectRef idx="2">
+        <a:scrgbClr r="0" g="0" b="0"/>
+      </a:effectRef>
+      <a:fontRef idx="minor"/>
+    </dgm:style>
+  </dgm:styleLbl>
+  <dgm:styleLbl name="sibTrans2D1">
+    <dgm:scene3d>
+      <a:camera prst="orthographicFront"/>
+      <a:lightRig rig="flat" dir="t"/>
+    </dgm:scene3d>
+    <dgm:sp3d z="-80000" prstMaterial="plastic">
+      <a:bevelT w="50800" h="50800"/>
+      <a:bevelB w="25400" h="25400" prst="angle"/>
+    </dgm:sp3d>
+    <dgm:txPr/>
+    <dgm:style>
+      <a:lnRef idx="0">
+        <a:scrgbClr r="0" g="0" b="0"/>
+      </a:lnRef>
+      <a:fillRef idx="3">
+        <a:scrgbClr r="0" g="0" b="0"/>
+      </a:fillRef>
+      <a:effectRef idx="2">
+        <a:scrgbClr r="0" g="0" b="0"/>
+      </a:effectRef>
+      <a:fontRef idx="minor">
+        <a:schemeClr val="lt1"/>
+      </a:fontRef>
+    </dgm:style>
+  </dgm:styleLbl>
+  <dgm:styleLbl name="fgSibTrans2D1">
+    <dgm:scene3d>
+      <a:camera prst="orthographicFront"/>
+      <a:lightRig rig="flat" dir="t"/>
+    </dgm:scene3d>
+    <dgm:sp3d z="127000" prstMaterial="plastic">
+      <a:bevelT w="50800" h="50800"/>
+      <a:bevelB w="25400" h="25400" prst="angle"/>
+    </dgm:sp3d>
+    <dgm:txPr/>
+    <dgm:style>
+      <a:lnRef idx="0">
+        <a:scrgbClr r="0" g="0" b="0"/>
+      </a:lnRef>
+      <a:fillRef idx="3">
+        <a:scrgbClr r="0" g="0" b="0"/>
+      </a:fillRef>
+      <a:effectRef idx="2">
+        <a:scrgbClr r="0" g="0" b="0"/>
+      </a:effectRef>
+      <a:fontRef idx="minor">
+        <a:schemeClr val="lt1"/>
+      </a:fontRef>
+    </dgm:style>
+  </dgm:styleLbl>
+  <dgm:styleLbl name="bgSibTrans2D1">
+    <dgm:scene3d>
+      <a:camera prst="orthographicFront"/>
+      <a:lightRig rig="flat" dir="t"/>
+    </dgm:scene3d>
+    <dgm:sp3d z="-190500" prstMaterial="plastic">
+      <a:bevelT w="50800" h="50800"/>
+      <a:bevelB w="25400" h="25400" prst="angle"/>
+    </dgm:sp3d>
+    <dgm:txPr/>
+    <dgm:style>
+      <a:lnRef idx="0">
+        <a:scrgbClr r="0" g="0" b="0"/>
+      </a:lnRef>
+      <a:fillRef idx="3">
+        <a:scrgbClr r="0" g="0" b="0"/>
+      </a:fillRef>
+      <a:effectRef idx="2">
+        <a:scrgbClr r="0" g="0" b="0"/>
+      </a:effectRef>
+      <a:fontRef idx="minor">
+        <a:schemeClr val="lt1"/>
+      </a:fontRef>
+    </dgm:style>
+  </dgm:styleLbl>
+  <dgm:styleLbl name="sibTrans1D1">
+    <dgm:scene3d>
+      <a:camera prst="orthographicFront"/>
+      <a:lightRig rig="flat" dir="t"/>
+    </dgm:scene3d>
+    <dgm:sp3d z="-40000" prstMaterial="matte"/>
+    <dgm:txPr/>
+    <dgm:style>
+      <a:lnRef idx="1">
+        <a:scrgbClr r="0" g="0" b="0"/>
+      </a:lnRef>
+      <a:fillRef idx="0">
+        <a:scrgbClr r="0" g="0" b="0"/>
+      </a:fillRef>
+      <a:effectRef idx="0">
+        <a:scrgbClr r="0" g="0" b="0"/>
+      </a:effectRef>
+      <a:fontRef idx="minor"/>
+    </dgm:style>
+  </dgm:styleLbl>
+  <dgm:styleLbl name="callout">
+    <dgm:scene3d>
+      <a:camera prst="orthographicFront"/>
+      <a:lightRig rig="threePt" dir="t"/>
+    </dgm:scene3d>
+    <dgm:sp3d z="127000" prstMaterial="matte"/>
+    <dgm:txPr/>
+    <dgm:style>
+      <a:lnRef idx="2">
+        <a:scrgbClr r="0" g="0" b="0"/>
+      </a:lnRef>
+      <a:fillRef idx="1">
+        <a:scrgbClr r="0" g="0" b="0"/>
+      </a:fillRef>
+      <a:effectRef idx="0">
+        <a:scrgbClr r="0" g="0" b="0"/>
+      </a:effectRef>
+      <a:fontRef idx="minor"/>
+    </dgm:style>
+  </dgm:styleLbl>
+  <dgm:styleLbl name="asst0">
+    <dgm:scene3d>
+      <a:camera prst="orthographicFront"/>
+      <a:lightRig rig="flat" dir="t"/>
+    </dgm:scene3d>
+    <dgm:sp3d prstMaterial="plastic">
+      <a:bevelT w="120900" h="88900"/>
+      <a:bevelB w="88900" h="31750" prst="angle"/>
+    </dgm:sp3d>
+    <dgm:txPr/>
+    <dgm:style>
+      <a:lnRef idx="0">
+        <a:scrgbClr r="0" g="0" b="0"/>
+      </a:lnRef>
+      <a:fillRef idx="3">
+        <a:scrgbClr r="0" g="0" b="0"/>
+      </a:fillRef>
+      <a:effectRef idx="1">
+        <a:scrgbClr r="0" g="0" b="0"/>
+      </a:effectRef>
+      <a:fontRef idx="minor">
+        <a:schemeClr val="lt1"/>
+      </a:fontRef>
+    </dgm:style>
+  </dgm:styleLbl>
+  <dgm:styleLbl name="asst1">
+    <dgm:scene3d>
+      <a:camera prst="orthographicFront"/>
+      <a:lightRig rig="flat" dir="t"/>
+    </dgm:scene3d>
+    <dgm:sp3d prstMaterial="plastic">
+      <a:bevelT w="120900" h="88900"/>
+      <a:bevelB w="88900" h="31750" prst="angle"/>
+    </dgm:sp3d>
+    <dgm:txPr/>
+    <dgm:style>
+      <a:lnRef idx="0">
+        <a:scrgbClr r="0" g="0" b="0"/>
+      </a:lnRef>
+      <a:fillRef idx="3">
+        <a:scrgbClr r="0" g="0" b="0"/>
+      </a:fillRef>
+      <a:effectRef idx="1">
+        <a:scrgbClr r="0" g="0" b="0"/>
+      </a:effectRef>
+      <a:fontRef idx="minor">
+        <a:schemeClr val="lt1"/>
+      </a:fontRef>
+    </dgm:style>
+  </dgm:styleLbl>
+  <dgm:styleLbl name="asst2">
+    <dgm:scene3d>
+      <a:camera prst="orthographicFront"/>
+      <a:lightRig rig="flat" dir="t"/>
+    </dgm:scene3d>
+    <dgm:sp3d prstMaterial="plastic">
+      <a:bevelT w="120900" h="88900"/>
+      <a:bevelB w="88900" h="31750" prst="angle"/>
+    </dgm:sp3d>
+    <dgm:txPr/>
+    <dgm:style>
+      <a:lnRef idx="0">
+        <a:scrgbClr r="0" g="0" b="0"/>
+      </a:lnRef>
+      <a:fillRef idx="3">
+        <a:scrgbClr r="0" g="0" b="0"/>
+      </a:fillRef>
+      <a:effectRef idx="1">
+        <a:scrgbClr r="0" g="0" b="0"/>
+      </a:effectRef>
+      <a:fontRef idx="minor">
+        <a:schemeClr val="lt1"/>
+      </a:fontRef>
+    </dgm:style>
+  </dgm:styleLbl>
+  <dgm:styleLbl name="asst3">
+    <dgm:scene3d>
+      <a:camera prst="orthographicFront"/>
+      <a:lightRig rig="flat" dir="t"/>
+    </dgm:scene3d>
+    <dgm:sp3d prstMaterial="plastic">
+      <a:bevelT w="120900" h="88900"/>
+      <a:bevelB w="88900" h="31750" prst="angle"/>
+    </dgm:sp3d>
+    <dgm:txPr/>
+    <dgm:style>
+      <a:lnRef idx="0">
+        <a:scrgbClr r="0" g="0" b="0"/>
+      </a:lnRef>
+      <a:fillRef idx="3">
+        <a:scrgbClr r="0" g="0" b="0"/>
+      </a:fillRef>
+      <a:effectRef idx="1">
+        <a:scrgbClr r="0" g="0" b="0"/>
+      </a:effectRef>
+      <a:fontRef idx="minor">
+        <a:schemeClr val="lt1"/>
+      </a:fontRef>
+    </dgm:style>
+  </dgm:styleLbl>
+  <dgm:styleLbl name="parChTrans2D1">
+    <dgm:scene3d>
+      <a:camera prst="orthographicFront"/>
+      <a:lightRig rig="flat" dir="t"/>
+    </dgm:scene3d>
+    <dgm:sp3d z="-100000" prstMaterial="plastic">
+      <a:bevelT w="120900" h="88900"/>
+      <a:bevelB w="88900" h="31750" prst="angle"/>
+    </dgm:sp3d>
+    <dgm:txPr/>
+    <dgm:style>
+      <a:lnRef idx="0">
+        <a:scrgbClr r="0" g="0" b="0"/>
+      </a:lnRef>
+      <a:fillRef idx="3">
+        <a:scrgbClr r="0" g="0" b="0"/>
+      </a:fillRef>
+      <a:effectRef idx="1">
+        <a:scrgbClr r="0" g="0" b="0"/>
+      </a:effectRef>
+      <a:fontRef idx="minor">
+        <a:schemeClr val="lt1"/>
+      </a:fontRef>
+    </dgm:style>
+  </dgm:styleLbl>
+  <dgm:styleLbl name="parChTrans2D2">
+    <dgm:scene3d>
+      <a:camera prst="orthographicFront"/>
+      <a:lightRig rig="flat" dir="t"/>
+    </dgm:scene3d>
+    <dgm:sp3d z="-60000" prstMaterial="plastic">
+      <a:bevelT w="120900" h="88900"/>
+      <a:bevelB w="88900" h="31750" prst="angle"/>
+    </dgm:sp3d>
+    <dgm:txPr/>
+    <dgm:style>
+      <a:lnRef idx="0">
+        <a:scrgbClr r="0" g="0" b="0"/>
+      </a:lnRef>
+      <a:fillRef idx="3">
+        <a:scrgbClr r="0" g="0" b="0"/>
+      </a:fillRef>
+      <a:effectRef idx="1">
+        <a:scrgbClr r="0" g="0" b="0"/>
+      </a:effectRef>
+      <a:fontRef idx="minor">
+        <a:schemeClr val="lt1"/>
+      </a:fontRef>
+    </dgm:style>
+  </dgm:styleLbl>
+  <dgm:styleLbl name="parChTrans2D3">
+    <dgm:scene3d>
+      <a:camera prst="orthographicFront"/>
+      <a:lightRig rig="flat" dir="t"/>
+    </dgm:scene3d>
+    <dgm:sp3d z="-60000" prstMaterial="plastic">
+      <a:bevelT w="120900" h="88900"/>
+      <a:bevelB w="88900" h="31750" prst="angle"/>
+    </dgm:sp3d>
+    <dgm:txPr/>
+    <dgm:style>
+      <a:lnRef idx="0">
+        <a:scrgbClr r="0" g="0" b="0"/>
+      </a:lnRef>
+      <a:fillRef idx="3">
+        <a:scrgbClr r="0" g="0" b="0"/>
+      </a:fillRef>
+      <a:effectRef idx="1">
+        <a:scrgbClr r="0" g="0" b="0"/>
+      </a:effectRef>
+      <a:fontRef idx="minor">
+        <a:schemeClr val="lt1"/>
+      </a:fontRef>
+    </dgm:style>
+  </dgm:styleLbl>
+  <dgm:styleLbl name="parChTrans2D4">
+    <dgm:scene3d>
+      <a:camera prst="orthographicFront"/>
+      <a:lightRig rig="flat" dir="t"/>
+    </dgm:scene3d>
+    <dgm:sp3d z="-60000" prstMaterial="plastic">
+      <a:bevelT w="120900" h="88900"/>
+      <a:bevelB w="88900" h="31750" prst="angle"/>
+    </dgm:sp3d>
+    <dgm:txPr/>
+    <dgm:style>
+      <a:lnRef idx="0">
+        <a:scrgbClr r="0" g="0" b="0"/>
+      </a:lnRef>
+      <a:fillRef idx="3">
+        <a:scrgbClr r="0" g="0" b="0"/>
+      </a:fillRef>
+      <a:effectRef idx="1">
+        <a:scrgbClr r="0" g="0" b="0"/>
+      </a:effectRef>
+      <a:fontRef idx="minor">
+        <a:schemeClr val="lt1"/>
+      </a:fontRef>
+    </dgm:style>
+  </dgm:styleLbl>
+  <dgm:styleLbl name="parChTrans1D1">
+    <dgm:scene3d>
+      <a:camera prst="orthographicFront"/>
+      <a:lightRig rig="flat" dir="t"/>
+    </dgm:scene3d>
+    <dgm:sp3d prstMaterial="matte"/>
+    <dgm:txPr/>
+    <dgm:style>
+      <a:lnRef idx="2">
+        <a:scrgbClr r="0" g="0" b="0"/>
+      </a:lnRef>
+      <a:fillRef idx="0">
+        <a:scrgbClr r="0" g="0" b="0"/>
+      </a:fillRef>
+      <a:effectRef idx="0">
+        <a:scrgbClr r="0" g="0" b="0"/>
+      </a:effectRef>
+      <a:fontRef idx="minor"/>
+    </dgm:style>
+  </dgm:styleLbl>
+  <dgm:styleLbl name="parChTrans1D2">
+    <dgm:scene3d>
+      <a:camera prst="orthographicFront"/>
+      <a:lightRig rig="flat" dir="t"/>
+    </dgm:scene3d>
+    <dgm:sp3d prstMaterial="matte"/>
+    <dgm:txPr/>
+    <dgm:style>
+      <a:lnRef idx="2">
+        <a:scrgbClr r="0" g="0" b="0"/>
+      </a:lnRef>
+      <a:fillRef idx="0">
+        <a:scrgbClr r="0" g="0" b="0"/>
+      </a:fillRef>
+      <a:effectRef idx="0">
+        <a:scrgbClr r="0" g="0" b="0"/>
+      </a:effectRef>
+      <a:fontRef idx="minor"/>
+    </dgm:style>
+  </dgm:styleLbl>
+  <dgm:styleLbl name="parChTrans1D3">
+    <dgm:scene3d>
+      <a:camera prst="orthographicFront"/>
+      <a:lightRig rig="flat" dir="t"/>
+    </dgm:scene3d>
+    <dgm:sp3d prstMaterial="matte"/>
+    <dgm:txPr/>
+    <dgm:style>
+      <a:lnRef idx="2">
+        <a:scrgbClr r="0" g="0" b="0"/>
+      </a:lnRef>
+      <a:fillRef idx="0">
+        <a:scrgbClr r="0" g="0" b="0"/>
+      </a:fillRef>
+      <a:effectRef idx="0">
+        <a:scrgbClr r="0" g="0" b="0"/>
+      </a:effectRef>
+      <a:fontRef idx="minor"/>
+    </dgm:style>
+  </dgm:styleLbl>
+  <dgm:styleLbl name="parChTrans1D4">
+    <dgm:scene3d>
+      <a:camera prst="orthographicFront"/>
+      <a:lightRig rig="flat" dir="t"/>
+    </dgm:scene3d>
+    <dgm:sp3d prstMaterial="matte"/>
+    <dgm:txPr/>
+    <dgm:style>
+      <a:lnRef idx="2">
+        <a:scrgbClr r="0" g="0" b="0"/>
+      </a:lnRef>
+      <a:fillRef idx="0">
+        <a:scrgbClr r="0" g="0" b="0"/>
+      </a:fillRef>
+      <a:effectRef idx="0">
+        <a:scrgbClr r="0" g="0" b="0"/>
+      </a:effectRef>
+      <a:fontRef idx="minor"/>
+    </dgm:style>
+  </dgm:styleLbl>
+  <dgm:styleLbl name="fgAcc1">
+    <dgm:scene3d>
+      <a:camera prst="orthographicFront"/>
+      <a:lightRig rig="flat" dir="t"/>
+    </dgm:scene3d>
+    <dgm:sp3d z="190500" extrusionH="12700" prstMaterial="plastic">
+      <a:bevelT w="50800" h="50800"/>
+    </dgm:sp3d>
+    <dgm:txPr/>
+    <dgm:style>
+      <a:lnRef idx="1">
+        <a:scrgbClr r="0" g="0" b="0"/>
+      </a:lnRef>
+      <a:fillRef idx="1">
+        <a:scrgbClr r="0" g="0" b="0"/>
+      </a:fillRef>
+      <a:effectRef idx="2">
+        <a:scrgbClr r="0" g="0" b="0"/>
+      </a:effectRef>
+      <a:fontRef idx="minor"/>
+    </dgm:style>
+  </dgm:styleLbl>
+  <dgm:styleLbl name="conFgAcc1">
+    <dgm:scene3d>
+      <a:camera prst="orthographicFront"/>
+      <a:lightRig rig="flat" dir="t"/>
+    </dgm:scene3d>
+    <dgm:sp3d z="190500" extrusionH="12700" prstMaterial="plastic">
+      <a:bevelT w="50800" h="50800"/>
+    </dgm:sp3d>
+    <dgm:txPr/>
+    <dgm:style>
+      <a:lnRef idx="1">
+        <a:scrgbClr r="0" g="0" b="0"/>
+      </a:lnRef>
+      <a:fillRef idx="1">
+        <a:scrgbClr r="0" g="0" b="0"/>
+      </a:fillRef>
+      <a:effectRef idx="2">
+        <a:scrgbClr r="0" g="0" b="0"/>
+      </a:effectRef>
+      <a:fontRef idx="minor"/>
+    </dgm:style>
+  </dgm:styleLbl>
+  <dgm:styleLbl name="alignAcc1">
+    <dgm:scene3d>
+      <a:camera prst="orthographicFront"/>
+      <a:lightRig rig="flat" dir="t"/>
+    </dgm:scene3d>
+    <dgm:sp3d extrusionH="12700" prstMaterial="plastic">
+      <a:bevelT w="50800" h="50800"/>
+    </dgm:sp3d>
+    <dgm:txPr/>
+    <dgm:style>
+      <a:lnRef idx="1">
+        <a:scrgbClr r="0" g="0" b="0"/>
+      </a:lnRef>
+      <a:fillRef idx="1">
+        <a:scrgbClr r="0" g="0" b="0"/>
+      </a:fillRef>
+      <a:effectRef idx="2">
+        <a:scrgbClr r="0" g="0" b="0"/>
+      </a:effectRef>
+      <a:fontRef idx="minor"/>
+    </dgm:style>
+  </dgm:styleLbl>
+  <dgm:styleLbl name="trAlignAcc1">
+    <dgm:scene3d>
+      <a:camera prst="orthographicFront"/>
+      <a:lightRig rig="flat" dir="t"/>
+    </dgm:scene3d>
+    <dgm:sp3d extrusionH="12700" prstMaterial="plastic">
+      <a:bevelT w="50800" h="50800"/>
+    </dgm:sp3d>
+    <dgm:txPr/>
+    <dgm:style>
+      <a:lnRef idx="1">
+        <a:scrgbClr r="0" g="0" b="0"/>
+      </a:lnRef>
+      <a:fillRef idx="1">
+        <a:scrgbClr r="0" g="0" b="0"/>
+      </a:fillRef>
+      <a:effectRef idx="2">
+        <a:scrgbClr r="0" g="0" b="0"/>
+      </a:effectRef>
+      <a:fontRef idx="minor"/>
+    </dgm:style>
+  </dgm:styleLbl>
+  <dgm:styleLbl name="bgAcc1">
+    <dgm:scene3d>
+      <a:camera prst="orthographicFront"/>
+      <a:lightRig rig="flat" dir="t"/>
+    </dgm:scene3d>
+    <dgm:sp3d z="-190500" extrusionH="12700" prstMaterial="plastic">
+      <a:bevelT w="50800" h="50800"/>
+    </dgm:sp3d>
+    <dgm:txPr/>
+    <dgm:style>
+      <a:lnRef idx="1">
+        <a:scrgbClr r="0" g="0" b="0"/>
+      </a:lnRef>
+      <a:fillRef idx="1">
+        <a:scrgbClr r="0" g="0" b="0"/>
+      </a:fillRef>
+      <a:effectRef idx="2">
+        <a:scrgbClr r="0" g="0" b="0"/>
+      </a:effectRef>
+      <a:fontRef idx="minor"/>
+    </dgm:style>
+  </dgm:styleLbl>
+  <dgm:styleLbl name="solidFgAcc1">
+    <dgm:scene3d>
+      <a:camera prst="orthographicFront"/>
+      <a:lightRig rig="flat" dir="t"/>
+    </dgm:scene3d>
+    <dgm:sp3d z="190500" extrusionH="12700" prstMaterial="plastic">
+      <a:bevelT w="50800" h="50800"/>
+    </dgm:sp3d>
+    <dgm:txPr/>
+    <dgm:style>
+      <a:lnRef idx="1">
+        <a:scrgbClr r="0" g="0" b="0"/>
+      </a:lnRef>
+      <a:fillRef idx="1">
+        <a:scrgbClr r="0" g="0" b="0"/>
+      </a:fillRef>
+      <a:effectRef idx="2">
+        <a:scrgbClr r="0" g="0" b="0"/>
+      </a:effectRef>
+      <a:fontRef idx="minor"/>
+    </dgm:style>
+  </dgm:styleLbl>
+  <dgm:styleLbl name="solidAlignAcc1">
+    <dgm:scene3d>
+      <a:camera prst="orthographicFront"/>
+      <a:lightRig rig="flat" dir="t"/>
+    </dgm:scene3d>
+    <dgm:sp3d extrusionH="12700" prstMaterial="plastic">
+      <a:bevelT w="50800" h="50800"/>
+    </dgm:sp3d>
+    <dgm:txPr/>
+    <dgm:style>
+      <a:lnRef idx="1">
+        <a:scrgbClr r="0" g="0" b="0"/>
+      </a:lnRef>
+      <a:fillRef idx="1">
+        <a:scrgbClr r="0" g="0" b="0"/>
+      </a:fillRef>
+      <a:effectRef idx="2">
+        <a:scrgbClr r="0" g="0" b="0"/>
+      </a:effectRef>
+      <a:fontRef idx="minor"/>
+    </dgm:style>
+  </dgm:styleLbl>
+  <dgm:styleLbl name="solidBgAcc1">
+    <dgm:scene3d>
+      <a:camera prst="orthographicFront"/>
+      <a:lightRig rig="flat" dir="t"/>
+    </dgm:scene3d>
+    <dgm:sp3d z="-190500" extrusionH="12700" prstMaterial="plastic">
+      <a:bevelT w="50800" h="50800"/>
+    </dgm:sp3d>
+    <dgm:txPr/>
+    <dgm:style>
+      <a:lnRef idx="1">
+        <a:scrgbClr r="0" g="0" b="0"/>
+      </a:lnRef>
+      <a:fillRef idx="1">
+        <a:scrgbClr r="0" g="0" b="0"/>
+      </a:fillRef>
+      <a:effectRef idx="2">
+        <a:scrgbClr r="0" g="0" b="0"/>
+      </a:effectRef>
+      <a:fontRef idx="minor"/>
+    </dgm:style>
+  </dgm:styleLbl>
+  <dgm:styleLbl name="fgAccFollowNode1">
+    <dgm:scene3d>
+      <a:camera prst="orthographicFront"/>
+      <a:lightRig rig="flat" dir="t"/>
+    </dgm:scene3d>
+    <dgm:sp3d z="190500" extrusionH="12700" prstMaterial="plastic">
+      <a:bevelT w="50800" h="50800"/>
+    </dgm:sp3d>
+    <dgm:txPr/>
+    <dgm:style>
+      <a:lnRef idx="1">
+        <a:scrgbClr r="0" g="0" b="0"/>
+      </a:lnRef>
+      <a:fillRef idx="1">
+        <a:scrgbClr r="0" g="0" b="0"/>
+      </a:fillRef>
+      <a:effectRef idx="2">
+        <a:scrgbClr r="0" g="0" b="0"/>
+      </a:effectRef>
+      <a:fontRef idx="minor"/>
+    </dgm:style>
+  </dgm:styleLbl>
+  <dgm:styleLbl name="alignAccFollowNode1">
+    <dgm:scene3d>
+      <a:camera prst="orthographicFront"/>
+      <a:lightRig rig="flat" dir="t"/>
+    </dgm:scene3d>
+    <dgm:sp3d extrusionH="12700" prstMaterial="plastic">
+      <a:bevelT w="50800" h="50800"/>
+    </dgm:sp3d>
+    <dgm:txPr/>
+    <dgm:style>
+      <a:lnRef idx="1">
+        <a:scrgbClr r="0" g="0" b="0"/>
+      </a:lnRef>
+      <a:fillRef idx="1">
+        <a:scrgbClr r="0" g="0" b="0"/>
+      </a:fillRef>
+      <a:effectRef idx="2">
+        <a:scrgbClr r="0" g="0" b="0"/>
+      </a:effectRef>
+      <a:fontRef idx="minor"/>
+    </dgm:style>
+  </dgm:styleLbl>
+  <dgm:styleLbl name="bgAccFollowNode1">
+    <dgm:scene3d>
+      <a:camera prst="orthographicFront"/>
+      <a:lightRig rig="flat" dir="t"/>
+    </dgm:scene3d>
+    <dgm:sp3d z="-190500" extrusionH="12700" prstMaterial="plastic">
+      <a:bevelT w="50800" h="50800"/>
+    </dgm:sp3d>
+    <dgm:txPr/>
+    <dgm:style>
+      <a:lnRef idx="1">
+        <a:scrgbClr r="0" g="0" b="0"/>
+      </a:lnRef>
+      <a:fillRef idx="1">
+        <a:scrgbClr r="0" g="0" b="0"/>
+      </a:fillRef>
+      <a:effectRef idx="2">
+        <a:scrgbClr r="0" g="0" b="0"/>
+      </a:effectRef>
+      <a:fontRef idx="minor"/>
+    </dgm:style>
+  </dgm:styleLbl>
+  <dgm:styleLbl name="fgAcc0">
+    <dgm:scene3d>
+      <a:camera prst="orthographicFront"/>
+      <a:lightRig rig="flat" dir="t"/>
+    </dgm:scene3d>
+    <dgm:sp3d z="190500" extrusionH="12700" prstMaterial="plastic">
+      <a:bevelT w="50800" h="50800"/>
+    </dgm:sp3d>
+    <dgm:txPr/>
+    <dgm:style>
+      <a:lnRef idx="1">
+        <a:scrgbClr r="0" g="0" b="0"/>
+      </a:lnRef>
+      <a:fillRef idx="1">
+        <a:scrgbClr r="0" g="0" b="0"/>
+      </a:fillRef>
+      <a:effectRef idx="2">
+        <a:scrgbClr r="0" g="0" b="0"/>
+      </a:effectRef>
+      <a:fontRef idx="minor"/>
+    </dgm:style>
+  </dgm:styleLbl>
+  <dgm:styleLbl name="fgAcc2">
+    <dgm:scene3d>
+      <a:camera prst="orthographicFront"/>
+      <a:lightRig rig="flat" dir="t"/>
+    </dgm:scene3d>
+    <dgm:sp3d z="190500" extrusionH="12700" prstMaterial="plastic">
+      <a:bevelT w="50800" h="50800"/>
+    </dgm:sp3d>
+    <dgm:txPr/>
+    <dgm:style>
+      <a:lnRef idx="1">
+        <a:scrgbClr r="0" g="0" b="0"/>
+      </a:lnRef>
+      <a:fillRef idx="1">
+        <a:scrgbClr r="0" g="0" b="0"/>
+      </a:fillRef>
+      <a:effectRef idx="2">
+        <a:scrgbClr r="0" g="0" b="0"/>
+      </a:effectRef>
+      <a:fontRef idx="minor"/>
+    </dgm:style>
+  </dgm:styleLbl>
+  <dgm:styleLbl name="fgAcc3">
+    <dgm:scene3d>
+      <a:camera prst="orthographicFront"/>
+      <a:lightRig rig="flat" dir="t"/>
+    </dgm:scene3d>
+    <dgm:sp3d z="190500" extrusionH="12700" prstMaterial="plastic">
+      <a:bevelT w="50800" h="50800"/>
+    </dgm:sp3d>
+    <dgm:txPr/>
+    <dgm:style>
+      <a:lnRef idx="1">
+        <a:scrgbClr r="0" g="0" b="0"/>
+      </a:lnRef>
+      <a:fillRef idx="1">
+        <a:scrgbClr r="0" g="0" b="0"/>
+      </a:fillRef>
+      <a:effectRef idx="2">
+        <a:scrgbClr r="0" g="0" b="0"/>
+      </a:effectRef>
+      <a:fontRef idx="minor"/>
+    </dgm:style>
+  </dgm:styleLbl>
+  <dgm:styleLbl name="fgAcc4">
+    <dgm:scene3d>
+      <a:camera prst="orthographicFront"/>
+      <a:lightRig rig="flat" dir="t"/>
+    </dgm:scene3d>
+    <dgm:sp3d z="190500" extrusionH="12700" prstMaterial="plastic">
+      <a:bevelT w="50800" h="50800"/>
+    </dgm:sp3d>
+    <dgm:txPr/>
+    <dgm:style>
+      <a:lnRef idx="1">
+        <a:scrgbClr r="0" g="0" b="0"/>
+      </a:lnRef>
+      <a:fillRef idx="1">
+        <a:scrgbClr r="0" g="0" b="0"/>
+      </a:fillRef>
+      <a:effectRef idx="2">
+        <a:scrgbClr r="0" g="0" b="0"/>
+      </a:effectRef>
+      <a:fontRef idx="minor"/>
+    </dgm:style>
+  </dgm:styleLbl>
+  <dgm:styleLbl name="bgShp">
+    <dgm:scene3d>
+      <a:camera prst="orthographicFront"/>
+      <a:lightRig rig="flat" dir="t"/>
+    </dgm:scene3d>
+    <dgm:sp3d z="-190500" extrusionH="12700" prstMaterial="plastic">
+      <a:bevelT w="50800" h="50800"/>
+    </dgm:sp3d>
+    <dgm:txPr/>
+    <dgm:style>
+      <a:lnRef idx="0">
+        <a:scrgbClr r="0" g="0" b="0"/>
+      </a:lnRef>
+      <a:fillRef idx="3">
+        <a:scrgbClr r="0" g="0" b="0"/>
+      </a:fillRef>
+      <a:effectRef idx="0">
+        <a:scrgbClr r="0" g="0" b="0"/>
+      </a:effectRef>
+      <a:fontRef idx="minor"/>
+    </dgm:style>
+  </dgm:styleLbl>
+  <dgm:styleLbl name="dkBgShp">
+    <dgm:scene3d>
+      <a:camera prst="orthographicFront"/>
+      <a:lightRig rig="flat" dir="t"/>
+    </dgm:scene3d>
+    <dgm:sp3d z="-190500" extrusionH="12700" prstMaterial="plastic">
+      <a:bevelT w="50800" h="50800"/>
+    </dgm:sp3d>
+    <dgm:txPr/>
+    <dgm:style>
+      <a:lnRef idx="0">
+        <a:scrgbClr r="0" g="0" b="0"/>
+      </a:lnRef>
+      <a:fillRef idx="2">
+        <a:scrgbClr r="0" g="0" b="0"/>
+      </a:fillRef>
+      <a:effectRef idx="0">
+        <a:scrgbClr r="0" g="0" b="0"/>
+      </a:effectRef>
+      <a:fontRef idx="minor"/>
+    </dgm:style>
+  </dgm:styleLbl>
+  <dgm:styleLbl name="trBgShp">
+    <dgm:scene3d>
+      <a:camera prst="orthographicFront"/>
+      <a:lightRig rig="flat" dir="t"/>
+    </dgm:scene3d>
+    <dgm:sp3d z="-190500" extrusionH="12700" prstMaterial="matte"/>
+    <dgm:txPr/>
+    <dgm:style>
+      <a:lnRef idx="0">
+        <a:scrgbClr r="0" g="0" b="0"/>
+      </a:lnRef>
+      <a:fillRef idx="1">
+        <a:scrgbClr r="0" g="0" b="0"/>
+      </a:fillRef>
+      <a:effectRef idx="0">
+        <a:scrgbClr r="0" g="0" b="0"/>
+      </a:effectRef>
+      <a:fontRef idx="minor"/>
+    </dgm:style>
+  </dgm:styleLbl>
+  <dgm:styleLbl name="fgShp">
+    <dgm:scene3d>
+      <a:camera prst="orthographicFront"/>
+      <a:lightRig rig="flat" dir="t"/>
+    </dgm:scene3d>
+    <dgm:sp3d z="190500" prstMaterial="plastic">
+      <a:bevelT w="120900" h="88900"/>
+      <a:bevelB w="88900" h="31750" prst="angle"/>
+    </dgm:sp3d>
+    <dgm:txPr/>
+    <dgm:style>
+      <a:lnRef idx="0">
+        <a:scrgbClr r="0" g="0" b="0"/>
+      </a:lnRef>
+      <a:fillRef idx="1">
+        <a:scrgbClr r="0" g="0" b="0"/>
+      </a:fillRef>
+      <a:effectRef idx="3">
+        <a:scrgbClr r="0" g="0" b="0"/>
+      </a:effectRef>
+      <a:fontRef idx="minor">
+        <a:schemeClr val="lt1"/>
+      </a:fontRef>
+    </dgm:style>
+  </dgm:styleLbl>
+  <dgm:styleLbl name="revTx">
+    <dgm:scene3d>
+      <a:camera prst="orthographicFront"/>
+      <a:lightRig rig="threePt" dir="t"/>
+    </dgm:scene3d>
+    <dgm:sp3d/>
+    <dgm:txPr/>
+    <dgm:style>
+      <a:lnRef idx="0">
+        <a:scrgbClr r="0" g="0" b="0"/>
+      </a:lnRef>
+      <a:fillRef idx="0">
+        <a:scrgbClr r="0" g="0" b="0"/>
+      </a:fillRef>
+      <a:effectRef idx="0">
+        <a:scrgbClr r="0" g="0" b="0"/>
+      </a:effectRef>
+      <a:fontRef idx="minor"/>
+    </dgm:style>
+  </dgm:styleLbl>
+</dgm:styleDef>
+</file>
+
+<file path=ppt/diagrams/quickStyle7.xml><?xml version="1.0" encoding="utf-8"?>
 <dgm:styleDef xmlns:dgm="http://schemas.openxmlformats.org/drawingml/2006/diagram" xmlns:a="http://schemas.openxmlformats.org/drawingml/2006/main" uniqueId="urn:microsoft.com/office/officeart/2005/8/quickstyle/3d1">
   <dgm:title val=""/>
   <dgm:desc val=""/>
@@ -21764,7 +29853,7 @@
           <a:p>
             <a:fld id="{D09D8D34-2EBD-4B97-B36B-987099F6080A}" type="datetimeFigureOut">
               <a:rPr lang="ru-RU" smtClean="0"/>
-              <a:t>22.03.2022</a:t>
+              <a:t>23.03.2022</a:t>
             </a:fld>
             <a:endParaRPr lang="ru-RU"/>
           </a:p>
@@ -21934,7 +30023,7 @@
           <a:p>
             <a:fld id="{D09D8D34-2EBD-4B97-B36B-987099F6080A}" type="datetimeFigureOut">
               <a:rPr lang="ru-RU" smtClean="0"/>
-              <a:t>22.03.2022</a:t>
+              <a:t>23.03.2022</a:t>
             </a:fld>
             <a:endParaRPr lang="ru-RU"/>
           </a:p>
@@ -22114,7 +30203,7 @@
           <a:p>
             <a:fld id="{D09D8D34-2EBD-4B97-B36B-987099F6080A}" type="datetimeFigureOut">
               <a:rPr lang="ru-RU" smtClean="0"/>
-              <a:t>22.03.2022</a:t>
+              <a:t>23.03.2022</a:t>
             </a:fld>
             <a:endParaRPr lang="ru-RU"/>
           </a:p>
@@ -22284,7 +30373,7 @@
           <a:p>
             <a:fld id="{D09D8D34-2EBD-4B97-B36B-987099F6080A}" type="datetimeFigureOut">
               <a:rPr lang="ru-RU" smtClean="0"/>
-              <a:t>22.03.2022</a:t>
+              <a:t>23.03.2022</a:t>
             </a:fld>
             <a:endParaRPr lang="ru-RU"/>
           </a:p>
@@ -22530,7 +30619,7 @@
           <a:p>
             <a:fld id="{D09D8D34-2EBD-4B97-B36B-987099F6080A}" type="datetimeFigureOut">
               <a:rPr lang="ru-RU" smtClean="0"/>
-              <a:t>22.03.2022</a:t>
+              <a:t>23.03.2022</a:t>
             </a:fld>
             <a:endParaRPr lang="ru-RU"/>
           </a:p>
@@ -22762,7 +30851,7 @@
           <a:p>
             <a:fld id="{D09D8D34-2EBD-4B97-B36B-987099F6080A}" type="datetimeFigureOut">
               <a:rPr lang="ru-RU" smtClean="0"/>
-              <a:t>22.03.2022</a:t>
+              <a:t>23.03.2022</a:t>
             </a:fld>
             <a:endParaRPr lang="ru-RU"/>
           </a:p>
@@ -23129,7 +31218,7 @@
           <a:p>
             <a:fld id="{D09D8D34-2EBD-4B97-B36B-987099F6080A}" type="datetimeFigureOut">
               <a:rPr lang="ru-RU" smtClean="0"/>
-              <a:t>22.03.2022</a:t>
+              <a:t>23.03.2022</a:t>
             </a:fld>
             <a:endParaRPr lang="ru-RU"/>
           </a:p>
@@ -23247,7 +31336,7 @@
           <a:p>
             <a:fld id="{D09D8D34-2EBD-4B97-B36B-987099F6080A}" type="datetimeFigureOut">
               <a:rPr lang="ru-RU" smtClean="0"/>
-              <a:t>22.03.2022</a:t>
+              <a:t>23.03.2022</a:t>
             </a:fld>
             <a:endParaRPr lang="ru-RU"/>
           </a:p>
@@ -23342,7 +31431,7 @@
           <a:p>
             <a:fld id="{D09D8D34-2EBD-4B97-B36B-987099F6080A}" type="datetimeFigureOut">
               <a:rPr lang="ru-RU" smtClean="0"/>
-              <a:t>22.03.2022</a:t>
+              <a:t>23.03.2022</a:t>
             </a:fld>
             <a:endParaRPr lang="ru-RU"/>
           </a:p>
@@ -23619,7 +31708,7 @@
           <a:p>
             <a:fld id="{D09D8D34-2EBD-4B97-B36B-987099F6080A}" type="datetimeFigureOut">
               <a:rPr lang="ru-RU" smtClean="0"/>
-              <a:t>22.03.2022</a:t>
+              <a:t>23.03.2022</a:t>
             </a:fld>
             <a:endParaRPr lang="ru-RU"/>
           </a:p>
@@ -23872,7 +31961,7 @@
           <a:p>
             <a:fld id="{D09D8D34-2EBD-4B97-B36B-987099F6080A}" type="datetimeFigureOut">
               <a:rPr lang="ru-RU" smtClean="0"/>
-              <a:t>22.03.2022</a:t>
+              <a:t>23.03.2022</a:t>
             </a:fld>
             <a:endParaRPr lang="ru-RU"/>
           </a:p>
@@ -24085,7 +32174,7 @@
           <a:p>
             <a:fld id="{D09D8D34-2EBD-4B97-B36B-987099F6080A}" type="datetimeFigureOut">
               <a:rPr lang="ru-RU" smtClean="0"/>
-              <a:t>22.03.2022</a:t>
+              <a:t>23.03.2022</a:t>
             </a:fld>
             <a:endParaRPr lang="ru-RU"/>
           </a:p>
@@ -25643,11 +33732,7 @@
           <a:p>
             <a:r>
               <a:rPr lang="en-US" sz="3600" dirty="0" smtClean="0"/>
-              <a:t>Xilinx IP FIR Compiler (7.2): </a:t>
-            </a:r>
-            <a:r>
-              <a:rPr lang="en-US" sz="3600" dirty="0" smtClean="0"/>
-              <a:t>Low, Pass, High band filters</a:t>
+              <a:t>Xilinx IP FIR Compiler (7.2): Low, Pass, High band filters</a:t>
             </a:r>
             <a:endParaRPr lang="ru-RU" sz="3600" dirty="0"/>
           </a:p>
@@ -26141,32 +34226,9 @@
           <a:p>
             <a:r>
               <a:rPr lang="en-US" sz="3600" dirty="0" smtClean="0"/>
-              <a:t>Xilinx IP FIR compiler (7.2), </a:t>
-            </a:r>
-            <a:r>
-              <a:rPr lang="en-US" sz="3600" dirty="0" smtClean="0"/>
-              <a:t>decimation / interpolation</a:t>
+              <a:t>Xilinx IP FIR compiler (7.2), decimation / interpolation</a:t>
             </a:r>
             <a:endParaRPr lang="ru-RU" sz="3600" dirty="0"/>
-          </a:p>
-        </p:txBody>
-      </p:sp>
-      <p:sp>
-        <p:nvSpPr>
-          <p:cNvPr id="3" name="Объект 2"/>
-          <p:cNvSpPr>
-            <a:spLocks noGrp="1"/>
-          </p:cNvSpPr>
-          <p:nvPr>
-            <p:ph idx="1"/>
-          </p:nvPr>
-        </p:nvSpPr>
-        <p:spPr/>
-        <p:txBody>
-          <a:bodyPr/>
-          <a:lstStyle/>
-          <a:p>
-            <a:endParaRPr lang="ru-RU" dirty="0"/>
           </a:p>
         </p:txBody>
       </p:sp>
@@ -26199,6 +34261,321 @@
           </a:p>
         </p:txBody>
       </p:sp>
+      <p:graphicFrame>
+        <p:nvGraphicFramePr>
+          <p:cNvPr id="5" name="Схема 4"/>
+          <p:cNvGraphicFramePr/>
+          <p:nvPr>
+            <p:extLst>
+              <p:ext uri="{D42A27DB-BD31-4B8C-83A1-F6EECF244321}">
+                <p14:modId xmlns:p14="http://schemas.microsoft.com/office/powerpoint/2010/main" val="3816680885"/>
+              </p:ext>
+            </p:extLst>
+          </p:nvPr>
+        </p:nvGraphicFramePr>
+        <p:xfrm>
+          <a:off x="1058866" y="4743645"/>
+          <a:ext cx="3804948" cy="1190286"/>
+        </p:xfrm>
+        <a:graphic>
+          <a:graphicData uri="http://schemas.openxmlformats.org/drawingml/2006/diagram">
+            <dgm:relIds xmlns:dgm="http://schemas.openxmlformats.org/drawingml/2006/diagram" xmlns:r="http://schemas.openxmlformats.org/officeDocument/2006/relationships" r:dm="rId2" r:lo="rId3" r:qs="rId4" r:cs="rId5"/>
+          </a:graphicData>
+        </a:graphic>
+      </p:graphicFrame>
+      <p:sp>
+        <p:nvSpPr>
+          <p:cNvPr id="6" name="TextBox 5"/>
+          <p:cNvSpPr txBox="1"/>
+          <p:nvPr/>
+        </p:nvSpPr>
+        <p:spPr>
+          <a:xfrm>
+            <a:off x="5330687" y="3294338"/>
+            <a:ext cx="6397487" cy="307777"/>
+          </a:xfrm>
+          <a:prstGeom prst="rect">
+            <a:avLst/>
+          </a:prstGeom>
+          <a:noFill/>
+        </p:spPr>
+        <p:txBody>
+          <a:bodyPr wrap="square" rtlCol="0">
+            <a:spAutoFit/>
+          </a:bodyPr>
+          <a:lstStyle/>
+          <a:p>
+            <a:pPr algn="ctr"/>
+            <a:r>
+              <a:rPr lang="en-US" sz="1400" dirty="0" smtClean="0"/>
+              <a:t>Anti Aliasing Filtering in Decimator</a:t>
+            </a:r>
+            <a:endParaRPr lang="ru-RU" sz="1400" dirty="0"/>
+          </a:p>
+        </p:txBody>
+      </p:sp>
+      <p:pic>
+        <p:nvPicPr>
+          <p:cNvPr id="8" name="Рисунок 7"/>
+          <p:cNvPicPr>
+            <a:picLocks noChangeAspect="1"/>
+          </p:cNvPicPr>
+          <p:nvPr/>
+        </p:nvPicPr>
+        <p:blipFill>
+          <a:blip r:embed="rId7">
+            <a:extLst>
+              <a:ext uri="{28A0092B-C50C-407E-A947-70E740481C1C}">
+                <a14:useLocalDpi xmlns:a14="http://schemas.microsoft.com/office/drawing/2010/main" val="0"/>
+              </a:ext>
+            </a:extLst>
+          </a:blip>
+          <a:stretch>
+            <a:fillRect/>
+          </a:stretch>
+        </p:blipFill>
+        <p:spPr>
+          <a:xfrm>
+            <a:off x="957537" y="1206569"/>
+            <a:ext cx="4463332" cy="2582093"/>
+          </a:xfrm>
+          <a:prstGeom prst="rect">
+            <a:avLst/>
+          </a:prstGeom>
+        </p:spPr>
+      </p:pic>
+      <p:sp>
+        <p:nvSpPr>
+          <p:cNvPr id="9" name="TextBox 8"/>
+          <p:cNvSpPr txBox="1"/>
+          <p:nvPr/>
+        </p:nvSpPr>
+        <p:spPr>
+          <a:xfrm>
+            <a:off x="604077" y="3680940"/>
+            <a:ext cx="4899908" cy="738664"/>
+          </a:xfrm>
+          <a:prstGeom prst="rect">
+            <a:avLst/>
+          </a:prstGeom>
+          <a:noFill/>
+        </p:spPr>
+        <p:txBody>
+          <a:bodyPr wrap="square" rtlCol="0">
+            <a:spAutoFit/>
+          </a:bodyPr>
+          <a:lstStyle/>
+          <a:p>
+            <a:pPr algn="ctr"/>
+            <a:r>
+              <a:rPr lang="en-US" sz="1400" dirty="0"/>
+              <a:t>Sample rate conversion by a rational factor</a:t>
+            </a:r>
+            <a:r>
+              <a:rPr lang="en-US" sz="1400" dirty="0" smtClean="0"/>
+              <a:t>: </a:t>
+            </a:r>
+          </a:p>
+          <a:p>
+            <a:pPr algn="ctr"/>
+            <a:r>
+              <a:rPr lang="en-US" sz="1400" dirty="0" smtClean="0"/>
+              <a:t>a) Combination </a:t>
+            </a:r>
+            <a:r>
+              <a:rPr lang="en-US" sz="1400" dirty="0"/>
+              <a:t>of interpolation and </a:t>
+            </a:r>
+            <a:r>
+              <a:rPr lang="en-US" sz="1400" dirty="0" smtClean="0"/>
+              <a:t>decimation </a:t>
+            </a:r>
+          </a:p>
+          <a:p>
+            <a:pPr algn="ctr"/>
+            <a:r>
+              <a:rPr lang="en-US" sz="1400" dirty="0" smtClean="0"/>
+              <a:t>b) Sample rate converter</a:t>
+            </a:r>
+            <a:endParaRPr lang="ru-RU" sz="1400" dirty="0"/>
+          </a:p>
+        </p:txBody>
+      </p:sp>
+      <p:grpSp>
+        <p:nvGrpSpPr>
+          <p:cNvPr id="12" name="Группа 11"/>
+          <p:cNvGrpSpPr/>
+          <p:nvPr/>
+        </p:nvGrpSpPr>
+        <p:grpSpPr>
+          <a:xfrm>
+            <a:off x="5231617" y="1316697"/>
+            <a:ext cx="6864646" cy="2040203"/>
+            <a:chOff x="5231617" y="1316697"/>
+            <a:chExt cx="6864646" cy="2040203"/>
+          </a:xfrm>
+        </p:grpSpPr>
+        <p:pic>
+          <p:nvPicPr>
+            <p:cNvPr id="10" name="Рисунок 9"/>
+            <p:cNvPicPr>
+              <a:picLocks noChangeAspect="1"/>
+            </p:cNvPicPr>
+            <p:nvPr/>
+          </p:nvPicPr>
+          <p:blipFill>
+            <a:blip r:embed="rId8">
+              <a:extLst>
+                <a:ext uri="{28A0092B-C50C-407E-A947-70E740481C1C}">
+                  <a14:useLocalDpi xmlns:a14="http://schemas.microsoft.com/office/drawing/2010/main" val="0"/>
+                </a:ext>
+              </a:extLst>
+            </a:blip>
+            <a:stretch>
+              <a:fillRect/>
+            </a:stretch>
+          </p:blipFill>
+          <p:spPr>
+            <a:xfrm>
+              <a:off x="5231617" y="1316697"/>
+              <a:ext cx="3396335" cy="2040202"/>
+            </a:xfrm>
+            <a:prstGeom prst="rect">
+              <a:avLst/>
+            </a:prstGeom>
+          </p:spPr>
+        </p:pic>
+        <p:pic>
+          <p:nvPicPr>
+            <p:cNvPr id="11" name="Рисунок 10"/>
+            <p:cNvPicPr>
+              <a:picLocks noChangeAspect="1"/>
+            </p:cNvPicPr>
+            <p:nvPr/>
+          </p:nvPicPr>
+          <p:blipFill>
+            <a:blip r:embed="rId9">
+              <a:extLst>
+                <a:ext uri="{28A0092B-C50C-407E-A947-70E740481C1C}">
+                  <a14:useLocalDpi xmlns:a14="http://schemas.microsoft.com/office/drawing/2010/main" val="0"/>
+                </a:ext>
+              </a:extLst>
+            </a:blip>
+            <a:stretch>
+              <a:fillRect/>
+            </a:stretch>
+          </p:blipFill>
+          <p:spPr>
+            <a:xfrm>
+              <a:off x="8627952" y="1316698"/>
+              <a:ext cx="3468311" cy="2040202"/>
+            </a:xfrm>
+            <a:prstGeom prst="rect">
+              <a:avLst/>
+            </a:prstGeom>
+          </p:spPr>
+        </p:pic>
+      </p:grpSp>
+      <p:sp>
+        <p:nvSpPr>
+          <p:cNvPr id="13" name="TextBox 12"/>
+          <p:cNvSpPr txBox="1"/>
+          <p:nvPr/>
+        </p:nvSpPr>
+        <p:spPr>
+          <a:xfrm>
+            <a:off x="1050227" y="6023470"/>
+            <a:ext cx="4007607" cy="523220"/>
+          </a:xfrm>
+          <a:prstGeom prst="rect">
+            <a:avLst/>
+          </a:prstGeom>
+          <a:noFill/>
+        </p:spPr>
+        <p:txBody>
+          <a:bodyPr wrap="square" rtlCol="0">
+            <a:spAutoFit/>
+          </a:bodyPr>
+          <a:lstStyle/>
+          <a:p>
+            <a:pPr algn="ctr"/>
+            <a:r>
+              <a:rPr lang="en-US" sz="1400" dirty="0" smtClean="0"/>
+              <a:t>Testbench for </a:t>
+            </a:r>
+            <a:r>
+              <a:rPr lang="en-US" sz="1400" dirty="0" smtClean="0"/>
+              <a:t>Decimator and Interpolator with </a:t>
+            </a:r>
+            <a:r>
+              <a:rPr lang="en-US" sz="1400" dirty="0" smtClean="0"/>
+              <a:t>loading coefficients via COE files</a:t>
+            </a:r>
+            <a:endParaRPr lang="ru-RU" sz="1400" dirty="0"/>
+          </a:p>
+        </p:txBody>
+      </p:sp>
+      <p:pic>
+        <p:nvPicPr>
+          <p:cNvPr id="14" name="Рисунок 13"/>
+          <p:cNvPicPr>
+            <a:picLocks noChangeAspect="1"/>
+          </p:cNvPicPr>
+          <p:nvPr/>
+        </p:nvPicPr>
+        <p:blipFill>
+          <a:blip r:embed="rId10">
+            <a:extLst>
+              <a:ext uri="{28A0092B-C50C-407E-A947-70E740481C1C}">
+                <a14:useLocalDpi xmlns:a14="http://schemas.microsoft.com/office/drawing/2010/main" val="0"/>
+              </a:ext>
+            </a:extLst>
+          </a:blip>
+          <a:stretch>
+            <a:fillRect/>
+          </a:stretch>
+        </p:blipFill>
+        <p:spPr>
+          <a:xfrm>
+            <a:off x="6070192" y="3594867"/>
+            <a:ext cx="5008659" cy="2611389"/>
+          </a:xfrm>
+          <a:prstGeom prst="rect">
+            <a:avLst/>
+          </a:prstGeom>
+        </p:spPr>
+      </p:pic>
+      <p:sp>
+        <p:nvSpPr>
+          <p:cNvPr id="15" name="TextBox 14"/>
+          <p:cNvSpPr txBox="1"/>
+          <p:nvPr/>
+        </p:nvSpPr>
+        <p:spPr>
+          <a:xfrm>
+            <a:off x="6070192" y="6131192"/>
+            <a:ext cx="5283608" cy="307777"/>
+          </a:xfrm>
+          <a:prstGeom prst="rect">
+            <a:avLst/>
+          </a:prstGeom>
+          <a:noFill/>
+        </p:spPr>
+        <p:txBody>
+          <a:bodyPr wrap="square" rtlCol="0">
+            <a:spAutoFit/>
+          </a:bodyPr>
+          <a:lstStyle/>
+          <a:p>
+            <a:pPr algn="ctr"/>
+            <a:r>
+              <a:rPr lang="en-US" sz="1400" dirty="0" smtClean="0"/>
+              <a:t>a) Low rate signal                b) Up sampling               c) Interpolation</a:t>
+            </a:r>
+            <a:endParaRPr lang="ru-RU" sz="1400" dirty="0"/>
+          </a:p>
+        </p:txBody>
+      </p:sp>
     </p:spTree>
     <p:extLst>
       <p:ext uri="{BB962C8B-B14F-4D97-AF65-F5344CB8AC3E}">
@@ -26212,9 +34589,393 @@
   <p:timing>
     <p:tnLst>
       <p:par>
-        <p:cTn id="1" dur="indefinite" restart="never" nodeType="tmRoot"/>
+        <p:cTn id="1" dur="indefinite" restart="never" nodeType="tmRoot">
+          <p:childTnLst>
+            <p:seq concurrent="1" nextAc="seek">
+              <p:cTn id="2" dur="indefinite" nodeType="mainSeq">
+                <p:childTnLst>
+                  <p:par>
+                    <p:cTn id="3" fill="hold">
+                      <p:stCondLst>
+                        <p:cond delay="indefinite"/>
+                      </p:stCondLst>
+                      <p:childTnLst>
+                        <p:par>
+                          <p:cTn id="4" fill="hold">
+                            <p:stCondLst>
+                              <p:cond delay="0"/>
+                            </p:stCondLst>
+                            <p:childTnLst>
+                              <p:par>
+                                <p:cTn id="5" presetID="22" presetClass="entr" presetSubtype="4" fill="hold" nodeType="clickEffect">
+                                  <p:stCondLst>
+                                    <p:cond delay="0"/>
+                                  </p:stCondLst>
+                                  <p:childTnLst>
+                                    <p:set>
+                                      <p:cBhvr>
+                                        <p:cTn id="6" dur="1" fill="hold">
+                                          <p:stCondLst>
+                                            <p:cond delay="0"/>
+                                          </p:stCondLst>
+                                        </p:cTn>
+                                        <p:tgtEl>
+                                          <p:spTgt spid="8"/>
+                                        </p:tgtEl>
+                                        <p:attrNameLst>
+                                          <p:attrName>style.visibility</p:attrName>
+                                        </p:attrNameLst>
+                                      </p:cBhvr>
+                                      <p:to>
+                                        <p:strVal val="visible"/>
+                                      </p:to>
+                                    </p:set>
+                                    <p:animEffect transition="in" filter="wipe(down)">
+                                      <p:cBhvr>
+                                        <p:cTn id="7" dur="750"/>
+                                        <p:tgtEl>
+                                          <p:spTgt spid="8"/>
+                                        </p:tgtEl>
+                                      </p:cBhvr>
+                                    </p:animEffect>
+                                  </p:childTnLst>
+                                </p:cTn>
+                              </p:par>
+                              <p:par>
+                                <p:cTn id="8" presetID="22" presetClass="entr" presetSubtype="4" fill="hold" grpId="0" nodeType="withEffect">
+                                  <p:stCondLst>
+                                    <p:cond delay="0"/>
+                                  </p:stCondLst>
+                                  <p:childTnLst>
+                                    <p:set>
+                                      <p:cBhvr>
+                                        <p:cTn id="9" dur="1" fill="hold">
+                                          <p:stCondLst>
+                                            <p:cond delay="0"/>
+                                          </p:stCondLst>
+                                        </p:cTn>
+                                        <p:tgtEl>
+                                          <p:spTgt spid="9"/>
+                                        </p:tgtEl>
+                                        <p:attrNameLst>
+                                          <p:attrName>style.visibility</p:attrName>
+                                        </p:attrNameLst>
+                                      </p:cBhvr>
+                                      <p:to>
+                                        <p:strVal val="visible"/>
+                                      </p:to>
+                                    </p:set>
+                                    <p:animEffect transition="in" filter="wipe(down)">
+                                      <p:cBhvr>
+                                        <p:cTn id="10" dur="750"/>
+                                        <p:tgtEl>
+                                          <p:spTgt spid="9"/>
+                                        </p:tgtEl>
+                                      </p:cBhvr>
+                                    </p:animEffect>
+                                  </p:childTnLst>
+                                </p:cTn>
+                              </p:par>
+                            </p:childTnLst>
+                          </p:cTn>
+                        </p:par>
+                      </p:childTnLst>
+                    </p:cTn>
+                  </p:par>
+                  <p:par>
+                    <p:cTn id="11" fill="hold">
+                      <p:stCondLst>
+                        <p:cond delay="indefinite"/>
+                      </p:stCondLst>
+                      <p:childTnLst>
+                        <p:par>
+                          <p:cTn id="12" fill="hold">
+                            <p:stCondLst>
+                              <p:cond delay="0"/>
+                            </p:stCondLst>
+                            <p:childTnLst>
+                              <p:par>
+                                <p:cTn id="13" presetID="22" presetClass="entr" presetSubtype="4" fill="hold" nodeType="clickEffect">
+                                  <p:stCondLst>
+                                    <p:cond delay="0"/>
+                                  </p:stCondLst>
+                                  <p:childTnLst>
+                                    <p:set>
+                                      <p:cBhvr>
+                                        <p:cTn id="14" dur="1" fill="hold">
+                                          <p:stCondLst>
+                                            <p:cond delay="0"/>
+                                          </p:stCondLst>
+                                        </p:cTn>
+                                        <p:tgtEl>
+                                          <p:spTgt spid="12"/>
+                                        </p:tgtEl>
+                                        <p:attrNameLst>
+                                          <p:attrName>style.visibility</p:attrName>
+                                        </p:attrNameLst>
+                                      </p:cBhvr>
+                                      <p:to>
+                                        <p:strVal val="visible"/>
+                                      </p:to>
+                                    </p:set>
+                                    <p:animEffect transition="in" filter="wipe(down)">
+                                      <p:cBhvr>
+                                        <p:cTn id="15" dur="750"/>
+                                        <p:tgtEl>
+                                          <p:spTgt spid="12"/>
+                                        </p:tgtEl>
+                                      </p:cBhvr>
+                                    </p:animEffect>
+                                  </p:childTnLst>
+                                </p:cTn>
+                              </p:par>
+                              <p:par>
+                                <p:cTn id="16" presetID="22" presetClass="entr" presetSubtype="4" fill="hold" grpId="0" nodeType="withEffect">
+                                  <p:stCondLst>
+                                    <p:cond delay="0"/>
+                                  </p:stCondLst>
+                                  <p:childTnLst>
+                                    <p:set>
+                                      <p:cBhvr>
+                                        <p:cTn id="17" dur="1" fill="hold">
+                                          <p:stCondLst>
+                                            <p:cond delay="0"/>
+                                          </p:stCondLst>
+                                        </p:cTn>
+                                        <p:tgtEl>
+                                          <p:spTgt spid="6"/>
+                                        </p:tgtEl>
+                                        <p:attrNameLst>
+                                          <p:attrName>style.visibility</p:attrName>
+                                        </p:attrNameLst>
+                                      </p:cBhvr>
+                                      <p:to>
+                                        <p:strVal val="visible"/>
+                                      </p:to>
+                                    </p:set>
+                                    <p:animEffect transition="in" filter="wipe(down)">
+                                      <p:cBhvr>
+                                        <p:cTn id="18" dur="750"/>
+                                        <p:tgtEl>
+                                          <p:spTgt spid="6"/>
+                                        </p:tgtEl>
+                                      </p:cBhvr>
+                                    </p:animEffect>
+                                  </p:childTnLst>
+                                </p:cTn>
+                              </p:par>
+                            </p:childTnLst>
+                          </p:cTn>
+                        </p:par>
+                      </p:childTnLst>
+                    </p:cTn>
+                  </p:par>
+                  <p:par>
+                    <p:cTn id="19" fill="hold">
+                      <p:stCondLst>
+                        <p:cond delay="indefinite"/>
+                      </p:stCondLst>
+                      <p:childTnLst>
+                        <p:par>
+                          <p:cTn id="20" fill="hold">
+                            <p:stCondLst>
+                              <p:cond delay="0"/>
+                            </p:stCondLst>
+                            <p:childTnLst>
+                              <p:par>
+                                <p:cTn id="21" presetID="22" presetClass="entr" presetSubtype="4" fill="hold" nodeType="clickEffect">
+                                  <p:stCondLst>
+                                    <p:cond delay="0"/>
+                                  </p:stCondLst>
+                                  <p:childTnLst>
+                                    <p:set>
+                                      <p:cBhvr>
+                                        <p:cTn id="22" dur="1" fill="hold">
+                                          <p:stCondLst>
+                                            <p:cond delay="0"/>
+                                          </p:stCondLst>
+                                        </p:cTn>
+                                        <p:tgtEl>
+                                          <p:spTgt spid="14"/>
+                                        </p:tgtEl>
+                                        <p:attrNameLst>
+                                          <p:attrName>style.visibility</p:attrName>
+                                        </p:attrNameLst>
+                                      </p:cBhvr>
+                                      <p:to>
+                                        <p:strVal val="visible"/>
+                                      </p:to>
+                                    </p:set>
+                                    <p:animEffect transition="in" filter="wipe(down)">
+                                      <p:cBhvr>
+                                        <p:cTn id="23" dur="750"/>
+                                        <p:tgtEl>
+                                          <p:spTgt spid="14"/>
+                                        </p:tgtEl>
+                                      </p:cBhvr>
+                                    </p:animEffect>
+                                  </p:childTnLst>
+                                </p:cTn>
+                              </p:par>
+                              <p:par>
+                                <p:cTn id="24" presetID="22" presetClass="entr" presetSubtype="4" fill="hold" grpId="0" nodeType="withEffect">
+                                  <p:stCondLst>
+                                    <p:cond delay="0"/>
+                                  </p:stCondLst>
+                                  <p:childTnLst>
+                                    <p:set>
+                                      <p:cBhvr>
+                                        <p:cTn id="25" dur="1" fill="hold">
+                                          <p:stCondLst>
+                                            <p:cond delay="0"/>
+                                          </p:stCondLst>
+                                        </p:cTn>
+                                        <p:tgtEl>
+                                          <p:spTgt spid="15"/>
+                                        </p:tgtEl>
+                                        <p:attrNameLst>
+                                          <p:attrName>style.visibility</p:attrName>
+                                        </p:attrNameLst>
+                                      </p:cBhvr>
+                                      <p:to>
+                                        <p:strVal val="visible"/>
+                                      </p:to>
+                                    </p:set>
+                                    <p:animEffect transition="in" filter="wipe(down)">
+                                      <p:cBhvr>
+                                        <p:cTn id="26" dur="750"/>
+                                        <p:tgtEl>
+                                          <p:spTgt spid="15"/>
+                                        </p:tgtEl>
+                                      </p:cBhvr>
+                                    </p:animEffect>
+                                  </p:childTnLst>
+                                </p:cTn>
+                              </p:par>
+                            </p:childTnLst>
+                          </p:cTn>
+                        </p:par>
+                      </p:childTnLst>
+                    </p:cTn>
+                  </p:par>
+                  <p:par>
+                    <p:cTn id="27" fill="hold">
+                      <p:stCondLst>
+                        <p:cond delay="indefinite"/>
+                      </p:stCondLst>
+                      <p:childTnLst>
+                        <p:par>
+                          <p:cTn id="28" fill="hold">
+                            <p:stCondLst>
+                              <p:cond delay="0"/>
+                            </p:stCondLst>
+                            <p:childTnLst>
+                              <p:par>
+                                <p:cTn id="29" presetID="22" presetClass="entr" presetSubtype="4" fill="hold" grpId="0" nodeType="clickEffect">
+                                  <p:stCondLst>
+                                    <p:cond delay="0"/>
+                                  </p:stCondLst>
+                                  <p:childTnLst>
+                                    <p:set>
+                                      <p:cBhvr>
+                                        <p:cTn id="30" dur="1" fill="hold">
+                                          <p:stCondLst>
+                                            <p:cond delay="0"/>
+                                          </p:stCondLst>
+                                        </p:cTn>
+                                        <p:tgtEl>
+                                          <p:spTgt spid="5"/>
+                                        </p:tgtEl>
+                                        <p:attrNameLst>
+                                          <p:attrName>style.visibility</p:attrName>
+                                        </p:attrNameLst>
+                                      </p:cBhvr>
+                                      <p:to>
+                                        <p:strVal val="visible"/>
+                                      </p:to>
+                                    </p:set>
+                                    <p:animEffect transition="in" filter="wipe(down)">
+                                      <p:cBhvr>
+                                        <p:cTn id="31" dur="750"/>
+                                        <p:tgtEl>
+                                          <p:spTgt spid="5"/>
+                                        </p:tgtEl>
+                                      </p:cBhvr>
+                                    </p:animEffect>
+                                  </p:childTnLst>
+                                </p:cTn>
+                              </p:par>
+                              <p:par>
+                                <p:cTn id="32" presetID="22" presetClass="entr" presetSubtype="4" fill="hold" grpId="0" nodeType="withEffect">
+                                  <p:stCondLst>
+                                    <p:cond delay="0"/>
+                                  </p:stCondLst>
+                                  <p:childTnLst>
+                                    <p:set>
+                                      <p:cBhvr>
+                                        <p:cTn id="33" dur="1" fill="hold">
+                                          <p:stCondLst>
+                                            <p:cond delay="0"/>
+                                          </p:stCondLst>
+                                        </p:cTn>
+                                        <p:tgtEl>
+                                          <p:spTgt spid="13"/>
+                                        </p:tgtEl>
+                                        <p:attrNameLst>
+                                          <p:attrName>style.visibility</p:attrName>
+                                        </p:attrNameLst>
+                                      </p:cBhvr>
+                                      <p:to>
+                                        <p:strVal val="visible"/>
+                                      </p:to>
+                                    </p:set>
+                                    <p:animEffect transition="in" filter="wipe(down)">
+                                      <p:cBhvr>
+                                        <p:cTn id="34" dur="750"/>
+                                        <p:tgtEl>
+                                          <p:spTgt spid="13"/>
+                                        </p:tgtEl>
+                                      </p:cBhvr>
+                                    </p:animEffect>
+                                  </p:childTnLst>
+                                </p:cTn>
+                              </p:par>
+                            </p:childTnLst>
+                          </p:cTn>
+                        </p:par>
+                      </p:childTnLst>
+                    </p:cTn>
+                  </p:par>
+                </p:childTnLst>
+              </p:cTn>
+              <p:prevCondLst>
+                <p:cond evt="onPrev" delay="0">
+                  <p:tgtEl>
+                    <p:sldTgt/>
+                  </p:tgtEl>
+                </p:cond>
+              </p:prevCondLst>
+              <p:nextCondLst>
+                <p:cond evt="onNext" delay="0">
+                  <p:tgtEl>
+                    <p:sldTgt/>
+                  </p:tgtEl>
+                </p:cond>
+              </p:nextCondLst>
+            </p:seq>
+          </p:childTnLst>
+        </p:cTn>
       </p:par>
     </p:tnLst>
+    <p:bldLst>
+      <p:bldGraphic spid="5" grpId="0">
+        <p:bldAsOne/>
+      </p:bldGraphic>
+      <p:bldP spid="6" grpId="0"/>
+      <p:bldP spid="9" grpId="0"/>
+      <p:bldP spid="13" grpId="0"/>
+      <p:bldP spid="15" grpId="0"/>
+    </p:bldLst>
   </p:timing>
 </p:sld>
 </file>
@@ -26260,32 +35021,9 @@
           <a:p>
             <a:r>
               <a:rPr lang="en-US" sz="3600" dirty="0" smtClean="0"/>
-              <a:t>Xilinx IP CIC compiler (4.0), </a:t>
-            </a:r>
-            <a:r>
-              <a:rPr lang="en-US" sz="3600" dirty="0" smtClean="0"/>
-              <a:t>decimation / interpolation</a:t>
+              <a:t>Xilinx IP CIC compiler (4.0), decimation / interpolation</a:t>
             </a:r>
             <a:endParaRPr lang="ru-RU" sz="3600" dirty="0"/>
-          </a:p>
-        </p:txBody>
-      </p:sp>
-      <p:sp>
-        <p:nvSpPr>
-          <p:cNvPr id="3" name="Объект 2"/>
-          <p:cNvSpPr>
-            <a:spLocks noGrp="1"/>
-          </p:cNvSpPr>
-          <p:nvPr>
-            <p:ph idx="1"/>
-          </p:nvPr>
-        </p:nvSpPr>
-        <p:spPr/>
-        <p:txBody>
-          <a:bodyPr/>
-          <a:lstStyle/>
-          <a:p>
-            <a:endParaRPr lang="ru-RU" dirty="0"/>
           </a:p>
         </p:txBody>
       </p:sp>
@@ -26318,6 +35056,63 @@
           </a:p>
         </p:txBody>
       </p:sp>
+      <p:graphicFrame>
+        <p:nvGraphicFramePr>
+          <p:cNvPr id="5" name="Схема 4"/>
+          <p:cNvGraphicFramePr/>
+          <p:nvPr>
+            <p:extLst>
+              <p:ext uri="{D42A27DB-BD31-4B8C-83A1-F6EECF244321}">
+                <p14:modId xmlns:p14="http://schemas.microsoft.com/office/powerpoint/2010/main" val="3892878215"/>
+              </p:ext>
+            </p:extLst>
+          </p:nvPr>
+        </p:nvGraphicFramePr>
+        <p:xfrm>
+          <a:off x="1058866" y="4743645"/>
+          <a:ext cx="3804948" cy="1190286"/>
+        </p:xfrm>
+        <a:graphic>
+          <a:graphicData uri="http://schemas.openxmlformats.org/drawingml/2006/diagram">
+            <dgm:relIds xmlns:dgm="http://schemas.openxmlformats.org/drawingml/2006/diagram" xmlns:r="http://schemas.openxmlformats.org/officeDocument/2006/relationships" r:dm="rId2" r:lo="rId3" r:qs="rId4" r:cs="rId5"/>
+          </a:graphicData>
+        </a:graphic>
+      </p:graphicFrame>
+      <p:sp>
+        <p:nvSpPr>
+          <p:cNvPr id="6" name="TextBox 5"/>
+          <p:cNvSpPr txBox="1"/>
+          <p:nvPr/>
+        </p:nvSpPr>
+        <p:spPr>
+          <a:xfrm>
+            <a:off x="1050227" y="6023470"/>
+            <a:ext cx="4007607" cy="307777"/>
+          </a:xfrm>
+          <a:prstGeom prst="rect">
+            <a:avLst/>
+          </a:prstGeom>
+          <a:noFill/>
+        </p:spPr>
+        <p:txBody>
+          <a:bodyPr wrap="square" rtlCol="0">
+            <a:spAutoFit/>
+          </a:bodyPr>
+          <a:lstStyle/>
+          <a:p>
+            <a:pPr algn="ctr"/>
+            <a:r>
+              <a:rPr lang="en-US" sz="1400" dirty="0" smtClean="0"/>
+              <a:t>Testbench for </a:t>
+            </a:r>
+            <a:r>
+              <a:rPr lang="en-US" sz="1400" dirty="0" smtClean="0"/>
+              <a:t>CIC Decimator and Interpolator</a:t>
+            </a:r>
+            <a:endParaRPr lang="ru-RU" sz="1400" dirty="0"/>
+          </a:p>
+        </p:txBody>
+      </p:sp>
     </p:spTree>
     <p:extLst>
       <p:ext uri="{BB962C8B-B14F-4D97-AF65-F5344CB8AC3E}">
@@ -26331,9 +35126,126 @@
   <p:timing>
     <p:tnLst>
       <p:par>
-        <p:cTn id="1" dur="indefinite" restart="never" nodeType="tmRoot"/>
+        <p:cTn id="1" dur="indefinite" restart="never" nodeType="tmRoot">
+          <p:childTnLst>
+            <p:seq concurrent="1" nextAc="seek">
+              <p:cTn id="2" dur="indefinite" nodeType="mainSeq">
+                <p:childTnLst>
+                  <p:par>
+                    <p:cTn id="3" fill="hold">
+                      <p:stCondLst>
+                        <p:cond delay="indefinite"/>
+                      </p:stCondLst>
+                      <p:childTnLst>
+                        <p:par>
+                          <p:cTn id="4" fill="hold">
+                            <p:stCondLst>
+                              <p:cond delay="0"/>
+                            </p:stCondLst>
+                            <p:childTnLst>
+                              <p:par>
+                                <p:cTn id="5" presetID="22" presetClass="entr" presetSubtype="4" fill="hold" grpId="0" nodeType="clickEffect">
+                                  <p:stCondLst>
+                                    <p:cond delay="0"/>
+                                  </p:stCondLst>
+                                  <p:childTnLst>
+                                    <p:set>
+                                      <p:cBhvr>
+                                        <p:cTn id="6" dur="1" fill="hold">
+                                          <p:stCondLst>
+                                            <p:cond delay="0"/>
+                                          </p:stCondLst>
+                                        </p:cTn>
+                                        <p:tgtEl>
+                                          <p:spTgt spid="5"/>
+                                        </p:tgtEl>
+                                        <p:attrNameLst>
+                                          <p:attrName>style.visibility</p:attrName>
+                                        </p:attrNameLst>
+                                      </p:cBhvr>
+                                      <p:to>
+                                        <p:strVal val="visible"/>
+                                      </p:to>
+                                    </p:set>
+                                    <p:animEffect transition="in" filter="wipe(down)">
+                                      <p:cBhvr>
+                                        <p:cTn id="7" dur="750"/>
+                                        <p:tgtEl>
+                                          <p:spTgt spid="5"/>
+                                        </p:tgtEl>
+                                      </p:cBhvr>
+                                    </p:animEffect>
+                                  </p:childTnLst>
+                                </p:cTn>
+                              </p:par>
+                              <p:par>
+                                <p:cTn id="8" presetID="22" presetClass="entr" presetSubtype="4" fill="hold" grpId="0" nodeType="withEffect">
+                                  <p:stCondLst>
+                                    <p:cond delay="0"/>
+                                  </p:stCondLst>
+                                  <p:childTnLst>
+                                    <p:set>
+                                      <p:cBhvr>
+                                        <p:cTn id="9" dur="1" fill="hold">
+                                          <p:stCondLst>
+                                            <p:cond delay="0"/>
+                                          </p:stCondLst>
+                                        </p:cTn>
+                                        <p:tgtEl>
+                                          <p:spTgt spid="6"/>
+                                        </p:tgtEl>
+                                        <p:attrNameLst>
+                                          <p:attrName>style.visibility</p:attrName>
+                                        </p:attrNameLst>
+                                      </p:cBhvr>
+                                      <p:to>
+                                        <p:strVal val="visible"/>
+                                      </p:to>
+                                    </p:set>
+                                    <p:animEffect transition="in" filter="wipe(down)">
+                                      <p:cBhvr>
+                                        <p:cTn id="10" dur="750"/>
+                                        <p:tgtEl>
+                                          <p:spTgt spid="6"/>
+                                        </p:tgtEl>
+                                      </p:cBhvr>
+                                    </p:animEffect>
+                                  </p:childTnLst>
+                                </p:cTn>
+                              </p:par>
+                            </p:childTnLst>
+                          </p:cTn>
+                        </p:par>
+                      </p:childTnLst>
+                    </p:cTn>
+                  </p:par>
+                </p:childTnLst>
+              </p:cTn>
+              <p:prevCondLst>
+                <p:cond evt="onPrev" delay="0">
+                  <p:tgtEl>
+                    <p:sldTgt/>
+                  </p:tgtEl>
+                </p:cond>
+              </p:prevCondLst>
+              <p:nextCondLst>
+                <p:cond evt="onNext" delay="0">
+                  <p:tgtEl>
+                    <p:sldTgt/>
+                  </p:tgtEl>
+                </p:cond>
+              </p:nextCondLst>
+            </p:seq>
+          </p:childTnLst>
+        </p:cTn>
       </p:par>
     </p:tnLst>
+    <p:bldLst>
+      <p:bldGraphic spid="5" grpId="0">
+        <p:bldAsOne/>
+      </p:bldGraphic>
+      <p:bldP spid="6" grpId="0"/>
+    </p:bldLst>
   </p:timing>
 </p:sld>
 </file>
@@ -26379,11 +35291,7 @@
           <a:p>
             <a:r>
               <a:rPr lang="en-US" sz="3600" dirty="0" smtClean="0"/>
-              <a:t>Xilinx IP FIR compiler (7.2): </a:t>
-            </a:r>
-            <a:r>
-              <a:rPr lang="en-US" sz="3600" dirty="0" smtClean="0"/>
-              <a:t>Hilbert Transform</a:t>
+              <a:t>Xilinx IP FIR compiler (7.2): Hilbert Transform</a:t>
             </a:r>
             <a:endParaRPr lang="ru-RU" sz="3600" dirty="0"/>
           </a:p>

--- a/presentation/Xilinx IP cores for Digital Signal Processing.pptx
+++ b/presentation/Xilinx IP cores for Digital Signal Processing.pptx
@@ -5631,7 +5631,7 @@
         <a:p>
           <a:r>
             <a:rPr lang="en-US" dirty="0" smtClean="0"/>
-            <a:t>FFT + Windowing</a:t>
+            <a:t>FFT</a:t>
           </a:r>
           <a:endParaRPr lang="ru-RU" dirty="0"/>
         </a:p>
@@ -5668,7 +5668,7 @@
         <a:p>
           <a:r>
             <a:rPr lang="en-US" dirty="0" smtClean="0"/>
-            <a:t>IFFT + Windowing</a:t>
+            <a:t>IFFT</a:t>
           </a:r>
           <a:endParaRPr lang="ru-RU" dirty="0"/>
         </a:p>
@@ -8257,11 +8257,7 @@
         <a:p>
           <a:r>
             <a:rPr lang="en-US" dirty="0" smtClean="0"/>
-            <a:t>RTL Testbench </a:t>
-          </a:r>
-          <a:r>
-            <a:rPr lang="en-US" dirty="0" smtClean="0"/>
-            <a:t>(</a:t>
+            <a:t>RTL Testbench (</a:t>
           </a:r>
           <a:r>
             <a:rPr lang="de-DE" dirty="0" err="1" smtClean="0"/>
@@ -8269,11 +8265,7 @@
           </a:r>
           <a:r>
             <a:rPr lang="en-US" dirty="0" smtClean="0"/>
-            <a:t>.v</a:t>
-          </a:r>
-          <a:r>
-            <a:rPr lang="en-US" dirty="0" smtClean="0"/>
-            <a:t>)</a:t>
+            <a:t>.v)</a:t>
           </a:r>
           <a:endParaRPr lang="ru-RU" dirty="0"/>
         </a:p>
@@ -8623,11 +8615,7 @@
         <a:p>
           <a:r>
             <a:rPr lang="en-US" dirty="0" smtClean="0"/>
-            <a:t>RTL Testbench </a:t>
-          </a:r>
-          <a:r>
-            <a:rPr lang="en-US" dirty="0" smtClean="0"/>
-            <a:t>(</a:t>
+            <a:t>RTL Testbench (</a:t>
           </a:r>
           <a:r>
             <a:rPr lang="de-DE" dirty="0" err="1" smtClean="0"/>
@@ -8635,11 +8623,7 @@
           </a:r>
           <a:r>
             <a:rPr lang="en-US" dirty="0" smtClean="0"/>
-            <a:t>.v</a:t>
-          </a:r>
-          <a:r>
-            <a:rPr lang="en-US" dirty="0" smtClean="0"/>
-            <a:t>)</a:t>
+            <a:t>.v)</a:t>
           </a:r>
           <a:endParaRPr lang="ru-RU" dirty="0"/>
         </a:p>
@@ -11262,7 +11246,7 @@
           </a:pPr>
           <a:r>
             <a:rPr lang="en-US" sz="1200" kern="1200" dirty="0" smtClean="0"/>
-            <a:t>FFT + Windowing</a:t>
+            <a:t>FFT</a:t>
           </a:r>
           <a:endParaRPr lang="ru-RU" sz="1200" kern="1200" dirty="0"/>
         </a:p>
@@ -11435,7 +11419,7 @@
           </a:pPr>
           <a:r>
             <a:rPr lang="en-US" sz="1200" kern="1200" dirty="0" smtClean="0"/>
-            <a:t>IFFT + Windowing</a:t>
+            <a:t>IFFT</a:t>
           </a:r>
           <a:endParaRPr lang="ru-RU" sz="1200" kern="1200" dirty="0"/>
         </a:p>
@@ -14924,11 +14908,7 @@
           </a:pPr>
           <a:r>
             <a:rPr lang="en-US" sz="1100" kern="1200" dirty="0" smtClean="0"/>
-            <a:t>RTL Testbench </a:t>
-          </a:r>
-          <a:r>
-            <a:rPr lang="en-US" sz="1100" kern="1200" dirty="0" smtClean="0"/>
-            <a:t>(</a:t>
+            <a:t>RTL Testbench (</a:t>
           </a:r>
           <a:r>
             <a:rPr lang="de-DE" sz="1100" kern="1200" dirty="0" err="1" smtClean="0"/>
@@ -14936,11 +14916,7 @@
           </a:r>
           <a:r>
             <a:rPr lang="en-US" sz="1100" kern="1200" dirty="0" smtClean="0"/>
-            <a:t>.v</a:t>
-          </a:r>
-          <a:r>
-            <a:rPr lang="en-US" sz="1100" kern="1200" dirty="0" smtClean="0"/>
-            <a:t>)</a:t>
+            <a:t>.v)</a:t>
           </a:r>
           <a:endParaRPr lang="ru-RU" sz="1100" kern="1200" dirty="0"/>
         </a:p>
@@ -15407,11 +15383,7 @@
           </a:pPr>
           <a:r>
             <a:rPr lang="en-US" sz="1100" kern="1200" dirty="0" smtClean="0"/>
-            <a:t>RTL Testbench </a:t>
-          </a:r>
-          <a:r>
-            <a:rPr lang="en-US" sz="1100" kern="1200" dirty="0" smtClean="0"/>
-            <a:t>(</a:t>
+            <a:t>RTL Testbench (</a:t>
           </a:r>
           <a:r>
             <a:rPr lang="de-DE" sz="1100" kern="1200" dirty="0" err="1" smtClean="0"/>
@@ -15419,11 +15391,7 @@
           </a:r>
           <a:r>
             <a:rPr lang="en-US" sz="1100" kern="1200" dirty="0" smtClean="0"/>
-            <a:t>.v</a:t>
-          </a:r>
-          <a:r>
-            <a:rPr lang="en-US" sz="1100" kern="1200" dirty="0" smtClean="0"/>
-            <a:t>)</a:t>
+            <a:t>.v)</a:t>
           </a:r>
           <a:endParaRPr lang="ru-RU" sz="1100" kern="1200" dirty="0"/>
         </a:p>
@@ -29853,7 +29821,7 @@
           <a:p>
             <a:fld id="{D09D8D34-2EBD-4B97-B36B-987099F6080A}" type="datetimeFigureOut">
               <a:rPr lang="ru-RU" smtClean="0"/>
-              <a:t>23.03.2022</a:t>
+              <a:t>02.04.2022</a:t>
             </a:fld>
             <a:endParaRPr lang="ru-RU"/>
           </a:p>
@@ -30023,7 +29991,7 @@
           <a:p>
             <a:fld id="{D09D8D34-2EBD-4B97-B36B-987099F6080A}" type="datetimeFigureOut">
               <a:rPr lang="ru-RU" smtClean="0"/>
-              <a:t>23.03.2022</a:t>
+              <a:t>02.04.2022</a:t>
             </a:fld>
             <a:endParaRPr lang="ru-RU"/>
           </a:p>
@@ -30203,7 +30171,7 @@
           <a:p>
             <a:fld id="{D09D8D34-2EBD-4B97-B36B-987099F6080A}" type="datetimeFigureOut">
               <a:rPr lang="ru-RU" smtClean="0"/>
-              <a:t>23.03.2022</a:t>
+              <a:t>02.04.2022</a:t>
             </a:fld>
             <a:endParaRPr lang="ru-RU"/>
           </a:p>
@@ -30373,7 +30341,7 @@
           <a:p>
             <a:fld id="{D09D8D34-2EBD-4B97-B36B-987099F6080A}" type="datetimeFigureOut">
               <a:rPr lang="ru-RU" smtClean="0"/>
-              <a:t>23.03.2022</a:t>
+              <a:t>02.04.2022</a:t>
             </a:fld>
             <a:endParaRPr lang="ru-RU"/>
           </a:p>
@@ -30619,7 +30587,7 @@
           <a:p>
             <a:fld id="{D09D8D34-2EBD-4B97-B36B-987099F6080A}" type="datetimeFigureOut">
               <a:rPr lang="ru-RU" smtClean="0"/>
-              <a:t>23.03.2022</a:t>
+              <a:t>02.04.2022</a:t>
             </a:fld>
             <a:endParaRPr lang="ru-RU"/>
           </a:p>
@@ -30851,7 +30819,7 @@
           <a:p>
             <a:fld id="{D09D8D34-2EBD-4B97-B36B-987099F6080A}" type="datetimeFigureOut">
               <a:rPr lang="ru-RU" smtClean="0"/>
-              <a:t>23.03.2022</a:t>
+              <a:t>02.04.2022</a:t>
             </a:fld>
             <a:endParaRPr lang="ru-RU"/>
           </a:p>
@@ -31218,7 +31186,7 @@
           <a:p>
             <a:fld id="{D09D8D34-2EBD-4B97-B36B-987099F6080A}" type="datetimeFigureOut">
               <a:rPr lang="ru-RU" smtClean="0"/>
-              <a:t>23.03.2022</a:t>
+              <a:t>02.04.2022</a:t>
             </a:fld>
             <a:endParaRPr lang="ru-RU"/>
           </a:p>
@@ -31336,7 +31304,7 @@
           <a:p>
             <a:fld id="{D09D8D34-2EBD-4B97-B36B-987099F6080A}" type="datetimeFigureOut">
               <a:rPr lang="ru-RU" smtClean="0"/>
-              <a:t>23.03.2022</a:t>
+              <a:t>02.04.2022</a:t>
             </a:fld>
             <a:endParaRPr lang="ru-RU"/>
           </a:p>
@@ -31431,7 +31399,7 @@
           <a:p>
             <a:fld id="{D09D8D34-2EBD-4B97-B36B-987099F6080A}" type="datetimeFigureOut">
               <a:rPr lang="ru-RU" smtClean="0"/>
-              <a:t>23.03.2022</a:t>
+              <a:t>02.04.2022</a:t>
             </a:fld>
             <a:endParaRPr lang="ru-RU"/>
           </a:p>
@@ -31708,7 +31676,7 @@
           <a:p>
             <a:fld id="{D09D8D34-2EBD-4B97-B36B-987099F6080A}" type="datetimeFigureOut">
               <a:rPr lang="ru-RU" smtClean="0"/>
-              <a:t>23.03.2022</a:t>
+              <a:t>02.04.2022</a:t>
             </a:fld>
             <a:endParaRPr lang="ru-RU"/>
           </a:p>
@@ -31961,7 +31929,7 @@
           <a:p>
             <a:fld id="{D09D8D34-2EBD-4B97-B36B-987099F6080A}" type="datetimeFigureOut">
               <a:rPr lang="ru-RU" smtClean="0"/>
-              <a:t>23.03.2022</a:t>
+              <a:t>02.04.2022</a:t>
             </a:fld>
             <a:endParaRPr lang="ru-RU"/>
           </a:p>
@@ -32174,7 +32142,7 @@
           <a:p>
             <a:fld id="{D09D8D34-2EBD-4B97-B36B-987099F6080A}" type="datetimeFigureOut">
               <a:rPr lang="ru-RU" smtClean="0"/>
-              <a:t>23.03.2022</a:t>
+              <a:t>02.04.2022</a:t>
             </a:fld>
             <a:endParaRPr lang="ru-RU"/>
           </a:p>
@@ -32591,21 +32559,25 @@
         </p:nvSpPr>
         <p:spPr>
           <a:xfrm>
-            <a:off x="1492195" y="1798223"/>
-            <a:ext cx="9144000" cy="2387600"/>
+            <a:off x="1539903" y="2019631"/>
+            <a:ext cx="9144000" cy="1299500"/>
           </a:xfrm>
         </p:spPr>
         <p:txBody>
           <a:bodyPr>
-            <a:normAutofit fontScale="90000"/>
+            <a:noAutofit/>
           </a:bodyPr>
           <a:lstStyle/>
           <a:p>
             <a:r>
-              <a:rPr lang="en-US" dirty="0" smtClean="0"/>
+              <a:rPr lang="en-US" sz="4000" dirty="0" smtClean="0">
+                <a:latin typeface="+mn-lt"/>
+              </a:rPr>
               <a:t>Xilinx IP cores for Digital Signal Processing: modelling and RTL simulation</a:t>
             </a:r>
-            <a:endParaRPr lang="ru-RU" dirty="0"/>
+            <a:endParaRPr lang="ru-RU" sz="4000" dirty="0">
+              <a:latin typeface="+mn-lt"/>
+            </a:endParaRPr>
           </a:p>
         </p:txBody>
       </p:sp>
@@ -32725,7 +32697,7 @@
           <p:nvPr>
             <p:extLst>
               <p:ext uri="{D42A27DB-BD31-4B8C-83A1-F6EECF244321}">
-                <p14:modId xmlns:p14="http://schemas.microsoft.com/office/powerpoint/2010/main" val="2380635045"/>
+                <p14:modId xmlns:p14="http://schemas.microsoft.com/office/powerpoint/2010/main" val="3759436222"/>
               </p:ext>
             </p:extLst>
           </p:nvPr>
@@ -34501,15 +34473,7 @@
             <a:pPr algn="ctr"/>
             <a:r>
               <a:rPr lang="en-US" sz="1400" dirty="0" smtClean="0"/>
-              <a:t>Testbench for </a:t>
-            </a:r>
-            <a:r>
-              <a:rPr lang="en-US" sz="1400" dirty="0" smtClean="0"/>
-              <a:t>Decimator and Interpolator with </a:t>
-            </a:r>
-            <a:r>
-              <a:rPr lang="en-US" sz="1400" dirty="0" smtClean="0"/>
-              <a:t>loading coefficients via COE files</a:t>
+              <a:t>Testbench for Decimator and Interpolator with loading coefficients via COE files</a:t>
             </a:r>
             <a:endParaRPr lang="ru-RU" sz="1400" dirty="0"/>
           </a:p>
@@ -35103,11 +35067,7 @@
             <a:pPr algn="ctr"/>
             <a:r>
               <a:rPr lang="en-US" sz="1400" dirty="0" smtClean="0"/>
-              <a:t>Testbench for </a:t>
-            </a:r>
-            <a:r>
-              <a:rPr lang="en-US" sz="1400" dirty="0" smtClean="0"/>
-              <a:t>CIC Decimator and Interpolator</a:t>
+              <a:t>Testbench for CIC Decimator and Interpolator</a:t>
             </a:r>
             <a:endParaRPr lang="ru-RU" sz="1400" dirty="0"/>
           </a:p>
@@ -35399,7 +35359,11 @@
           <a:p>
             <a:r>
               <a:rPr lang="en-US" dirty="0" smtClean="0"/>
-              <a:t>FFT IP core: FFT + windowing</a:t>
+              <a:t>FFT IP core: </a:t>
+            </a:r>
+            <a:r>
+              <a:rPr lang="en-US" dirty="0" smtClean="0"/>
+              <a:t>FFT</a:t>
             </a:r>
             <a:endParaRPr lang="ru-RU" dirty="0"/>
           </a:p>
@@ -35507,7 +35471,11 @@
           <a:p>
             <a:r>
               <a:rPr lang="en-US" dirty="0" smtClean="0"/>
-              <a:t>FFT IP core: IFFT + windowing</a:t>
+              <a:t>FFT IP core: </a:t>
+            </a:r>
+            <a:r>
+              <a:rPr lang="en-US" dirty="0" smtClean="0"/>
+              <a:t>IFFT</a:t>
             </a:r>
             <a:endParaRPr lang="ru-RU" dirty="0"/>
           </a:p>

--- a/presentation/Xilinx IP cores for Digital Signal Processing.pptx
+++ b/presentation/Xilinx IP cores for Digital Signal Processing.pptx
@@ -29821,7 +29821,7 @@
           <a:p>
             <a:fld id="{D09D8D34-2EBD-4B97-B36B-987099F6080A}" type="datetimeFigureOut">
               <a:rPr lang="ru-RU" smtClean="0"/>
-              <a:t>02.04.2022</a:t>
+              <a:t>03.04.2022</a:t>
             </a:fld>
             <a:endParaRPr lang="ru-RU"/>
           </a:p>
@@ -29991,7 +29991,7 @@
           <a:p>
             <a:fld id="{D09D8D34-2EBD-4B97-B36B-987099F6080A}" type="datetimeFigureOut">
               <a:rPr lang="ru-RU" smtClean="0"/>
-              <a:t>02.04.2022</a:t>
+              <a:t>03.04.2022</a:t>
             </a:fld>
             <a:endParaRPr lang="ru-RU"/>
           </a:p>
@@ -30171,7 +30171,7 @@
           <a:p>
             <a:fld id="{D09D8D34-2EBD-4B97-B36B-987099F6080A}" type="datetimeFigureOut">
               <a:rPr lang="ru-RU" smtClean="0"/>
-              <a:t>02.04.2022</a:t>
+              <a:t>03.04.2022</a:t>
             </a:fld>
             <a:endParaRPr lang="ru-RU"/>
           </a:p>
@@ -30341,7 +30341,7 @@
           <a:p>
             <a:fld id="{D09D8D34-2EBD-4B97-B36B-987099F6080A}" type="datetimeFigureOut">
               <a:rPr lang="ru-RU" smtClean="0"/>
-              <a:t>02.04.2022</a:t>
+              <a:t>03.04.2022</a:t>
             </a:fld>
             <a:endParaRPr lang="ru-RU"/>
           </a:p>
@@ -30587,7 +30587,7 @@
           <a:p>
             <a:fld id="{D09D8D34-2EBD-4B97-B36B-987099F6080A}" type="datetimeFigureOut">
               <a:rPr lang="ru-RU" smtClean="0"/>
-              <a:t>02.04.2022</a:t>
+              <a:t>03.04.2022</a:t>
             </a:fld>
             <a:endParaRPr lang="ru-RU"/>
           </a:p>
@@ -30819,7 +30819,7 @@
           <a:p>
             <a:fld id="{D09D8D34-2EBD-4B97-B36B-987099F6080A}" type="datetimeFigureOut">
               <a:rPr lang="ru-RU" smtClean="0"/>
-              <a:t>02.04.2022</a:t>
+              <a:t>03.04.2022</a:t>
             </a:fld>
             <a:endParaRPr lang="ru-RU"/>
           </a:p>
@@ -31186,7 +31186,7 @@
           <a:p>
             <a:fld id="{D09D8D34-2EBD-4B97-B36B-987099F6080A}" type="datetimeFigureOut">
               <a:rPr lang="ru-RU" smtClean="0"/>
-              <a:t>02.04.2022</a:t>
+              <a:t>03.04.2022</a:t>
             </a:fld>
             <a:endParaRPr lang="ru-RU"/>
           </a:p>
@@ -31304,7 +31304,7 @@
           <a:p>
             <a:fld id="{D09D8D34-2EBD-4B97-B36B-987099F6080A}" type="datetimeFigureOut">
               <a:rPr lang="ru-RU" smtClean="0"/>
-              <a:t>02.04.2022</a:t>
+              <a:t>03.04.2022</a:t>
             </a:fld>
             <a:endParaRPr lang="ru-RU"/>
           </a:p>
@@ -31399,7 +31399,7 @@
           <a:p>
             <a:fld id="{D09D8D34-2EBD-4B97-B36B-987099F6080A}" type="datetimeFigureOut">
               <a:rPr lang="ru-RU" smtClean="0"/>
-              <a:t>02.04.2022</a:t>
+              <a:t>03.04.2022</a:t>
             </a:fld>
             <a:endParaRPr lang="ru-RU"/>
           </a:p>
@@ -31676,7 +31676,7 @@
           <a:p>
             <a:fld id="{D09D8D34-2EBD-4B97-B36B-987099F6080A}" type="datetimeFigureOut">
               <a:rPr lang="ru-RU" smtClean="0"/>
-              <a:t>02.04.2022</a:t>
+              <a:t>03.04.2022</a:t>
             </a:fld>
             <a:endParaRPr lang="ru-RU"/>
           </a:p>
@@ -31929,7 +31929,7 @@
           <a:p>
             <a:fld id="{D09D8D34-2EBD-4B97-B36B-987099F6080A}" type="datetimeFigureOut">
               <a:rPr lang="ru-RU" smtClean="0"/>
-              <a:t>02.04.2022</a:t>
+              <a:t>03.04.2022</a:t>
             </a:fld>
             <a:endParaRPr lang="ru-RU"/>
           </a:p>
@@ -32142,7 +32142,7 @@
           <a:p>
             <a:fld id="{D09D8D34-2EBD-4B97-B36B-987099F6080A}" type="datetimeFigureOut">
               <a:rPr lang="ru-RU" smtClean="0"/>
-              <a:t>02.04.2022</a:t>
+              <a:t>03.04.2022</a:t>
             </a:fld>
             <a:endParaRPr lang="ru-RU"/>
           </a:p>
@@ -32628,6 +32628,43 @@
           </a:p>
         </p:txBody>
       </p:sp>
+      <p:sp>
+        <p:nvSpPr>
+          <p:cNvPr id="5" name="TextBox 4">
+            <a:extLst>
+              <a:ext uri="{FF2B5EF4-FFF2-40B4-BE49-F238E27FC236}">
+                <a16:creationId xmlns:a16="http://schemas.microsoft.com/office/drawing/2014/main" id="{C7D94E42-84B2-4AFC-B74B-74801007F1AE}"/>
+              </a:ext>
+            </a:extLst>
+          </p:cNvPr>
+          <p:cNvSpPr txBox="1"/>
+          <p:nvPr/>
+        </p:nvSpPr>
+        <p:spPr>
+          <a:xfrm>
+            <a:off x="4228760" y="96688"/>
+            <a:ext cx="4149969" cy="369332"/>
+          </a:xfrm>
+          <a:prstGeom prst="rect">
+            <a:avLst/>
+          </a:prstGeom>
+          <a:noFill/>
+        </p:spPr>
+        <p:txBody>
+          <a:bodyPr wrap="square" rtlCol="0">
+            <a:spAutoFit/>
+          </a:bodyPr>
+          <a:lstStyle/>
+          <a:p>
+            <a:pPr algn="ctr"/>
+            <a:r>
+              <a:rPr lang="en-US" dirty="0"/>
+              <a:t>The Advanced Engineering Course</a:t>
+            </a:r>
+            <a:endParaRPr lang="ru-BY" dirty="0"/>
+          </a:p>
+        </p:txBody>
+      </p:sp>
     </p:spTree>
     <p:extLst>
       <p:ext uri="{BB962C8B-B14F-4D97-AF65-F5344CB8AC3E}">
@@ -32767,7 +32804,11 @@
           <a:p>
             <a:r>
               <a:rPr lang="en-US" dirty="0" smtClean="0"/>
-              <a:t>Lectures structure:</a:t>
+              <a:t>Lessons </a:t>
+            </a:r>
+            <a:r>
+              <a:rPr lang="en-US" dirty="0" smtClean="0"/>
+              <a:t>structure:</a:t>
             </a:r>
           </a:p>
           <a:p>
@@ -32775,8 +32816,16 @@
               <a:buAutoNum type="arabicPeriod"/>
             </a:pPr>
             <a:r>
+              <a:rPr lang="en-US" smtClean="0"/>
+              <a:t>Applications</a:t>
+            </a:r>
+            <a:r>
+              <a:rPr lang="en-US" smtClean="0"/>
+              <a:t> </a:t>
+            </a:r>
+            <a:r>
               <a:rPr lang="en-US" dirty="0" smtClean="0"/>
-              <a:t>Purposes and description of an algorithm (pptx slides)</a:t>
+              <a:t>and description of an algorithm (pptx slides)</a:t>
             </a:r>
           </a:p>
           <a:p>
@@ -35359,11 +35408,7 @@
           <a:p>
             <a:r>
               <a:rPr lang="en-US" dirty="0" smtClean="0"/>
-              <a:t>FFT IP core: </a:t>
-            </a:r>
-            <a:r>
-              <a:rPr lang="en-US" dirty="0" smtClean="0"/>
-              <a:t>FFT</a:t>
+              <a:t>FFT IP core: FFT</a:t>
             </a:r>
             <a:endParaRPr lang="ru-RU" dirty="0"/>
           </a:p>
@@ -35471,11 +35516,7 @@
           <a:p>
             <a:r>
               <a:rPr lang="en-US" dirty="0" smtClean="0"/>
-              <a:t>FFT IP core: </a:t>
-            </a:r>
-            <a:r>
-              <a:rPr lang="en-US" dirty="0" smtClean="0"/>
-              <a:t>IFFT</a:t>
+              <a:t>FFT IP core: IFFT</a:t>
             </a:r>
             <a:endParaRPr lang="ru-RU" dirty="0"/>
           </a:p>

--- a/presentation/Xilinx IP cores for Digital Signal Processing.pptx
+++ b/presentation/Xilinx IP cores for Digital Signal Processing.pptx
@@ -13,7 +13,6 @@
     <p:sldId id="259" r:id="rId7"/>
     <p:sldId id="260" r:id="rId8"/>
     <p:sldId id="262" r:id="rId9"/>
-    <p:sldId id="263" r:id="rId10"/>
   </p:sldIdLst>
   <p:sldSz cx="12192000" cy="6858000"/>
   <p:notesSz cx="6858000" cy="9144000"/>
@@ -4603,6 +4602,753 @@
 </file>
 
 <file path=ppt/diagrams/colors7.xml><?xml version="1.0" encoding="utf-8"?>
+<dgm:colorsDef xmlns:dgm="http://schemas.openxmlformats.org/drawingml/2006/diagram" xmlns:a="http://schemas.openxmlformats.org/drawingml/2006/main" uniqueId="urn:microsoft.com/office/officeart/2005/8/colors/accent1_2">
+  <dgm:title val=""/>
+  <dgm:desc val=""/>
+  <dgm:catLst>
+    <dgm:cat type="accent1" pri="11200"/>
+  </dgm:catLst>
+  <dgm:styleLbl name="node0">
+    <dgm:fillClrLst meth="repeat">
+      <a:schemeClr val="accent1"/>
+    </dgm:fillClrLst>
+    <dgm:linClrLst meth="repeat">
+      <a:schemeClr val="lt1"/>
+    </dgm:linClrLst>
+    <dgm:effectClrLst/>
+    <dgm:txLinClrLst/>
+    <dgm:txFillClrLst/>
+    <dgm:txEffectClrLst/>
+  </dgm:styleLbl>
+  <dgm:styleLbl name="alignNode1">
+    <dgm:fillClrLst meth="repeat">
+      <a:schemeClr val="accent1"/>
+    </dgm:fillClrLst>
+    <dgm:linClrLst meth="repeat">
+      <a:schemeClr val="accent1"/>
+    </dgm:linClrLst>
+    <dgm:effectClrLst/>
+    <dgm:txLinClrLst/>
+    <dgm:txFillClrLst/>
+    <dgm:txEffectClrLst/>
+  </dgm:styleLbl>
+  <dgm:styleLbl name="node1">
+    <dgm:fillClrLst meth="repeat">
+      <a:schemeClr val="accent1"/>
+    </dgm:fillClrLst>
+    <dgm:linClrLst meth="repeat">
+      <a:schemeClr val="lt1"/>
+    </dgm:linClrLst>
+    <dgm:effectClrLst/>
+    <dgm:txLinClrLst/>
+    <dgm:txFillClrLst/>
+    <dgm:txEffectClrLst/>
+  </dgm:styleLbl>
+  <dgm:styleLbl name="lnNode1">
+    <dgm:fillClrLst meth="repeat">
+      <a:schemeClr val="accent1"/>
+    </dgm:fillClrLst>
+    <dgm:linClrLst meth="repeat">
+      <a:schemeClr val="lt1"/>
+    </dgm:linClrLst>
+    <dgm:effectClrLst/>
+    <dgm:txLinClrLst/>
+    <dgm:txFillClrLst/>
+    <dgm:txEffectClrLst/>
+  </dgm:styleLbl>
+  <dgm:styleLbl name="vennNode1">
+    <dgm:fillClrLst meth="repeat">
+      <a:schemeClr val="accent1">
+        <a:alpha val="50000"/>
+      </a:schemeClr>
+    </dgm:fillClrLst>
+    <dgm:linClrLst meth="repeat">
+      <a:schemeClr val="lt1"/>
+    </dgm:linClrLst>
+    <dgm:effectClrLst/>
+    <dgm:txLinClrLst/>
+    <dgm:txFillClrLst/>
+    <dgm:txEffectClrLst/>
+  </dgm:styleLbl>
+  <dgm:styleLbl name="node2">
+    <dgm:fillClrLst meth="repeat">
+      <a:schemeClr val="accent1"/>
+    </dgm:fillClrLst>
+    <dgm:linClrLst meth="repeat">
+      <a:schemeClr val="lt1"/>
+    </dgm:linClrLst>
+    <dgm:effectClrLst/>
+    <dgm:txLinClrLst/>
+    <dgm:txFillClrLst/>
+    <dgm:txEffectClrLst/>
+  </dgm:styleLbl>
+  <dgm:styleLbl name="node3">
+    <dgm:fillClrLst meth="repeat">
+      <a:schemeClr val="accent1"/>
+    </dgm:fillClrLst>
+    <dgm:linClrLst meth="repeat">
+      <a:schemeClr val="lt1"/>
+    </dgm:linClrLst>
+    <dgm:effectClrLst/>
+    <dgm:txLinClrLst/>
+    <dgm:txFillClrLst/>
+    <dgm:txEffectClrLst/>
+  </dgm:styleLbl>
+  <dgm:styleLbl name="node4">
+    <dgm:fillClrLst meth="repeat">
+      <a:schemeClr val="accent1"/>
+    </dgm:fillClrLst>
+    <dgm:linClrLst meth="repeat">
+      <a:schemeClr val="lt1"/>
+    </dgm:linClrLst>
+    <dgm:effectClrLst/>
+    <dgm:txLinClrLst/>
+    <dgm:txFillClrLst/>
+    <dgm:txEffectClrLst/>
+  </dgm:styleLbl>
+  <dgm:styleLbl name="fgImgPlace1">
+    <dgm:fillClrLst meth="repeat">
+      <a:schemeClr val="accent1">
+        <a:tint val="50000"/>
+      </a:schemeClr>
+    </dgm:fillClrLst>
+    <dgm:linClrLst meth="repeat">
+      <a:schemeClr val="lt1"/>
+    </dgm:linClrLst>
+    <dgm:effectClrLst/>
+    <dgm:txLinClrLst/>
+    <dgm:txFillClrLst meth="repeat">
+      <a:schemeClr val="lt1"/>
+    </dgm:txFillClrLst>
+    <dgm:txEffectClrLst/>
+  </dgm:styleLbl>
+  <dgm:styleLbl name="alignImgPlace1">
+    <dgm:fillClrLst meth="repeat">
+      <a:schemeClr val="accent1">
+        <a:tint val="50000"/>
+      </a:schemeClr>
+    </dgm:fillClrLst>
+    <dgm:linClrLst meth="repeat">
+      <a:schemeClr val="lt1"/>
+    </dgm:linClrLst>
+    <dgm:effectClrLst/>
+    <dgm:txLinClrLst/>
+    <dgm:txFillClrLst meth="repeat">
+      <a:schemeClr val="lt1"/>
+    </dgm:txFillClrLst>
+    <dgm:txEffectClrLst/>
+  </dgm:styleLbl>
+  <dgm:styleLbl name="bgImgPlace1">
+    <dgm:fillClrLst meth="repeat">
+      <a:schemeClr val="accent1">
+        <a:tint val="50000"/>
+      </a:schemeClr>
+    </dgm:fillClrLst>
+    <dgm:linClrLst meth="repeat">
+      <a:schemeClr val="lt1"/>
+    </dgm:linClrLst>
+    <dgm:effectClrLst/>
+    <dgm:txLinClrLst/>
+    <dgm:txFillClrLst meth="repeat">
+      <a:schemeClr val="lt1"/>
+    </dgm:txFillClrLst>
+    <dgm:txEffectClrLst/>
+  </dgm:styleLbl>
+  <dgm:styleLbl name="sibTrans2D1">
+    <dgm:fillClrLst meth="repeat">
+      <a:schemeClr val="accent1">
+        <a:tint val="60000"/>
+      </a:schemeClr>
+    </dgm:fillClrLst>
+    <dgm:linClrLst meth="repeat">
+      <a:schemeClr val="accent1">
+        <a:tint val="60000"/>
+      </a:schemeClr>
+    </dgm:linClrLst>
+    <dgm:effectClrLst/>
+    <dgm:txLinClrLst/>
+    <dgm:txFillClrLst/>
+    <dgm:txEffectClrLst/>
+  </dgm:styleLbl>
+  <dgm:styleLbl name="fgSibTrans2D1">
+    <dgm:fillClrLst meth="repeat">
+      <a:schemeClr val="accent1">
+        <a:tint val="60000"/>
+      </a:schemeClr>
+    </dgm:fillClrLst>
+    <dgm:linClrLst meth="repeat">
+      <a:schemeClr val="accent1">
+        <a:tint val="60000"/>
+      </a:schemeClr>
+    </dgm:linClrLst>
+    <dgm:effectClrLst/>
+    <dgm:txLinClrLst/>
+    <dgm:txFillClrLst/>
+    <dgm:txEffectClrLst/>
+  </dgm:styleLbl>
+  <dgm:styleLbl name="bgSibTrans2D1">
+    <dgm:fillClrLst meth="repeat">
+      <a:schemeClr val="accent1">
+        <a:tint val="60000"/>
+      </a:schemeClr>
+    </dgm:fillClrLst>
+    <dgm:linClrLst meth="repeat">
+      <a:schemeClr val="accent1">
+        <a:tint val="60000"/>
+      </a:schemeClr>
+    </dgm:linClrLst>
+    <dgm:effectClrLst/>
+    <dgm:txLinClrLst/>
+    <dgm:txFillClrLst/>
+    <dgm:txEffectClrLst/>
+  </dgm:styleLbl>
+  <dgm:styleLbl name="sibTrans1D1">
+    <dgm:fillClrLst meth="repeat">
+      <a:schemeClr val="accent1"/>
+    </dgm:fillClrLst>
+    <dgm:linClrLst meth="repeat">
+      <a:schemeClr val="accent1"/>
+    </dgm:linClrLst>
+    <dgm:effectClrLst/>
+    <dgm:txLinClrLst/>
+    <dgm:txFillClrLst meth="repeat">
+      <a:schemeClr val="tx1"/>
+    </dgm:txFillClrLst>
+    <dgm:txEffectClrLst/>
+  </dgm:styleLbl>
+  <dgm:styleLbl name="callout">
+    <dgm:fillClrLst meth="repeat">
+      <a:schemeClr val="accent1"/>
+    </dgm:fillClrLst>
+    <dgm:linClrLst meth="repeat">
+      <a:schemeClr val="accent1">
+        <a:tint val="50000"/>
+      </a:schemeClr>
+    </dgm:linClrLst>
+    <dgm:effectClrLst/>
+    <dgm:txLinClrLst/>
+    <dgm:txFillClrLst meth="repeat">
+      <a:schemeClr val="tx1"/>
+    </dgm:txFillClrLst>
+    <dgm:txEffectClrLst/>
+  </dgm:styleLbl>
+  <dgm:styleLbl name="asst0">
+    <dgm:fillClrLst meth="repeat">
+      <a:schemeClr val="accent1"/>
+    </dgm:fillClrLst>
+    <dgm:linClrLst meth="repeat">
+      <a:schemeClr val="lt1"/>
+    </dgm:linClrLst>
+    <dgm:effectClrLst/>
+    <dgm:txLinClrLst/>
+    <dgm:txFillClrLst/>
+    <dgm:txEffectClrLst/>
+  </dgm:styleLbl>
+  <dgm:styleLbl name="asst1">
+    <dgm:fillClrLst meth="repeat">
+      <a:schemeClr val="accent1"/>
+    </dgm:fillClrLst>
+    <dgm:linClrLst meth="repeat">
+      <a:schemeClr val="lt1"/>
+    </dgm:linClrLst>
+    <dgm:effectClrLst/>
+    <dgm:txLinClrLst/>
+    <dgm:txFillClrLst/>
+    <dgm:txEffectClrLst/>
+  </dgm:styleLbl>
+  <dgm:styleLbl name="asst2">
+    <dgm:fillClrLst meth="repeat">
+      <a:schemeClr val="accent1"/>
+    </dgm:fillClrLst>
+    <dgm:linClrLst meth="repeat">
+      <a:schemeClr val="lt1"/>
+    </dgm:linClrLst>
+    <dgm:effectClrLst/>
+    <dgm:txLinClrLst/>
+    <dgm:txFillClrLst/>
+    <dgm:txEffectClrLst/>
+  </dgm:styleLbl>
+  <dgm:styleLbl name="asst3">
+    <dgm:fillClrLst meth="repeat">
+      <a:schemeClr val="accent1"/>
+    </dgm:fillClrLst>
+    <dgm:linClrLst meth="repeat">
+      <a:schemeClr val="lt1"/>
+    </dgm:linClrLst>
+    <dgm:effectClrLst/>
+    <dgm:txLinClrLst/>
+    <dgm:txFillClrLst/>
+    <dgm:txEffectClrLst/>
+  </dgm:styleLbl>
+  <dgm:styleLbl name="asst4">
+    <dgm:fillClrLst meth="repeat">
+      <a:schemeClr val="accent1"/>
+    </dgm:fillClrLst>
+    <dgm:linClrLst meth="repeat">
+      <a:schemeClr val="lt1"/>
+    </dgm:linClrLst>
+    <dgm:effectClrLst/>
+    <dgm:txLinClrLst/>
+    <dgm:txFillClrLst/>
+    <dgm:txEffectClrLst/>
+  </dgm:styleLbl>
+  <dgm:styleLbl name="parChTrans2D1">
+    <dgm:fillClrLst meth="repeat">
+      <a:schemeClr val="accent1">
+        <a:tint val="60000"/>
+      </a:schemeClr>
+    </dgm:fillClrLst>
+    <dgm:linClrLst meth="repeat">
+      <a:schemeClr val="accent1">
+        <a:tint val="60000"/>
+      </a:schemeClr>
+    </dgm:linClrLst>
+    <dgm:effectClrLst/>
+    <dgm:txLinClrLst/>
+    <dgm:txFillClrLst meth="repeat">
+      <a:schemeClr val="lt1"/>
+    </dgm:txFillClrLst>
+    <dgm:txEffectClrLst/>
+  </dgm:styleLbl>
+  <dgm:styleLbl name="parChTrans2D2">
+    <dgm:fillClrLst meth="repeat">
+      <a:schemeClr val="accent1"/>
+    </dgm:fillClrLst>
+    <dgm:linClrLst meth="repeat">
+      <a:schemeClr val="accent1"/>
+    </dgm:linClrLst>
+    <dgm:effectClrLst/>
+    <dgm:txLinClrLst/>
+    <dgm:txFillClrLst meth="repeat">
+      <a:schemeClr val="lt1"/>
+    </dgm:txFillClrLst>
+    <dgm:txEffectClrLst/>
+  </dgm:styleLbl>
+  <dgm:styleLbl name="parChTrans2D3">
+    <dgm:fillClrLst meth="repeat">
+      <a:schemeClr val="accent1"/>
+    </dgm:fillClrLst>
+    <dgm:linClrLst meth="repeat">
+      <a:schemeClr val="accent1"/>
+    </dgm:linClrLst>
+    <dgm:effectClrLst/>
+    <dgm:txLinClrLst/>
+    <dgm:txFillClrLst meth="repeat">
+      <a:schemeClr val="lt1"/>
+    </dgm:txFillClrLst>
+    <dgm:txEffectClrLst/>
+  </dgm:styleLbl>
+  <dgm:styleLbl name="parChTrans2D4">
+    <dgm:fillClrLst meth="repeat">
+      <a:schemeClr val="accent1"/>
+    </dgm:fillClrLst>
+    <dgm:linClrLst meth="repeat">
+      <a:schemeClr val="accent1"/>
+    </dgm:linClrLst>
+    <dgm:effectClrLst/>
+    <dgm:txLinClrLst/>
+    <dgm:txFillClrLst meth="repeat">
+      <a:schemeClr val="lt1"/>
+    </dgm:txFillClrLst>
+    <dgm:txEffectClrLst/>
+  </dgm:styleLbl>
+  <dgm:styleLbl name="parChTrans1D1">
+    <dgm:fillClrLst meth="repeat">
+      <a:schemeClr val="accent1"/>
+    </dgm:fillClrLst>
+    <dgm:linClrLst meth="repeat">
+      <a:schemeClr val="accent1">
+        <a:shade val="60000"/>
+      </a:schemeClr>
+    </dgm:linClrLst>
+    <dgm:effectClrLst/>
+    <dgm:txLinClrLst/>
+    <dgm:txFillClrLst meth="repeat">
+      <a:schemeClr val="tx1"/>
+    </dgm:txFillClrLst>
+    <dgm:txEffectClrLst/>
+  </dgm:styleLbl>
+  <dgm:styleLbl name="parChTrans1D2">
+    <dgm:fillClrLst meth="repeat">
+      <a:schemeClr val="accent1"/>
+    </dgm:fillClrLst>
+    <dgm:linClrLst meth="repeat">
+      <a:schemeClr val="accent1">
+        <a:shade val="60000"/>
+      </a:schemeClr>
+    </dgm:linClrLst>
+    <dgm:effectClrLst/>
+    <dgm:txLinClrLst/>
+    <dgm:txFillClrLst meth="repeat">
+      <a:schemeClr val="tx1"/>
+    </dgm:txFillClrLst>
+    <dgm:txEffectClrLst/>
+  </dgm:styleLbl>
+  <dgm:styleLbl name="parChTrans1D3">
+    <dgm:fillClrLst meth="repeat">
+      <a:schemeClr val="accent1"/>
+    </dgm:fillClrLst>
+    <dgm:linClrLst meth="repeat">
+      <a:schemeClr val="accent1">
+        <a:shade val="80000"/>
+      </a:schemeClr>
+    </dgm:linClrLst>
+    <dgm:effectClrLst/>
+    <dgm:txLinClrLst/>
+    <dgm:txFillClrLst meth="repeat">
+      <a:schemeClr val="tx1"/>
+    </dgm:txFillClrLst>
+    <dgm:txEffectClrLst/>
+  </dgm:styleLbl>
+  <dgm:styleLbl name="parChTrans1D4">
+    <dgm:fillClrLst meth="repeat">
+      <a:schemeClr val="accent1"/>
+    </dgm:fillClrLst>
+    <dgm:linClrLst meth="repeat">
+      <a:schemeClr val="accent1">
+        <a:shade val="80000"/>
+      </a:schemeClr>
+    </dgm:linClrLst>
+    <dgm:effectClrLst/>
+    <dgm:txLinClrLst/>
+    <dgm:txFillClrLst meth="repeat">
+      <a:schemeClr val="tx1"/>
+    </dgm:txFillClrLst>
+    <dgm:txEffectClrLst/>
+  </dgm:styleLbl>
+  <dgm:styleLbl name="fgAcc1">
+    <dgm:fillClrLst meth="repeat">
+      <a:schemeClr val="lt1">
+        <a:alpha val="90000"/>
+      </a:schemeClr>
+    </dgm:fillClrLst>
+    <dgm:linClrLst meth="repeat">
+      <a:schemeClr val="accent1"/>
+    </dgm:linClrLst>
+    <dgm:effectClrLst/>
+    <dgm:txLinClrLst/>
+    <dgm:txFillClrLst meth="repeat">
+      <a:schemeClr val="dk1"/>
+    </dgm:txFillClrLst>
+    <dgm:txEffectClrLst/>
+  </dgm:styleLbl>
+  <dgm:styleLbl name="conFgAcc1">
+    <dgm:fillClrLst meth="repeat">
+      <a:schemeClr val="lt1">
+        <a:alpha val="90000"/>
+      </a:schemeClr>
+    </dgm:fillClrLst>
+    <dgm:linClrLst meth="repeat">
+      <a:schemeClr val="accent1"/>
+    </dgm:linClrLst>
+    <dgm:effectClrLst/>
+    <dgm:txLinClrLst/>
+    <dgm:txFillClrLst meth="repeat">
+      <a:schemeClr val="dk1"/>
+    </dgm:txFillClrLst>
+    <dgm:txEffectClrLst/>
+  </dgm:styleLbl>
+  <dgm:styleLbl name="alignAcc1">
+    <dgm:fillClrLst meth="repeat">
+      <a:schemeClr val="lt1">
+        <a:alpha val="90000"/>
+      </a:schemeClr>
+    </dgm:fillClrLst>
+    <dgm:linClrLst meth="repeat">
+      <a:schemeClr val="accent1"/>
+    </dgm:linClrLst>
+    <dgm:effectClrLst/>
+    <dgm:txLinClrLst/>
+    <dgm:txFillClrLst meth="repeat">
+      <a:schemeClr val="dk1"/>
+    </dgm:txFillClrLst>
+    <dgm:txEffectClrLst/>
+  </dgm:styleLbl>
+  <dgm:styleLbl name="trAlignAcc1">
+    <dgm:fillClrLst meth="repeat">
+      <a:schemeClr val="lt1">
+        <a:alpha val="40000"/>
+      </a:schemeClr>
+    </dgm:fillClrLst>
+    <dgm:linClrLst meth="repeat">
+      <a:schemeClr val="accent1"/>
+    </dgm:linClrLst>
+    <dgm:effectClrLst/>
+    <dgm:txLinClrLst/>
+    <dgm:txFillClrLst meth="repeat">
+      <a:schemeClr val="dk1"/>
+    </dgm:txFillClrLst>
+    <dgm:txEffectClrLst/>
+  </dgm:styleLbl>
+  <dgm:styleLbl name="bgAcc1">
+    <dgm:fillClrLst meth="repeat">
+      <a:schemeClr val="lt1">
+        <a:alpha val="90000"/>
+      </a:schemeClr>
+    </dgm:fillClrLst>
+    <dgm:linClrLst meth="repeat">
+      <a:schemeClr val="accent1"/>
+    </dgm:linClrLst>
+    <dgm:effectClrLst/>
+    <dgm:txLinClrLst/>
+    <dgm:txFillClrLst meth="repeat">
+      <a:schemeClr val="dk1"/>
+    </dgm:txFillClrLst>
+    <dgm:txEffectClrLst/>
+  </dgm:styleLbl>
+  <dgm:styleLbl name="solidFgAcc1">
+    <dgm:fillClrLst meth="repeat">
+      <a:schemeClr val="lt1"/>
+    </dgm:fillClrLst>
+    <dgm:linClrLst meth="repeat">
+      <a:schemeClr val="accent1"/>
+    </dgm:linClrLst>
+    <dgm:effectClrLst/>
+    <dgm:txLinClrLst/>
+    <dgm:txFillClrLst meth="repeat">
+      <a:schemeClr val="dk1"/>
+    </dgm:txFillClrLst>
+    <dgm:txEffectClrLst/>
+  </dgm:styleLbl>
+  <dgm:styleLbl name="solidAlignAcc1">
+    <dgm:fillClrLst meth="repeat">
+      <a:schemeClr val="lt1"/>
+    </dgm:fillClrLst>
+    <dgm:linClrLst meth="repeat">
+      <a:schemeClr val="accent1"/>
+    </dgm:linClrLst>
+    <dgm:effectClrLst/>
+    <dgm:txLinClrLst/>
+    <dgm:txFillClrLst meth="repeat">
+      <a:schemeClr val="dk1"/>
+    </dgm:txFillClrLst>
+    <dgm:txEffectClrLst/>
+  </dgm:styleLbl>
+  <dgm:styleLbl name="solidBgAcc1">
+    <dgm:fillClrLst meth="repeat">
+      <a:schemeClr val="lt1"/>
+    </dgm:fillClrLst>
+    <dgm:linClrLst meth="repeat">
+      <a:schemeClr val="accent1"/>
+    </dgm:linClrLst>
+    <dgm:effectClrLst/>
+    <dgm:txLinClrLst/>
+    <dgm:txFillClrLst meth="repeat">
+      <a:schemeClr val="dk1"/>
+    </dgm:txFillClrLst>
+    <dgm:txEffectClrLst/>
+  </dgm:styleLbl>
+  <dgm:styleLbl name="fgAccFollowNode1">
+    <dgm:fillClrLst meth="repeat">
+      <a:schemeClr val="accent1">
+        <a:alpha val="90000"/>
+        <a:tint val="40000"/>
+      </a:schemeClr>
+    </dgm:fillClrLst>
+    <dgm:linClrLst meth="repeat">
+      <a:schemeClr val="accent1">
+        <a:alpha val="90000"/>
+        <a:tint val="40000"/>
+      </a:schemeClr>
+    </dgm:linClrLst>
+    <dgm:effectClrLst/>
+    <dgm:txLinClrLst/>
+    <dgm:txFillClrLst meth="repeat">
+      <a:schemeClr val="dk1"/>
+    </dgm:txFillClrLst>
+    <dgm:txEffectClrLst/>
+  </dgm:styleLbl>
+  <dgm:styleLbl name="alignAccFollowNode1">
+    <dgm:fillClrLst meth="repeat">
+      <a:schemeClr val="accent1">
+        <a:alpha val="90000"/>
+        <a:tint val="40000"/>
+      </a:schemeClr>
+    </dgm:fillClrLst>
+    <dgm:linClrLst meth="repeat">
+      <a:schemeClr val="accent1">
+        <a:alpha val="90000"/>
+        <a:tint val="40000"/>
+      </a:schemeClr>
+    </dgm:linClrLst>
+    <dgm:effectClrLst/>
+    <dgm:txLinClrLst/>
+    <dgm:txFillClrLst meth="repeat">
+      <a:schemeClr val="dk1"/>
+    </dgm:txFillClrLst>
+    <dgm:txEffectClrLst/>
+  </dgm:styleLbl>
+  <dgm:styleLbl name="bgAccFollowNode1">
+    <dgm:fillClrLst meth="repeat">
+      <a:schemeClr val="accent1">
+        <a:alpha val="90000"/>
+        <a:tint val="40000"/>
+      </a:schemeClr>
+    </dgm:fillClrLst>
+    <dgm:linClrLst meth="repeat">
+      <a:schemeClr val="accent1">
+        <a:alpha val="90000"/>
+        <a:tint val="40000"/>
+      </a:schemeClr>
+    </dgm:linClrLst>
+    <dgm:effectClrLst/>
+    <dgm:txLinClrLst/>
+    <dgm:txFillClrLst meth="repeat">
+      <a:schemeClr val="dk1"/>
+    </dgm:txFillClrLst>
+    <dgm:txEffectClrLst/>
+  </dgm:styleLbl>
+  <dgm:styleLbl name="fgAcc0">
+    <dgm:fillClrLst meth="repeat">
+      <a:schemeClr val="lt1">
+        <a:alpha val="90000"/>
+      </a:schemeClr>
+    </dgm:fillClrLst>
+    <dgm:linClrLst meth="repeat">
+      <a:schemeClr val="accent1"/>
+    </dgm:linClrLst>
+    <dgm:effectClrLst/>
+    <dgm:txLinClrLst/>
+    <dgm:txFillClrLst meth="repeat">
+      <a:schemeClr val="dk1"/>
+    </dgm:txFillClrLst>
+    <dgm:txEffectClrLst/>
+  </dgm:styleLbl>
+  <dgm:styleLbl name="fgAcc2">
+    <dgm:fillClrLst meth="repeat">
+      <a:schemeClr val="lt1">
+        <a:alpha val="90000"/>
+      </a:schemeClr>
+    </dgm:fillClrLst>
+    <dgm:linClrLst meth="repeat">
+      <a:schemeClr val="accent1"/>
+    </dgm:linClrLst>
+    <dgm:effectClrLst/>
+    <dgm:txLinClrLst/>
+    <dgm:txFillClrLst meth="repeat">
+      <a:schemeClr val="dk1"/>
+    </dgm:txFillClrLst>
+    <dgm:txEffectClrLst/>
+  </dgm:styleLbl>
+  <dgm:styleLbl name="fgAcc3">
+    <dgm:fillClrLst meth="repeat">
+      <a:schemeClr val="lt1">
+        <a:alpha val="90000"/>
+      </a:schemeClr>
+    </dgm:fillClrLst>
+    <dgm:linClrLst meth="repeat">
+      <a:schemeClr val="accent1"/>
+    </dgm:linClrLst>
+    <dgm:effectClrLst/>
+    <dgm:txLinClrLst/>
+    <dgm:txFillClrLst meth="repeat">
+      <a:schemeClr val="dk1"/>
+    </dgm:txFillClrLst>
+    <dgm:txEffectClrLst/>
+  </dgm:styleLbl>
+  <dgm:styleLbl name="fgAcc4">
+    <dgm:fillClrLst meth="repeat">
+      <a:schemeClr val="lt1">
+        <a:alpha val="90000"/>
+      </a:schemeClr>
+    </dgm:fillClrLst>
+    <dgm:linClrLst meth="repeat">
+      <a:schemeClr val="accent1"/>
+    </dgm:linClrLst>
+    <dgm:effectClrLst/>
+    <dgm:txLinClrLst/>
+    <dgm:txFillClrLst meth="repeat">
+      <a:schemeClr val="dk1"/>
+    </dgm:txFillClrLst>
+    <dgm:txEffectClrLst/>
+  </dgm:styleLbl>
+  <dgm:styleLbl name="bgShp">
+    <dgm:fillClrLst meth="repeat">
+      <a:schemeClr val="accent1">
+        <a:tint val="40000"/>
+      </a:schemeClr>
+    </dgm:fillClrLst>
+    <dgm:linClrLst meth="repeat">
+      <a:schemeClr val="accent1"/>
+    </dgm:linClrLst>
+    <dgm:effectClrLst/>
+    <dgm:txLinClrLst/>
+    <dgm:txFillClrLst meth="repeat">
+      <a:schemeClr val="dk1"/>
+    </dgm:txFillClrLst>
+    <dgm:txEffectClrLst/>
+  </dgm:styleLbl>
+  <dgm:styleLbl name="dkBgShp">
+    <dgm:fillClrLst meth="repeat">
+      <a:schemeClr val="accent1">
+        <a:shade val="80000"/>
+      </a:schemeClr>
+    </dgm:fillClrLst>
+    <dgm:linClrLst meth="repeat">
+      <a:schemeClr val="accent1"/>
+    </dgm:linClrLst>
+    <dgm:effectClrLst/>
+    <dgm:txLinClrLst/>
+    <dgm:txFillClrLst meth="repeat">
+      <a:schemeClr val="lt1"/>
+    </dgm:txFillClrLst>
+    <dgm:txEffectClrLst/>
+  </dgm:styleLbl>
+  <dgm:styleLbl name="trBgShp">
+    <dgm:fillClrLst meth="repeat">
+      <a:schemeClr val="accent1">
+        <a:tint val="50000"/>
+        <a:alpha val="40000"/>
+      </a:schemeClr>
+    </dgm:fillClrLst>
+    <dgm:linClrLst meth="repeat">
+      <a:schemeClr val="accent1"/>
+    </dgm:linClrLst>
+    <dgm:effectClrLst/>
+    <dgm:txLinClrLst/>
+    <dgm:txFillClrLst meth="repeat">
+      <a:schemeClr val="lt1"/>
+    </dgm:txFillClrLst>
+    <dgm:txEffectClrLst/>
+  </dgm:styleLbl>
+  <dgm:styleLbl name="fgShp">
+    <dgm:fillClrLst meth="repeat">
+      <a:schemeClr val="accent1">
+        <a:tint val="60000"/>
+      </a:schemeClr>
+    </dgm:fillClrLst>
+    <dgm:linClrLst meth="repeat">
+      <a:schemeClr val="lt1"/>
+    </dgm:linClrLst>
+    <dgm:effectClrLst/>
+    <dgm:txLinClrLst/>
+    <dgm:txFillClrLst meth="repeat">
+      <a:schemeClr val="dk1"/>
+    </dgm:txFillClrLst>
+    <dgm:txEffectClrLst/>
+  </dgm:styleLbl>
+  <dgm:styleLbl name="revTx">
+    <dgm:fillClrLst meth="repeat">
+      <a:schemeClr val="lt1">
+        <a:alpha val="0"/>
+      </a:schemeClr>
+    </dgm:fillClrLst>
+    <dgm:linClrLst meth="repeat">
+      <a:schemeClr val="dk1">
+        <a:alpha val="0"/>
+      </a:schemeClr>
+    </dgm:linClrLst>
+    <dgm:effectClrLst/>
+    <dgm:txLinClrLst/>
+    <dgm:txFillClrLst meth="repeat">
+      <a:schemeClr val="tx1"/>
+    </dgm:txFillClrLst>
+    <dgm:txEffectClrLst/>
+  </dgm:styleLbl>
+</dgm:colorsDef>
+</file>
+
+<file path=ppt/diagrams/colors8.xml><?xml version="1.0" encoding="utf-8"?>
 <dgm:colorsDef xmlns:dgm="http://schemas.openxmlformats.org/drawingml/2006/diagram" xmlns:a="http://schemas.openxmlformats.org/drawingml/2006/main" uniqueId="urn:microsoft.com/office/officeart/2005/8/colors/accent1_2">
   <dgm:title val=""/>
   <dgm:desc val=""/>
@@ -8945,6 +9691,267 @@
   <dgm:extLst>
     <a:ext uri="http://schemas.microsoft.com/office/drawing/2008/diagram">
       <dsp:dataModelExt xmlns:dsp="http://schemas.microsoft.com/office/drawing/2008/diagram" relId="rId6" minVer="http://schemas.openxmlformats.org/drawingml/2006/diagram"/>
+    </a:ext>
+  </dgm:extLst>
+</dgm:dataModel>
+</file>
+
+<file path=ppt/diagrams/data8.xml><?xml version="1.0" encoding="utf-8"?>
+<dgm:dataModel xmlns:dgm="http://schemas.openxmlformats.org/drawingml/2006/diagram" xmlns:a="http://schemas.openxmlformats.org/drawingml/2006/main">
+  <dgm:ptLst>
+    <dgm:pt modelId="{12BFEB49-97C5-446D-AF9C-6634B6315F76}" type="doc">
+      <dgm:prSet loTypeId="urn:microsoft.com/office/officeart/2005/8/layout/orgChart1" loCatId="hierarchy" qsTypeId="urn:microsoft.com/office/officeart/2005/8/quickstyle/3d1" qsCatId="3D" csTypeId="urn:microsoft.com/office/officeart/2005/8/colors/accent1_2" csCatId="accent1" phldr="1"/>
+      <dgm:spPr/>
+      <dgm:t>
+        <a:bodyPr/>
+        <a:lstStyle/>
+        <a:p>
+          <a:endParaRPr lang="ru-RU"/>
+        </a:p>
+      </dgm:t>
+    </dgm:pt>
+    <dgm:pt modelId="{BACBE0B8-D927-4ED6-873F-E2818792F1F7}">
+      <dgm:prSet phldrT="[Текст]"/>
+      <dgm:spPr/>
+      <dgm:t>
+        <a:bodyPr/>
+        <a:lstStyle/>
+        <a:p>
+          <a:r>
+            <a:rPr lang="en-US" dirty="0" smtClean="0"/>
+            <a:t>RTL Testbench </a:t>
+          </a:r>
+          <a:r>
+            <a:rPr lang="en-US" dirty="0" smtClean="0"/>
+            <a:t>(</a:t>
+          </a:r>
+          <a:r>
+            <a:rPr lang="de-DE" dirty="0" err="1" smtClean="0"/>
+            <a:t>hilbert_tb</a:t>
+          </a:r>
+          <a:r>
+            <a:rPr lang="en-US" dirty="0" smtClean="0"/>
+            <a:t>.v</a:t>
+          </a:r>
+          <a:r>
+            <a:rPr lang="en-US" dirty="0" smtClean="0"/>
+            <a:t>)</a:t>
+          </a:r>
+          <a:endParaRPr lang="ru-RU" dirty="0"/>
+        </a:p>
+      </dgm:t>
+    </dgm:pt>
+    <dgm:pt modelId="{F13A1AA6-BB0C-4938-B22C-14F8724EF9C2}" type="parTrans" cxnId="{6E3B2D4E-BE3D-4871-9E0C-05C0055B920D}">
+      <dgm:prSet/>
+      <dgm:spPr/>
+      <dgm:t>
+        <a:bodyPr/>
+        <a:lstStyle/>
+        <a:p>
+          <a:endParaRPr lang="ru-RU"/>
+        </a:p>
+      </dgm:t>
+    </dgm:pt>
+    <dgm:pt modelId="{7F2E71B1-0FAD-4641-8B70-5A799EE34717}" type="sibTrans" cxnId="{6E3B2D4E-BE3D-4871-9E0C-05C0055B920D}">
+      <dgm:prSet/>
+      <dgm:spPr/>
+      <dgm:t>
+        <a:bodyPr/>
+        <a:lstStyle/>
+        <a:p>
+          <a:endParaRPr lang="ru-RU"/>
+        </a:p>
+      </dgm:t>
+    </dgm:pt>
+    <dgm:pt modelId="{4F7AC5D6-617F-41C8-8AE1-278AE53AD61E}">
+      <dgm:prSet phldrT="[Текст]"/>
+      <dgm:spPr/>
+      <dgm:t>
+        <a:bodyPr/>
+        <a:lstStyle/>
+        <a:p>
+          <a:r>
+            <a:rPr lang="en-US" dirty="0" smtClean="0"/>
+            <a:t>IQ demodulation</a:t>
+          </a:r>
+          <a:endParaRPr lang="ru-RU" dirty="0"/>
+        </a:p>
+      </dgm:t>
+    </dgm:pt>
+    <dgm:pt modelId="{E40B7DE8-8199-4E2A-8E0D-8ACC1EC17599}" type="parTrans" cxnId="{004B5237-7D91-4C3B-9706-ECFDA8363D20}">
+      <dgm:prSet/>
+      <dgm:spPr/>
+      <dgm:t>
+        <a:bodyPr/>
+        <a:lstStyle/>
+        <a:p>
+          <a:endParaRPr lang="ru-RU"/>
+        </a:p>
+      </dgm:t>
+    </dgm:pt>
+    <dgm:pt modelId="{1382CBDA-A565-4D84-95FF-20F11F3E9607}" type="sibTrans" cxnId="{004B5237-7D91-4C3B-9706-ECFDA8363D20}">
+      <dgm:prSet/>
+      <dgm:spPr/>
+      <dgm:t>
+        <a:bodyPr/>
+        <a:lstStyle/>
+        <a:p>
+          <a:endParaRPr lang="ru-RU"/>
+        </a:p>
+      </dgm:t>
+    </dgm:pt>
+    <dgm:pt modelId="{D5F6B982-630E-41D0-AD66-DC93D2E6F1C9}" type="pres">
+      <dgm:prSet presAssocID="{12BFEB49-97C5-446D-AF9C-6634B6315F76}" presName="hierChild1" presStyleCnt="0">
+        <dgm:presLayoutVars>
+          <dgm:orgChart val="1"/>
+          <dgm:chPref val="1"/>
+          <dgm:dir/>
+          <dgm:animOne val="branch"/>
+          <dgm:animLvl val="lvl"/>
+          <dgm:resizeHandles/>
+        </dgm:presLayoutVars>
+      </dgm:prSet>
+      <dgm:spPr/>
+      <dgm:t>
+        <a:bodyPr/>
+        <a:lstStyle/>
+        <a:p>
+          <a:endParaRPr lang="ru-RU"/>
+        </a:p>
+      </dgm:t>
+    </dgm:pt>
+    <dgm:pt modelId="{1957A5EE-5F78-4EA0-8357-F1C4327F3A10}" type="pres">
+      <dgm:prSet presAssocID="{BACBE0B8-D927-4ED6-873F-E2818792F1F7}" presName="hierRoot1" presStyleCnt="0">
+        <dgm:presLayoutVars>
+          <dgm:hierBranch val="init"/>
+        </dgm:presLayoutVars>
+      </dgm:prSet>
+      <dgm:spPr/>
+    </dgm:pt>
+    <dgm:pt modelId="{C95C1E97-9DD5-4130-9E8F-E7811E0FFF15}" type="pres">
+      <dgm:prSet presAssocID="{BACBE0B8-D927-4ED6-873F-E2818792F1F7}" presName="rootComposite1" presStyleCnt="0"/>
+      <dgm:spPr/>
+    </dgm:pt>
+    <dgm:pt modelId="{23318439-BEF3-4F36-A8C0-6A2F4B36D00F}" type="pres">
+      <dgm:prSet presAssocID="{BACBE0B8-D927-4ED6-873F-E2818792F1F7}" presName="rootText1" presStyleLbl="node0" presStyleIdx="0" presStyleCnt="1">
+        <dgm:presLayoutVars>
+          <dgm:chPref val="3"/>
+        </dgm:presLayoutVars>
+      </dgm:prSet>
+      <dgm:spPr/>
+      <dgm:t>
+        <a:bodyPr/>
+        <a:lstStyle/>
+        <a:p>
+          <a:endParaRPr lang="ru-RU"/>
+        </a:p>
+      </dgm:t>
+    </dgm:pt>
+    <dgm:pt modelId="{4AD37573-5478-4DAD-BA59-8592BE869F4B}" type="pres">
+      <dgm:prSet presAssocID="{BACBE0B8-D927-4ED6-873F-E2818792F1F7}" presName="rootConnector1" presStyleLbl="node1" presStyleIdx="0" presStyleCnt="0"/>
+      <dgm:spPr/>
+      <dgm:t>
+        <a:bodyPr/>
+        <a:lstStyle/>
+        <a:p>
+          <a:endParaRPr lang="ru-RU"/>
+        </a:p>
+      </dgm:t>
+    </dgm:pt>
+    <dgm:pt modelId="{63CD79ED-28FC-4C40-BDCF-8BFD1D2596ED}" type="pres">
+      <dgm:prSet presAssocID="{BACBE0B8-D927-4ED6-873F-E2818792F1F7}" presName="hierChild2" presStyleCnt="0"/>
+      <dgm:spPr/>
+    </dgm:pt>
+    <dgm:pt modelId="{A477661D-32F8-4EBE-9FC5-7D1E3E4FEF8D}" type="pres">
+      <dgm:prSet presAssocID="{E40B7DE8-8199-4E2A-8E0D-8ACC1EC17599}" presName="Name37" presStyleLbl="parChTrans1D2" presStyleIdx="0" presStyleCnt="1"/>
+      <dgm:spPr/>
+      <dgm:t>
+        <a:bodyPr/>
+        <a:lstStyle/>
+        <a:p>
+          <a:endParaRPr lang="ru-RU"/>
+        </a:p>
+      </dgm:t>
+    </dgm:pt>
+    <dgm:pt modelId="{7002E4F9-2F85-46AF-B9C1-80F2D1EB1A19}" type="pres">
+      <dgm:prSet presAssocID="{4F7AC5D6-617F-41C8-8AE1-278AE53AD61E}" presName="hierRoot2" presStyleCnt="0">
+        <dgm:presLayoutVars>
+          <dgm:hierBranch val="init"/>
+        </dgm:presLayoutVars>
+      </dgm:prSet>
+      <dgm:spPr/>
+    </dgm:pt>
+    <dgm:pt modelId="{004F6350-11A5-479D-B70D-50D9B71A8AD0}" type="pres">
+      <dgm:prSet presAssocID="{4F7AC5D6-617F-41C8-8AE1-278AE53AD61E}" presName="rootComposite" presStyleCnt="0"/>
+      <dgm:spPr/>
+    </dgm:pt>
+    <dgm:pt modelId="{58BFF039-2AC8-45D5-BF9E-293E9C20F367}" type="pres">
+      <dgm:prSet presAssocID="{4F7AC5D6-617F-41C8-8AE1-278AE53AD61E}" presName="rootText" presStyleLbl="node2" presStyleIdx="0" presStyleCnt="1">
+        <dgm:presLayoutVars>
+          <dgm:chPref val="3"/>
+        </dgm:presLayoutVars>
+      </dgm:prSet>
+      <dgm:spPr/>
+      <dgm:t>
+        <a:bodyPr/>
+        <a:lstStyle/>
+        <a:p>
+          <a:endParaRPr lang="ru-RU"/>
+        </a:p>
+      </dgm:t>
+    </dgm:pt>
+    <dgm:pt modelId="{9C2FFF84-5011-44B6-9C30-A252B40D8D97}" type="pres">
+      <dgm:prSet presAssocID="{4F7AC5D6-617F-41C8-8AE1-278AE53AD61E}" presName="rootConnector" presStyleLbl="node2" presStyleIdx="0" presStyleCnt="1"/>
+      <dgm:spPr/>
+      <dgm:t>
+        <a:bodyPr/>
+        <a:lstStyle/>
+        <a:p>
+          <a:endParaRPr lang="ru-RU"/>
+        </a:p>
+      </dgm:t>
+    </dgm:pt>
+    <dgm:pt modelId="{9546F4C3-86E4-497E-8A61-EAB89E1B3DEF}" type="pres">
+      <dgm:prSet presAssocID="{4F7AC5D6-617F-41C8-8AE1-278AE53AD61E}" presName="hierChild4" presStyleCnt="0"/>
+      <dgm:spPr/>
+    </dgm:pt>
+    <dgm:pt modelId="{0932EC7F-BE8E-41ED-9C94-67F3D3A2950D}" type="pres">
+      <dgm:prSet presAssocID="{4F7AC5D6-617F-41C8-8AE1-278AE53AD61E}" presName="hierChild5" presStyleCnt="0"/>
+      <dgm:spPr/>
+    </dgm:pt>
+    <dgm:pt modelId="{DA31BADE-2151-4B81-A193-EB1D066CE663}" type="pres">
+      <dgm:prSet presAssocID="{BACBE0B8-D927-4ED6-873F-E2818792F1F7}" presName="hierChild3" presStyleCnt="0"/>
+      <dgm:spPr/>
+    </dgm:pt>
+  </dgm:ptLst>
+  <dgm:cxnLst>
+    <dgm:cxn modelId="{79510BCA-2030-4948-B559-B39E46A4DFDE}" type="presOf" srcId="{E40B7DE8-8199-4E2A-8E0D-8ACC1EC17599}" destId="{A477661D-32F8-4EBE-9FC5-7D1E3E4FEF8D}" srcOrd="0" destOrd="0" presId="urn:microsoft.com/office/officeart/2005/8/layout/orgChart1"/>
+    <dgm:cxn modelId="{96D8C40A-D88C-4EA8-ADB3-595B5310F249}" type="presOf" srcId="{BACBE0B8-D927-4ED6-873F-E2818792F1F7}" destId="{4AD37573-5478-4DAD-BA59-8592BE869F4B}" srcOrd="1" destOrd="0" presId="urn:microsoft.com/office/officeart/2005/8/layout/orgChart1"/>
+    <dgm:cxn modelId="{5C0C16BE-5909-4A91-A2FB-613D2327B941}" type="presOf" srcId="{BACBE0B8-D927-4ED6-873F-E2818792F1F7}" destId="{23318439-BEF3-4F36-A8C0-6A2F4B36D00F}" srcOrd="0" destOrd="0" presId="urn:microsoft.com/office/officeart/2005/8/layout/orgChart1"/>
+    <dgm:cxn modelId="{004B5237-7D91-4C3B-9706-ECFDA8363D20}" srcId="{BACBE0B8-D927-4ED6-873F-E2818792F1F7}" destId="{4F7AC5D6-617F-41C8-8AE1-278AE53AD61E}" srcOrd="0" destOrd="0" parTransId="{E40B7DE8-8199-4E2A-8E0D-8ACC1EC17599}" sibTransId="{1382CBDA-A565-4D84-95FF-20F11F3E9607}"/>
+    <dgm:cxn modelId="{8688F05A-236A-4D30-974B-100BE44965CA}" type="presOf" srcId="{4F7AC5D6-617F-41C8-8AE1-278AE53AD61E}" destId="{58BFF039-2AC8-45D5-BF9E-293E9C20F367}" srcOrd="0" destOrd="0" presId="urn:microsoft.com/office/officeart/2005/8/layout/orgChart1"/>
+    <dgm:cxn modelId="{6E3B2D4E-BE3D-4871-9E0C-05C0055B920D}" srcId="{12BFEB49-97C5-446D-AF9C-6634B6315F76}" destId="{BACBE0B8-D927-4ED6-873F-E2818792F1F7}" srcOrd="0" destOrd="0" parTransId="{F13A1AA6-BB0C-4938-B22C-14F8724EF9C2}" sibTransId="{7F2E71B1-0FAD-4641-8B70-5A799EE34717}"/>
+    <dgm:cxn modelId="{3DB425DB-E13B-40E7-BA22-14FCCA2EDBA6}" type="presOf" srcId="{4F7AC5D6-617F-41C8-8AE1-278AE53AD61E}" destId="{9C2FFF84-5011-44B6-9C30-A252B40D8D97}" srcOrd="1" destOrd="0" presId="urn:microsoft.com/office/officeart/2005/8/layout/orgChart1"/>
+    <dgm:cxn modelId="{0C003F03-9402-406F-AC74-DEA313DD7D16}" type="presOf" srcId="{12BFEB49-97C5-446D-AF9C-6634B6315F76}" destId="{D5F6B982-630E-41D0-AD66-DC93D2E6F1C9}" srcOrd="0" destOrd="0" presId="urn:microsoft.com/office/officeart/2005/8/layout/orgChart1"/>
+    <dgm:cxn modelId="{0DAE8148-D151-4E88-872A-3A0C6B71FB83}" type="presParOf" srcId="{D5F6B982-630E-41D0-AD66-DC93D2E6F1C9}" destId="{1957A5EE-5F78-4EA0-8357-F1C4327F3A10}" srcOrd="0" destOrd="0" presId="urn:microsoft.com/office/officeart/2005/8/layout/orgChart1"/>
+    <dgm:cxn modelId="{9604F83A-259C-4AF9-9E4E-374F19152F9F}" type="presParOf" srcId="{1957A5EE-5F78-4EA0-8357-F1C4327F3A10}" destId="{C95C1E97-9DD5-4130-9E8F-E7811E0FFF15}" srcOrd="0" destOrd="0" presId="urn:microsoft.com/office/officeart/2005/8/layout/orgChart1"/>
+    <dgm:cxn modelId="{A1E43005-2F0C-4A51-8190-750F45A7660F}" type="presParOf" srcId="{C95C1E97-9DD5-4130-9E8F-E7811E0FFF15}" destId="{23318439-BEF3-4F36-A8C0-6A2F4B36D00F}" srcOrd="0" destOrd="0" presId="urn:microsoft.com/office/officeart/2005/8/layout/orgChart1"/>
+    <dgm:cxn modelId="{95D0737A-CFFB-42D7-9FA5-53684F14D46E}" type="presParOf" srcId="{C95C1E97-9DD5-4130-9E8F-E7811E0FFF15}" destId="{4AD37573-5478-4DAD-BA59-8592BE869F4B}" srcOrd="1" destOrd="0" presId="urn:microsoft.com/office/officeart/2005/8/layout/orgChart1"/>
+    <dgm:cxn modelId="{8C1158F6-2732-45C7-84EB-248A1C77B26C}" type="presParOf" srcId="{1957A5EE-5F78-4EA0-8357-F1C4327F3A10}" destId="{63CD79ED-28FC-4C40-BDCF-8BFD1D2596ED}" srcOrd="1" destOrd="0" presId="urn:microsoft.com/office/officeart/2005/8/layout/orgChart1"/>
+    <dgm:cxn modelId="{87120D6F-F9D4-42C5-8040-937E827ADCD5}" type="presParOf" srcId="{63CD79ED-28FC-4C40-BDCF-8BFD1D2596ED}" destId="{A477661D-32F8-4EBE-9FC5-7D1E3E4FEF8D}" srcOrd="0" destOrd="0" presId="urn:microsoft.com/office/officeart/2005/8/layout/orgChart1"/>
+    <dgm:cxn modelId="{62E59947-0233-4A72-AA3B-8B9477C06F6B}" type="presParOf" srcId="{63CD79ED-28FC-4C40-BDCF-8BFD1D2596ED}" destId="{7002E4F9-2F85-46AF-B9C1-80F2D1EB1A19}" srcOrd="1" destOrd="0" presId="urn:microsoft.com/office/officeart/2005/8/layout/orgChart1"/>
+    <dgm:cxn modelId="{24644D86-5CCE-4679-8A4E-9E9C4815C4D0}" type="presParOf" srcId="{7002E4F9-2F85-46AF-B9C1-80F2D1EB1A19}" destId="{004F6350-11A5-479D-B70D-50D9B71A8AD0}" srcOrd="0" destOrd="0" presId="urn:microsoft.com/office/officeart/2005/8/layout/orgChart1"/>
+    <dgm:cxn modelId="{7E1AD421-9537-4AE5-869F-0420BBD12788}" type="presParOf" srcId="{004F6350-11A5-479D-B70D-50D9B71A8AD0}" destId="{58BFF039-2AC8-45D5-BF9E-293E9C20F367}" srcOrd="0" destOrd="0" presId="urn:microsoft.com/office/officeart/2005/8/layout/orgChart1"/>
+    <dgm:cxn modelId="{6CAE95C5-9D5E-4C9E-A8EC-609D43AD7515}" type="presParOf" srcId="{004F6350-11A5-479D-B70D-50D9B71A8AD0}" destId="{9C2FFF84-5011-44B6-9C30-A252B40D8D97}" srcOrd="1" destOrd="0" presId="urn:microsoft.com/office/officeart/2005/8/layout/orgChart1"/>
+    <dgm:cxn modelId="{F97B9487-EA1D-498F-A816-F4F4F05CF160}" type="presParOf" srcId="{7002E4F9-2F85-46AF-B9C1-80F2D1EB1A19}" destId="{9546F4C3-86E4-497E-8A61-EAB89E1B3DEF}" srcOrd="1" destOrd="0" presId="urn:microsoft.com/office/officeart/2005/8/layout/orgChart1"/>
+    <dgm:cxn modelId="{6FD3535E-9D15-49A9-931D-415163BC147E}" type="presParOf" srcId="{7002E4F9-2F85-46AF-B9C1-80F2D1EB1A19}" destId="{0932EC7F-BE8E-41ED-9C94-67F3D3A2950D}" srcOrd="2" destOrd="0" presId="urn:microsoft.com/office/officeart/2005/8/layout/orgChart1"/>
+    <dgm:cxn modelId="{A7BF0FB5-E704-458C-991E-D9B27473960D}" type="presParOf" srcId="{1957A5EE-5F78-4EA0-8357-F1C4327F3A10}" destId="{DA31BADE-2151-4B81-A193-EB1D066CE663}" srcOrd="2" destOrd="0" presId="urn:microsoft.com/office/officeart/2005/8/layout/orgChart1"/>
+  </dgm:cxnLst>
+  <dgm:bg/>
+  <dgm:whole/>
+  <dgm:extLst>
+    <a:ext uri="http://schemas.microsoft.com/office/drawing/2008/diagram">
+      <dsp:dataModelExt xmlns:dsp="http://schemas.microsoft.com/office/drawing/2008/diagram" relId="rId9" minVer="http://schemas.openxmlformats.org/drawingml/2006/diagram"/>
     </a:ext>
   </dgm:extLst>
 </dgm:dataModel>
@@ -15619,6 +16626,309 @@
 </dsp:drawing>
 </file>
 
+<file path=ppt/diagrams/drawing8.xml><?xml version="1.0" encoding="utf-8"?>
+<dsp:drawing xmlns:dgm="http://schemas.openxmlformats.org/drawingml/2006/diagram" xmlns:dsp="http://schemas.microsoft.com/office/drawing/2008/diagram" xmlns:a="http://schemas.openxmlformats.org/drawingml/2006/main">
+  <dsp:spTree>
+    <dsp:nvGrpSpPr>
+      <dsp:cNvPr id="0" name=""/>
+      <dsp:cNvGrpSpPr/>
+    </dsp:nvGrpSpPr>
+    <dsp:grpSpPr/>
+    <dsp:sp modelId="{A477661D-32F8-4EBE-9FC5-7D1E3E4FEF8D}">
+      <dsp:nvSpPr>
+        <dsp:cNvPr id="0" name=""/>
+        <dsp:cNvSpPr/>
+      </dsp:nvSpPr>
+      <dsp:spPr>
+        <a:xfrm>
+          <a:off x="1856754" y="491873"/>
+          <a:ext cx="91440" cy="206538"/>
+        </a:xfrm>
+        <a:custGeom>
+          <a:avLst/>
+          <a:gdLst/>
+          <a:ahLst/>
+          <a:cxnLst/>
+          <a:rect l="0" t="0" r="0" b="0"/>
+          <a:pathLst>
+            <a:path>
+              <a:moveTo>
+                <a:pt x="45720" y="0"/>
+              </a:moveTo>
+              <a:lnTo>
+                <a:pt x="45720" y="206538"/>
+              </a:lnTo>
+            </a:path>
+          </a:pathLst>
+        </a:custGeom>
+        <a:noFill/>
+        <a:ln w="12700" cap="flat" cmpd="sng" algn="ctr">
+          <a:solidFill>
+            <a:schemeClr val="accent1">
+              <a:shade val="60000"/>
+              <a:hueOff val="0"/>
+              <a:satOff val="0"/>
+              <a:lumOff val="0"/>
+              <a:alphaOff val="0"/>
+            </a:schemeClr>
+          </a:solidFill>
+          <a:prstDash val="solid"/>
+          <a:miter lim="800000"/>
+        </a:ln>
+        <a:effectLst/>
+        <a:scene3d>
+          <a:camera prst="orthographicFront"/>
+          <a:lightRig rig="flat" dir="t"/>
+        </a:scene3d>
+        <a:sp3d prstMaterial="matte"/>
+      </dsp:spPr>
+      <dsp:style>
+        <a:lnRef idx="2">
+          <a:scrgbClr r="0" g="0" b="0"/>
+        </a:lnRef>
+        <a:fillRef idx="0">
+          <a:scrgbClr r="0" g="0" b="0"/>
+        </a:fillRef>
+        <a:effectRef idx="0">
+          <a:scrgbClr r="0" g="0" b="0"/>
+        </a:effectRef>
+        <a:fontRef idx="minor"/>
+      </dsp:style>
+    </dsp:sp>
+    <dsp:sp modelId="{23318439-BEF3-4F36-A8C0-6A2F4B36D00F}">
+      <dsp:nvSpPr>
+        <dsp:cNvPr id="0" name=""/>
+        <dsp:cNvSpPr/>
+      </dsp:nvSpPr>
+      <dsp:spPr>
+        <a:xfrm>
+          <a:off x="1410715" y="114"/>
+          <a:ext cx="983517" cy="491758"/>
+        </a:xfrm>
+        <a:prstGeom prst="rect">
+          <a:avLst/>
+        </a:prstGeom>
+        <a:gradFill rotWithShape="0">
+          <a:gsLst>
+            <a:gs pos="0">
+              <a:schemeClr val="accent1">
+                <a:hueOff val="0"/>
+                <a:satOff val="0"/>
+                <a:lumOff val="0"/>
+                <a:alphaOff val="0"/>
+                <a:satMod val="103000"/>
+                <a:lumMod val="102000"/>
+                <a:tint val="94000"/>
+              </a:schemeClr>
+            </a:gs>
+            <a:gs pos="50000">
+              <a:schemeClr val="accent1">
+                <a:hueOff val="0"/>
+                <a:satOff val="0"/>
+                <a:lumOff val="0"/>
+                <a:alphaOff val="0"/>
+                <a:satMod val="110000"/>
+                <a:lumMod val="100000"/>
+                <a:shade val="100000"/>
+              </a:schemeClr>
+            </a:gs>
+            <a:gs pos="100000">
+              <a:schemeClr val="accent1">
+                <a:hueOff val="0"/>
+                <a:satOff val="0"/>
+                <a:lumOff val="0"/>
+                <a:alphaOff val="0"/>
+                <a:lumMod val="99000"/>
+                <a:satMod val="120000"/>
+                <a:shade val="78000"/>
+              </a:schemeClr>
+            </a:gs>
+          </a:gsLst>
+          <a:lin ang="5400000" scaled="0"/>
+        </a:gradFill>
+        <a:ln>
+          <a:noFill/>
+        </a:ln>
+        <a:effectLst/>
+        <a:scene3d>
+          <a:camera prst="orthographicFront"/>
+          <a:lightRig rig="flat" dir="t"/>
+        </a:scene3d>
+        <a:sp3d prstMaterial="plastic">
+          <a:bevelT w="120900" h="88900"/>
+          <a:bevelB w="88900" h="31750" prst="angle"/>
+        </a:sp3d>
+      </dsp:spPr>
+      <dsp:style>
+        <a:lnRef idx="0">
+          <a:scrgbClr r="0" g="0" b="0"/>
+        </a:lnRef>
+        <a:fillRef idx="3">
+          <a:scrgbClr r="0" g="0" b="0"/>
+        </a:fillRef>
+        <a:effectRef idx="2">
+          <a:scrgbClr r="0" g="0" b="0"/>
+        </a:effectRef>
+        <a:fontRef idx="minor">
+          <a:schemeClr val="lt1"/>
+        </a:fontRef>
+      </dsp:style>
+      <dsp:txBody>
+        <a:bodyPr spcFirstLastPara="0" vert="horz" wrap="square" lIns="8255" tIns="8255" rIns="8255" bIns="8255" numCol="1" spcCol="1270" anchor="ctr" anchorCtr="0">
+          <a:noAutofit/>
+        </a:bodyPr>
+        <a:lstStyle/>
+        <a:p>
+          <a:pPr lvl="0" algn="ctr" defTabSz="577850">
+            <a:lnSpc>
+              <a:spcPct val="90000"/>
+            </a:lnSpc>
+            <a:spcBef>
+              <a:spcPct val="0"/>
+            </a:spcBef>
+            <a:spcAft>
+              <a:spcPct val="35000"/>
+            </a:spcAft>
+          </a:pPr>
+          <a:r>
+            <a:rPr lang="en-US" sz="1300" kern="1200" dirty="0" smtClean="0"/>
+            <a:t>RTL Testbench </a:t>
+          </a:r>
+          <a:r>
+            <a:rPr lang="en-US" sz="1300" kern="1200" dirty="0" smtClean="0"/>
+            <a:t>(</a:t>
+          </a:r>
+          <a:r>
+            <a:rPr lang="de-DE" sz="1300" kern="1200" dirty="0" err="1" smtClean="0"/>
+            <a:t>hilbert_tb</a:t>
+          </a:r>
+          <a:r>
+            <a:rPr lang="en-US" sz="1300" kern="1200" dirty="0" smtClean="0"/>
+            <a:t>.v</a:t>
+          </a:r>
+          <a:r>
+            <a:rPr lang="en-US" sz="1300" kern="1200" dirty="0" smtClean="0"/>
+            <a:t>)</a:t>
+          </a:r>
+          <a:endParaRPr lang="ru-RU" sz="1300" kern="1200" dirty="0"/>
+        </a:p>
+      </dsp:txBody>
+      <dsp:txXfrm>
+        <a:off x="1410715" y="114"/>
+        <a:ext cx="983517" cy="491758"/>
+      </dsp:txXfrm>
+    </dsp:sp>
+    <dsp:sp modelId="{58BFF039-2AC8-45D5-BF9E-293E9C20F367}">
+      <dsp:nvSpPr>
+        <dsp:cNvPr id="0" name=""/>
+        <dsp:cNvSpPr/>
+      </dsp:nvSpPr>
+      <dsp:spPr>
+        <a:xfrm>
+          <a:off x="1410715" y="698412"/>
+          <a:ext cx="983517" cy="491758"/>
+        </a:xfrm>
+        <a:prstGeom prst="rect">
+          <a:avLst/>
+        </a:prstGeom>
+        <a:gradFill rotWithShape="0">
+          <a:gsLst>
+            <a:gs pos="0">
+              <a:schemeClr val="accent1">
+                <a:hueOff val="0"/>
+                <a:satOff val="0"/>
+                <a:lumOff val="0"/>
+                <a:alphaOff val="0"/>
+                <a:satMod val="103000"/>
+                <a:lumMod val="102000"/>
+                <a:tint val="94000"/>
+              </a:schemeClr>
+            </a:gs>
+            <a:gs pos="50000">
+              <a:schemeClr val="accent1">
+                <a:hueOff val="0"/>
+                <a:satOff val="0"/>
+                <a:lumOff val="0"/>
+                <a:alphaOff val="0"/>
+                <a:satMod val="110000"/>
+                <a:lumMod val="100000"/>
+                <a:shade val="100000"/>
+              </a:schemeClr>
+            </a:gs>
+            <a:gs pos="100000">
+              <a:schemeClr val="accent1">
+                <a:hueOff val="0"/>
+                <a:satOff val="0"/>
+                <a:lumOff val="0"/>
+                <a:alphaOff val="0"/>
+                <a:lumMod val="99000"/>
+                <a:satMod val="120000"/>
+                <a:shade val="78000"/>
+              </a:schemeClr>
+            </a:gs>
+          </a:gsLst>
+          <a:lin ang="5400000" scaled="0"/>
+        </a:gradFill>
+        <a:ln>
+          <a:noFill/>
+        </a:ln>
+        <a:effectLst/>
+        <a:scene3d>
+          <a:camera prst="orthographicFront"/>
+          <a:lightRig rig="flat" dir="t"/>
+        </a:scene3d>
+        <a:sp3d prstMaterial="plastic">
+          <a:bevelT w="120900" h="88900"/>
+          <a:bevelB w="88900" h="31750" prst="angle"/>
+        </a:sp3d>
+      </dsp:spPr>
+      <dsp:style>
+        <a:lnRef idx="0">
+          <a:scrgbClr r="0" g="0" b="0"/>
+        </a:lnRef>
+        <a:fillRef idx="3">
+          <a:scrgbClr r="0" g="0" b="0"/>
+        </a:fillRef>
+        <a:effectRef idx="1">
+          <a:scrgbClr r="0" g="0" b="0"/>
+        </a:effectRef>
+        <a:fontRef idx="minor">
+          <a:schemeClr val="lt1"/>
+        </a:fontRef>
+      </dsp:style>
+      <dsp:txBody>
+        <a:bodyPr spcFirstLastPara="0" vert="horz" wrap="square" lIns="8255" tIns="8255" rIns="8255" bIns="8255" numCol="1" spcCol="1270" anchor="ctr" anchorCtr="0">
+          <a:noAutofit/>
+        </a:bodyPr>
+        <a:lstStyle/>
+        <a:p>
+          <a:pPr lvl="0" algn="ctr" defTabSz="577850">
+            <a:lnSpc>
+              <a:spcPct val="90000"/>
+            </a:lnSpc>
+            <a:spcBef>
+              <a:spcPct val="0"/>
+            </a:spcBef>
+            <a:spcAft>
+              <a:spcPct val="35000"/>
+            </a:spcAft>
+          </a:pPr>
+          <a:r>
+            <a:rPr lang="en-US" sz="1300" kern="1200" dirty="0" smtClean="0"/>
+            <a:t>IQ demodulation</a:t>
+          </a:r>
+          <a:endParaRPr lang="ru-RU" sz="1300" kern="1200" dirty="0"/>
+        </a:p>
+      </dsp:txBody>
+      <dsp:txXfrm>
+        <a:off x="1410715" y="698412"/>
+        <a:ext cx="983517" cy="491758"/>
+      </dsp:txXfrm>
+    </dsp:sp>
+  </dsp:spTree>
+</dsp:drawing>
+</file>
+
 <file path=ppt/diagrams/layout1.xml><?xml version="1.0" encoding="utf-8"?>
 <dgm:layoutDef xmlns:dgm="http://schemas.openxmlformats.org/drawingml/2006/diagram" xmlns:a="http://schemas.openxmlformats.org/drawingml/2006/main" uniqueId="urn:microsoft.com/office/officeart/2005/8/layout/hierarchy1">
   <dgm:title val=""/>
@@ -21892,6 +23202,1152 @@
 </dgm:layoutDef>
 </file>
 
+<file path=ppt/diagrams/layout8.xml><?xml version="1.0" encoding="utf-8"?>
+<dgm:layoutDef xmlns:dgm="http://schemas.openxmlformats.org/drawingml/2006/diagram" xmlns:a="http://schemas.openxmlformats.org/drawingml/2006/main" uniqueId="urn:microsoft.com/office/officeart/2005/8/layout/orgChart1">
+  <dgm:title val=""/>
+  <dgm:desc val=""/>
+  <dgm:catLst>
+    <dgm:cat type="hierarchy" pri="1000"/>
+    <dgm:cat type="convert" pri="6000"/>
+  </dgm:catLst>
+  <dgm:sampData>
+    <dgm:dataModel>
+      <dgm:ptLst>
+        <dgm:pt modelId="0" type="doc"/>
+        <dgm:pt modelId="1">
+          <dgm:prSet phldr="1"/>
+        </dgm:pt>
+        <dgm:pt modelId="2" type="asst">
+          <dgm:prSet phldr="1"/>
+        </dgm:pt>
+        <dgm:pt modelId="3">
+          <dgm:prSet phldr="1"/>
+        </dgm:pt>
+        <dgm:pt modelId="4">
+          <dgm:prSet phldr="1"/>
+        </dgm:pt>
+        <dgm:pt modelId="5">
+          <dgm:prSet phldr="1"/>
+        </dgm:pt>
+      </dgm:ptLst>
+      <dgm:cxnLst>
+        <dgm:cxn modelId="5" srcId="0" destId="1" srcOrd="0" destOrd="0"/>
+        <dgm:cxn modelId="6" srcId="1" destId="2" srcOrd="0" destOrd="0"/>
+        <dgm:cxn modelId="7" srcId="1" destId="3" srcOrd="1" destOrd="0"/>
+        <dgm:cxn modelId="8" srcId="1" destId="4" srcOrd="2" destOrd="0"/>
+        <dgm:cxn modelId="9" srcId="1" destId="5" srcOrd="3" destOrd="0"/>
+      </dgm:cxnLst>
+      <dgm:bg/>
+      <dgm:whole/>
+    </dgm:dataModel>
+  </dgm:sampData>
+  <dgm:styleData>
+    <dgm:dataModel>
+      <dgm:ptLst>
+        <dgm:pt modelId="0" type="doc"/>
+        <dgm:pt modelId="1"/>
+        <dgm:pt modelId="12"/>
+        <dgm:pt modelId="13"/>
+      </dgm:ptLst>
+      <dgm:cxnLst>
+        <dgm:cxn modelId="2" srcId="0" destId="1" srcOrd="0" destOrd="0"/>
+        <dgm:cxn modelId="16" srcId="1" destId="12" srcOrd="1" destOrd="0"/>
+        <dgm:cxn modelId="17" srcId="1" destId="13" srcOrd="2" destOrd="0"/>
+      </dgm:cxnLst>
+      <dgm:bg/>
+      <dgm:whole/>
+    </dgm:dataModel>
+  </dgm:styleData>
+  <dgm:clrData>
+    <dgm:dataModel>
+      <dgm:ptLst>
+        <dgm:pt modelId="0" type="doc"/>
+        <dgm:pt modelId="1"/>
+        <dgm:pt modelId="11" type="asst"/>
+        <dgm:pt modelId="12"/>
+        <dgm:pt modelId="13"/>
+        <dgm:pt modelId="14"/>
+      </dgm:ptLst>
+      <dgm:cxnLst>
+        <dgm:cxn modelId="2" srcId="0" destId="1" srcOrd="0" destOrd="0"/>
+        <dgm:cxn modelId="15" srcId="1" destId="11" srcOrd="0" destOrd="0"/>
+        <dgm:cxn modelId="16" srcId="1" destId="12" srcOrd="1" destOrd="0"/>
+        <dgm:cxn modelId="17" srcId="1" destId="13" srcOrd="2" destOrd="0"/>
+        <dgm:cxn modelId="18" srcId="1" destId="14" srcOrd="2" destOrd="0"/>
+      </dgm:cxnLst>
+      <dgm:bg/>
+      <dgm:whole/>
+    </dgm:dataModel>
+  </dgm:clrData>
+  <dgm:layoutNode name="hierChild1">
+    <dgm:varLst>
+      <dgm:orgChart val="1"/>
+      <dgm:chPref val="1"/>
+      <dgm:dir/>
+      <dgm:animOne val="branch"/>
+      <dgm:animLvl val="lvl"/>
+      <dgm:resizeHandles/>
+    </dgm:varLst>
+    <dgm:choose name="Name0">
+      <dgm:if name="Name1" func="var" arg="dir" op="equ" val="norm">
+        <dgm:alg type="hierChild">
+          <dgm:param type="linDir" val="fromL"/>
+        </dgm:alg>
+      </dgm:if>
+      <dgm:else name="Name2">
+        <dgm:alg type="hierChild">
+          <dgm:param type="linDir" val="fromR"/>
+        </dgm:alg>
+      </dgm:else>
+    </dgm:choose>
+    <dgm:shape xmlns:r="http://schemas.openxmlformats.org/officeDocument/2006/relationships" r:blip="">
+      <dgm:adjLst/>
+    </dgm:shape>
+    <dgm:presOf/>
+    <dgm:constrLst>
+      <dgm:constr type="w" for="des" forName="rootComposite1" refType="w" fact="10"/>
+      <dgm:constr type="h" for="des" forName="rootComposite1" refType="w" refFor="des" refForName="rootComposite1" fact="0.5"/>
+      <dgm:constr type="w" for="des" forName="rootComposite" refType="w" fact="10"/>
+      <dgm:constr type="h" for="des" forName="rootComposite" refType="w" refFor="des" refForName="rootComposite1" fact="0.5"/>
+      <dgm:constr type="w" for="des" forName="rootComposite3" refType="w" fact="10"/>
+      <dgm:constr type="h" for="des" forName="rootComposite3" refType="w" refFor="des" refForName="rootComposite1" fact="0.5"/>
+      <dgm:constr type="primFontSz" for="des" ptType="node" op="equ"/>
+      <dgm:constr type="sp" for="des" op="equ"/>
+      <dgm:constr type="sp" for="des" forName="hierRoot1" refType="w" refFor="des" refForName="rootComposite1" fact="0.21"/>
+      <dgm:constr type="sp" for="des" forName="hierRoot2" refType="sp" refFor="des" refForName="hierRoot1"/>
+      <dgm:constr type="sp" for="des" forName="hierRoot3" refType="sp" refFor="des" refForName="hierRoot1"/>
+      <dgm:constr type="sibSp" refType="w" refFor="des" refForName="rootComposite1" fact="0.21"/>
+      <dgm:constr type="sibSp" for="des" forName="hierChild2" refType="sibSp"/>
+      <dgm:constr type="sibSp" for="des" forName="hierChild3" refType="sibSp"/>
+      <dgm:constr type="sibSp" for="des" forName="hierChild4" refType="sibSp"/>
+      <dgm:constr type="sibSp" for="des" forName="hierChild5" refType="sibSp"/>
+      <dgm:constr type="sibSp" for="des" forName="hierChild6" refType="sibSp"/>
+      <dgm:constr type="sibSp" for="des" forName="hierChild7" refType="sibSp"/>
+      <dgm:constr type="secSibSp" refType="w" refFor="des" refForName="rootComposite1" fact="0.21"/>
+      <dgm:constr type="secSibSp" for="des" forName="hierChild2" refType="secSibSp"/>
+      <dgm:constr type="secSibSp" for="des" forName="hierChild3" refType="secSibSp"/>
+      <dgm:constr type="secSibSp" for="des" forName="hierChild4" refType="secSibSp"/>
+      <dgm:constr type="secSibSp" for="des" forName="hierChild5" refType="secSibSp"/>
+      <dgm:constr type="secSibSp" for="des" forName="hierChild6" refType="secSibSp"/>
+      <dgm:constr type="secSibSp" for="des" forName="hierChild7" refType="secSibSp"/>
+    </dgm:constrLst>
+    <dgm:ruleLst/>
+    <dgm:forEach name="Name3" axis="ch">
+      <dgm:forEach name="Name4" axis="self" ptType="node">
+        <dgm:layoutNode name="hierRoot1">
+          <dgm:varLst>
+            <dgm:hierBranch val="init"/>
+          </dgm:varLst>
+          <dgm:choose name="Name5">
+            <dgm:if name="Name6" func="var" arg="hierBranch" op="equ" val="l">
+              <dgm:choose name="Name7">
+                <dgm:if name="Name8" axis="ch" ptType="asst" func="cnt" op="gte" val="1">
+                  <dgm:alg type="hierRoot">
+                    <dgm:param type="hierAlign" val="tR"/>
+                  </dgm:alg>
+                  <dgm:constrLst>
+                    <dgm:constr type="alignOff" val="0.65"/>
+                  </dgm:constrLst>
+                </dgm:if>
+                <dgm:else name="Name9">
+                  <dgm:alg type="hierRoot">
+                    <dgm:param type="hierAlign" val="tR"/>
+                  </dgm:alg>
+                  <dgm:constrLst>
+                    <dgm:constr type="alignOff" val="0.25"/>
+                  </dgm:constrLst>
+                </dgm:else>
+              </dgm:choose>
+            </dgm:if>
+            <dgm:if name="Name10" func="var" arg="hierBranch" op="equ" val="r">
+              <dgm:choose name="Name11">
+                <dgm:if name="Name12" axis="ch" ptType="asst" func="cnt" op="gte" val="1">
+                  <dgm:alg type="hierRoot">
+                    <dgm:param type="hierAlign" val="tL"/>
+                  </dgm:alg>
+                  <dgm:constrLst>
+                    <dgm:constr type="alignOff" val="0.65"/>
+                  </dgm:constrLst>
+                </dgm:if>
+                <dgm:else name="Name13">
+                  <dgm:alg type="hierRoot">
+                    <dgm:param type="hierAlign" val="tL"/>
+                  </dgm:alg>
+                  <dgm:constrLst>
+                    <dgm:constr type="alignOff" val="0.25"/>
+                  </dgm:constrLst>
+                </dgm:else>
+              </dgm:choose>
+            </dgm:if>
+            <dgm:if name="Name14" func="var" arg="hierBranch" op="equ" val="hang">
+              <dgm:alg type="hierRoot"/>
+              <dgm:constrLst>
+                <dgm:constr type="alignOff" val="0.65"/>
+              </dgm:constrLst>
+            </dgm:if>
+            <dgm:else name="Name15">
+              <dgm:alg type="hierRoot"/>
+              <dgm:constrLst>
+                <dgm:constr type="alignOff"/>
+                <dgm:constr type="bendDist" for="des" ptType="parTrans" refType="sp" fact="0.5"/>
+              </dgm:constrLst>
+            </dgm:else>
+          </dgm:choose>
+          <dgm:shape xmlns:r="http://schemas.openxmlformats.org/officeDocument/2006/relationships" r:blip="">
+            <dgm:adjLst/>
+          </dgm:shape>
+          <dgm:presOf/>
+          <dgm:ruleLst/>
+          <dgm:layoutNode name="rootComposite1">
+            <dgm:alg type="composite"/>
+            <dgm:shape xmlns:r="http://schemas.openxmlformats.org/officeDocument/2006/relationships" r:blip="">
+              <dgm:adjLst/>
+            </dgm:shape>
+            <dgm:presOf axis="self" ptType="node" cnt="1"/>
+            <dgm:choose name="Name16">
+              <dgm:if name="Name17" func="var" arg="hierBranch" op="equ" val="init">
+                <dgm:constrLst>
+                  <dgm:constr type="l" for="ch" forName="rootText1"/>
+                  <dgm:constr type="t" for="ch" forName="rootText1"/>
+                  <dgm:constr type="w" for="ch" forName="rootText1" refType="w"/>
+                  <dgm:constr type="h" for="ch" forName="rootText1" refType="h"/>
+                  <dgm:constr type="l" for="ch" forName="rootConnector1"/>
+                  <dgm:constr type="t" for="ch" forName="rootConnector1"/>
+                  <dgm:constr type="w" for="ch" forName="rootConnector1" refType="w" refFor="ch" refForName="rootText1" fact="0.2"/>
+                  <dgm:constr type="h" for="ch" forName="rootConnector1" refType="h" refFor="ch" refForName="rootText1"/>
+                </dgm:constrLst>
+              </dgm:if>
+              <dgm:if name="Name18" func="var" arg="hierBranch" op="equ" val="l">
+                <dgm:constrLst>
+                  <dgm:constr type="l" for="ch" forName="rootText1"/>
+                  <dgm:constr type="t" for="ch" forName="rootText1"/>
+                  <dgm:constr type="w" for="ch" forName="rootText1" refType="w"/>
+                  <dgm:constr type="h" for="ch" forName="rootText1" refType="h"/>
+                  <dgm:constr type="r" for="ch" forName="rootConnector1" refType="w"/>
+                  <dgm:constr type="t" for="ch" forName="rootConnector1"/>
+                  <dgm:constr type="w" for="ch" forName="rootConnector1" refType="w" refFor="ch" refForName="rootText1" fact="0.2"/>
+                  <dgm:constr type="h" for="ch" forName="rootConnector1" refType="h" refFor="ch" refForName="rootText1"/>
+                </dgm:constrLst>
+              </dgm:if>
+              <dgm:if name="Name19" func="var" arg="hierBranch" op="equ" val="r">
+                <dgm:constrLst>
+                  <dgm:constr type="l" for="ch" forName="rootText1"/>
+                  <dgm:constr type="t" for="ch" forName="rootText1"/>
+                  <dgm:constr type="w" for="ch" forName="rootText1" refType="w"/>
+                  <dgm:constr type="h" for="ch" forName="rootText1" refType="h"/>
+                  <dgm:constr type="l" for="ch" forName="rootConnector1"/>
+                  <dgm:constr type="t" for="ch" forName="rootConnector1"/>
+                  <dgm:constr type="w" for="ch" forName="rootConnector1" refType="w" refFor="ch" refForName="rootText1" fact="0.2"/>
+                  <dgm:constr type="h" for="ch" forName="rootConnector1" refType="h" refFor="ch" refForName="rootText1"/>
+                </dgm:constrLst>
+              </dgm:if>
+              <dgm:else name="Name20">
+                <dgm:constrLst>
+                  <dgm:constr type="l" for="ch" forName="rootText1"/>
+                  <dgm:constr type="t" for="ch" forName="rootText1"/>
+                  <dgm:constr type="w" for="ch" forName="rootText1" refType="w"/>
+                  <dgm:constr type="h" for="ch" forName="rootText1" refType="h"/>
+                  <dgm:constr type="r" for="ch" forName="rootConnector1" refType="w"/>
+                  <dgm:constr type="t" for="ch" forName="rootConnector1"/>
+                  <dgm:constr type="w" for="ch" forName="rootConnector1" refType="w" refFor="ch" refForName="rootText1" fact="0.2"/>
+                  <dgm:constr type="h" for="ch" forName="rootConnector1" refType="h" refFor="ch" refForName="rootText1"/>
+                </dgm:constrLst>
+              </dgm:else>
+            </dgm:choose>
+            <dgm:ruleLst/>
+            <dgm:layoutNode name="rootText1" styleLbl="node0">
+              <dgm:varLst>
+                <dgm:chPref val="3"/>
+              </dgm:varLst>
+              <dgm:alg type="tx"/>
+              <dgm:shape xmlns:r="http://schemas.openxmlformats.org/officeDocument/2006/relationships" type="rect" r:blip="">
+                <dgm:adjLst/>
+              </dgm:shape>
+              <dgm:presOf axis="self" ptType="node" cnt="1"/>
+              <dgm:constrLst>
+                <dgm:constr type="primFontSz" val="65"/>
+                <dgm:constr type="lMarg" refType="primFontSz" fact="0.05"/>
+                <dgm:constr type="rMarg" refType="primFontSz" fact="0.05"/>
+                <dgm:constr type="tMarg" refType="primFontSz" fact="0.05"/>
+                <dgm:constr type="bMarg" refType="primFontSz" fact="0.05"/>
+              </dgm:constrLst>
+              <dgm:ruleLst>
+                <dgm:rule type="primFontSz" val="5" fact="NaN" max="NaN"/>
+              </dgm:ruleLst>
+            </dgm:layoutNode>
+            <dgm:layoutNode name="rootConnector1" moveWith="rootText1">
+              <dgm:alg type="sp"/>
+              <dgm:shape xmlns:r="http://schemas.openxmlformats.org/officeDocument/2006/relationships" type="rect" r:blip="" hideGeom="1">
+                <dgm:adjLst/>
+              </dgm:shape>
+              <dgm:presOf axis="self" ptType="node" cnt="1"/>
+              <dgm:constrLst/>
+              <dgm:ruleLst/>
+            </dgm:layoutNode>
+          </dgm:layoutNode>
+          <dgm:layoutNode name="hierChild2">
+            <dgm:choose name="Name21">
+              <dgm:if name="Name22" func="var" arg="hierBranch" op="equ" val="l">
+                <dgm:alg type="hierChild">
+                  <dgm:param type="chAlign" val="r"/>
+                  <dgm:param type="linDir" val="fromT"/>
+                </dgm:alg>
+              </dgm:if>
+              <dgm:if name="Name23" func="var" arg="hierBranch" op="equ" val="r">
+                <dgm:alg type="hierChild">
+                  <dgm:param type="chAlign" val="l"/>
+                  <dgm:param type="linDir" val="fromT"/>
+                </dgm:alg>
+              </dgm:if>
+              <dgm:if name="Name24" func="var" arg="hierBranch" op="equ" val="hang">
+                <dgm:choose name="Name25">
+                  <dgm:if name="Name26" func="var" arg="dir" op="equ" val="norm">
+                    <dgm:alg type="hierChild">
+                      <dgm:param type="chAlign" val="l"/>
+                      <dgm:param type="linDir" val="fromL"/>
+                      <dgm:param type="secChAlign" val="t"/>
+                      <dgm:param type="secLinDir" val="fromT"/>
+                    </dgm:alg>
+                  </dgm:if>
+                  <dgm:else name="Name27">
+                    <dgm:alg type="hierChild">
+                      <dgm:param type="chAlign" val="l"/>
+                      <dgm:param type="linDir" val="fromR"/>
+                      <dgm:param type="secChAlign" val="t"/>
+                      <dgm:param type="secLinDir" val="fromT"/>
+                    </dgm:alg>
+                  </dgm:else>
+                </dgm:choose>
+              </dgm:if>
+              <dgm:else name="Name28">
+                <dgm:choose name="Name29">
+                  <dgm:if name="Name30" func="var" arg="dir" op="equ" val="norm">
+                    <dgm:alg type="hierChild"/>
+                  </dgm:if>
+                  <dgm:else name="Name31">
+                    <dgm:alg type="hierChild">
+                      <dgm:param type="linDir" val="fromR"/>
+                    </dgm:alg>
+                  </dgm:else>
+                </dgm:choose>
+              </dgm:else>
+            </dgm:choose>
+            <dgm:shape xmlns:r="http://schemas.openxmlformats.org/officeDocument/2006/relationships" r:blip="">
+              <dgm:adjLst/>
+            </dgm:shape>
+            <dgm:presOf/>
+            <dgm:constrLst/>
+            <dgm:ruleLst/>
+            <dgm:forEach name="rep2a" axis="ch" ptType="nonAsst">
+              <dgm:forEach name="Name32" axis="precedSib" ptType="parTrans" st="-1" cnt="1">
+                <dgm:choose name="Name33">
+                  <dgm:if name="Name34" func="var" arg="hierBranch" op="equ" val="std">
+                    <dgm:layoutNode name="Name35">
+                      <dgm:alg type="conn">
+                        <dgm:param type="connRout" val="bend"/>
+                        <dgm:param type="dim" val="1D"/>
+                        <dgm:param type="endSty" val="noArr"/>
+                        <dgm:param type="begPts" val="bCtr"/>
+                        <dgm:param type="endPts" val="tCtr"/>
+                        <dgm:param type="bendPt" val="end"/>
+                      </dgm:alg>
+                      <dgm:shape xmlns:r="http://schemas.openxmlformats.org/officeDocument/2006/relationships" type="conn" r:blip="" zOrderOff="-99999">
+                        <dgm:adjLst/>
+                      </dgm:shape>
+                      <dgm:presOf axis="self"/>
+                      <dgm:constrLst>
+                        <dgm:constr type="begPad"/>
+                        <dgm:constr type="endPad"/>
+                      </dgm:constrLst>
+                      <dgm:ruleLst/>
+                    </dgm:layoutNode>
+                  </dgm:if>
+                  <dgm:if name="Name36" func="var" arg="hierBranch" op="equ" val="init">
+                    <dgm:layoutNode name="Name37">
+                      <dgm:choose name="Name38">
+                        <dgm:if name="Name39" axis="self" func="depth" op="lte" val="2">
+                          <dgm:alg type="conn">
+                            <dgm:param type="connRout" val="bend"/>
+                            <dgm:param type="dim" val="1D"/>
+                            <dgm:param type="endSty" val="noArr"/>
+                            <dgm:param type="begPts" val="bCtr"/>
+                            <dgm:param type="endPts" val="tCtr"/>
+                            <dgm:param type="bendPt" val="end"/>
+                          </dgm:alg>
+                        </dgm:if>
+                        <dgm:else name="Name40">
+                          <dgm:choose name="Name41">
+                            <dgm:if name="Name42" axis="par des" func="maxDepth" op="lte" val="1">
+                              <dgm:choose name="Name43">
+                                <dgm:if name="Name44" axis="par ch" ptType="node asst" func="cnt" op="gte" val="1">
+                                  <dgm:alg type="conn">
+                                    <dgm:param type="connRout" val="bend"/>
+                                    <dgm:param type="dim" val="1D"/>
+                                    <dgm:param type="endSty" val="noArr"/>
+                                    <dgm:param type="begPts" val="bCtr"/>
+                                    <dgm:param type="endPts" val="midL midR"/>
+                                  </dgm:alg>
+                                </dgm:if>
+                                <dgm:else name="Name45">
+                                  <dgm:alg type="conn">
+                                    <dgm:param type="connRout" val="bend"/>
+                                    <dgm:param type="dim" val="1D"/>
+                                    <dgm:param type="endSty" val="noArr"/>
+                                    <dgm:param type="begPts" val="bCtr"/>
+                                    <dgm:param type="endPts" val="midL midR"/>
+                                    <dgm:param type="srcNode" val="rootConnector"/>
+                                  </dgm:alg>
+                                </dgm:else>
+                              </dgm:choose>
+                            </dgm:if>
+                            <dgm:else name="Name46">
+                              <dgm:alg type="conn">
+                                <dgm:param type="connRout" val="bend"/>
+                                <dgm:param type="dim" val="1D"/>
+                                <dgm:param type="endSty" val="noArr"/>
+                                <dgm:param type="begPts" val="bCtr"/>
+                                <dgm:param type="endPts" val="tCtr"/>
+                                <dgm:param type="bendPt" val="end"/>
+                              </dgm:alg>
+                            </dgm:else>
+                          </dgm:choose>
+                        </dgm:else>
+                      </dgm:choose>
+                      <dgm:shape xmlns:r="http://schemas.openxmlformats.org/officeDocument/2006/relationships" type="conn" r:blip="" zOrderOff="-99999">
+                        <dgm:adjLst/>
+                      </dgm:shape>
+                      <dgm:presOf axis="self"/>
+                      <dgm:constrLst>
+                        <dgm:constr type="begPad"/>
+                        <dgm:constr type="endPad"/>
+                      </dgm:constrLst>
+                      <dgm:ruleLst/>
+                    </dgm:layoutNode>
+                  </dgm:if>
+                  <dgm:if name="Name47" func="var" arg="hierBranch" op="equ" val="hang">
+                    <dgm:layoutNode name="Name48">
+                      <dgm:alg type="conn">
+                        <dgm:param type="connRout" val="bend"/>
+                        <dgm:param type="dim" val="1D"/>
+                        <dgm:param type="endSty" val="noArr"/>
+                        <dgm:param type="begPts" val="bCtr"/>
+                        <dgm:param type="endPts" val="midL midR"/>
+                      </dgm:alg>
+                      <dgm:shape xmlns:r="http://schemas.openxmlformats.org/officeDocument/2006/relationships" type="conn" r:blip="" zOrderOff="-99999">
+                        <dgm:adjLst/>
+                      </dgm:shape>
+                      <dgm:presOf axis="self"/>
+                      <dgm:constrLst>
+                        <dgm:constr type="begPad"/>
+                        <dgm:constr type="endPad"/>
+                      </dgm:constrLst>
+                      <dgm:ruleLst/>
+                    </dgm:layoutNode>
+                  </dgm:if>
+                  <dgm:else name="Name49">
+                    <dgm:layoutNode name="Name50">
+                      <dgm:choose name="Name51">
+                        <dgm:if name="Name52" axis="self" func="depth" op="lte" val="2">
+                          <dgm:choose name="Name53">
+                            <dgm:if name="Name54" axis="par ch" ptType="node asst" func="cnt" op="gte" val="1">
+                              <dgm:alg type="conn">
+                                <dgm:param type="connRout" val="bend"/>
+                                <dgm:param type="dim" val="1D"/>
+                                <dgm:param type="endSty" val="noArr"/>
+                                <dgm:param type="begPts" val="bCtr"/>
+                                <dgm:param type="endPts" val="midL midR"/>
+                              </dgm:alg>
+                            </dgm:if>
+                            <dgm:else name="Name55">
+                              <dgm:alg type="conn">
+                                <dgm:param type="connRout" val="bend"/>
+                                <dgm:param type="dim" val="1D"/>
+                                <dgm:param type="endSty" val="noArr"/>
+                                <dgm:param type="begPts" val="bCtr"/>
+                                <dgm:param type="endPts" val="midL midR"/>
+                                <dgm:param type="srcNode" val="rootConnector1"/>
+                              </dgm:alg>
+                            </dgm:else>
+                          </dgm:choose>
+                        </dgm:if>
+                        <dgm:else name="Name56">
+                          <dgm:choose name="Name57">
+                            <dgm:if name="Name58" axis="par ch" ptType="node asst" func="cnt" op="gte" val="1">
+                              <dgm:alg type="conn">
+                                <dgm:param type="connRout" val="bend"/>
+                                <dgm:param type="dim" val="1D"/>
+                                <dgm:param type="endSty" val="noArr"/>
+                                <dgm:param type="begPts" val="bCtr"/>
+                                <dgm:param type="endPts" val="midL midR"/>
+                              </dgm:alg>
+                            </dgm:if>
+                            <dgm:else name="Name59">
+                              <dgm:alg type="conn">
+                                <dgm:param type="connRout" val="bend"/>
+                                <dgm:param type="dim" val="1D"/>
+                                <dgm:param type="endSty" val="noArr"/>
+                                <dgm:param type="begPts" val="bCtr"/>
+                                <dgm:param type="endPts" val="midL midR"/>
+                                <dgm:param type="srcNode" val="rootConnector"/>
+                              </dgm:alg>
+                            </dgm:else>
+                          </dgm:choose>
+                        </dgm:else>
+                      </dgm:choose>
+                      <dgm:shape xmlns:r="http://schemas.openxmlformats.org/officeDocument/2006/relationships" type="conn" r:blip="" zOrderOff="-99999">
+                        <dgm:adjLst/>
+                      </dgm:shape>
+                      <dgm:presOf axis="self"/>
+                      <dgm:constrLst>
+                        <dgm:constr type="begPad"/>
+                        <dgm:constr type="endPad"/>
+                      </dgm:constrLst>
+                      <dgm:ruleLst/>
+                    </dgm:layoutNode>
+                  </dgm:else>
+                </dgm:choose>
+              </dgm:forEach>
+              <dgm:layoutNode name="hierRoot2">
+                <dgm:varLst>
+                  <dgm:hierBranch val="init"/>
+                </dgm:varLst>
+                <dgm:choose name="Name60">
+                  <dgm:if name="Name61" func="var" arg="hierBranch" op="equ" val="l">
+                    <dgm:choose name="Name62">
+                      <dgm:if name="Name63" axis="ch" ptType="asst" func="cnt" op="gte" val="1">
+                        <dgm:alg type="hierRoot">
+                          <dgm:param type="hierAlign" val="tR"/>
+                        </dgm:alg>
+                        <dgm:shape xmlns:r="http://schemas.openxmlformats.org/officeDocument/2006/relationships" r:blip="">
+                          <dgm:adjLst/>
+                        </dgm:shape>
+                        <dgm:presOf/>
+                        <dgm:constrLst>
+                          <dgm:constr type="alignOff" val="0.65"/>
+                        </dgm:constrLst>
+                      </dgm:if>
+                      <dgm:else name="Name64">
+                        <dgm:alg type="hierRoot">
+                          <dgm:param type="hierAlign" val="tR"/>
+                        </dgm:alg>
+                        <dgm:shape xmlns:r="http://schemas.openxmlformats.org/officeDocument/2006/relationships" r:blip="">
+                          <dgm:adjLst/>
+                        </dgm:shape>
+                        <dgm:presOf/>
+                        <dgm:constrLst>
+                          <dgm:constr type="alignOff" val="0.25"/>
+                        </dgm:constrLst>
+                      </dgm:else>
+                    </dgm:choose>
+                  </dgm:if>
+                  <dgm:if name="Name65" func="var" arg="hierBranch" op="equ" val="r">
+                    <dgm:choose name="Name66">
+                      <dgm:if name="Name67" axis="ch" ptType="asst" func="cnt" op="gte" val="1">
+                        <dgm:alg type="hierRoot">
+                          <dgm:param type="hierAlign" val="tL"/>
+                        </dgm:alg>
+                        <dgm:shape xmlns:r="http://schemas.openxmlformats.org/officeDocument/2006/relationships" r:blip="">
+                          <dgm:adjLst/>
+                        </dgm:shape>
+                        <dgm:presOf/>
+                        <dgm:constrLst>
+                          <dgm:constr type="alignOff" val="0.65"/>
+                        </dgm:constrLst>
+                      </dgm:if>
+                      <dgm:else name="Name68">
+                        <dgm:alg type="hierRoot">
+                          <dgm:param type="hierAlign" val="tL"/>
+                        </dgm:alg>
+                        <dgm:shape xmlns:r="http://schemas.openxmlformats.org/officeDocument/2006/relationships" r:blip="">
+                          <dgm:adjLst/>
+                        </dgm:shape>
+                        <dgm:presOf/>
+                        <dgm:constrLst>
+                          <dgm:constr type="alignOff" val="0.25"/>
+                        </dgm:constrLst>
+                      </dgm:else>
+                    </dgm:choose>
+                  </dgm:if>
+                  <dgm:if name="Name69" func="var" arg="hierBranch" op="equ" val="std">
+                    <dgm:alg type="hierRoot"/>
+                    <dgm:shape xmlns:r="http://schemas.openxmlformats.org/officeDocument/2006/relationships" r:blip="">
+                      <dgm:adjLst/>
+                    </dgm:shape>
+                    <dgm:presOf/>
+                    <dgm:constrLst>
+                      <dgm:constr type="alignOff"/>
+                      <dgm:constr type="bendDist" for="des" ptType="parTrans" refType="sp" fact="0.5"/>
+                    </dgm:constrLst>
+                  </dgm:if>
+                  <dgm:if name="Name70" func="var" arg="hierBranch" op="equ" val="init">
+                    <dgm:choose name="Name71">
+                      <dgm:if name="Name72" axis="des" func="maxDepth" op="lte" val="1">
+                        <dgm:choose name="Name73">
+                          <dgm:if name="Name74" axis="ch" ptType="asst" func="cnt" op="gte" val="1">
+                            <dgm:alg type="hierRoot">
+                              <dgm:param type="hierAlign" val="tL"/>
+                            </dgm:alg>
+                            <dgm:shape xmlns:r="http://schemas.openxmlformats.org/officeDocument/2006/relationships" r:blip="">
+                              <dgm:adjLst/>
+                            </dgm:shape>
+                            <dgm:presOf/>
+                            <dgm:constrLst>
+                              <dgm:constr type="alignOff" val="0.65"/>
+                            </dgm:constrLst>
+                          </dgm:if>
+                          <dgm:else name="Name75">
+                            <dgm:alg type="hierRoot">
+                              <dgm:param type="hierAlign" val="tL"/>
+                            </dgm:alg>
+                            <dgm:shape xmlns:r="http://schemas.openxmlformats.org/officeDocument/2006/relationships" r:blip="">
+                              <dgm:adjLst/>
+                            </dgm:shape>
+                            <dgm:presOf/>
+                            <dgm:constrLst>
+                              <dgm:constr type="alignOff" val="0.25"/>
+                            </dgm:constrLst>
+                          </dgm:else>
+                        </dgm:choose>
+                      </dgm:if>
+                      <dgm:else name="Name76">
+                        <dgm:alg type="hierRoot"/>
+                        <dgm:shape xmlns:r="http://schemas.openxmlformats.org/officeDocument/2006/relationships" r:blip="">
+                          <dgm:adjLst/>
+                        </dgm:shape>
+                        <dgm:presOf/>
+                        <dgm:constrLst>
+                          <dgm:constr type="alignOff"/>
+                          <dgm:constr type="bendDist" for="des" ptType="parTrans" refType="sp" fact="0.5"/>
+                        </dgm:constrLst>
+                      </dgm:else>
+                    </dgm:choose>
+                  </dgm:if>
+                  <dgm:else name="Name77">
+                    <dgm:alg type="hierRoot"/>
+                    <dgm:shape xmlns:r="http://schemas.openxmlformats.org/officeDocument/2006/relationships" r:blip="">
+                      <dgm:adjLst/>
+                    </dgm:shape>
+                    <dgm:presOf/>
+                    <dgm:constrLst>
+                      <dgm:constr type="alignOff" val="0.65"/>
+                    </dgm:constrLst>
+                  </dgm:else>
+                </dgm:choose>
+                <dgm:ruleLst/>
+                <dgm:layoutNode name="rootComposite">
+                  <dgm:alg type="composite"/>
+                  <dgm:shape xmlns:r="http://schemas.openxmlformats.org/officeDocument/2006/relationships" r:blip="">
+                    <dgm:adjLst/>
+                  </dgm:shape>
+                  <dgm:presOf axis="self" ptType="node" cnt="1"/>
+                  <dgm:choose name="Name78">
+                    <dgm:if name="Name79" func="var" arg="hierBranch" op="equ" val="init">
+                      <dgm:constrLst>
+                        <dgm:constr type="l" for="ch" forName="rootText"/>
+                        <dgm:constr type="t" for="ch" forName="rootText"/>
+                        <dgm:constr type="w" for="ch" forName="rootText" refType="w"/>
+                        <dgm:constr type="h" for="ch" forName="rootText" refType="h"/>
+                        <dgm:constr type="l" for="ch" forName="rootConnector"/>
+                        <dgm:constr type="t" for="ch" forName="rootConnector"/>
+                        <dgm:constr type="w" for="ch" forName="rootConnector" refType="w" refFor="ch" refForName="rootText" fact="0.2"/>
+                        <dgm:constr type="h" for="ch" forName="rootConnector" refType="h" refFor="ch" refForName="rootText"/>
+                      </dgm:constrLst>
+                    </dgm:if>
+                    <dgm:if name="Name80" func="var" arg="hierBranch" op="equ" val="l">
+                      <dgm:constrLst>
+                        <dgm:constr type="l" for="ch" forName="rootText"/>
+                        <dgm:constr type="t" for="ch" forName="rootText"/>
+                        <dgm:constr type="w" for="ch" forName="rootText" refType="w"/>
+                        <dgm:constr type="h" for="ch" forName="rootText" refType="h"/>
+                        <dgm:constr type="r" for="ch" forName="rootConnector" refType="w"/>
+                        <dgm:constr type="t" for="ch" forName="rootConnector"/>
+                        <dgm:constr type="w" for="ch" forName="rootConnector" refType="w" refFor="ch" refForName="rootText" fact="0.2"/>
+                        <dgm:constr type="h" for="ch" forName="rootConnector" refType="h" refFor="ch" refForName="rootText"/>
+                      </dgm:constrLst>
+                    </dgm:if>
+                    <dgm:if name="Name81" func="var" arg="hierBranch" op="equ" val="r">
+                      <dgm:constrLst>
+                        <dgm:constr type="l" for="ch" forName="rootText"/>
+                        <dgm:constr type="t" for="ch" forName="rootText"/>
+                        <dgm:constr type="w" for="ch" forName="rootText" refType="w"/>
+                        <dgm:constr type="h" for="ch" forName="rootText" refType="h"/>
+                        <dgm:constr type="l" for="ch" forName="rootConnector"/>
+                        <dgm:constr type="t" for="ch" forName="rootConnector"/>
+                        <dgm:constr type="w" for="ch" forName="rootConnector" refType="w" refFor="ch" refForName="rootText" fact="0.2"/>
+                        <dgm:constr type="h" for="ch" forName="rootConnector" refType="h" refFor="ch" refForName="rootText"/>
+                      </dgm:constrLst>
+                    </dgm:if>
+                    <dgm:else name="Name82">
+                      <dgm:constrLst>
+                        <dgm:constr type="l" for="ch" forName="rootText"/>
+                        <dgm:constr type="t" for="ch" forName="rootText"/>
+                        <dgm:constr type="w" for="ch" forName="rootText" refType="w"/>
+                        <dgm:constr type="h" for="ch" forName="rootText" refType="h"/>
+                        <dgm:constr type="r" for="ch" forName="rootConnector" refType="w"/>
+                        <dgm:constr type="t" for="ch" forName="rootConnector"/>
+                        <dgm:constr type="w" for="ch" forName="rootConnector" refType="w" refFor="ch" refForName="rootText" fact="0.2"/>
+                        <dgm:constr type="h" for="ch" forName="rootConnector" refType="h" refFor="ch" refForName="rootText"/>
+                      </dgm:constrLst>
+                    </dgm:else>
+                  </dgm:choose>
+                  <dgm:ruleLst/>
+                  <dgm:layoutNode name="rootText">
+                    <dgm:varLst>
+                      <dgm:chPref val="3"/>
+                    </dgm:varLst>
+                    <dgm:alg type="tx"/>
+                    <dgm:shape xmlns:r="http://schemas.openxmlformats.org/officeDocument/2006/relationships" type="rect" r:blip="">
+                      <dgm:adjLst/>
+                    </dgm:shape>
+                    <dgm:presOf axis="self" ptType="node" cnt="1"/>
+                    <dgm:constrLst>
+                      <dgm:constr type="primFontSz" val="65"/>
+                      <dgm:constr type="lMarg" refType="primFontSz" fact="0.05"/>
+                      <dgm:constr type="rMarg" refType="primFontSz" fact="0.05"/>
+                      <dgm:constr type="tMarg" refType="primFontSz" fact="0.05"/>
+                      <dgm:constr type="bMarg" refType="primFontSz" fact="0.05"/>
+                    </dgm:constrLst>
+                    <dgm:ruleLst>
+                      <dgm:rule type="primFontSz" val="5" fact="NaN" max="NaN"/>
+                    </dgm:ruleLst>
+                  </dgm:layoutNode>
+                  <dgm:layoutNode name="rootConnector" moveWith="rootText">
+                    <dgm:alg type="sp"/>
+                    <dgm:shape xmlns:r="http://schemas.openxmlformats.org/officeDocument/2006/relationships" type="rect" r:blip="" hideGeom="1">
+                      <dgm:adjLst/>
+                    </dgm:shape>
+                    <dgm:presOf axis="self" ptType="node" cnt="1"/>
+                    <dgm:constrLst/>
+                    <dgm:ruleLst/>
+                  </dgm:layoutNode>
+                </dgm:layoutNode>
+                <dgm:layoutNode name="hierChild4">
+                  <dgm:choose name="Name83">
+                    <dgm:if name="Name84" func="var" arg="hierBranch" op="equ" val="l">
+                      <dgm:alg type="hierChild">
+                        <dgm:param type="chAlign" val="r"/>
+                        <dgm:param type="linDir" val="fromT"/>
+                      </dgm:alg>
+                    </dgm:if>
+                    <dgm:if name="Name85" func="var" arg="hierBranch" op="equ" val="r">
+                      <dgm:alg type="hierChild">
+                        <dgm:param type="chAlign" val="l"/>
+                        <dgm:param type="linDir" val="fromT"/>
+                      </dgm:alg>
+                    </dgm:if>
+                    <dgm:if name="Name86" func="var" arg="hierBranch" op="equ" val="hang">
+                      <dgm:choose name="Name87">
+                        <dgm:if name="Name88" func="var" arg="dir" op="equ" val="norm">
+                          <dgm:alg type="hierChild">
+                            <dgm:param type="chAlign" val="l"/>
+                            <dgm:param type="linDir" val="fromL"/>
+                            <dgm:param type="secChAlign" val="t"/>
+                            <dgm:param type="secLinDir" val="fromT"/>
+                          </dgm:alg>
+                        </dgm:if>
+                        <dgm:else name="Name89">
+                          <dgm:alg type="hierChild">
+                            <dgm:param type="chAlign" val="l"/>
+                            <dgm:param type="linDir" val="fromR"/>
+                            <dgm:param type="secChAlign" val="t"/>
+                            <dgm:param type="secLinDir" val="fromT"/>
+                          </dgm:alg>
+                        </dgm:else>
+                      </dgm:choose>
+                    </dgm:if>
+                    <dgm:if name="Name90" func="var" arg="hierBranch" op="equ" val="std">
+                      <dgm:choose name="Name91">
+                        <dgm:if name="Name92" func="var" arg="dir" op="equ" val="norm">
+                          <dgm:alg type="hierChild"/>
+                        </dgm:if>
+                        <dgm:else name="Name93">
+                          <dgm:alg type="hierChild">
+                            <dgm:param type="linDir" val="fromR"/>
+                          </dgm:alg>
+                        </dgm:else>
+                      </dgm:choose>
+                    </dgm:if>
+                    <dgm:if name="Name94" func="var" arg="hierBranch" op="equ" val="init">
+                      <dgm:choose name="Name95">
+                        <dgm:if name="Name96" axis="des" func="maxDepth" op="lte" val="1">
+                          <dgm:alg type="hierChild">
+                            <dgm:param type="chAlign" val="l"/>
+                            <dgm:param type="linDir" val="fromT"/>
+                          </dgm:alg>
+                        </dgm:if>
+                        <dgm:else name="Name97">
+                          <dgm:choose name="Name98">
+                            <dgm:if name="Name99" func="var" arg="dir" op="equ" val="norm">
+                              <dgm:alg type="hierChild"/>
+                            </dgm:if>
+                            <dgm:else name="Name100">
+                              <dgm:alg type="hierChild">
+                                <dgm:param type="linDir" val="fromR"/>
+                              </dgm:alg>
+                            </dgm:else>
+                          </dgm:choose>
+                        </dgm:else>
+                      </dgm:choose>
+                    </dgm:if>
+                    <dgm:else name="Name101"/>
+                  </dgm:choose>
+                  <dgm:shape xmlns:r="http://schemas.openxmlformats.org/officeDocument/2006/relationships" r:blip="">
+                    <dgm:adjLst/>
+                  </dgm:shape>
+                  <dgm:presOf/>
+                  <dgm:constrLst/>
+                  <dgm:ruleLst/>
+                  <dgm:forEach name="Name102" ref="rep2a"/>
+                </dgm:layoutNode>
+                <dgm:layoutNode name="hierChild5">
+                  <dgm:choose name="Name103">
+                    <dgm:if name="Name104" func="var" arg="dir" op="equ" val="norm">
+                      <dgm:alg type="hierChild">
+                        <dgm:param type="chAlign" val="l"/>
+                        <dgm:param type="linDir" val="fromL"/>
+                        <dgm:param type="secChAlign" val="t"/>
+                        <dgm:param type="secLinDir" val="fromT"/>
+                      </dgm:alg>
+                    </dgm:if>
+                    <dgm:else name="Name105">
+                      <dgm:alg type="hierChild">
+                        <dgm:param type="chAlign" val="l"/>
+                        <dgm:param type="linDir" val="fromR"/>
+                        <dgm:param type="secChAlign" val="t"/>
+                        <dgm:param type="secLinDir" val="fromT"/>
+                      </dgm:alg>
+                    </dgm:else>
+                  </dgm:choose>
+                  <dgm:shape xmlns:r="http://schemas.openxmlformats.org/officeDocument/2006/relationships" r:blip="">
+                    <dgm:adjLst/>
+                  </dgm:shape>
+                  <dgm:presOf/>
+                  <dgm:constrLst/>
+                  <dgm:ruleLst/>
+                  <dgm:forEach name="Name106" ref="rep2b"/>
+                </dgm:layoutNode>
+              </dgm:layoutNode>
+            </dgm:forEach>
+          </dgm:layoutNode>
+          <dgm:layoutNode name="hierChild3">
+            <dgm:choose name="Name107">
+              <dgm:if name="Name108" func="var" arg="dir" op="equ" val="norm">
+                <dgm:alg type="hierChild">
+                  <dgm:param type="chAlign" val="l"/>
+                  <dgm:param type="linDir" val="fromL"/>
+                  <dgm:param type="secChAlign" val="t"/>
+                  <dgm:param type="secLinDir" val="fromT"/>
+                </dgm:alg>
+              </dgm:if>
+              <dgm:else name="Name109">
+                <dgm:alg type="hierChild">
+                  <dgm:param type="chAlign" val="l"/>
+                  <dgm:param type="linDir" val="fromR"/>
+                  <dgm:param type="secChAlign" val="t"/>
+                  <dgm:param type="secLinDir" val="fromT"/>
+                </dgm:alg>
+              </dgm:else>
+            </dgm:choose>
+            <dgm:shape xmlns:r="http://schemas.openxmlformats.org/officeDocument/2006/relationships" r:blip="">
+              <dgm:adjLst/>
+            </dgm:shape>
+            <dgm:presOf/>
+            <dgm:constrLst/>
+            <dgm:ruleLst/>
+            <dgm:forEach name="rep2b" axis="ch" ptType="asst">
+              <dgm:forEach name="Name110" axis="precedSib" ptType="parTrans" st="-1" cnt="1">
+                <dgm:layoutNode name="Name111">
+                  <dgm:alg type="conn">
+                    <dgm:param type="connRout" val="bend"/>
+                    <dgm:param type="dim" val="1D"/>
+                    <dgm:param type="endSty" val="noArr"/>
+                    <dgm:param type="begPts" val="bCtr"/>
+                    <dgm:param type="endPts" val="midL midR"/>
+                  </dgm:alg>
+                  <dgm:shape xmlns:r="http://schemas.openxmlformats.org/officeDocument/2006/relationships" type="conn" r:blip="" zOrderOff="-99999">
+                    <dgm:adjLst/>
+                  </dgm:shape>
+                  <dgm:presOf axis="self"/>
+                  <dgm:constrLst>
+                    <dgm:constr type="begPad"/>
+                    <dgm:constr type="endPad"/>
+                  </dgm:constrLst>
+                  <dgm:ruleLst/>
+                </dgm:layoutNode>
+              </dgm:forEach>
+              <dgm:layoutNode name="hierRoot3">
+                <dgm:varLst>
+                  <dgm:hierBranch val="init"/>
+                </dgm:varLst>
+                <dgm:choose name="Name112">
+                  <dgm:if name="Name113" func="var" arg="hierBranch" op="equ" val="l">
+                    <dgm:alg type="hierRoot">
+                      <dgm:param type="hierAlign" val="tR"/>
+                    </dgm:alg>
+                    <dgm:shape xmlns:r="http://schemas.openxmlformats.org/officeDocument/2006/relationships" r:blip="">
+                      <dgm:adjLst/>
+                    </dgm:shape>
+                    <dgm:presOf/>
+                    <dgm:constrLst>
+                      <dgm:constr type="alignOff" val="0.65"/>
+                    </dgm:constrLst>
+                  </dgm:if>
+                  <dgm:if name="Name114" func="var" arg="hierBranch" op="equ" val="r">
+                    <dgm:alg type="hierRoot">
+                      <dgm:param type="hierAlign" val="tL"/>
+                    </dgm:alg>
+                    <dgm:shape xmlns:r="http://schemas.openxmlformats.org/officeDocument/2006/relationships" r:blip="">
+                      <dgm:adjLst/>
+                    </dgm:shape>
+                    <dgm:presOf/>
+                    <dgm:constrLst>
+                      <dgm:constr type="alignOff" val="0.65"/>
+                    </dgm:constrLst>
+                  </dgm:if>
+                  <dgm:if name="Name115" func="var" arg="hierBranch" op="equ" val="hang">
+                    <dgm:alg type="hierRoot"/>
+                    <dgm:shape xmlns:r="http://schemas.openxmlformats.org/officeDocument/2006/relationships" r:blip="">
+                      <dgm:adjLst/>
+                    </dgm:shape>
+                    <dgm:presOf/>
+                    <dgm:constrLst>
+                      <dgm:constr type="alignOff" val="0.65"/>
+                    </dgm:constrLst>
+                  </dgm:if>
+                  <dgm:if name="Name116" func="var" arg="hierBranch" op="equ" val="std">
+                    <dgm:alg type="hierRoot"/>
+                    <dgm:shape xmlns:r="http://schemas.openxmlformats.org/officeDocument/2006/relationships" r:blip="">
+                      <dgm:adjLst/>
+                    </dgm:shape>
+                    <dgm:presOf/>
+                    <dgm:constrLst>
+                      <dgm:constr type="alignOff"/>
+                      <dgm:constr type="bendDist" for="des" ptType="parTrans" refType="sp" fact="0.5"/>
+                    </dgm:constrLst>
+                  </dgm:if>
+                  <dgm:if name="Name117" func="var" arg="hierBranch" op="equ" val="init">
+                    <dgm:choose name="Name118">
+                      <dgm:if name="Name119" axis="des" func="maxDepth" op="lte" val="1">
+                        <dgm:alg type="hierRoot">
+                          <dgm:param type="hierAlign" val="tL"/>
+                        </dgm:alg>
+                        <dgm:shape xmlns:r="http://schemas.openxmlformats.org/officeDocument/2006/relationships" r:blip="">
+                          <dgm:adjLst/>
+                        </dgm:shape>
+                        <dgm:presOf/>
+                        <dgm:constrLst>
+                          <dgm:constr type="alignOff" val="0.65"/>
+                        </dgm:constrLst>
+                      </dgm:if>
+                      <dgm:else name="Name120">
+                        <dgm:alg type="hierRoot"/>
+                        <dgm:shape xmlns:r="http://schemas.openxmlformats.org/officeDocument/2006/relationships" r:blip="">
+                          <dgm:adjLst/>
+                        </dgm:shape>
+                        <dgm:presOf/>
+                        <dgm:constrLst>
+                          <dgm:constr type="alignOff"/>
+                          <dgm:constr type="bendDist" for="des" ptType="parTrans" refType="sp" fact="0.5"/>
+                        </dgm:constrLst>
+                      </dgm:else>
+                    </dgm:choose>
+                  </dgm:if>
+                  <dgm:else name="Name121"/>
+                </dgm:choose>
+                <dgm:ruleLst/>
+                <dgm:layoutNode name="rootComposite3">
+                  <dgm:alg type="composite"/>
+                  <dgm:shape xmlns:r="http://schemas.openxmlformats.org/officeDocument/2006/relationships" r:blip="">
+                    <dgm:adjLst/>
+                  </dgm:shape>
+                  <dgm:presOf axis="self" ptType="node" cnt="1"/>
+                  <dgm:choose name="Name122">
+                    <dgm:if name="Name123" func="var" arg="hierBranch" op="equ" val="init">
+                      <dgm:constrLst>
+                        <dgm:constr type="l" for="ch" forName="rootText3"/>
+                        <dgm:constr type="t" for="ch" forName="rootText3"/>
+                        <dgm:constr type="w" for="ch" forName="rootText3" refType="w"/>
+                        <dgm:constr type="h" for="ch" forName="rootText3" refType="h"/>
+                        <dgm:constr type="l" for="ch" forName="rootConnector3"/>
+                        <dgm:constr type="t" for="ch" forName="rootConnector3"/>
+                        <dgm:constr type="w" for="ch" forName="rootConnector3" refType="w" refFor="ch" refForName="rootText3" fact="0.2"/>
+                        <dgm:constr type="h" for="ch" forName="rootConnector3" refType="h" refFor="ch" refForName="rootText3"/>
+                      </dgm:constrLst>
+                    </dgm:if>
+                    <dgm:if name="Name124" func="var" arg="hierBranch" op="equ" val="l">
+                      <dgm:constrLst>
+                        <dgm:constr type="l" for="ch" forName="rootText3"/>
+                        <dgm:constr type="t" for="ch" forName="rootText3"/>
+                        <dgm:constr type="w" for="ch" forName="rootText3" refType="w"/>
+                        <dgm:constr type="h" for="ch" forName="rootText3" refType="h"/>
+                        <dgm:constr type="r" for="ch" forName="rootConnector3" refType="w"/>
+                        <dgm:constr type="t" for="ch" forName="rootConnector3"/>
+                        <dgm:constr type="w" for="ch" forName="rootConnector3" refType="w" refFor="ch" refForName="rootText3" fact="0.2"/>
+                        <dgm:constr type="h" for="ch" forName="rootConnector3" refType="h" refFor="ch" refForName="rootText3"/>
+                      </dgm:constrLst>
+                    </dgm:if>
+                    <dgm:if name="Name125" func="var" arg="hierBranch" op="equ" val="r">
+                      <dgm:constrLst>
+                        <dgm:constr type="l" for="ch" forName="rootText3"/>
+                        <dgm:constr type="t" for="ch" forName="rootText3"/>
+                        <dgm:constr type="w" for="ch" forName="rootText3" refType="w"/>
+                        <dgm:constr type="h" for="ch" forName="rootText3" refType="h"/>
+                        <dgm:constr type="l" for="ch" forName="rootConnector3"/>
+                        <dgm:constr type="t" for="ch" forName="rootConnector3"/>
+                        <dgm:constr type="w" for="ch" forName="rootConnector3" refType="w" refFor="ch" refForName="rootText3" fact="0.2"/>
+                        <dgm:constr type="h" for="ch" forName="rootConnector3" refType="h" refFor="ch" refForName="rootText3"/>
+                      </dgm:constrLst>
+                    </dgm:if>
+                    <dgm:else name="Name126">
+                      <dgm:constrLst>
+                        <dgm:constr type="l" for="ch" forName="rootText3"/>
+                        <dgm:constr type="t" for="ch" forName="rootText3"/>
+                        <dgm:constr type="w" for="ch" forName="rootText3" refType="w"/>
+                        <dgm:constr type="h" for="ch" forName="rootText3" refType="h"/>
+                        <dgm:constr type="r" for="ch" forName="rootConnector3" refType="w"/>
+                        <dgm:constr type="t" for="ch" forName="rootConnector3"/>
+                        <dgm:constr type="w" for="ch" forName="rootConnector3" refType="w" refFor="ch" refForName="rootText3" fact="0.2"/>
+                        <dgm:constr type="h" for="ch" forName="rootConnector3" refType="h" refFor="ch" refForName="rootText3"/>
+                      </dgm:constrLst>
+                    </dgm:else>
+                  </dgm:choose>
+                  <dgm:ruleLst/>
+                  <dgm:layoutNode name="rootText3">
+                    <dgm:varLst>
+                      <dgm:chPref val="3"/>
+                    </dgm:varLst>
+                    <dgm:alg type="tx"/>
+                    <dgm:shape xmlns:r="http://schemas.openxmlformats.org/officeDocument/2006/relationships" type="rect" r:blip="">
+                      <dgm:adjLst/>
+                    </dgm:shape>
+                    <dgm:presOf axis="self" ptType="node" cnt="1"/>
+                    <dgm:constrLst>
+                      <dgm:constr type="primFontSz" val="65"/>
+                      <dgm:constr type="lMarg" refType="primFontSz" fact="0.05"/>
+                      <dgm:constr type="rMarg" refType="primFontSz" fact="0.05"/>
+                      <dgm:constr type="tMarg" refType="primFontSz" fact="0.05"/>
+                      <dgm:constr type="bMarg" refType="primFontSz" fact="0.05"/>
+                    </dgm:constrLst>
+                    <dgm:ruleLst>
+                      <dgm:rule type="primFontSz" val="5" fact="NaN" max="NaN"/>
+                    </dgm:ruleLst>
+                  </dgm:layoutNode>
+                  <dgm:layoutNode name="rootConnector3" moveWith="rootText1">
+                    <dgm:alg type="sp"/>
+                    <dgm:shape xmlns:r="http://schemas.openxmlformats.org/officeDocument/2006/relationships" type="rect" r:blip="" hideGeom="1">
+                      <dgm:adjLst/>
+                    </dgm:shape>
+                    <dgm:presOf axis="self" ptType="node" cnt="1"/>
+                    <dgm:constrLst/>
+                    <dgm:ruleLst/>
+                  </dgm:layoutNode>
+                </dgm:layoutNode>
+                <dgm:layoutNode name="hierChild6">
+                  <dgm:choose name="Name127">
+                    <dgm:if name="Name128" func="var" arg="hierBranch" op="equ" val="l">
+                      <dgm:alg type="hierChild">
+                        <dgm:param type="chAlign" val="r"/>
+                        <dgm:param type="linDir" val="fromT"/>
+                      </dgm:alg>
+                    </dgm:if>
+                    <dgm:if name="Name129" func="var" arg="hierBranch" op="equ" val="r">
+                      <dgm:alg type="hierChild">
+                        <dgm:param type="chAlign" val="l"/>
+                        <dgm:param type="linDir" val="fromT"/>
+                      </dgm:alg>
+                    </dgm:if>
+                    <dgm:if name="Name130" func="var" arg="hierBranch" op="equ" val="hang">
+                      <dgm:choose name="Name131">
+                        <dgm:if name="Name132" func="var" arg="dir" op="equ" val="norm">
+                          <dgm:alg type="hierChild">
+                            <dgm:param type="chAlign" val="l"/>
+                            <dgm:param type="linDir" val="fromL"/>
+                            <dgm:param type="secChAlign" val="t"/>
+                            <dgm:param type="secLinDir" val="fromT"/>
+                          </dgm:alg>
+                        </dgm:if>
+                        <dgm:else name="Name133">
+                          <dgm:alg type="hierChild">
+                            <dgm:param type="chAlign" val="l"/>
+                            <dgm:param type="linDir" val="fromR"/>
+                            <dgm:param type="secChAlign" val="t"/>
+                            <dgm:param type="secLinDir" val="fromT"/>
+                          </dgm:alg>
+                        </dgm:else>
+                      </dgm:choose>
+                    </dgm:if>
+                    <dgm:if name="Name134" func="var" arg="hierBranch" op="equ" val="std">
+                      <dgm:choose name="Name135">
+                        <dgm:if name="Name136" func="var" arg="dir" op="equ" val="norm">
+                          <dgm:alg type="hierChild"/>
+                        </dgm:if>
+                        <dgm:else name="Name137">
+                          <dgm:alg type="hierChild">
+                            <dgm:param type="linDir" val="fromR"/>
+                          </dgm:alg>
+                        </dgm:else>
+                      </dgm:choose>
+                    </dgm:if>
+                    <dgm:if name="Name138" func="var" arg="hierBranch" op="equ" val="init">
+                      <dgm:choose name="Name139">
+                        <dgm:if name="Name140" axis="des" func="maxDepth" op="lte" val="1">
+                          <dgm:alg type="hierChild">
+                            <dgm:param type="chAlign" val="l"/>
+                            <dgm:param type="linDir" val="fromT"/>
+                          </dgm:alg>
+                        </dgm:if>
+                        <dgm:else name="Name141">
+                          <dgm:alg type="hierChild"/>
+                        </dgm:else>
+                      </dgm:choose>
+                    </dgm:if>
+                    <dgm:else name="Name142"/>
+                  </dgm:choose>
+                  <dgm:shape xmlns:r="http://schemas.openxmlformats.org/officeDocument/2006/relationships" r:blip="">
+                    <dgm:adjLst/>
+                  </dgm:shape>
+                  <dgm:presOf/>
+                  <dgm:constrLst/>
+                  <dgm:ruleLst/>
+                  <dgm:forEach name="Name143" ref="rep2a"/>
+                </dgm:layoutNode>
+                <dgm:layoutNode name="hierChild7">
+                  <dgm:choose name="Name144">
+                    <dgm:if name="Name145" func="var" arg="dir" op="equ" val="norm">
+                      <dgm:alg type="hierChild">
+                        <dgm:param type="chAlign" val="l"/>
+                        <dgm:param type="linDir" val="fromL"/>
+                        <dgm:param type="secChAlign" val="t"/>
+                        <dgm:param type="secLinDir" val="fromT"/>
+                      </dgm:alg>
+                    </dgm:if>
+                    <dgm:else name="Name146">
+                      <dgm:alg type="hierChild">
+                        <dgm:param type="chAlign" val="l"/>
+                        <dgm:param type="linDir" val="fromR"/>
+                        <dgm:param type="secChAlign" val="t"/>
+                        <dgm:param type="secLinDir" val="fromT"/>
+                      </dgm:alg>
+                    </dgm:else>
+                  </dgm:choose>
+                  <dgm:shape xmlns:r="http://schemas.openxmlformats.org/officeDocument/2006/relationships" r:blip="">
+                    <dgm:adjLst/>
+                  </dgm:shape>
+                  <dgm:presOf/>
+                  <dgm:constrLst/>
+                  <dgm:ruleLst/>
+                  <dgm:forEach name="Name147" ref="rep2b"/>
+                </dgm:layoutNode>
+              </dgm:layoutNode>
+            </dgm:forEach>
+          </dgm:layoutNode>
+        </dgm:layoutNode>
+      </dgm:forEach>
+    </dgm:forEach>
+  </dgm:layoutNode>
+</dgm:layoutDef>
+</file>
+
 <file path=ppt/diagrams/quickStyle1.xml><?xml version="1.0" encoding="utf-8"?>
 <dgm:styleDef xmlns:dgm="http://schemas.openxmlformats.org/drawingml/2006/diagram" xmlns:a="http://schemas.openxmlformats.org/drawingml/2006/main" uniqueId="urn:microsoft.com/office/officeart/2005/8/quickstyle/3d2">
   <dgm:title val=""/>
@@ -28574,6 +31030,1123 @@
 </file>
 
 <file path=ppt/diagrams/quickStyle7.xml><?xml version="1.0" encoding="utf-8"?>
+<dgm:styleDef xmlns:dgm="http://schemas.openxmlformats.org/drawingml/2006/diagram" xmlns:a="http://schemas.openxmlformats.org/drawingml/2006/main" uniqueId="urn:microsoft.com/office/officeart/2005/8/quickstyle/3d1">
+  <dgm:title val=""/>
+  <dgm:desc val=""/>
+  <dgm:catLst>
+    <dgm:cat type="3D" pri="11100"/>
+  </dgm:catLst>
+  <dgm:scene3d>
+    <a:camera prst="orthographicFront"/>
+    <a:lightRig rig="threePt" dir="t"/>
+  </dgm:scene3d>
+  <dgm:styleLbl name="node0">
+    <dgm:scene3d>
+      <a:camera prst="orthographicFront"/>
+      <a:lightRig rig="flat" dir="t"/>
+    </dgm:scene3d>
+    <dgm:sp3d prstMaterial="plastic">
+      <a:bevelT w="120900" h="88900"/>
+      <a:bevelB w="88900" h="31750" prst="angle"/>
+    </dgm:sp3d>
+    <dgm:txPr/>
+    <dgm:style>
+      <a:lnRef idx="0">
+        <a:scrgbClr r="0" g="0" b="0"/>
+      </a:lnRef>
+      <a:fillRef idx="3">
+        <a:scrgbClr r="0" g="0" b="0"/>
+      </a:fillRef>
+      <a:effectRef idx="2">
+        <a:scrgbClr r="0" g="0" b="0"/>
+      </a:effectRef>
+      <a:fontRef idx="minor">
+        <a:schemeClr val="lt1"/>
+      </a:fontRef>
+    </dgm:style>
+  </dgm:styleLbl>
+  <dgm:styleLbl name="lnNode1">
+    <dgm:scene3d>
+      <a:camera prst="orthographicFront"/>
+      <a:lightRig rig="flat" dir="t"/>
+    </dgm:scene3d>
+    <dgm:sp3d prstMaterial="plastic">
+      <a:bevelT w="120900" h="88900"/>
+      <a:bevelB w="88900" h="31750" prst="angle"/>
+    </dgm:sp3d>
+    <dgm:txPr/>
+    <dgm:style>
+      <a:lnRef idx="0">
+        <a:scrgbClr r="0" g="0" b="0"/>
+      </a:lnRef>
+      <a:fillRef idx="3">
+        <a:scrgbClr r="0" g="0" b="0"/>
+      </a:fillRef>
+      <a:effectRef idx="1">
+        <a:scrgbClr r="0" g="0" b="0"/>
+      </a:effectRef>
+      <a:fontRef idx="minor">
+        <a:schemeClr val="lt1"/>
+      </a:fontRef>
+    </dgm:style>
+  </dgm:styleLbl>
+  <dgm:styleLbl name="vennNode1">
+    <dgm:scene3d>
+      <a:camera prst="orthographicFront"/>
+      <a:lightRig rig="flat" dir="t"/>
+    </dgm:scene3d>
+    <dgm:sp3d prstMaterial="plastic">
+      <a:bevelT w="120900" h="88900"/>
+      <a:bevelB w="88900" h="31750" prst="angle"/>
+    </dgm:sp3d>
+    <dgm:txPr/>
+    <dgm:style>
+      <a:lnRef idx="0">
+        <a:scrgbClr r="0" g="0" b="0"/>
+      </a:lnRef>
+      <a:fillRef idx="1">
+        <a:scrgbClr r="0" g="0" b="0"/>
+      </a:fillRef>
+      <a:effectRef idx="1">
+        <a:scrgbClr r="0" g="0" b="0"/>
+      </a:effectRef>
+      <a:fontRef idx="minor">
+        <a:schemeClr val="tx1"/>
+      </a:fontRef>
+    </dgm:style>
+  </dgm:styleLbl>
+  <dgm:styleLbl name="alignNode1">
+    <dgm:scene3d>
+      <a:camera prst="orthographicFront"/>
+      <a:lightRig rig="flat" dir="t"/>
+    </dgm:scene3d>
+    <dgm:sp3d prstMaterial="plastic">
+      <a:bevelT w="120900" h="88900"/>
+      <a:bevelB w="88900" h="31750" prst="angle"/>
+    </dgm:sp3d>
+    <dgm:txPr/>
+    <dgm:style>
+      <a:lnRef idx="1">
+        <a:scrgbClr r="0" g="0" b="0"/>
+      </a:lnRef>
+      <a:fillRef idx="3">
+        <a:scrgbClr r="0" g="0" b="0"/>
+      </a:fillRef>
+      <a:effectRef idx="2">
+        <a:scrgbClr r="0" g="0" b="0"/>
+      </a:effectRef>
+      <a:fontRef idx="minor">
+        <a:schemeClr val="lt1"/>
+      </a:fontRef>
+    </dgm:style>
+  </dgm:styleLbl>
+  <dgm:styleLbl name="node1">
+    <dgm:scene3d>
+      <a:camera prst="orthographicFront"/>
+      <a:lightRig rig="flat" dir="t"/>
+    </dgm:scene3d>
+    <dgm:sp3d prstMaterial="plastic">
+      <a:bevelT w="120900" h="88900"/>
+      <a:bevelB w="88900" h="31750" prst="angle"/>
+    </dgm:sp3d>
+    <dgm:txPr/>
+    <dgm:style>
+      <a:lnRef idx="0">
+        <a:scrgbClr r="0" g="0" b="0"/>
+      </a:lnRef>
+      <a:fillRef idx="3">
+        <a:scrgbClr r="0" g="0" b="0"/>
+      </a:fillRef>
+      <a:effectRef idx="2">
+        <a:scrgbClr r="0" g="0" b="0"/>
+      </a:effectRef>
+      <a:fontRef idx="minor">
+        <a:schemeClr val="lt1"/>
+      </a:fontRef>
+    </dgm:style>
+  </dgm:styleLbl>
+  <dgm:styleLbl name="node2">
+    <dgm:scene3d>
+      <a:camera prst="orthographicFront"/>
+      <a:lightRig rig="flat" dir="t"/>
+    </dgm:scene3d>
+    <dgm:sp3d prstMaterial="plastic">
+      <a:bevelT w="120900" h="88900"/>
+      <a:bevelB w="88900" h="31750" prst="angle"/>
+    </dgm:sp3d>
+    <dgm:txPr/>
+    <dgm:style>
+      <a:lnRef idx="0">
+        <a:scrgbClr r="0" g="0" b="0"/>
+      </a:lnRef>
+      <a:fillRef idx="3">
+        <a:scrgbClr r="0" g="0" b="0"/>
+      </a:fillRef>
+      <a:effectRef idx="1">
+        <a:scrgbClr r="0" g="0" b="0"/>
+      </a:effectRef>
+      <a:fontRef idx="minor">
+        <a:schemeClr val="lt1"/>
+      </a:fontRef>
+    </dgm:style>
+  </dgm:styleLbl>
+  <dgm:styleLbl name="node3">
+    <dgm:scene3d>
+      <a:camera prst="orthographicFront"/>
+      <a:lightRig rig="flat" dir="t"/>
+    </dgm:scene3d>
+    <dgm:sp3d prstMaterial="plastic">
+      <a:bevelT w="120900" h="88900"/>
+      <a:bevelB w="88900" h="31750" prst="angle"/>
+    </dgm:sp3d>
+    <dgm:txPr/>
+    <dgm:style>
+      <a:lnRef idx="0">
+        <a:scrgbClr r="0" g="0" b="0"/>
+      </a:lnRef>
+      <a:fillRef idx="3">
+        <a:scrgbClr r="0" g="0" b="0"/>
+      </a:fillRef>
+      <a:effectRef idx="1">
+        <a:scrgbClr r="0" g="0" b="0"/>
+      </a:effectRef>
+      <a:fontRef idx="minor">
+        <a:schemeClr val="lt1"/>
+      </a:fontRef>
+    </dgm:style>
+  </dgm:styleLbl>
+  <dgm:styleLbl name="node4">
+    <dgm:scene3d>
+      <a:camera prst="orthographicFront"/>
+      <a:lightRig rig="flat" dir="t"/>
+    </dgm:scene3d>
+    <dgm:sp3d prstMaterial="plastic">
+      <a:bevelT w="120900" h="88900"/>
+      <a:bevelB w="88900" h="31750" prst="angle"/>
+    </dgm:sp3d>
+    <dgm:txPr/>
+    <dgm:style>
+      <a:lnRef idx="0">
+        <a:scrgbClr r="0" g="0" b="0"/>
+      </a:lnRef>
+      <a:fillRef idx="3">
+        <a:scrgbClr r="0" g="0" b="0"/>
+      </a:fillRef>
+      <a:effectRef idx="1">
+        <a:scrgbClr r="0" g="0" b="0"/>
+      </a:effectRef>
+      <a:fontRef idx="minor">
+        <a:schemeClr val="lt1"/>
+      </a:fontRef>
+    </dgm:style>
+  </dgm:styleLbl>
+  <dgm:styleLbl name="fgImgPlace1">
+    <dgm:scene3d>
+      <a:camera prst="orthographicFront"/>
+      <a:lightRig rig="flat" dir="t"/>
+    </dgm:scene3d>
+    <dgm:sp3d z="127000" prstMaterial="plastic">
+      <a:bevelT w="88900" h="88900"/>
+      <a:bevelB w="88900" h="31750" prst="angle"/>
+    </dgm:sp3d>
+    <dgm:txPr/>
+    <dgm:style>
+      <a:lnRef idx="0">
+        <a:scrgbClr r="0" g="0" b="0"/>
+      </a:lnRef>
+      <a:fillRef idx="3">
+        <a:scrgbClr r="0" g="0" b="0"/>
+      </a:fillRef>
+      <a:effectRef idx="2">
+        <a:scrgbClr r="0" g="0" b="0"/>
+      </a:effectRef>
+      <a:fontRef idx="minor"/>
+    </dgm:style>
+  </dgm:styleLbl>
+  <dgm:styleLbl name="alignImgPlace1">
+    <dgm:scene3d>
+      <a:camera prst="orthographicFront"/>
+      <a:lightRig rig="flat" dir="t"/>
+    </dgm:scene3d>
+    <dgm:sp3d prstMaterial="plastic">
+      <a:bevelT w="88900" h="88900"/>
+      <a:bevelB w="88900" h="31750" prst="angle"/>
+    </dgm:sp3d>
+    <dgm:txPr/>
+    <dgm:style>
+      <a:lnRef idx="0">
+        <a:scrgbClr r="0" g="0" b="0"/>
+      </a:lnRef>
+      <a:fillRef idx="3">
+        <a:scrgbClr r="0" g="0" b="0"/>
+      </a:fillRef>
+      <a:effectRef idx="2">
+        <a:scrgbClr r="0" g="0" b="0"/>
+      </a:effectRef>
+      <a:fontRef idx="minor"/>
+    </dgm:style>
+  </dgm:styleLbl>
+  <dgm:styleLbl name="bgImgPlace1">
+    <dgm:scene3d>
+      <a:camera prst="orthographicFront"/>
+      <a:lightRig rig="flat" dir="t"/>
+    </dgm:scene3d>
+    <dgm:sp3d z="-190500" prstMaterial="plastic">
+      <a:bevelT w="88900" h="88900"/>
+      <a:bevelB w="88900" h="31750" prst="angle"/>
+    </dgm:sp3d>
+    <dgm:txPr/>
+    <dgm:style>
+      <a:lnRef idx="0">
+        <a:scrgbClr r="0" g="0" b="0"/>
+      </a:lnRef>
+      <a:fillRef idx="3">
+        <a:scrgbClr r="0" g="0" b="0"/>
+      </a:fillRef>
+      <a:effectRef idx="2">
+        <a:scrgbClr r="0" g="0" b="0"/>
+      </a:effectRef>
+      <a:fontRef idx="minor"/>
+    </dgm:style>
+  </dgm:styleLbl>
+  <dgm:styleLbl name="sibTrans2D1">
+    <dgm:scene3d>
+      <a:camera prst="orthographicFront"/>
+      <a:lightRig rig="flat" dir="t"/>
+    </dgm:scene3d>
+    <dgm:sp3d z="-80000" prstMaterial="plastic">
+      <a:bevelT w="50800" h="50800"/>
+      <a:bevelB w="25400" h="25400" prst="angle"/>
+    </dgm:sp3d>
+    <dgm:txPr/>
+    <dgm:style>
+      <a:lnRef idx="0">
+        <a:scrgbClr r="0" g="0" b="0"/>
+      </a:lnRef>
+      <a:fillRef idx="3">
+        <a:scrgbClr r="0" g="0" b="0"/>
+      </a:fillRef>
+      <a:effectRef idx="2">
+        <a:scrgbClr r="0" g="0" b="0"/>
+      </a:effectRef>
+      <a:fontRef idx="minor">
+        <a:schemeClr val="lt1"/>
+      </a:fontRef>
+    </dgm:style>
+  </dgm:styleLbl>
+  <dgm:styleLbl name="fgSibTrans2D1">
+    <dgm:scene3d>
+      <a:camera prst="orthographicFront"/>
+      <a:lightRig rig="flat" dir="t"/>
+    </dgm:scene3d>
+    <dgm:sp3d z="127000" prstMaterial="plastic">
+      <a:bevelT w="50800" h="50800"/>
+      <a:bevelB w="25400" h="25400" prst="angle"/>
+    </dgm:sp3d>
+    <dgm:txPr/>
+    <dgm:style>
+      <a:lnRef idx="0">
+        <a:scrgbClr r="0" g="0" b="0"/>
+      </a:lnRef>
+      <a:fillRef idx="3">
+        <a:scrgbClr r="0" g="0" b="0"/>
+      </a:fillRef>
+      <a:effectRef idx="2">
+        <a:scrgbClr r="0" g="0" b="0"/>
+      </a:effectRef>
+      <a:fontRef idx="minor">
+        <a:schemeClr val="lt1"/>
+      </a:fontRef>
+    </dgm:style>
+  </dgm:styleLbl>
+  <dgm:styleLbl name="bgSibTrans2D1">
+    <dgm:scene3d>
+      <a:camera prst="orthographicFront"/>
+      <a:lightRig rig="flat" dir="t"/>
+    </dgm:scene3d>
+    <dgm:sp3d z="-190500" prstMaterial="plastic">
+      <a:bevelT w="50800" h="50800"/>
+      <a:bevelB w="25400" h="25400" prst="angle"/>
+    </dgm:sp3d>
+    <dgm:txPr/>
+    <dgm:style>
+      <a:lnRef idx="0">
+        <a:scrgbClr r="0" g="0" b="0"/>
+      </a:lnRef>
+      <a:fillRef idx="3">
+        <a:scrgbClr r="0" g="0" b="0"/>
+      </a:fillRef>
+      <a:effectRef idx="2">
+        <a:scrgbClr r="0" g="0" b="0"/>
+      </a:effectRef>
+      <a:fontRef idx="minor">
+        <a:schemeClr val="lt1"/>
+      </a:fontRef>
+    </dgm:style>
+  </dgm:styleLbl>
+  <dgm:styleLbl name="sibTrans1D1">
+    <dgm:scene3d>
+      <a:camera prst="orthographicFront"/>
+      <a:lightRig rig="flat" dir="t"/>
+    </dgm:scene3d>
+    <dgm:sp3d z="-40000" prstMaterial="matte"/>
+    <dgm:txPr/>
+    <dgm:style>
+      <a:lnRef idx="1">
+        <a:scrgbClr r="0" g="0" b="0"/>
+      </a:lnRef>
+      <a:fillRef idx="0">
+        <a:scrgbClr r="0" g="0" b="0"/>
+      </a:fillRef>
+      <a:effectRef idx="0">
+        <a:scrgbClr r="0" g="0" b="0"/>
+      </a:effectRef>
+      <a:fontRef idx="minor"/>
+    </dgm:style>
+  </dgm:styleLbl>
+  <dgm:styleLbl name="callout">
+    <dgm:scene3d>
+      <a:camera prst="orthographicFront"/>
+      <a:lightRig rig="threePt" dir="t"/>
+    </dgm:scene3d>
+    <dgm:sp3d z="127000" prstMaterial="matte"/>
+    <dgm:txPr/>
+    <dgm:style>
+      <a:lnRef idx="2">
+        <a:scrgbClr r="0" g="0" b="0"/>
+      </a:lnRef>
+      <a:fillRef idx="1">
+        <a:scrgbClr r="0" g="0" b="0"/>
+      </a:fillRef>
+      <a:effectRef idx="0">
+        <a:scrgbClr r="0" g="0" b="0"/>
+      </a:effectRef>
+      <a:fontRef idx="minor"/>
+    </dgm:style>
+  </dgm:styleLbl>
+  <dgm:styleLbl name="asst0">
+    <dgm:scene3d>
+      <a:camera prst="orthographicFront"/>
+      <a:lightRig rig="flat" dir="t"/>
+    </dgm:scene3d>
+    <dgm:sp3d prstMaterial="plastic">
+      <a:bevelT w="120900" h="88900"/>
+      <a:bevelB w="88900" h="31750" prst="angle"/>
+    </dgm:sp3d>
+    <dgm:txPr/>
+    <dgm:style>
+      <a:lnRef idx="0">
+        <a:scrgbClr r="0" g="0" b="0"/>
+      </a:lnRef>
+      <a:fillRef idx="3">
+        <a:scrgbClr r="0" g="0" b="0"/>
+      </a:fillRef>
+      <a:effectRef idx="1">
+        <a:scrgbClr r="0" g="0" b="0"/>
+      </a:effectRef>
+      <a:fontRef idx="minor">
+        <a:schemeClr val="lt1"/>
+      </a:fontRef>
+    </dgm:style>
+  </dgm:styleLbl>
+  <dgm:styleLbl name="asst1">
+    <dgm:scene3d>
+      <a:camera prst="orthographicFront"/>
+      <a:lightRig rig="flat" dir="t"/>
+    </dgm:scene3d>
+    <dgm:sp3d prstMaterial="plastic">
+      <a:bevelT w="120900" h="88900"/>
+      <a:bevelB w="88900" h="31750" prst="angle"/>
+    </dgm:sp3d>
+    <dgm:txPr/>
+    <dgm:style>
+      <a:lnRef idx="0">
+        <a:scrgbClr r="0" g="0" b="0"/>
+      </a:lnRef>
+      <a:fillRef idx="3">
+        <a:scrgbClr r="0" g="0" b="0"/>
+      </a:fillRef>
+      <a:effectRef idx="1">
+        <a:scrgbClr r="0" g="0" b="0"/>
+      </a:effectRef>
+      <a:fontRef idx="minor">
+        <a:schemeClr val="lt1"/>
+      </a:fontRef>
+    </dgm:style>
+  </dgm:styleLbl>
+  <dgm:styleLbl name="asst2">
+    <dgm:scene3d>
+      <a:camera prst="orthographicFront"/>
+      <a:lightRig rig="flat" dir="t"/>
+    </dgm:scene3d>
+    <dgm:sp3d prstMaterial="plastic">
+      <a:bevelT w="120900" h="88900"/>
+      <a:bevelB w="88900" h="31750" prst="angle"/>
+    </dgm:sp3d>
+    <dgm:txPr/>
+    <dgm:style>
+      <a:lnRef idx="0">
+        <a:scrgbClr r="0" g="0" b="0"/>
+      </a:lnRef>
+      <a:fillRef idx="3">
+        <a:scrgbClr r="0" g="0" b="0"/>
+      </a:fillRef>
+      <a:effectRef idx="1">
+        <a:scrgbClr r="0" g="0" b="0"/>
+      </a:effectRef>
+      <a:fontRef idx="minor">
+        <a:schemeClr val="lt1"/>
+      </a:fontRef>
+    </dgm:style>
+  </dgm:styleLbl>
+  <dgm:styleLbl name="asst3">
+    <dgm:scene3d>
+      <a:camera prst="orthographicFront"/>
+      <a:lightRig rig="flat" dir="t"/>
+    </dgm:scene3d>
+    <dgm:sp3d prstMaterial="plastic">
+      <a:bevelT w="120900" h="88900"/>
+      <a:bevelB w="88900" h="31750" prst="angle"/>
+    </dgm:sp3d>
+    <dgm:txPr/>
+    <dgm:style>
+      <a:lnRef idx="0">
+        <a:scrgbClr r="0" g="0" b="0"/>
+      </a:lnRef>
+      <a:fillRef idx="3">
+        <a:scrgbClr r="0" g="0" b="0"/>
+      </a:fillRef>
+      <a:effectRef idx="1">
+        <a:scrgbClr r="0" g="0" b="0"/>
+      </a:effectRef>
+      <a:fontRef idx="minor">
+        <a:schemeClr val="lt1"/>
+      </a:fontRef>
+    </dgm:style>
+  </dgm:styleLbl>
+  <dgm:styleLbl name="parChTrans2D1">
+    <dgm:scene3d>
+      <a:camera prst="orthographicFront"/>
+      <a:lightRig rig="flat" dir="t"/>
+    </dgm:scene3d>
+    <dgm:sp3d z="-100000" prstMaterial="plastic">
+      <a:bevelT w="120900" h="88900"/>
+      <a:bevelB w="88900" h="31750" prst="angle"/>
+    </dgm:sp3d>
+    <dgm:txPr/>
+    <dgm:style>
+      <a:lnRef idx="0">
+        <a:scrgbClr r="0" g="0" b="0"/>
+      </a:lnRef>
+      <a:fillRef idx="3">
+        <a:scrgbClr r="0" g="0" b="0"/>
+      </a:fillRef>
+      <a:effectRef idx="1">
+        <a:scrgbClr r="0" g="0" b="0"/>
+      </a:effectRef>
+      <a:fontRef idx="minor">
+        <a:schemeClr val="lt1"/>
+      </a:fontRef>
+    </dgm:style>
+  </dgm:styleLbl>
+  <dgm:styleLbl name="parChTrans2D2">
+    <dgm:scene3d>
+      <a:camera prst="orthographicFront"/>
+      <a:lightRig rig="flat" dir="t"/>
+    </dgm:scene3d>
+    <dgm:sp3d z="-60000" prstMaterial="plastic">
+      <a:bevelT w="120900" h="88900"/>
+      <a:bevelB w="88900" h="31750" prst="angle"/>
+    </dgm:sp3d>
+    <dgm:txPr/>
+    <dgm:style>
+      <a:lnRef idx="0">
+        <a:scrgbClr r="0" g="0" b="0"/>
+      </a:lnRef>
+      <a:fillRef idx="3">
+        <a:scrgbClr r="0" g="0" b="0"/>
+      </a:fillRef>
+      <a:effectRef idx="1">
+        <a:scrgbClr r="0" g="0" b="0"/>
+      </a:effectRef>
+      <a:fontRef idx="minor">
+        <a:schemeClr val="lt1"/>
+      </a:fontRef>
+    </dgm:style>
+  </dgm:styleLbl>
+  <dgm:styleLbl name="parChTrans2D3">
+    <dgm:scene3d>
+      <a:camera prst="orthographicFront"/>
+      <a:lightRig rig="flat" dir="t"/>
+    </dgm:scene3d>
+    <dgm:sp3d z="-60000" prstMaterial="plastic">
+      <a:bevelT w="120900" h="88900"/>
+      <a:bevelB w="88900" h="31750" prst="angle"/>
+    </dgm:sp3d>
+    <dgm:txPr/>
+    <dgm:style>
+      <a:lnRef idx="0">
+        <a:scrgbClr r="0" g="0" b="0"/>
+      </a:lnRef>
+      <a:fillRef idx="3">
+        <a:scrgbClr r="0" g="0" b="0"/>
+      </a:fillRef>
+      <a:effectRef idx="1">
+        <a:scrgbClr r="0" g="0" b="0"/>
+      </a:effectRef>
+      <a:fontRef idx="minor">
+        <a:schemeClr val="lt1"/>
+      </a:fontRef>
+    </dgm:style>
+  </dgm:styleLbl>
+  <dgm:styleLbl name="parChTrans2D4">
+    <dgm:scene3d>
+      <a:camera prst="orthographicFront"/>
+      <a:lightRig rig="flat" dir="t"/>
+    </dgm:scene3d>
+    <dgm:sp3d z="-60000" prstMaterial="plastic">
+      <a:bevelT w="120900" h="88900"/>
+      <a:bevelB w="88900" h="31750" prst="angle"/>
+    </dgm:sp3d>
+    <dgm:txPr/>
+    <dgm:style>
+      <a:lnRef idx="0">
+        <a:scrgbClr r="0" g="0" b="0"/>
+      </a:lnRef>
+      <a:fillRef idx="3">
+        <a:scrgbClr r="0" g="0" b="0"/>
+      </a:fillRef>
+      <a:effectRef idx="1">
+        <a:scrgbClr r="0" g="0" b="0"/>
+      </a:effectRef>
+      <a:fontRef idx="minor">
+        <a:schemeClr val="lt1"/>
+      </a:fontRef>
+    </dgm:style>
+  </dgm:styleLbl>
+  <dgm:styleLbl name="parChTrans1D1">
+    <dgm:scene3d>
+      <a:camera prst="orthographicFront"/>
+      <a:lightRig rig="flat" dir="t"/>
+    </dgm:scene3d>
+    <dgm:sp3d prstMaterial="matte"/>
+    <dgm:txPr/>
+    <dgm:style>
+      <a:lnRef idx="2">
+        <a:scrgbClr r="0" g="0" b="0"/>
+      </a:lnRef>
+      <a:fillRef idx="0">
+        <a:scrgbClr r="0" g="0" b="0"/>
+      </a:fillRef>
+      <a:effectRef idx="0">
+        <a:scrgbClr r="0" g="0" b="0"/>
+      </a:effectRef>
+      <a:fontRef idx="minor"/>
+    </dgm:style>
+  </dgm:styleLbl>
+  <dgm:styleLbl name="parChTrans1D2">
+    <dgm:scene3d>
+      <a:camera prst="orthographicFront"/>
+      <a:lightRig rig="flat" dir="t"/>
+    </dgm:scene3d>
+    <dgm:sp3d prstMaterial="matte"/>
+    <dgm:txPr/>
+    <dgm:style>
+      <a:lnRef idx="2">
+        <a:scrgbClr r="0" g="0" b="0"/>
+      </a:lnRef>
+      <a:fillRef idx="0">
+        <a:scrgbClr r="0" g="0" b="0"/>
+      </a:fillRef>
+      <a:effectRef idx="0">
+        <a:scrgbClr r="0" g="0" b="0"/>
+      </a:effectRef>
+      <a:fontRef idx="minor"/>
+    </dgm:style>
+  </dgm:styleLbl>
+  <dgm:styleLbl name="parChTrans1D3">
+    <dgm:scene3d>
+      <a:camera prst="orthographicFront"/>
+      <a:lightRig rig="flat" dir="t"/>
+    </dgm:scene3d>
+    <dgm:sp3d prstMaterial="matte"/>
+    <dgm:txPr/>
+    <dgm:style>
+      <a:lnRef idx="2">
+        <a:scrgbClr r="0" g="0" b="0"/>
+      </a:lnRef>
+      <a:fillRef idx="0">
+        <a:scrgbClr r="0" g="0" b="0"/>
+      </a:fillRef>
+      <a:effectRef idx="0">
+        <a:scrgbClr r="0" g="0" b="0"/>
+      </a:effectRef>
+      <a:fontRef idx="minor"/>
+    </dgm:style>
+  </dgm:styleLbl>
+  <dgm:styleLbl name="parChTrans1D4">
+    <dgm:scene3d>
+      <a:camera prst="orthographicFront"/>
+      <a:lightRig rig="flat" dir="t"/>
+    </dgm:scene3d>
+    <dgm:sp3d prstMaterial="matte"/>
+    <dgm:txPr/>
+    <dgm:style>
+      <a:lnRef idx="2">
+        <a:scrgbClr r="0" g="0" b="0"/>
+      </a:lnRef>
+      <a:fillRef idx="0">
+        <a:scrgbClr r="0" g="0" b="0"/>
+      </a:fillRef>
+      <a:effectRef idx="0">
+        <a:scrgbClr r="0" g="0" b="0"/>
+      </a:effectRef>
+      <a:fontRef idx="minor"/>
+    </dgm:style>
+  </dgm:styleLbl>
+  <dgm:styleLbl name="fgAcc1">
+    <dgm:scene3d>
+      <a:camera prst="orthographicFront"/>
+      <a:lightRig rig="flat" dir="t"/>
+    </dgm:scene3d>
+    <dgm:sp3d z="190500" extrusionH="12700" prstMaterial="plastic">
+      <a:bevelT w="50800" h="50800"/>
+    </dgm:sp3d>
+    <dgm:txPr/>
+    <dgm:style>
+      <a:lnRef idx="1">
+        <a:scrgbClr r="0" g="0" b="0"/>
+      </a:lnRef>
+      <a:fillRef idx="1">
+        <a:scrgbClr r="0" g="0" b="0"/>
+      </a:fillRef>
+      <a:effectRef idx="2">
+        <a:scrgbClr r="0" g="0" b="0"/>
+      </a:effectRef>
+      <a:fontRef idx="minor"/>
+    </dgm:style>
+  </dgm:styleLbl>
+  <dgm:styleLbl name="conFgAcc1">
+    <dgm:scene3d>
+      <a:camera prst="orthographicFront"/>
+      <a:lightRig rig="flat" dir="t"/>
+    </dgm:scene3d>
+    <dgm:sp3d z="190500" extrusionH="12700" prstMaterial="plastic">
+      <a:bevelT w="50800" h="50800"/>
+    </dgm:sp3d>
+    <dgm:txPr/>
+    <dgm:style>
+      <a:lnRef idx="1">
+        <a:scrgbClr r="0" g="0" b="0"/>
+      </a:lnRef>
+      <a:fillRef idx="1">
+        <a:scrgbClr r="0" g="0" b="0"/>
+      </a:fillRef>
+      <a:effectRef idx="2">
+        <a:scrgbClr r="0" g="0" b="0"/>
+      </a:effectRef>
+      <a:fontRef idx="minor"/>
+    </dgm:style>
+  </dgm:styleLbl>
+  <dgm:styleLbl name="alignAcc1">
+    <dgm:scene3d>
+      <a:camera prst="orthographicFront"/>
+      <a:lightRig rig="flat" dir="t"/>
+    </dgm:scene3d>
+    <dgm:sp3d extrusionH="12700" prstMaterial="plastic">
+      <a:bevelT w="50800" h="50800"/>
+    </dgm:sp3d>
+    <dgm:txPr/>
+    <dgm:style>
+      <a:lnRef idx="1">
+        <a:scrgbClr r="0" g="0" b="0"/>
+      </a:lnRef>
+      <a:fillRef idx="1">
+        <a:scrgbClr r="0" g="0" b="0"/>
+      </a:fillRef>
+      <a:effectRef idx="2">
+        <a:scrgbClr r="0" g="0" b="0"/>
+      </a:effectRef>
+      <a:fontRef idx="minor"/>
+    </dgm:style>
+  </dgm:styleLbl>
+  <dgm:styleLbl name="trAlignAcc1">
+    <dgm:scene3d>
+      <a:camera prst="orthographicFront"/>
+      <a:lightRig rig="flat" dir="t"/>
+    </dgm:scene3d>
+    <dgm:sp3d extrusionH="12700" prstMaterial="plastic">
+      <a:bevelT w="50800" h="50800"/>
+    </dgm:sp3d>
+    <dgm:txPr/>
+    <dgm:style>
+      <a:lnRef idx="1">
+        <a:scrgbClr r="0" g="0" b="0"/>
+      </a:lnRef>
+      <a:fillRef idx="1">
+        <a:scrgbClr r="0" g="0" b="0"/>
+      </a:fillRef>
+      <a:effectRef idx="2">
+        <a:scrgbClr r="0" g="0" b="0"/>
+      </a:effectRef>
+      <a:fontRef idx="minor"/>
+    </dgm:style>
+  </dgm:styleLbl>
+  <dgm:styleLbl name="bgAcc1">
+    <dgm:scene3d>
+      <a:camera prst="orthographicFront"/>
+      <a:lightRig rig="flat" dir="t"/>
+    </dgm:scene3d>
+    <dgm:sp3d z="-190500" extrusionH="12700" prstMaterial="plastic">
+      <a:bevelT w="50800" h="50800"/>
+    </dgm:sp3d>
+    <dgm:txPr/>
+    <dgm:style>
+      <a:lnRef idx="1">
+        <a:scrgbClr r="0" g="0" b="0"/>
+      </a:lnRef>
+      <a:fillRef idx="1">
+        <a:scrgbClr r="0" g="0" b="0"/>
+      </a:fillRef>
+      <a:effectRef idx="2">
+        <a:scrgbClr r="0" g="0" b="0"/>
+      </a:effectRef>
+      <a:fontRef idx="minor"/>
+    </dgm:style>
+  </dgm:styleLbl>
+  <dgm:styleLbl name="solidFgAcc1">
+    <dgm:scene3d>
+      <a:camera prst="orthographicFront"/>
+      <a:lightRig rig="flat" dir="t"/>
+    </dgm:scene3d>
+    <dgm:sp3d z="190500" extrusionH="12700" prstMaterial="plastic">
+      <a:bevelT w="50800" h="50800"/>
+    </dgm:sp3d>
+    <dgm:txPr/>
+    <dgm:style>
+      <a:lnRef idx="1">
+        <a:scrgbClr r="0" g="0" b="0"/>
+      </a:lnRef>
+      <a:fillRef idx="1">
+        <a:scrgbClr r="0" g="0" b="0"/>
+      </a:fillRef>
+      <a:effectRef idx="2">
+        <a:scrgbClr r="0" g="0" b="0"/>
+      </a:effectRef>
+      <a:fontRef idx="minor"/>
+    </dgm:style>
+  </dgm:styleLbl>
+  <dgm:styleLbl name="solidAlignAcc1">
+    <dgm:scene3d>
+      <a:camera prst="orthographicFront"/>
+      <a:lightRig rig="flat" dir="t"/>
+    </dgm:scene3d>
+    <dgm:sp3d extrusionH="12700" prstMaterial="plastic">
+      <a:bevelT w="50800" h="50800"/>
+    </dgm:sp3d>
+    <dgm:txPr/>
+    <dgm:style>
+      <a:lnRef idx="1">
+        <a:scrgbClr r="0" g="0" b="0"/>
+      </a:lnRef>
+      <a:fillRef idx="1">
+        <a:scrgbClr r="0" g="0" b="0"/>
+      </a:fillRef>
+      <a:effectRef idx="2">
+        <a:scrgbClr r="0" g="0" b="0"/>
+      </a:effectRef>
+      <a:fontRef idx="minor"/>
+    </dgm:style>
+  </dgm:styleLbl>
+  <dgm:styleLbl name="solidBgAcc1">
+    <dgm:scene3d>
+      <a:camera prst="orthographicFront"/>
+      <a:lightRig rig="flat" dir="t"/>
+    </dgm:scene3d>
+    <dgm:sp3d z="-190500" extrusionH="12700" prstMaterial="plastic">
+      <a:bevelT w="50800" h="50800"/>
+    </dgm:sp3d>
+    <dgm:txPr/>
+    <dgm:style>
+      <a:lnRef idx="1">
+        <a:scrgbClr r="0" g="0" b="0"/>
+      </a:lnRef>
+      <a:fillRef idx="1">
+        <a:scrgbClr r="0" g="0" b="0"/>
+      </a:fillRef>
+      <a:effectRef idx="2">
+        <a:scrgbClr r="0" g="0" b="0"/>
+      </a:effectRef>
+      <a:fontRef idx="minor"/>
+    </dgm:style>
+  </dgm:styleLbl>
+  <dgm:styleLbl name="fgAccFollowNode1">
+    <dgm:scene3d>
+      <a:camera prst="orthographicFront"/>
+      <a:lightRig rig="flat" dir="t"/>
+    </dgm:scene3d>
+    <dgm:sp3d z="190500" extrusionH="12700" prstMaterial="plastic">
+      <a:bevelT w="50800" h="50800"/>
+    </dgm:sp3d>
+    <dgm:txPr/>
+    <dgm:style>
+      <a:lnRef idx="1">
+        <a:scrgbClr r="0" g="0" b="0"/>
+      </a:lnRef>
+      <a:fillRef idx="1">
+        <a:scrgbClr r="0" g="0" b="0"/>
+      </a:fillRef>
+      <a:effectRef idx="2">
+        <a:scrgbClr r="0" g="0" b="0"/>
+      </a:effectRef>
+      <a:fontRef idx="minor"/>
+    </dgm:style>
+  </dgm:styleLbl>
+  <dgm:styleLbl name="alignAccFollowNode1">
+    <dgm:scene3d>
+      <a:camera prst="orthographicFront"/>
+      <a:lightRig rig="flat" dir="t"/>
+    </dgm:scene3d>
+    <dgm:sp3d extrusionH="12700" prstMaterial="plastic">
+      <a:bevelT w="50800" h="50800"/>
+    </dgm:sp3d>
+    <dgm:txPr/>
+    <dgm:style>
+      <a:lnRef idx="1">
+        <a:scrgbClr r="0" g="0" b="0"/>
+      </a:lnRef>
+      <a:fillRef idx="1">
+        <a:scrgbClr r="0" g="0" b="0"/>
+      </a:fillRef>
+      <a:effectRef idx="2">
+        <a:scrgbClr r="0" g="0" b="0"/>
+      </a:effectRef>
+      <a:fontRef idx="minor"/>
+    </dgm:style>
+  </dgm:styleLbl>
+  <dgm:styleLbl name="bgAccFollowNode1">
+    <dgm:scene3d>
+      <a:camera prst="orthographicFront"/>
+      <a:lightRig rig="flat" dir="t"/>
+    </dgm:scene3d>
+    <dgm:sp3d z="-190500" extrusionH="12700" prstMaterial="plastic">
+      <a:bevelT w="50800" h="50800"/>
+    </dgm:sp3d>
+    <dgm:txPr/>
+    <dgm:style>
+      <a:lnRef idx="1">
+        <a:scrgbClr r="0" g="0" b="0"/>
+      </a:lnRef>
+      <a:fillRef idx="1">
+        <a:scrgbClr r="0" g="0" b="0"/>
+      </a:fillRef>
+      <a:effectRef idx="2">
+        <a:scrgbClr r="0" g="0" b="0"/>
+      </a:effectRef>
+      <a:fontRef idx="minor"/>
+    </dgm:style>
+  </dgm:styleLbl>
+  <dgm:styleLbl name="fgAcc0">
+    <dgm:scene3d>
+      <a:camera prst="orthographicFront"/>
+      <a:lightRig rig="flat" dir="t"/>
+    </dgm:scene3d>
+    <dgm:sp3d z="190500" extrusionH="12700" prstMaterial="plastic">
+      <a:bevelT w="50800" h="50800"/>
+    </dgm:sp3d>
+    <dgm:txPr/>
+    <dgm:style>
+      <a:lnRef idx="1">
+        <a:scrgbClr r="0" g="0" b="0"/>
+      </a:lnRef>
+      <a:fillRef idx="1">
+        <a:scrgbClr r="0" g="0" b="0"/>
+      </a:fillRef>
+      <a:effectRef idx="2">
+        <a:scrgbClr r="0" g="0" b="0"/>
+      </a:effectRef>
+      <a:fontRef idx="minor"/>
+    </dgm:style>
+  </dgm:styleLbl>
+  <dgm:styleLbl name="fgAcc2">
+    <dgm:scene3d>
+      <a:camera prst="orthographicFront"/>
+      <a:lightRig rig="flat" dir="t"/>
+    </dgm:scene3d>
+    <dgm:sp3d z="190500" extrusionH="12700" prstMaterial="plastic">
+      <a:bevelT w="50800" h="50800"/>
+    </dgm:sp3d>
+    <dgm:txPr/>
+    <dgm:style>
+      <a:lnRef idx="1">
+        <a:scrgbClr r="0" g="0" b="0"/>
+      </a:lnRef>
+      <a:fillRef idx="1">
+        <a:scrgbClr r="0" g="0" b="0"/>
+      </a:fillRef>
+      <a:effectRef idx="2">
+        <a:scrgbClr r="0" g="0" b="0"/>
+      </a:effectRef>
+      <a:fontRef idx="minor"/>
+    </dgm:style>
+  </dgm:styleLbl>
+  <dgm:styleLbl name="fgAcc3">
+    <dgm:scene3d>
+      <a:camera prst="orthographicFront"/>
+      <a:lightRig rig="flat" dir="t"/>
+    </dgm:scene3d>
+    <dgm:sp3d z="190500" extrusionH="12700" prstMaterial="plastic">
+      <a:bevelT w="50800" h="50800"/>
+    </dgm:sp3d>
+    <dgm:txPr/>
+    <dgm:style>
+      <a:lnRef idx="1">
+        <a:scrgbClr r="0" g="0" b="0"/>
+      </a:lnRef>
+      <a:fillRef idx="1">
+        <a:scrgbClr r="0" g="0" b="0"/>
+      </a:fillRef>
+      <a:effectRef idx="2">
+        <a:scrgbClr r="0" g="0" b="0"/>
+      </a:effectRef>
+      <a:fontRef idx="minor"/>
+    </dgm:style>
+  </dgm:styleLbl>
+  <dgm:styleLbl name="fgAcc4">
+    <dgm:scene3d>
+      <a:camera prst="orthographicFront"/>
+      <a:lightRig rig="flat" dir="t"/>
+    </dgm:scene3d>
+    <dgm:sp3d z="190500" extrusionH="12700" prstMaterial="plastic">
+      <a:bevelT w="50800" h="50800"/>
+    </dgm:sp3d>
+    <dgm:txPr/>
+    <dgm:style>
+      <a:lnRef idx="1">
+        <a:scrgbClr r="0" g="0" b="0"/>
+      </a:lnRef>
+      <a:fillRef idx="1">
+        <a:scrgbClr r="0" g="0" b="0"/>
+      </a:fillRef>
+      <a:effectRef idx="2">
+        <a:scrgbClr r="0" g="0" b="0"/>
+      </a:effectRef>
+      <a:fontRef idx="minor"/>
+    </dgm:style>
+  </dgm:styleLbl>
+  <dgm:styleLbl name="bgShp">
+    <dgm:scene3d>
+      <a:camera prst="orthographicFront"/>
+      <a:lightRig rig="flat" dir="t"/>
+    </dgm:scene3d>
+    <dgm:sp3d z="-190500" extrusionH="12700" prstMaterial="plastic">
+      <a:bevelT w="50800" h="50800"/>
+    </dgm:sp3d>
+    <dgm:txPr/>
+    <dgm:style>
+      <a:lnRef idx="0">
+        <a:scrgbClr r="0" g="0" b="0"/>
+      </a:lnRef>
+      <a:fillRef idx="3">
+        <a:scrgbClr r="0" g="0" b="0"/>
+      </a:fillRef>
+      <a:effectRef idx="0">
+        <a:scrgbClr r="0" g="0" b="0"/>
+      </a:effectRef>
+      <a:fontRef idx="minor"/>
+    </dgm:style>
+  </dgm:styleLbl>
+  <dgm:styleLbl name="dkBgShp">
+    <dgm:scene3d>
+      <a:camera prst="orthographicFront"/>
+      <a:lightRig rig="flat" dir="t"/>
+    </dgm:scene3d>
+    <dgm:sp3d z="-190500" extrusionH="12700" prstMaterial="plastic">
+      <a:bevelT w="50800" h="50800"/>
+    </dgm:sp3d>
+    <dgm:txPr/>
+    <dgm:style>
+      <a:lnRef idx="0">
+        <a:scrgbClr r="0" g="0" b="0"/>
+      </a:lnRef>
+      <a:fillRef idx="2">
+        <a:scrgbClr r="0" g="0" b="0"/>
+      </a:fillRef>
+      <a:effectRef idx="0">
+        <a:scrgbClr r="0" g="0" b="0"/>
+      </a:effectRef>
+      <a:fontRef idx="minor"/>
+    </dgm:style>
+  </dgm:styleLbl>
+  <dgm:styleLbl name="trBgShp">
+    <dgm:scene3d>
+      <a:camera prst="orthographicFront"/>
+      <a:lightRig rig="flat" dir="t"/>
+    </dgm:scene3d>
+    <dgm:sp3d z="-190500" extrusionH="12700" prstMaterial="matte"/>
+    <dgm:txPr/>
+    <dgm:style>
+      <a:lnRef idx="0">
+        <a:scrgbClr r="0" g="0" b="0"/>
+      </a:lnRef>
+      <a:fillRef idx="1">
+        <a:scrgbClr r="0" g="0" b="0"/>
+      </a:fillRef>
+      <a:effectRef idx="0">
+        <a:scrgbClr r="0" g="0" b="0"/>
+      </a:effectRef>
+      <a:fontRef idx="minor"/>
+    </dgm:style>
+  </dgm:styleLbl>
+  <dgm:styleLbl name="fgShp">
+    <dgm:scene3d>
+      <a:camera prst="orthographicFront"/>
+      <a:lightRig rig="flat" dir="t"/>
+    </dgm:scene3d>
+    <dgm:sp3d z="190500" prstMaterial="plastic">
+      <a:bevelT w="120900" h="88900"/>
+      <a:bevelB w="88900" h="31750" prst="angle"/>
+    </dgm:sp3d>
+    <dgm:txPr/>
+    <dgm:style>
+      <a:lnRef idx="0">
+        <a:scrgbClr r="0" g="0" b="0"/>
+      </a:lnRef>
+      <a:fillRef idx="1">
+        <a:scrgbClr r="0" g="0" b="0"/>
+      </a:fillRef>
+      <a:effectRef idx="3">
+        <a:scrgbClr r="0" g="0" b="0"/>
+      </a:effectRef>
+      <a:fontRef idx="minor">
+        <a:schemeClr val="lt1"/>
+      </a:fontRef>
+    </dgm:style>
+  </dgm:styleLbl>
+  <dgm:styleLbl name="revTx">
+    <dgm:scene3d>
+      <a:camera prst="orthographicFront"/>
+      <a:lightRig rig="threePt" dir="t"/>
+    </dgm:scene3d>
+    <dgm:sp3d/>
+    <dgm:txPr/>
+    <dgm:style>
+      <a:lnRef idx="0">
+        <a:scrgbClr r="0" g="0" b="0"/>
+      </a:lnRef>
+      <a:fillRef idx="0">
+        <a:scrgbClr r="0" g="0" b="0"/>
+      </a:fillRef>
+      <a:effectRef idx="0">
+        <a:scrgbClr r="0" g="0" b="0"/>
+      </a:effectRef>
+      <a:fontRef idx="minor"/>
+    </dgm:style>
+  </dgm:styleLbl>
+</dgm:styleDef>
+</file>
+
+<file path=ppt/diagrams/quickStyle8.xml><?xml version="1.0" encoding="utf-8"?>
 <dgm:styleDef xmlns:dgm="http://schemas.openxmlformats.org/drawingml/2006/diagram" xmlns:a="http://schemas.openxmlformats.org/drawingml/2006/main" uniqueId="urn:microsoft.com/office/officeart/2005/8/quickstyle/3d1">
   <dgm:title val=""/>
   <dgm:desc val=""/>
@@ -29821,7 +33394,7 @@
           <a:p>
             <a:fld id="{D09D8D34-2EBD-4B97-B36B-987099F6080A}" type="datetimeFigureOut">
               <a:rPr lang="ru-RU" smtClean="0"/>
-              <a:t>03.04.2022</a:t>
+              <a:t>15.04.2022</a:t>
             </a:fld>
             <a:endParaRPr lang="ru-RU"/>
           </a:p>
@@ -29991,7 +33564,7 @@
           <a:p>
             <a:fld id="{D09D8D34-2EBD-4B97-B36B-987099F6080A}" type="datetimeFigureOut">
               <a:rPr lang="ru-RU" smtClean="0"/>
-              <a:t>03.04.2022</a:t>
+              <a:t>15.04.2022</a:t>
             </a:fld>
             <a:endParaRPr lang="ru-RU"/>
           </a:p>
@@ -30171,7 +33744,7 @@
           <a:p>
             <a:fld id="{D09D8D34-2EBD-4B97-B36B-987099F6080A}" type="datetimeFigureOut">
               <a:rPr lang="ru-RU" smtClean="0"/>
-              <a:t>03.04.2022</a:t>
+              <a:t>15.04.2022</a:t>
             </a:fld>
             <a:endParaRPr lang="ru-RU"/>
           </a:p>
@@ -30341,7 +33914,7 @@
           <a:p>
             <a:fld id="{D09D8D34-2EBD-4B97-B36B-987099F6080A}" type="datetimeFigureOut">
               <a:rPr lang="ru-RU" smtClean="0"/>
-              <a:t>03.04.2022</a:t>
+              <a:t>15.04.2022</a:t>
             </a:fld>
             <a:endParaRPr lang="ru-RU"/>
           </a:p>
@@ -30587,7 +34160,7 @@
           <a:p>
             <a:fld id="{D09D8D34-2EBD-4B97-B36B-987099F6080A}" type="datetimeFigureOut">
               <a:rPr lang="ru-RU" smtClean="0"/>
-              <a:t>03.04.2022</a:t>
+              <a:t>15.04.2022</a:t>
             </a:fld>
             <a:endParaRPr lang="ru-RU"/>
           </a:p>
@@ -30819,7 +34392,7 @@
           <a:p>
             <a:fld id="{D09D8D34-2EBD-4B97-B36B-987099F6080A}" type="datetimeFigureOut">
               <a:rPr lang="ru-RU" smtClean="0"/>
-              <a:t>03.04.2022</a:t>
+              <a:t>15.04.2022</a:t>
             </a:fld>
             <a:endParaRPr lang="ru-RU"/>
           </a:p>
@@ -31186,7 +34759,7 @@
           <a:p>
             <a:fld id="{D09D8D34-2EBD-4B97-B36B-987099F6080A}" type="datetimeFigureOut">
               <a:rPr lang="ru-RU" smtClean="0"/>
-              <a:t>03.04.2022</a:t>
+              <a:t>15.04.2022</a:t>
             </a:fld>
             <a:endParaRPr lang="ru-RU"/>
           </a:p>
@@ -31304,7 +34877,7 @@
           <a:p>
             <a:fld id="{D09D8D34-2EBD-4B97-B36B-987099F6080A}" type="datetimeFigureOut">
               <a:rPr lang="ru-RU" smtClean="0"/>
-              <a:t>03.04.2022</a:t>
+              <a:t>15.04.2022</a:t>
             </a:fld>
             <a:endParaRPr lang="ru-RU"/>
           </a:p>
@@ -31399,7 +34972,7 @@
           <a:p>
             <a:fld id="{D09D8D34-2EBD-4B97-B36B-987099F6080A}" type="datetimeFigureOut">
               <a:rPr lang="ru-RU" smtClean="0"/>
-              <a:t>03.04.2022</a:t>
+              <a:t>15.04.2022</a:t>
             </a:fld>
             <a:endParaRPr lang="ru-RU"/>
           </a:p>
@@ -31676,7 +35249,7 @@
           <a:p>
             <a:fld id="{D09D8D34-2EBD-4B97-B36B-987099F6080A}" type="datetimeFigureOut">
               <a:rPr lang="ru-RU" smtClean="0"/>
-              <a:t>03.04.2022</a:t>
+              <a:t>15.04.2022</a:t>
             </a:fld>
             <a:endParaRPr lang="ru-RU"/>
           </a:p>
@@ -31929,7 +35502,7 @@
           <a:p>
             <a:fld id="{D09D8D34-2EBD-4B97-B36B-987099F6080A}" type="datetimeFigureOut">
               <a:rPr lang="ru-RU" smtClean="0"/>
-              <a:t>03.04.2022</a:t>
+              <a:t>15.04.2022</a:t>
             </a:fld>
             <a:endParaRPr lang="ru-RU"/>
           </a:p>
@@ -32142,7 +35715,7 @@
           <a:p>
             <a:fld id="{D09D8D34-2EBD-4B97-B36B-987099F6080A}" type="datetimeFigureOut">
               <a:rPr lang="ru-RU" smtClean="0"/>
-              <a:t>03.04.2022</a:t>
+              <a:t>15.04.2022</a:t>
             </a:fld>
             <a:endParaRPr lang="ru-RU"/>
           </a:p>
@@ -32804,11 +36377,7 @@
           <a:p>
             <a:r>
               <a:rPr lang="en-US" dirty="0" smtClean="0"/>
-              <a:t>Lessons </a:t>
-            </a:r>
-            <a:r>
-              <a:rPr lang="en-US" dirty="0" smtClean="0"/>
-              <a:t>structure:</a:t>
+              <a:t>Lessons structure:</a:t>
             </a:r>
           </a:p>
           <a:p>
@@ -32817,11 +36386,7 @@
             </a:pPr>
             <a:r>
               <a:rPr lang="en-US" smtClean="0"/>
-              <a:t>Applications</a:t>
-            </a:r>
-            <a:r>
-              <a:rPr lang="en-US" smtClean="0"/>
-              <a:t> </a:t>
+              <a:t>Applications </a:t>
             </a:r>
             <a:r>
               <a:rPr lang="en-US" dirty="0" smtClean="0"/>
@@ -35122,6 +38687,180 @@
           </a:p>
         </p:txBody>
       </p:sp>
+      <p:pic>
+        <p:nvPicPr>
+          <p:cNvPr id="3" name="Рисунок 2"/>
+          <p:cNvPicPr>
+            <a:picLocks noChangeAspect="1"/>
+          </p:cNvPicPr>
+          <p:nvPr/>
+        </p:nvPicPr>
+        <p:blipFill>
+          <a:blip r:embed="rId7">
+            <a:extLst>
+              <a:ext uri="{28A0092B-C50C-407E-A947-70E740481C1C}">
+                <a14:useLocalDpi xmlns:a14="http://schemas.microsoft.com/office/drawing/2010/main" val="0"/>
+              </a:ext>
+            </a:extLst>
+          </a:blip>
+          <a:stretch>
+            <a:fillRect/>
+          </a:stretch>
+        </p:blipFill>
+        <p:spPr>
+          <a:xfrm>
+            <a:off x="174653" y="1343018"/>
+            <a:ext cx="4805091" cy="2089170"/>
+          </a:xfrm>
+          <a:prstGeom prst="rect">
+            <a:avLst/>
+          </a:prstGeom>
+        </p:spPr>
+      </p:pic>
+      <p:sp>
+        <p:nvSpPr>
+          <p:cNvPr id="7" name="Прямоугольник 6"/>
+          <p:cNvSpPr/>
+          <p:nvPr/>
+        </p:nvSpPr>
+        <p:spPr>
+          <a:xfrm>
+            <a:off x="492462" y="3418105"/>
+            <a:ext cx="4937755" cy="307777"/>
+          </a:xfrm>
+          <a:prstGeom prst="rect">
+            <a:avLst/>
+          </a:prstGeom>
+        </p:spPr>
+        <p:txBody>
+          <a:bodyPr wrap="square">
+            <a:spAutoFit/>
+          </a:bodyPr>
+          <a:lstStyle/>
+          <a:p>
+            <a:pPr algn="ctr"/>
+            <a:r>
+              <a:rPr lang="en-US" sz="1400" dirty="0">
+                <a:solidFill>
+                  <a:srgbClr val="000000"/>
+                </a:solidFill>
+              </a:rPr>
+              <a:t>CIC filter applications: (a) for decimation; (b) for interpolation</a:t>
+            </a:r>
+            <a:endParaRPr lang="ru-RU" sz="1400" dirty="0"/>
+          </a:p>
+        </p:txBody>
+      </p:sp>
+      <p:pic>
+        <p:nvPicPr>
+          <p:cNvPr id="8" name="Рисунок 7"/>
+          <p:cNvPicPr>
+            <a:picLocks noChangeAspect="1"/>
+          </p:cNvPicPr>
+          <p:nvPr/>
+        </p:nvPicPr>
+        <p:blipFill>
+          <a:blip r:embed="rId8">
+            <a:extLst>
+              <a:ext uri="{28A0092B-C50C-407E-A947-70E740481C1C}">
+                <a14:useLocalDpi xmlns:a14="http://schemas.microsoft.com/office/drawing/2010/main" val="0"/>
+              </a:ext>
+            </a:extLst>
+          </a:blip>
+          <a:stretch>
+            <a:fillRect/>
+          </a:stretch>
+        </p:blipFill>
+        <p:spPr>
+          <a:xfrm>
+            <a:off x="5430217" y="1535269"/>
+            <a:ext cx="6074598" cy="2036724"/>
+          </a:xfrm>
+          <a:prstGeom prst="rect">
+            <a:avLst/>
+          </a:prstGeom>
+        </p:spPr>
+      </p:pic>
+      <p:sp>
+        <p:nvSpPr>
+          <p:cNvPr id="9" name="Прямоугольник 8"/>
+          <p:cNvSpPr/>
+          <p:nvPr/>
+        </p:nvSpPr>
+        <p:spPr>
+          <a:xfrm>
+            <a:off x="6131564" y="3387327"/>
+            <a:ext cx="4443909" cy="307777"/>
+          </a:xfrm>
+          <a:prstGeom prst="rect">
+            <a:avLst/>
+          </a:prstGeom>
+        </p:spPr>
+        <p:txBody>
+          <a:bodyPr wrap="none">
+            <a:spAutoFit/>
+          </a:bodyPr>
+          <a:lstStyle/>
+          <a:p>
+            <a:pPr algn="ctr"/>
+            <a:r>
+              <a:rPr lang="en-US" sz="1400" dirty="0">
+                <a:solidFill>
+                  <a:srgbClr val="000000"/>
+                </a:solidFill>
+              </a:rPr>
+              <a:t>CIC filter </a:t>
+            </a:r>
+            <a:r>
+              <a:rPr lang="en-US" sz="1400" dirty="0" smtClean="0">
+                <a:solidFill>
+                  <a:srgbClr val="000000"/>
+                </a:solidFill>
+              </a:rPr>
+              <a:t>structure: </a:t>
+            </a:r>
+            <a:r>
+              <a:rPr lang="en-US" sz="1400" dirty="0">
+                <a:solidFill>
+                  <a:srgbClr val="000000"/>
+                </a:solidFill>
+              </a:rPr>
+              <a:t>(a) for decimation; (b) for interpolation</a:t>
+            </a:r>
+            <a:endParaRPr lang="ru-RU" sz="1400" dirty="0"/>
+          </a:p>
+        </p:txBody>
+      </p:sp>
+      <p:pic>
+        <p:nvPicPr>
+          <p:cNvPr id="10" name="Рисунок 9"/>
+          <p:cNvPicPr>
+            <a:picLocks noChangeAspect="1"/>
+          </p:cNvPicPr>
+          <p:nvPr/>
+        </p:nvPicPr>
+        <p:blipFill>
+          <a:blip r:embed="rId9">
+            <a:extLst>
+              <a:ext uri="{28A0092B-C50C-407E-A947-70E740481C1C}">
+                <a14:useLocalDpi xmlns:a14="http://schemas.microsoft.com/office/drawing/2010/main" val="0"/>
+              </a:ext>
+            </a:extLst>
+          </a:blip>
+          <a:stretch>
+            <a:fillRect/>
+          </a:stretch>
+        </p:blipFill>
+        <p:spPr>
+          <a:xfrm>
+            <a:off x="5649942" y="4194725"/>
+            <a:ext cx="5703858" cy="2293943"/>
+          </a:xfrm>
+          <a:prstGeom prst="rect">
+            <a:avLst/>
+          </a:prstGeom>
+        </p:spPr>
+      </p:pic>
     </p:spTree>
     <p:extLst>
       <p:ext uri="{BB962C8B-B14F-4D97-AF65-F5344CB8AC3E}">
@@ -35308,25 +39047,6 @@
       </p:sp>
       <p:sp>
         <p:nvSpPr>
-          <p:cNvPr id="3" name="Объект 2"/>
-          <p:cNvSpPr>
-            <a:spLocks noGrp="1"/>
-          </p:cNvSpPr>
-          <p:nvPr>
-            <p:ph idx="1"/>
-          </p:nvPr>
-        </p:nvSpPr>
-        <p:spPr/>
-        <p:txBody>
-          <a:bodyPr/>
-          <a:lstStyle/>
-          <a:p>
-            <a:endParaRPr lang="ru-RU"/>
-          </a:p>
-        </p:txBody>
-      </p:sp>
-      <p:sp>
-        <p:nvSpPr>
           <p:cNvPr id="4" name="Прямоугольник 3"/>
           <p:cNvSpPr/>
           <p:nvPr/>
@@ -35354,6 +39074,246 @@
           </a:p>
         </p:txBody>
       </p:sp>
+      <p:pic>
+        <p:nvPicPr>
+          <p:cNvPr id="5" name="Рисунок 4"/>
+          <p:cNvPicPr>
+            <a:picLocks noChangeAspect="1"/>
+          </p:cNvPicPr>
+          <p:nvPr/>
+        </p:nvPicPr>
+        <p:blipFill>
+          <a:blip r:embed="rId2">
+            <a:extLst>
+              <a:ext uri="{28A0092B-C50C-407E-A947-70E740481C1C}">
+                <a14:useLocalDpi xmlns:a14="http://schemas.microsoft.com/office/drawing/2010/main" val="0"/>
+              </a:ext>
+            </a:extLst>
+          </a:blip>
+          <a:stretch>
+            <a:fillRect/>
+          </a:stretch>
+        </p:blipFill>
+        <p:spPr>
+          <a:xfrm>
+            <a:off x="685886" y="1378748"/>
+            <a:ext cx="4212203" cy="2706340"/>
+          </a:xfrm>
+          <a:prstGeom prst="rect">
+            <a:avLst/>
+          </a:prstGeom>
+        </p:spPr>
+      </p:pic>
+      <p:pic>
+        <p:nvPicPr>
+          <p:cNvPr id="6" name="Рисунок 5"/>
+          <p:cNvPicPr>
+            <a:picLocks noChangeAspect="1"/>
+          </p:cNvPicPr>
+          <p:nvPr/>
+        </p:nvPicPr>
+        <p:blipFill>
+          <a:blip r:embed="rId3">
+            <a:extLst>
+              <a:ext uri="{28A0092B-C50C-407E-A947-70E740481C1C}">
+                <a14:useLocalDpi xmlns:a14="http://schemas.microsoft.com/office/drawing/2010/main" val="0"/>
+              </a:ext>
+            </a:extLst>
+          </a:blip>
+          <a:stretch>
+            <a:fillRect/>
+          </a:stretch>
+        </p:blipFill>
+        <p:spPr>
+          <a:xfrm>
+            <a:off x="685886" y="4484535"/>
+            <a:ext cx="4516830" cy="1942237"/>
+          </a:xfrm>
+          <a:prstGeom prst="rect">
+            <a:avLst/>
+          </a:prstGeom>
+        </p:spPr>
+      </p:pic>
+      <p:pic>
+        <p:nvPicPr>
+          <p:cNvPr id="7" name="Рисунок 6"/>
+          <p:cNvPicPr>
+            <a:picLocks noChangeAspect="1"/>
+          </p:cNvPicPr>
+          <p:nvPr/>
+        </p:nvPicPr>
+        <p:blipFill>
+          <a:blip r:embed="rId4">
+            <a:extLst>
+              <a:ext uri="{28A0092B-C50C-407E-A947-70E740481C1C}">
+                <a14:useLocalDpi xmlns:a14="http://schemas.microsoft.com/office/drawing/2010/main" val="0"/>
+              </a:ext>
+            </a:extLst>
+          </a:blip>
+          <a:stretch>
+            <a:fillRect/>
+          </a:stretch>
+        </p:blipFill>
+        <p:spPr>
+          <a:xfrm>
+            <a:off x="6981246" y="1378748"/>
+            <a:ext cx="3335488" cy="2613000"/>
+          </a:xfrm>
+          <a:prstGeom prst="rect">
+            <a:avLst/>
+          </a:prstGeom>
+        </p:spPr>
+      </p:pic>
+      <p:graphicFrame>
+        <p:nvGraphicFramePr>
+          <p:cNvPr id="8" name="Схема 7"/>
+          <p:cNvGraphicFramePr/>
+          <p:nvPr>
+            <p:extLst>
+              <p:ext uri="{D42A27DB-BD31-4B8C-83A1-F6EECF244321}">
+                <p14:modId xmlns:p14="http://schemas.microsoft.com/office/powerpoint/2010/main" val="3150843466"/>
+              </p:ext>
+            </p:extLst>
+          </p:nvPr>
+        </p:nvGraphicFramePr>
+        <p:xfrm>
+          <a:off x="6746516" y="4860510"/>
+          <a:ext cx="3804948" cy="1190286"/>
+        </p:xfrm>
+        <a:graphic>
+          <a:graphicData uri="http://schemas.openxmlformats.org/drawingml/2006/diagram">
+            <dgm:relIds xmlns:dgm="http://schemas.openxmlformats.org/drawingml/2006/diagram" xmlns:r="http://schemas.openxmlformats.org/officeDocument/2006/relationships" r:dm="rId5" r:lo="rId6" r:qs="rId7" r:cs="rId8"/>
+          </a:graphicData>
+        </a:graphic>
+      </p:graphicFrame>
+      <p:sp>
+        <p:nvSpPr>
+          <p:cNvPr id="9" name="TextBox 8"/>
+          <p:cNvSpPr txBox="1"/>
+          <p:nvPr/>
+        </p:nvSpPr>
+        <p:spPr>
+          <a:xfrm>
+            <a:off x="788183" y="6272883"/>
+            <a:ext cx="4007607" cy="307777"/>
+          </a:xfrm>
+          <a:prstGeom prst="rect">
+            <a:avLst/>
+          </a:prstGeom>
+          <a:noFill/>
+        </p:spPr>
+        <p:txBody>
+          <a:bodyPr wrap="square" rtlCol="0">
+            <a:spAutoFit/>
+          </a:bodyPr>
+          <a:lstStyle/>
+          <a:p>
+            <a:pPr algn="ctr"/>
+            <a:r>
+              <a:rPr lang="en-US" sz="1400" dirty="0" smtClean="0"/>
+              <a:t>IQ demodulation by using Hilbert Transform</a:t>
+            </a:r>
+            <a:endParaRPr lang="ru-RU" sz="1400" dirty="0"/>
+          </a:p>
+        </p:txBody>
+      </p:sp>
+      <p:sp>
+        <p:nvSpPr>
+          <p:cNvPr id="10" name="TextBox 9"/>
+          <p:cNvSpPr txBox="1"/>
+          <p:nvPr/>
+        </p:nvSpPr>
+        <p:spPr>
+          <a:xfrm>
+            <a:off x="685886" y="4085088"/>
+            <a:ext cx="4007607" cy="307777"/>
+          </a:xfrm>
+          <a:prstGeom prst="rect">
+            <a:avLst/>
+          </a:prstGeom>
+          <a:noFill/>
+        </p:spPr>
+        <p:txBody>
+          <a:bodyPr wrap="square" rtlCol="0">
+            <a:spAutoFit/>
+          </a:bodyPr>
+          <a:lstStyle/>
+          <a:p>
+            <a:pPr algn="ctr"/>
+            <a:r>
+              <a:rPr lang="en-US" sz="1400" dirty="0" smtClean="0"/>
+              <a:t>Representation of an analytical signal </a:t>
+            </a:r>
+            <a:endParaRPr lang="ru-RU" sz="1400" dirty="0"/>
+          </a:p>
+        </p:txBody>
+      </p:sp>
+      <p:sp>
+        <p:nvSpPr>
+          <p:cNvPr id="11" name="TextBox 10"/>
+          <p:cNvSpPr txBox="1"/>
+          <p:nvPr/>
+        </p:nvSpPr>
+        <p:spPr>
+          <a:xfrm>
+            <a:off x="6645186" y="4114861"/>
+            <a:ext cx="4007607" cy="307777"/>
+          </a:xfrm>
+          <a:prstGeom prst="rect">
+            <a:avLst/>
+          </a:prstGeom>
+          <a:noFill/>
+        </p:spPr>
+        <p:txBody>
+          <a:bodyPr wrap="square" rtlCol="0">
+            <a:spAutoFit/>
+          </a:bodyPr>
+          <a:lstStyle/>
+          <a:p>
+            <a:pPr algn="ctr"/>
+            <a:r>
+              <a:rPr lang="en-US" sz="1400" dirty="0" smtClean="0"/>
+              <a:t>Hilbert Transform impulse response</a:t>
+            </a:r>
+            <a:endParaRPr lang="ru-RU" sz="1400" dirty="0"/>
+          </a:p>
+        </p:txBody>
+      </p:sp>
+      <p:sp>
+        <p:nvSpPr>
+          <p:cNvPr id="12" name="TextBox 11"/>
+          <p:cNvSpPr txBox="1"/>
+          <p:nvPr/>
+        </p:nvSpPr>
+        <p:spPr>
+          <a:xfrm>
+            <a:off x="6746516" y="6272882"/>
+            <a:ext cx="4007607" cy="307777"/>
+          </a:xfrm>
+          <a:prstGeom prst="rect">
+            <a:avLst/>
+          </a:prstGeom>
+          <a:noFill/>
+        </p:spPr>
+        <p:txBody>
+          <a:bodyPr wrap="square" rtlCol="0">
+            <a:spAutoFit/>
+          </a:bodyPr>
+          <a:lstStyle/>
+          <a:p>
+            <a:pPr algn="ctr"/>
+            <a:r>
+              <a:rPr lang="en-US" sz="1400" dirty="0" smtClean="0"/>
+              <a:t>Testbench for </a:t>
+            </a:r>
+            <a:r>
+              <a:rPr lang="en-US" sz="1400" dirty="0" smtClean="0"/>
+              <a:t>Hilbert Transform with FIR Compiler</a:t>
+            </a:r>
+            <a:endParaRPr lang="ru-RU" sz="1400" dirty="0"/>
+          </a:p>
+        </p:txBody>
+      </p:sp>
     </p:spTree>
     <p:extLst>
       <p:ext uri="{BB962C8B-B14F-4D97-AF65-F5344CB8AC3E}">
@@ -35367,9 +39327,234 @@
   <p:timing>
     <p:tnLst>
       <p:par>
-        <p:cTn id="1" dur="indefinite" restart="never" nodeType="tmRoot"/>
+        <p:cTn id="1" dur="indefinite" restart="never" nodeType="tmRoot">
+          <p:childTnLst>
+            <p:seq concurrent="1" nextAc="seek">
+              <p:cTn id="2" dur="indefinite" nodeType="mainSeq">
+                <p:childTnLst>
+                  <p:par>
+                    <p:cTn id="3" fill="hold">
+                      <p:stCondLst>
+                        <p:cond delay="indefinite"/>
+                      </p:stCondLst>
+                      <p:childTnLst>
+                        <p:par>
+                          <p:cTn id="4" fill="hold">
+                            <p:stCondLst>
+                              <p:cond delay="0"/>
+                            </p:stCondLst>
+                            <p:childTnLst>
+                              <p:par>
+                                <p:cTn id="5" presetID="22" presetClass="entr" presetSubtype="4" fill="hold" grpId="0" nodeType="clickEffect">
+                                  <p:stCondLst>
+                                    <p:cond delay="0"/>
+                                  </p:stCondLst>
+                                  <p:childTnLst>
+                                    <p:set>
+                                      <p:cBhvr>
+                                        <p:cTn id="6" dur="1" fill="hold">
+                                          <p:stCondLst>
+                                            <p:cond delay="0"/>
+                                          </p:stCondLst>
+                                        </p:cTn>
+                                        <p:tgtEl>
+                                          <p:spTgt spid="8"/>
+                                        </p:tgtEl>
+                                        <p:attrNameLst>
+                                          <p:attrName>style.visibility</p:attrName>
+                                        </p:attrNameLst>
+                                      </p:cBhvr>
+                                      <p:to>
+                                        <p:strVal val="visible"/>
+                                      </p:to>
+                                    </p:set>
+                                    <p:animEffect transition="in" filter="wipe(down)">
+                                      <p:cBhvr>
+                                        <p:cTn id="7" dur="750"/>
+                                        <p:tgtEl>
+                                          <p:spTgt spid="8"/>
+                                        </p:tgtEl>
+                                      </p:cBhvr>
+                                    </p:animEffect>
+                                  </p:childTnLst>
+                                </p:cTn>
+                              </p:par>
+                              <p:par>
+                                <p:cTn id="8" presetID="22" presetClass="entr" presetSubtype="4" fill="hold" grpId="0" nodeType="withEffect">
+                                  <p:stCondLst>
+                                    <p:cond delay="0"/>
+                                  </p:stCondLst>
+                                  <p:childTnLst>
+                                    <p:set>
+                                      <p:cBhvr>
+                                        <p:cTn id="9" dur="1" fill="hold">
+                                          <p:stCondLst>
+                                            <p:cond delay="0"/>
+                                          </p:stCondLst>
+                                        </p:cTn>
+                                        <p:tgtEl>
+                                          <p:spTgt spid="9"/>
+                                        </p:tgtEl>
+                                        <p:attrNameLst>
+                                          <p:attrName>style.visibility</p:attrName>
+                                        </p:attrNameLst>
+                                      </p:cBhvr>
+                                      <p:to>
+                                        <p:strVal val="visible"/>
+                                      </p:to>
+                                    </p:set>
+                                    <p:animEffect transition="in" filter="wipe(down)">
+                                      <p:cBhvr>
+                                        <p:cTn id="10" dur="750"/>
+                                        <p:tgtEl>
+                                          <p:spTgt spid="9"/>
+                                        </p:tgtEl>
+                                      </p:cBhvr>
+                                    </p:animEffect>
+                                  </p:childTnLst>
+                                </p:cTn>
+                              </p:par>
+                              <p:par>
+                                <p:cTn id="11" presetID="22" presetClass="entr" presetSubtype="4" fill="hold" grpId="0" nodeType="withEffect">
+                                  <p:stCondLst>
+                                    <p:cond delay="0"/>
+                                  </p:stCondLst>
+                                  <p:childTnLst>
+                                    <p:set>
+                                      <p:cBhvr>
+                                        <p:cTn id="12" dur="1" fill="hold">
+                                          <p:stCondLst>
+                                            <p:cond delay="0"/>
+                                          </p:stCondLst>
+                                        </p:cTn>
+                                        <p:tgtEl>
+                                          <p:spTgt spid="10"/>
+                                        </p:tgtEl>
+                                        <p:attrNameLst>
+                                          <p:attrName>style.visibility</p:attrName>
+                                        </p:attrNameLst>
+                                      </p:cBhvr>
+                                      <p:to>
+                                        <p:strVal val="visible"/>
+                                      </p:to>
+                                    </p:set>
+                                    <p:animEffect transition="in" filter="wipe(down)">
+                                      <p:cBhvr>
+                                        <p:cTn id="13" dur="750"/>
+                                        <p:tgtEl>
+                                          <p:spTgt spid="10"/>
+                                        </p:tgtEl>
+                                      </p:cBhvr>
+                                    </p:animEffect>
+                                  </p:childTnLst>
+                                </p:cTn>
+                              </p:par>
+                              <p:par>
+                                <p:cTn id="14" presetID="22" presetClass="entr" presetSubtype="4" fill="hold" grpId="0" nodeType="withEffect">
+                                  <p:stCondLst>
+                                    <p:cond delay="0"/>
+                                  </p:stCondLst>
+                                  <p:childTnLst>
+                                    <p:set>
+                                      <p:cBhvr>
+                                        <p:cTn id="15" dur="1" fill="hold">
+                                          <p:stCondLst>
+                                            <p:cond delay="0"/>
+                                          </p:stCondLst>
+                                        </p:cTn>
+                                        <p:tgtEl>
+                                          <p:spTgt spid="11"/>
+                                        </p:tgtEl>
+                                        <p:attrNameLst>
+                                          <p:attrName>style.visibility</p:attrName>
+                                        </p:attrNameLst>
+                                      </p:cBhvr>
+                                      <p:to>
+                                        <p:strVal val="visible"/>
+                                      </p:to>
+                                    </p:set>
+                                    <p:animEffect transition="in" filter="wipe(down)">
+                                      <p:cBhvr>
+                                        <p:cTn id="16" dur="750"/>
+                                        <p:tgtEl>
+                                          <p:spTgt spid="11"/>
+                                        </p:tgtEl>
+                                      </p:cBhvr>
+                                    </p:animEffect>
+                                  </p:childTnLst>
+                                </p:cTn>
+                              </p:par>
+                              <p:par>
+                                <p:cTn id="17" presetID="22" presetClass="entr" presetSubtype="4" fill="hold" grpId="0" nodeType="withEffect">
+                                  <p:stCondLst>
+                                    <p:cond delay="0"/>
+                                  </p:stCondLst>
+                                  <p:childTnLst>
+                                    <p:set>
+                                      <p:cBhvr>
+                                        <p:cTn id="18" dur="1" fill="hold">
+                                          <p:stCondLst>
+                                            <p:cond delay="0"/>
+                                          </p:stCondLst>
+                                        </p:cTn>
+                                        <p:tgtEl>
+                                          <p:spTgt spid="12"/>
+                                        </p:tgtEl>
+                                        <p:attrNameLst>
+                                          <p:attrName>style.visibility</p:attrName>
+                                        </p:attrNameLst>
+                                      </p:cBhvr>
+                                      <p:to>
+                                        <p:strVal val="visible"/>
+                                      </p:to>
+                                    </p:set>
+                                    <p:animEffect transition="in" filter="wipe(down)">
+                                      <p:cBhvr>
+                                        <p:cTn id="19" dur="750"/>
+                                        <p:tgtEl>
+                                          <p:spTgt spid="12"/>
+                                        </p:tgtEl>
+                                      </p:cBhvr>
+                                    </p:animEffect>
+                                  </p:childTnLst>
+                                </p:cTn>
+                              </p:par>
+                            </p:childTnLst>
+                          </p:cTn>
+                        </p:par>
+                      </p:childTnLst>
+                    </p:cTn>
+                  </p:par>
+                </p:childTnLst>
+              </p:cTn>
+              <p:prevCondLst>
+                <p:cond evt="onPrev" delay="0">
+                  <p:tgtEl>
+                    <p:sldTgt/>
+                  </p:tgtEl>
+                </p:cond>
+              </p:prevCondLst>
+              <p:nextCondLst>
+                <p:cond evt="onNext" delay="0">
+                  <p:tgtEl>
+                    <p:sldTgt/>
+                  </p:tgtEl>
+                </p:cond>
+              </p:nextCondLst>
+            </p:seq>
+          </p:childTnLst>
+        </p:cTn>
       </p:par>
     </p:tnLst>
+    <p:bldLst>
+      <p:bldGraphic spid="8" grpId="0">
+        <p:bldAsOne/>
+      </p:bldGraphic>
+      <p:bldP spid="9" grpId="0"/>
+      <p:bldP spid="10" grpId="0"/>
+      <p:bldP spid="11" grpId="0"/>
+      <p:bldP spid="12" grpId="0"/>
+    </p:bldLst>
   </p:timing>
 </p:sld>
 </file>
@@ -35409,6 +39594,14 @@
             <a:r>
               <a:rPr lang="en-US" dirty="0" smtClean="0"/>
               <a:t>FFT IP core: FFT</a:t>
+            </a:r>
+            <a:r>
+              <a:rPr lang="ru-RU" dirty="0" smtClean="0"/>
+              <a:t> </a:t>
+            </a:r>
+            <a:r>
+              <a:rPr lang="en-US" dirty="0" smtClean="0"/>
+              <a:t>and IFFT</a:t>
             </a:r>
             <a:endParaRPr lang="ru-RU" dirty="0"/>
           </a:p>
@@ -35466,114 +39659,6 @@
     <p:extLst>
       <p:ext uri="{BB962C8B-B14F-4D97-AF65-F5344CB8AC3E}">
         <p14:creationId xmlns:p14="http://schemas.microsoft.com/office/powerpoint/2010/main" val="3415714218"/>
-      </p:ext>
-    </p:extLst>
-  </p:cSld>
-  <p:clrMapOvr>
-    <a:masterClrMapping/>
-  </p:clrMapOvr>
-  <p:timing>
-    <p:tnLst>
-      <p:par>
-        <p:cTn id="1" dur="indefinite" restart="never" nodeType="tmRoot"/>
-      </p:par>
-    </p:tnLst>
-  </p:timing>
-</p:sld>
-</file>
-
-<file path=ppt/slides/slide9.xml><?xml version="1.0" encoding="utf-8"?>
-<p:sld xmlns:a="http://schemas.openxmlformats.org/drawingml/2006/main" xmlns:r="http://schemas.openxmlformats.org/officeDocument/2006/relationships" xmlns:p="http://schemas.openxmlformats.org/presentationml/2006/main">
-  <p:cSld>
-    <p:spTree>
-      <p:nvGrpSpPr>
-        <p:cNvPr id="1" name=""/>
-        <p:cNvGrpSpPr/>
-        <p:nvPr/>
-      </p:nvGrpSpPr>
-      <p:grpSpPr>
-        <a:xfrm>
-          <a:off x="0" y="0"/>
-          <a:ext cx="0" cy="0"/>
-          <a:chOff x="0" y="0"/>
-          <a:chExt cx="0" cy="0"/>
-        </a:xfrm>
-      </p:grpSpPr>
-      <p:sp>
-        <p:nvSpPr>
-          <p:cNvPr id="2" name="Заголовок 1"/>
-          <p:cNvSpPr>
-            <a:spLocks noGrp="1"/>
-          </p:cNvSpPr>
-          <p:nvPr>
-            <p:ph type="title"/>
-          </p:nvPr>
-        </p:nvSpPr>
-        <p:spPr/>
-        <p:txBody>
-          <a:bodyPr/>
-          <a:lstStyle/>
-          <a:p>
-            <a:r>
-              <a:rPr lang="en-US" dirty="0" smtClean="0"/>
-              <a:t>FFT IP core: IFFT</a:t>
-            </a:r>
-            <a:endParaRPr lang="ru-RU" dirty="0"/>
-          </a:p>
-        </p:txBody>
-      </p:sp>
-      <p:sp>
-        <p:nvSpPr>
-          <p:cNvPr id="3" name="Объект 2"/>
-          <p:cNvSpPr>
-            <a:spLocks noGrp="1"/>
-          </p:cNvSpPr>
-          <p:nvPr>
-            <p:ph idx="1"/>
-          </p:nvPr>
-        </p:nvSpPr>
-        <p:spPr/>
-        <p:txBody>
-          <a:bodyPr/>
-          <a:lstStyle/>
-          <a:p>
-            <a:endParaRPr lang="ru-RU"/>
-          </a:p>
-        </p:txBody>
-      </p:sp>
-      <p:sp>
-        <p:nvSpPr>
-          <p:cNvPr id="4" name="Прямоугольник 3"/>
-          <p:cNvSpPr/>
-          <p:nvPr/>
-        </p:nvSpPr>
-        <p:spPr>
-          <a:xfrm>
-            <a:off x="9019657" y="6488668"/>
-            <a:ext cx="3172343" cy="369332"/>
-          </a:xfrm>
-          <a:prstGeom prst="rect">
-            <a:avLst/>
-          </a:prstGeom>
-        </p:spPr>
-        <p:txBody>
-          <a:bodyPr wrap="none">
-            <a:spAutoFit/>
-          </a:bodyPr>
-          <a:lstStyle/>
-          <a:p>
-            <a:r>
-              <a:rPr lang="en-US" dirty="0"/>
-              <a:t>aleksei.rostov@protonmail.com</a:t>
-            </a:r>
-            <a:endParaRPr lang="ru-RU" dirty="0"/>
-          </a:p>
-        </p:txBody>
-      </p:sp>
-    </p:spTree>
-    <p:extLst>
-      <p:ext uri="{BB962C8B-B14F-4D97-AF65-F5344CB8AC3E}">
-        <p14:creationId xmlns:p14="http://schemas.microsoft.com/office/powerpoint/2010/main" val="1515787521"/>
       </p:ext>
     </p:extLst>
   </p:cSld>

--- a/presentation/Xilinx IP cores for Digital Signal Processing.pptx
+++ b/presentation/Xilinx IP cores for Digital Signal Processing.pptx
@@ -9719,11 +9719,7 @@
         <a:p>
           <a:r>
             <a:rPr lang="en-US" dirty="0" smtClean="0"/>
-            <a:t>RTL Testbench </a:t>
-          </a:r>
-          <a:r>
-            <a:rPr lang="en-US" dirty="0" smtClean="0"/>
-            <a:t>(</a:t>
+            <a:t>RTL Testbench (</a:t>
           </a:r>
           <a:r>
             <a:rPr lang="de-DE" dirty="0" err="1" smtClean="0"/>
@@ -9731,11 +9727,7 @@
           </a:r>
           <a:r>
             <a:rPr lang="en-US" dirty="0" smtClean="0"/>
-            <a:t>.v</a:t>
-          </a:r>
-          <a:r>
-            <a:rPr lang="en-US" dirty="0" smtClean="0"/>
-            <a:t>)</a:t>
+            <a:t>.v)</a:t>
           </a:r>
           <a:endParaRPr lang="ru-RU" dirty="0"/>
         </a:p>
@@ -16792,11 +16784,7 @@
           </a:pPr>
           <a:r>
             <a:rPr lang="en-US" sz="1300" kern="1200" dirty="0" smtClean="0"/>
-            <a:t>RTL Testbench </a:t>
-          </a:r>
-          <a:r>
-            <a:rPr lang="en-US" sz="1300" kern="1200" dirty="0" smtClean="0"/>
-            <a:t>(</a:t>
+            <a:t>RTL Testbench (</a:t>
           </a:r>
           <a:r>
             <a:rPr lang="de-DE" sz="1300" kern="1200" dirty="0" err="1" smtClean="0"/>
@@ -16804,11 +16792,7 @@
           </a:r>
           <a:r>
             <a:rPr lang="en-US" sz="1300" kern="1200" dirty="0" smtClean="0"/>
-            <a:t>.v</a:t>
-          </a:r>
-          <a:r>
-            <a:rPr lang="en-US" sz="1300" kern="1200" dirty="0" smtClean="0"/>
-            <a:t>)</a:t>
+            <a:t>.v)</a:t>
           </a:r>
           <a:endParaRPr lang="ru-RU" sz="1300" kern="1200" dirty="0"/>
         </a:p>
@@ -33394,7 +33378,7 @@
           <a:p>
             <a:fld id="{D09D8D34-2EBD-4B97-B36B-987099F6080A}" type="datetimeFigureOut">
               <a:rPr lang="ru-RU" smtClean="0"/>
-              <a:t>15.04.2022</a:t>
+              <a:t>18.04.2022</a:t>
             </a:fld>
             <a:endParaRPr lang="ru-RU"/>
           </a:p>
@@ -33564,7 +33548,7 @@
           <a:p>
             <a:fld id="{D09D8D34-2EBD-4B97-B36B-987099F6080A}" type="datetimeFigureOut">
               <a:rPr lang="ru-RU" smtClean="0"/>
-              <a:t>15.04.2022</a:t>
+              <a:t>18.04.2022</a:t>
             </a:fld>
             <a:endParaRPr lang="ru-RU"/>
           </a:p>
@@ -33744,7 +33728,7 @@
           <a:p>
             <a:fld id="{D09D8D34-2EBD-4B97-B36B-987099F6080A}" type="datetimeFigureOut">
               <a:rPr lang="ru-RU" smtClean="0"/>
-              <a:t>15.04.2022</a:t>
+              <a:t>18.04.2022</a:t>
             </a:fld>
             <a:endParaRPr lang="ru-RU"/>
           </a:p>
@@ -33914,7 +33898,7 @@
           <a:p>
             <a:fld id="{D09D8D34-2EBD-4B97-B36B-987099F6080A}" type="datetimeFigureOut">
               <a:rPr lang="ru-RU" smtClean="0"/>
-              <a:t>15.04.2022</a:t>
+              <a:t>18.04.2022</a:t>
             </a:fld>
             <a:endParaRPr lang="ru-RU"/>
           </a:p>
@@ -34160,7 +34144,7 @@
           <a:p>
             <a:fld id="{D09D8D34-2EBD-4B97-B36B-987099F6080A}" type="datetimeFigureOut">
               <a:rPr lang="ru-RU" smtClean="0"/>
-              <a:t>15.04.2022</a:t>
+              <a:t>18.04.2022</a:t>
             </a:fld>
             <a:endParaRPr lang="ru-RU"/>
           </a:p>
@@ -34392,7 +34376,7 @@
           <a:p>
             <a:fld id="{D09D8D34-2EBD-4B97-B36B-987099F6080A}" type="datetimeFigureOut">
               <a:rPr lang="ru-RU" smtClean="0"/>
-              <a:t>15.04.2022</a:t>
+              <a:t>18.04.2022</a:t>
             </a:fld>
             <a:endParaRPr lang="ru-RU"/>
           </a:p>
@@ -34759,7 +34743,7 @@
           <a:p>
             <a:fld id="{D09D8D34-2EBD-4B97-B36B-987099F6080A}" type="datetimeFigureOut">
               <a:rPr lang="ru-RU" smtClean="0"/>
-              <a:t>15.04.2022</a:t>
+              <a:t>18.04.2022</a:t>
             </a:fld>
             <a:endParaRPr lang="ru-RU"/>
           </a:p>
@@ -34877,7 +34861,7 @@
           <a:p>
             <a:fld id="{D09D8D34-2EBD-4B97-B36B-987099F6080A}" type="datetimeFigureOut">
               <a:rPr lang="ru-RU" smtClean="0"/>
-              <a:t>15.04.2022</a:t>
+              <a:t>18.04.2022</a:t>
             </a:fld>
             <a:endParaRPr lang="ru-RU"/>
           </a:p>
@@ -34972,7 +34956,7 @@
           <a:p>
             <a:fld id="{D09D8D34-2EBD-4B97-B36B-987099F6080A}" type="datetimeFigureOut">
               <a:rPr lang="ru-RU" smtClean="0"/>
-              <a:t>15.04.2022</a:t>
+              <a:t>18.04.2022</a:t>
             </a:fld>
             <a:endParaRPr lang="ru-RU"/>
           </a:p>
@@ -35249,7 +35233,7 @@
           <a:p>
             <a:fld id="{D09D8D34-2EBD-4B97-B36B-987099F6080A}" type="datetimeFigureOut">
               <a:rPr lang="ru-RU" smtClean="0"/>
-              <a:t>15.04.2022</a:t>
+              <a:t>18.04.2022</a:t>
             </a:fld>
             <a:endParaRPr lang="ru-RU"/>
           </a:p>
@@ -35502,7 +35486,7 @@
           <a:p>
             <a:fld id="{D09D8D34-2EBD-4B97-B36B-987099F6080A}" type="datetimeFigureOut">
               <a:rPr lang="ru-RU" smtClean="0"/>
-              <a:t>15.04.2022</a:t>
+              <a:t>18.04.2022</a:t>
             </a:fld>
             <a:endParaRPr lang="ru-RU"/>
           </a:p>
@@ -35715,7 +35699,7 @@
           <a:p>
             <a:fld id="{D09D8D34-2EBD-4B97-B36B-987099F6080A}" type="datetimeFigureOut">
               <a:rPr lang="ru-RU" smtClean="0"/>
-              <a:t>15.04.2022</a:t>
+              <a:t>18.04.2022</a:t>
             </a:fld>
             <a:endParaRPr lang="ru-RU"/>
           </a:p>
@@ -38892,7 +38876,7 @@
                             </p:stCondLst>
                             <p:childTnLst>
                               <p:par>
-                                <p:cTn id="5" presetID="22" presetClass="entr" presetSubtype="4" fill="hold" grpId="0" nodeType="clickEffect">
+                                <p:cTn id="5" presetID="22" presetClass="entr" presetSubtype="4" fill="hold" nodeType="clickEffect">
                                   <p:stCondLst>
                                     <p:cond delay="0"/>
                                   </p:stCondLst>
@@ -38905,7 +38889,7 @@
                                           </p:stCondLst>
                                         </p:cTn>
                                         <p:tgtEl>
-                                          <p:spTgt spid="5"/>
+                                          <p:spTgt spid="3"/>
                                         </p:tgtEl>
                                         <p:attrNameLst>
                                           <p:attrName>style.visibility</p:attrName>
@@ -38919,7 +38903,7 @@
                                       <p:cBhvr>
                                         <p:cTn id="7" dur="750"/>
                                         <p:tgtEl>
-                                          <p:spTgt spid="5"/>
+                                          <p:spTgt spid="3"/>
                                         </p:tgtEl>
                                       </p:cBhvr>
                                     </p:animEffect>
@@ -38940,7 +38924,7 @@
                                           </p:stCondLst>
                                         </p:cTn>
                                         <p:tgtEl>
-                                          <p:spTgt spid="6"/>
+                                          <p:spTgt spid="7"/>
                                         </p:tgtEl>
                                         <p:attrNameLst>
                                           <p:attrName>style.visibility</p:attrName>
@@ -38954,7 +38938,218 @@
                                       <p:cBhvr>
                                         <p:cTn id="10" dur="750"/>
                                         <p:tgtEl>
+                                          <p:spTgt spid="7"/>
+                                        </p:tgtEl>
+                                      </p:cBhvr>
+                                    </p:animEffect>
+                                  </p:childTnLst>
+                                </p:cTn>
+                              </p:par>
+                            </p:childTnLst>
+                          </p:cTn>
+                        </p:par>
+                      </p:childTnLst>
+                    </p:cTn>
+                  </p:par>
+                  <p:par>
+                    <p:cTn id="11" fill="hold">
+                      <p:stCondLst>
+                        <p:cond delay="indefinite"/>
+                      </p:stCondLst>
+                      <p:childTnLst>
+                        <p:par>
+                          <p:cTn id="12" fill="hold">
+                            <p:stCondLst>
+                              <p:cond delay="0"/>
+                            </p:stCondLst>
+                            <p:childTnLst>
+                              <p:par>
+                                <p:cTn id="13" presetID="22" presetClass="entr" presetSubtype="4" fill="hold" nodeType="clickEffect">
+                                  <p:stCondLst>
+                                    <p:cond delay="0"/>
+                                  </p:stCondLst>
+                                  <p:childTnLst>
+                                    <p:set>
+                                      <p:cBhvr>
+                                        <p:cTn id="14" dur="1" fill="hold">
+                                          <p:stCondLst>
+                                            <p:cond delay="0"/>
+                                          </p:stCondLst>
+                                        </p:cTn>
+                                        <p:tgtEl>
+                                          <p:spTgt spid="8"/>
+                                        </p:tgtEl>
+                                        <p:attrNameLst>
+                                          <p:attrName>style.visibility</p:attrName>
+                                        </p:attrNameLst>
+                                      </p:cBhvr>
+                                      <p:to>
+                                        <p:strVal val="visible"/>
+                                      </p:to>
+                                    </p:set>
+                                    <p:animEffect transition="in" filter="wipe(down)">
+                                      <p:cBhvr>
+                                        <p:cTn id="15" dur="750"/>
+                                        <p:tgtEl>
+                                          <p:spTgt spid="8"/>
+                                        </p:tgtEl>
+                                      </p:cBhvr>
+                                    </p:animEffect>
+                                  </p:childTnLst>
+                                </p:cTn>
+                              </p:par>
+                              <p:par>
+                                <p:cTn id="16" presetID="22" presetClass="entr" presetSubtype="4" fill="hold" grpId="0" nodeType="withEffect">
+                                  <p:stCondLst>
+                                    <p:cond delay="0"/>
+                                  </p:stCondLst>
+                                  <p:childTnLst>
+                                    <p:set>
+                                      <p:cBhvr>
+                                        <p:cTn id="17" dur="1" fill="hold">
+                                          <p:stCondLst>
+                                            <p:cond delay="0"/>
+                                          </p:stCondLst>
+                                        </p:cTn>
+                                        <p:tgtEl>
+                                          <p:spTgt spid="9"/>
+                                        </p:tgtEl>
+                                        <p:attrNameLst>
+                                          <p:attrName>style.visibility</p:attrName>
+                                        </p:attrNameLst>
+                                      </p:cBhvr>
+                                      <p:to>
+                                        <p:strVal val="visible"/>
+                                      </p:to>
+                                    </p:set>
+                                    <p:animEffect transition="in" filter="wipe(down)">
+                                      <p:cBhvr>
+                                        <p:cTn id="18" dur="750"/>
+                                        <p:tgtEl>
+                                          <p:spTgt spid="9"/>
+                                        </p:tgtEl>
+                                      </p:cBhvr>
+                                    </p:animEffect>
+                                  </p:childTnLst>
+                                </p:cTn>
+                              </p:par>
+                              <p:par>
+                                <p:cTn id="19" presetID="22" presetClass="entr" presetSubtype="4" fill="hold" nodeType="withEffect">
+                                  <p:stCondLst>
+                                    <p:cond delay="0"/>
+                                  </p:stCondLst>
+                                  <p:childTnLst>
+                                    <p:set>
+                                      <p:cBhvr>
+                                        <p:cTn id="20" dur="1" fill="hold">
+                                          <p:stCondLst>
+                                            <p:cond delay="0"/>
+                                          </p:stCondLst>
+                                        </p:cTn>
+                                        <p:tgtEl>
+                                          <p:spTgt spid="10"/>
+                                        </p:tgtEl>
+                                        <p:attrNameLst>
+                                          <p:attrName>style.visibility</p:attrName>
+                                        </p:attrNameLst>
+                                      </p:cBhvr>
+                                      <p:to>
+                                        <p:strVal val="visible"/>
+                                      </p:to>
+                                    </p:set>
+                                    <p:animEffect transition="in" filter="wipe(down)">
+                                      <p:cBhvr>
+                                        <p:cTn id="21" dur="750"/>
+                                        <p:tgtEl>
+                                          <p:spTgt spid="10"/>
+                                        </p:tgtEl>
+                                      </p:cBhvr>
+                                    </p:animEffect>
+                                  </p:childTnLst>
+                                </p:cTn>
+                              </p:par>
+                            </p:childTnLst>
+                          </p:cTn>
+                        </p:par>
+                      </p:childTnLst>
+                    </p:cTn>
+                  </p:par>
+                  <p:par>
+                    <p:cTn id="22" fill="hold">
+                      <p:stCondLst>
+                        <p:cond delay="indefinite"/>
+                      </p:stCondLst>
+                      <p:childTnLst>
+                        <p:par>
+                          <p:cTn id="23" fill="hold">
+                            <p:stCondLst>
+                              <p:cond delay="0"/>
+                            </p:stCondLst>
+                            <p:childTnLst>
+                              <p:par>
+                                <p:cTn id="24" presetID="22" presetClass="entr" presetSubtype="4" fill="hold" grpId="0" nodeType="clickEffect">
+                                  <p:stCondLst>
+                                    <p:cond delay="0"/>
+                                  </p:stCondLst>
+                                  <p:childTnLst>
+                                    <p:set>
+                                      <p:cBhvr>
+                                        <p:cTn id="25" dur="1" fill="hold">
+                                          <p:stCondLst>
+                                            <p:cond delay="0"/>
+                                          </p:stCondLst>
+                                        </p:cTn>
+                                        <p:tgtEl>
                                           <p:spTgt spid="6"/>
+                                        </p:tgtEl>
+                                        <p:attrNameLst>
+                                          <p:attrName>style.visibility</p:attrName>
+                                        </p:attrNameLst>
+                                      </p:cBhvr>
+                                      <p:to>
+                                        <p:strVal val="visible"/>
+                                      </p:to>
+                                    </p:set>
+                                    <p:animEffect transition="in" filter="wipe(down)">
+                                      <p:cBhvr>
+                                        <p:cTn id="26" dur="750"/>
+                                        <p:tgtEl>
+                                          <p:spTgt spid="6"/>
+                                        </p:tgtEl>
+                                      </p:cBhvr>
+                                    </p:animEffect>
+                                  </p:childTnLst>
+                                </p:cTn>
+                              </p:par>
+                              <p:par>
+                                <p:cTn id="27" presetID="22" presetClass="entr" presetSubtype="4" fill="hold" grpId="0" nodeType="withEffect">
+                                  <p:stCondLst>
+                                    <p:cond delay="0"/>
+                                  </p:stCondLst>
+                                  <p:childTnLst>
+                                    <p:set>
+                                      <p:cBhvr>
+                                        <p:cTn id="28" dur="1" fill="hold">
+                                          <p:stCondLst>
+                                            <p:cond delay="0"/>
+                                          </p:stCondLst>
+                                        </p:cTn>
+                                        <p:tgtEl>
+                                          <p:spTgt spid="5"/>
+                                        </p:tgtEl>
+                                        <p:attrNameLst>
+                                          <p:attrName>style.visibility</p:attrName>
+                                        </p:attrNameLst>
+                                      </p:cBhvr>
+                                      <p:to>
+                                        <p:strVal val="visible"/>
+                                      </p:to>
+                                    </p:set>
+                                    <p:animEffect transition="in" filter="wipe(down)">
+                                      <p:cBhvr>
+                                        <p:cTn id="29" dur="750"/>
+                                        <p:tgtEl>
+                                          <p:spTgt spid="5"/>
                                         </p:tgtEl>
                                       </p:cBhvr>
                                     </p:animEffect>
@@ -38993,6 +39188,8 @@
         <p:bldAsOne/>
       </p:bldGraphic>
       <p:bldP spid="6" grpId="0"/>
+      <p:bldP spid="7" grpId="0"/>
+      <p:bldP spid="9" grpId="0"/>
     </p:bldLst>
   </p:timing>
 </p:sld>
@@ -39304,11 +39501,7 @@
             <a:pPr algn="ctr"/>
             <a:r>
               <a:rPr lang="en-US" sz="1400" dirty="0" smtClean="0"/>
-              <a:t>Testbench for </a:t>
-            </a:r>
-            <a:r>
-              <a:rPr lang="en-US" sz="1400" dirty="0" smtClean="0"/>
-              <a:t>Hilbert Transform with FIR Compiler</a:t>
+              <a:t>Testbench for Hilbert Transform with FIR Compiler</a:t>
             </a:r>
             <a:endParaRPr lang="ru-RU" sz="1400" dirty="0"/>
           </a:p>
@@ -39345,7 +39538,7 @@
                             </p:stCondLst>
                             <p:childTnLst>
                               <p:par>
-                                <p:cTn id="5" presetID="22" presetClass="entr" presetSubtype="4" fill="hold" grpId="0" nodeType="clickEffect">
+                                <p:cTn id="5" presetID="22" presetClass="entr" presetSubtype="4" fill="hold" nodeType="clickEffect">
                                   <p:stCondLst>
                                     <p:cond delay="0"/>
                                   </p:stCondLst>
@@ -39358,7 +39551,7 @@
                                           </p:stCondLst>
                                         </p:cTn>
                                         <p:tgtEl>
-                                          <p:spTgt spid="8"/>
+                                          <p:spTgt spid="5"/>
                                         </p:tgtEl>
                                         <p:attrNameLst>
                                           <p:attrName>style.visibility</p:attrName>
@@ -39372,7 +39565,7 @@
                                       <p:cBhvr>
                                         <p:cTn id="7" dur="750"/>
                                         <p:tgtEl>
-                                          <p:spTgt spid="8"/>
+                                          <p:spTgt spid="5"/>
                                         </p:tgtEl>
                                       </p:cBhvr>
                                     </p:animEffect>
@@ -39393,7 +39586,7 @@
                                           </p:stCondLst>
                                         </p:cTn>
                                         <p:tgtEl>
-                                          <p:spTgt spid="9"/>
+                                          <p:spTgt spid="10"/>
                                         </p:tgtEl>
                                         <p:attrNameLst>
                                           <p:attrName>style.visibility</p:attrName>
@@ -39407,7 +39600,7 @@
                                       <p:cBhvr>
                                         <p:cTn id="10" dur="750"/>
                                         <p:tgtEl>
-                                          <p:spTgt spid="9"/>
+                                          <p:spTgt spid="10"/>
                                         </p:tgtEl>
                                       </p:cBhvr>
                                     </p:animEffect>
@@ -39415,7 +39608,7 @@
                                 </p:cTn>
                               </p:par>
                               <p:par>
-                                <p:cTn id="11" presetID="22" presetClass="entr" presetSubtype="4" fill="hold" grpId="0" nodeType="withEffect">
+                                <p:cTn id="11" presetID="22" presetClass="entr" presetSubtype="4" fill="hold" nodeType="withEffect">
                                   <p:stCondLst>
                                     <p:cond delay="0"/>
                                   </p:stCondLst>
@@ -39428,7 +39621,7 @@
                                           </p:stCondLst>
                                         </p:cTn>
                                         <p:tgtEl>
-                                          <p:spTgt spid="10"/>
+                                          <p:spTgt spid="6"/>
                                         </p:tgtEl>
                                         <p:attrNameLst>
                                           <p:attrName>style.visibility</p:attrName>
@@ -39442,7 +39635,7 @@
                                       <p:cBhvr>
                                         <p:cTn id="13" dur="750"/>
                                         <p:tgtEl>
-                                          <p:spTgt spid="10"/>
+                                          <p:spTgt spid="6"/>
                                         </p:tgtEl>
                                       </p:cBhvr>
                                     </p:animEffect>
@@ -39463,7 +39656,7 @@
                                           </p:stCondLst>
                                         </p:cTn>
                                         <p:tgtEl>
-                                          <p:spTgt spid="11"/>
+                                          <p:spTgt spid="9"/>
                                         </p:tgtEl>
                                         <p:attrNameLst>
                                           <p:attrName>style.visibility</p:attrName>
@@ -39477,7 +39670,7 @@
                                       <p:cBhvr>
                                         <p:cTn id="16" dur="750"/>
                                         <p:tgtEl>
-                                          <p:spTgt spid="11"/>
+                                          <p:spTgt spid="9"/>
                                         </p:tgtEl>
                                       </p:cBhvr>
                                     </p:animEffect>
@@ -39498,6 +39691,129 @@
                                           </p:stCondLst>
                                         </p:cTn>
                                         <p:tgtEl>
+                                          <p:spTgt spid="11"/>
+                                        </p:tgtEl>
+                                        <p:attrNameLst>
+                                          <p:attrName>style.visibility</p:attrName>
+                                        </p:attrNameLst>
+                                      </p:cBhvr>
+                                      <p:to>
+                                        <p:strVal val="visible"/>
+                                      </p:to>
+                                    </p:set>
+                                    <p:animEffect transition="in" filter="wipe(down)">
+                                      <p:cBhvr>
+                                        <p:cTn id="19" dur="750"/>
+                                        <p:tgtEl>
+                                          <p:spTgt spid="11"/>
+                                        </p:tgtEl>
+                                      </p:cBhvr>
+                                    </p:animEffect>
+                                  </p:childTnLst>
+                                </p:cTn>
+                              </p:par>
+                              <p:par>
+                                <p:cTn id="20" presetID="22" presetClass="entr" presetSubtype="4" fill="hold" nodeType="withEffect">
+                                  <p:stCondLst>
+                                    <p:cond delay="0"/>
+                                  </p:stCondLst>
+                                  <p:childTnLst>
+                                    <p:set>
+                                      <p:cBhvr>
+                                        <p:cTn id="21" dur="1" fill="hold">
+                                          <p:stCondLst>
+                                            <p:cond delay="0"/>
+                                          </p:stCondLst>
+                                        </p:cTn>
+                                        <p:tgtEl>
+                                          <p:spTgt spid="7"/>
+                                        </p:tgtEl>
+                                        <p:attrNameLst>
+                                          <p:attrName>style.visibility</p:attrName>
+                                        </p:attrNameLst>
+                                      </p:cBhvr>
+                                      <p:to>
+                                        <p:strVal val="visible"/>
+                                      </p:to>
+                                    </p:set>
+                                    <p:animEffect transition="in" filter="wipe(down)">
+                                      <p:cBhvr>
+                                        <p:cTn id="22" dur="750"/>
+                                        <p:tgtEl>
+                                          <p:spTgt spid="7"/>
+                                        </p:tgtEl>
+                                      </p:cBhvr>
+                                    </p:animEffect>
+                                  </p:childTnLst>
+                                </p:cTn>
+                              </p:par>
+                            </p:childTnLst>
+                          </p:cTn>
+                        </p:par>
+                      </p:childTnLst>
+                    </p:cTn>
+                  </p:par>
+                  <p:par>
+                    <p:cTn id="23" fill="hold">
+                      <p:stCondLst>
+                        <p:cond delay="indefinite"/>
+                      </p:stCondLst>
+                      <p:childTnLst>
+                        <p:par>
+                          <p:cTn id="24" fill="hold">
+                            <p:stCondLst>
+                              <p:cond delay="0"/>
+                            </p:stCondLst>
+                            <p:childTnLst>
+                              <p:par>
+                                <p:cTn id="25" presetID="22" presetClass="entr" presetSubtype="4" fill="hold" grpId="0" nodeType="clickEffect">
+                                  <p:stCondLst>
+                                    <p:cond delay="0"/>
+                                  </p:stCondLst>
+                                  <p:childTnLst>
+                                    <p:set>
+                                      <p:cBhvr>
+                                        <p:cTn id="26" dur="1" fill="hold">
+                                          <p:stCondLst>
+                                            <p:cond delay="0"/>
+                                          </p:stCondLst>
+                                        </p:cTn>
+                                        <p:tgtEl>
+                                          <p:spTgt spid="8"/>
+                                        </p:tgtEl>
+                                        <p:attrNameLst>
+                                          <p:attrName>style.visibility</p:attrName>
+                                        </p:attrNameLst>
+                                      </p:cBhvr>
+                                      <p:to>
+                                        <p:strVal val="visible"/>
+                                      </p:to>
+                                    </p:set>
+                                    <p:animEffect transition="in" filter="wipe(down)">
+                                      <p:cBhvr>
+                                        <p:cTn id="27" dur="750"/>
+                                        <p:tgtEl>
+                                          <p:spTgt spid="8"/>
+                                        </p:tgtEl>
+                                      </p:cBhvr>
+                                    </p:animEffect>
+                                  </p:childTnLst>
+                                </p:cTn>
+                              </p:par>
+                              <p:par>
+                                <p:cTn id="28" presetID="22" presetClass="entr" presetSubtype="4" fill="hold" grpId="0" nodeType="withEffect">
+                                  <p:stCondLst>
+                                    <p:cond delay="0"/>
+                                  </p:stCondLst>
+                                  <p:childTnLst>
+                                    <p:set>
+                                      <p:cBhvr>
+                                        <p:cTn id="29" dur="1" fill="hold">
+                                          <p:stCondLst>
+                                            <p:cond delay="0"/>
+                                          </p:stCondLst>
+                                        </p:cTn>
+                                        <p:tgtEl>
                                           <p:spTgt spid="12"/>
                                         </p:tgtEl>
                                         <p:attrNameLst>
@@ -39510,7 +39826,7 @@
                                     </p:set>
                                     <p:animEffect transition="in" filter="wipe(down)">
                                       <p:cBhvr>
-                                        <p:cTn id="19" dur="750"/>
+                                        <p:cTn id="30" dur="750"/>
                                         <p:tgtEl>
                                           <p:spTgt spid="12"/>
                                         </p:tgtEl>

--- a/presentation/Xilinx IP cores for Digital Signal Processing.pptx
+++ b/presentation/Xilinx IP cores for Digital Signal Processing.pptx
@@ -5349,6 +5349,753 @@
 </file>
 
 <file path=ppt/diagrams/colors8.xml><?xml version="1.0" encoding="utf-8"?>
+<dgm:colorsDef xmlns:dgm="http://schemas.openxmlformats.org/drawingml/2006/diagram" xmlns:a="http://schemas.openxmlformats.org/drawingml/2006/main" uniqueId="urn:microsoft.com/office/officeart/2005/8/colors/accent1_2">
+  <dgm:title val=""/>
+  <dgm:desc val=""/>
+  <dgm:catLst>
+    <dgm:cat type="accent1" pri="11200"/>
+  </dgm:catLst>
+  <dgm:styleLbl name="node0">
+    <dgm:fillClrLst meth="repeat">
+      <a:schemeClr val="accent1"/>
+    </dgm:fillClrLst>
+    <dgm:linClrLst meth="repeat">
+      <a:schemeClr val="lt1"/>
+    </dgm:linClrLst>
+    <dgm:effectClrLst/>
+    <dgm:txLinClrLst/>
+    <dgm:txFillClrLst/>
+    <dgm:txEffectClrLst/>
+  </dgm:styleLbl>
+  <dgm:styleLbl name="alignNode1">
+    <dgm:fillClrLst meth="repeat">
+      <a:schemeClr val="accent1"/>
+    </dgm:fillClrLst>
+    <dgm:linClrLst meth="repeat">
+      <a:schemeClr val="accent1"/>
+    </dgm:linClrLst>
+    <dgm:effectClrLst/>
+    <dgm:txLinClrLst/>
+    <dgm:txFillClrLst/>
+    <dgm:txEffectClrLst/>
+  </dgm:styleLbl>
+  <dgm:styleLbl name="node1">
+    <dgm:fillClrLst meth="repeat">
+      <a:schemeClr val="accent1"/>
+    </dgm:fillClrLst>
+    <dgm:linClrLst meth="repeat">
+      <a:schemeClr val="lt1"/>
+    </dgm:linClrLst>
+    <dgm:effectClrLst/>
+    <dgm:txLinClrLst/>
+    <dgm:txFillClrLst/>
+    <dgm:txEffectClrLst/>
+  </dgm:styleLbl>
+  <dgm:styleLbl name="lnNode1">
+    <dgm:fillClrLst meth="repeat">
+      <a:schemeClr val="accent1"/>
+    </dgm:fillClrLst>
+    <dgm:linClrLst meth="repeat">
+      <a:schemeClr val="lt1"/>
+    </dgm:linClrLst>
+    <dgm:effectClrLst/>
+    <dgm:txLinClrLst/>
+    <dgm:txFillClrLst/>
+    <dgm:txEffectClrLst/>
+  </dgm:styleLbl>
+  <dgm:styleLbl name="vennNode1">
+    <dgm:fillClrLst meth="repeat">
+      <a:schemeClr val="accent1">
+        <a:alpha val="50000"/>
+      </a:schemeClr>
+    </dgm:fillClrLst>
+    <dgm:linClrLst meth="repeat">
+      <a:schemeClr val="lt1"/>
+    </dgm:linClrLst>
+    <dgm:effectClrLst/>
+    <dgm:txLinClrLst/>
+    <dgm:txFillClrLst/>
+    <dgm:txEffectClrLst/>
+  </dgm:styleLbl>
+  <dgm:styleLbl name="node2">
+    <dgm:fillClrLst meth="repeat">
+      <a:schemeClr val="accent1"/>
+    </dgm:fillClrLst>
+    <dgm:linClrLst meth="repeat">
+      <a:schemeClr val="lt1"/>
+    </dgm:linClrLst>
+    <dgm:effectClrLst/>
+    <dgm:txLinClrLst/>
+    <dgm:txFillClrLst/>
+    <dgm:txEffectClrLst/>
+  </dgm:styleLbl>
+  <dgm:styleLbl name="node3">
+    <dgm:fillClrLst meth="repeat">
+      <a:schemeClr val="accent1"/>
+    </dgm:fillClrLst>
+    <dgm:linClrLst meth="repeat">
+      <a:schemeClr val="lt1"/>
+    </dgm:linClrLst>
+    <dgm:effectClrLst/>
+    <dgm:txLinClrLst/>
+    <dgm:txFillClrLst/>
+    <dgm:txEffectClrLst/>
+  </dgm:styleLbl>
+  <dgm:styleLbl name="node4">
+    <dgm:fillClrLst meth="repeat">
+      <a:schemeClr val="accent1"/>
+    </dgm:fillClrLst>
+    <dgm:linClrLst meth="repeat">
+      <a:schemeClr val="lt1"/>
+    </dgm:linClrLst>
+    <dgm:effectClrLst/>
+    <dgm:txLinClrLst/>
+    <dgm:txFillClrLst/>
+    <dgm:txEffectClrLst/>
+  </dgm:styleLbl>
+  <dgm:styleLbl name="fgImgPlace1">
+    <dgm:fillClrLst meth="repeat">
+      <a:schemeClr val="accent1">
+        <a:tint val="50000"/>
+      </a:schemeClr>
+    </dgm:fillClrLst>
+    <dgm:linClrLst meth="repeat">
+      <a:schemeClr val="lt1"/>
+    </dgm:linClrLst>
+    <dgm:effectClrLst/>
+    <dgm:txLinClrLst/>
+    <dgm:txFillClrLst meth="repeat">
+      <a:schemeClr val="lt1"/>
+    </dgm:txFillClrLst>
+    <dgm:txEffectClrLst/>
+  </dgm:styleLbl>
+  <dgm:styleLbl name="alignImgPlace1">
+    <dgm:fillClrLst meth="repeat">
+      <a:schemeClr val="accent1">
+        <a:tint val="50000"/>
+      </a:schemeClr>
+    </dgm:fillClrLst>
+    <dgm:linClrLst meth="repeat">
+      <a:schemeClr val="lt1"/>
+    </dgm:linClrLst>
+    <dgm:effectClrLst/>
+    <dgm:txLinClrLst/>
+    <dgm:txFillClrLst meth="repeat">
+      <a:schemeClr val="lt1"/>
+    </dgm:txFillClrLst>
+    <dgm:txEffectClrLst/>
+  </dgm:styleLbl>
+  <dgm:styleLbl name="bgImgPlace1">
+    <dgm:fillClrLst meth="repeat">
+      <a:schemeClr val="accent1">
+        <a:tint val="50000"/>
+      </a:schemeClr>
+    </dgm:fillClrLst>
+    <dgm:linClrLst meth="repeat">
+      <a:schemeClr val="lt1"/>
+    </dgm:linClrLst>
+    <dgm:effectClrLst/>
+    <dgm:txLinClrLst/>
+    <dgm:txFillClrLst meth="repeat">
+      <a:schemeClr val="lt1"/>
+    </dgm:txFillClrLst>
+    <dgm:txEffectClrLst/>
+  </dgm:styleLbl>
+  <dgm:styleLbl name="sibTrans2D1">
+    <dgm:fillClrLst meth="repeat">
+      <a:schemeClr val="accent1">
+        <a:tint val="60000"/>
+      </a:schemeClr>
+    </dgm:fillClrLst>
+    <dgm:linClrLst meth="repeat">
+      <a:schemeClr val="accent1">
+        <a:tint val="60000"/>
+      </a:schemeClr>
+    </dgm:linClrLst>
+    <dgm:effectClrLst/>
+    <dgm:txLinClrLst/>
+    <dgm:txFillClrLst/>
+    <dgm:txEffectClrLst/>
+  </dgm:styleLbl>
+  <dgm:styleLbl name="fgSibTrans2D1">
+    <dgm:fillClrLst meth="repeat">
+      <a:schemeClr val="accent1">
+        <a:tint val="60000"/>
+      </a:schemeClr>
+    </dgm:fillClrLst>
+    <dgm:linClrLst meth="repeat">
+      <a:schemeClr val="accent1">
+        <a:tint val="60000"/>
+      </a:schemeClr>
+    </dgm:linClrLst>
+    <dgm:effectClrLst/>
+    <dgm:txLinClrLst/>
+    <dgm:txFillClrLst/>
+    <dgm:txEffectClrLst/>
+  </dgm:styleLbl>
+  <dgm:styleLbl name="bgSibTrans2D1">
+    <dgm:fillClrLst meth="repeat">
+      <a:schemeClr val="accent1">
+        <a:tint val="60000"/>
+      </a:schemeClr>
+    </dgm:fillClrLst>
+    <dgm:linClrLst meth="repeat">
+      <a:schemeClr val="accent1">
+        <a:tint val="60000"/>
+      </a:schemeClr>
+    </dgm:linClrLst>
+    <dgm:effectClrLst/>
+    <dgm:txLinClrLst/>
+    <dgm:txFillClrLst/>
+    <dgm:txEffectClrLst/>
+  </dgm:styleLbl>
+  <dgm:styleLbl name="sibTrans1D1">
+    <dgm:fillClrLst meth="repeat">
+      <a:schemeClr val="accent1"/>
+    </dgm:fillClrLst>
+    <dgm:linClrLst meth="repeat">
+      <a:schemeClr val="accent1"/>
+    </dgm:linClrLst>
+    <dgm:effectClrLst/>
+    <dgm:txLinClrLst/>
+    <dgm:txFillClrLst meth="repeat">
+      <a:schemeClr val="tx1"/>
+    </dgm:txFillClrLst>
+    <dgm:txEffectClrLst/>
+  </dgm:styleLbl>
+  <dgm:styleLbl name="callout">
+    <dgm:fillClrLst meth="repeat">
+      <a:schemeClr val="accent1"/>
+    </dgm:fillClrLst>
+    <dgm:linClrLst meth="repeat">
+      <a:schemeClr val="accent1">
+        <a:tint val="50000"/>
+      </a:schemeClr>
+    </dgm:linClrLst>
+    <dgm:effectClrLst/>
+    <dgm:txLinClrLst/>
+    <dgm:txFillClrLst meth="repeat">
+      <a:schemeClr val="tx1"/>
+    </dgm:txFillClrLst>
+    <dgm:txEffectClrLst/>
+  </dgm:styleLbl>
+  <dgm:styleLbl name="asst0">
+    <dgm:fillClrLst meth="repeat">
+      <a:schemeClr val="accent1"/>
+    </dgm:fillClrLst>
+    <dgm:linClrLst meth="repeat">
+      <a:schemeClr val="lt1"/>
+    </dgm:linClrLst>
+    <dgm:effectClrLst/>
+    <dgm:txLinClrLst/>
+    <dgm:txFillClrLst/>
+    <dgm:txEffectClrLst/>
+  </dgm:styleLbl>
+  <dgm:styleLbl name="asst1">
+    <dgm:fillClrLst meth="repeat">
+      <a:schemeClr val="accent1"/>
+    </dgm:fillClrLst>
+    <dgm:linClrLst meth="repeat">
+      <a:schemeClr val="lt1"/>
+    </dgm:linClrLst>
+    <dgm:effectClrLst/>
+    <dgm:txLinClrLst/>
+    <dgm:txFillClrLst/>
+    <dgm:txEffectClrLst/>
+  </dgm:styleLbl>
+  <dgm:styleLbl name="asst2">
+    <dgm:fillClrLst meth="repeat">
+      <a:schemeClr val="accent1"/>
+    </dgm:fillClrLst>
+    <dgm:linClrLst meth="repeat">
+      <a:schemeClr val="lt1"/>
+    </dgm:linClrLst>
+    <dgm:effectClrLst/>
+    <dgm:txLinClrLst/>
+    <dgm:txFillClrLst/>
+    <dgm:txEffectClrLst/>
+  </dgm:styleLbl>
+  <dgm:styleLbl name="asst3">
+    <dgm:fillClrLst meth="repeat">
+      <a:schemeClr val="accent1"/>
+    </dgm:fillClrLst>
+    <dgm:linClrLst meth="repeat">
+      <a:schemeClr val="lt1"/>
+    </dgm:linClrLst>
+    <dgm:effectClrLst/>
+    <dgm:txLinClrLst/>
+    <dgm:txFillClrLst/>
+    <dgm:txEffectClrLst/>
+  </dgm:styleLbl>
+  <dgm:styleLbl name="asst4">
+    <dgm:fillClrLst meth="repeat">
+      <a:schemeClr val="accent1"/>
+    </dgm:fillClrLst>
+    <dgm:linClrLst meth="repeat">
+      <a:schemeClr val="lt1"/>
+    </dgm:linClrLst>
+    <dgm:effectClrLst/>
+    <dgm:txLinClrLst/>
+    <dgm:txFillClrLst/>
+    <dgm:txEffectClrLst/>
+  </dgm:styleLbl>
+  <dgm:styleLbl name="parChTrans2D1">
+    <dgm:fillClrLst meth="repeat">
+      <a:schemeClr val="accent1">
+        <a:tint val="60000"/>
+      </a:schemeClr>
+    </dgm:fillClrLst>
+    <dgm:linClrLst meth="repeat">
+      <a:schemeClr val="accent1">
+        <a:tint val="60000"/>
+      </a:schemeClr>
+    </dgm:linClrLst>
+    <dgm:effectClrLst/>
+    <dgm:txLinClrLst/>
+    <dgm:txFillClrLst meth="repeat">
+      <a:schemeClr val="lt1"/>
+    </dgm:txFillClrLst>
+    <dgm:txEffectClrLst/>
+  </dgm:styleLbl>
+  <dgm:styleLbl name="parChTrans2D2">
+    <dgm:fillClrLst meth="repeat">
+      <a:schemeClr val="accent1"/>
+    </dgm:fillClrLst>
+    <dgm:linClrLst meth="repeat">
+      <a:schemeClr val="accent1"/>
+    </dgm:linClrLst>
+    <dgm:effectClrLst/>
+    <dgm:txLinClrLst/>
+    <dgm:txFillClrLst meth="repeat">
+      <a:schemeClr val="lt1"/>
+    </dgm:txFillClrLst>
+    <dgm:txEffectClrLst/>
+  </dgm:styleLbl>
+  <dgm:styleLbl name="parChTrans2D3">
+    <dgm:fillClrLst meth="repeat">
+      <a:schemeClr val="accent1"/>
+    </dgm:fillClrLst>
+    <dgm:linClrLst meth="repeat">
+      <a:schemeClr val="accent1"/>
+    </dgm:linClrLst>
+    <dgm:effectClrLst/>
+    <dgm:txLinClrLst/>
+    <dgm:txFillClrLst meth="repeat">
+      <a:schemeClr val="lt1"/>
+    </dgm:txFillClrLst>
+    <dgm:txEffectClrLst/>
+  </dgm:styleLbl>
+  <dgm:styleLbl name="parChTrans2D4">
+    <dgm:fillClrLst meth="repeat">
+      <a:schemeClr val="accent1"/>
+    </dgm:fillClrLst>
+    <dgm:linClrLst meth="repeat">
+      <a:schemeClr val="accent1"/>
+    </dgm:linClrLst>
+    <dgm:effectClrLst/>
+    <dgm:txLinClrLst/>
+    <dgm:txFillClrLst meth="repeat">
+      <a:schemeClr val="lt1"/>
+    </dgm:txFillClrLst>
+    <dgm:txEffectClrLst/>
+  </dgm:styleLbl>
+  <dgm:styleLbl name="parChTrans1D1">
+    <dgm:fillClrLst meth="repeat">
+      <a:schemeClr val="accent1"/>
+    </dgm:fillClrLst>
+    <dgm:linClrLst meth="repeat">
+      <a:schemeClr val="accent1">
+        <a:shade val="60000"/>
+      </a:schemeClr>
+    </dgm:linClrLst>
+    <dgm:effectClrLst/>
+    <dgm:txLinClrLst/>
+    <dgm:txFillClrLst meth="repeat">
+      <a:schemeClr val="tx1"/>
+    </dgm:txFillClrLst>
+    <dgm:txEffectClrLst/>
+  </dgm:styleLbl>
+  <dgm:styleLbl name="parChTrans1D2">
+    <dgm:fillClrLst meth="repeat">
+      <a:schemeClr val="accent1"/>
+    </dgm:fillClrLst>
+    <dgm:linClrLst meth="repeat">
+      <a:schemeClr val="accent1">
+        <a:shade val="60000"/>
+      </a:schemeClr>
+    </dgm:linClrLst>
+    <dgm:effectClrLst/>
+    <dgm:txLinClrLst/>
+    <dgm:txFillClrLst meth="repeat">
+      <a:schemeClr val="tx1"/>
+    </dgm:txFillClrLst>
+    <dgm:txEffectClrLst/>
+  </dgm:styleLbl>
+  <dgm:styleLbl name="parChTrans1D3">
+    <dgm:fillClrLst meth="repeat">
+      <a:schemeClr val="accent1"/>
+    </dgm:fillClrLst>
+    <dgm:linClrLst meth="repeat">
+      <a:schemeClr val="accent1">
+        <a:shade val="80000"/>
+      </a:schemeClr>
+    </dgm:linClrLst>
+    <dgm:effectClrLst/>
+    <dgm:txLinClrLst/>
+    <dgm:txFillClrLst meth="repeat">
+      <a:schemeClr val="tx1"/>
+    </dgm:txFillClrLst>
+    <dgm:txEffectClrLst/>
+  </dgm:styleLbl>
+  <dgm:styleLbl name="parChTrans1D4">
+    <dgm:fillClrLst meth="repeat">
+      <a:schemeClr val="accent1"/>
+    </dgm:fillClrLst>
+    <dgm:linClrLst meth="repeat">
+      <a:schemeClr val="accent1">
+        <a:shade val="80000"/>
+      </a:schemeClr>
+    </dgm:linClrLst>
+    <dgm:effectClrLst/>
+    <dgm:txLinClrLst/>
+    <dgm:txFillClrLst meth="repeat">
+      <a:schemeClr val="tx1"/>
+    </dgm:txFillClrLst>
+    <dgm:txEffectClrLst/>
+  </dgm:styleLbl>
+  <dgm:styleLbl name="fgAcc1">
+    <dgm:fillClrLst meth="repeat">
+      <a:schemeClr val="lt1">
+        <a:alpha val="90000"/>
+      </a:schemeClr>
+    </dgm:fillClrLst>
+    <dgm:linClrLst meth="repeat">
+      <a:schemeClr val="accent1"/>
+    </dgm:linClrLst>
+    <dgm:effectClrLst/>
+    <dgm:txLinClrLst/>
+    <dgm:txFillClrLst meth="repeat">
+      <a:schemeClr val="dk1"/>
+    </dgm:txFillClrLst>
+    <dgm:txEffectClrLst/>
+  </dgm:styleLbl>
+  <dgm:styleLbl name="conFgAcc1">
+    <dgm:fillClrLst meth="repeat">
+      <a:schemeClr val="lt1">
+        <a:alpha val="90000"/>
+      </a:schemeClr>
+    </dgm:fillClrLst>
+    <dgm:linClrLst meth="repeat">
+      <a:schemeClr val="accent1"/>
+    </dgm:linClrLst>
+    <dgm:effectClrLst/>
+    <dgm:txLinClrLst/>
+    <dgm:txFillClrLst meth="repeat">
+      <a:schemeClr val="dk1"/>
+    </dgm:txFillClrLst>
+    <dgm:txEffectClrLst/>
+  </dgm:styleLbl>
+  <dgm:styleLbl name="alignAcc1">
+    <dgm:fillClrLst meth="repeat">
+      <a:schemeClr val="lt1">
+        <a:alpha val="90000"/>
+      </a:schemeClr>
+    </dgm:fillClrLst>
+    <dgm:linClrLst meth="repeat">
+      <a:schemeClr val="accent1"/>
+    </dgm:linClrLst>
+    <dgm:effectClrLst/>
+    <dgm:txLinClrLst/>
+    <dgm:txFillClrLst meth="repeat">
+      <a:schemeClr val="dk1"/>
+    </dgm:txFillClrLst>
+    <dgm:txEffectClrLst/>
+  </dgm:styleLbl>
+  <dgm:styleLbl name="trAlignAcc1">
+    <dgm:fillClrLst meth="repeat">
+      <a:schemeClr val="lt1">
+        <a:alpha val="40000"/>
+      </a:schemeClr>
+    </dgm:fillClrLst>
+    <dgm:linClrLst meth="repeat">
+      <a:schemeClr val="accent1"/>
+    </dgm:linClrLst>
+    <dgm:effectClrLst/>
+    <dgm:txLinClrLst/>
+    <dgm:txFillClrLst meth="repeat">
+      <a:schemeClr val="dk1"/>
+    </dgm:txFillClrLst>
+    <dgm:txEffectClrLst/>
+  </dgm:styleLbl>
+  <dgm:styleLbl name="bgAcc1">
+    <dgm:fillClrLst meth="repeat">
+      <a:schemeClr val="lt1">
+        <a:alpha val="90000"/>
+      </a:schemeClr>
+    </dgm:fillClrLst>
+    <dgm:linClrLst meth="repeat">
+      <a:schemeClr val="accent1"/>
+    </dgm:linClrLst>
+    <dgm:effectClrLst/>
+    <dgm:txLinClrLst/>
+    <dgm:txFillClrLst meth="repeat">
+      <a:schemeClr val="dk1"/>
+    </dgm:txFillClrLst>
+    <dgm:txEffectClrLst/>
+  </dgm:styleLbl>
+  <dgm:styleLbl name="solidFgAcc1">
+    <dgm:fillClrLst meth="repeat">
+      <a:schemeClr val="lt1"/>
+    </dgm:fillClrLst>
+    <dgm:linClrLst meth="repeat">
+      <a:schemeClr val="accent1"/>
+    </dgm:linClrLst>
+    <dgm:effectClrLst/>
+    <dgm:txLinClrLst/>
+    <dgm:txFillClrLst meth="repeat">
+      <a:schemeClr val="dk1"/>
+    </dgm:txFillClrLst>
+    <dgm:txEffectClrLst/>
+  </dgm:styleLbl>
+  <dgm:styleLbl name="solidAlignAcc1">
+    <dgm:fillClrLst meth="repeat">
+      <a:schemeClr val="lt1"/>
+    </dgm:fillClrLst>
+    <dgm:linClrLst meth="repeat">
+      <a:schemeClr val="accent1"/>
+    </dgm:linClrLst>
+    <dgm:effectClrLst/>
+    <dgm:txLinClrLst/>
+    <dgm:txFillClrLst meth="repeat">
+      <a:schemeClr val="dk1"/>
+    </dgm:txFillClrLst>
+    <dgm:txEffectClrLst/>
+  </dgm:styleLbl>
+  <dgm:styleLbl name="solidBgAcc1">
+    <dgm:fillClrLst meth="repeat">
+      <a:schemeClr val="lt1"/>
+    </dgm:fillClrLst>
+    <dgm:linClrLst meth="repeat">
+      <a:schemeClr val="accent1"/>
+    </dgm:linClrLst>
+    <dgm:effectClrLst/>
+    <dgm:txLinClrLst/>
+    <dgm:txFillClrLst meth="repeat">
+      <a:schemeClr val="dk1"/>
+    </dgm:txFillClrLst>
+    <dgm:txEffectClrLst/>
+  </dgm:styleLbl>
+  <dgm:styleLbl name="fgAccFollowNode1">
+    <dgm:fillClrLst meth="repeat">
+      <a:schemeClr val="accent1">
+        <a:alpha val="90000"/>
+        <a:tint val="40000"/>
+      </a:schemeClr>
+    </dgm:fillClrLst>
+    <dgm:linClrLst meth="repeat">
+      <a:schemeClr val="accent1">
+        <a:alpha val="90000"/>
+        <a:tint val="40000"/>
+      </a:schemeClr>
+    </dgm:linClrLst>
+    <dgm:effectClrLst/>
+    <dgm:txLinClrLst/>
+    <dgm:txFillClrLst meth="repeat">
+      <a:schemeClr val="dk1"/>
+    </dgm:txFillClrLst>
+    <dgm:txEffectClrLst/>
+  </dgm:styleLbl>
+  <dgm:styleLbl name="alignAccFollowNode1">
+    <dgm:fillClrLst meth="repeat">
+      <a:schemeClr val="accent1">
+        <a:alpha val="90000"/>
+        <a:tint val="40000"/>
+      </a:schemeClr>
+    </dgm:fillClrLst>
+    <dgm:linClrLst meth="repeat">
+      <a:schemeClr val="accent1">
+        <a:alpha val="90000"/>
+        <a:tint val="40000"/>
+      </a:schemeClr>
+    </dgm:linClrLst>
+    <dgm:effectClrLst/>
+    <dgm:txLinClrLst/>
+    <dgm:txFillClrLst meth="repeat">
+      <a:schemeClr val="dk1"/>
+    </dgm:txFillClrLst>
+    <dgm:txEffectClrLst/>
+  </dgm:styleLbl>
+  <dgm:styleLbl name="bgAccFollowNode1">
+    <dgm:fillClrLst meth="repeat">
+      <a:schemeClr val="accent1">
+        <a:alpha val="90000"/>
+        <a:tint val="40000"/>
+      </a:schemeClr>
+    </dgm:fillClrLst>
+    <dgm:linClrLst meth="repeat">
+      <a:schemeClr val="accent1">
+        <a:alpha val="90000"/>
+        <a:tint val="40000"/>
+      </a:schemeClr>
+    </dgm:linClrLst>
+    <dgm:effectClrLst/>
+    <dgm:txLinClrLst/>
+    <dgm:txFillClrLst meth="repeat">
+      <a:schemeClr val="dk1"/>
+    </dgm:txFillClrLst>
+    <dgm:txEffectClrLst/>
+  </dgm:styleLbl>
+  <dgm:styleLbl name="fgAcc0">
+    <dgm:fillClrLst meth="repeat">
+      <a:schemeClr val="lt1">
+        <a:alpha val="90000"/>
+      </a:schemeClr>
+    </dgm:fillClrLst>
+    <dgm:linClrLst meth="repeat">
+      <a:schemeClr val="accent1"/>
+    </dgm:linClrLst>
+    <dgm:effectClrLst/>
+    <dgm:txLinClrLst/>
+    <dgm:txFillClrLst meth="repeat">
+      <a:schemeClr val="dk1"/>
+    </dgm:txFillClrLst>
+    <dgm:txEffectClrLst/>
+  </dgm:styleLbl>
+  <dgm:styleLbl name="fgAcc2">
+    <dgm:fillClrLst meth="repeat">
+      <a:schemeClr val="lt1">
+        <a:alpha val="90000"/>
+      </a:schemeClr>
+    </dgm:fillClrLst>
+    <dgm:linClrLst meth="repeat">
+      <a:schemeClr val="accent1"/>
+    </dgm:linClrLst>
+    <dgm:effectClrLst/>
+    <dgm:txLinClrLst/>
+    <dgm:txFillClrLst meth="repeat">
+      <a:schemeClr val="dk1"/>
+    </dgm:txFillClrLst>
+    <dgm:txEffectClrLst/>
+  </dgm:styleLbl>
+  <dgm:styleLbl name="fgAcc3">
+    <dgm:fillClrLst meth="repeat">
+      <a:schemeClr val="lt1">
+        <a:alpha val="90000"/>
+      </a:schemeClr>
+    </dgm:fillClrLst>
+    <dgm:linClrLst meth="repeat">
+      <a:schemeClr val="accent1"/>
+    </dgm:linClrLst>
+    <dgm:effectClrLst/>
+    <dgm:txLinClrLst/>
+    <dgm:txFillClrLst meth="repeat">
+      <a:schemeClr val="dk1"/>
+    </dgm:txFillClrLst>
+    <dgm:txEffectClrLst/>
+  </dgm:styleLbl>
+  <dgm:styleLbl name="fgAcc4">
+    <dgm:fillClrLst meth="repeat">
+      <a:schemeClr val="lt1">
+        <a:alpha val="90000"/>
+      </a:schemeClr>
+    </dgm:fillClrLst>
+    <dgm:linClrLst meth="repeat">
+      <a:schemeClr val="accent1"/>
+    </dgm:linClrLst>
+    <dgm:effectClrLst/>
+    <dgm:txLinClrLst/>
+    <dgm:txFillClrLst meth="repeat">
+      <a:schemeClr val="dk1"/>
+    </dgm:txFillClrLst>
+    <dgm:txEffectClrLst/>
+  </dgm:styleLbl>
+  <dgm:styleLbl name="bgShp">
+    <dgm:fillClrLst meth="repeat">
+      <a:schemeClr val="accent1">
+        <a:tint val="40000"/>
+      </a:schemeClr>
+    </dgm:fillClrLst>
+    <dgm:linClrLst meth="repeat">
+      <a:schemeClr val="accent1"/>
+    </dgm:linClrLst>
+    <dgm:effectClrLst/>
+    <dgm:txLinClrLst/>
+    <dgm:txFillClrLst meth="repeat">
+      <a:schemeClr val="dk1"/>
+    </dgm:txFillClrLst>
+    <dgm:txEffectClrLst/>
+  </dgm:styleLbl>
+  <dgm:styleLbl name="dkBgShp">
+    <dgm:fillClrLst meth="repeat">
+      <a:schemeClr val="accent1">
+        <a:shade val="80000"/>
+      </a:schemeClr>
+    </dgm:fillClrLst>
+    <dgm:linClrLst meth="repeat">
+      <a:schemeClr val="accent1"/>
+    </dgm:linClrLst>
+    <dgm:effectClrLst/>
+    <dgm:txLinClrLst/>
+    <dgm:txFillClrLst meth="repeat">
+      <a:schemeClr val="lt1"/>
+    </dgm:txFillClrLst>
+    <dgm:txEffectClrLst/>
+  </dgm:styleLbl>
+  <dgm:styleLbl name="trBgShp">
+    <dgm:fillClrLst meth="repeat">
+      <a:schemeClr val="accent1">
+        <a:tint val="50000"/>
+        <a:alpha val="40000"/>
+      </a:schemeClr>
+    </dgm:fillClrLst>
+    <dgm:linClrLst meth="repeat">
+      <a:schemeClr val="accent1"/>
+    </dgm:linClrLst>
+    <dgm:effectClrLst/>
+    <dgm:txLinClrLst/>
+    <dgm:txFillClrLst meth="repeat">
+      <a:schemeClr val="lt1"/>
+    </dgm:txFillClrLst>
+    <dgm:txEffectClrLst/>
+  </dgm:styleLbl>
+  <dgm:styleLbl name="fgShp">
+    <dgm:fillClrLst meth="repeat">
+      <a:schemeClr val="accent1">
+        <a:tint val="60000"/>
+      </a:schemeClr>
+    </dgm:fillClrLst>
+    <dgm:linClrLst meth="repeat">
+      <a:schemeClr val="lt1"/>
+    </dgm:linClrLst>
+    <dgm:effectClrLst/>
+    <dgm:txLinClrLst/>
+    <dgm:txFillClrLst meth="repeat">
+      <a:schemeClr val="dk1"/>
+    </dgm:txFillClrLst>
+    <dgm:txEffectClrLst/>
+  </dgm:styleLbl>
+  <dgm:styleLbl name="revTx">
+    <dgm:fillClrLst meth="repeat">
+      <a:schemeClr val="lt1">
+        <a:alpha val="0"/>
+      </a:schemeClr>
+    </dgm:fillClrLst>
+    <dgm:linClrLst meth="repeat">
+      <a:schemeClr val="dk1">
+        <a:alpha val="0"/>
+      </a:schemeClr>
+    </dgm:linClrLst>
+    <dgm:effectClrLst/>
+    <dgm:txLinClrLst/>
+    <dgm:txFillClrLst meth="repeat">
+      <a:schemeClr val="tx1"/>
+    </dgm:txFillClrLst>
+    <dgm:txEffectClrLst/>
+  </dgm:styleLbl>
+</dgm:colorsDef>
+</file>
+
+<file path=ppt/diagrams/colors9.xml><?xml version="1.0" encoding="utf-8"?>
 <dgm:colorsDef xmlns:dgm="http://schemas.openxmlformats.org/drawingml/2006/diagram" xmlns:a="http://schemas.openxmlformats.org/drawingml/2006/main" uniqueId="urn:microsoft.com/office/officeart/2005/8/colors/accent1_2">
   <dgm:title val=""/>
   <dgm:desc val=""/>
@@ -9944,6 +10691,364 @@
   <dgm:extLst>
     <a:ext uri="http://schemas.microsoft.com/office/drawing/2008/diagram">
       <dsp:dataModelExt xmlns:dsp="http://schemas.microsoft.com/office/drawing/2008/diagram" relId="rId9" minVer="http://schemas.openxmlformats.org/drawingml/2006/diagram"/>
+    </a:ext>
+  </dgm:extLst>
+</dgm:dataModel>
+</file>
+
+<file path=ppt/diagrams/data9.xml><?xml version="1.0" encoding="utf-8"?>
+<dgm:dataModel xmlns:dgm="http://schemas.openxmlformats.org/drawingml/2006/diagram" xmlns:a="http://schemas.openxmlformats.org/drawingml/2006/main">
+  <dgm:ptLst>
+    <dgm:pt modelId="{12BFEB49-97C5-446D-AF9C-6634B6315F76}" type="doc">
+      <dgm:prSet loTypeId="urn:microsoft.com/office/officeart/2005/8/layout/orgChart1" loCatId="hierarchy" qsTypeId="urn:microsoft.com/office/officeart/2005/8/quickstyle/3d1" qsCatId="3D" csTypeId="urn:microsoft.com/office/officeart/2005/8/colors/accent1_2" csCatId="accent1" phldr="1"/>
+      <dgm:spPr/>
+      <dgm:t>
+        <a:bodyPr/>
+        <a:lstStyle/>
+        <a:p>
+          <a:endParaRPr lang="ru-RU"/>
+        </a:p>
+      </dgm:t>
+    </dgm:pt>
+    <dgm:pt modelId="{BACBE0B8-D927-4ED6-873F-E2818792F1F7}">
+      <dgm:prSet phldrT="[Текст]"/>
+      <dgm:spPr/>
+      <dgm:t>
+        <a:bodyPr/>
+        <a:lstStyle/>
+        <a:p>
+          <a:r>
+            <a:rPr lang="en-US" dirty="0" smtClean="0"/>
+            <a:t>RTL Testbench (</a:t>
+          </a:r>
+          <a:r>
+            <a:rPr lang="de-DE" dirty="0" err="1" smtClean="0"/>
+            <a:t>fft_tb</a:t>
+          </a:r>
+          <a:r>
+            <a:rPr lang="en-US" dirty="0" smtClean="0"/>
+            <a:t>.v)</a:t>
+          </a:r>
+          <a:endParaRPr lang="ru-RU" dirty="0"/>
+        </a:p>
+      </dgm:t>
+    </dgm:pt>
+    <dgm:pt modelId="{F13A1AA6-BB0C-4938-B22C-14F8724EF9C2}" type="parTrans" cxnId="{6E3B2D4E-BE3D-4871-9E0C-05C0055B920D}">
+      <dgm:prSet/>
+      <dgm:spPr/>
+      <dgm:t>
+        <a:bodyPr/>
+        <a:lstStyle/>
+        <a:p>
+          <a:endParaRPr lang="ru-RU"/>
+        </a:p>
+      </dgm:t>
+    </dgm:pt>
+    <dgm:pt modelId="{7F2E71B1-0FAD-4641-8B70-5A799EE34717}" type="sibTrans" cxnId="{6E3B2D4E-BE3D-4871-9E0C-05C0055B920D}">
+      <dgm:prSet/>
+      <dgm:spPr/>
+      <dgm:t>
+        <a:bodyPr/>
+        <a:lstStyle/>
+        <a:p>
+          <a:endParaRPr lang="ru-RU"/>
+        </a:p>
+      </dgm:t>
+    </dgm:pt>
+    <dgm:pt modelId="{6FDD31C3-7F82-4F76-8156-C317487187AA}">
+      <dgm:prSet phldrT="[Текст]"/>
+      <dgm:spPr/>
+      <dgm:t>
+        <a:bodyPr/>
+        <a:lstStyle/>
+        <a:p>
+          <a:r>
+            <a:rPr lang="en-US" dirty="0" smtClean="0"/>
+            <a:t>Inverse FFT</a:t>
+          </a:r>
+          <a:endParaRPr lang="ru-RU" dirty="0"/>
+        </a:p>
+      </dgm:t>
+    </dgm:pt>
+    <dgm:pt modelId="{87579D51-676A-4517-ADBD-C47137349CD7}" type="parTrans" cxnId="{3F4E77C1-FB2D-457C-B18C-469933CEB26D}">
+      <dgm:prSet/>
+      <dgm:spPr/>
+      <dgm:t>
+        <a:bodyPr/>
+        <a:lstStyle/>
+        <a:p>
+          <a:endParaRPr lang="ru-RU"/>
+        </a:p>
+      </dgm:t>
+    </dgm:pt>
+    <dgm:pt modelId="{8689C7CF-8473-4F3F-8D2B-EF84A823D11A}" type="sibTrans" cxnId="{3F4E77C1-FB2D-457C-B18C-469933CEB26D}">
+      <dgm:prSet/>
+      <dgm:spPr/>
+      <dgm:t>
+        <a:bodyPr/>
+        <a:lstStyle/>
+        <a:p>
+          <a:endParaRPr lang="ru-RU"/>
+        </a:p>
+      </dgm:t>
+    </dgm:pt>
+    <dgm:pt modelId="{4F7AC5D6-617F-41C8-8AE1-278AE53AD61E}">
+      <dgm:prSet phldrT="[Текст]"/>
+      <dgm:spPr/>
+      <dgm:t>
+        <a:bodyPr/>
+        <a:lstStyle/>
+        <a:p>
+          <a:r>
+            <a:rPr lang="en-US" dirty="0" smtClean="0"/>
+            <a:t>FFT</a:t>
+          </a:r>
+          <a:endParaRPr lang="ru-RU" dirty="0"/>
+        </a:p>
+      </dgm:t>
+    </dgm:pt>
+    <dgm:pt modelId="{E40B7DE8-8199-4E2A-8E0D-8ACC1EC17599}" type="parTrans" cxnId="{004B5237-7D91-4C3B-9706-ECFDA8363D20}">
+      <dgm:prSet/>
+      <dgm:spPr/>
+      <dgm:t>
+        <a:bodyPr/>
+        <a:lstStyle/>
+        <a:p>
+          <a:endParaRPr lang="ru-RU"/>
+        </a:p>
+      </dgm:t>
+    </dgm:pt>
+    <dgm:pt modelId="{1382CBDA-A565-4D84-95FF-20F11F3E9607}" type="sibTrans" cxnId="{004B5237-7D91-4C3B-9706-ECFDA8363D20}">
+      <dgm:prSet/>
+      <dgm:spPr/>
+      <dgm:t>
+        <a:bodyPr/>
+        <a:lstStyle/>
+        <a:p>
+          <a:endParaRPr lang="ru-RU"/>
+        </a:p>
+      </dgm:t>
+    </dgm:pt>
+    <dgm:pt modelId="{D5F6B982-630E-41D0-AD66-DC93D2E6F1C9}" type="pres">
+      <dgm:prSet presAssocID="{12BFEB49-97C5-446D-AF9C-6634B6315F76}" presName="hierChild1" presStyleCnt="0">
+        <dgm:presLayoutVars>
+          <dgm:orgChart val="1"/>
+          <dgm:chPref val="1"/>
+          <dgm:dir/>
+          <dgm:animOne val="branch"/>
+          <dgm:animLvl val="lvl"/>
+          <dgm:resizeHandles/>
+        </dgm:presLayoutVars>
+      </dgm:prSet>
+      <dgm:spPr/>
+      <dgm:t>
+        <a:bodyPr/>
+        <a:lstStyle/>
+        <a:p>
+          <a:endParaRPr lang="ru-RU"/>
+        </a:p>
+      </dgm:t>
+    </dgm:pt>
+    <dgm:pt modelId="{1957A5EE-5F78-4EA0-8357-F1C4327F3A10}" type="pres">
+      <dgm:prSet presAssocID="{BACBE0B8-D927-4ED6-873F-E2818792F1F7}" presName="hierRoot1" presStyleCnt="0">
+        <dgm:presLayoutVars>
+          <dgm:hierBranch val="init"/>
+        </dgm:presLayoutVars>
+      </dgm:prSet>
+      <dgm:spPr/>
+    </dgm:pt>
+    <dgm:pt modelId="{C95C1E97-9DD5-4130-9E8F-E7811E0FFF15}" type="pres">
+      <dgm:prSet presAssocID="{BACBE0B8-D927-4ED6-873F-E2818792F1F7}" presName="rootComposite1" presStyleCnt="0"/>
+      <dgm:spPr/>
+    </dgm:pt>
+    <dgm:pt modelId="{23318439-BEF3-4F36-A8C0-6A2F4B36D00F}" type="pres">
+      <dgm:prSet presAssocID="{BACBE0B8-D927-4ED6-873F-E2818792F1F7}" presName="rootText1" presStyleLbl="node0" presStyleIdx="0" presStyleCnt="1">
+        <dgm:presLayoutVars>
+          <dgm:chPref val="3"/>
+        </dgm:presLayoutVars>
+      </dgm:prSet>
+      <dgm:spPr/>
+      <dgm:t>
+        <a:bodyPr/>
+        <a:lstStyle/>
+        <a:p>
+          <a:endParaRPr lang="ru-RU"/>
+        </a:p>
+      </dgm:t>
+    </dgm:pt>
+    <dgm:pt modelId="{4AD37573-5478-4DAD-BA59-8592BE869F4B}" type="pres">
+      <dgm:prSet presAssocID="{BACBE0B8-D927-4ED6-873F-E2818792F1F7}" presName="rootConnector1" presStyleLbl="node1" presStyleIdx="0" presStyleCnt="0"/>
+      <dgm:spPr/>
+      <dgm:t>
+        <a:bodyPr/>
+        <a:lstStyle/>
+        <a:p>
+          <a:endParaRPr lang="ru-RU"/>
+        </a:p>
+      </dgm:t>
+    </dgm:pt>
+    <dgm:pt modelId="{63CD79ED-28FC-4C40-BDCF-8BFD1D2596ED}" type="pres">
+      <dgm:prSet presAssocID="{BACBE0B8-D927-4ED6-873F-E2818792F1F7}" presName="hierChild2" presStyleCnt="0"/>
+      <dgm:spPr/>
+    </dgm:pt>
+    <dgm:pt modelId="{A477661D-32F8-4EBE-9FC5-7D1E3E4FEF8D}" type="pres">
+      <dgm:prSet presAssocID="{E40B7DE8-8199-4E2A-8E0D-8ACC1EC17599}" presName="Name37" presStyleLbl="parChTrans1D2" presStyleIdx="0" presStyleCnt="2"/>
+      <dgm:spPr/>
+      <dgm:t>
+        <a:bodyPr/>
+        <a:lstStyle/>
+        <a:p>
+          <a:endParaRPr lang="ru-RU"/>
+        </a:p>
+      </dgm:t>
+    </dgm:pt>
+    <dgm:pt modelId="{7002E4F9-2F85-46AF-B9C1-80F2D1EB1A19}" type="pres">
+      <dgm:prSet presAssocID="{4F7AC5D6-617F-41C8-8AE1-278AE53AD61E}" presName="hierRoot2" presStyleCnt="0">
+        <dgm:presLayoutVars>
+          <dgm:hierBranch val="init"/>
+        </dgm:presLayoutVars>
+      </dgm:prSet>
+      <dgm:spPr/>
+    </dgm:pt>
+    <dgm:pt modelId="{004F6350-11A5-479D-B70D-50D9B71A8AD0}" type="pres">
+      <dgm:prSet presAssocID="{4F7AC5D6-617F-41C8-8AE1-278AE53AD61E}" presName="rootComposite" presStyleCnt="0"/>
+      <dgm:spPr/>
+    </dgm:pt>
+    <dgm:pt modelId="{58BFF039-2AC8-45D5-BF9E-293E9C20F367}" type="pres">
+      <dgm:prSet presAssocID="{4F7AC5D6-617F-41C8-8AE1-278AE53AD61E}" presName="rootText" presStyleLbl="node2" presStyleIdx="0" presStyleCnt="2">
+        <dgm:presLayoutVars>
+          <dgm:chPref val="3"/>
+        </dgm:presLayoutVars>
+      </dgm:prSet>
+      <dgm:spPr/>
+      <dgm:t>
+        <a:bodyPr/>
+        <a:lstStyle/>
+        <a:p>
+          <a:endParaRPr lang="ru-RU"/>
+        </a:p>
+      </dgm:t>
+    </dgm:pt>
+    <dgm:pt modelId="{9C2FFF84-5011-44B6-9C30-A252B40D8D97}" type="pres">
+      <dgm:prSet presAssocID="{4F7AC5D6-617F-41C8-8AE1-278AE53AD61E}" presName="rootConnector" presStyleLbl="node2" presStyleIdx="0" presStyleCnt="2"/>
+      <dgm:spPr/>
+      <dgm:t>
+        <a:bodyPr/>
+        <a:lstStyle/>
+        <a:p>
+          <a:endParaRPr lang="ru-RU"/>
+        </a:p>
+      </dgm:t>
+    </dgm:pt>
+    <dgm:pt modelId="{9546F4C3-86E4-497E-8A61-EAB89E1B3DEF}" type="pres">
+      <dgm:prSet presAssocID="{4F7AC5D6-617F-41C8-8AE1-278AE53AD61E}" presName="hierChild4" presStyleCnt="0"/>
+      <dgm:spPr/>
+    </dgm:pt>
+    <dgm:pt modelId="{0932EC7F-BE8E-41ED-9C94-67F3D3A2950D}" type="pres">
+      <dgm:prSet presAssocID="{4F7AC5D6-617F-41C8-8AE1-278AE53AD61E}" presName="hierChild5" presStyleCnt="0"/>
+      <dgm:spPr/>
+    </dgm:pt>
+    <dgm:pt modelId="{B4F17E52-F0B4-46EF-9C82-2961656E13D5}" type="pres">
+      <dgm:prSet presAssocID="{87579D51-676A-4517-ADBD-C47137349CD7}" presName="Name37" presStyleLbl="parChTrans1D2" presStyleIdx="1" presStyleCnt="2"/>
+      <dgm:spPr/>
+      <dgm:t>
+        <a:bodyPr/>
+        <a:lstStyle/>
+        <a:p>
+          <a:endParaRPr lang="ru-RU"/>
+        </a:p>
+      </dgm:t>
+    </dgm:pt>
+    <dgm:pt modelId="{087C183C-5782-4E63-982E-CCC6CCCA1ED4}" type="pres">
+      <dgm:prSet presAssocID="{6FDD31C3-7F82-4F76-8156-C317487187AA}" presName="hierRoot2" presStyleCnt="0">
+        <dgm:presLayoutVars>
+          <dgm:hierBranch val="init"/>
+        </dgm:presLayoutVars>
+      </dgm:prSet>
+      <dgm:spPr/>
+    </dgm:pt>
+    <dgm:pt modelId="{8F92E72E-D5D9-456E-97A6-803B919DC9A1}" type="pres">
+      <dgm:prSet presAssocID="{6FDD31C3-7F82-4F76-8156-C317487187AA}" presName="rootComposite" presStyleCnt="0"/>
+      <dgm:spPr/>
+    </dgm:pt>
+    <dgm:pt modelId="{FB5C8E47-C1C6-4822-AD98-9E1C8783B127}" type="pres">
+      <dgm:prSet presAssocID="{6FDD31C3-7F82-4F76-8156-C317487187AA}" presName="rootText" presStyleLbl="node2" presStyleIdx="1" presStyleCnt="2">
+        <dgm:presLayoutVars>
+          <dgm:chPref val="3"/>
+        </dgm:presLayoutVars>
+      </dgm:prSet>
+      <dgm:spPr/>
+      <dgm:t>
+        <a:bodyPr/>
+        <a:lstStyle/>
+        <a:p>
+          <a:endParaRPr lang="ru-RU"/>
+        </a:p>
+      </dgm:t>
+    </dgm:pt>
+    <dgm:pt modelId="{E98B8E49-B021-4EDF-8A70-DD8199E51C5A}" type="pres">
+      <dgm:prSet presAssocID="{6FDD31C3-7F82-4F76-8156-C317487187AA}" presName="rootConnector" presStyleLbl="node2" presStyleIdx="1" presStyleCnt="2"/>
+      <dgm:spPr/>
+      <dgm:t>
+        <a:bodyPr/>
+        <a:lstStyle/>
+        <a:p>
+          <a:endParaRPr lang="ru-RU"/>
+        </a:p>
+      </dgm:t>
+    </dgm:pt>
+    <dgm:pt modelId="{5D4DCA37-F5E7-43E2-9597-90A6599A2D81}" type="pres">
+      <dgm:prSet presAssocID="{6FDD31C3-7F82-4F76-8156-C317487187AA}" presName="hierChild4" presStyleCnt="0"/>
+      <dgm:spPr/>
+    </dgm:pt>
+    <dgm:pt modelId="{0CAEAEAE-6493-4251-A0D6-C06CD9E0E6EA}" type="pres">
+      <dgm:prSet presAssocID="{6FDD31C3-7F82-4F76-8156-C317487187AA}" presName="hierChild5" presStyleCnt="0"/>
+      <dgm:spPr/>
+    </dgm:pt>
+    <dgm:pt modelId="{DA31BADE-2151-4B81-A193-EB1D066CE663}" type="pres">
+      <dgm:prSet presAssocID="{BACBE0B8-D927-4ED6-873F-E2818792F1F7}" presName="hierChild3" presStyleCnt="0"/>
+      <dgm:spPr/>
+    </dgm:pt>
+  </dgm:ptLst>
+  <dgm:cxnLst>
+    <dgm:cxn modelId="{79510BCA-2030-4948-B559-B39E46A4DFDE}" type="presOf" srcId="{E40B7DE8-8199-4E2A-8E0D-8ACC1EC17599}" destId="{A477661D-32F8-4EBE-9FC5-7D1E3E4FEF8D}" srcOrd="0" destOrd="0" presId="urn:microsoft.com/office/officeart/2005/8/layout/orgChart1"/>
+    <dgm:cxn modelId="{96D8C40A-D88C-4EA8-ADB3-595B5310F249}" type="presOf" srcId="{BACBE0B8-D927-4ED6-873F-E2818792F1F7}" destId="{4AD37573-5478-4DAD-BA59-8592BE869F4B}" srcOrd="1" destOrd="0" presId="urn:microsoft.com/office/officeart/2005/8/layout/orgChart1"/>
+    <dgm:cxn modelId="{5C0C16BE-5909-4A91-A2FB-613D2327B941}" type="presOf" srcId="{BACBE0B8-D927-4ED6-873F-E2818792F1F7}" destId="{23318439-BEF3-4F36-A8C0-6A2F4B36D00F}" srcOrd="0" destOrd="0" presId="urn:microsoft.com/office/officeart/2005/8/layout/orgChart1"/>
+    <dgm:cxn modelId="{004B5237-7D91-4C3B-9706-ECFDA8363D20}" srcId="{BACBE0B8-D927-4ED6-873F-E2818792F1F7}" destId="{4F7AC5D6-617F-41C8-8AE1-278AE53AD61E}" srcOrd="0" destOrd="0" parTransId="{E40B7DE8-8199-4E2A-8E0D-8ACC1EC17599}" sibTransId="{1382CBDA-A565-4D84-95FF-20F11F3E9607}"/>
+    <dgm:cxn modelId="{43A777D4-91D1-46D2-AE3F-E44C6747BCE5}" type="presOf" srcId="{6FDD31C3-7F82-4F76-8156-C317487187AA}" destId="{E98B8E49-B021-4EDF-8A70-DD8199E51C5A}" srcOrd="1" destOrd="0" presId="urn:microsoft.com/office/officeart/2005/8/layout/orgChart1"/>
+    <dgm:cxn modelId="{3F4E77C1-FB2D-457C-B18C-469933CEB26D}" srcId="{BACBE0B8-D927-4ED6-873F-E2818792F1F7}" destId="{6FDD31C3-7F82-4F76-8156-C317487187AA}" srcOrd="1" destOrd="0" parTransId="{87579D51-676A-4517-ADBD-C47137349CD7}" sibTransId="{8689C7CF-8473-4F3F-8D2B-EF84A823D11A}"/>
+    <dgm:cxn modelId="{68D84807-EE3B-40BC-8462-4FF5FFCAFE02}" type="presOf" srcId="{6FDD31C3-7F82-4F76-8156-C317487187AA}" destId="{FB5C8E47-C1C6-4822-AD98-9E1C8783B127}" srcOrd="0" destOrd="0" presId="urn:microsoft.com/office/officeart/2005/8/layout/orgChart1"/>
+    <dgm:cxn modelId="{8688F05A-236A-4D30-974B-100BE44965CA}" type="presOf" srcId="{4F7AC5D6-617F-41C8-8AE1-278AE53AD61E}" destId="{58BFF039-2AC8-45D5-BF9E-293E9C20F367}" srcOrd="0" destOrd="0" presId="urn:microsoft.com/office/officeart/2005/8/layout/orgChart1"/>
+    <dgm:cxn modelId="{6E3B2D4E-BE3D-4871-9E0C-05C0055B920D}" srcId="{12BFEB49-97C5-446D-AF9C-6634B6315F76}" destId="{BACBE0B8-D927-4ED6-873F-E2818792F1F7}" srcOrd="0" destOrd="0" parTransId="{F13A1AA6-BB0C-4938-B22C-14F8724EF9C2}" sibTransId="{7F2E71B1-0FAD-4641-8B70-5A799EE34717}"/>
+    <dgm:cxn modelId="{3DB425DB-E13B-40E7-BA22-14FCCA2EDBA6}" type="presOf" srcId="{4F7AC5D6-617F-41C8-8AE1-278AE53AD61E}" destId="{9C2FFF84-5011-44B6-9C30-A252B40D8D97}" srcOrd="1" destOrd="0" presId="urn:microsoft.com/office/officeart/2005/8/layout/orgChart1"/>
+    <dgm:cxn modelId="{D85A2E7A-9389-4829-BC2F-5BCE641006A4}" type="presOf" srcId="{87579D51-676A-4517-ADBD-C47137349CD7}" destId="{B4F17E52-F0B4-46EF-9C82-2961656E13D5}" srcOrd="0" destOrd="0" presId="urn:microsoft.com/office/officeart/2005/8/layout/orgChart1"/>
+    <dgm:cxn modelId="{0C003F03-9402-406F-AC74-DEA313DD7D16}" type="presOf" srcId="{12BFEB49-97C5-446D-AF9C-6634B6315F76}" destId="{D5F6B982-630E-41D0-AD66-DC93D2E6F1C9}" srcOrd="0" destOrd="0" presId="urn:microsoft.com/office/officeart/2005/8/layout/orgChart1"/>
+    <dgm:cxn modelId="{0DAE8148-D151-4E88-872A-3A0C6B71FB83}" type="presParOf" srcId="{D5F6B982-630E-41D0-AD66-DC93D2E6F1C9}" destId="{1957A5EE-5F78-4EA0-8357-F1C4327F3A10}" srcOrd="0" destOrd="0" presId="urn:microsoft.com/office/officeart/2005/8/layout/orgChart1"/>
+    <dgm:cxn modelId="{9604F83A-259C-4AF9-9E4E-374F19152F9F}" type="presParOf" srcId="{1957A5EE-5F78-4EA0-8357-F1C4327F3A10}" destId="{C95C1E97-9DD5-4130-9E8F-E7811E0FFF15}" srcOrd="0" destOrd="0" presId="urn:microsoft.com/office/officeart/2005/8/layout/orgChart1"/>
+    <dgm:cxn modelId="{A1E43005-2F0C-4A51-8190-750F45A7660F}" type="presParOf" srcId="{C95C1E97-9DD5-4130-9E8F-E7811E0FFF15}" destId="{23318439-BEF3-4F36-A8C0-6A2F4B36D00F}" srcOrd="0" destOrd="0" presId="urn:microsoft.com/office/officeart/2005/8/layout/orgChart1"/>
+    <dgm:cxn modelId="{95D0737A-CFFB-42D7-9FA5-53684F14D46E}" type="presParOf" srcId="{C95C1E97-9DD5-4130-9E8F-E7811E0FFF15}" destId="{4AD37573-5478-4DAD-BA59-8592BE869F4B}" srcOrd="1" destOrd="0" presId="urn:microsoft.com/office/officeart/2005/8/layout/orgChart1"/>
+    <dgm:cxn modelId="{8C1158F6-2732-45C7-84EB-248A1C77B26C}" type="presParOf" srcId="{1957A5EE-5F78-4EA0-8357-F1C4327F3A10}" destId="{63CD79ED-28FC-4C40-BDCF-8BFD1D2596ED}" srcOrd="1" destOrd="0" presId="urn:microsoft.com/office/officeart/2005/8/layout/orgChart1"/>
+    <dgm:cxn modelId="{87120D6F-F9D4-42C5-8040-937E827ADCD5}" type="presParOf" srcId="{63CD79ED-28FC-4C40-BDCF-8BFD1D2596ED}" destId="{A477661D-32F8-4EBE-9FC5-7D1E3E4FEF8D}" srcOrd="0" destOrd="0" presId="urn:microsoft.com/office/officeart/2005/8/layout/orgChart1"/>
+    <dgm:cxn modelId="{62E59947-0233-4A72-AA3B-8B9477C06F6B}" type="presParOf" srcId="{63CD79ED-28FC-4C40-BDCF-8BFD1D2596ED}" destId="{7002E4F9-2F85-46AF-B9C1-80F2D1EB1A19}" srcOrd="1" destOrd="0" presId="urn:microsoft.com/office/officeart/2005/8/layout/orgChart1"/>
+    <dgm:cxn modelId="{24644D86-5CCE-4679-8A4E-9E9C4815C4D0}" type="presParOf" srcId="{7002E4F9-2F85-46AF-B9C1-80F2D1EB1A19}" destId="{004F6350-11A5-479D-B70D-50D9B71A8AD0}" srcOrd="0" destOrd="0" presId="urn:microsoft.com/office/officeart/2005/8/layout/orgChart1"/>
+    <dgm:cxn modelId="{7E1AD421-9537-4AE5-869F-0420BBD12788}" type="presParOf" srcId="{004F6350-11A5-479D-B70D-50D9B71A8AD0}" destId="{58BFF039-2AC8-45D5-BF9E-293E9C20F367}" srcOrd="0" destOrd="0" presId="urn:microsoft.com/office/officeart/2005/8/layout/orgChart1"/>
+    <dgm:cxn modelId="{6CAE95C5-9D5E-4C9E-A8EC-609D43AD7515}" type="presParOf" srcId="{004F6350-11A5-479D-B70D-50D9B71A8AD0}" destId="{9C2FFF84-5011-44B6-9C30-A252B40D8D97}" srcOrd="1" destOrd="0" presId="urn:microsoft.com/office/officeart/2005/8/layout/orgChart1"/>
+    <dgm:cxn modelId="{F97B9487-EA1D-498F-A816-F4F4F05CF160}" type="presParOf" srcId="{7002E4F9-2F85-46AF-B9C1-80F2D1EB1A19}" destId="{9546F4C3-86E4-497E-8A61-EAB89E1B3DEF}" srcOrd="1" destOrd="0" presId="urn:microsoft.com/office/officeart/2005/8/layout/orgChart1"/>
+    <dgm:cxn modelId="{6FD3535E-9D15-49A9-931D-415163BC147E}" type="presParOf" srcId="{7002E4F9-2F85-46AF-B9C1-80F2D1EB1A19}" destId="{0932EC7F-BE8E-41ED-9C94-67F3D3A2950D}" srcOrd="2" destOrd="0" presId="urn:microsoft.com/office/officeart/2005/8/layout/orgChart1"/>
+    <dgm:cxn modelId="{0041E32C-C870-401C-8A2B-A4E813C0260B}" type="presParOf" srcId="{63CD79ED-28FC-4C40-BDCF-8BFD1D2596ED}" destId="{B4F17E52-F0B4-46EF-9C82-2961656E13D5}" srcOrd="2" destOrd="0" presId="urn:microsoft.com/office/officeart/2005/8/layout/orgChart1"/>
+    <dgm:cxn modelId="{094D170C-F35E-4292-B2EC-54C8BCE98E40}" type="presParOf" srcId="{63CD79ED-28FC-4C40-BDCF-8BFD1D2596ED}" destId="{087C183C-5782-4E63-982E-CCC6CCCA1ED4}" srcOrd="3" destOrd="0" presId="urn:microsoft.com/office/officeart/2005/8/layout/orgChart1"/>
+    <dgm:cxn modelId="{F576CAAD-965E-4971-A6E7-A47713740544}" type="presParOf" srcId="{087C183C-5782-4E63-982E-CCC6CCCA1ED4}" destId="{8F92E72E-D5D9-456E-97A6-803B919DC9A1}" srcOrd="0" destOrd="0" presId="urn:microsoft.com/office/officeart/2005/8/layout/orgChart1"/>
+    <dgm:cxn modelId="{B084B9B9-058E-4468-803C-A6974793F205}" type="presParOf" srcId="{8F92E72E-D5D9-456E-97A6-803B919DC9A1}" destId="{FB5C8E47-C1C6-4822-AD98-9E1C8783B127}" srcOrd="0" destOrd="0" presId="urn:microsoft.com/office/officeart/2005/8/layout/orgChart1"/>
+    <dgm:cxn modelId="{236DDE3B-2367-445B-90E7-C2D6316A1FA5}" type="presParOf" srcId="{8F92E72E-D5D9-456E-97A6-803B919DC9A1}" destId="{E98B8E49-B021-4EDF-8A70-DD8199E51C5A}" srcOrd="1" destOrd="0" presId="urn:microsoft.com/office/officeart/2005/8/layout/orgChart1"/>
+    <dgm:cxn modelId="{504842EE-FE06-44C1-986A-82083B4440AF}" type="presParOf" srcId="{087C183C-5782-4E63-982E-CCC6CCCA1ED4}" destId="{5D4DCA37-F5E7-43E2-9597-90A6599A2D81}" srcOrd="1" destOrd="0" presId="urn:microsoft.com/office/officeart/2005/8/layout/orgChart1"/>
+    <dgm:cxn modelId="{796BA9D8-D42B-4C3F-8039-FEA8277FFFCE}" type="presParOf" srcId="{087C183C-5782-4E63-982E-CCC6CCCA1ED4}" destId="{0CAEAEAE-6493-4251-A0D6-C06CD9E0E6EA}" srcOrd="2" destOrd="0" presId="urn:microsoft.com/office/officeart/2005/8/layout/orgChart1"/>
+    <dgm:cxn modelId="{A7BF0FB5-E704-458C-991E-D9B27473960D}" type="presParOf" srcId="{1957A5EE-5F78-4EA0-8357-F1C4327F3A10}" destId="{DA31BADE-2151-4B81-A193-EB1D066CE663}" srcOrd="2" destOrd="0" presId="urn:microsoft.com/office/officeart/2005/8/layout/orgChart1"/>
+  </dgm:cxnLst>
+  <dgm:bg/>
+  <dgm:whole/>
+  <dgm:extLst>
+    <a:ext uri="http://schemas.microsoft.com/office/drawing/2008/diagram">
+      <dsp:dataModelExt xmlns:dsp="http://schemas.microsoft.com/office/drawing/2008/diagram" relId="rId6" minVer="http://schemas.openxmlformats.org/drawingml/2006/diagram"/>
     </a:ext>
   </dgm:extLst>
 </dgm:dataModel>
@@ -16906,6 +18011,481 @@
       </dsp:txBody>
       <dsp:txXfrm>
         <a:off x="1410715" y="698412"/>
+        <a:ext cx="983517" cy="491758"/>
+      </dsp:txXfrm>
+    </dsp:sp>
+  </dsp:spTree>
+</dsp:drawing>
+</file>
+
+<file path=ppt/diagrams/drawing9.xml><?xml version="1.0" encoding="utf-8"?>
+<dsp:drawing xmlns:dgm="http://schemas.openxmlformats.org/drawingml/2006/diagram" xmlns:dsp="http://schemas.microsoft.com/office/drawing/2008/diagram" xmlns:a="http://schemas.openxmlformats.org/drawingml/2006/main">
+  <dsp:spTree>
+    <dsp:nvGrpSpPr>
+      <dsp:cNvPr id="0" name=""/>
+      <dsp:cNvGrpSpPr/>
+    </dsp:nvGrpSpPr>
+    <dsp:grpSpPr/>
+    <dsp:sp modelId="{B4F17E52-F0B4-46EF-9C82-2961656E13D5}">
+      <dsp:nvSpPr>
+        <dsp:cNvPr id="0" name=""/>
+        <dsp:cNvSpPr/>
+      </dsp:nvSpPr>
+      <dsp:spPr>
+        <a:xfrm>
+          <a:off x="1902474" y="491873"/>
+          <a:ext cx="595028" cy="206538"/>
+        </a:xfrm>
+        <a:custGeom>
+          <a:avLst/>
+          <a:gdLst/>
+          <a:ahLst/>
+          <a:cxnLst/>
+          <a:rect l="0" t="0" r="0" b="0"/>
+          <a:pathLst>
+            <a:path>
+              <a:moveTo>
+                <a:pt x="0" y="0"/>
+              </a:moveTo>
+              <a:lnTo>
+                <a:pt x="0" y="103269"/>
+              </a:lnTo>
+              <a:lnTo>
+                <a:pt x="595028" y="103269"/>
+              </a:lnTo>
+              <a:lnTo>
+                <a:pt x="595028" y="206538"/>
+              </a:lnTo>
+            </a:path>
+          </a:pathLst>
+        </a:custGeom>
+        <a:noFill/>
+        <a:ln w="12700" cap="flat" cmpd="sng" algn="ctr">
+          <a:solidFill>
+            <a:schemeClr val="accent1">
+              <a:shade val="60000"/>
+              <a:hueOff val="0"/>
+              <a:satOff val="0"/>
+              <a:lumOff val="0"/>
+              <a:alphaOff val="0"/>
+            </a:schemeClr>
+          </a:solidFill>
+          <a:prstDash val="solid"/>
+          <a:miter lim="800000"/>
+        </a:ln>
+        <a:effectLst/>
+        <a:scene3d>
+          <a:camera prst="orthographicFront"/>
+          <a:lightRig rig="flat" dir="t"/>
+        </a:scene3d>
+        <a:sp3d prstMaterial="matte"/>
+      </dsp:spPr>
+      <dsp:style>
+        <a:lnRef idx="2">
+          <a:scrgbClr r="0" g="0" b="0"/>
+        </a:lnRef>
+        <a:fillRef idx="0">
+          <a:scrgbClr r="0" g="0" b="0"/>
+        </a:fillRef>
+        <a:effectRef idx="0">
+          <a:scrgbClr r="0" g="0" b="0"/>
+        </a:effectRef>
+        <a:fontRef idx="minor"/>
+      </dsp:style>
+    </dsp:sp>
+    <dsp:sp modelId="{A477661D-32F8-4EBE-9FC5-7D1E3E4FEF8D}">
+      <dsp:nvSpPr>
+        <dsp:cNvPr id="0" name=""/>
+        <dsp:cNvSpPr/>
+      </dsp:nvSpPr>
+      <dsp:spPr>
+        <a:xfrm>
+          <a:off x="1307445" y="491873"/>
+          <a:ext cx="595028" cy="206538"/>
+        </a:xfrm>
+        <a:custGeom>
+          <a:avLst/>
+          <a:gdLst/>
+          <a:ahLst/>
+          <a:cxnLst/>
+          <a:rect l="0" t="0" r="0" b="0"/>
+          <a:pathLst>
+            <a:path>
+              <a:moveTo>
+                <a:pt x="595028" y="0"/>
+              </a:moveTo>
+              <a:lnTo>
+                <a:pt x="595028" y="103269"/>
+              </a:lnTo>
+              <a:lnTo>
+                <a:pt x="0" y="103269"/>
+              </a:lnTo>
+              <a:lnTo>
+                <a:pt x="0" y="206538"/>
+              </a:lnTo>
+            </a:path>
+          </a:pathLst>
+        </a:custGeom>
+        <a:noFill/>
+        <a:ln w="12700" cap="flat" cmpd="sng" algn="ctr">
+          <a:solidFill>
+            <a:schemeClr val="accent1">
+              <a:shade val="60000"/>
+              <a:hueOff val="0"/>
+              <a:satOff val="0"/>
+              <a:lumOff val="0"/>
+              <a:alphaOff val="0"/>
+            </a:schemeClr>
+          </a:solidFill>
+          <a:prstDash val="solid"/>
+          <a:miter lim="800000"/>
+        </a:ln>
+        <a:effectLst/>
+        <a:scene3d>
+          <a:camera prst="orthographicFront"/>
+          <a:lightRig rig="flat" dir="t"/>
+        </a:scene3d>
+        <a:sp3d prstMaterial="matte"/>
+      </dsp:spPr>
+      <dsp:style>
+        <a:lnRef idx="2">
+          <a:scrgbClr r="0" g="0" b="0"/>
+        </a:lnRef>
+        <a:fillRef idx="0">
+          <a:scrgbClr r="0" g="0" b="0"/>
+        </a:fillRef>
+        <a:effectRef idx="0">
+          <a:scrgbClr r="0" g="0" b="0"/>
+        </a:effectRef>
+        <a:fontRef idx="minor"/>
+      </dsp:style>
+    </dsp:sp>
+    <dsp:sp modelId="{23318439-BEF3-4F36-A8C0-6A2F4B36D00F}">
+      <dsp:nvSpPr>
+        <dsp:cNvPr id="0" name=""/>
+        <dsp:cNvSpPr/>
+      </dsp:nvSpPr>
+      <dsp:spPr>
+        <a:xfrm>
+          <a:off x="1410715" y="114"/>
+          <a:ext cx="983517" cy="491758"/>
+        </a:xfrm>
+        <a:prstGeom prst="rect">
+          <a:avLst/>
+        </a:prstGeom>
+        <a:gradFill rotWithShape="0">
+          <a:gsLst>
+            <a:gs pos="0">
+              <a:schemeClr val="accent1">
+                <a:hueOff val="0"/>
+                <a:satOff val="0"/>
+                <a:lumOff val="0"/>
+                <a:alphaOff val="0"/>
+                <a:satMod val="103000"/>
+                <a:lumMod val="102000"/>
+                <a:tint val="94000"/>
+              </a:schemeClr>
+            </a:gs>
+            <a:gs pos="50000">
+              <a:schemeClr val="accent1">
+                <a:hueOff val="0"/>
+                <a:satOff val="0"/>
+                <a:lumOff val="0"/>
+                <a:alphaOff val="0"/>
+                <a:satMod val="110000"/>
+                <a:lumMod val="100000"/>
+                <a:shade val="100000"/>
+              </a:schemeClr>
+            </a:gs>
+            <a:gs pos="100000">
+              <a:schemeClr val="accent1">
+                <a:hueOff val="0"/>
+                <a:satOff val="0"/>
+                <a:lumOff val="0"/>
+                <a:alphaOff val="0"/>
+                <a:lumMod val="99000"/>
+                <a:satMod val="120000"/>
+                <a:shade val="78000"/>
+              </a:schemeClr>
+            </a:gs>
+          </a:gsLst>
+          <a:lin ang="5400000" scaled="0"/>
+        </a:gradFill>
+        <a:ln>
+          <a:noFill/>
+        </a:ln>
+        <a:effectLst/>
+        <a:scene3d>
+          <a:camera prst="orthographicFront"/>
+          <a:lightRig rig="flat" dir="t"/>
+        </a:scene3d>
+        <a:sp3d prstMaterial="plastic">
+          <a:bevelT w="120900" h="88900"/>
+          <a:bevelB w="88900" h="31750" prst="angle"/>
+        </a:sp3d>
+      </dsp:spPr>
+      <dsp:style>
+        <a:lnRef idx="0">
+          <a:scrgbClr r="0" g="0" b="0"/>
+        </a:lnRef>
+        <a:fillRef idx="3">
+          <a:scrgbClr r="0" g="0" b="0"/>
+        </a:fillRef>
+        <a:effectRef idx="2">
+          <a:scrgbClr r="0" g="0" b="0"/>
+        </a:effectRef>
+        <a:fontRef idx="minor">
+          <a:schemeClr val="lt1"/>
+        </a:fontRef>
+      </dsp:style>
+      <dsp:txBody>
+        <a:bodyPr spcFirstLastPara="0" vert="horz" wrap="square" lIns="8255" tIns="8255" rIns="8255" bIns="8255" numCol="1" spcCol="1270" anchor="ctr" anchorCtr="0">
+          <a:noAutofit/>
+        </a:bodyPr>
+        <a:lstStyle/>
+        <a:p>
+          <a:pPr lvl="0" algn="ctr" defTabSz="577850">
+            <a:lnSpc>
+              <a:spcPct val="90000"/>
+            </a:lnSpc>
+            <a:spcBef>
+              <a:spcPct val="0"/>
+            </a:spcBef>
+            <a:spcAft>
+              <a:spcPct val="35000"/>
+            </a:spcAft>
+          </a:pPr>
+          <a:r>
+            <a:rPr lang="en-US" sz="1300" kern="1200" dirty="0" smtClean="0"/>
+            <a:t>RTL Testbench (</a:t>
+          </a:r>
+          <a:r>
+            <a:rPr lang="de-DE" sz="1300" kern="1200" dirty="0" err="1" smtClean="0"/>
+            <a:t>fft_tb</a:t>
+          </a:r>
+          <a:r>
+            <a:rPr lang="en-US" sz="1300" kern="1200" dirty="0" smtClean="0"/>
+            <a:t>.v)</a:t>
+          </a:r>
+          <a:endParaRPr lang="ru-RU" sz="1300" kern="1200" dirty="0"/>
+        </a:p>
+      </dsp:txBody>
+      <dsp:txXfrm>
+        <a:off x="1410715" y="114"/>
+        <a:ext cx="983517" cy="491758"/>
+      </dsp:txXfrm>
+    </dsp:sp>
+    <dsp:sp modelId="{58BFF039-2AC8-45D5-BF9E-293E9C20F367}">
+      <dsp:nvSpPr>
+        <dsp:cNvPr id="0" name=""/>
+        <dsp:cNvSpPr/>
+      </dsp:nvSpPr>
+      <dsp:spPr>
+        <a:xfrm>
+          <a:off x="815686" y="698412"/>
+          <a:ext cx="983517" cy="491758"/>
+        </a:xfrm>
+        <a:prstGeom prst="rect">
+          <a:avLst/>
+        </a:prstGeom>
+        <a:gradFill rotWithShape="0">
+          <a:gsLst>
+            <a:gs pos="0">
+              <a:schemeClr val="accent1">
+                <a:hueOff val="0"/>
+                <a:satOff val="0"/>
+                <a:lumOff val="0"/>
+                <a:alphaOff val="0"/>
+                <a:satMod val="103000"/>
+                <a:lumMod val="102000"/>
+                <a:tint val="94000"/>
+              </a:schemeClr>
+            </a:gs>
+            <a:gs pos="50000">
+              <a:schemeClr val="accent1">
+                <a:hueOff val="0"/>
+                <a:satOff val="0"/>
+                <a:lumOff val="0"/>
+                <a:alphaOff val="0"/>
+                <a:satMod val="110000"/>
+                <a:lumMod val="100000"/>
+                <a:shade val="100000"/>
+              </a:schemeClr>
+            </a:gs>
+            <a:gs pos="100000">
+              <a:schemeClr val="accent1">
+                <a:hueOff val="0"/>
+                <a:satOff val="0"/>
+                <a:lumOff val="0"/>
+                <a:alphaOff val="0"/>
+                <a:lumMod val="99000"/>
+                <a:satMod val="120000"/>
+                <a:shade val="78000"/>
+              </a:schemeClr>
+            </a:gs>
+          </a:gsLst>
+          <a:lin ang="5400000" scaled="0"/>
+        </a:gradFill>
+        <a:ln>
+          <a:noFill/>
+        </a:ln>
+        <a:effectLst/>
+        <a:scene3d>
+          <a:camera prst="orthographicFront"/>
+          <a:lightRig rig="flat" dir="t"/>
+        </a:scene3d>
+        <a:sp3d prstMaterial="plastic">
+          <a:bevelT w="120900" h="88900"/>
+          <a:bevelB w="88900" h="31750" prst="angle"/>
+        </a:sp3d>
+      </dsp:spPr>
+      <dsp:style>
+        <a:lnRef idx="0">
+          <a:scrgbClr r="0" g="0" b="0"/>
+        </a:lnRef>
+        <a:fillRef idx="3">
+          <a:scrgbClr r="0" g="0" b="0"/>
+        </a:fillRef>
+        <a:effectRef idx="1">
+          <a:scrgbClr r="0" g="0" b="0"/>
+        </a:effectRef>
+        <a:fontRef idx="minor">
+          <a:schemeClr val="lt1"/>
+        </a:fontRef>
+      </dsp:style>
+      <dsp:txBody>
+        <a:bodyPr spcFirstLastPara="0" vert="horz" wrap="square" lIns="8255" tIns="8255" rIns="8255" bIns="8255" numCol="1" spcCol="1270" anchor="ctr" anchorCtr="0">
+          <a:noAutofit/>
+        </a:bodyPr>
+        <a:lstStyle/>
+        <a:p>
+          <a:pPr lvl="0" algn="ctr" defTabSz="577850">
+            <a:lnSpc>
+              <a:spcPct val="90000"/>
+            </a:lnSpc>
+            <a:spcBef>
+              <a:spcPct val="0"/>
+            </a:spcBef>
+            <a:spcAft>
+              <a:spcPct val="35000"/>
+            </a:spcAft>
+          </a:pPr>
+          <a:r>
+            <a:rPr lang="en-US" sz="1300" kern="1200" dirty="0" smtClean="0"/>
+            <a:t>FFT</a:t>
+          </a:r>
+          <a:endParaRPr lang="ru-RU" sz="1300" kern="1200" dirty="0"/>
+        </a:p>
+      </dsp:txBody>
+      <dsp:txXfrm>
+        <a:off x="815686" y="698412"/>
+        <a:ext cx="983517" cy="491758"/>
+      </dsp:txXfrm>
+    </dsp:sp>
+    <dsp:sp modelId="{FB5C8E47-C1C6-4822-AD98-9E1C8783B127}">
+      <dsp:nvSpPr>
+        <dsp:cNvPr id="0" name=""/>
+        <dsp:cNvSpPr/>
+      </dsp:nvSpPr>
+      <dsp:spPr>
+        <a:xfrm>
+          <a:off x="2005743" y="698412"/>
+          <a:ext cx="983517" cy="491758"/>
+        </a:xfrm>
+        <a:prstGeom prst="rect">
+          <a:avLst/>
+        </a:prstGeom>
+        <a:gradFill rotWithShape="0">
+          <a:gsLst>
+            <a:gs pos="0">
+              <a:schemeClr val="accent1">
+                <a:hueOff val="0"/>
+                <a:satOff val="0"/>
+                <a:lumOff val="0"/>
+                <a:alphaOff val="0"/>
+                <a:satMod val="103000"/>
+                <a:lumMod val="102000"/>
+                <a:tint val="94000"/>
+              </a:schemeClr>
+            </a:gs>
+            <a:gs pos="50000">
+              <a:schemeClr val="accent1">
+                <a:hueOff val="0"/>
+                <a:satOff val="0"/>
+                <a:lumOff val="0"/>
+                <a:alphaOff val="0"/>
+                <a:satMod val="110000"/>
+                <a:lumMod val="100000"/>
+                <a:shade val="100000"/>
+              </a:schemeClr>
+            </a:gs>
+            <a:gs pos="100000">
+              <a:schemeClr val="accent1">
+                <a:hueOff val="0"/>
+                <a:satOff val="0"/>
+                <a:lumOff val="0"/>
+                <a:alphaOff val="0"/>
+                <a:lumMod val="99000"/>
+                <a:satMod val="120000"/>
+                <a:shade val="78000"/>
+              </a:schemeClr>
+            </a:gs>
+          </a:gsLst>
+          <a:lin ang="5400000" scaled="0"/>
+        </a:gradFill>
+        <a:ln>
+          <a:noFill/>
+        </a:ln>
+        <a:effectLst/>
+        <a:scene3d>
+          <a:camera prst="orthographicFront"/>
+          <a:lightRig rig="flat" dir="t"/>
+        </a:scene3d>
+        <a:sp3d prstMaterial="plastic">
+          <a:bevelT w="120900" h="88900"/>
+          <a:bevelB w="88900" h="31750" prst="angle"/>
+        </a:sp3d>
+      </dsp:spPr>
+      <dsp:style>
+        <a:lnRef idx="0">
+          <a:scrgbClr r="0" g="0" b="0"/>
+        </a:lnRef>
+        <a:fillRef idx="3">
+          <a:scrgbClr r="0" g="0" b="0"/>
+        </a:fillRef>
+        <a:effectRef idx="1">
+          <a:scrgbClr r="0" g="0" b="0"/>
+        </a:effectRef>
+        <a:fontRef idx="minor">
+          <a:schemeClr val="lt1"/>
+        </a:fontRef>
+      </dsp:style>
+      <dsp:txBody>
+        <a:bodyPr spcFirstLastPara="0" vert="horz" wrap="square" lIns="8255" tIns="8255" rIns="8255" bIns="8255" numCol="1" spcCol="1270" anchor="ctr" anchorCtr="0">
+          <a:noAutofit/>
+        </a:bodyPr>
+        <a:lstStyle/>
+        <a:p>
+          <a:pPr lvl="0" algn="ctr" defTabSz="577850">
+            <a:lnSpc>
+              <a:spcPct val="90000"/>
+            </a:lnSpc>
+            <a:spcBef>
+              <a:spcPct val="0"/>
+            </a:spcBef>
+            <a:spcAft>
+              <a:spcPct val="35000"/>
+            </a:spcAft>
+          </a:pPr>
+          <a:r>
+            <a:rPr lang="en-US" sz="1300" kern="1200" dirty="0" smtClean="0"/>
+            <a:t>Inverse FFT</a:t>
+          </a:r>
+          <a:endParaRPr lang="ru-RU" sz="1300" kern="1200" dirty="0"/>
+        </a:p>
+      </dsp:txBody>
+      <dsp:txXfrm>
+        <a:off x="2005743" y="698412"/>
         <a:ext cx="983517" cy="491758"/>
       </dsp:txXfrm>
     </dsp:sp>
@@ -24332,6 +25912,1152 @@
 </dgm:layoutDef>
 </file>
 
+<file path=ppt/diagrams/layout9.xml><?xml version="1.0" encoding="utf-8"?>
+<dgm:layoutDef xmlns:dgm="http://schemas.openxmlformats.org/drawingml/2006/diagram" xmlns:a="http://schemas.openxmlformats.org/drawingml/2006/main" uniqueId="urn:microsoft.com/office/officeart/2005/8/layout/orgChart1">
+  <dgm:title val=""/>
+  <dgm:desc val=""/>
+  <dgm:catLst>
+    <dgm:cat type="hierarchy" pri="1000"/>
+    <dgm:cat type="convert" pri="6000"/>
+  </dgm:catLst>
+  <dgm:sampData>
+    <dgm:dataModel>
+      <dgm:ptLst>
+        <dgm:pt modelId="0" type="doc"/>
+        <dgm:pt modelId="1">
+          <dgm:prSet phldr="1"/>
+        </dgm:pt>
+        <dgm:pt modelId="2" type="asst">
+          <dgm:prSet phldr="1"/>
+        </dgm:pt>
+        <dgm:pt modelId="3">
+          <dgm:prSet phldr="1"/>
+        </dgm:pt>
+        <dgm:pt modelId="4">
+          <dgm:prSet phldr="1"/>
+        </dgm:pt>
+        <dgm:pt modelId="5">
+          <dgm:prSet phldr="1"/>
+        </dgm:pt>
+      </dgm:ptLst>
+      <dgm:cxnLst>
+        <dgm:cxn modelId="5" srcId="0" destId="1" srcOrd="0" destOrd="0"/>
+        <dgm:cxn modelId="6" srcId="1" destId="2" srcOrd="0" destOrd="0"/>
+        <dgm:cxn modelId="7" srcId="1" destId="3" srcOrd="1" destOrd="0"/>
+        <dgm:cxn modelId="8" srcId="1" destId="4" srcOrd="2" destOrd="0"/>
+        <dgm:cxn modelId="9" srcId="1" destId="5" srcOrd="3" destOrd="0"/>
+      </dgm:cxnLst>
+      <dgm:bg/>
+      <dgm:whole/>
+    </dgm:dataModel>
+  </dgm:sampData>
+  <dgm:styleData>
+    <dgm:dataModel>
+      <dgm:ptLst>
+        <dgm:pt modelId="0" type="doc"/>
+        <dgm:pt modelId="1"/>
+        <dgm:pt modelId="12"/>
+        <dgm:pt modelId="13"/>
+      </dgm:ptLst>
+      <dgm:cxnLst>
+        <dgm:cxn modelId="2" srcId="0" destId="1" srcOrd="0" destOrd="0"/>
+        <dgm:cxn modelId="16" srcId="1" destId="12" srcOrd="1" destOrd="0"/>
+        <dgm:cxn modelId="17" srcId="1" destId="13" srcOrd="2" destOrd="0"/>
+      </dgm:cxnLst>
+      <dgm:bg/>
+      <dgm:whole/>
+    </dgm:dataModel>
+  </dgm:styleData>
+  <dgm:clrData>
+    <dgm:dataModel>
+      <dgm:ptLst>
+        <dgm:pt modelId="0" type="doc"/>
+        <dgm:pt modelId="1"/>
+        <dgm:pt modelId="11" type="asst"/>
+        <dgm:pt modelId="12"/>
+        <dgm:pt modelId="13"/>
+        <dgm:pt modelId="14"/>
+      </dgm:ptLst>
+      <dgm:cxnLst>
+        <dgm:cxn modelId="2" srcId="0" destId="1" srcOrd="0" destOrd="0"/>
+        <dgm:cxn modelId="15" srcId="1" destId="11" srcOrd="0" destOrd="0"/>
+        <dgm:cxn modelId="16" srcId="1" destId="12" srcOrd="1" destOrd="0"/>
+        <dgm:cxn modelId="17" srcId="1" destId="13" srcOrd="2" destOrd="0"/>
+        <dgm:cxn modelId="18" srcId="1" destId="14" srcOrd="2" destOrd="0"/>
+      </dgm:cxnLst>
+      <dgm:bg/>
+      <dgm:whole/>
+    </dgm:dataModel>
+  </dgm:clrData>
+  <dgm:layoutNode name="hierChild1">
+    <dgm:varLst>
+      <dgm:orgChart val="1"/>
+      <dgm:chPref val="1"/>
+      <dgm:dir/>
+      <dgm:animOne val="branch"/>
+      <dgm:animLvl val="lvl"/>
+      <dgm:resizeHandles/>
+    </dgm:varLst>
+    <dgm:choose name="Name0">
+      <dgm:if name="Name1" func="var" arg="dir" op="equ" val="norm">
+        <dgm:alg type="hierChild">
+          <dgm:param type="linDir" val="fromL"/>
+        </dgm:alg>
+      </dgm:if>
+      <dgm:else name="Name2">
+        <dgm:alg type="hierChild">
+          <dgm:param type="linDir" val="fromR"/>
+        </dgm:alg>
+      </dgm:else>
+    </dgm:choose>
+    <dgm:shape xmlns:r="http://schemas.openxmlformats.org/officeDocument/2006/relationships" r:blip="">
+      <dgm:adjLst/>
+    </dgm:shape>
+    <dgm:presOf/>
+    <dgm:constrLst>
+      <dgm:constr type="w" for="des" forName="rootComposite1" refType="w" fact="10"/>
+      <dgm:constr type="h" for="des" forName="rootComposite1" refType="w" refFor="des" refForName="rootComposite1" fact="0.5"/>
+      <dgm:constr type="w" for="des" forName="rootComposite" refType="w" fact="10"/>
+      <dgm:constr type="h" for="des" forName="rootComposite" refType="w" refFor="des" refForName="rootComposite1" fact="0.5"/>
+      <dgm:constr type="w" for="des" forName="rootComposite3" refType="w" fact="10"/>
+      <dgm:constr type="h" for="des" forName="rootComposite3" refType="w" refFor="des" refForName="rootComposite1" fact="0.5"/>
+      <dgm:constr type="primFontSz" for="des" ptType="node" op="equ"/>
+      <dgm:constr type="sp" for="des" op="equ"/>
+      <dgm:constr type="sp" for="des" forName="hierRoot1" refType="w" refFor="des" refForName="rootComposite1" fact="0.21"/>
+      <dgm:constr type="sp" for="des" forName="hierRoot2" refType="sp" refFor="des" refForName="hierRoot1"/>
+      <dgm:constr type="sp" for="des" forName="hierRoot3" refType="sp" refFor="des" refForName="hierRoot1"/>
+      <dgm:constr type="sibSp" refType="w" refFor="des" refForName="rootComposite1" fact="0.21"/>
+      <dgm:constr type="sibSp" for="des" forName="hierChild2" refType="sibSp"/>
+      <dgm:constr type="sibSp" for="des" forName="hierChild3" refType="sibSp"/>
+      <dgm:constr type="sibSp" for="des" forName="hierChild4" refType="sibSp"/>
+      <dgm:constr type="sibSp" for="des" forName="hierChild5" refType="sibSp"/>
+      <dgm:constr type="sibSp" for="des" forName="hierChild6" refType="sibSp"/>
+      <dgm:constr type="sibSp" for="des" forName="hierChild7" refType="sibSp"/>
+      <dgm:constr type="secSibSp" refType="w" refFor="des" refForName="rootComposite1" fact="0.21"/>
+      <dgm:constr type="secSibSp" for="des" forName="hierChild2" refType="secSibSp"/>
+      <dgm:constr type="secSibSp" for="des" forName="hierChild3" refType="secSibSp"/>
+      <dgm:constr type="secSibSp" for="des" forName="hierChild4" refType="secSibSp"/>
+      <dgm:constr type="secSibSp" for="des" forName="hierChild5" refType="secSibSp"/>
+      <dgm:constr type="secSibSp" for="des" forName="hierChild6" refType="secSibSp"/>
+      <dgm:constr type="secSibSp" for="des" forName="hierChild7" refType="secSibSp"/>
+    </dgm:constrLst>
+    <dgm:ruleLst/>
+    <dgm:forEach name="Name3" axis="ch">
+      <dgm:forEach name="Name4" axis="self" ptType="node">
+        <dgm:layoutNode name="hierRoot1">
+          <dgm:varLst>
+            <dgm:hierBranch val="init"/>
+          </dgm:varLst>
+          <dgm:choose name="Name5">
+            <dgm:if name="Name6" func="var" arg="hierBranch" op="equ" val="l">
+              <dgm:choose name="Name7">
+                <dgm:if name="Name8" axis="ch" ptType="asst" func="cnt" op="gte" val="1">
+                  <dgm:alg type="hierRoot">
+                    <dgm:param type="hierAlign" val="tR"/>
+                  </dgm:alg>
+                  <dgm:constrLst>
+                    <dgm:constr type="alignOff" val="0.65"/>
+                  </dgm:constrLst>
+                </dgm:if>
+                <dgm:else name="Name9">
+                  <dgm:alg type="hierRoot">
+                    <dgm:param type="hierAlign" val="tR"/>
+                  </dgm:alg>
+                  <dgm:constrLst>
+                    <dgm:constr type="alignOff" val="0.25"/>
+                  </dgm:constrLst>
+                </dgm:else>
+              </dgm:choose>
+            </dgm:if>
+            <dgm:if name="Name10" func="var" arg="hierBranch" op="equ" val="r">
+              <dgm:choose name="Name11">
+                <dgm:if name="Name12" axis="ch" ptType="asst" func="cnt" op="gte" val="1">
+                  <dgm:alg type="hierRoot">
+                    <dgm:param type="hierAlign" val="tL"/>
+                  </dgm:alg>
+                  <dgm:constrLst>
+                    <dgm:constr type="alignOff" val="0.65"/>
+                  </dgm:constrLst>
+                </dgm:if>
+                <dgm:else name="Name13">
+                  <dgm:alg type="hierRoot">
+                    <dgm:param type="hierAlign" val="tL"/>
+                  </dgm:alg>
+                  <dgm:constrLst>
+                    <dgm:constr type="alignOff" val="0.25"/>
+                  </dgm:constrLst>
+                </dgm:else>
+              </dgm:choose>
+            </dgm:if>
+            <dgm:if name="Name14" func="var" arg="hierBranch" op="equ" val="hang">
+              <dgm:alg type="hierRoot"/>
+              <dgm:constrLst>
+                <dgm:constr type="alignOff" val="0.65"/>
+              </dgm:constrLst>
+            </dgm:if>
+            <dgm:else name="Name15">
+              <dgm:alg type="hierRoot"/>
+              <dgm:constrLst>
+                <dgm:constr type="alignOff"/>
+                <dgm:constr type="bendDist" for="des" ptType="parTrans" refType="sp" fact="0.5"/>
+              </dgm:constrLst>
+            </dgm:else>
+          </dgm:choose>
+          <dgm:shape xmlns:r="http://schemas.openxmlformats.org/officeDocument/2006/relationships" r:blip="">
+            <dgm:adjLst/>
+          </dgm:shape>
+          <dgm:presOf/>
+          <dgm:ruleLst/>
+          <dgm:layoutNode name="rootComposite1">
+            <dgm:alg type="composite"/>
+            <dgm:shape xmlns:r="http://schemas.openxmlformats.org/officeDocument/2006/relationships" r:blip="">
+              <dgm:adjLst/>
+            </dgm:shape>
+            <dgm:presOf axis="self" ptType="node" cnt="1"/>
+            <dgm:choose name="Name16">
+              <dgm:if name="Name17" func="var" arg="hierBranch" op="equ" val="init">
+                <dgm:constrLst>
+                  <dgm:constr type="l" for="ch" forName="rootText1"/>
+                  <dgm:constr type="t" for="ch" forName="rootText1"/>
+                  <dgm:constr type="w" for="ch" forName="rootText1" refType="w"/>
+                  <dgm:constr type="h" for="ch" forName="rootText1" refType="h"/>
+                  <dgm:constr type="l" for="ch" forName="rootConnector1"/>
+                  <dgm:constr type="t" for="ch" forName="rootConnector1"/>
+                  <dgm:constr type="w" for="ch" forName="rootConnector1" refType="w" refFor="ch" refForName="rootText1" fact="0.2"/>
+                  <dgm:constr type="h" for="ch" forName="rootConnector1" refType="h" refFor="ch" refForName="rootText1"/>
+                </dgm:constrLst>
+              </dgm:if>
+              <dgm:if name="Name18" func="var" arg="hierBranch" op="equ" val="l">
+                <dgm:constrLst>
+                  <dgm:constr type="l" for="ch" forName="rootText1"/>
+                  <dgm:constr type="t" for="ch" forName="rootText1"/>
+                  <dgm:constr type="w" for="ch" forName="rootText1" refType="w"/>
+                  <dgm:constr type="h" for="ch" forName="rootText1" refType="h"/>
+                  <dgm:constr type="r" for="ch" forName="rootConnector1" refType="w"/>
+                  <dgm:constr type="t" for="ch" forName="rootConnector1"/>
+                  <dgm:constr type="w" for="ch" forName="rootConnector1" refType="w" refFor="ch" refForName="rootText1" fact="0.2"/>
+                  <dgm:constr type="h" for="ch" forName="rootConnector1" refType="h" refFor="ch" refForName="rootText1"/>
+                </dgm:constrLst>
+              </dgm:if>
+              <dgm:if name="Name19" func="var" arg="hierBranch" op="equ" val="r">
+                <dgm:constrLst>
+                  <dgm:constr type="l" for="ch" forName="rootText1"/>
+                  <dgm:constr type="t" for="ch" forName="rootText1"/>
+                  <dgm:constr type="w" for="ch" forName="rootText1" refType="w"/>
+                  <dgm:constr type="h" for="ch" forName="rootText1" refType="h"/>
+                  <dgm:constr type="l" for="ch" forName="rootConnector1"/>
+                  <dgm:constr type="t" for="ch" forName="rootConnector1"/>
+                  <dgm:constr type="w" for="ch" forName="rootConnector1" refType="w" refFor="ch" refForName="rootText1" fact="0.2"/>
+                  <dgm:constr type="h" for="ch" forName="rootConnector1" refType="h" refFor="ch" refForName="rootText1"/>
+                </dgm:constrLst>
+              </dgm:if>
+              <dgm:else name="Name20">
+                <dgm:constrLst>
+                  <dgm:constr type="l" for="ch" forName="rootText1"/>
+                  <dgm:constr type="t" for="ch" forName="rootText1"/>
+                  <dgm:constr type="w" for="ch" forName="rootText1" refType="w"/>
+                  <dgm:constr type="h" for="ch" forName="rootText1" refType="h"/>
+                  <dgm:constr type="r" for="ch" forName="rootConnector1" refType="w"/>
+                  <dgm:constr type="t" for="ch" forName="rootConnector1"/>
+                  <dgm:constr type="w" for="ch" forName="rootConnector1" refType="w" refFor="ch" refForName="rootText1" fact="0.2"/>
+                  <dgm:constr type="h" for="ch" forName="rootConnector1" refType="h" refFor="ch" refForName="rootText1"/>
+                </dgm:constrLst>
+              </dgm:else>
+            </dgm:choose>
+            <dgm:ruleLst/>
+            <dgm:layoutNode name="rootText1" styleLbl="node0">
+              <dgm:varLst>
+                <dgm:chPref val="3"/>
+              </dgm:varLst>
+              <dgm:alg type="tx"/>
+              <dgm:shape xmlns:r="http://schemas.openxmlformats.org/officeDocument/2006/relationships" type="rect" r:blip="">
+                <dgm:adjLst/>
+              </dgm:shape>
+              <dgm:presOf axis="self" ptType="node" cnt="1"/>
+              <dgm:constrLst>
+                <dgm:constr type="primFontSz" val="65"/>
+                <dgm:constr type="lMarg" refType="primFontSz" fact="0.05"/>
+                <dgm:constr type="rMarg" refType="primFontSz" fact="0.05"/>
+                <dgm:constr type="tMarg" refType="primFontSz" fact="0.05"/>
+                <dgm:constr type="bMarg" refType="primFontSz" fact="0.05"/>
+              </dgm:constrLst>
+              <dgm:ruleLst>
+                <dgm:rule type="primFontSz" val="5" fact="NaN" max="NaN"/>
+              </dgm:ruleLst>
+            </dgm:layoutNode>
+            <dgm:layoutNode name="rootConnector1" moveWith="rootText1">
+              <dgm:alg type="sp"/>
+              <dgm:shape xmlns:r="http://schemas.openxmlformats.org/officeDocument/2006/relationships" type="rect" r:blip="" hideGeom="1">
+                <dgm:adjLst/>
+              </dgm:shape>
+              <dgm:presOf axis="self" ptType="node" cnt="1"/>
+              <dgm:constrLst/>
+              <dgm:ruleLst/>
+            </dgm:layoutNode>
+          </dgm:layoutNode>
+          <dgm:layoutNode name="hierChild2">
+            <dgm:choose name="Name21">
+              <dgm:if name="Name22" func="var" arg="hierBranch" op="equ" val="l">
+                <dgm:alg type="hierChild">
+                  <dgm:param type="chAlign" val="r"/>
+                  <dgm:param type="linDir" val="fromT"/>
+                </dgm:alg>
+              </dgm:if>
+              <dgm:if name="Name23" func="var" arg="hierBranch" op="equ" val="r">
+                <dgm:alg type="hierChild">
+                  <dgm:param type="chAlign" val="l"/>
+                  <dgm:param type="linDir" val="fromT"/>
+                </dgm:alg>
+              </dgm:if>
+              <dgm:if name="Name24" func="var" arg="hierBranch" op="equ" val="hang">
+                <dgm:choose name="Name25">
+                  <dgm:if name="Name26" func="var" arg="dir" op="equ" val="norm">
+                    <dgm:alg type="hierChild">
+                      <dgm:param type="chAlign" val="l"/>
+                      <dgm:param type="linDir" val="fromL"/>
+                      <dgm:param type="secChAlign" val="t"/>
+                      <dgm:param type="secLinDir" val="fromT"/>
+                    </dgm:alg>
+                  </dgm:if>
+                  <dgm:else name="Name27">
+                    <dgm:alg type="hierChild">
+                      <dgm:param type="chAlign" val="l"/>
+                      <dgm:param type="linDir" val="fromR"/>
+                      <dgm:param type="secChAlign" val="t"/>
+                      <dgm:param type="secLinDir" val="fromT"/>
+                    </dgm:alg>
+                  </dgm:else>
+                </dgm:choose>
+              </dgm:if>
+              <dgm:else name="Name28">
+                <dgm:choose name="Name29">
+                  <dgm:if name="Name30" func="var" arg="dir" op="equ" val="norm">
+                    <dgm:alg type="hierChild"/>
+                  </dgm:if>
+                  <dgm:else name="Name31">
+                    <dgm:alg type="hierChild">
+                      <dgm:param type="linDir" val="fromR"/>
+                    </dgm:alg>
+                  </dgm:else>
+                </dgm:choose>
+              </dgm:else>
+            </dgm:choose>
+            <dgm:shape xmlns:r="http://schemas.openxmlformats.org/officeDocument/2006/relationships" r:blip="">
+              <dgm:adjLst/>
+            </dgm:shape>
+            <dgm:presOf/>
+            <dgm:constrLst/>
+            <dgm:ruleLst/>
+            <dgm:forEach name="rep2a" axis="ch" ptType="nonAsst">
+              <dgm:forEach name="Name32" axis="precedSib" ptType="parTrans" st="-1" cnt="1">
+                <dgm:choose name="Name33">
+                  <dgm:if name="Name34" func="var" arg="hierBranch" op="equ" val="std">
+                    <dgm:layoutNode name="Name35">
+                      <dgm:alg type="conn">
+                        <dgm:param type="connRout" val="bend"/>
+                        <dgm:param type="dim" val="1D"/>
+                        <dgm:param type="endSty" val="noArr"/>
+                        <dgm:param type="begPts" val="bCtr"/>
+                        <dgm:param type="endPts" val="tCtr"/>
+                        <dgm:param type="bendPt" val="end"/>
+                      </dgm:alg>
+                      <dgm:shape xmlns:r="http://schemas.openxmlformats.org/officeDocument/2006/relationships" type="conn" r:blip="" zOrderOff="-99999">
+                        <dgm:adjLst/>
+                      </dgm:shape>
+                      <dgm:presOf axis="self"/>
+                      <dgm:constrLst>
+                        <dgm:constr type="begPad"/>
+                        <dgm:constr type="endPad"/>
+                      </dgm:constrLst>
+                      <dgm:ruleLst/>
+                    </dgm:layoutNode>
+                  </dgm:if>
+                  <dgm:if name="Name36" func="var" arg="hierBranch" op="equ" val="init">
+                    <dgm:layoutNode name="Name37">
+                      <dgm:choose name="Name38">
+                        <dgm:if name="Name39" axis="self" func="depth" op="lte" val="2">
+                          <dgm:alg type="conn">
+                            <dgm:param type="connRout" val="bend"/>
+                            <dgm:param type="dim" val="1D"/>
+                            <dgm:param type="endSty" val="noArr"/>
+                            <dgm:param type="begPts" val="bCtr"/>
+                            <dgm:param type="endPts" val="tCtr"/>
+                            <dgm:param type="bendPt" val="end"/>
+                          </dgm:alg>
+                        </dgm:if>
+                        <dgm:else name="Name40">
+                          <dgm:choose name="Name41">
+                            <dgm:if name="Name42" axis="par des" func="maxDepth" op="lte" val="1">
+                              <dgm:choose name="Name43">
+                                <dgm:if name="Name44" axis="par ch" ptType="node asst" func="cnt" op="gte" val="1">
+                                  <dgm:alg type="conn">
+                                    <dgm:param type="connRout" val="bend"/>
+                                    <dgm:param type="dim" val="1D"/>
+                                    <dgm:param type="endSty" val="noArr"/>
+                                    <dgm:param type="begPts" val="bCtr"/>
+                                    <dgm:param type="endPts" val="midL midR"/>
+                                  </dgm:alg>
+                                </dgm:if>
+                                <dgm:else name="Name45">
+                                  <dgm:alg type="conn">
+                                    <dgm:param type="connRout" val="bend"/>
+                                    <dgm:param type="dim" val="1D"/>
+                                    <dgm:param type="endSty" val="noArr"/>
+                                    <dgm:param type="begPts" val="bCtr"/>
+                                    <dgm:param type="endPts" val="midL midR"/>
+                                    <dgm:param type="srcNode" val="rootConnector"/>
+                                  </dgm:alg>
+                                </dgm:else>
+                              </dgm:choose>
+                            </dgm:if>
+                            <dgm:else name="Name46">
+                              <dgm:alg type="conn">
+                                <dgm:param type="connRout" val="bend"/>
+                                <dgm:param type="dim" val="1D"/>
+                                <dgm:param type="endSty" val="noArr"/>
+                                <dgm:param type="begPts" val="bCtr"/>
+                                <dgm:param type="endPts" val="tCtr"/>
+                                <dgm:param type="bendPt" val="end"/>
+                              </dgm:alg>
+                            </dgm:else>
+                          </dgm:choose>
+                        </dgm:else>
+                      </dgm:choose>
+                      <dgm:shape xmlns:r="http://schemas.openxmlformats.org/officeDocument/2006/relationships" type="conn" r:blip="" zOrderOff="-99999">
+                        <dgm:adjLst/>
+                      </dgm:shape>
+                      <dgm:presOf axis="self"/>
+                      <dgm:constrLst>
+                        <dgm:constr type="begPad"/>
+                        <dgm:constr type="endPad"/>
+                      </dgm:constrLst>
+                      <dgm:ruleLst/>
+                    </dgm:layoutNode>
+                  </dgm:if>
+                  <dgm:if name="Name47" func="var" arg="hierBranch" op="equ" val="hang">
+                    <dgm:layoutNode name="Name48">
+                      <dgm:alg type="conn">
+                        <dgm:param type="connRout" val="bend"/>
+                        <dgm:param type="dim" val="1D"/>
+                        <dgm:param type="endSty" val="noArr"/>
+                        <dgm:param type="begPts" val="bCtr"/>
+                        <dgm:param type="endPts" val="midL midR"/>
+                      </dgm:alg>
+                      <dgm:shape xmlns:r="http://schemas.openxmlformats.org/officeDocument/2006/relationships" type="conn" r:blip="" zOrderOff="-99999">
+                        <dgm:adjLst/>
+                      </dgm:shape>
+                      <dgm:presOf axis="self"/>
+                      <dgm:constrLst>
+                        <dgm:constr type="begPad"/>
+                        <dgm:constr type="endPad"/>
+                      </dgm:constrLst>
+                      <dgm:ruleLst/>
+                    </dgm:layoutNode>
+                  </dgm:if>
+                  <dgm:else name="Name49">
+                    <dgm:layoutNode name="Name50">
+                      <dgm:choose name="Name51">
+                        <dgm:if name="Name52" axis="self" func="depth" op="lte" val="2">
+                          <dgm:choose name="Name53">
+                            <dgm:if name="Name54" axis="par ch" ptType="node asst" func="cnt" op="gte" val="1">
+                              <dgm:alg type="conn">
+                                <dgm:param type="connRout" val="bend"/>
+                                <dgm:param type="dim" val="1D"/>
+                                <dgm:param type="endSty" val="noArr"/>
+                                <dgm:param type="begPts" val="bCtr"/>
+                                <dgm:param type="endPts" val="midL midR"/>
+                              </dgm:alg>
+                            </dgm:if>
+                            <dgm:else name="Name55">
+                              <dgm:alg type="conn">
+                                <dgm:param type="connRout" val="bend"/>
+                                <dgm:param type="dim" val="1D"/>
+                                <dgm:param type="endSty" val="noArr"/>
+                                <dgm:param type="begPts" val="bCtr"/>
+                                <dgm:param type="endPts" val="midL midR"/>
+                                <dgm:param type="srcNode" val="rootConnector1"/>
+                              </dgm:alg>
+                            </dgm:else>
+                          </dgm:choose>
+                        </dgm:if>
+                        <dgm:else name="Name56">
+                          <dgm:choose name="Name57">
+                            <dgm:if name="Name58" axis="par ch" ptType="node asst" func="cnt" op="gte" val="1">
+                              <dgm:alg type="conn">
+                                <dgm:param type="connRout" val="bend"/>
+                                <dgm:param type="dim" val="1D"/>
+                                <dgm:param type="endSty" val="noArr"/>
+                                <dgm:param type="begPts" val="bCtr"/>
+                                <dgm:param type="endPts" val="midL midR"/>
+                              </dgm:alg>
+                            </dgm:if>
+                            <dgm:else name="Name59">
+                              <dgm:alg type="conn">
+                                <dgm:param type="connRout" val="bend"/>
+                                <dgm:param type="dim" val="1D"/>
+                                <dgm:param type="endSty" val="noArr"/>
+                                <dgm:param type="begPts" val="bCtr"/>
+                                <dgm:param type="endPts" val="midL midR"/>
+                                <dgm:param type="srcNode" val="rootConnector"/>
+                              </dgm:alg>
+                            </dgm:else>
+                          </dgm:choose>
+                        </dgm:else>
+                      </dgm:choose>
+                      <dgm:shape xmlns:r="http://schemas.openxmlformats.org/officeDocument/2006/relationships" type="conn" r:blip="" zOrderOff="-99999">
+                        <dgm:adjLst/>
+                      </dgm:shape>
+                      <dgm:presOf axis="self"/>
+                      <dgm:constrLst>
+                        <dgm:constr type="begPad"/>
+                        <dgm:constr type="endPad"/>
+                      </dgm:constrLst>
+                      <dgm:ruleLst/>
+                    </dgm:layoutNode>
+                  </dgm:else>
+                </dgm:choose>
+              </dgm:forEach>
+              <dgm:layoutNode name="hierRoot2">
+                <dgm:varLst>
+                  <dgm:hierBranch val="init"/>
+                </dgm:varLst>
+                <dgm:choose name="Name60">
+                  <dgm:if name="Name61" func="var" arg="hierBranch" op="equ" val="l">
+                    <dgm:choose name="Name62">
+                      <dgm:if name="Name63" axis="ch" ptType="asst" func="cnt" op="gte" val="1">
+                        <dgm:alg type="hierRoot">
+                          <dgm:param type="hierAlign" val="tR"/>
+                        </dgm:alg>
+                        <dgm:shape xmlns:r="http://schemas.openxmlformats.org/officeDocument/2006/relationships" r:blip="">
+                          <dgm:adjLst/>
+                        </dgm:shape>
+                        <dgm:presOf/>
+                        <dgm:constrLst>
+                          <dgm:constr type="alignOff" val="0.65"/>
+                        </dgm:constrLst>
+                      </dgm:if>
+                      <dgm:else name="Name64">
+                        <dgm:alg type="hierRoot">
+                          <dgm:param type="hierAlign" val="tR"/>
+                        </dgm:alg>
+                        <dgm:shape xmlns:r="http://schemas.openxmlformats.org/officeDocument/2006/relationships" r:blip="">
+                          <dgm:adjLst/>
+                        </dgm:shape>
+                        <dgm:presOf/>
+                        <dgm:constrLst>
+                          <dgm:constr type="alignOff" val="0.25"/>
+                        </dgm:constrLst>
+                      </dgm:else>
+                    </dgm:choose>
+                  </dgm:if>
+                  <dgm:if name="Name65" func="var" arg="hierBranch" op="equ" val="r">
+                    <dgm:choose name="Name66">
+                      <dgm:if name="Name67" axis="ch" ptType="asst" func="cnt" op="gte" val="1">
+                        <dgm:alg type="hierRoot">
+                          <dgm:param type="hierAlign" val="tL"/>
+                        </dgm:alg>
+                        <dgm:shape xmlns:r="http://schemas.openxmlformats.org/officeDocument/2006/relationships" r:blip="">
+                          <dgm:adjLst/>
+                        </dgm:shape>
+                        <dgm:presOf/>
+                        <dgm:constrLst>
+                          <dgm:constr type="alignOff" val="0.65"/>
+                        </dgm:constrLst>
+                      </dgm:if>
+                      <dgm:else name="Name68">
+                        <dgm:alg type="hierRoot">
+                          <dgm:param type="hierAlign" val="tL"/>
+                        </dgm:alg>
+                        <dgm:shape xmlns:r="http://schemas.openxmlformats.org/officeDocument/2006/relationships" r:blip="">
+                          <dgm:adjLst/>
+                        </dgm:shape>
+                        <dgm:presOf/>
+                        <dgm:constrLst>
+                          <dgm:constr type="alignOff" val="0.25"/>
+                        </dgm:constrLst>
+                      </dgm:else>
+                    </dgm:choose>
+                  </dgm:if>
+                  <dgm:if name="Name69" func="var" arg="hierBranch" op="equ" val="std">
+                    <dgm:alg type="hierRoot"/>
+                    <dgm:shape xmlns:r="http://schemas.openxmlformats.org/officeDocument/2006/relationships" r:blip="">
+                      <dgm:adjLst/>
+                    </dgm:shape>
+                    <dgm:presOf/>
+                    <dgm:constrLst>
+                      <dgm:constr type="alignOff"/>
+                      <dgm:constr type="bendDist" for="des" ptType="parTrans" refType="sp" fact="0.5"/>
+                    </dgm:constrLst>
+                  </dgm:if>
+                  <dgm:if name="Name70" func="var" arg="hierBranch" op="equ" val="init">
+                    <dgm:choose name="Name71">
+                      <dgm:if name="Name72" axis="des" func="maxDepth" op="lte" val="1">
+                        <dgm:choose name="Name73">
+                          <dgm:if name="Name74" axis="ch" ptType="asst" func="cnt" op="gte" val="1">
+                            <dgm:alg type="hierRoot">
+                              <dgm:param type="hierAlign" val="tL"/>
+                            </dgm:alg>
+                            <dgm:shape xmlns:r="http://schemas.openxmlformats.org/officeDocument/2006/relationships" r:blip="">
+                              <dgm:adjLst/>
+                            </dgm:shape>
+                            <dgm:presOf/>
+                            <dgm:constrLst>
+                              <dgm:constr type="alignOff" val="0.65"/>
+                            </dgm:constrLst>
+                          </dgm:if>
+                          <dgm:else name="Name75">
+                            <dgm:alg type="hierRoot">
+                              <dgm:param type="hierAlign" val="tL"/>
+                            </dgm:alg>
+                            <dgm:shape xmlns:r="http://schemas.openxmlformats.org/officeDocument/2006/relationships" r:blip="">
+                              <dgm:adjLst/>
+                            </dgm:shape>
+                            <dgm:presOf/>
+                            <dgm:constrLst>
+                              <dgm:constr type="alignOff" val="0.25"/>
+                            </dgm:constrLst>
+                          </dgm:else>
+                        </dgm:choose>
+                      </dgm:if>
+                      <dgm:else name="Name76">
+                        <dgm:alg type="hierRoot"/>
+                        <dgm:shape xmlns:r="http://schemas.openxmlformats.org/officeDocument/2006/relationships" r:blip="">
+                          <dgm:adjLst/>
+                        </dgm:shape>
+                        <dgm:presOf/>
+                        <dgm:constrLst>
+                          <dgm:constr type="alignOff"/>
+                          <dgm:constr type="bendDist" for="des" ptType="parTrans" refType="sp" fact="0.5"/>
+                        </dgm:constrLst>
+                      </dgm:else>
+                    </dgm:choose>
+                  </dgm:if>
+                  <dgm:else name="Name77">
+                    <dgm:alg type="hierRoot"/>
+                    <dgm:shape xmlns:r="http://schemas.openxmlformats.org/officeDocument/2006/relationships" r:blip="">
+                      <dgm:adjLst/>
+                    </dgm:shape>
+                    <dgm:presOf/>
+                    <dgm:constrLst>
+                      <dgm:constr type="alignOff" val="0.65"/>
+                    </dgm:constrLst>
+                  </dgm:else>
+                </dgm:choose>
+                <dgm:ruleLst/>
+                <dgm:layoutNode name="rootComposite">
+                  <dgm:alg type="composite"/>
+                  <dgm:shape xmlns:r="http://schemas.openxmlformats.org/officeDocument/2006/relationships" r:blip="">
+                    <dgm:adjLst/>
+                  </dgm:shape>
+                  <dgm:presOf axis="self" ptType="node" cnt="1"/>
+                  <dgm:choose name="Name78">
+                    <dgm:if name="Name79" func="var" arg="hierBranch" op="equ" val="init">
+                      <dgm:constrLst>
+                        <dgm:constr type="l" for="ch" forName="rootText"/>
+                        <dgm:constr type="t" for="ch" forName="rootText"/>
+                        <dgm:constr type="w" for="ch" forName="rootText" refType="w"/>
+                        <dgm:constr type="h" for="ch" forName="rootText" refType="h"/>
+                        <dgm:constr type="l" for="ch" forName="rootConnector"/>
+                        <dgm:constr type="t" for="ch" forName="rootConnector"/>
+                        <dgm:constr type="w" for="ch" forName="rootConnector" refType="w" refFor="ch" refForName="rootText" fact="0.2"/>
+                        <dgm:constr type="h" for="ch" forName="rootConnector" refType="h" refFor="ch" refForName="rootText"/>
+                      </dgm:constrLst>
+                    </dgm:if>
+                    <dgm:if name="Name80" func="var" arg="hierBranch" op="equ" val="l">
+                      <dgm:constrLst>
+                        <dgm:constr type="l" for="ch" forName="rootText"/>
+                        <dgm:constr type="t" for="ch" forName="rootText"/>
+                        <dgm:constr type="w" for="ch" forName="rootText" refType="w"/>
+                        <dgm:constr type="h" for="ch" forName="rootText" refType="h"/>
+                        <dgm:constr type="r" for="ch" forName="rootConnector" refType="w"/>
+                        <dgm:constr type="t" for="ch" forName="rootConnector"/>
+                        <dgm:constr type="w" for="ch" forName="rootConnector" refType="w" refFor="ch" refForName="rootText" fact="0.2"/>
+                        <dgm:constr type="h" for="ch" forName="rootConnector" refType="h" refFor="ch" refForName="rootText"/>
+                      </dgm:constrLst>
+                    </dgm:if>
+                    <dgm:if name="Name81" func="var" arg="hierBranch" op="equ" val="r">
+                      <dgm:constrLst>
+                        <dgm:constr type="l" for="ch" forName="rootText"/>
+                        <dgm:constr type="t" for="ch" forName="rootText"/>
+                        <dgm:constr type="w" for="ch" forName="rootText" refType="w"/>
+                        <dgm:constr type="h" for="ch" forName="rootText" refType="h"/>
+                        <dgm:constr type="l" for="ch" forName="rootConnector"/>
+                        <dgm:constr type="t" for="ch" forName="rootConnector"/>
+                        <dgm:constr type="w" for="ch" forName="rootConnector" refType="w" refFor="ch" refForName="rootText" fact="0.2"/>
+                        <dgm:constr type="h" for="ch" forName="rootConnector" refType="h" refFor="ch" refForName="rootText"/>
+                      </dgm:constrLst>
+                    </dgm:if>
+                    <dgm:else name="Name82">
+                      <dgm:constrLst>
+                        <dgm:constr type="l" for="ch" forName="rootText"/>
+                        <dgm:constr type="t" for="ch" forName="rootText"/>
+                        <dgm:constr type="w" for="ch" forName="rootText" refType="w"/>
+                        <dgm:constr type="h" for="ch" forName="rootText" refType="h"/>
+                        <dgm:constr type="r" for="ch" forName="rootConnector" refType="w"/>
+                        <dgm:constr type="t" for="ch" forName="rootConnector"/>
+                        <dgm:constr type="w" for="ch" forName="rootConnector" refType="w" refFor="ch" refForName="rootText" fact="0.2"/>
+                        <dgm:constr type="h" for="ch" forName="rootConnector" refType="h" refFor="ch" refForName="rootText"/>
+                      </dgm:constrLst>
+                    </dgm:else>
+                  </dgm:choose>
+                  <dgm:ruleLst/>
+                  <dgm:layoutNode name="rootText">
+                    <dgm:varLst>
+                      <dgm:chPref val="3"/>
+                    </dgm:varLst>
+                    <dgm:alg type="tx"/>
+                    <dgm:shape xmlns:r="http://schemas.openxmlformats.org/officeDocument/2006/relationships" type="rect" r:blip="">
+                      <dgm:adjLst/>
+                    </dgm:shape>
+                    <dgm:presOf axis="self" ptType="node" cnt="1"/>
+                    <dgm:constrLst>
+                      <dgm:constr type="primFontSz" val="65"/>
+                      <dgm:constr type="lMarg" refType="primFontSz" fact="0.05"/>
+                      <dgm:constr type="rMarg" refType="primFontSz" fact="0.05"/>
+                      <dgm:constr type="tMarg" refType="primFontSz" fact="0.05"/>
+                      <dgm:constr type="bMarg" refType="primFontSz" fact="0.05"/>
+                    </dgm:constrLst>
+                    <dgm:ruleLst>
+                      <dgm:rule type="primFontSz" val="5" fact="NaN" max="NaN"/>
+                    </dgm:ruleLst>
+                  </dgm:layoutNode>
+                  <dgm:layoutNode name="rootConnector" moveWith="rootText">
+                    <dgm:alg type="sp"/>
+                    <dgm:shape xmlns:r="http://schemas.openxmlformats.org/officeDocument/2006/relationships" type="rect" r:blip="" hideGeom="1">
+                      <dgm:adjLst/>
+                    </dgm:shape>
+                    <dgm:presOf axis="self" ptType="node" cnt="1"/>
+                    <dgm:constrLst/>
+                    <dgm:ruleLst/>
+                  </dgm:layoutNode>
+                </dgm:layoutNode>
+                <dgm:layoutNode name="hierChild4">
+                  <dgm:choose name="Name83">
+                    <dgm:if name="Name84" func="var" arg="hierBranch" op="equ" val="l">
+                      <dgm:alg type="hierChild">
+                        <dgm:param type="chAlign" val="r"/>
+                        <dgm:param type="linDir" val="fromT"/>
+                      </dgm:alg>
+                    </dgm:if>
+                    <dgm:if name="Name85" func="var" arg="hierBranch" op="equ" val="r">
+                      <dgm:alg type="hierChild">
+                        <dgm:param type="chAlign" val="l"/>
+                        <dgm:param type="linDir" val="fromT"/>
+                      </dgm:alg>
+                    </dgm:if>
+                    <dgm:if name="Name86" func="var" arg="hierBranch" op="equ" val="hang">
+                      <dgm:choose name="Name87">
+                        <dgm:if name="Name88" func="var" arg="dir" op="equ" val="norm">
+                          <dgm:alg type="hierChild">
+                            <dgm:param type="chAlign" val="l"/>
+                            <dgm:param type="linDir" val="fromL"/>
+                            <dgm:param type="secChAlign" val="t"/>
+                            <dgm:param type="secLinDir" val="fromT"/>
+                          </dgm:alg>
+                        </dgm:if>
+                        <dgm:else name="Name89">
+                          <dgm:alg type="hierChild">
+                            <dgm:param type="chAlign" val="l"/>
+                            <dgm:param type="linDir" val="fromR"/>
+                            <dgm:param type="secChAlign" val="t"/>
+                            <dgm:param type="secLinDir" val="fromT"/>
+                          </dgm:alg>
+                        </dgm:else>
+                      </dgm:choose>
+                    </dgm:if>
+                    <dgm:if name="Name90" func="var" arg="hierBranch" op="equ" val="std">
+                      <dgm:choose name="Name91">
+                        <dgm:if name="Name92" func="var" arg="dir" op="equ" val="norm">
+                          <dgm:alg type="hierChild"/>
+                        </dgm:if>
+                        <dgm:else name="Name93">
+                          <dgm:alg type="hierChild">
+                            <dgm:param type="linDir" val="fromR"/>
+                          </dgm:alg>
+                        </dgm:else>
+                      </dgm:choose>
+                    </dgm:if>
+                    <dgm:if name="Name94" func="var" arg="hierBranch" op="equ" val="init">
+                      <dgm:choose name="Name95">
+                        <dgm:if name="Name96" axis="des" func="maxDepth" op="lte" val="1">
+                          <dgm:alg type="hierChild">
+                            <dgm:param type="chAlign" val="l"/>
+                            <dgm:param type="linDir" val="fromT"/>
+                          </dgm:alg>
+                        </dgm:if>
+                        <dgm:else name="Name97">
+                          <dgm:choose name="Name98">
+                            <dgm:if name="Name99" func="var" arg="dir" op="equ" val="norm">
+                              <dgm:alg type="hierChild"/>
+                            </dgm:if>
+                            <dgm:else name="Name100">
+                              <dgm:alg type="hierChild">
+                                <dgm:param type="linDir" val="fromR"/>
+                              </dgm:alg>
+                            </dgm:else>
+                          </dgm:choose>
+                        </dgm:else>
+                      </dgm:choose>
+                    </dgm:if>
+                    <dgm:else name="Name101"/>
+                  </dgm:choose>
+                  <dgm:shape xmlns:r="http://schemas.openxmlformats.org/officeDocument/2006/relationships" r:blip="">
+                    <dgm:adjLst/>
+                  </dgm:shape>
+                  <dgm:presOf/>
+                  <dgm:constrLst/>
+                  <dgm:ruleLst/>
+                  <dgm:forEach name="Name102" ref="rep2a"/>
+                </dgm:layoutNode>
+                <dgm:layoutNode name="hierChild5">
+                  <dgm:choose name="Name103">
+                    <dgm:if name="Name104" func="var" arg="dir" op="equ" val="norm">
+                      <dgm:alg type="hierChild">
+                        <dgm:param type="chAlign" val="l"/>
+                        <dgm:param type="linDir" val="fromL"/>
+                        <dgm:param type="secChAlign" val="t"/>
+                        <dgm:param type="secLinDir" val="fromT"/>
+                      </dgm:alg>
+                    </dgm:if>
+                    <dgm:else name="Name105">
+                      <dgm:alg type="hierChild">
+                        <dgm:param type="chAlign" val="l"/>
+                        <dgm:param type="linDir" val="fromR"/>
+                        <dgm:param type="secChAlign" val="t"/>
+                        <dgm:param type="secLinDir" val="fromT"/>
+                      </dgm:alg>
+                    </dgm:else>
+                  </dgm:choose>
+                  <dgm:shape xmlns:r="http://schemas.openxmlformats.org/officeDocument/2006/relationships" r:blip="">
+                    <dgm:adjLst/>
+                  </dgm:shape>
+                  <dgm:presOf/>
+                  <dgm:constrLst/>
+                  <dgm:ruleLst/>
+                  <dgm:forEach name="Name106" ref="rep2b"/>
+                </dgm:layoutNode>
+              </dgm:layoutNode>
+            </dgm:forEach>
+          </dgm:layoutNode>
+          <dgm:layoutNode name="hierChild3">
+            <dgm:choose name="Name107">
+              <dgm:if name="Name108" func="var" arg="dir" op="equ" val="norm">
+                <dgm:alg type="hierChild">
+                  <dgm:param type="chAlign" val="l"/>
+                  <dgm:param type="linDir" val="fromL"/>
+                  <dgm:param type="secChAlign" val="t"/>
+                  <dgm:param type="secLinDir" val="fromT"/>
+                </dgm:alg>
+              </dgm:if>
+              <dgm:else name="Name109">
+                <dgm:alg type="hierChild">
+                  <dgm:param type="chAlign" val="l"/>
+                  <dgm:param type="linDir" val="fromR"/>
+                  <dgm:param type="secChAlign" val="t"/>
+                  <dgm:param type="secLinDir" val="fromT"/>
+                </dgm:alg>
+              </dgm:else>
+            </dgm:choose>
+            <dgm:shape xmlns:r="http://schemas.openxmlformats.org/officeDocument/2006/relationships" r:blip="">
+              <dgm:adjLst/>
+            </dgm:shape>
+            <dgm:presOf/>
+            <dgm:constrLst/>
+            <dgm:ruleLst/>
+            <dgm:forEach name="rep2b" axis="ch" ptType="asst">
+              <dgm:forEach name="Name110" axis="precedSib" ptType="parTrans" st="-1" cnt="1">
+                <dgm:layoutNode name="Name111">
+                  <dgm:alg type="conn">
+                    <dgm:param type="connRout" val="bend"/>
+                    <dgm:param type="dim" val="1D"/>
+                    <dgm:param type="endSty" val="noArr"/>
+                    <dgm:param type="begPts" val="bCtr"/>
+                    <dgm:param type="endPts" val="midL midR"/>
+                  </dgm:alg>
+                  <dgm:shape xmlns:r="http://schemas.openxmlformats.org/officeDocument/2006/relationships" type="conn" r:blip="" zOrderOff="-99999">
+                    <dgm:adjLst/>
+                  </dgm:shape>
+                  <dgm:presOf axis="self"/>
+                  <dgm:constrLst>
+                    <dgm:constr type="begPad"/>
+                    <dgm:constr type="endPad"/>
+                  </dgm:constrLst>
+                  <dgm:ruleLst/>
+                </dgm:layoutNode>
+              </dgm:forEach>
+              <dgm:layoutNode name="hierRoot3">
+                <dgm:varLst>
+                  <dgm:hierBranch val="init"/>
+                </dgm:varLst>
+                <dgm:choose name="Name112">
+                  <dgm:if name="Name113" func="var" arg="hierBranch" op="equ" val="l">
+                    <dgm:alg type="hierRoot">
+                      <dgm:param type="hierAlign" val="tR"/>
+                    </dgm:alg>
+                    <dgm:shape xmlns:r="http://schemas.openxmlformats.org/officeDocument/2006/relationships" r:blip="">
+                      <dgm:adjLst/>
+                    </dgm:shape>
+                    <dgm:presOf/>
+                    <dgm:constrLst>
+                      <dgm:constr type="alignOff" val="0.65"/>
+                    </dgm:constrLst>
+                  </dgm:if>
+                  <dgm:if name="Name114" func="var" arg="hierBranch" op="equ" val="r">
+                    <dgm:alg type="hierRoot">
+                      <dgm:param type="hierAlign" val="tL"/>
+                    </dgm:alg>
+                    <dgm:shape xmlns:r="http://schemas.openxmlformats.org/officeDocument/2006/relationships" r:blip="">
+                      <dgm:adjLst/>
+                    </dgm:shape>
+                    <dgm:presOf/>
+                    <dgm:constrLst>
+                      <dgm:constr type="alignOff" val="0.65"/>
+                    </dgm:constrLst>
+                  </dgm:if>
+                  <dgm:if name="Name115" func="var" arg="hierBranch" op="equ" val="hang">
+                    <dgm:alg type="hierRoot"/>
+                    <dgm:shape xmlns:r="http://schemas.openxmlformats.org/officeDocument/2006/relationships" r:blip="">
+                      <dgm:adjLst/>
+                    </dgm:shape>
+                    <dgm:presOf/>
+                    <dgm:constrLst>
+                      <dgm:constr type="alignOff" val="0.65"/>
+                    </dgm:constrLst>
+                  </dgm:if>
+                  <dgm:if name="Name116" func="var" arg="hierBranch" op="equ" val="std">
+                    <dgm:alg type="hierRoot"/>
+                    <dgm:shape xmlns:r="http://schemas.openxmlformats.org/officeDocument/2006/relationships" r:blip="">
+                      <dgm:adjLst/>
+                    </dgm:shape>
+                    <dgm:presOf/>
+                    <dgm:constrLst>
+                      <dgm:constr type="alignOff"/>
+                      <dgm:constr type="bendDist" for="des" ptType="parTrans" refType="sp" fact="0.5"/>
+                    </dgm:constrLst>
+                  </dgm:if>
+                  <dgm:if name="Name117" func="var" arg="hierBranch" op="equ" val="init">
+                    <dgm:choose name="Name118">
+                      <dgm:if name="Name119" axis="des" func="maxDepth" op="lte" val="1">
+                        <dgm:alg type="hierRoot">
+                          <dgm:param type="hierAlign" val="tL"/>
+                        </dgm:alg>
+                        <dgm:shape xmlns:r="http://schemas.openxmlformats.org/officeDocument/2006/relationships" r:blip="">
+                          <dgm:adjLst/>
+                        </dgm:shape>
+                        <dgm:presOf/>
+                        <dgm:constrLst>
+                          <dgm:constr type="alignOff" val="0.65"/>
+                        </dgm:constrLst>
+                      </dgm:if>
+                      <dgm:else name="Name120">
+                        <dgm:alg type="hierRoot"/>
+                        <dgm:shape xmlns:r="http://schemas.openxmlformats.org/officeDocument/2006/relationships" r:blip="">
+                          <dgm:adjLst/>
+                        </dgm:shape>
+                        <dgm:presOf/>
+                        <dgm:constrLst>
+                          <dgm:constr type="alignOff"/>
+                          <dgm:constr type="bendDist" for="des" ptType="parTrans" refType="sp" fact="0.5"/>
+                        </dgm:constrLst>
+                      </dgm:else>
+                    </dgm:choose>
+                  </dgm:if>
+                  <dgm:else name="Name121"/>
+                </dgm:choose>
+                <dgm:ruleLst/>
+                <dgm:layoutNode name="rootComposite3">
+                  <dgm:alg type="composite"/>
+                  <dgm:shape xmlns:r="http://schemas.openxmlformats.org/officeDocument/2006/relationships" r:blip="">
+                    <dgm:adjLst/>
+                  </dgm:shape>
+                  <dgm:presOf axis="self" ptType="node" cnt="1"/>
+                  <dgm:choose name="Name122">
+                    <dgm:if name="Name123" func="var" arg="hierBranch" op="equ" val="init">
+                      <dgm:constrLst>
+                        <dgm:constr type="l" for="ch" forName="rootText3"/>
+                        <dgm:constr type="t" for="ch" forName="rootText3"/>
+                        <dgm:constr type="w" for="ch" forName="rootText3" refType="w"/>
+                        <dgm:constr type="h" for="ch" forName="rootText3" refType="h"/>
+                        <dgm:constr type="l" for="ch" forName="rootConnector3"/>
+                        <dgm:constr type="t" for="ch" forName="rootConnector3"/>
+                        <dgm:constr type="w" for="ch" forName="rootConnector3" refType="w" refFor="ch" refForName="rootText3" fact="0.2"/>
+                        <dgm:constr type="h" for="ch" forName="rootConnector3" refType="h" refFor="ch" refForName="rootText3"/>
+                      </dgm:constrLst>
+                    </dgm:if>
+                    <dgm:if name="Name124" func="var" arg="hierBranch" op="equ" val="l">
+                      <dgm:constrLst>
+                        <dgm:constr type="l" for="ch" forName="rootText3"/>
+                        <dgm:constr type="t" for="ch" forName="rootText3"/>
+                        <dgm:constr type="w" for="ch" forName="rootText3" refType="w"/>
+                        <dgm:constr type="h" for="ch" forName="rootText3" refType="h"/>
+                        <dgm:constr type="r" for="ch" forName="rootConnector3" refType="w"/>
+                        <dgm:constr type="t" for="ch" forName="rootConnector3"/>
+                        <dgm:constr type="w" for="ch" forName="rootConnector3" refType="w" refFor="ch" refForName="rootText3" fact="0.2"/>
+                        <dgm:constr type="h" for="ch" forName="rootConnector3" refType="h" refFor="ch" refForName="rootText3"/>
+                      </dgm:constrLst>
+                    </dgm:if>
+                    <dgm:if name="Name125" func="var" arg="hierBranch" op="equ" val="r">
+                      <dgm:constrLst>
+                        <dgm:constr type="l" for="ch" forName="rootText3"/>
+                        <dgm:constr type="t" for="ch" forName="rootText3"/>
+                        <dgm:constr type="w" for="ch" forName="rootText3" refType="w"/>
+                        <dgm:constr type="h" for="ch" forName="rootText3" refType="h"/>
+                        <dgm:constr type="l" for="ch" forName="rootConnector3"/>
+                        <dgm:constr type="t" for="ch" forName="rootConnector3"/>
+                        <dgm:constr type="w" for="ch" forName="rootConnector3" refType="w" refFor="ch" refForName="rootText3" fact="0.2"/>
+                        <dgm:constr type="h" for="ch" forName="rootConnector3" refType="h" refFor="ch" refForName="rootText3"/>
+                      </dgm:constrLst>
+                    </dgm:if>
+                    <dgm:else name="Name126">
+                      <dgm:constrLst>
+                        <dgm:constr type="l" for="ch" forName="rootText3"/>
+                        <dgm:constr type="t" for="ch" forName="rootText3"/>
+                        <dgm:constr type="w" for="ch" forName="rootText3" refType="w"/>
+                        <dgm:constr type="h" for="ch" forName="rootText3" refType="h"/>
+                        <dgm:constr type="r" for="ch" forName="rootConnector3" refType="w"/>
+                        <dgm:constr type="t" for="ch" forName="rootConnector3"/>
+                        <dgm:constr type="w" for="ch" forName="rootConnector3" refType="w" refFor="ch" refForName="rootText3" fact="0.2"/>
+                        <dgm:constr type="h" for="ch" forName="rootConnector3" refType="h" refFor="ch" refForName="rootText3"/>
+                      </dgm:constrLst>
+                    </dgm:else>
+                  </dgm:choose>
+                  <dgm:ruleLst/>
+                  <dgm:layoutNode name="rootText3">
+                    <dgm:varLst>
+                      <dgm:chPref val="3"/>
+                    </dgm:varLst>
+                    <dgm:alg type="tx"/>
+                    <dgm:shape xmlns:r="http://schemas.openxmlformats.org/officeDocument/2006/relationships" type="rect" r:blip="">
+                      <dgm:adjLst/>
+                    </dgm:shape>
+                    <dgm:presOf axis="self" ptType="node" cnt="1"/>
+                    <dgm:constrLst>
+                      <dgm:constr type="primFontSz" val="65"/>
+                      <dgm:constr type="lMarg" refType="primFontSz" fact="0.05"/>
+                      <dgm:constr type="rMarg" refType="primFontSz" fact="0.05"/>
+                      <dgm:constr type="tMarg" refType="primFontSz" fact="0.05"/>
+                      <dgm:constr type="bMarg" refType="primFontSz" fact="0.05"/>
+                    </dgm:constrLst>
+                    <dgm:ruleLst>
+                      <dgm:rule type="primFontSz" val="5" fact="NaN" max="NaN"/>
+                    </dgm:ruleLst>
+                  </dgm:layoutNode>
+                  <dgm:layoutNode name="rootConnector3" moveWith="rootText1">
+                    <dgm:alg type="sp"/>
+                    <dgm:shape xmlns:r="http://schemas.openxmlformats.org/officeDocument/2006/relationships" type="rect" r:blip="" hideGeom="1">
+                      <dgm:adjLst/>
+                    </dgm:shape>
+                    <dgm:presOf axis="self" ptType="node" cnt="1"/>
+                    <dgm:constrLst/>
+                    <dgm:ruleLst/>
+                  </dgm:layoutNode>
+                </dgm:layoutNode>
+                <dgm:layoutNode name="hierChild6">
+                  <dgm:choose name="Name127">
+                    <dgm:if name="Name128" func="var" arg="hierBranch" op="equ" val="l">
+                      <dgm:alg type="hierChild">
+                        <dgm:param type="chAlign" val="r"/>
+                        <dgm:param type="linDir" val="fromT"/>
+                      </dgm:alg>
+                    </dgm:if>
+                    <dgm:if name="Name129" func="var" arg="hierBranch" op="equ" val="r">
+                      <dgm:alg type="hierChild">
+                        <dgm:param type="chAlign" val="l"/>
+                        <dgm:param type="linDir" val="fromT"/>
+                      </dgm:alg>
+                    </dgm:if>
+                    <dgm:if name="Name130" func="var" arg="hierBranch" op="equ" val="hang">
+                      <dgm:choose name="Name131">
+                        <dgm:if name="Name132" func="var" arg="dir" op="equ" val="norm">
+                          <dgm:alg type="hierChild">
+                            <dgm:param type="chAlign" val="l"/>
+                            <dgm:param type="linDir" val="fromL"/>
+                            <dgm:param type="secChAlign" val="t"/>
+                            <dgm:param type="secLinDir" val="fromT"/>
+                          </dgm:alg>
+                        </dgm:if>
+                        <dgm:else name="Name133">
+                          <dgm:alg type="hierChild">
+                            <dgm:param type="chAlign" val="l"/>
+                            <dgm:param type="linDir" val="fromR"/>
+                            <dgm:param type="secChAlign" val="t"/>
+                            <dgm:param type="secLinDir" val="fromT"/>
+                          </dgm:alg>
+                        </dgm:else>
+                      </dgm:choose>
+                    </dgm:if>
+                    <dgm:if name="Name134" func="var" arg="hierBranch" op="equ" val="std">
+                      <dgm:choose name="Name135">
+                        <dgm:if name="Name136" func="var" arg="dir" op="equ" val="norm">
+                          <dgm:alg type="hierChild"/>
+                        </dgm:if>
+                        <dgm:else name="Name137">
+                          <dgm:alg type="hierChild">
+                            <dgm:param type="linDir" val="fromR"/>
+                          </dgm:alg>
+                        </dgm:else>
+                      </dgm:choose>
+                    </dgm:if>
+                    <dgm:if name="Name138" func="var" arg="hierBranch" op="equ" val="init">
+                      <dgm:choose name="Name139">
+                        <dgm:if name="Name140" axis="des" func="maxDepth" op="lte" val="1">
+                          <dgm:alg type="hierChild">
+                            <dgm:param type="chAlign" val="l"/>
+                            <dgm:param type="linDir" val="fromT"/>
+                          </dgm:alg>
+                        </dgm:if>
+                        <dgm:else name="Name141">
+                          <dgm:alg type="hierChild"/>
+                        </dgm:else>
+                      </dgm:choose>
+                    </dgm:if>
+                    <dgm:else name="Name142"/>
+                  </dgm:choose>
+                  <dgm:shape xmlns:r="http://schemas.openxmlformats.org/officeDocument/2006/relationships" r:blip="">
+                    <dgm:adjLst/>
+                  </dgm:shape>
+                  <dgm:presOf/>
+                  <dgm:constrLst/>
+                  <dgm:ruleLst/>
+                  <dgm:forEach name="Name143" ref="rep2a"/>
+                </dgm:layoutNode>
+                <dgm:layoutNode name="hierChild7">
+                  <dgm:choose name="Name144">
+                    <dgm:if name="Name145" func="var" arg="dir" op="equ" val="norm">
+                      <dgm:alg type="hierChild">
+                        <dgm:param type="chAlign" val="l"/>
+                        <dgm:param type="linDir" val="fromL"/>
+                        <dgm:param type="secChAlign" val="t"/>
+                        <dgm:param type="secLinDir" val="fromT"/>
+                      </dgm:alg>
+                    </dgm:if>
+                    <dgm:else name="Name146">
+                      <dgm:alg type="hierChild">
+                        <dgm:param type="chAlign" val="l"/>
+                        <dgm:param type="linDir" val="fromR"/>
+                        <dgm:param type="secChAlign" val="t"/>
+                        <dgm:param type="secLinDir" val="fromT"/>
+                      </dgm:alg>
+                    </dgm:else>
+                  </dgm:choose>
+                  <dgm:shape xmlns:r="http://schemas.openxmlformats.org/officeDocument/2006/relationships" r:blip="">
+                    <dgm:adjLst/>
+                  </dgm:shape>
+                  <dgm:presOf/>
+                  <dgm:constrLst/>
+                  <dgm:ruleLst/>
+                  <dgm:forEach name="Name147" ref="rep2b"/>
+                </dgm:layoutNode>
+              </dgm:layoutNode>
+            </dgm:forEach>
+          </dgm:layoutNode>
+        </dgm:layoutNode>
+      </dgm:forEach>
+    </dgm:forEach>
+  </dgm:layoutNode>
+</dgm:layoutDef>
+</file>
+
 <file path=ppt/diagrams/quickStyle1.xml><?xml version="1.0" encoding="utf-8"?>
 <dgm:styleDef xmlns:dgm="http://schemas.openxmlformats.org/drawingml/2006/diagram" xmlns:a="http://schemas.openxmlformats.org/drawingml/2006/main" uniqueId="urn:microsoft.com/office/officeart/2005/8/quickstyle/3d2">
   <dgm:title val=""/>
@@ -32131,6 +34857,1123 @@
 </file>
 
 <file path=ppt/diagrams/quickStyle8.xml><?xml version="1.0" encoding="utf-8"?>
+<dgm:styleDef xmlns:dgm="http://schemas.openxmlformats.org/drawingml/2006/diagram" xmlns:a="http://schemas.openxmlformats.org/drawingml/2006/main" uniqueId="urn:microsoft.com/office/officeart/2005/8/quickstyle/3d1">
+  <dgm:title val=""/>
+  <dgm:desc val=""/>
+  <dgm:catLst>
+    <dgm:cat type="3D" pri="11100"/>
+  </dgm:catLst>
+  <dgm:scene3d>
+    <a:camera prst="orthographicFront"/>
+    <a:lightRig rig="threePt" dir="t"/>
+  </dgm:scene3d>
+  <dgm:styleLbl name="node0">
+    <dgm:scene3d>
+      <a:camera prst="orthographicFront"/>
+      <a:lightRig rig="flat" dir="t"/>
+    </dgm:scene3d>
+    <dgm:sp3d prstMaterial="plastic">
+      <a:bevelT w="120900" h="88900"/>
+      <a:bevelB w="88900" h="31750" prst="angle"/>
+    </dgm:sp3d>
+    <dgm:txPr/>
+    <dgm:style>
+      <a:lnRef idx="0">
+        <a:scrgbClr r="0" g="0" b="0"/>
+      </a:lnRef>
+      <a:fillRef idx="3">
+        <a:scrgbClr r="0" g="0" b="0"/>
+      </a:fillRef>
+      <a:effectRef idx="2">
+        <a:scrgbClr r="0" g="0" b="0"/>
+      </a:effectRef>
+      <a:fontRef idx="minor">
+        <a:schemeClr val="lt1"/>
+      </a:fontRef>
+    </dgm:style>
+  </dgm:styleLbl>
+  <dgm:styleLbl name="lnNode1">
+    <dgm:scene3d>
+      <a:camera prst="orthographicFront"/>
+      <a:lightRig rig="flat" dir="t"/>
+    </dgm:scene3d>
+    <dgm:sp3d prstMaterial="plastic">
+      <a:bevelT w="120900" h="88900"/>
+      <a:bevelB w="88900" h="31750" prst="angle"/>
+    </dgm:sp3d>
+    <dgm:txPr/>
+    <dgm:style>
+      <a:lnRef idx="0">
+        <a:scrgbClr r="0" g="0" b="0"/>
+      </a:lnRef>
+      <a:fillRef idx="3">
+        <a:scrgbClr r="0" g="0" b="0"/>
+      </a:fillRef>
+      <a:effectRef idx="1">
+        <a:scrgbClr r="0" g="0" b="0"/>
+      </a:effectRef>
+      <a:fontRef idx="minor">
+        <a:schemeClr val="lt1"/>
+      </a:fontRef>
+    </dgm:style>
+  </dgm:styleLbl>
+  <dgm:styleLbl name="vennNode1">
+    <dgm:scene3d>
+      <a:camera prst="orthographicFront"/>
+      <a:lightRig rig="flat" dir="t"/>
+    </dgm:scene3d>
+    <dgm:sp3d prstMaterial="plastic">
+      <a:bevelT w="120900" h="88900"/>
+      <a:bevelB w="88900" h="31750" prst="angle"/>
+    </dgm:sp3d>
+    <dgm:txPr/>
+    <dgm:style>
+      <a:lnRef idx="0">
+        <a:scrgbClr r="0" g="0" b="0"/>
+      </a:lnRef>
+      <a:fillRef idx="1">
+        <a:scrgbClr r="0" g="0" b="0"/>
+      </a:fillRef>
+      <a:effectRef idx="1">
+        <a:scrgbClr r="0" g="0" b="0"/>
+      </a:effectRef>
+      <a:fontRef idx="minor">
+        <a:schemeClr val="tx1"/>
+      </a:fontRef>
+    </dgm:style>
+  </dgm:styleLbl>
+  <dgm:styleLbl name="alignNode1">
+    <dgm:scene3d>
+      <a:camera prst="orthographicFront"/>
+      <a:lightRig rig="flat" dir="t"/>
+    </dgm:scene3d>
+    <dgm:sp3d prstMaterial="plastic">
+      <a:bevelT w="120900" h="88900"/>
+      <a:bevelB w="88900" h="31750" prst="angle"/>
+    </dgm:sp3d>
+    <dgm:txPr/>
+    <dgm:style>
+      <a:lnRef idx="1">
+        <a:scrgbClr r="0" g="0" b="0"/>
+      </a:lnRef>
+      <a:fillRef idx="3">
+        <a:scrgbClr r="0" g="0" b="0"/>
+      </a:fillRef>
+      <a:effectRef idx="2">
+        <a:scrgbClr r="0" g="0" b="0"/>
+      </a:effectRef>
+      <a:fontRef idx="minor">
+        <a:schemeClr val="lt1"/>
+      </a:fontRef>
+    </dgm:style>
+  </dgm:styleLbl>
+  <dgm:styleLbl name="node1">
+    <dgm:scene3d>
+      <a:camera prst="orthographicFront"/>
+      <a:lightRig rig="flat" dir="t"/>
+    </dgm:scene3d>
+    <dgm:sp3d prstMaterial="plastic">
+      <a:bevelT w="120900" h="88900"/>
+      <a:bevelB w="88900" h="31750" prst="angle"/>
+    </dgm:sp3d>
+    <dgm:txPr/>
+    <dgm:style>
+      <a:lnRef idx="0">
+        <a:scrgbClr r="0" g="0" b="0"/>
+      </a:lnRef>
+      <a:fillRef idx="3">
+        <a:scrgbClr r="0" g="0" b="0"/>
+      </a:fillRef>
+      <a:effectRef idx="2">
+        <a:scrgbClr r="0" g="0" b="0"/>
+      </a:effectRef>
+      <a:fontRef idx="minor">
+        <a:schemeClr val="lt1"/>
+      </a:fontRef>
+    </dgm:style>
+  </dgm:styleLbl>
+  <dgm:styleLbl name="node2">
+    <dgm:scene3d>
+      <a:camera prst="orthographicFront"/>
+      <a:lightRig rig="flat" dir="t"/>
+    </dgm:scene3d>
+    <dgm:sp3d prstMaterial="plastic">
+      <a:bevelT w="120900" h="88900"/>
+      <a:bevelB w="88900" h="31750" prst="angle"/>
+    </dgm:sp3d>
+    <dgm:txPr/>
+    <dgm:style>
+      <a:lnRef idx="0">
+        <a:scrgbClr r="0" g="0" b="0"/>
+      </a:lnRef>
+      <a:fillRef idx="3">
+        <a:scrgbClr r="0" g="0" b="0"/>
+      </a:fillRef>
+      <a:effectRef idx="1">
+        <a:scrgbClr r="0" g="0" b="0"/>
+      </a:effectRef>
+      <a:fontRef idx="minor">
+        <a:schemeClr val="lt1"/>
+      </a:fontRef>
+    </dgm:style>
+  </dgm:styleLbl>
+  <dgm:styleLbl name="node3">
+    <dgm:scene3d>
+      <a:camera prst="orthographicFront"/>
+      <a:lightRig rig="flat" dir="t"/>
+    </dgm:scene3d>
+    <dgm:sp3d prstMaterial="plastic">
+      <a:bevelT w="120900" h="88900"/>
+      <a:bevelB w="88900" h="31750" prst="angle"/>
+    </dgm:sp3d>
+    <dgm:txPr/>
+    <dgm:style>
+      <a:lnRef idx="0">
+        <a:scrgbClr r="0" g="0" b="0"/>
+      </a:lnRef>
+      <a:fillRef idx="3">
+        <a:scrgbClr r="0" g="0" b="0"/>
+      </a:fillRef>
+      <a:effectRef idx="1">
+        <a:scrgbClr r="0" g="0" b="0"/>
+      </a:effectRef>
+      <a:fontRef idx="minor">
+        <a:schemeClr val="lt1"/>
+      </a:fontRef>
+    </dgm:style>
+  </dgm:styleLbl>
+  <dgm:styleLbl name="node4">
+    <dgm:scene3d>
+      <a:camera prst="orthographicFront"/>
+      <a:lightRig rig="flat" dir="t"/>
+    </dgm:scene3d>
+    <dgm:sp3d prstMaterial="plastic">
+      <a:bevelT w="120900" h="88900"/>
+      <a:bevelB w="88900" h="31750" prst="angle"/>
+    </dgm:sp3d>
+    <dgm:txPr/>
+    <dgm:style>
+      <a:lnRef idx="0">
+        <a:scrgbClr r="0" g="0" b="0"/>
+      </a:lnRef>
+      <a:fillRef idx="3">
+        <a:scrgbClr r="0" g="0" b="0"/>
+      </a:fillRef>
+      <a:effectRef idx="1">
+        <a:scrgbClr r="0" g="0" b="0"/>
+      </a:effectRef>
+      <a:fontRef idx="minor">
+        <a:schemeClr val="lt1"/>
+      </a:fontRef>
+    </dgm:style>
+  </dgm:styleLbl>
+  <dgm:styleLbl name="fgImgPlace1">
+    <dgm:scene3d>
+      <a:camera prst="orthographicFront"/>
+      <a:lightRig rig="flat" dir="t"/>
+    </dgm:scene3d>
+    <dgm:sp3d z="127000" prstMaterial="plastic">
+      <a:bevelT w="88900" h="88900"/>
+      <a:bevelB w="88900" h="31750" prst="angle"/>
+    </dgm:sp3d>
+    <dgm:txPr/>
+    <dgm:style>
+      <a:lnRef idx="0">
+        <a:scrgbClr r="0" g="0" b="0"/>
+      </a:lnRef>
+      <a:fillRef idx="3">
+        <a:scrgbClr r="0" g="0" b="0"/>
+      </a:fillRef>
+      <a:effectRef idx="2">
+        <a:scrgbClr r="0" g="0" b="0"/>
+      </a:effectRef>
+      <a:fontRef idx="minor"/>
+    </dgm:style>
+  </dgm:styleLbl>
+  <dgm:styleLbl name="alignImgPlace1">
+    <dgm:scene3d>
+      <a:camera prst="orthographicFront"/>
+      <a:lightRig rig="flat" dir="t"/>
+    </dgm:scene3d>
+    <dgm:sp3d prstMaterial="plastic">
+      <a:bevelT w="88900" h="88900"/>
+      <a:bevelB w="88900" h="31750" prst="angle"/>
+    </dgm:sp3d>
+    <dgm:txPr/>
+    <dgm:style>
+      <a:lnRef idx="0">
+        <a:scrgbClr r="0" g="0" b="0"/>
+      </a:lnRef>
+      <a:fillRef idx="3">
+        <a:scrgbClr r="0" g="0" b="0"/>
+      </a:fillRef>
+      <a:effectRef idx="2">
+        <a:scrgbClr r="0" g="0" b="0"/>
+      </a:effectRef>
+      <a:fontRef idx="minor"/>
+    </dgm:style>
+  </dgm:styleLbl>
+  <dgm:styleLbl name="bgImgPlace1">
+    <dgm:scene3d>
+      <a:camera prst="orthographicFront"/>
+      <a:lightRig rig="flat" dir="t"/>
+    </dgm:scene3d>
+    <dgm:sp3d z="-190500" prstMaterial="plastic">
+      <a:bevelT w="88900" h="88900"/>
+      <a:bevelB w="88900" h="31750" prst="angle"/>
+    </dgm:sp3d>
+    <dgm:txPr/>
+    <dgm:style>
+      <a:lnRef idx="0">
+        <a:scrgbClr r="0" g="0" b="0"/>
+      </a:lnRef>
+      <a:fillRef idx="3">
+        <a:scrgbClr r="0" g="0" b="0"/>
+      </a:fillRef>
+      <a:effectRef idx="2">
+        <a:scrgbClr r="0" g="0" b="0"/>
+      </a:effectRef>
+      <a:fontRef idx="minor"/>
+    </dgm:style>
+  </dgm:styleLbl>
+  <dgm:styleLbl name="sibTrans2D1">
+    <dgm:scene3d>
+      <a:camera prst="orthographicFront"/>
+      <a:lightRig rig="flat" dir="t"/>
+    </dgm:scene3d>
+    <dgm:sp3d z="-80000" prstMaterial="plastic">
+      <a:bevelT w="50800" h="50800"/>
+      <a:bevelB w="25400" h="25400" prst="angle"/>
+    </dgm:sp3d>
+    <dgm:txPr/>
+    <dgm:style>
+      <a:lnRef idx="0">
+        <a:scrgbClr r="0" g="0" b="0"/>
+      </a:lnRef>
+      <a:fillRef idx="3">
+        <a:scrgbClr r="0" g="0" b="0"/>
+      </a:fillRef>
+      <a:effectRef idx="2">
+        <a:scrgbClr r="0" g="0" b="0"/>
+      </a:effectRef>
+      <a:fontRef idx="minor">
+        <a:schemeClr val="lt1"/>
+      </a:fontRef>
+    </dgm:style>
+  </dgm:styleLbl>
+  <dgm:styleLbl name="fgSibTrans2D1">
+    <dgm:scene3d>
+      <a:camera prst="orthographicFront"/>
+      <a:lightRig rig="flat" dir="t"/>
+    </dgm:scene3d>
+    <dgm:sp3d z="127000" prstMaterial="plastic">
+      <a:bevelT w="50800" h="50800"/>
+      <a:bevelB w="25400" h="25400" prst="angle"/>
+    </dgm:sp3d>
+    <dgm:txPr/>
+    <dgm:style>
+      <a:lnRef idx="0">
+        <a:scrgbClr r="0" g="0" b="0"/>
+      </a:lnRef>
+      <a:fillRef idx="3">
+        <a:scrgbClr r="0" g="0" b="0"/>
+      </a:fillRef>
+      <a:effectRef idx="2">
+        <a:scrgbClr r="0" g="0" b="0"/>
+      </a:effectRef>
+      <a:fontRef idx="minor">
+        <a:schemeClr val="lt1"/>
+      </a:fontRef>
+    </dgm:style>
+  </dgm:styleLbl>
+  <dgm:styleLbl name="bgSibTrans2D1">
+    <dgm:scene3d>
+      <a:camera prst="orthographicFront"/>
+      <a:lightRig rig="flat" dir="t"/>
+    </dgm:scene3d>
+    <dgm:sp3d z="-190500" prstMaterial="plastic">
+      <a:bevelT w="50800" h="50800"/>
+      <a:bevelB w="25400" h="25400" prst="angle"/>
+    </dgm:sp3d>
+    <dgm:txPr/>
+    <dgm:style>
+      <a:lnRef idx="0">
+        <a:scrgbClr r="0" g="0" b="0"/>
+      </a:lnRef>
+      <a:fillRef idx="3">
+        <a:scrgbClr r="0" g="0" b="0"/>
+      </a:fillRef>
+      <a:effectRef idx="2">
+        <a:scrgbClr r="0" g="0" b="0"/>
+      </a:effectRef>
+      <a:fontRef idx="minor">
+        <a:schemeClr val="lt1"/>
+      </a:fontRef>
+    </dgm:style>
+  </dgm:styleLbl>
+  <dgm:styleLbl name="sibTrans1D1">
+    <dgm:scene3d>
+      <a:camera prst="orthographicFront"/>
+      <a:lightRig rig="flat" dir="t"/>
+    </dgm:scene3d>
+    <dgm:sp3d z="-40000" prstMaterial="matte"/>
+    <dgm:txPr/>
+    <dgm:style>
+      <a:lnRef idx="1">
+        <a:scrgbClr r="0" g="0" b="0"/>
+      </a:lnRef>
+      <a:fillRef idx="0">
+        <a:scrgbClr r="0" g="0" b="0"/>
+      </a:fillRef>
+      <a:effectRef idx="0">
+        <a:scrgbClr r="0" g="0" b="0"/>
+      </a:effectRef>
+      <a:fontRef idx="minor"/>
+    </dgm:style>
+  </dgm:styleLbl>
+  <dgm:styleLbl name="callout">
+    <dgm:scene3d>
+      <a:camera prst="orthographicFront"/>
+      <a:lightRig rig="threePt" dir="t"/>
+    </dgm:scene3d>
+    <dgm:sp3d z="127000" prstMaterial="matte"/>
+    <dgm:txPr/>
+    <dgm:style>
+      <a:lnRef idx="2">
+        <a:scrgbClr r="0" g="0" b="0"/>
+      </a:lnRef>
+      <a:fillRef idx="1">
+        <a:scrgbClr r="0" g="0" b="0"/>
+      </a:fillRef>
+      <a:effectRef idx="0">
+        <a:scrgbClr r="0" g="0" b="0"/>
+      </a:effectRef>
+      <a:fontRef idx="minor"/>
+    </dgm:style>
+  </dgm:styleLbl>
+  <dgm:styleLbl name="asst0">
+    <dgm:scene3d>
+      <a:camera prst="orthographicFront"/>
+      <a:lightRig rig="flat" dir="t"/>
+    </dgm:scene3d>
+    <dgm:sp3d prstMaterial="plastic">
+      <a:bevelT w="120900" h="88900"/>
+      <a:bevelB w="88900" h="31750" prst="angle"/>
+    </dgm:sp3d>
+    <dgm:txPr/>
+    <dgm:style>
+      <a:lnRef idx="0">
+        <a:scrgbClr r="0" g="0" b="0"/>
+      </a:lnRef>
+      <a:fillRef idx="3">
+        <a:scrgbClr r="0" g="0" b="0"/>
+      </a:fillRef>
+      <a:effectRef idx="1">
+        <a:scrgbClr r="0" g="0" b="0"/>
+      </a:effectRef>
+      <a:fontRef idx="minor">
+        <a:schemeClr val="lt1"/>
+      </a:fontRef>
+    </dgm:style>
+  </dgm:styleLbl>
+  <dgm:styleLbl name="asst1">
+    <dgm:scene3d>
+      <a:camera prst="orthographicFront"/>
+      <a:lightRig rig="flat" dir="t"/>
+    </dgm:scene3d>
+    <dgm:sp3d prstMaterial="plastic">
+      <a:bevelT w="120900" h="88900"/>
+      <a:bevelB w="88900" h="31750" prst="angle"/>
+    </dgm:sp3d>
+    <dgm:txPr/>
+    <dgm:style>
+      <a:lnRef idx="0">
+        <a:scrgbClr r="0" g="0" b="0"/>
+      </a:lnRef>
+      <a:fillRef idx="3">
+        <a:scrgbClr r="0" g="0" b="0"/>
+      </a:fillRef>
+      <a:effectRef idx="1">
+        <a:scrgbClr r="0" g="0" b="0"/>
+      </a:effectRef>
+      <a:fontRef idx="minor">
+        <a:schemeClr val="lt1"/>
+      </a:fontRef>
+    </dgm:style>
+  </dgm:styleLbl>
+  <dgm:styleLbl name="asst2">
+    <dgm:scene3d>
+      <a:camera prst="orthographicFront"/>
+      <a:lightRig rig="flat" dir="t"/>
+    </dgm:scene3d>
+    <dgm:sp3d prstMaterial="plastic">
+      <a:bevelT w="120900" h="88900"/>
+      <a:bevelB w="88900" h="31750" prst="angle"/>
+    </dgm:sp3d>
+    <dgm:txPr/>
+    <dgm:style>
+      <a:lnRef idx="0">
+        <a:scrgbClr r="0" g="0" b="0"/>
+      </a:lnRef>
+      <a:fillRef idx="3">
+        <a:scrgbClr r="0" g="0" b="0"/>
+      </a:fillRef>
+      <a:effectRef idx="1">
+        <a:scrgbClr r="0" g="0" b="0"/>
+      </a:effectRef>
+      <a:fontRef idx="minor">
+        <a:schemeClr val="lt1"/>
+      </a:fontRef>
+    </dgm:style>
+  </dgm:styleLbl>
+  <dgm:styleLbl name="asst3">
+    <dgm:scene3d>
+      <a:camera prst="orthographicFront"/>
+      <a:lightRig rig="flat" dir="t"/>
+    </dgm:scene3d>
+    <dgm:sp3d prstMaterial="plastic">
+      <a:bevelT w="120900" h="88900"/>
+      <a:bevelB w="88900" h="31750" prst="angle"/>
+    </dgm:sp3d>
+    <dgm:txPr/>
+    <dgm:style>
+      <a:lnRef idx="0">
+        <a:scrgbClr r="0" g="0" b="0"/>
+      </a:lnRef>
+      <a:fillRef idx="3">
+        <a:scrgbClr r="0" g="0" b="0"/>
+      </a:fillRef>
+      <a:effectRef idx="1">
+        <a:scrgbClr r="0" g="0" b="0"/>
+      </a:effectRef>
+      <a:fontRef idx="minor">
+        <a:schemeClr val="lt1"/>
+      </a:fontRef>
+    </dgm:style>
+  </dgm:styleLbl>
+  <dgm:styleLbl name="parChTrans2D1">
+    <dgm:scene3d>
+      <a:camera prst="orthographicFront"/>
+      <a:lightRig rig="flat" dir="t"/>
+    </dgm:scene3d>
+    <dgm:sp3d z="-100000" prstMaterial="plastic">
+      <a:bevelT w="120900" h="88900"/>
+      <a:bevelB w="88900" h="31750" prst="angle"/>
+    </dgm:sp3d>
+    <dgm:txPr/>
+    <dgm:style>
+      <a:lnRef idx="0">
+        <a:scrgbClr r="0" g="0" b="0"/>
+      </a:lnRef>
+      <a:fillRef idx="3">
+        <a:scrgbClr r="0" g="0" b="0"/>
+      </a:fillRef>
+      <a:effectRef idx="1">
+        <a:scrgbClr r="0" g="0" b="0"/>
+      </a:effectRef>
+      <a:fontRef idx="minor">
+        <a:schemeClr val="lt1"/>
+      </a:fontRef>
+    </dgm:style>
+  </dgm:styleLbl>
+  <dgm:styleLbl name="parChTrans2D2">
+    <dgm:scene3d>
+      <a:camera prst="orthographicFront"/>
+      <a:lightRig rig="flat" dir="t"/>
+    </dgm:scene3d>
+    <dgm:sp3d z="-60000" prstMaterial="plastic">
+      <a:bevelT w="120900" h="88900"/>
+      <a:bevelB w="88900" h="31750" prst="angle"/>
+    </dgm:sp3d>
+    <dgm:txPr/>
+    <dgm:style>
+      <a:lnRef idx="0">
+        <a:scrgbClr r="0" g="0" b="0"/>
+      </a:lnRef>
+      <a:fillRef idx="3">
+        <a:scrgbClr r="0" g="0" b="0"/>
+      </a:fillRef>
+      <a:effectRef idx="1">
+        <a:scrgbClr r="0" g="0" b="0"/>
+      </a:effectRef>
+      <a:fontRef idx="minor">
+        <a:schemeClr val="lt1"/>
+      </a:fontRef>
+    </dgm:style>
+  </dgm:styleLbl>
+  <dgm:styleLbl name="parChTrans2D3">
+    <dgm:scene3d>
+      <a:camera prst="orthographicFront"/>
+      <a:lightRig rig="flat" dir="t"/>
+    </dgm:scene3d>
+    <dgm:sp3d z="-60000" prstMaterial="plastic">
+      <a:bevelT w="120900" h="88900"/>
+      <a:bevelB w="88900" h="31750" prst="angle"/>
+    </dgm:sp3d>
+    <dgm:txPr/>
+    <dgm:style>
+      <a:lnRef idx="0">
+        <a:scrgbClr r="0" g="0" b="0"/>
+      </a:lnRef>
+      <a:fillRef idx="3">
+        <a:scrgbClr r="0" g="0" b="0"/>
+      </a:fillRef>
+      <a:effectRef idx="1">
+        <a:scrgbClr r="0" g="0" b="0"/>
+      </a:effectRef>
+      <a:fontRef idx="minor">
+        <a:schemeClr val="lt1"/>
+      </a:fontRef>
+    </dgm:style>
+  </dgm:styleLbl>
+  <dgm:styleLbl name="parChTrans2D4">
+    <dgm:scene3d>
+      <a:camera prst="orthographicFront"/>
+      <a:lightRig rig="flat" dir="t"/>
+    </dgm:scene3d>
+    <dgm:sp3d z="-60000" prstMaterial="plastic">
+      <a:bevelT w="120900" h="88900"/>
+      <a:bevelB w="88900" h="31750" prst="angle"/>
+    </dgm:sp3d>
+    <dgm:txPr/>
+    <dgm:style>
+      <a:lnRef idx="0">
+        <a:scrgbClr r="0" g="0" b="0"/>
+      </a:lnRef>
+      <a:fillRef idx="3">
+        <a:scrgbClr r="0" g="0" b="0"/>
+      </a:fillRef>
+      <a:effectRef idx="1">
+        <a:scrgbClr r="0" g="0" b="0"/>
+      </a:effectRef>
+      <a:fontRef idx="minor">
+        <a:schemeClr val="lt1"/>
+      </a:fontRef>
+    </dgm:style>
+  </dgm:styleLbl>
+  <dgm:styleLbl name="parChTrans1D1">
+    <dgm:scene3d>
+      <a:camera prst="orthographicFront"/>
+      <a:lightRig rig="flat" dir="t"/>
+    </dgm:scene3d>
+    <dgm:sp3d prstMaterial="matte"/>
+    <dgm:txPr/>
+    <dgm:style>
+      <a:lnRef idx="2">
+        <a:scrgbClr r="0" g="0" b="0"/>
+      </a:lnRef>
+      <a:fillRef idx="0">
+        <a:scrgbClr r="0" g="0" b="0"/>
+      </a:fillRef>
+      <a:effectRef idx="0">
+        <a:scrgbClr r="0" g="0" b="0"/>
+      </a:effectRef>
+      <a:fontRef idx="minor"/>
+    </dgm:style>
+  </dgm:styleLbl>
+  <dgm:styleLbl name="parChTrans1D2">
+    <dgm:scene3d>
+      <a:camera prst="orthographicFront"/>
+      <a:lightRig rig="flat" dir="t"/>
+    </dgm:scene3d>
+    <dgm:sp3d prstMaterial="matte"/>
+    <dgm:txPr/>
+    <dgm:style>
+      <a:lnRef idx="2">
+        <a:scrgbClr r="0" g="0" b="0"/>
+      </a:lnRef>
+      <a:fillRef idx="0">
+        <a:scrgbClr r="0" g="0" b="0"/>
+      </a:fillRef>
+      <a:effectRef idx="0">
+        <a:scrgbClr r="0" g="0" b="0"/>
+      </a:effectRef>
+      <a:fontRef idx="minor"/>
+    </dgm:style>
+  </dgm:styleLbl>
+  <dgm:styleLbl name="parChTrans1D3">
+    <dgm:scene3d>
+      <a:camera prst="orthographicFront"/>
+      <a:lightRig rig="flat" dir="t"/>
+    </dgm:scene3d>
+    <dgm:sp3d prstMaterial="matte"/>
+    <dgm:txPr/>
+    <dgm:style>
+      <a:lnRef idx="2">
+        <a:scrgbClr r="0" g="0" b="0"/>
+      </a:lnRef>
+      <a:fillRef idx="0">
+        <a:scrgbClr r="0" g="0" b="0"/>
+      </a:fillRef>
+      <a:effectRef idx="0">
+        <a:scrgbClr r="0" g="0" b="0"/>
+      </a:effectRef>
+      <a:fontRef idx="minor"/>
+    </dgm:style>
+  </dgm:styleLbl>
+  <dgm:styleLbl name="parChTrans1D4">
+    <dgm:scene3d>
+      <a:camera prst="orthographicFront"/>
+      <a:lightRig rig="flat" dir="t"/>
+    </dgm:scene3d>
+    <dgm:sp3d prstMaterial="matte"/>
+    <dgm:txPr/>
+    <dgm:style>
+      <a:lnRef idx="2">
+        <a:scrgbClr r="0" g="0" b="0"/>
+      </a:lnRef>
+      <a:fillRef idx="0">
+        <a:scrgbClr r="0" g="0" b="0"/>
+      </a:fillRef>
+      <a:effectRef idx="0">
+        <a:scrgbClr r="0" g="0" b="0"/>
+      </a:effectRef>
+      <a:fontRef idx="minor"/>
+    </dgm:style>
+  </dgm:styleLbl>
+  <dgm:styleLbl name="fgAcc1">
+    <dgm:scene3d>
+      <a:camera prst="orthographicFront"/>
+      <a:lightRig rig="flat" dir="t"/>
+    </dgm:scene3d>
+    <dgm:sp3d z="190500" extrusionH="12700" prstMaterial="plastic">
+      <a:bevelT w="50800" h="50800"/>
+    </dgm:sp3d>
+    <dgm:txPr/>
+    <dgm:style>
+      <a:lnRef idx="1">
+        <a:scrgbClr r="0" g="0" b="0"/>
+      </a:lnRef>
+      <a:fillRef idx="1">
+        <a:scrgbClr r="0" g="0" b="0"/>
+      </a:fillRef>
+      <a:effectRef idx="2">
+        <a:scrgbClr r="0" g="0" b="0"/>
+      </a:effectRef>
+      <a:fontRef idx="minor"/>
+    </dgm:style>
+  </dgm:styleLbl>
+  <dgm:styleLbl name="conFgAcc1">
+    <dgm:scene3d>
+      <a:camera prst="orthographicFront"/>
+      <a:lightRig rig="flat" dir="t"/>
+    </dgm:scene3d>
+    <dgm:sp3d z="190500" extrusionH="12700" prstMaterial="plastic">
+      <a:bevelT w="50800" h="50800"/>
+    </dgm:sp3d>
+    <dgm:txPr/>
+    <dgm:style>
+      <a:lnRef idx="1">
+        <a:scrgbClr r="0" g="0" b="0"/>
+      </a:lnRef>
+      <a:fillRef idx="1">
+        <a:scrgbClr r="0" g="0" b="0"/>
+      </a:fillRef>
+      <a:effectRef idx="2">
+        <a:scrgbClr r="0" g="0" b="0"/>
+      </a:effectRef>
+      <a:fontRef idx="minor"/>
+    </dgm:style>
+  </dgm:styleLbl>
+  <dgm:styleLbl name="alignAcc1">
+    <dgm:scene3d>
+      <a:camera prst="orthographicFront"/>
+      <a:lightRig rig="flat" dir="t"/>
+    </dgm:scene3d>
+    <dgm:sp3d extrusionH="12700" prstMaterial="plastic">
+      <a:bevelT w="50800" h="50800"/>
+    </dgm:sp3d>
+    <dgm:txPr/>
+    <dgm:style>
+      <a:lnRef idx="1">
+        <a:scrgbClr r="0" g="0" b="0"/>
+      </a:lnRef>
+      <a:fillRef idx="1">
+        <a:scrgbClr r="0" g="0" b="0"/>
+      </a:fillRef>
+      <a:effectRef idx="2">
+        <a:scrgbClr r="0" g="0" b="0"/>
+      </a:effectRef>
+      <a:fontRef idx="minor"/>
+    </dgm:style>
+  </dgm:styleLbl>
+  <dgm:styleLbl name="trAlignAcc1">
+    <dgm:scene3d>
+      <a:camera prst="orthographicFront"/>
+      <a:lightRig rig="flat" dir="t"/>
+    </dgm:scene3d>
+    <dgm:sp3d extrusionH="12700" prstMaterial="plastic">
+      <a:bevelT w="50800" h="50800"/>
+    </dgm:sp3d>
+    <dgm:txPr/>
+    <dgm:style>
+      <a:lnRef idx="1">
+        <a:scrgbClr r="0" g="0" b="0"/>
+      </a:lnRef>
+      <a:fillRef idx="1">
+        <a:scrgbClr r="0" g="0" b="0"/>
+      </a:fillRef>
+      <a:effectRef idx="2">
+        <a:scrgbClr r="0" g="0" b="0"/>
+      </a:effectRef>
+      <a:fontRef idx="minor"/>
+    </dgm:style>
+  </dgm:styleLbl>
+  <dgm:styleLbl name="bgAcc1">
+    <dgm:scene3d>
+      <a:camera prst="orthographicFront"/>
+      <a:lightRig rig="flat" dir="t"/>
+    </dgm:scene3d>
+    <dgm:sp3d z="-190500" extrusionH="12700" prstMaterial="plastic">
+      <a:bevelT w="50800" h="50800"/>
+    </dgm:sp3d>
+    <dgm:txPr/>
+    <dgm:style>
+      <a:lnRef idx="1">
+        <a:scrgbClr r="0" g="0" b="0"/>
+      </a:lnRef>
+      <a:fillRef idx="1">
+        <a:scrgbClr r="0" g="0" b="0"/>
+      </a:fillRef>
+      <a:effectRef idx="2">
+        <a:scrgbClr r="0" g="0" b="0"/>
+      </a:effectRef>
+      <a:fontRef idx="minor"/>
+    </dgm:style>
+  </dgm:styleLbl>
+  <dgm:styleLbl name="solidFgAcc1">
+    <dgm:scene3d>
+      <a:camera prst="orthographicFront"/>
+      <a:lightRig rig="flat" dir="t"/>
+    </dgm:scene3d>
+    <dgm:sp3d z="190500" extrusionH="12700" prstMaterial="plastic">
+      <a:bevelT w="50800" h="50800"/>
+    </dgm:sp3d>
+    <dgm:txPr/>
+    <dgm:style>
+      <a:lnRef idx="1">
+        <a:scrgbClr r="0" g="0" b="0"/>
+      </a:lnRef>
+      <a:fillRef idx="1">
+        <a:scrgbClr r="0" g="0" b="0"/>
+      </a:fillRef>
+      <a:effectRef idx="2">
+        <a:scrgbClr r="0" g="0" b="0"/>
+      </a:effectRef>
+      <a:fontRef idx="minor"/>
+    </dgm:style>
+  </dgm:styleLbl>
+  <dgm:styleLbl name="solidAlignAcc1">
+    <dgm:scene3d>
+      <a:camera prst="orthographicFront"/>
+      <a:lightRig rig="flat" dir="t"/>
+    </dgm:scene3d>
+    <dgm:sp3d extrusionH="12700" prstMaterial="plastic">
+      <a:bevelT w="50800" h="50800"/>
+    </dgm:sp3d>
+    <dgm:txPr/>
+    <dgm:style>
+      <a:lnRef idx="1">
+        <a:scrgbClr r="0" g="0" b="0"/>
+      </a:lnRef>
+      <a:fillRef idx="1">
+        <a:scrgbClr r="0" g="0" b="0"/>
+      </a:fillRef>
+      <a:effectRef idx="2">
+        <a:scrgbClr r="0" g="0" b="0"/>
+      </a:effectRef>
+      <a:fontRef idx="minor"/>
+    </dgm:style>
+  </dgm:styleLbl>
+  <dgm:styleLbl name="solidBgAcc1">
+    <dgm:scene3d>
+      <a:camera prst="orthographicFront"/>
+      <a:lightRig rig="flat" dir="t"/>
+    </dgm:scene3d>
+    <dgm:sp3d z="-190500" extrusionH="12700" prstMaterial="plastic">
+      <a:bevelT w="50800" h="50800"/>
+    </dgm:sp3d>
+    <dgm:txPr/>
+    <dgm:style>
+      <a:lnRef idx="1">
+        <a:scrgbClr r="0" g="0" b="0"/>
+      </a:lnRef>
+      <a:fillRef idx="1">
+        <a:scrgbClr r="0" g="0" b="0"/>
+      </a:fillRef>
+      <a:effectRef idx="2">
+        <a:scrgbClr r="0" g="0" b="0"/>
+      </a:effectRef>
+      <a:fontRef idx="minor"/>
+    </dgm:style>
+  </dgm:styleLbl>
+  <dgm:styleLbl name="fgAccFollowNode1">
+    <dgm:scene3d>
+      <a:camera prst="orthographicFront"/>
+      <a:lightRig rig="flat" dir="t"/>
+    </dgm:scene3d>
+    <dgm:sp3d z="190500" extrusionH="12700" prstMaterial="plastic">
+      <a:bevelT w="50800" h="50800"/>
+    </dgm:sp3d>
+    <dgm:txPr/>
+    <dgm:style>
+      <a:lnRef idx="1">
+        <a:scrgbClr r="0" g="0" b="0"/>
+      </a:lnRef>
+      <a:fillRef idx="1">
+        <a:scrgbClr r="0" g="0" b="0"/>
+      </a:fillRef>
+      <a:effectRef idx="2">
+        <a:scrgbClr r="0" g="0" b="0"/>
+      </a:effectRef>
+      <a:fontRef idx="minor"/>
+    </dgm:style>
+  </dgm:styleLbl>
+  <dgm:styleLbl name="alignAccFollowNode1">
+    <dgm:scene3d>
+      <a:camera prst="orthographicFront"/>
+      <a:lightRig rig="flat" dir="t"/>
+    </dgm:scene3d>
+    <dgm:sp3d extrusionH="12700" prstMaterial="plastic">
+      <a:bevelT w="50800" h="50800"/>
+    </dgm:sp3d>
+    <dgm:txPr/>
+    <dgm:style>
+      <a:lnRef idx="1">
+        <a:scrgbClr r="0" g="0" b="0"/>
+      </a:lnRef>
+      <a:fillRef idx="1">
+        <a:scrgbClr r="0" g="0" b="0"/>
+      </a:fillRef>
+      <a:effectRef idx="2">
+        <a:scrgbClr r="0" g="0" b="0"/>
+      </a:effectRef>
+      <a:fontRef idx="minor"/>
+    </dgm:style>
+  </dgm:styleLbl>
+  <dgm:styleLbl name="bgAccFollowNode1">
+    <dgm:scene3d>
+      <a:camera prst="orthographicFront"/>
+      <a:lightRig rig="flat" dir="t"/>
+    </dgm:scene3d>
+    <dgm:sp3d z="-190500" extrusionH="12700" prstMaterial="plastic">
+      <a:bevelT w="50800" h="50800"/>
+    </dgm:sp3d>
+    <dgm:txPr/>
+    <dgm:style>
+      <a:lnRef idx="1">
+        <a:scrgbClr r="0" g="0" b="0"/>
+      </a:lnRef>
+      <a:fillRef idx="1">
+        <a:scrgbClr r="0" g="0" b="0"/>
+      </a:fillRef>
+      <a:effectRef idx="2">
+        <a:scrgbClr r="0" g="0" b="0"/>
+      </a:effectRef>
+      <a:fontRef idx="minor"/>
+    </dgm:style>
+  </dgm:styleLbl>
+  <dgm:styleLbl name="fgAcc0">
+    <dgm:scene3d>
+      <a:camera prst="orthographicFront"/>
+      <a:lightRig rig="flat" dir="t"/>
+    </dgm:scene3d>
+    <dgm:sp3d z="190500" extrusionH="12700" prstMaterial="plastic">
+      <a:bevelT w="50800" h="50800"/>
+    </dgm:sp3d>
+    <dgm:txPr/>
+    <dgm:style>
+      <a:lnRef idx="1">
+        <a:scrgbClr r="0" g="0" b="0"/>
+      </a:lnRef>
+      <a:fillRef idx="1">
+        <a:scrgbClr r="0" g="0" b="0"/>
+      </a:fillRef>
+      <a:effectRef idx="2">
+        <a:scrgbClr r="0" g="0" b="0"/>
+      </a:effectRef>
+      <a:fontRef idx="minor"/>
+    </dgm:style>
+  </dgm:styleLbl>
+  <dgm:styleLbl name="fgAcc2">
+    <dgm:scene3d>
+      <a:camera prst="orthographicFront"/>
+      <a:lightRig rig="flat" dir="t"/>
+    </dgm:scene3d>
+    <dgm:sp3d z="190500" extrusionH="12700" prstMaterial="plastic">
+      <a:bevelT w="50800" h="50800"/>
+    </dgm:sp3d>
+    <dgm:txPr/>
+    <dgm:style>
+      <a:lnRef idx="1">
+        <a:scrgbClr r="0" g="0" b="0"/>
+      </a:lnRef>
+      <a:fillRef idx="1">
+        <a:scrgbClr r="0" g="0" b="0"/>
+      </a:fillRef>
+      <a:effectRef idx="2">
+        <a:scrgbClr r="0" g="0" b="0"/>
+      </a:effectRef>
+      <a:fontRef idx="minor"/>
+    </dgm:style>
+  </dgm:styleLbl>
+  <dgm:styleLbl name="fgAcc3">
+    <dgm:scene3d>
+      <a:camera prst="orthographicFront"/>
+      <a:lightRig rig="flat" dir="t"/>
+    </dgm:scene3d>
+    <dgm:sp3d z="190500" extrusionH="12700" prstMaterial="plastic">
+      <a:bevelT w="50800" h="50800"/>
+    </dgm:sp3d>
+    <dgm:txPr/>
+    <dgm:style>
+      <a:lnRef idx="1">
+        <a:scrgbClr r="0" g="0" b="0"/>
+      </a:lnRef>
+      <a:fillRef idx="1">
+        <a:scrgbClr r="0" g="0" b="0"/>
+      </a:fillRef>
+      <a:effectRef idx="2">
+        <a:scrgbClr r="0" g="0" b="0"/>
+      </a:effectRef>
+      <a:fontRef idx="minor"/>
+    </dgm:style>
+  </dgm:styleLbl>
+  <dgm:styleLbl name="fgAcc4">
+    <dgm:scene3d>
+      <a:camera prst="orthographicFront"/>
+      <a:lightRig rig="flat" dir="t"/>
+    </dgm:scene3d>
+    <dgm:sp3d z="190500" extrusionH="12700" prstMaterial="plastic">
+      <a:bevelT w="50800" h="50800"/>
+    </dgm:sp3d>
+    <dgm:txPr/>
+    <dgm:style>
+      <a:lnRef idx="1">
+        <a:scrgbClr r="0" g="0" b="0"/>
+      </a:lnRef>
+      <a:fillRef idx="1">
+        <a:scrgbClr r="0" g="0" b="0"/>
+      </a:fillRef>
+      <a:effectRef idx="2">
+        <a:scrgbClr r="0" g="0" b="0"/>
+      </a:effectRef>
+      <a:fontRef idx="minor"/>
+    </dgm:style>
+  </dgm:styleLbl>
+  <dgm:styleLbl name="bgShp">
+    <dgm:scene3d>
+      <a:camera prst="orthographicFront"/>
+      <a:lightRig rig="flat" dir="t"/>
+    </dgm:scene3d>
+    <dgm:sp3d z="-190500" extrusionH="12700" prstMaterial="plastic">
+      <a:bevelT w="50800" h="50800"/>
+    </dgm:sp3d>
+    <dgm:txPr/>
+    <dgm:style>
+      <a:lnRef idx="0">
+        <a:scrgbClr r="0" g="0" b="0"/>
+      </a:lnRef>
+      <a:fillRef idx="3">
+        <a:scrgbClr r="0" g="0" b="0"/>
+      </a:fillRef>
+      <a:effectRef idx="0">
+        <a:scrgbClr r="0" g="0" b="0"/>
+      </a:effectRef>
+      <a:fontRef idx="minor"/>
+    </dgm:style>
+  </dgm:styleLbl>
+  <dgm:styleLbl name="dkBgShp">
+    <dgm:scene3d>
+      <a:camera prst="orthographicFront"/>
+      <a:lightRig rig="flat" dir="t"/>
+    </dgm:scene3d>
+    <dgm:sp3d z="-190500" extrusionH="12700" prstMaterial="plastic">
+      <a:bevelT w="50800" h="50800"/>
+    </dgm:sp3d>
+    <dgm:txPr/>
+    <dgm:style>
+      <a:lnRef idx="0">
+        <a:scrgbClr r="0" g="0" b="0"/>
+      </a:lnRef>
+      <a:fillRef idx="2">
+        <a:scrgbClr r="0" g="0" b="0"/>
+      </a:fillRef>
+      <a:effectRef idx="0">
+        <a:scrgbClr r="0" g="0" b="0"/>
+      </a:effectRef>
+      <a:fontRef idx="minor"/>
+    </dgm:style>
+  </dgm:styleLbl>
+  <dgm:styleLbl name="trBgShp">
+    <dgm:scene3d>
+      <a:camera prst="orthographicFront"/>
+      <a:lightRig rig="flat" dir="t"/>
+    </dgm:scene3d>
+    <dgm:sp3d z="-190500" extrusionH="12700" prstMaterial="matte"/>
+    <dgm:txPr/>
+    <dgm:style>
+      <a:lnRef idx="0">
+        <a:scrgbClr r="0" g="0" b="0"/>
+      </a:lnRef>
+      <a:fillRef idx="1">
+        <a:scrgbClr r="0" g="0" b="0"/>
+      </a:fillRef>
+      <a:effectRef idx="0">
+        <a:scrgbClr r="0" g="0" b="0"/>
+      </a:effectRef>
+      <a:fontRef idx="minor"/>
+    </dgm:style>
+  </dgm:styleLbl>
+  <dgm:styleLbl name="fgShp">
+    <dgm:scene3d>
+      <a:camera prst="orthographicFront"/>
+      <a:lightRig rig="flat" dir="t"/>
+    </dgm:scene3d>
+    <dgm:sp3d z="190500" prstMaterial="plastic">
+      <a:bevelT w="120900" h="88900"/>
+      <a:bevelB w="88900" h="31750" prst="angle"/>
+    </dgm:sp3d>
+    <dgm:txPr/>
+    <dgm:style>
+      <a:lnRef idx="0">
+        <a:scrgbClr r="0" g="0" b="0"/>
+      </a:lnRef>
+      <a:fillRef idx="1">
+        <a:scrgbClr r="0" g="0" b="0"/>
+      </a:fillRef>
+      <a:effectRef idx="3">
+        <a:scrgbClr r="0" g="0" b="0"/>
+      </a:effectRef>
+      <a:fontRef idx="minor">
+        <a:schemeClr val="lt1"/>
+      </a:fontRef>
+    </dgm:style>
+  </dgm:styleLbl>
+  <dgm:styleLbl name="revTx">
+    <dgm:scene3d>
+      <a:camera prst="orthographicFront"/>
+      <a:lightRig rig="threePt" dir="t"/>
+    </dgm:scene3d>
+    <dgm:sp3d/>
+    <dgm:txPr/>
+    <dgm:style>
+      <a:lnRef idx="0">
+        <a:scrgbClr r="0" g="0" b="0"/>
+      </a:lnRef>
+      <a:fillRef idx="0">
+        <a:scrgbClr r="0" g="0" b="0"/>
+      </a:fillRef>
+      <a:effectRef idx="0">
+        <a:scrgbClr r="0" g="0" b="0"/>
+      </a:effectRef>
+      <a:fontRef idx="minor"/>
+    </dgm:style>
+  </dgm:styleLbl>
+</dgm:styleDef>
+</file>
+
+<file path=ppt/diagrams/quickStyle9.xml><?xml version="1.0" encoding="utf-8"?>
 <dgm:styleDef xmlns:dgm="http://schemas.openxmlformats.org/drawingml/2006/diagram" xmlns:a="http://schemas.openxmlformats.org/drawingml/2006/main" uniqueId="urn:microsoft.com/office/officeart/2005/8/quickstyle/3d1">
   <dgm:title val=""/>
   <dgm:desc val=""/>
@@ -33378,7 +37221,7 @@
           <a:p>
             <a:fld id="{D09D8D34-2EBD-4B97-B36B-987099F6080A}" type="datetimeFigureOut">
               <a:rPr lang="ru-RU" smtClean="0"/>
-              <a:t>18.04.2022</a:t>
+              <a:t>24.04.2022</a:t>
             </a:fld>
             <a:endParaRPr lang="ru-RU"/>
           </a:p>
@@ -33548,7 +37391,7 @@
           <a:p>
             <a:fld id="{D09D8D34-2EBD-4B97-B36B-987099F6080A}" type="datetimeFigureOut">
               <a:rPr lang="ru-RU" smtClean="0"/>
-              <a:t>18.04.2022</a:t>
+              <a:t>24.04.2022</a:t>
             </a:fld>
             <a:endParaRPr lang="ru-RU"/>
           </a:p>
@@ -33728,7 +37571,7 @@
           <a:p>
             <a:fld id="{D09D8D34-2EBD-4B97-B36B-987099F6080A}" type="datetimeFigureOut">
               <a:rPr lang="ru-RU" smtClean="0"/>
-              <a:t>18.04.2022</a:t>
+              <a:t>24.04.2022</a:t>
             </a:fld>
             <a:endParaRPr lang="ru-RU"/>
           </a:p>
@@ -33898,7 +37741,7 @@
           <a:p>
             <a:fld id="{D09D8D34-2EBD-4B97-B36B-987099F6080A}" type="datetimeFigureOut">
               <a:rPr lang="ru-RU" smtClean="0"/>
-              <a:t>18.04.2022</a:t>
+              <a:t>24.04.2022</a:t>
             </a:fld>
             <a:endParaRPr lang="ru-RU"/>
           </a:p>
@@ -34144,7 +37987,7 @@
           <a:p>
             <a:fld id="{D09D8D34-2EBD-4B97-B36B-987099F6080A}" type="datetimeFigureOut">
               <a:rPr lang="ru-RU" smtClean="0"/>
-              <a:t>18.04.2022</a:t>
+              <a:t>24.04.2022</a:t>
             </a:fld>
             <a:endParaRPr lang="ru-RU"/>
           </a:p>
@@ -34376,7 +38219,7 @@
           <a:p>
             <a:fld id="{D09D8D34-2EBD-4B97-B36B-987099F6080A}" type="datetimeFigureOut">
               <a:rPr lang="ru-RU" smtClean="0"/>
-              <a:t>18.04.2022</a:t>
+              <a:t>24.04.2022</a:t>
             </a:fld>
             <a:endParaRPr lang="ru-RU"/>
           </a:p>
@@ -34743,7 +38586,7 @@
           <a:p>
             <a:fld id="{D09D8D34-2EBD-4B97-B36B-987099F6080A}" type="datetimeFigureOut">
               <a:rPr lang="ru-RU" smtClean="0"/>
-              <a:t>18.04.2022</a:t>
+              <a:t>24.04.2022</a:t>
             </a:fld>
             <a:endParaRPr lang="ru-RU"/>
           </a:p>
@@ -34861,7 +38704,7 @@
           <a:p>
             <a:fld id="{D09D8D34-2EBD-4B97-B36B-987099F6080A}" type="datetimeFigureOut">
               <a:rPr lang="ru-RU" smtClean="0"/>
-              <a:t>18.04.2022</a:t>
+              <a:t>24.04.2022</a:t>
             </a:fld>
             <a:endParaRPr lang="ru-RU"/>
           </a:p>
@@ -34956,7 +38799,7 @@
           <a:p>
             <a:fld id="{D09D8D34-2EBD-4B97-B36B-987099F6080A}" type="datetimeFigureOut">
               <a:rPr lang="ru-RU" smtClean="0"/>
-              <a:t>18.04.2022</a:t>
+              <a:t>24.04.2022</a:t>
             </a:fld>
             <a:endParaRPr lang="ru-RU"/>
           </a:p>
@@ -35233,7 +39076,7 @@
           <a:p>
             <a:fld id="{D09D8D34-2EBD-4B97-B36B-987099F6080A}" type="datetimeFigureOut">
               <a:rPr lang="ru-RU" smtClean="0"/>
-              <a:t>18.04.2022</a:t>
+              <a:t>24.04.2022</a:t>
             </a:fld>
             <a:endParaRPr lang="ru-RU"/>
           </a:p>
@@ -35486,7 +39329,7 @@
           <a:p>
             <a:fld id="{D09D8D34-2EBD-4B97-B36B-987099F6080A}" type="datetimeFigureOut">
               <a:rPr lang="ru-RU" smtClean="0"/>
-              <a:t>18.04.2022</a:t>
+              <a:t>24.04.2022</a:t>
             </a:fld>
             <a:endParaRPr lang="ru-RU"/>
           </a:p>
@@ -35699,7 +39542,7 @@
           <a:p>
             <a:fld id="{D09D8D34-2EBD-4B97-B36B-987099F6080A}" type="datetimeFigureOut">
               <a:rPr lang="ru-RU" smtClean="0"/>
-              <a:t>18.04.2022</a:t>
+              <a:t>24.04.2022</a:t>
             </a:fld>
             <a:endParaRPr lang="ru-RU"/>
           </a:p>
@@ -37302,7 +41145,7 @@
           <a:p>
             <a:r>
               <a:rPr lang="en-US" sz="3600" dirty="0" smtClean="0"/>
-              <a:t>Xilinx IP FIR Compiler (7.2): Low, Pass, High band filters</a:t>
+              <a:t>Xilinx IP FIR Compiler (7.2): Low, Band, High pass filters</a:t>
             </a:r>
             <a:endParaRPr lang="ru-RU" sz="3600" dirty="0"/>
           </a:p>
@@ -39909,7 +43752,7 @@
           <a:p>
             <a:r>
               <a:rPr lang="en-US" dirty="0" smtClean="0"/>
-              <a:t>FFT IP core: FFT</a:t>
+              <a:t>Xilinx FFT IP core: FFT</a:t>
             </a:r>
             <a:r>
               <a:rPr lang="ru-RU" dirty="0" smtClean="0"/>
@@ -39920,25 +43763,6 @@
               <a:t>and IFFT</a:t>
             </a:r>
             <a:endParaRPr lang="ru-RU" dirty="0"/>
-          </a:p>
-        </p:txBody>
-      </p:sp>
-      <p:sp>
-        <p:nvSpPr>
-          <p:cNvPr id="3" name="Объект 2"/>
-          <p:cNvSpPr>
-            <a:spLocks noGrp="1"/>
-          </p:cNvSpPr>
-          <p:nvPr>
-            <p:ph idx="1"/>
-          </p:nvPr>
-        </p:nvSpPr>
-        <p:spPr/>
-        <p:txBody>
-          <a:bodyPr/>
-          <a:lstStyle/>
-          <a:p>
-            <a:endParaRPr lang="ru-RU"/>
           </a:p>
         </p:txBody>
       </p:sp>
@@ -39971,6 +43795,211 @@
           </a:p>
         </p:txBody>
       </p:sp>
+      <p:graphicFrame>
+        <p:nvGraphicFramePr>
+          <p:cNvPr id="5" name="Схема 4"/>
+          <p:cNvGraphicFramePr/>
+          <p:nvPr>
+            <p:extLst>
+              <p:ext uri="{D42A27DB-BD31-4B8C-83A1-F6EECF244321}">
+                <p14:modId xmlns:p14="http://schemas.microsoft.com/office/powerpoint/2010/main" val="2456020153"/>
+              </p:ext>
+            </p:extLst>
+          </p:nvPr>
+        </p:nvGraphicFramePr>
+        <p:xfrm>
+          <a:off x="1532355" y="5142779"/>
+          <a:ext cx="3804948" cy="1190286"/>
+        </p:xfrm>
+        <a:graphic>
+          <a:graphicData uri="http://schemas.openxmlformats.org/drawingml/2006/diagram">
+            <dgm:relIds xmlns:dgm="http://schemas.openxmlformats.org/drawingml/2006/diagram" xmlns:r="http://schemas.openxmlformats.org/officeDocument/2006/relationships" r:dm="rId2" r:lo="rId3" r:qs="rId4" r:cs="rId5"/>
+          </a:graphicData>
+        </a:graphic>
+      </p:graphicFrame>
+      <p:sp>
+        <p:nvSpPr>
+          <p:cNvPr id="6" name="TextBox 5"/>
+          <p:cNvSpPr txBox="1"/>
+          <p:nvPr/>
+        </p:nvSpPr>
+        <p:spPr>
+          <a:xfrm>
+            <a:off x="1431026" y="6365557"/>
+            <a:ext cx="4007607" cy="307777"/>
+          </a:xfrm>
+          <a:prstGeom prst="rect">
+            <a:avLst/>
+          </a:prstGeom>
+          <a:noFill/>
+        </p:spPr>
+        <p:txBody>
+          <a:bodyPr wrap="square" rtlCol="0">
+            <a:spAutoFit/>
+          </a:bodyPr>
+          <a:lstStyle/>
+          <a:p>
+            <a:pPr algn="ctr"/>
+            <a:r>
+              <a:rPr lang="en-US" sz="1400" dirty="0" smtClean="0"/>
+              <a:t>Testbench for Xilinx FFT IP core</a:t>
+            </a:r>
+            <a:endParaRPr lang="ru-RU" sz="1400" dirty="0"/>
+          </a:p>
+        </p:txBody>
+      </p:sp>
+      <p:pic>
+        <p:nvPicPr>
+          <p:cNvPr id="7" name="Рисунок 6"/>
+          <p:cNvPicPr>
+            <a:picLocks noChangeAspect="1"/>
+          </p:cNvPicPr>
+          <p:nvPr/>
+        </p:nvPicPr>
+        <p:blipFill>
+          <a:blip r:embed="rId7">
+            <a:extLst>
+              <a:ext uri="{28A0092B-C50C-407E-A947-70E740481C1C}">
+                <a14:useLocalDpi xmlns:a14="http://schemas.microsoft.com/office/drawing/2010/main" val="0"/>
+              </a:ext>
+            </a:extLst>
+          </a:blip>
+          <a:stretch>
+            <a:fillRect/>
+          </a:stretch>
+        </p:blipFill>
+        <p:spPr>
+          <a:xfrm>
+            <a:off x="932359" y="1195416"/>
+            <a:ext cx="5004943" cy="3503460"/>
+          </a:xfrm>
+          <a:prstGeom prst="rect">
+            <a:avLst/>
+          </a:prstGeom>
+        </p:spPr>
+      </p:pic>
+      <p:pic>
+        <p:nvPicPr>
+          <p:cNvPr id="9" name="Рисунок 8"/>
+          <p:cNvPicPr>
+            <a:picLocks noChangeAspect="1"/>
+          </p:cNvPicPr>
+          <p:nvPr/>
+        </p:nvPicPr>
+        <p:blipFill>
+          <a:blip r:embed="rId8">
+            <a:extLst>
+              <a:ext uri="{28A0092B-C50C-407E-A947-70E740481C1C}">
+                <a14:useLocalDpi xmlns:a14="http://schemas.microsoft.com/office/drawing/2010/main" val="0"/>
+              </a:ext>
+            </a:extLst>
+          </a:blip>
+          <a:stretch>
+            <a:fillRect/>
+          </a:stretch>
+        </p:blipFill>
+        <p:spPr>
+          <a:xfrm>
+            <a:off x="7869531" y="1195416"/>
+            <a:ext cx="2989695" cy="3572394"/>
+          </a:xfrm>
+          <a:prstGeom prst="rect">
+            <a:avLst/>
+          </a:prstGeom>
+        </p:spPr>
+      </p:pic>
+      <p:sp>
+        <p:nvSpPr>
+          <p:cNvPr id="10" name="TextBox 9"/>
+          <p:cNvSpPr txBox="1"/>
+          <p:nvPr/>
+        </p:nvSpPr>
+        <p:spPr>
+          <a:xfrm>
+            <a:off x="7360574" y="4686908"/>
+            <a:ext cx="4007607" cy="307777"/>
+          </a:xfrm>
+          <a:prstGeom prst="rect">
+            <a:avLst/>
+          </a:prstGeom>
+          <a:noFill/>
+        </p:spPr>
+        <p:txBody>
+          <a:bodyPr wrap="square" rtlCol="0">
+            <a:spAutoFit/>
+          </a:bodyPr>
+          <a:lstStyle/>
+          <a:p>
+            <a:pPr algn="ctr"/>
+            <a:r>
+              <a:rPr lang="en-US" sz="1400" dirty="0" smtClean="0"/>
+              <a:t>Schematic of the Xilinx FFT IP core</a:t>
+            </a:r>
+            <a:endParaRPr lang="ru-RU" sz="1400" dirty="0"/>
+          </a:p>
+        </p:txBody>
+      </p:sp>
+      <p:sp>
+        <p:nvSpPr>
+          <p:cNvPr id="12" name="TextBox 11"/>
+          <p:cNvSpPr txBox="1"/>
+          <p:nvPr/>
+        </p:nvSpPr>
+        <p:spPr>
+          <a:xfrm>
+            <a:off x="7419683" y="6264305"/>
+            <a:ext cx="4007607" cy="307777"/>
+          </a:xfrm>
+          <a:prstGeom prst="rect">
+            <a:avLst/>
+          </a:prstGeom>
+          <a:noFill/>
+        </p:spPr>
+        <p:txBody>
+          <a:bodyPr wrap="square" rtlCol="0">
+            <a:spAutoFit/>
+          </a:bodyPr>
+          <a:lstStyle/>
+          <a:p>
+            <a:pPr algn="ctr"/>
+            <a:r>
+              <a:rPr lang="en-US" sz="1400" dirty="0" smtClean="0"/>
+              <a:t>Configuration word structure</a:t>
+            </a:r>
+            <a:endParaRPr lang="ru-RU" sz="1400" dirty="0"/>
+          </a:p>
+        </p:txBody>
+      </p:sp>
+      <p:pic>
+        <p:nvPicPr>
+          <p:cNvPr id="13" name="Рисунок 12"/>
+          <p:cNvPicPr>
+            <a:picLocks noChangeAspect="1"/>
+          </p:cNvPicPr>
+          <p:nvPr/>
+        </p:nvPicPr>
+        <p:blipFill>
+          <a:blip r:embed="rId9">
+            <a:extLst>
+              <a:ext uri="{28A0092B-C50C-407E-A947-70E740481C1C}">
+                <a14:useLocalDpi xmlns:a14="http://schemas.microsoft.com/office/drawing/2010/main" val="0"/>
+              </a:ext>
+            </a:extLst>
+          </a:blip>
+          <a:stretch>
+            <a:fillRect/>
+          </a:stretch>
+        </p:blipFill>
+        <p:spPr>
+          <a:xfrm>
+            <a:off x="6558860" y="5130694"/>
+            <a:ext cx="5611034" cy="1210705"/>
+          </a:xfrm>
+          <a:prstGeom prst="rect">
+            <a:avLst/>
+          </a:prstGeom>
+        </p:spPr>
+      </p:pic>
     </p:spTree>
     <p:extLst>
       <p:ext uri="{BB962C8B-B14F-4D97-AF65-F5344CB8AC3E}">
@@ -39984,9 +44013,339 @@
   <p:timing>
     <p:tnLst>
       <p:par>
-        <p:cTn id="1" dur="indefinite" restart="never" nodeType="tmRoot"/>
+        <p:cTn id="1" dur="indefinite" restart="never" nodeType="tmRoot">
+          <p:childTnLst>
+            <p:seq concurrent="1" nextAc="seek">
+              <p:cTn id="2" dur="indefinite" nodeType="mainSeq">
+                <p:childTnLst>
+                  <p:par>
+                    <p:cTn id="3" fill="hold">
+                      <p:stCondLst>
+                        <p:cond delay="indefinite"/>
+                      </p:stCondLst>
+                      <p:childTnLst>
+                        <p:par>
+                          <p:cTn id="4" fill="hold">
+                            <p:stCondLst>
+                              <p:cond delay="0"/>
+                            </p:stCondLst>
+                            <p:childTnLst>
+                              <p:par>
+                                <p:cTn id="5" presetID="22" presetClass="entr" presetSubtype="4" fill="hold" nodeType="clickEffect">
+                                  <p:stCondLst>
+                                    <p:cond delay="0"/>
+                                  </p:stCondLst>
+                                  <p:childTnLst>
+                                    <p:set>
+                                      <p:cBhvr>
+                                        <p:cTn id="6" dur="1" fill="hold">
+                                          <p:stCondLst>
+                                            <p:cond delay="0"/>
+                                          </p:stCondLst>
+                                        </p:cTn>
+                                        <p:tgtEl>
+                                          <p:spTgt spid="7"/>
+                                        </p:tgtEl>
+                                        <p:attrNameLst>
+                                          <p:attrName>style.visibility</p:attrName>
+                                        </p:attrNameLst>
+                                      </p:cBhvr>
+                                      <p:to>
+                                        <p:strVal val="visible"/>
+                                      </p:to>
+                                    </p:set>
+                                    <p:animEffect transition="in" filter="wipe(down)">
+                                      <p:cBhvr>
+                                        <p:cTn id="7" dur="750"/>
+                                        <p:tgtEl>
+                                          <p:spTgt spid="7"/>
+                                        </p:tgtEl>
+                                      </p:cBhvr>
+                                    </p:animEffect>
+                                  </p:childTnLst>
+                                </p:cTn>
+                              </p:par>
+                            </p:childTnLst>
+                          </p:cTn>
+                        </p:par>
+                      </p:childTnLst>
+                    </p:cTn>
+                  </p:par>
+                  <p:par>
+                    <p:cTn id="8" fill="hold">
+                      <p:stCondLst>
+                        <p:cond delay="indefinite"/>
+                      </p:stCondLst>
+                      <p:childTnLst>
+                        <p:par>
+                          <p:cTn id="9" fill="hold">
+                            <p:stCondLst>
+                              <p:cond delay="0"/>
+                            </p:stCondLst>
+                            <p:childTnLst>
+                              <p:par>
+                                <p:cTn id="10" presetID="22" presetClass="entr" presetSubtype="4" fill="hold" nodeType="clickEffect">
+                                  <p:stCondLst>
+                                    <p:cond delay="0"/>
+                                  </p:stCondLst>
+                                  <p:childTnLst>
+                                    <p:set>
+                                      <p:cBhvr>
+                                        <p:cTn id="11" dur="1" fill="hold">
+                                          <p:stCondLst>
+                                            <p:cond delay="0"/>
+                                          </p:stCondLst>
+                                        </p:cTn>
+                                        <p:tgtEl>
+                                          <p:spTgt spid="9"/>
+                                        </p:tgtEl>
+                                        <p:attrNameLst>
+                                          <p:attrName>style.visibility</p:attrName>
+                                        </p:attrNameLst>
+                                      </p:cBhvr>
+                                      <p:to>
+                                        <p:strVal val="visible"/>
+                                      </p:to>
+                                    </p:set>
+                                    <p:animEffect transition="in" filter="wipe(down)">
+                                      <p:cBhvr>
+                                        <p:cTn id="12" dur="750"/>
+                                        <p:tgtEl>
+                                          <p:spTgt spid="9"/>
+                                        </p:tgtEl>
+                                      </p:cBhvr>
+                                    </p:animEffect>
+                                  </p:childTnLst>
+                                </p:cTn>
+                              </p:par>
+                              <p:par>
+                                <p:cTn id="13" presetID="22" presetClass="entr" presetSubtype="4" fill="hold" grpId="0" nodeType="withEffect">
+                                  <p:stCondLst>
+                                    <p:cond delay="0"/>
+                                  </p:stCondLst>
+                                  <p:childTnLst>
+                                    <p:set>
+                                      <p:cBhvr>
+                                        <p:cTn id="14" dur="1" fill="hold">
+                                          <p:stCondLst>
+                                            <p:cond delay="0"/>
+                                          </p:stCondLst>
+                                        </p:cTn>
+                                        <p:tgtEl>
+                                          <p:spTgt spid="10"/>
+                                        </p:tgtEl>
+                                        <p:attrNameLst>
+                                          <p:attrName>style.visibility</p:attrName>
+                                        </p:attrNameLst>
+                                      </p:cBhvr>
+                                      <p:to>
+                                        <p:strVal val="visible"/>
+                                      </p:to>
+                                    </p:set>
+                                    <p:animEffect transition="in" filter="wipe(down)">
+                                      <p:cBhvr>
+                                        <p:cTn id="15" dur="750"/>
+                                        <p:tgtEl>
+                                          <p:spTgt spid="10"/>
+                                        </p:tgtEl>
+                                      </p:cBhvr>
+                                    </p:animEffect>
+                                  </p:childTnLst>
+                                </p:cTn>
+                              </p:par>
+                              <p:par>
+                                <p:cTn id="16" presetID="22" presetClass="entr" presetSubtype="4" fill="hold" nodeType="withEffect">
+                                  <p:stCondLst>
+                                    <p:cond delay="0"/>
+                                  </p:stCondLst>
+                                  <p:childTnLst>
+                                    <p:set>
+                                      <p:cBhvr>
+                                        <p:cTn id="17" dur="1" fill="hold">
+                                          <p:stCondLst>
+                                            <p:cond delay="0"/>
+                                          </p:stCondLst>
+                                        </p:cTn>
+                                        <p:tgtEl>
+                                          <p:spTgt spid="13"/>
+                                        </p:tgtEl>
+                                        <p:attrNameLst>
+                                          <p:attrName>style.visibility</p:attrName>
+                                        </p:attrNameLst>
+                                      </p:cBhvr>
+                                      <p:to>
+                                        <p:strVal val="visible"/>
+                                      </p:to>
+                                    </p:set>
+                                    <p:animEffect transition="in" filter="wipe(down)">
+                                      <p:cBhvr>
+                                        <p:cTn id="18" dur="750"/>
+                                        <p:tgtEl>
+                                          <p:spTgt spid="13"/>
+                                        </p:tgtEl>
+                                      </p:cBhvr>
+                                    </p:animEffect>
+                                  </p:childTnLst>
+                                </p:cTn>
+                              </p:par>
+                              <p:par>
+                                <p:cTn id="19" presetID="22" presetClass="entr" presetSubtype="4" fill="hold" grpId="0" nodeType="withEffect">
+                                  <p:stCondLst>
+                                    <p:cond delay="0"/>
+                                  </p:stCondLst>
+                                  <p:childTnLst>
+                                    <p:set>
+                                      <p:cBhvr>
+                                        <p:cTn id="20" dur="1" fill="hold">
+                                          <p:stCondLst>
+                                            <p:cond delay="0"/>
+                                          </p:stCondLst>
+                                        </p:cTn>
+                                        <p:tgtEl>
+                                          <p:spTgt spid="12"/>
+                                        </p:tgtEl>
+                                        <p:attrNameLst>
+                                          <p:attrName>style.visibility</p:attrName>
+                                        </p:attrNameLst>
+                                      </p:cBhvr>
+                                      <p:to>
+                                        <p:strVal val="visible"/>
+                                      </p:to>
+                                    </p:set>
+                                    <p:animEffect transition="in" filter="wipe(down)">
+                                      <p:cBhvr>
+                                        <p:cTn id="21" dur="750"/>
+                                        <p:tgtEl>
+                                          <p:spTgt spid="12"/>
+                                        </p:tgtEl>
+                                      </p:cBhvr>
+                                    </p:animEffect>
+                                  </p:childTnLst>
+                                </p:cTn>
+                              </p:par>
+                            </p:childTnLst>
+                          </p:cTn>
+                        </p:par>
+                      </p:childTnLst>
+                    </p:cTn>
+                  </p:par>
+                  <p:par>
+                    <p:cTn id="22" fill="hold">
+                      <p:stCondLst>
+                        <p:cond delay="indefinite"/>
+                      </p:stCondLst>
+                      <p:childTnLst>
+                        <p:par>
+                          <p:cTn id="23" fill="hold">
+                            <p:stCondLst>
+                              <p:cond delay="0"/>
+                            </p:stCondLst>
+                            <p:childTnLst>
+                              <p:par>
+                                <p:cTn id="24" presetID="22" presetClass="entr" presetSubtype="4" fill="hold" grpId="0" nodeType="clickEffect">
+                                  <p:stCondLst>
+                                    <p:cond delay="0"/>
+                                  </p:stCondLst>
+                                  <p:childTnLst>
+                                    <p:set>
+                                      <p:cBhvr>
+                                        <p:cTn id="25" dur="1" fill="hold">
+                                          <p:stCondLst>
+                                            <p:cond delay="0"/>
+                                          </p:stCondLst>
+                                        </p:cTn>
+                                        <p:tgtEl>
+                                          <p:spTgt spid="5"/>
+                                        </p:tgtEl>
+                                        <p:attrNameLst>
+                                          <p:attrName>style.visibility</p:attrName>
+                                        </p:attrNameLst>
+                                      </p:cBhvr>
+                                      <p:to>
+                                        <p:strVal val="visible"/>
+                                      </p:to>
+                                    </p:set>
+                                    <p:animEffect transition="in" filter="wipe(down)">
+                                      <p:cBhvr>
+                                        <p:cTn id="26" dur="750"/>
+                                        <p:tgtEl>
+                                          <p:spTgt spid="5"/>
+                                        </p:tgtEl>
+                                      </p:cBhvr>
+                                    </p:animEffect>
+                                  </p:childTnLst>
+                                </p:cTn>
+                              </p:par>
+                              <p:par>
+                                <p:cTn id="27" presetID="22" presetClass="entr" presetSubtype="4" fill="hold" grpId="0" nodeType="withEffect">
+                                  <p:stCondLst>
+                                    <p:cond delay="0"/>
+                                  </p:stCondLst>
+                                  <p:childTnLst>
+                                    <p:set>
+                                      <p:cBhvr>
+                                        <p:cTn id="28" dur="1" fill="hold">
+                                          <p:stCondLst>
+                                            <p:cond delay="0"/>
+                                          </p:stCondLst>
+                                        </p:cTn>
+                                        <p:tgtEl>
+                                          <p:spTgt spid="6"/>
+                                        </p:tgtEl>
+                                        <p:attrNameLst>
+                                          <p:attrName>style.visibility</p:attrName>
+                                        </p:attrNameLst>
+                                      </p:cBhvr>
+                                      <p:to>
+                                        <p:strVal val="visible"/>
+                                      </p:to>
+                                    </p:set>
+                                    <p:animEffect transition="in" filter="wipe(down)">
+                                      <p:cBhvr>
+                                        <p:cTn id="29" dur="750"/>
+                                        <p:tgtEl>
+                                          <p:spTgt spid="6"/>
+                                        </p:tgtEl>
+                                      </p:cBhvr>
+                                    </p:animEffect>
+                                  </p:childTnLst>
+                                </p:cTn>
+                              </p:par>
+                            </p:childTnLst>
+                          </p:cTn>
+                        </p:par>
+                      </p:childTnLst>
+                    </p:cTn>
+                  </p:par>
+                </p:childTnLst>
+              </p:cTn>
+              <p:prevCondLst>
+                <p:cond evt="onPrev" delay="0">
+                  <p:tgtEl>
+                    <p:sldTgt/>
+                  </p:tgtEl>
+                </p:cond>
+              </p:prevCondLst>
+              <p:nextCondLst>
+                <p:cond evt="onNext" delay="0">
+                  <p:tgtEl>
+                    <p:sldTgt/>
+                  </p:tgtEl>
+                </p:cond>
+              </p:nextCondLst>
+            </p:seq>
+          </p:childTnLst>
+        </p:cTn>
       </p:par>
     </p:tnLst>
+    <p:bldLst>
+      <p:bldGraphic spid="5" grpId="0">
+        <p:bldAsOne/>
+      </p:bldGraphic>
+      <p:bldP spid="6" grpId="0"/>
+      <p:bldP spid="10" grpId="0"/>
+      <p:bldP spid="12" grpId="0"/>
+    </p:bldLst>
   </p:timing>
 </p:sld>
 </file>
